--- a/code_optimization.pptx
+++ b/code_optimization.pptx
@@ -5,68 +5,69 @@
     <p:sldMasterId id="2147483648" r:id="rId1"/>
   </p:sldMasterIdLst>
   <p:notesMasterIdLst>
-    <p:notesMasterId r:id="rId61"/>
+    <p:notesMasterId r:id="rId62"/>
   </p:notesMasterIdLst>
   <p:sldIdLst>
     <p:sldId id="267" r:id="rId2"/>
-    <p:sldId id="293" r:id="rId3"/>
-    <p:sldId id="295" r:id="rId4"/>
-    <p:sldId id="311" r:id="rId5"/>
-    <p:sldId id="312" r:id="rId6"/>
-    <p:sldId id="268" r:id="rId7"/>
-    <p:sldId id="257" r:id="rId8"/>
-    <p:sldId id="258" r:id="rId9"/>
-    <p:sldId id="259" r:id="rId10"/>
-    <p:sldId id="260" r:id="rId11"/>
-    <p:sldId id="261" r:id="rId12"/>
-    <p:sldId id="262" r:id="rId13"/>
-    <p:sldId id="263" r:id="rId14"/>
-    <p:sldId id="264" r:id="rId15"/>
-    <p:sldId id="265" r:id="rId16"/>
-    <p:sldId id="266" r:id="rId17"/>
-    <p:sldId id="269" r:id="rId18"/>
-    <p:sldId id="270" r:id="rId19"/>
-    <p:sldId id="284" r:id="rId20"/>
-    <p:sldId id="272" r:id="rId21"/>
-    <p:sldId id="277" r:id="rId22"/>
-    <p:sldId id="273" r:id="rId23"/>
-    <p:sldId id="279" r:id="rId24"/>
-    <p:sldId id="280" r:id="rId25"/>
-    <p:sldId id="278" r:id="rId26"/>
-    <p:sldId id="288" r:id="rId27"/>
-    <p:sldId id="296" r:id="rId28"/>
-    <p:sldId id="285" r:id="rId29"/>
-    <p:sldId id="275" r:id="rId30"/>
-    <p:sldId id="291" r:id="rId31"/>
-    <p:sldId id="290" r:id="rId32"/>
-    <p:sldId id="289" r:id="rId33"/>
-    <p:sldId id="281" r:id="rId34"/>
-    <p:sldId id="304" r:id="rId35"/>
-    <p:sldId id="305" r:id="rId36"/>
-    <p:sldId id="298" r:id="rId37"/>
-    <p:sldId id="318" r:id="rId38"/>
-    <p:sldId id="299" r:id="rId39"/>
-    <p:sldId id="300" r:id="rId40"/>
-    <p:sldId id="301" r:id="rId41"/>
-    <p:sldId id="302" r:id="rId42"/>
-    <p:sldId id="313" r:id="rId43"/>
-    <p:sldId id="314" r:id="rId44"/>
-    <p:sldId id="315" r:id="rId45"/>
-    <p:sldId id="316" r:id="rId46"/>
-    <p:sldId id="317" r:id="rId47"/>
-    <p:sldId id="320" r:id="rId48"/>
-    <p:sldId id="319" r:id="rId49"/>
-    <p:sldId id="306" r:id="rId50"/>
-    <p:sldId id="307" r:id="rId51"/>
-    <p:sldId id="308" r:id="rId52"/>
-    <p:sldId id="309" r:id="rId53"/>
-    <p:sldId id="310" r:id="rId54"/>
-    <p:sldId id="287" r:id="rId55"/>
-    <p:sldId id="292" r:id="rId56"/>
-    <p:sldId id="286" r:id="rId57"/>
-    <p:sldId id="297" r:id="rId58"/>
-    <p:sldId id="271" r:id="rId59"/>
-    <p:sldId id="283" r:id="rId60"/>
+    <p:sldId id="321" r:id="rId3"/>
+    <p:sldId id="293" r:id="rId4"/>
+    <p:sldId id="295" r:id="rId5"/>
+    <p:sldId id="311" r:id="rId6"/>
+    <p:sldId id="312" r:id="rId7"/>
+    <p:sldId id="268" r:id="rId8"/>
+    <p:sldId id="257" r:id="rId9"/>
+    <p:sldId id="258" r:id="rId10"/>
+    <p:sldId id="259" r:id="rId11"/>
+    <p:sldId id="260" r:id="rId12"/>
+    <p:sldId id="261" r:id="rId13"/>
+    <p:sldId id="262" r:id="rId14"/>
+    <p:sldId id="263" r:id="rId15"/>
+    <p:sldId id="264" r:id="rId16"/>
+    <p:sldId id="265" r:id="rId17"/>
+    <p:sldId id="266" r:id="rId18"/>
+    <p:sldId id="269" r:id="rId19"/>
+    <p:sldId id="270" r:id="rId20"/>
+    <p:sldId id="284" r:id="rId21"/>
+    <p:sldId id="272" r:id="rId22"/>
+    <p:sldId id="277" r:id="rId23"/>
+    <p:sldId id="273" r:id="rId24"/>
+    <p:sldId id="279" r:id="rId25"/>
+    <p:sldId id="280" r:id="rId26"/>
+    <p:sldId id="278" r:id="rId27"/>
+    <p:sldId id="288" r:id="rId28"/>
+    <p:sldId id="296" r:id="rId29"/>
+    <p:sldId id="285" r:id="rId30"/>
+    <p:sldId id="275" r:id="rId31"/>
+    <p:sldId id="291" r:id="rId32"/>
+    <p:sldId id="290" r:id="rId33"/>
+    <p:sldId id="289" r:id="rId34"/>
+    <p:sldId id="281" r:id="rId35"/>
+    <p:sldId id="304" r:id="rId36"/>
+    <p:sldId id="305" r:id="rId37"/>
+    <p:sldId id="298" r:id="rId38"/>
+    <p:sldId id="318" r:id="rId39"/>
+    <p:sldId id="299" r:id="rId40"/>
+    <p:sldId id="300" r:id="rId41"/>
+    <p:sldId id="301" r:id="rId42"/>
+    <p:sldId id="302" r:id="rId43"/>
+    <p:sldId id="313" r:id="rId44"/>
+    <p:sldId id="314" r:id="rId45"/>
+    <p:sldId id="315" r:id="rId46"/>
+    <p:sldId id="316" r:id="rId47"/>
+    <p:sldId id="317" r:id="rId48"/>
+    <p:sldId id="320" r:id="rId49"/>
+    <p:sldId id="319" r:id="rId50"/>
+    <p:sldId id="306" r:id="rId51"/>
+    <p:sldId id="307" r:id="rId52"/>
+    <p:sldId id="308" r:id="rId53"/>
+    <p:sldId id="309" r:id="rId54"/>
+    <p:sldId id="310" r:id="rId55"/>
+    <p:sldId id="287" r:id="rId56"/>
+    <p:sldId id="292" r:id="rId57"/>
+    <p:sldId id="286" r:id="rId58"/>
+    <p:sldId id="297" r:id="rId59"/>
+    <p:sldId id="271" r:id="rId60"/>
+    <p:sldId id="283" r:id="rId61"/>
   </p:sldIdLst>
   <p:sldSz cx="9144000" cy="6858000" type="screen4x3"/>
   <p:notesSz cx="6858000" cy="9144000"/>
@@ -171,6 +172,7 @@
         <p14:section name="Default Section" id="{CCE57217-9577-4D10-8053-5D4B3BF5C83A}">
           <p14:sldIdLst>
             <p14:sldId id="267"/>
+            <p14:sldId id="321"/>
           </p14:sldIdLst>
         </p14:section>
         <p14:section name="introduction" id="{50D0C955-0358-493A-B4D9-DD93B5042F1A}">
@@ -1897,7 +1899,7 @@
           <a:p>
             <a:fld id="{8B979C76-3FF1-40F3-8C7E-1BB6B02B1C34}" type="slidenum">
               <a:rPr lang="en-US" smtClean="0"/>
-              <a:t>21</a:t>
+              <a:t>22</a:t>
             </a:fld>
             <a:endParaRPr lang="en-US"/>
           </a:p>
@@ -5258,6 +5260,1065 @@
 </file>
 
 <file path=ppt/slides/slide10.xml><?xml version="1.0" encoding="utf-8"?>
+<p:sld xmlns:a="http://schemas.openxmlformats.org/drawingml/2006/main" xmlns:r="http://schemas.openxmlformats.org/officeDocument/2006/relationships" xmlns:p="http://schemas.openxmlformats.org/presentationml/2006/main">
+  <p:cSld>
+    <p:spTree>
+      <p:nvGrpSpPr>
+        <p:cNvPr id="1" name=""/>
+        <p:cNvGrpSpPr/>
+        <p:nvPr/>
+      </p:nvGrpSpPr>
+      <p:grpSpPr>
+        <a:xfrm>
+          <a:off x="0" y="0"/>
+          <a:ext cx="0" cy="0"/>
+          <a:chOff x="0" y="0"/>
+          <a:chExt cx="0" cy="0"/>
+        </a:xfrm>
+      </p:grpSpPr>
+      <p:sp>
+        <p:nvSpPr>
+          <p:cNvPr id="2" name="Title 1"/>
+          <p:cNvSpPr>
+            <a:spLocks noGrp="1"/>
+          </p:cNvSpPr>
+          <p:nvPr>
+            <p:ph type="title"/>
+          </p:nvPr>
+        </p:nvSpPr>
+        <p:spPr/>
+        <p:txBody>
+          <a:bodyPr/>
+          <a:lstStyle/>
+          <a:p>
+            <a:r>
+              <a:rPr lang="en-US" dirty="0"/>
+              <a:t>Definitions</a:t>
+            </a:r>
+            <a:endParaRPr lang="nl-BE" dirty="0"/>
+          </a:p>
+        </p:txBody>
+      </p:sp>
+      <mc:AlternateContent xmlns:mc="http://schemas.openxmlformats.org/markup-compatibility/2006" xmlns:a14="http://schemas.microsoft.com/office/drawing/2010/main">
+        <mc:Choice Requires="a14">
+          <p:sp>
+            <p:nvSpPr>
+              <p:cNvPr id="3" name="Content Placeholder 2"/>
+              <p:cNvSpPr>
+                <a:spLocks noGrp="1"/>
+              </p:cNvSpPr>
+              <p:nvPr>
+                <p:ph idx="1"/>
+              </p:nvPr>
+            </p:nvSpPr>
+            <p:spPr/>
+            <p:txBody>
+              <a:bodyPr/>
+              <a:lstStyle/>
+              <a:p>
+                <a:r>
+                  <a:rPr lang="en-US" dirty="0"/>
+                  <a:t>Parallel speedup </a:t>
+                </a:r>
+                <a14:m>
+                  <m:oMath xmlns:m="http://schemas.openxmlformats.org/officeDocument/2006/math">
+                    <m:r>
+                      <a:rPr lang="en-US" i="1" dirty="0" smtClean="0">
+                        <a:latin typeface="Cambria Math"/>
+                      </a:rPr>
+                      <m:t>𝑆</m:t>
+                    </m:r>
+                    <m:r>
+                      <a:rPr lang="en-US" b="0" i="1" dirty="0" smtClean="0">
+                        <a:latin typeface="Cambria Math"/>
+                      </a:rPr>
+                      <m:t>(</m:t>
+                    </m:r>
+                    <m:r>
+                      <a:rPr lang="en-US" b="0" i="1" dirty="0" smtClean="0">
+                        <a:latin typeface="Cambria Math"/>
+                      </a:rPr>
+                      <m:t>𝑛</m:t>
+                    </m:r>
+                    <m:r>
+                      <a:rPr lang="en-US" b="0" i="1" dirty="0" smtClean="0">
+                        <a:latin typeface="Cambria Math"/>
+                      </a:rPr>
+                      <m:t>)</m:t>
+                    </m:r>
+                  </m:oMath>
+                </a14:m>
+                <a:r>
+                  <a:rPr lang="en-US" dirty="0"/>
+                  <a:t> for </a:t>
+                </a:r>
+                <a14:m>
+                  <m:oMath xmlns:m="http://schemas.openxmlformats.org/officeDocument/2006/math">
+                    <m:r>
+                      <a:rPr lang="en-US" i="1" dirty="0" smtClean="0">
+                        <a:latin typeface="Cambria Math"/>
+                      </a:rPr>
+                      <m:t>𝑛</m:t>
+                    </m:r>
+                  </m:oMath>
+                </a14:m>
+                <a:r>
+                  <a:rPr lang="en-US" dirty="0"/>
+                  <a:t> processes:</a:t>
+                </a:r>
+              </a:p>
+              <a:p>
+                <a:pPr marL="0" indent="0">
+                  <a:buNone/>
+                </a:pPr>
+                <a:endParaRPr lang="en-US" dirty="0"/>
+              </a:p>
+              <a:p>
+                <a:pPr lvl="1"/>
+                <a:r>
+                  <a:rPr lang="en-US" dirty="0"/>
+                  <a:t>Ideally,</a:t>
+                </a:r>
+              </a:p>
+              <a:p>
+                <a:pPr lvl="1"/>
+                <a:endParaRPr lang="en-US" dirty="0"/>
+              </a:p>
+              <a:p>
+                <a:r>
+                  <a:rPr lang="en-US" dirty="0"/>
+                  <a:t>Parallel efficiency </a:t>
+                </a:r>
+                <a14:m>
+                  <m:oMath xmlns:m="http://schemas.openxmlformats.org/officeDocument/2006/math">
+                    <m:r>
+                      <a:rPr lang="en-US" b="0" i="1" dirty="0" smtClean="0">
+                        <a:latin typeface="Cambria Math"/>
+                      </a:rPr>
+                      <m:t>𝐸</m:t>
+                    </m:r>
+                    <m:r>
+                      <a:rPr lang="en-US" b="0" i="1" dirty="0" smtClean="0">
+                        <a:latin typeface="Cambria Math"/>
+                      </a:rPr>
+                      <m:t>(</m:t>
+                    </m:r>
+                    <m:r>
+                      <a:rPr lang="en-US" b="0" i="1" dirty="0" smtClean="0">
+                        <a:latin typeface="Cambria Math"/>
+                      </a:rPr>
+                      <m:t>𝑛</m:t>
+                    </m:r>
+                    <m:r>
+                      <a:rPr lang="en-US" b="0" i="1" dirty="0" smtClean="0">
+                        <a:latin typeface="Cambria Math"/>
+                      </a:rPr>
+                      <m:t>)</m:t>
+                    </m:r>
+                  </m:oMath>
+                </a14:m>
+                <a:r>
+                  <a:rPr lang="en-US" dirty="0"/>
+                  <a:t> for </a:t>
+                </a:r>
+                <a14:m>
+                  <m:oMath xmlns:m="http://schemas.openxmlformats.org/officeDocument/2006/math">
+                    <m:r>
+                      <a:rPr lang="en-US" i="1" dirty="0" smtClean="0">
+                        <a:latin typeface="Cambria Math"/>
+                      </a:rPr>
+                      <m:t>𝑛</m:t>
+                    </m:r>
+                  </m:oMath>
+                </a14:m>
+                <a:r>
+                  <a:rPr lang="en-US" dirty="0"/>
+                  <a:t> processes:</a:t>
+                </a:r>
+              </a:p>
+              <a:p>
+                <a:endParaRPr lang="en-US" dirty="0"/>
+              </a:p>
+              <a:p>
+                <a:pPr lvl="1"/>
+                <a:r>
+                  <a:rPr lang="en-US" dirty="0"/>
+                  <a:t>Ideally,</a:t>
+                </a:r>
+                <a:endParaRPr lang="nl-BE" dirty="0"/>
+              </a:p>
+            </p:txBody>
+          </p:sp>
+        </mc:Choice>
+        <mc:Fallback xmlns="">
+          <p:sp>
+            <p:nvSpPr>
+              <p:cNvPr id="3" name="Content Placeholder 2"/>
+              <p:cNvSpPr>
+                <a:spLocks noGrp="1" noRot="1" noChangeAspect="1" noMove="1" noResize="1" noEditPoints="1" noAdjustHandles="1" noChangeArrowheads="1" noChangeShapeType="1" noTextEdit="1"/>
+              </p:cNvSpPr>
+              <p:nvPr>
+                <p:ph idx="1"/>
+              </p:nvPr>
+            </p:nvSpPr>
+            <p:spPr>
+              <a:blipFill rotWithShape="1">
+                <a:blip r:embed="rId2"/>
+                <a:stretch>
+                  <a:fillRect l="-1630" t="-1617"/>
+                </a:stretch>
+              </a:blipFill>
+            </p:spPr>
+            <p:txBody>
+              <a:bodyPr/>
+              <a:lstStyle/>
+              <a:p>
+                <a:r>
+                  <a:rPr lang="nl-BE">
+                    <a:noFill/>
+                  </a:rPr>
+                  <a:t> </a:t>
+                </a:r>
+              </a:p>
+            </p:txBody>
+          </p:sp>
+        </mc:Fallback>
+      </mc:AlternateContent>
+      <mc:AlternateContent xmlns:mc="http://schemas.openxmlformats.org/markup-compatibility/2006" xmlns:a14="http://schemas.microsoft.com/office/drawing/2010/main">
+        <mc:Choice Requires="a14">
+          <p:sp>
+            <p:nvSpPr>
+              <p:cNvPr id="4" name="TextBox 3"/>
+              <p:cNvSpPr txBox="1"/>
+              <p:nvPr/>
+            </p:nvSpPr>
+            <p:spPr>
+              <a:xfrm>
+                <a:off x="3059832" y="2204864"/>
+                <a:ext cx="2088232" cy="969433"/>
+              </a:xfrm>
+              <a:prstGeom prst="rect">
+                <a:avLst/>
+              </a:prstGeom>
+              <a:noFill/>
+            </p:spPr>
+            <p:txBody>
+              <a:bodyPr wrap="square" rtlCol="0">
+                <a:spAutoFit/>
+              </a:bodyPr>
+              <a:lstStyle/>
+              <a:p>
+                <a:pPr/>
+                <a14:m>
+                  <m:oMathPara xmlns:m="http://schemas.openxmlformats.org/officeDocument/2006/math">
+                    <m:oMathParaPr>
+                      <m:jc m:val="centerGroup"/>
+                    </m:oMathParaPr>
+                    <m:oMath xmlns:m="http://schemas.openxmlformats.org/officeDocument/2006/math">
+                      <m:r>
+                        <a:rPr lang="en-US" sz="2800" b="0" i="1" smtClean="0">
+                          <a:latin typeface="Cambria Math"/>
+                        </a:rPr>
+                        <m:t>𝑆</m:t>
+                      </m:r>
+                      <m:r>
+                        <a:rPr lang="en-US" sz="2800" b="0" i="1" smtClean="0">
+                          <a:latin typeface="Cambria Math"/>
+                        </a:rPr>
+                        <m:t>(</m:t>
+                      </m:r>
+                      <m:r>
+                        <a:rPr lang="en-US" sz="2800" b="0" i="1" smtClean="0">
+                          <a:latin typeface="Cambria Math"/>
+                        </a:rPr>
+                        <m:t>𝑛</m:t>
+                      </m:r>
+                      <m:r>
+                        <a:rPr lang="en-US" sz="2800" b="0" i="1" smtClean="0">
+                          <a:latin typeface="Cambria Math"/>
+                        </a:rPr>
+                        <m:t>)=</m:t>
+                      </m:r>
+                      <m:f>
+                        <m:fPr>
+                          <m:ctrlPr>
+                            <a:rPr lang="en-US" sz="2800" b="0" i="1" smtClean="0">
+                              <a:latin typeface="Cambria Math" panose="02040503050406030204" pitchFamily="18" charset="0"/>
+                            </a:rPr>
+                          </m:ctrlPr>
+                        </m:fPr>
+                        <m:num>
+                          <m:sSub>
+                            <m:sSubPr>
+                              <m:ctrlPr>
+                                <a:rPr lang="en-US" sz="2800" b="0" i="1" smtClean="0">
+                                  <a:latin typeface="Cambria Math" panose="02040503050406030204" pitchFamily="18" charset="0"/>
+                                </a:rPr>
+                              </m:ctrlPr>
+                            </m:sSubPr>
+                            <m:e>
+                              <m:r>
+                                <a:rPr lang="en-US" sz="2800" b="0" i="1" smtClean="0">
+                                  <a:latin typeface="Cambria Math"/>
+                                </a:rPr>
+                                <m:t>𝑇</m:t>
+                              </m:r>
+                            </m:e>
+                            <m:sub>
+                              <m:r>
+                                <a:rPr lang="en-US" sz="2800" b="0" i="1" smtClean="0">
+                                  <a:latin typeface="Cambria Math"/>
+                                </a:rPr>
+                                <m:t>1</m:t>
+                              </m:r>
+                            </m:sub>
+                          </m:sSub>
+                        </m:num>
+                        <m:den>
+                          <m:sSub>
+                            <m:sSubPr>
+                              <m:ctrlPr>
+                                <a:rPr lang="en-US" sz="2800" b="0" i="1" smtClean="0">
+                                  <a:latin typeface="Cambria Math" panose="02040503050406030204" pitchFamily="18" charset="0"/>
+                                </a:rPr>
+                              </m:ctrlPr>
+                            </m:sSubPr>
+                            <m:e>
+                              <m:r>
+                                <a:rPr lang="en-US" sz="2800" b="0" i="1" smtClean="0">
+                                  <a:latin typeface="Cambria Math"/>
+                                </a:rPr>
+                                <m:t>𝑇</m:t>
+                              </m:r>
+                            </m:e>
+                            <m:sub>
+                              <m:r>
+                                <a:rPr lang="en-US" sz="2800" b="0" i="1" smtClean="0">
+                                  <a:latin typeface="Cambria Math"/>
+                                </a:rPr>
+                                <m:t>𝑛</m:t>
+                              </m:r>
+                            </m:sub>
+                          </m:sSub>
+                        </m:den>
+                      </m:f>
+                    </m:oMath>
+                  </m:oMathPara>
+                </a14:m>
+                <a:endParaRPr lang="nl-BE" sz="2800" dirty="0"/>
+              </a:p>
+            </p:txBody>
+          </p:sp>
+        </mc:Choice>
+        <mc:Fallback xmlns="">
+          <p:sp>
+            <p:nvSpPr>
+              <p:cNvPr id="4" name="TextBox 3"/>
+              <p:cNvSpPr txBox="1">
+                <a:spLocks noRot="1" noChangeAspect="1" noMove="1" noResize="1" noEditPoints="1" noAdjustHandles="1" noChangeArrowheads="1" noChangeShapeType="1" noTextEdit="1"/>
+              </p:cNvSpPr>
+              <p:nvPr/>
+            </p:nvSpPr>
+            <p:spPr>
+              <a:xfrm>
+                <a:off x="3059832" y="2204864"/>
+                <a:ext cx="2088232" cy="969433"/>
+              </a:xfrm>
+              <a:prstGeom prst="rect">
+                <a:avLst/>
+              </a:prstGeom>
+              <a:blipFill rotWithShape="1">
+                <a:blip r:embed="rId3"/>
+                <a:stretch>
+                  <a:fillRect/>
+                </a:stretch>
+              </a:blipFill>
+            </p:spPr>
+            <p:txBody>
+              <a:bodyPr/>
+              <a:lstStyle/>
+              <a:p>
+                <a:r>
+                  <a:rPr lang="nl-BE">
+                    <a:noFill/>
+                  </a:rPr>
+                  <a:t> </a:t>
+                </a:r>
+              </a:p>
+            </p:txBody>
+          </p:sp>
+        </mc:Fallback>
+      </mc:AlternateContent>
+      <mc:AlternateContent xmlns:mc="http://schemas.openxmlformats.org/markup-compatibility/2006" xmlns:a14="http://schemas.microsoft.com/office/drawing/2010/main">
+        <mc:Choice Requires="a14">
+          <p:sp>
+            <p:nvSpPr>
+              <p:cNvPr id="5" name="TextBox 4"/>
+              <p:cNvSpPr txBox="1"/>
+              <p:nvPr/>
+            </p:nvSpPr>
+            <p:spPr>
+              <a:xfrm>
+                <a:off x="2987824" y="3284984"/>
+                <a:ext cx="2088232" cy="523220"/>
+              </a:xfrm>
+              <a:prstGeom prst="rect">
+                <a:avLst/>
+              </a:prstGeom>
+              <a:noFill/>
+            </p:spPr>
+            <p:txBody>
+              <a:bodyPr wrap="square" rtlCol="0">
+                <a:spAutoFit/>
+              </a:bodyPr>
+              <a:lstStyle/>
+              <a:p>
+                <a:pPr/>
+                <a14:m>
+                  <m:oMathPara xmlns:m="http://schemas.openxmlformats.org/officeDocument/2006/math">
+                    <m:oMathParaPr>
+                      <m:jc m:val="centerGroup"/>
+                    </m:oMathParaPr>
+                    <m:oMath xmlns:m="http://schemas.openxmlformats.org/officeDocument/2006/math">
+                      <m:r>
+                        <a:rPr lang="en-US" sz="2800" b="0" i="1" smtClean="0">
+                          <a:latin typeface="Cambria Math"/>
+                        </a:rPr>
+                        <m:t>𝑆</m:t>
+                      </m:r>
+                      <m:r>
+                        <a:rPr lang="en-US" sz="2800" b="0" i="1" smtClean="0">
+                          <a:latin typeface="Cambria Math"/>
+                        </a:rPr>
+                        <m:t>(</m:t>
+                      </m:r>
+                      <m:r>
+                        <a:rPr lang="en-US" sz="2800" b="0" i="1" smtClean="0">
+                          <a:latin typeface="Cambria Math"/>
+                        </a:rPr>
+                        <m:t>𝑛</m:t>
+                      </m:r>
+                      <m:r>
+                        <a:rPr lang="en-US" sz="2800" b="0" i="1" smtClean="0">
+                          <a:latin typeface="Cambria Math"/>
+                        </a:rPr>
+                        <m:t>)=</m:t>
+                      </m:r>
+                      <m:r>
+                        <a:rPr lang="en-US" sz="2800" b="0" i="1" smtClean="0">
+                          <a:latin typeface="Cambria Math"/>
+                        </a:rPr>
+                        <m:t>𝑛</m:t>
+                      </m:r>
+                    </m:oMath>
+                  </m:oMathPara>
+                </a14:m>
+                <a:endParaRPr lang="nl-BE" sz="2800" dirty="0"/>
+              </a:p>
+            </p:txBody>
+          </p:sp>
+        </mc:Choice>
+        <mc:Fallback xmlns="">
+          <p:sp>
+            <p:nvSpPr>
+              <p:cNvPr id="5" name="TextBox 4"/>
+              <p:cNvSpPr txBox="1">
+                <a:spLocks noRot="1" noChangeAspect="1" noMove="1" noResize="1" noEditPoints="1" noAdjustHandles="1" noChangeArrowheads="1" noChangeShapeType="1" noTextEdit="1"/>
+              </p:cNvSpPr>
+              <p:nvPr/>
+            </p:nvSpPr>
+            <p:spPr>
+              <a:xfrm>
+                <a:off x="2987824" y="3284984"/>
+                <a:ext cx="2088232" cy="523220"/>
+              </a:xfrm>
+              <a:prstGeom prst="rect">
+                <a:avLst/>
+              </a:prstGeom>
+              <a:blipFill rotWithShape="1">
+                <a:blip r:embed="rId4"/>
+                <a:stretch>
+                  <a:fillRect/>
+                </a:stretch>
+              </a:blipFill>
+            </p:spPr>
+            <p:txBody>
+              <a:bodyPr/>
+              <a:lstStyle/>
+              <a:p>
+                <a:r>
+                  <a:rPr lang="nl-BE">
+                    <a:noFill/>
+                  </a:rPr>
+                  <a:t> </a:t>
+                </a:r>
+              </a:p>
+            </p:txBody>
+          </p:sp>
+        </mc:Fallback>
+      </mc:AlternateContent>
+      <mc:AlternateContent xmlns:mc="http://schemas.openxmlformats.org/markup-compatibility/2006" xmlns:a14="http://schemas.microsoft.com/office/drawing/2010/main">
+        <mc:Choice Requires="a14">
+          <p:sp>
+            <p:nvSpPr>
+              <p:cNvPr id="6" name="TextBox 5"/>
+              <p:cNvSpPr txBox="1"/>
+              <p:nvPr/>
+            </p:nvSpPr>
+            <p:spPr>
+              <a:xfrm>
+                <a:off x="3131840" y="4365104"/>
+                <a:ext cx="2088232" cy="971741"/>
+              </a:xfrm>
+              <a:prstGeom prst="rect">
+                <a:avLst/>
+              </a:prstGeom>
+              <a:noFill/>
+            </p:spPr>
+            <p:txBody>
+              <a:bodyPr wrap="square" rtlCol="0">
+                <a:spAutoFit/>
+              </a:bodyPr>
+              <a:lstStyle/>
+              <a:p>
+                <a:pPr/>
+                <a14:m>
+                  <m:oMathPara xmlns:m="http://schemas.openxmlformats.org/officeDocument/2006/math">
+                    <m:oMathParaPr>
+                      <m:jc m:val="centerGroup"/>
+                    </m:oMathParaPr>
+                    <m:oMath xmlns:m="http://schemas.openxmlformats.org/officeDocument/2006/math">
+                      <m:r>
+                        <a:rPr lang="en-US" sz="2800" b="0" i="1" smtClean="0">
+                          <a:latin typeface="Cambria Math"/>
+                        </a:rPr>
+                        <m:t>𝐸</m:t>
+                      </m:r>
+                      <m:r>
+                        <a:rPr lang="en-US" sz="2800" b="0" i="1" smtClean="0">
+                          <a:latin typeface="Cambria Math"/>
+                        </a:rPr>
+                        <m:t>(</m:t>
+                      </m:r>
+                      <m:r>
+                        <a:rPr lang="en-US" sz="2800" b="0" i="1" smtClean="0">
+                          <a:latin typeface="Cambria Math"/>
+                        </a:rPr>
+                        <m:t>𝑛</m:t>
+                      </m:r>
+                      <m:r>
+                        <a:rPr lang="en-US" sz="2800" b="0" i="1" smtClean="0">
+                          <a:latin typeface="Cambria Math"/>
+                        </a:rPr>
+                        <m:t>)=</m:t>
+                      </m:r>
+                      <m:f>
+                        <m:fPr>
+                          <m:ctrlPr>
+                            <a:rPr lang="en-US" sz="2800" b="0" i="1" smtClean="0">
+                              <a:latin typeface="Cambria Math" panose="02040503050406030204" pitchFamily="18" charset="0"/>
+                            </a:rPr>
+                          </m:ctrlPr>
+                        </m:fPr>
+                        <m:num>
+                          <m:sSub>
+                            <m:sSubPr>
+                              <m:ctrlPr>
+                                <a:rPr lang="en-US" sz="2800" b="0" i="1" smtClean="0">
+                                  <a:latin typeface="Cambria Math" panose="02040503050406030204" pitchFamily="18" charset="0"/>
+                                </a:rPr>
+                              </m:ctrlPr>
+                            </m:sSubPr>
+                            <m:e>
+                              <m:r>
+                                <a:rPr lang="en-US" sz="2800" b="0" i="1" smtClean="0">
+                                  <a:latin typeface="Cambria Math"/>
+                                </a:rPr>
+                                <m:t>𝑇</m:t>
+                              </m:r>
+                            </m:e>
+                            <m:sub>
+                              <m:r>
+                                <a:rPr lang="en-US" sz="2800" b="0" i="1" smtClean="0">
+                                  <a:latin typeface="Cambria Math"/>
+                                </a:rPr>
+                                <m:t>1</m:t>
+                              </m:r>
+                            </m:sub>
+                          </m:sSub>
+                        </m:num>
+                        <m:den>
+                          <m:r>
+                            <a:rPr lang="en-US" sz="2800" b="0" i="1" smtClean="0">
+                              <a:latin typeface="Cambria Math"/>
+                            </a:rPr>
+                            <m:t>𝑛</m:t>
+                          </m:r>
+                          <m:sSub>
+                            <m:sSubPr>
+                              <m:ctrlPr>
+                                <a:rPr lang="en-US" sz="2800" b="0" i="1" smtClean="0">
+                                  <a:latin typeface="Cambria Math" panose="02040503050406030204" pitchFamily="18" charset="0"/>
+                                </a:rPr>
+                              </m:ctrlPr>
+                            </m:sSubPr>
+                            <m:e>
+                              <m:r>
+                                <a:rPr lang="en-US" sz="2800" b="0" i="1" smtClean="0">
+                                  <a:latin typeface="Cambria Math"/>
+                                </a:rPr>
+                                <m:t>𝑇</m:t>
+                              </m:r>
+                            </m:e>
+                            <m:sub>
+                              <m:r>
+                                <a:rPr lang="en-US" sz="2800" b="0" i="1" smtClean="0">
+                                  <a:latin typeface="Cambria Math"/>
+                                </a:rPr>
+                                <m:t>𝑛</m:t>
+                              </m:r>
+                            </m:sub>
+                          </m:sSub>
+                        </m:den>
+                      </m:f>
+                    </m:oMath>
+                  </m:oMathPara>
+                </a14:m>
+                <a:endParaRPr lang="nl-BE" sz="2800" dirty="0"/>
+              </a:p>
+            </p:txBody>
+          </p:sp>
+        </mc:Choice>
+        <mc:Fallback xmlns="">
+          <p:sp>
+            <p:nvSpPr>
+              <p:cNvPr id="6" name="TextBox 5"/>
+              <p:cNvSpPr txBox="1">
+                <a:spLocks noRot="1" noChangeAspect="1" noMove="1" noResize="1" noEditPoints="1" noAdjustHandles="1" noChangeArrowheads="1" noChangeShapeType="1" noTextEdit="1"/>
+              </p:cNvSpPr>
+              <p:nvPr/>
+            </p:nvSpPr>
+            <p:spPr>
+              <a:xfrm>
+                <a:off x="3131840" y="4365104"/>
+                <a:ext cx="2088232" cy="971741"/>
+              </a:xfrm>
+              <a:prstGeom prst="rect">
+                <a:avLst/>
+              </a:prstGeom>
+              <a:blipFill rotWithShape="1">
+                <a:blip r:embed="rId5"/>
+                <a:stretch>
+                  <a:fillRect/>
+                </a:stretch>
+              </a:blipFill>
+            </p:spPr>
+            <p:txBody>
+              <a:bodyPr/>
+              <a:lstStyle/>
+              <a:p>
+                <a:r>
+                  <a:rPr lang="nl-BE">
+                    <a:noFill/>
+                  </a:rPr>
+                  <a:t> </a:t>
+                </a:r>
+              </a:p>
+            </p:txBody>
+          </p:sp>
+        </mc:Fallback>
+      </mc:AlternateContent>
+      <mc:AlternateContent xmlns:mc="http://schemas.openxmlformats.org/markup-compatibility/2006" xmlns:a14="http://schemas.microsoft.com/office/drawing/2010/main">
+        <mc:Choice Requires="a14">
+          <p:sp>
+            <p:nvSpPr>
+              <p:cNvPr id="7" name="TextBox 6"/>
+              <p:cNvSpPr txBox="1"/>
+              <p:nvPr/>
+            </p:nvSpPr>
+            <p:spPr>
+              <a:xfrm>
+                <a:off x="2987824" y="5498068"/>
+                <a:ext cx="2088232" cy="523220"/>
+              </a:xfrm>
+              <a:prstGeom prst="rect">
+                <a:avLst/>
+              </a:prstGeom>
+              <a:noFill/>
+            </p:spPr>
+            <p:txBody>
+              <a:bodyPr wrap="square" rtlCol="0">
+                <a:spAutoFit/>
+              </a:bodyPr>
+              <a:lstStyle/>
+              <a:p>
+                <a:pPr/>
+                <a14:m>
+                  <m:oMathPara xmlns:m="http://schemas.openxmlformats.org/officeDocument/2006/math">
+                    <m:oMathParaPr>
+                      <m:jc m:val="centerGroup"/>
+                    </m:oMathParaPr>
+                    <m:oMath xmlns:m="http://schemas.openxmlformats.org/officeDocument/2006/math">
+                      <m:r>
+                        <a:rPr lang="en-US" sz="2800" b="0" i="1" smtClean="0">
+                          <a:latin typeface="Cambria Math"/>
+                        </a:rPr>
+                        <m:t>𝐸</m:t>
+                      </m:r>
+                      <m:r>
+                        <a:rPr lang="en-US" sz="2800" b="0" i="1" smtClean="0">
+                          <a:latin typeface="Cambria Math"/>
+                        </a:rPr>
+                        <m:t>(</m:t>
+                      </m:r>
+                      <m:r>
+                        <a:rPr lang="en-US" sz="2800" b="0" i="1" smtClean="0">
+                          <a:latin typeface="Cambria Math"/>
+                        </a:rPr>
+                        <m:t>𝑛</m:t>
+                      </m:r>
+                      <m:r>
+                        <a:rPr lang="en-US" sz="2800" b="0" i="1" smtClean="0">
+                          <a:latin typeface="Cambria Math"/>
+                        </a:rPr>
+                        <m:t>)=1</m:t>
+                      </m:r>
+                    </m:oMath>
+                  </m:oMathPara>
+                </a14:m>
+                <a:endParaRPr lang="nl-BE" sz="2800" dirty="0"/>
+              </a:p>
+            </p:txBody>
+          </p:sp>
+        </mc:Choice>
+        <mc:Fallback xmlns="">
+          <p:sp>
+            <p:nvSpPr>
+              <p:cNvPr id="7" name="TextBox 6"/>
+              <p:cNvSpPr txBox="1">
+                <a:spLocks noRot="1" noChangeAspect="1" noMove="1" noResize="1" noEditPoints="1" noAdjustHandles="1" noChangeArrowheads="1" noChangeShapeType="1" noTextEdit="1"/>
+              </p:cNvSpPr>
+              <p:nvPr/>
+            </p:nvSpPr>
+            <p:spPr>
+              <a:xfrm>
+                <a:off x="2987824" y="5498068"/>
+                <a:ext cx="2088232" cy="523220"/>
+              </a:xfrm>
+              <a:prstGeom prst="rect">
+                <a:avLst/>
+              </a:prstGeom>
+              <a:blipFill rotWithShape="1">
+                <a:blip r:embed="rId6"/>
+                <a:stretch>
+                  <a:fillRect/>
+                </a:stretch>
+              </a:blipFill>
+            </p:spPr>
+            <p:txBody>
+              <a:bodyPr/>
+              <a:lstStyle/>
+              <a:p>
+                <a:r>
+                  <a:rPr lang="nl-BE">
+                    <a:noFill/>
+                  </a:rPr>
+                  <a:t> </a:t>
+                </a:r>
+              </a:p>
+            </p:txBody>
+          </p:sp>
+        </mc:Fallback>
+      </mc:AlternateContent>
+      <p:sp>
+        <p:nvSpPr>
+          <p:cNvPr id="8" name="Slide Number Placeholder 7"/>
+          <p:cNvSpPr>
+            <a:spLocks noGrp="1"/>
+          </p:cNvSpPr>
+          <p:nvPr>
+            <p:ph type="sldNum" sz="quarter" idx="12"/>
+          </p:nvPr>
+        </p:nvSpPr>
+        <p:spPr/>
+        <p:txBody>
+          <a:bodyPr/>
+          <a:lstStyle/>
+          <a:p>
+            <a:fld id="{6597116C-F94B-4B5B-973A-17F07FB5C418}" type="slidenum">
+              <a:rPr lang="nl-BE" smtClean="0"/>
+              <a:t>10</a:t>
+            </a:fld>
+            <a:endParaRPr lang="nl-BE"/>
+          </a:p>
+        </p:txBody>
+      </p:sp>
+    </p:spTree>
+    <p:extLst>
+      <p:ext uri="{BB962C8B-B14F-4D97-AF65-F5344CB8AC3E}">
+        <p14:creationId xmlns:p14="http://schemas.microsoft.com/office/powerpoint/2010/main" val="4232522510"/>
+      </p:ext>
+    </p:extLst>
+  </p:cSld>
+  <p:clrMapOvr>
+    <a:masterClrMapping/>
+  </p:clrMapOvr>
+  <p:timing>
+    <p:tnLst>
+      <p:par>
+        <p:cTn id="1" dur="indefinite" restart="never" nodeType="tmRoot">
+          <p:childTnLst>
+            <p:seq concurrent="1" nextAc="seek">
+              <p:cTn id="2" dur="indefinite" nodeType="mainSeq">
+                <p:childTnLst>
+                  <p:par>
+                    <p:cTn id="3" fill="hold">
+                      <p:stCondLst>
+                        <p:cond delay="indefinite"/>
+                        <p:cond evt="onBegin" delay="0">
+                          <p:tn val="2"/>
+                        </p:cond>
+                      </p:stCondLst>
+                      <p:childTnLst>
+                        <p:par>
+                          <p:cTn id="4" fill="hold">
+                            <p:stCondLst>
+                              <p:cond delay="0"/>
+                            </p:stCondLst>
+                            <p:childTnLst>
+                              <p:par>
+                                <p:cTn id="5" presetID="1" presetClass="entr" presetSubtype="0" fill="hold" grpId="0" nodeType="withEffect">
+                                  <p:stCondLst>
+                                    <p:cond delay="0"/>
+                                  </p:stCondLst>
+                                  <p:childTnLst>
+                                    <p:set>
+                                      <p:cBhvr>
+                                        <p:cTn id="6" dur="1" fill="hold">
+                                          <p:stCondLst>
+                                            <p:cond delay="0"/>
+                                          </p:stCondLst>
+                                        </p:cTn>
+                                        <p:tgtEl>
+                                          <p:spTgt spid="3">
+                                            <p:txEl>
+                                              <p:pRg st="0" end="0"/>
+                                            </p:txEl>
+                                          </p:spTgt>
+                                        </p:tgtEl>
+                                        <p:attrNameLst>
+                                          <p:attrName>style.visibility</p:attrName>
+                                        </p:attrNameLst>
+                                      </p:cBhvr>
+                                      <p:to>
+                                        <p:strVal val="visible"/>
+                                      </p:to>
+                                    </p:set>
+                                  </p:childTnLst>
+                                </p:cTn>
+                              </p:par>
+                              <p:par>
+                                <p:cTn id="7" presetID="1" presetClass="entr" presetSubtype="0" fill="hold" grpId="0" nodeType="withEffect">
+                                  <p:stCondLst>
+                                    <p:cond delay="0"/>
+                                  </p:stCondLst>
+                                  <p:childTnLst>
+                                    <p:set>
+                                      <p:cBhvr>
+                                        <p:cTn id="8" dur="1" fill="hold">
+                                          <p:stCondLst>
+                                            <p:cond delay="0"/>
+                                          </p:stCondLst>
+                                        </p:cTn>
+                                        <p:tgtEl>
+                                          <p:spTgt spid="3">
+                                            <p:txEl>
+                                              <p:pRg st="2" end="2"/>
+                                            </p:txEl>
+                                          </p:spTgt>
+                                        </p:tgtEl>
+                                        <p:attrNameLst>
+                                          <p:attrName>style.visibility</p:attrName>
+                                        </p:attrNameLst>
+                                      </p:cBhvr>
+                                      <p:to>
+                                        <p:strVal val="visible"/>
+                                      </p:to>
+                                    </p:set>
+                                  </p:childTnLst>
+                                </p:cTn>
+                              </p:par>
+                            </p:childTnLst>
+                          </p:cTn>
+                        </p:par>
+                      </p:childTnLst>
+                    </p:cTn>
+                  </p:par>
+                  <p:par>
+                    <p:cTn id="9" fill="hold">
+                      <p:stCondLst>
+                        <p:cond delay="indefinite"/>
+                      </p:stCondLst>
+                      <p:childTnLst>
+                        <p:par>
+                          <p:cTn id="10" fill="hold">
+                            <p:stCondLst>
+                              <p:cond delay="0"/>
+                            </p:stCondLst>
+                            <p:childTnLst>
+                              <p:par>
+                                <p:cTn id="11" presetID="1" presetClass="entr" presetSubtype="0" fill="hold" grpId="0" nodeType="clickEffect">
+                                  <p:stCondLst>
+                                    <p:cond delay="0"/>
+                                  </p:stCondLst>
+                                  <p:childTnLst>
+                                    <p:set>
+                                      <p:cBhvr>
+                                        <p:cTn id="12" dur="1" fill="hold">
+                                          <p:stCondLst>
+                                            <p:cond delay="0"/>
+                                          </p:stCondLst>
+                                        </p:cTn>
+                                        <p:tgtEl>
+                                          <p:spTgt spid="3">
+                                            <p:txEl>
+                                              <p:pRg st="4" end="4"/>
+                                            </p:txEl>
+                                          </p:spTgt>
+                                        </p:tgtEl>
+                                        <p:attrNameLst>
+                                          <p:attrName>style.visibility</p:attrName>
+                                        </p:attrNameLst>
+                                      </p:cBhvr>
+                                      <p:to>
+                                        <p:strVal val="visible"/>
+                                      </p:to>
+                                    </p:set>
+                                  </p:childTnLst>
+                                </p:cTn>
+                              </p:par>
+                              <p:par>
+                                <p:cTn id="13" presetID="1" presetClass="entr" presetSubtype="0" fill="hold" grpId="0" nodeType="withEffect">
+                                  <p:stCondLst>
+                                    <p:cond delay="0"/>
+                                  </p:stCondLst>
+                                  <p:childTnLst>
+                                    <p:set>
+                                      <p:cBhvr>
+                                        <p:cTn id="14" dur="1" fill="hold">
+                                          <p:stCondLst>
+                                            <p:cond delay="0"/>
+                                          </p:stCondLst>
+                                        </p:cTn>
+                                        <p:tgtEl>
+                                          <p:spTgt spid="3">
+                                            <p:txEl>
+                                              <p:pRg st="6" end="6"/>
+                                            </p:txEl>
+                                          </p:spTgt>
+                                        </p:tgtEl>
+                                        <p:attrNameLst>
+                                          <p:attrName>style.visibility</p:attrName>
+                                        </p:attrNameLst>
+                                      </p:cBhvr>
+                                      <p:to>
+                                        <p:strVal val="visible"/>
+                                      </p:to>
+                                    </p:set>
+                                  </p:childTnLst>
+                                </p:cTn>
+                              </p:par>
+                              <p:par>
+                                <p:cTn id="15" presetID="1" presetClass="entr" presetSubtype="0" fill="hold" grpId="0" nodeType="withEffect">
+                                  <p:stCondLst>
+                                    <p:cond delay="0"/>
+                                  </p:stCondLst>
+                                  <p:childTnLst>
+                                    <p:set>
+                                      <p:cBhvr>
+                                        <p:cTn id="16" dur="1" fill="hold">
+                                          <p:stCondLst>
+                                            <p:cond delay="0"/>
+                                          </p:stCondLst>
+                                        </p:cTn>
+                                        <p:tgtEl>
+                                          <p:spTgt spid="6"/>
+                                        </p:tgtEl>
+                                        <p:attrNameLst>
+                                          <p:attrName>style.visibility</p:attrName>
+                                        </p:attrNameLst>
+                                      </p:cBhvr>
+                                      <p:to>
+                                        <p:strVal val="visible"/>
+                                      </p:to>
+                                    </p:set>
+                                  </p:childTnLst>
+                                </p:cTn>
+                              </p:par>
+                              <p:par>
+                                <p:cTn id="17" presetID="1" presetClass="entr" presetSubtype="0" fill="hold" grpId="0" nodeType="withEffect">
+                                  <p:stCondLst>
+                                    <p:cond delay="0"/>
+                                  </p:stCondLst>
+                                  <p:childTnLst>
+                                    <p:set>
+                                      <p:cBhvr>
+                                        <p:cTn id="18" dur="1" fill="hold">
+                                          <p:stCondLst>
+                                            <p:cond delay="0"/>
+                                          </p:stCondLst>
+                                        </p:cTn>
+                                        <p:tgtEl>
+                                          <p:spTgt spid="7"/>
+                                        </p:tgtEl>
+                                        <p:attrNameLst>
+                                          <p:attrName>style.visibility</p:attrName>
+                                        </p:attrNameLst>
+                                      </p:cBhvr>
+                                      <p:to>
+                                        <p:strVal val="visible"/>
+                                      </p:to>
+                                    </p:set>
+                                  </p:childTnLst>
+                                </p:cTn>
+                              </p:par>
+                            </p:childTnLst>
+                          </p:cTn>
+                        </p:par>
+                      </p:childTnLst>
+                    </p:cTn>
+                  </p:par>
+                </p:childTnLst>
+              </p:cTn>
+              <p:prevCondLst>
+                <p:cond evt="onPrev" delay="0">
+                  <p:tgtEl>
+                    <p:sldTgt/>
+                  </p:tgtEl>
+                </p:cond>
+              </p:prevCondLst>
+              <p:nextCondLst>
+                <p:cond evt="onNext" delay="0">
+                  <p:tgtEl>
+                    <p:sldTgt/>
+                  </p:tgtEl>
+                </p:cond>
+              </p:nextCondLst>
+            </p:seq>
+          </p:childTnLst>
+        </p:cTn>
+      </p:par>
+    </p:tnLst>
+    <p:bldLst>
+      <p:bldP spid="3" grpId="0" uiExpand="1" build="p"/>
+      <p:bldP spid="6" grpId="0"/>
+      <p:bldP spid="7" grpId="0"/>
+    </p:bldLst>
+  </p:timing>
+</p:sld>
+</file>
+
+<file path=ppt/slides/slide11.xml><?xml version="1.0" encoding="utf-8"?>
 <p:sld xmlns:a="http://schemas.openxmlformats.org/drawingml/2006/main" xmlns:r="http://schemas.openxmlformats.org/officeDocument/2006/relationships" xmlns:p="http://schemas.openxmlformats.org/presentationml/2006/main">
   <p:cSld>
     <p:spTree>
@@ -6097,7 +7158,7 @@
           <a:p>
             <a:fld id="{6597116C-F94B-4B5B-973A-17F07FB5C418}" type="slidenum">
               <a:rPr lang="nl-BE" smtClean="0"/>
-              <a:t>10</a:t>
+              <a:t>11</a:t>
             </a:fld>
             <a:endParaRPr lang="nl-BE"/>
           </a:p>
@@ -6443,7 +7504,7 @@
 </p:sld>
 </file>
 
-<file path=ppt/slides/slide11.xml><?xml version="1.0" encoding="utf-8"?>
+<file path=ppt/slides/slide12.xml><?xml version="1.0" encoding="utf-8"?>
 <p:sld xmlns:a="http://schemas.openxmlformats.org/drawingml/2006/main" xmlns:r="http://schemas.openxmlformats.org/officeDocument/2006/relationships" xmlns:p="http://schemas.openxmlformats.org/presentationml/2006/main">
   <p:cSld>
     <p:spTree>
@@ -6992,7 +8053,7 @@
           <a:p>
             <a:fld id="{6597116C-F94B-4B5B-973A-17F07FB5C418}" type="slidenum">
               <a:rPr lang="nl-BE" smtClean="0"/>
-              <a:t>11</a:t>
+              <a:t>12</a:t>
             </a:fld>
             <a:endParaRPr lang="nl-BE"/>
           </a:p>
@@ -7089,7 +8150,7 @@
 </p:sld>
 </file>
 
-<file path=ppt/slides/slide12.xml><?xml version="1.0" encoding="utf-8"?>
+<file path=ppt/slides/slide13.xml><?xml version="1.0" encoding="utf-8"?>
 <p:sld xmlns:a="http://schemas.openxmlformats.org/drawingml/2006/main" xmlns:r="http://schemas.openxmlformats.org/officeDocument/2006/relationships" xmlns:p="http://schemas.openxmlformats.org/presentationml/2006/main">
   <p:cSld>
     <p:spTree>
@@ -7314,7 +8375,7 @@
           <a:p>
             <a:fld id="{6597116C-F94B-4B5B-973A-17F07FB5C418}" type="slidenum">
               <a:rPr lang="nl-BE" smtClean="0"/>
-              <a:t>12</a:t>
+              <a:t>13</a:t>
             </a:fld>
             <a:endParaRPr lang="nl-BE"/>
           </a:p>
@@ -7640,7 +8701,7 @@
 </p:sld>
 </file>
 
-<file path=ppt/slides/slide13.xml><?xml version="1.0" encoding="utf-8"?>
+<file path=ppt/slides/slide14.xml><?xml version="1.0" encoding="utf-8"?>
 <p:sld xmlns:a="http://schemas.openxmlformats.org/drawingml/2006/main" xmlns:r="http://schemas.openxmlformats.org/officeDocument/2006/relationships" xmlns:p="http://schemas.openxmlformats.org/presentationml/2006/main">
   <p:cSld>
     <p:spTree>
@@ -8213,7 +9274,7 @@
           <a:p>
             <a:fld id="{6597116C-F94B-4B5B-973A-17F07FB5C418}" type="slidenum">
               <a:rPr lang="nl-BE" smtClean="0"/>
-              <a:t>13</a:t>
+              <a:t>14</a:t>
             </a:fld>
             <a:endParaRPr lang="nl-BE"/>
           </a:p>
@@ -8490,7 +9551,7 @@
 </p:sld>
 </file>
 
-<file path=ppt/slides/slide14.xml><?xml version="1.0" encoding="utf-8"?>
+<file path=ppt/slides/slide15.xml><?xml version="1.0" encoding="utf-8"?>
 <p:sld xmlns:a="http://schemas.openxmlformats.org/drawingml/2006/main" xmlns:r="http://schemas.openxmlformats.org/officeDocument/2006/relationships" xmlns:p="http://schemas.openxmlformats.org/presentationml/2006/main">
   <p:cSld>
     <p:spTree>
@@ -9421,7 +10482,7 @@
           <a:p>
             <a:fld id="{6597116C-F94B-4B5B-973A-17F07FB5C418}" type="slidenum">
               <a:rPr lang="nl-BE" smtClean="0"/>
-              <a:t>14</a:t>
+              <a:t>15</a:t>
             </a:fld>
             <a:endParaRPr lang="nl-BE"/>
           </a:p>
@@ -9813,133 +10874,6 @@
 </p:sld>
 </file>
 
-<file path=ppt/slides/slide15.xml><?xml version="1.0" encoding="utf-8"?>
-<p:sld xmlns:a="http://schemas.openxmlformats.org/drawingml/2006/main" xmlns:r="http://schemas.openxmlformats.org/officeDocument/2006/relationships" xmlns:p="http://schemas.openxmlformats.org/presentationml/2006/main">
-  <p:cSld>
-    <p:spTree>
-      <p:nvGrpSpPr>
-        <p:cNvPr id="1" name=""/>
-        <p:cNvGrpSpPr/>
-        <p:nvPr/>
-      </p:nvGrpSpPr>
-      <p:grpSpPr>
-        <a:xfrm>
-          <a:off x="0" y="0"/>
-          <a:ext cx="0" cy="0"/>
-          <a:chOff x="0" y="0"/>
-          <a:chExt cx="0" cy="0"/>
-        </a:xfrm>
-      </p:grpSpPr>
-      <p:sp>
-        <p:nvSpPr>
-          <p:cNvPr id="2" name="Title 1"/>
-          <p:cNvSpPr>
-            <a:spLocks noGrp="1"/>
-          </p:cNvSpPr>
-          <p:nvPr>
-            <p:ph type="title"/>
-          </p:nvPr>
-        </p:nvSpPr>
-        <p:spPr/>
-        <p:txBody>
-          <a:bodyPr/>
-          <a:lstStyle/>
-          <a:p>
-            <a:r>
-              <a:rPr lang="en-US" dirty="0"/>
-              <a:t>We love Gustafson</a:t>
-            </a:r>
-            <a:endParaRPr lang="nl-BE" dirty="0"/>
-          </a:p>
-        </p:txBody>
-      </p:sp>
-      <p:sp>
-        <p:nvSpPr>
-          <p:cNvPr id="3" name="Content Placeholder 2"/>
-          <p:cNvSpPr>
-            <a:spLocks noGrp="1"/>
-          </p:cNvSpPr>
-          <p:nvPr>
-            <p:ph idx="1"/>
-          </p:nvPr>
-        </p:nvSpPr>
-        <p:spPr/>
-        <p:txBody>
-          <a:bodyPr/>
-          <a:lstStyle/>
-          <a:p>
-            <a:r>
-              <a:rPr lang="en-US" dirty="0"/>
-              <a:t>Scientist are interested in</a:t>
-            </a:r>
-          </a:p>
-          <a:p>
-            <a:pPr lvl="1"/>
-            <a:r>
-              <a:rPr lang="en-US" dirty="0"/>
-              <a:t>studying larger systems/bigger data sets</a:t>
-            </a:r>
-          </a:p>
-          <a:p>
-            <a:pPr lvl="1"/>
-            <a:r>
-              <a:rPr lang="en-US" dirty="0"/>
-              <a:t>increasing precision/resolution</a:t>
-            </a:r>
-          </a:p>
-          <a:p>
-            <a:pPr lvl="1"/>
-            <a:r>
-              <a:rPr lang="en-US" dirty="0"/>
-              <a:t>more complex phenomena</a:t>
-            </a:r>
-          </a:p>
-          <a:p>
-            <a:pPr lvl="1"/>
-            <a:r>
-              <a:rPr lang="en-US" dirty="0"/>
-              <a:t>…</a:t>
-            </a:r>
-            <a:endParaRPr lang="nl-BE" dirty="0"/>
-          </a:p>
-        </p:txBody>
-      </p:sp>
-      <p:sp>
-        <p:nvSpPr>
-          <p:cNvPr id="4" name="Slide Number Placeholder 3"/>
-          <p:cNvSpPr>
-            <a:spLocks noGrp="1"/>
-          </p:cNvSpPr>
-          <p:nvPr>
-            <p:ph type="sldNum" sz="quarter" idx="12"/>
-          </p:nvPr>
-        </p:nvSpPr>
-        <p:spPr/>
-        <p:txBody>
-          <a:bodyPr/>
-          <a:lstStyle/>
-          <a:p>
-            <a:fld id="{6597116C-F94B-4B5B-973A-17F07FB5C418}" type="slidenum">
-              <a:rPr lang="nl-BE" smtClean="0"/>
-              <a:t>15</a:t>
-            </a:fld>
-            <a:endParaRPr lang="nl-BE"/>
-          </a:p>
-        </p:txBody>
-      </p:sp>
-    </p:spTree>
-    <p:extLst>
-      <p:ext uri="{BB962C8B-B14F-4D97-AF65-F5344CB8AC3E}">
-        <p14:creationId xmlns:p14="http://schemas.microsoft.com/office/powerpoint/2010/main" val="3599898149"/>
-      </p:ext>
-    </p:extLst>
-  </p:cSld>
-  <p:clrMapOvr>
-    <a:masterClrMapping/>
-  </p:clrMapOvr>
-</p:sld>
-</file>
-
 <file path=ppt/slides/slide16.xml><?xml version="1.0" encoding="utf-8"?>
 <p:sld xmlns:a="http://schemas.openxmlformats.org/drawingml/2006/main" xmlns:r="http://schemas.openxmlformats.org/officeDocument/2006/relationships" xmlns:p="http://schemas.openxmlformats.org/presentationml/2006/main">
   <p:cSld>
@@ -9974,6 +10908,133 @@
           <a:p>
             <a:r>
               <a:rPr lang="en-US" dirty="0"/>
+              <a:t>We love Gustafson</a:t>
+            </a:r>
+            <a:endParaRPr lang="nl-BE" dirty="0"/>
+          </a:p>
+        </p:txBody>
+      </p:sp>
+      <p:sp>
+        <p:nvSpPr>
+          <p:cNvPr id="3" name="Content Placeholder 2"/>
+          <p:cNvSpPr>
+            <a:spLocks noGrp="1"/>
+          </p:cNvSpPr>
+          <p:nvPr>
+            <p:ph idx="1"/>
+          </p:nvPr>
+        </p:nvSpPr>
+        <p:spPr/>
+        <p:txBody>
+          <a:bodyPr/>
+          <a:lstStyle/>
+          <a:p>
+            <a:r>
+              <a:rPr lang="en-US" dirty="0"/>
+              <a:t>Scientist are interested in</a:t>
+            </a:r>
+          </a:p>
+          <a:p>
+            <a:pPr lvl="1"/>
+            <a:r>
+              <a:rPr lang="en-US" dirty="0"/>
+              <a:t>studying larger systems/bigger data sets</a:t>
+            </a:r>
+          </a:p>
+          <a:p>
+            <a:pPr lvl="1"/>
+            <a:r>
+              <a:rPr lang="en-US" dirty="0"/>
+              <a:t>increasing precision/resolution</a:t>
+            </a:r>
+          </a:p>
+          <a:p>
+            <a:pPr lvl="1"/>
+            <a:r>
+              <a:rPr lang="en-US" dirty="0"/>
+              <a:t>more complex phenomena</a:t>
+            </a:r>
+          </a:p>
+          <a:p>
+            <a:pPr lvl="1"/>
+            <a:r>
+              <a:rPr lang="en-US" dirty="0"/>
+              <a:t>…</a:t>
+            </a:r>
+            <a:endParaRPr lang="nl-BE" dirty="0"/>
+          </a:p>
+        </p:txBody>
+      </p:sp>
+      <p:sp>
+        <p:nvSpPr>
+          <p:cNvPr id="4" name="Slide Number Placeholder 3"/>
+          <p:cNvSpPr>
+            <a:spLocks noGrp="1"/>
+          </p:cNvSpPr>
+          <p:nvPr>
+            <p:ph type="sldNum" sz="quarter" idx="12"/>
+          </p:nvPr>
+        </p:nvSpPr>
+        <p:spPr/>
+        <p:txBody>
+          <a:bodyPr/>
+          <a:lstStyle/>
+          <a:p>
+            <a:fld id="{6597116C-F94B-4B5B-973A-17F07FB5C418}" type="slidenum">
+              <a:rPr lang="nl-BE" smtClean="0"/>
+              <a:t>16</a:t>
+            </a:fld>
+            <a:endParaRPr lang="nl-BE"/>
+          </a:p>
+        </p:txBody>
+      </p:sp>
+    </p:spTree>
+    <p:extLst>
+      <p:ext uri="{BB962C8B-B14F-4D97-AF65-F5344CB8AC3E}">
+        <p14:creationId xmlns:p14="http://schemas.microsoft.com/office/powerpoint/2010/main" val="3599898149"/>
+      </p:ext>
+    </p:extLst>
+  </p:cSld>
+  <p:clrMapOvr>
+    <a:masterClrMapping/>
+  </p:clrMapOvr>
+</p:sld>
+</file>
+
+<file path=ppt/slides/slide17.xml><?xml version="1.0" encoding="utf-8"?>
+<p:sld xmlns:a="http://schemas.openxmlformats.org/drawingml/2006/main" xmlns:r="http://schemas.openxmlformats.org/officeDocument/2006/relationships" xmlns:p="http://schemas.openxmlformats.org/presentationml/2006/main">
+  <p:cSld>
+    <p:spTree>
+      <p:nvGrpSpPr>
+        <p:cNvPr id="1" name=""/>
+        <p:cNvGrpSpPr/>
+        <p:nvPr/>
+      </p:nvGrpSpPr>
+      <p:grpSpPr>
+        <a:xfrm>
+          <a:off x="0" y="0"/>
+          <a:ext cx="0" cy="0"/>
+          <a:chOff x="0" y="0"/>
+          <a:chExt cx="0" cy="0"/>
+        </a:xfrm>
+      </p:grpSpPr>
+      <p:sp>
+        <p:nvSpPr>
+          <p:cNvPr id="2" name="Title 1"/>
+          <p:cNvSpPr>
+            <a:spLocks noGrp="1"/>
+          </p:cNvSpPr>
+          <p:nvPr>
+            <p:ph type="title"/>
+          </p:nvPr>
+        </p:nvSpPr>
+        <p:spPr/>
+        <p:txBody>
+          <a:bodyPr/>
+          <a:lstStyle/>
+          <a:p>
+            <a:r>
+              <a:rPr lang="en-US" dirty="0"/>
               <a:t>Throughput computing</a:t>
             </a:r>
           </a:p>
@@ -10088,7 +11149,7 @@
           <a:graphicData uri="http://schemas.openxmlformats.org/presentationml/2006/ole">
             <mc:AlternateContent xmlns:mc="http://schemas.openxmlformats.org/markup-compatibility/2006">
               <mc:Choice xmlns:v="urn:schemas-microsoft-com:vml" Requires="v">
-                <p:oleObj spid="_x0000_s1266" name="Equation" r:id="rId3" imgW="812520" imgH="393480" progId="Equation.3">
+                <p:oleObj spid="_x0000_s1272" name="Equation" r:id="rId3" imgW="812520" imgH="393480" progId="Equation.3">
                   <p:embed/>
                 </p:oleObj>
               </mc:Choice>
@@ -10145,7 +11206,7 @@
           <a:graphicData uri="http://schemas.openxmlformats.org/presentationml/2006/ole">
             <mc:AlternateContent xmlns:mc="http://schemas.openxmlformats.org/markup-compatibility/2006">
               <mc:Choice xmlns:v="urn:schemas-microsoft-com:vml" Requires="v">
-                <p:oleObj spid="_x0000_s1267" name="Equation" r:id="rId5" imgW="2489040" imgH="431640" progId="Equation.3">
+                <p:oleObj spid="_x0000_s1273" name="Equation" r:id="rId5" imgW="2489040" imgH="431640" progId="Equation.3">
                   <p:embed/>
                 </p:oleObj>
               </mc:Choice>
@@ -10231,7 +11292,7 @@
           <a:p>
             <a:fld id="{6597116C-F94B-4B5B-973A-17F07FB5C418}" type="slidenum">
               <a:rPr lang="nl-BE" smtClean="0"/>
-              <a:t>16</a:t>
+              <a:t>17</a:t>
             </a:fld>
             <a:endParaRPr lang="nl-BE"/>
           </a:p>
@@ -10667,7 +11728,7 @@
 </p:sld>
 </file>
 
-<file path=ppt/slides/slide17.xml><?xml version="1.0" encoding="utf-8"?>
+<file path=ppt/slides/slide18.xml><?xml version="1.0" encoding="utf-8"?>
 <p:sld xmlns:a="http://schemas.openxmlformats.org/drawingml/2006/main" xmlns:r="http://schemas.openxmlformats.org/officeDocument/2006/relationships" xmlns:p="http://schemas.openxmlformats.org/presentationml/2006/main">
   <p:cSld>
     <p:spTree>
@@ -10742,7 +11803,7 @@
           <a:p>
             <a:fld id="{6597116C-F94B-4B5B-973A-17F07FB5C418}" type="slidenum">
               <a:rPr lang="nl-BE" smtClean="0"/>
-              <a:t>17</a:t>
+              <a:t>18</a:t>
             </a:fld>
             <a:endParaRPr lang="nl-BE"/>
           </a:p>
@@ -10761,7 +11822,7 @@
 </p:sld>
 </file>
 
-<file path=ppt/slides/slide18.xml><?xml version="1.0" encoding="utf-8"?>
+<file path=ppt/slides/slide19.xml><?xml version="1.0" encoding="utf-8"?>
 <p:sld xmlns:a="http://schemas.openxmlformats.org/drawingml/2006/main" xmlns:r="http://schemas.openxmlformats.org/officeDocument/2006/relationships" xmlns:p="http://schemas.openxmlformats.org/presentationml/2006/main">
   <p:cSld>
     <p:spTree>
@@ -15624,7 +16685,7 @@
             <a:fld id="{F35D8031-C8E5-48F8-A3B6-81643B27A3AF}" type="slidenum">
               <a:rPr lang="nl-BE" smtClean="0"/>
               <a:pPr/>
-              <a:t>18</a:t>
+              <a:t>19</a:t>
             </a:fld>
             <a:endParaRPr lang="nl-BE" dirty="0"/>
           </a:p>
@@ -15643,7 +16704,144 @@
 </p:sld>
 </file>
 
-<file path=ppt/slides/slide19.xml><?xml version="1.0" encoding="utf-8"?>
+<file path=ppt/slides/slide2.xml><?xml version="1.0" encoding="utf-8"?>
+<p:sld xmlns:a="http://schemas.openxmlformats.org/drawingml/2006/main" xmlns:r="http://schemas.openxmlformats.org/officeDocument/2006/relationships" xmlns:p="http://schemas.openxmlformats.org/presentationml/2006/main">
+  <p:cSld>
+    <p:spTree>
+      <p:nvGrpSpPr>
+        <p:cNvPr id="1" name=""/>
+        <p:cNvGrpSpPr/>
+        <p:nvPr/>
+      </p:nvGrpSpPr>
+      <p:grpSpPr>
+        <a:xfrm>
+          <a:off x="0" y="0"/>
+          <a:ext cx="0" cy="0"/>
+          <a:chOff x="0" y="0"/>
+          <a:chExt cx="0" cy="0"/>
+        </a:xfrm>
+      </p:grpSpPr>
+      <p:sp>
+        <p:nvSpPr>
+          <p:cNvPr id="2" name="Slide Number Placeholder 1">
+            <a:extLst>
+              <a:ext uri="{FF2B5EF4-FFF2-40B4-BE49-F238E27FC236}">
+                <a16:creationId xmlns:a16="http://schemas.microsoft.com/office/drawing/2014/main" id="{08B9DAF9-648D-430E-BB99-C61FC52987C0}"/>
+              </a:ext>
+            </a:extLst>
+          </p:cNvPr>
+          <p:cNvSpPr>
+            <a:spLocks noGrp="1"/>
+          </p:cNvSpPr>
+          <p:nvPr>
+            <p:ph type="sldNum" sz="quarter" idx="12"/>
+          </p:nvPr>
+        </p:nvSpPr>
+        <p:spPr/>
+        <p:txBody>
+          <a:bodyPr/>
+          <a:lstStyle/>
+          <a:p>
+            <a:fld id="{6597116C-F94B-4B5B-973A-17F07FB5C418}" type="slidenum">
+              <a:rPr lang="nl-BE" smtClean="0"/>
+              <a:t>2</a:t>
+            </a:fld>
+            <a:endParaRPr lang="nl-BE"/>
+          </a:p>
+        </p:txBody>
+      </p:sp>
+      <p:sp>
+        <p:nvSpPr>
+          <p:cNvPr id="3" name="TextBox 2">
+            <a:extLst>
+              <a:ext uri="{FF2B5EF4-FFF2-40B4-BE49-F238E27FC236}">
+                <a16:creationId xmlns:a16="http://schemas.microsoft.com/office/drawing/2014/main" id="{9CCF71B0-8AF2-410D-BFFA-89C1AC808427}"/>
+              </a:ext>
+            </a:extLst>
+          </p:cNvPr>
+          <p:cNvSpPr txBox="1"/>
+          <p:nvPr/>
+        </p:nvSpPr>
+        <p:spPr>
+          <a:xfrm>
+            <a:off x="2695525" y="5580529"/>
+            <a:ext cx="3845925" cy="584775"/>
+          </a:xfrm>
+          <a:prstGeom prst="rect">
+            <a:avLst/>
+          </a:prstGeom>
+          <a:noFill/>
+        </p:spPr>
+        <p:txBody>
+          <a:bodyPr wrap="none" rtlCol="0">
+            <a:spAutoFit/>
+          </a:bodyPr>
+          <a:lstStyle/>
+          <a:p>
+            <a:r>
+              <a:rPr lang="en-GB" sz="3200" dirty="0">
+                <a:hlinkClick r:id="rId2"/>
+              </a:rPr>
+              <a:t>http://bit.ly/2O0jCDS</a:t>
+            </a:r>
+            <a:r>
+              <a:rPr lang="en-GB" sz="3200" dirty="0"/>
+              <a:t> </a:t>
+            </a:r>
+            <a:endParaRPr lang="en-BE" sz="3200" dirty="0"/>
+          </a:p>
+        </p:txBody>
+      </p:sp>
+      <p:pic>
+        <p:nvPicPr>
+          <p:cNvPr id="5" name="Picture 4">
+            <a:extLst>
+              <a:ext uri="{FF2B5EF4-FFF2-40B4-BE49-F238E27FC236}">
+                <a16:creationId xmlns:a16="http://schemas.microsoft.com/office/drawing/2014/main" id="{6790A795-2563-402C-AE05-AFC5E887AC2E}"/>
+              </a:ext>
+            </a:extLst>
+          </p:cNvPr>
+          <p:cNvPicPr>
+            <a:picLocks noChangeAspect="1"/>
+          </p:cNvPicPr>
+          <p:nvPr/>
+        </p:nvPicPr>
+        <p:blipFill>
+          <a:blip r:embed="rId3">
+            <a:extLst>
+              <a:ext uri="{28A0092B-C50C-407E-A947-70E740481C1C}">
+                <a14:useLocalDpi xmlns:a14="http://schemas.microsoft.com/office/drawing/2010/main" val="0"/>
+              </a:ext>
+            </a:extLst>
+          </a:blip>
+          <a:stretch>
+            <a:fillRect/>
+          </a:stretch>
+        </p:blipFill>
+        <p:spPr>
+          <a:xfrm>
+            <a:off x="2087724" y="404664"/>
+            <a:ext cx="4968552" cy="4968552"/>
+          </a:xfrm>
+          <a:prstGeom prst="rect">
+            <a:avLst/>
+          </a:prstGeom>
+        </p:spPr>
+      </p:pic>
+    </p:spTree>
+    <p:extLst>
+      <p:ext uri="{BB962C8B-B14F-4D97-AF65-F5344CB8AC3E}">
+        <p14:creationId xmlns:p14="http://schemas.microsoft.com/office/powerpoint/2010/main" val="2788517727"/>
+      </p:ext>
+    </p:extLst>
+  </p:cSld>
+  <p:clrMapOvr>
+    <a:masterClrMapping/>
+  </p:clrMapOvr>
+</p:sld>
+</file>
+
+<file path=ppt/slides/slide20.xml><?xml version="1.0" encoding="utf-8"?>
 <p:sld xmlns:a="http://schemas.openxmlformats.org/drawingml/2006/main" xmlns:r="http://schemas.openxmlformats.org/officeDocument/2006/relationships" xmlns:p="http://schemas.openxmlformats.org/presentationml/2006/main">
   <p:cSld>
     <p:spTree>
@@ -15719,7 +16917,7 @@
           <a:p>
             <a:fld id="{6597116C-F94B-4B5B-973A-17F07FB5C418}" type="slidenum">
               <a:rPr lang="nl-BE" smtClean="0"/>
-              <a:t>19</a:t>
+              <a:t>20</a:t>
             </a:fld>
             <a:endParaRPr lang="nl-BE"/>
           </a:p>
@@ -15738,102 +16936,7 @@
 </p:sld>
 </file>
 
-<file path=ppt/slides/slide2.xml><?xml version="1.0" encoding="utf-8"?>
-<p:sld xmlns:a="http://schemas.openxmlformats.org/drawingml/2006/main" xmlns:r="http://schemas.openxmlformats.org/officeDocument/2006/relationships" xmlns:p="http://schemas.openxmlformats.org/presentationml/2006/main">
-  <p:cSld>
-    <p:spTree>
-      <p:nvGrpSpPr>
-        <p:cNvPr id="1" name=""/>
-        <p:cNvGrpSpPr/>
-        <p:nvPr/>
-      </p:nvGrpSpPr>
-      <p:grpSpPr>
-        <a:xfrm>
-          <a:off x="0" y="0"/>
-          <a:ext cx="0" cy="0"/>
-          <a:chOff x="0" y="0"/>
-          <a:chExt cx="0" cy="0"/>
-        </a:xfrm>
-      </p:grpSpPr>
-      <p:sp>
-        <p:nvSpPr>
-          <p:cNvPr id="2" name="Title 1"/>
-          <p:cNvSpPr>
-            <a:spLocks noGrp="1"/>
-          </p:cNvSpPr>
-          <p:nvPr>
-            <p:ph type="title"/>
-          </p:nvPr>
-        </p:nvSpPr>
-        <p:spPr/>
-        <p:txBody>
-          <a:bodyPr/>
-          <a:lstStyle/>
-          <a:p>
-            <a:r>
-              <a:rPr lang="en-US" dirty="0"/>
-              <a:t>Introduction</a:t>
-            </a:r>
-            <a:endParaRPr lang="nl-BE" dirty="0"/>
-          </a:p>
-        </p:txBody>
-      </p:sp>
-      <p:sp>
-        <p:nvSpPr>
-          <p:cNvPr id="3" name="Text Placeholder 2"/>
-          <p:cNvSpPr>
-            <a:spLocks noGrp="1"/>
-          </p:cNvSpPr>
-          <p:nvPr>
-            <p:ph type="body" idx="1"/>
-          </p:nvPr>
-        </p:nvSpPr>
-        <p:spPr/>
-        <p:txBody>
-          <a:bodyPr/>
-          <a:lstStyle/>
-          <a:p>
-            <a:endParaRPr lang="nl-BE" dirty="0"/>
-          </a:p>
-        </p:txBody>
-      </p:sp>
-      <p:sp>
-        <p:nvSpPr>
-          <p:cNvPr id="4" name="Slide Number Placeholder 3"/>
-          <p:cNvSpPr>
-            <a:spLocks noGrp="1"/>
-          </p:cNvSpPr>
-          <p:nvPr>
-            <p:ph type="sldNum" sz="quarter" idx="12"/>
-          </p:nvPr>
-        </p:nvSpPr>
-        <p:spPr/>
-        <p:txBody>
-          <a:bodyPr/>
-          <a:lstStyle/>
-          <a:p>
-            <a:fld id="{6597116C-F94B-4B5B-973A-17F07FB5C418}" type="slidenum">
-              <a:rPr lang="nl-BE" smtClean="0"/>
-              <a:t>2</a:t>
-            </a:fld>
-            <a:endParaRPr lang="nl-BE"/>
-          </a:p>
-        </p:txBody>
-      </p:sp>
-    </p:spTree>
-    <p:extLst>
-      <p:ext uri="{BB962C8B-B14F-4D97-AF65-F5344CB8AC3E}">
-        <p14:creationId xmlns:p14="http://schemas.microsoft.com/office/powerpoint/2010/main" val="1580163912"/>
-      </p:ext>
-    </p:extLst>
-  </p:cSld>
-  <p:clrMapOvr>
-    <a:masterClrMapping/>
-  </p:clrMapOvr>
-</p:sld>
-</file>
-
-<file path=ppt/slides/slide20.xml><?xml version="1.0" encoding="utf-8"?>
+<file path=ppt/slides/slide21.xml><?xml version="1.0" encoding="utf-8"?>
 <p:sld xmlns:a="http://schemas.openxmlformats.org/drawingml/2006/main" xmlns:r="http://schemas.openxmlformats.org/officeDocument/2006/relationships" xmlns:p="http://schemas.openxmlformats.org/presentationml/2006/main">
   <p:cSld>
     <p:spTree>
@@ -16153,7 +17256,7 @@
           <a:p>
             <a:fld id="{6597116C-F94B-4B5B-973A-17F07FB5C418}" type="slidenum">
               <a:rPr lang="nl-BE" smtClean="0"/>
-              <a:t>20</a:t>
+              <a:t>21</a:t>
             </a:fld>
             <a:endParaRPr lang="nl-BE"/>
           </a:p>
@@ -16838,7 +17941,7 @@
 </p:sld>
 </file>
 
-<file path=ppt/slides/slide21.xml><?xml version="1.0" encoding="utf-8"?>
+<file path=ppt/slides/slide22.xml><?xml version="1.0" encoding="utf-8"?>
 <p:sld xmlns:a="http://schemas.openxmlformats.org/drawingml/2006/main" xmlns:r="http://schemas.openxmlformats.org/officeDocument/2006/relationships" xmlns:p="http://schemas.openxmlformats.org/presentationml/2006/main">
   <p:cSld>
     <p:spTree>
@@ -17170,7 +18273,7 @@
           <a:p>
             <a:fld id="{6597116C-F94B-4B5B-973A-17F07FB5C418}" type="slidenum">
               <a:rPr lang="nl-BE" smtClean="0"/>
-              <a:t>21</a:t>
+              <a:t>22</a:t>
             </a:fld>
             <a:endParaRPr lang="nl-BE"/>
           </a:p>
@@ -17786,7 +18889,7 @@
 </p:sld>
 </file>
 
-<file path=ppt/slides/slide22.xml><?xml version="1.0" encoding="utf-8"?>
+<file path=ppt/slides/slide23.xml><?xml version="1.0" encoding="utf-8"?>
 <p:sld xmlns:a="http://schemas.openxmlformats.org/drawingml/2006/main" xmlns:r="http://schemas.openxmlformats.org/officeDocument/2006/relationships" xmlns:p="http://schemas.openxmlformats.org/presentationml/2006/main">
   <p:cSld>
     <p:spTree>
@@ -18824,7 +19927,7 @@
           <a:p>
             <a:fld id="{6597116C-F94B-4B5B-973A-17F07FB5C418}" type="slidenum">
               <a:rPr lang="nl-BE" smtClean="0"/>
-              <a:t>22</a:t>
+              <a:t>23</a:t>
             </a:fld>
             <a:endParaRPr lang="nl-BE"/>
           </a:p>
@@ -19366,7 +20469,7 @@
 </p:sld>
 </file>
 
-<file path=ppt/slides/slide23.xml><?xml version="1.0" encoding="utf-8"?>
+<file path=ppt/slides/slide24.xml><?xml version="1.0" encoding="utf-8"?>
 <p:sld xmlns:a="http://schemas.openxmlformats.org/drawingml/2006/main" xmlns:r="http://schemas.openxmlformats.org/officeDocument/2006/relationships" xmlns:p="http://schemas.openxmlformats.org/presentationml/2006/main">
   <p:cSld>
     <p:spTree>
@@ -19422,7 +20525,7 @@
           <a:p>
             <a:fld id="{6597116C-F94B-4B5B-973A-17F07FB5C418}" type="slidenum">
               <a:rPr lang="nl-BE" smtClean="0"/>
-              <a:t>23</a:t>
+              <a:t>24</a:t>
             </a:fld>
             <a:endParaRPr lang="nl-BE"/>
           </a:p>
@@ -20327,7 +21430,7 @@
 </p:sld>
 </file>
 
-<file path=ppt/slides/slide24.xml><?xml version="1.0" encoding="utf-8"?>
+<file path=ppt/slides/slide25.xml><?xml version="1.0" encoding="utf-8"?>
 <p:sld xmlns:a="http://schemas.openxmlformats.org/drawingml/2006/main" xmlns:r="http://schemas.openxmlformats.org/officeDocument/2006/relationships" xmlns:p="http://schemas.openxmlformats.org/presentationml/2006/main">
   <p:cSld>
     <p:spTree>
@@ -20424,7 +21527,7 @@
           <a:p>
             <a:fld id="{6597116C-F94B-4B5B-973A-17F07FB5C418}" type="slidenum">
               <a:rPr lang="nl-BE" smtClean="0"/>
-              <a:t>24</a:t>
+              <a:t>25</a:t>
             </a:fld>
             <a:endParaRPr lang="nl-BE"/>
           </a:p>
@@ -20452,7 +21555,7 @@
           <a:graphicData uri="http://schemas.openxmlformats.org/presentationml/2006/ole">
             <mc:AlternateContent xmlns:mc="http://schemas.openxmlformats.org/markup-compatibility/2006">
               <mc:Choice xmlns:v="urn:schemas-microsoft-com:vml" Requires="v">
-                <p:oleObj spid="_x0000_s2257" name="Equation" r:id="rId3" imgW="1091880" imgH="1041120" progId="Equation.3">
+                <p:oleObj spid="_x0000_s2263" name="Equation" r:id="rId3" imgW="1091880" imgH="1041120" progId="Equation.3">
                   <p:embed/>
                 </p:oleObj>
               </mc:Choice>
@@ -21807,7 +22910,7 @@
           <a:graphicData uri="http://schemas.openxmlformats.org/presentationml/2006/ole">
             <mc:AlternateContent xmlns:mc="http://schemas.openxmlformats.org/markup-compatibility/2006">
               <mc:Choice xmlns:v="urn:schemas-microsoft-com:vml" Requires="v">
-                <p:oleObj spid="_x0000_s2258" name="Equation" r:id="rId5" imgW="1091880" imgH="1041120" progId="Equation.3">
+                <p:oleObj spid="_x0000_s2264" name="Equation" r:id="rId5" imgW="1091880" imgH="1041120" progId="Equation.3">
                   <p:embed/>
                 </p:oleObj>
               </mc:Choice>
@@ -22575,7 +23678,7 @@
 </p:sld>
 </file>
 
-<file path=ppt/slides/slide25.xml><?xml version="1.0" encoding="utf-8"?>
+<file path=ppt/slides/slide26.xml><?xml version="1.0" encoding="utf-8"?>
 <p:sld xmlns:a="http://schemas.openxmlformats.org/drawingml/2006/main" xmlns:r="http://schemas.openxmlformats.org/officeDocument/2006/relationships" xmlns:p="http://schemas.openxmlformats.org/presentationml/2006/main">
   <p:cSld>
     <p:spTree>
@@ -22787,7 +23890,7 @@
           <a:p>
             <a:fld id="{6597116C-F94B-4B5B-973A-17F07FB5C418}" type="slidenum">
               <a:rPr lang="nl-BE" smtClean="0"/>
-              <a:t>25</a:t>
+              <a:t>26</a:t>
             </a:fld>
             <a:endParaRPr lang="nl-BE"/>
           </a:p>
@@ -24610,7 +25713,7 @@
 </p:sld>
 </file>
 
-<file path=ppt/slides/slide26.xml><?xml version="1.0" encoding="utf-8"?>
+<file path=ppt/slides/slide27.xml><?xml version="1.0" encoding="utf-8"?>
 <p:sld xmlns:a="http://schemas.openxmlformats.org/drawingml/2006/main" xmlns:r="http://schemas.openxmlformats.org/officeDocument/2006/relationships" xmlns:p="http://schemas.openxmlformats.org/presentationml/2006/main">
   <p:cSld>
     <p:spTree>
@@ -24746,7 +25849,7 @@
           <a:p>
             <a:fld id="{6597116C-F94B-4B5B-973A-17F07FB5C418}" type="slidenum">
               <a:rPr lang="nl-BE" smtClean="0"/>
-              <a:t>26</a:t>
+              <a:t>27</a:t>
             </a:fld>
             <a:endParaRPr lang="nl-BE"/>
           </a:p>
@@ -25276,7 +26379,7 @@
 </p:sld>
 </file>
 
-<file path=ppt/slides/slide27.xml><?xml version="1.0" encoding="utf-8"?>
+<file path=ppt/slides/slide28.xml><?xml version="1.0" encoding="utf-8"?>
 <p:sld xmlns:a="http://schemas.openxmlformats.org/drawingml/2006/main" xmlns:r="http://schemas.openxmlformats.org/officeDocument/2006/relationships" xmlns:p="http://schemas.openxmlformats.org/presentationml/2006/main">
   <p:cSld>
     <p:spTree>
@@ -25333,7 +26436,7 @@
           <a:p>
             <a:fld id="{6597116C-F94B-4B5B-973A-17F07FB5C418}" type="slidenum">
               <a:rPr lang="nl-BE" smtClean="0"/>
-              <a:t>27</a:t>
+              <a:t>28</a:t>
             </a:fld>
             <a:endParaRPr lang="nl-BE"/>
           </a:p>
@@ -25967,101 +27070,6 @@
 </p:sld>
 </file>
 
-<file path=ppt/slides/slide28.xml><?xml version="1.0" encoding="utf-8"?>
-<p:sld xmlns:a="http://schemas.openxmlformats.org/drawingml/2006/main" xmlns:r="http://schemas.openxmlformats.org/officeDocument/2006/relationships" xmlns:p="http://schemas.openxmlformats.org/presentationml/2006/main">
-  <p:cSld>
-    <p:spTree>
-      <p:nvGrpSpPr>
-        <p:cNvPr id="1" name=""/>
-        <p:cNvGrpSpPr/>
-        <p:nvPr/>
-      </p:nvGrpSpPr>
-      <p:grpSpPr>
-        <a:xfrm>
-          <a:off x="0" y="0"/>
-          <a:ext cx="0" cy="0"/>
-          <a:chOff x="0" y="0"/>
-          <a:chExt cx="0" cy="0"/>
-        </a:xfrm>
-      </p:grpSpPr>
-      <p:sp>
-        <p:nvSpPr>
-          <p:cNvPr id="2" name="Title 1"/>
-          <p:cNvSpPr>
-            <a:spLocks noGrp="1"/>
-          </p:cNvSpPr>
-          <p:nvPr>
-            <p:ph type="title"/>
-          </p:nvPr>
-        </p:nvSpPr>
-        <p:spPr/>
-        <p:txBody>
-          <a:bodyPr/>
-          <a:lstStyle/>
-          <a:p>
-            <a:r>
-              <a:rPr lang="en-US" dirty="0"/>
-              <a:t>CPU</a:t>
-            </a:r>
-            <a:endParaRPr lang="nl-BE" dirty="0"/>
-          </a:p>
-        </p:txBody>
-      </p:sp>
-      <p:sp>
-        <p:nvSpPr>
-          <p:cNvPr id="3" name="Text Placeholder 2"/>
-          <p:cNvSpPr>
-            <a:spLocks noGrp="1"/>
-          </p:cNvSpPr>
-          <p:nvPr>
-            <p:ph type="body" idx="1"/>
-          </p:nvPr>
-        </p:nvSpPr>
-        <p:spPr/>
-        <p:txBody>
-          <a:bodyPr/>
-          <a:lstStyle/>
-          <a:p>
-            <a:endParaRPr lang="nl-BE"/>
-          </a:p>
-        </p:txBody>
-      </p:sp>
-      <p:sp>
-        <p:nvSpPr>
-          <p:cNvPr id="4" name="Slide Number Placeholder 3"/>
-          <p:cNvSpPr>
-            <a:spLocks noGrp="1"/>
-          </p:cNvSpPr>
-          <p:nvPr>
-            <p:ph type="sldNum" sz="quarter" idx="12"/>
-          </p:nvPr>
-        </p:nvSpPr>
-        <p:spPr/>
-        <p:txBody>
-          <a:bodyPr/>
-          <a:lstStyle/>
-          <a:p>
-            <a:fld id="{6597116C-F94B-4B5B-973A-17F07FB5C418}" type="slidenum">
-              <a:rPr lang="nl-BE" smtClean="0"/>
-              <a:t>28</a:t>
-            </a:fld>
-            <a:endParaRPr lang="nl-BE"/>
-          </a:p>
-        </p:txBody>
-      </p:sp>
-    </p:spTree>
-    <p:extLst>
-      <p:ext uri="{BB962C8B-B14F-4D97-AF65-F5344CB8AC3E}">
-        <p14:creationId xmlns:p14="http://schemas.microsoft.com/office/powerpoint/2010/main" val="818805559"/>
-      </p:ext>
-    </p:extLst>
-  </p:cSld>
-  <p:clrMapOvr>
-    <a:masterClrMapping/>
-  </p:clrMapOvr>
-</p:sld>
-</file>
-
 <file path=ppt/slides/slide29.xml><?xml version="1.0" encoding="utf-8"?>
 <p:sld xmlns:a="http://schemas.openxmlformats.org/drawingml/2006/main" xmlns:r="http://schemas.openxmlformats.org/officeDocument/2006/relationships" xmlns:p="http://schemas.openxmlformats.org/presentationml/2006/main">
   <p:cSld>
@@ -26096,6 +27104,196 @@
           <a:p>
             <a:r>
               <a:rPr lang="en-US" dirty="0"/>
+              <a:t>CPU</a:t>
+            </a:r>
+            <a:endParaRPr lang="nl-BE" dirty="0"/>
+          </a:p>
+        </p:txBody>
+      </p:sp>
+      <p:sp>
+        <p:nvSpPr>
+          <p:cNvPr id="3" name="Text Placeholder 2"/>
+          <p:cNvSpPr>
+            <a:spLocks noGrp="1"/>
+          </p:cNvSpPr>
+          <p:nvPr>
+            <p:ph type="body" idx="1"/>
+          </p:nvPr>
+        </p:nvSpPr>
+        <p:spPr/>
+        <p:txBody>
+          <a:bodyPr/>
+          <a:lstStyle/>
+          <a:p>
+            <a:endParaRPr lang="nl-BE"/>
+          </a:p>
+        </p:txBody>
+      </p:sp>
+      <p:sp>
+        <p:nvSpPr>
+          <p:cNvPr id="4" name="Slide Number Placeholder 3"/>
+          <p:cNvSpPr>
+            <a:spLocks noGrp="1"/>
+          </p:cNvSpPr>
+          <p:nvPr>
+            <p:ph type="sldNum" sz="quarter" idx="12"/>
+          </p:nvPr>
+        </p:nvSpPr>
+        <p:spPr/>
+        <p:txBody>
+          <a:bodyPr/>
+          <a:lstStyle/>
+          <a:p>
+            <a:fld id="{6597116C-F94B-4B5B-973A-17F07FB5C418}" type="slidenum">
+              <a:rPr lang="nl-BE" smtClean="0"/>
+              <a:t>29</a:t>
+            </a:fld>
+            <a:endParaRPr lang="nl-BE"/>
+          </a:p>
+        </p:txBody>
+      </p:sp>
+    </p:spTree>
+    <p:extLst>
+      <p:ext uri="{BB962C8B-B14F-4D97-AF65-F5344CB8AC3E}">
+        <p14:creationId xmlns:p14="http://schemas.microsoft.com/office/powerpoint/2010/main" val="818805559"/>
+      </p:ext>
+    </p:extLst>
+  </p:cSld>
+  <p:clrMapOvr>
+    <a:masterClrMapping/>
+  </p:clrMapOvr>
+</p:sld>
+</file>
+
+<file path=ppt/slides/slide3.xml><?xml version="1.0" encoding="utf-8"?>
+<p:sld xmlns:a="http://schemas.openxmlformats.org/drawingml/2006/main" xmlns:r="http://schemas.openxmlformats.org/officeDocument/2006/relationships" xmlns:p="http://schemas.openxmlformats.org/presentationml/2006/main">
+  <p:cSld>
+    <p:spTree>
+      <p:nvGrpSpPr>
+        <p:cNvPr id="1" name=""/>
+        <p:cNvGrpSpPr/>
+        <p:nvPr/>
+      </p:nvGrpSpPr>
+      <p:grpSpPr>
+        <a:xfrm>
+          <a:off x="0" y="0"/>
+          <a:ext cx="0" cy="0"/>
+          <a:chOff x="0" y="0"/>
+          <a:chExt cx="0" cy="0"/>
+        </a:xfrm>
+      </p:grpSpPr>
+      <p:sp>
+        <p:nvSpPr>
+          <p:cNvPr id="2" name="Title 1"/>
+          <p:cNvSpPr>
+            <a:spLocks noGrp="1"/>
+          </p:cNvSpPr>
+          <p:nvPr>
+            <p:ph type="title"/>
+          </p:nvPr>
+        </p:nvSpPr>
+        <p:spPr/>
+        <p:txBody>
+          <a:bodyPr/>
+          <a:lstStyle/>
+          <a:p>
+            <a:r>
+              <a:rPr lang="en-US" dirty="0"/>
+              <a:t>Introduction</a:t>
+            </a:r>
+            <a:endParaRPr lang="nl-BE" dirty="0"/>
+          </a:p>
+        </p:txBody>
+      </p:sp>
+      <p:sp>
+        <p:nvSpPr>
+          <p:cNvPr id="3" name="Text Placeholder 2"/>
+          <p:cNvSpPr>
+            <a:spLocks noGrp="1"/>
+          </p:cNvSpPr>
+          <p:nvPr>
+            <p:ph type="body" idx="1"/>
+          </p:nvPr>
+        </p:nvSpPr>
+        <p:spPr/>
+        <p:txBody>
+          <a:bodyPr/>
+          <a:lstStyle/>
+          <a:p>
+            <a:endParaRPr lang="nl-BE" dirty="0"/>
+          </a:p>
+        </p:txBody>
+      </p:sp>
+      <p:sp>
+        <p:nvSpPr>
+          <p:cNvPr id="4" name="Slide Number Placeholder 3"/>
+          <p:cNvSpPr>
+            <a:spLocks noGrp="1"/>
+          </p:cNvSpPr>
+          <p:nvPr>
+            <p:ph type="sldNum" sz="quarter" idx="12"/>
+          </p:nvPr>
+        </p:nvSpPr>
+        <p:spPr/>
+        <p:txBody>
+          <a:bodyPr/>
+          <a:lstStyle/>
+          <a:p>
+            <a:fld id="{6597116C-F94B-4B5B-973A-17F07FB5C418}" type="slidenum">
+              <a:rPr lang="nl-BE" smtClean="0"/>
+              <a:t>3</a:t>
+            </a:fld>
+            <a:endParaRPr lang="nl-BE"/>
+          </a:p>
+        </p:txBody>
+      </p:sp>
+    </p:spTree>
+    <p:extLst>
+      <p:ext uri="{BB962C8B-B14F-4D97-AF65-F5344CB8AC3E}">
+        <p14:creationId xmlns:p14="http://schemas.microsoft.com/office/powerpoint/2010/main" val="1580163912"/>
+      </p:ext>
+    </p:extLst>
+  </p:cSld>
+  <p:clrMapOvr>
+    <a:masterClrMapping/>
+  </p:clrMapOvr>
+</p:sld>
+</file>
+
+<file path=ppt/slides/slide30.xml><?xml version="1.0" encoding="utf-8"?>
+<p:sld xmlns:a="http://schemas.openxmlformats.org/drawingml/2006/main" xmlns:r="http://schemas.openxmlformats.org/officeDocument/2006/relationships" xmlns:p="http://schemas.openxmlformats.org/presentationml/2006/main">
+  <p:cSld>
+    <p:spTree>
+      <p:nvGrpSpPr>
+        <p:cNvPr id="1" name=""/>
+        <p:cNvGrpSpPr/>
+        <p:nvPr/>
+      </p:nvGrpSpPr>
+      <p:grpSpPr>
+        <a:xfrm>
+          <a:off x="0" y="0"/>
+          <a:ext cx="0" cy="0"/>
+          <a:chOff x="0" y="0"/>
+          <a:chExt cx="0" cy="0"/>
+        </a:xfrm>
+      </p:grpSpPr>
+      <p:sp>
+        <p:nvSpPr>
+          <p:cNvPr id="2" name="Title 1"/>
+          <p:cNvSpPr>
+            <a:spLocks noGrp="1"/>
+          </p:cNvSpPr>
+          <p:nvPr>
+            <p:ph type="title"/>
+          </p:nvPr>
+        </p:nvSpPr>
+        <p:spPr/>
+        <p:txBody>
+          <a:bodyPr/>
+          <a:lstStyle/>
+          <a:p>
+            <a:r>
+              <a:rPr lang="en-US" dirty="0"/>
               <a:t>Vectorization</a:t>
             </a:r>
           </a:p>
@@ -26171,7 +27369,7 @@
           <a:p>
             <a:fld id="{6597116C-F94B-4B5B-973A-17F07FB5C418}" type="slidenum">
               <a:rPr lang="nl-BE" smtClean="0"/>
-              <a:t>29</a:t>
+              <a:t>30</a:t>
             </a:fld>
             <a:endParaRPr lang="nl-BE"/>
           </a:p>
@@ -26955,7 +28153,7 @@
 </p:sld>
 </file>
 
-<file path=ppt/slides/slide3.xml><?xml version="1.0" encoding="utf-8"?>
+<file path=ppt/slides/slide31.xml><?xml version="1.0" encoding="utf-8"?>
 <p:sld xmlns:a="http://schemas.openxmlformats.org/drawingml/2006/main" xmlns:r="http://schemas.openxmlformats.org/officeDocument/2006/relationships" xmlns:p="http://schemas.openxmlformats.org/presentationml/2006/main">
   <p:cSld>
     <p:spTree>
@@ -26989,7 +28187,7 @@
           <a:p>
             <a:r>
               <a:rPr lang="en-US" dirty="0"/>
-              <a:t>Moore's law</a:t>
+              <a:t>(Counter) examples</a:t>
             </a:r>
             <a:endParaRPr lang="nl-BE" dirty="0"/>
           </a:p>
@@ -27012,47 +28210,31 @@
           <a:p>
             <a:r>
               <a:rPr lang="en-US" dirty="0"/>
-              <a:t>In the good, old days…</a:t>
-            </a:r>
-          </a:p>
-          <a:p>
-            <a:pPr lvl="1"/>
+              <a:t>Can be </a:t>
+            </a:r>
+            <a:r>
+              <a:rPr lang="en-US" dirty="0" err="1"/>
+              <a:t>vectorized</a:t>
+            </a:r>
+            <a:endParaRPr lang="en-US" dirty="0"/>
+          </a:p>
+          <a:p>
+            <a:endParaRPr lang="en-US" dirty="0"/>
+          </a:p>
+          <a:p>
+            <a:endParaRPr lang="en-US" dirty="0"/>
+          </a:p>
+          <a:p>
+            <a:endParaRPr lang="en-US" dirty="0"/>
+          </a:p>
+          <a:p>
             <a:r>
               <a:rPr lang="en-US" dirty="0"/>
-              <a:t>CPU clock frequency increased:</a:t>
-            </a:r>
-            <a:br>
-              <a:rPr lang="en-US" dirty="0"/>
-            </a:br>
-            <a:r>
-              <a:rPr lang="en-US" dirty="0"/>
-              <a:t>performance was free lunch</a:t>
-            </a:r>
-          </a:p>
-          <a:p>
-            <a:r>
-              <a:rPr lang="en-US" dirty="0"/>
-              <a:t>Problems</a:t>
-            </a:r>
-          </a:p>
-          <a:p>
-            <a:pPr lvl="1"/>
-            <a:r>
-              <a:rPr lang="en-US" dirty="0"/>
-              <a:t>Heat dissipation</a:t>
-            </a:r>
-          </a:p>
-          <a:p>
-            <a:pPr lvl="1"/>
-            <a:r>
-              <a:rPr lang="en-US" dirty="0"/>
-              <a:t>Power efficiency</a:t>
-            </a:r>
-          </a:p>
-          <a:p>
-            <a:r>
-              <a:rPr lang="en-US" dirty="0"/>
-              <a:t>However…</a:t>
+              <a:t>Can not be </a:t>
+            </a:r>
+            <a:r>
+              <a:rPr lang="en-US" dirty="0" err="1"/>
+              <a:t>vectorized</a:t>
             </a:r>
             <a:endParaRPr lang="nl-BE" dirty="0"/>
           </a:p>
@@ -27075,577 +28257,7 @@
           <a:p>
             <a:fld id="{6597116C-F94B-4B5B-973A-17F07FB5C418}" type="slidenum">
               <a:rPr lang="nl-BE" smtClean="0"/>
-              <a:t>3</a:t>
-            </a:fld>
-            <a:endParaRPr lang="nl-BE"/>
-          </a:p>
-        </p:txBody>
-      </p:sp>
-      <p:sp>
-        <p:nvSpPr>
-          <p:cNvPr id="5" name="TextBox 4"/>
-          <p:cNvSpPr txBox="1"/>
-          <p:nvPr/>
-        </p:nvSpPr>
-        <p:spPr>
-          <a:xfrm>
-            <a:off x="683568" y="5499229"/>
-            <a:ext cx="7704856" cy="954107"/>
-          </a:xfrm>
-          <a:prstGeom prst="rect">
-            <a:avLst/>
-          </a:prstGeom>
-          <a:noFill/>
-          <a:ln>
-            <a:solidFill>
-              <a:schemeClr val="tx1"/>
-            </a:solidFill>
-          </a:ln>
-        </p:spPr>
-        <p:txBody>
-          <a:bodyPr wrap="square" rtlCol="0">
-            <a:spAutoFit/>
-          </a:bodyPr>
-          <a:lstStyle/>
-          <a:p>
-            <a:pPr algn="ctr"/>
-            <a:r>
-              <a:rPr lang="en-US" sz="2800" dirty="0"/>
-              <a:t>"The number of transistors in a dense integrated circuit doubles approximately every two years".</a:t>
-            </a:r>
-            <a:endParaRPr lang="nl-BE" sz="2800" dirty="0"/>
-          </a:p>
-        </p:txBody>
-      </p:sp>
-      <p:graphicFrame>
-        <p:nvGraphicFramePr>
-          <p:cNvPr id="6" name="Object 5"/>
-          <p:cNvGraphicFramePr>
-            <a:graphicFrameLocks noChangeAspect="1"/>
-          </p:cNvGraphicFramePr>
-          <p:nvPr>
-            <p:extLst>
-              <p:ext uri="{D42A27DB-BD31-4B8C-83A1-F6EECF244321}">
-                <p14:modId xmlns:p14="http://schemas.microsoft.com/office/powerpoint/2010/main" val="2892907508"/>
-              </p:ext>
-            </p:extLst>
-          </p:nvPr>
-        </p:nvGraphicFramePr>
-        <p:xfrm>
-          <a:off x="4716016" y="4005064"/>
-          <a:ext cx="2609850" cy="619125"/>
-        </p:xfrm>
-        <a:graphic>
-          <a:graphicData uri="http://schemas.openxmlformats.org/presentationml/2006/ole">
-            <mc:AlternateContent xmlns:mc="http://schemas.openxmlformats.org/markup-compatibility/2006">
-              <mc:Choice xmlns:v="urn:schemas-microsoft-com:vml" Requires="v">
-                <p:oleObj spid="_x0000_s3141" name="Equation" r:id="rId3" imgW="965160" imgH="228600" progId="Equation.3">
-                  <p:embed/>
-                </p:oleObj>
-              </mc:Choice>
-              <mc:Fallback>
-                <p:oleObj name="Equation" r:id="rId3" imgW="965160" imgH="228600" progId="Equation.3">
-                  <p:embed/>
-                  <p:pic>
-                    <p:nvPicPr>
-                      <p:cNvPr id="0" name=""/>
-                      <p:cNvPicPr/>
-                      <p:nvPr/>
-                    </p:nvPicPr>
-                    <p:blipFill>
-                      <a:blip r:embed="rId4"/>
-                      <a:stretch>
-                        <a:fillRect/>
-                      </a:stretch>
-                    </p:blipFill>
-                    <p:spPr>
-                      <a:xfrm>
-                        <a:off x="4716016" y="4005064"/>
-                        <a:ext cx="2609850" cy="619125"/>
-                      </a:xfrm>
-                      <a:prstGeom prst="rect">
-                        <a:avLst/>
-                      </a:prstGeom>
-                      <a:ln>
-                        <a:solidFill>
-                          <a:schemeClr val="tx1"/>
-                        </a:solidFill>
-                      </a:ln>
-                    </p:spPr>
-                  </p:pic>
-                </p:oleObj>
-              </mc:Fallback>
-            </mc:AlternateContent>
-          </a:graphicData>
-        </a:graphic>
-      </p:graphicFrame>
-    </p:spTree>
-    <p:extLst>
-      <p:ext uri="{BB962C8B-B14F-4D97-AF65-F5344CB8AC3E}">
-        <p14:creationId xmlns:p14="http://schemas.microsoft.com/office/powerpoint/2010/main" val="3338152140"/>
-      </p:ext>
-    </p:extLst>
-  </p:cSld>
-  <p:clrMapOvr>
-    <a:masterClrMapping/>
-  </p:clrMapOvr>
-  <p:timing>
-    <p:tnLst>
-      <p:par>
-        <p:cTn id="1" dur="indefinite" restart="never" nodeType="tmRoot">
-          <p:childTnLst>
-            <p:seq concurrent="1" nextAc="seek">
-              <p:cTn id="2" dur="indefinite" nodeType="mainSeq">
-                <p:childTnLst>
-                  <p:par>
-                    <p:cTn id="3" fill="hold">
-                      <p:stCondLst>
-                        <p:cond delay="indefinite"/>
-                        <p:cond evt="onBegin" delay="0">
-                          <p:tn val="2"/>
-                        </p:cond>
-                      </p:stCondLst>
-                      <p:childTnLst>
-                        <p:par>
-                          <p:cTn id="4" fill="hold">
-                            <p:stCondLst>
-                              <p:cond delay="0"/>
-                            </p:stCondLst>
-                            <p:childTnLst>
-                              <p:par>
-                                <p:cTn id="5" presetID="1" presetClass="entr" presetSubtype="0" fill="hold" grpId="0" nodeType="withEffect">
-                                  <p:stCondLst>
-                                    <p:cond delay="0"/>
-                                  </p:stCondLst>
-                                  <p:childTnLst>
-                                    <p:set>
-                                      <p:cBhvr>
-                                        <p:cTn id="6" dur="1" fill="hold">
-                                          <p:stCondLst>
-                                            <p:cond delay="0"/>
-                                          </p:stCondLst>
-                                        </p:cTn>
-                                        <p:tgtEl>
-                                          <p:spTgt spid="3">
-                                            <p:txEl>
-                                              <p:pRg st="0" end="0"/>
-                                            </p:txEl>
-                                          </p:spTgt>
-                                        </p:tgtEl>
-                                        <p:attrNameLst>
-                                          <p:attrName>style.visibility</p:attrName>
-                                        </p:attrNameLst>
-                                      </p:cBhvr>
-                                      <p:to>
-                                        <p:strVal val="visible"/>
-                                      </p:to>
-                                    </p:set>
-                                  </p:childTnLst>
-                                </p:cTn>
-                              </p:par>
-                              <p:par>
-                                <p:cTn id="7" presetID="1" presetClass="entr" presetSubtype="0" fill="hold" grpId="0" nodeType="withEffect">
-                                  <p:stCondLst>
-                                    <p:cond delay="0"/>
-                                  </p:stCondLst>
-                                  <p:childTnLst>
-                                    <p:set>
-                                      <p:cBhvr>
-                                        <p:cTn id="8" dur="1" fill="hold">
-                                          <p:stCondLst>
-                                            <p:cond delay="0"/>
-                                          </p:stCondLst>
-                                        </p:cTn>
-                                        <p:tgtEl>
-                                          <p:spTgt spid="3">
-                                            <p:txEl>
-                                              <p:pRg st="1" end="1"/>
-                                            </p:txEl>
-                                          </p:spTgt>
-                                        </p:tgtEl>
-                                        <p:attrNameLst>
-                                          <p:attrName>style.visibility</p:attrName>
-                                        </p:attrNameLst>
-                                      </p:cBhvr>
-                                      <p:to>
-                                        <p:strVal val="visible"/>
-                                      </p:to>
-                                    </p:set>
-                                  </p:childTnLst>
-                                </p:cTn>
-                              </p:par>
-                            </p:childTnLst>
-                          </p:cTn>
-                        </p:par>
-                      </p:childTnLst>
-                    </p:cTn>
-                  </p:par>
-                  <p:par>
-                    <p:cTn id="9" fill="hold">
-                      <p:stCondLst>
-                        <p:cond delay="indefinite"/>
-                      </p:stCondLst>
-                      <p:childTnLst>
-                        <p:par>
-                          <p:cTn id="10" fill="hold">
-                            <p:stCondLst>
-                              <p:cond delay="0"/>
-                            </p:stCondLst>
-                            <p:childTnLst>
-                              <p:par>
-                                <p:cTn id="11" presetID="1" presetClass="entr" presetSubtype="0" fill="hold" grpId="0" nodeType="clickEffect">
-                                  <p:stCondLst>
-                                    <p:cond delay="0"/>
-                                  </p:stCondLst>
-                                  <p:childTnLst>
-                                    <p:set>
-                                      <p:cBhvr>
-                                        <p:cTn id="12" dur="1" fill="hold">
-                                          <p:stCondLst>
-                                            <p:cond delay="0"/>
-                                          </p:stCondLst>
-                                        </p:cTn>
-                                        <p:tgtEl>
-                                          <p:spTgt spid="3">
-                                            <p:txEl>
-                                              <p:pRg st="2" end="2"/>
-                                            </p:txEl>
-                                          </p:spTgt>
-                                        </p:tgtEl>
-                                        <p:attrNameLst>
-                                          <p:attrName>style.visibility</p:attrName>
-                                        </p:attrNameLst>
-                                      </p:cBhvr>
-                                      <p:to>
-                                        <p:strVal val="visible"/>
-                                      </p:to>
-                                    </p:set>
-                                  </p:childTnLst>
-                                </p:cTn>
-                              </p:par>
-                              <p:par>
-                                <p:cTn id="13" presetID="1" presetClass="entr" presetSubtype="0" fill="hold" grpId="0" nodeType="withEffect">
-                                  <p:stCondLst>
-                                    <p:cond delay="0"/>
-                                  </p:stCondLst>
-                                  <p:childTnLst>
-                                    <p:set>
-                                      <p:cBhvr>
-                                        <p:cTn id="14" dur="1" fill="hold">
-                                          <p:stCondLst>
-                                            <p:cond delay="0"/>
-                                          </p:stCondLst>
-                                        </p:cTn>
-                                        <p:tgtEl>
-                                          <p:spTgt spid="3">
-                                            <p:txEl>
-                                              <p:pRg st="3" end="3"/>
-                                            </p:txEl>
-                                          </p:spTgt>
-                                        </p:tgtEl>
-                                        <p:attrNameLst>
-                                          <p:attrName>style.visibility</p:attrName>
-                                        </p:attrNameLst>
-                                      </p:cBhvr>
-                                      <p:to>
-                                        <p:strVal val="visible"/>
-                                      </p:to>
-                                    </p:set>
-                                  </p:childTnLst>
-                                </p:cTn>
-                              </p:par>
-                              <p:par>
-                                <p:cTn id="15" presetID="1" presetClass="entr" presetSubtype="0" fill="hold" grpId="0" nodeType="withEffect">
-                                  <p:stCondLst>
-                                    <p:cond delay="0"/>
-                                  </p:stCondLst>
-                                  <p:childTnLst>
-                                    <p:set>
-                                      <p:cBhvr>
-                                        <p:cTn id="16" dur="1" fill="hold">
-                                          <p:stCondLst>
-                                            <p:cond delay="0"/>
-                                          </p:stCondLst>
-                                        </p:cTn>
-                                        <p:tgtEl>
-                                          <p:spTgt spid="3">
-                                            <p:txEl>
-                                              <p:pRg st="4" end="4"/>
-                                            </p:txEl>
-                                          </p:spTgt>
-                                        </p:tgtEl>
-                                        <p:attrNameLst>
-                                          <p:attrName>style.visibility</p:attrName>
-                                        </p:attrNameLst>
-                                      </p:cBhvr>
-                                      <p:to>
-                                        <p:strVal val="visible"/>
-                                      </p:to>
-                                    </p:set>
-                                  </p:childTnLst>
-                                </p:cTn>
-                              </p:par>
-                            </p:childTnLst>
-                          </p:cTn>
-                        </p:par>
-                      </p:childTnLst>
-                    </p:cTn>
-                  </p:par>
-                  <p:par>
-                    <p:cTn id="17" fill="hold">
-                      <p:stCondLst>
-                        <p:cond delay="indefinite"/>
-                      </p:stCondLst>
-                      <p:childTnLst>
-                        <p:par>
-                          <p:cTn id="18" fill="hold">
-                            <p:stCondLst>
-                              <p:cond delay="0"/>
-                            </p:stCondLst>
-                            <p:childTnLst>
-                              <p:par>
-                                <p:cTn id="19" presetID="1" presetClass="entr" presetSubtype="0" fill="hold" nodeType="clickEffect">
-                                  <p:stCondLst>
-                                    <p:cond delay="0"/>
-                                  </p:stCondLst>
-                                  <p:childTnLst>
-                                    <p:set>
-                                      <p:cBhvr>
-                                        <p:cTn id="20" dur="1" fill="hold">
-                                          <p:stCondLst>
-                                            <p:cond delay="0"/>
-                                          </p:stCondLst>
-                                        </p:cTn>
-                                        <p:tgtEl>
-                                          <p:spTgt spid="6"/>
-                                        </p:tgtEl>
-                                        <p:attrNameLst>
-                                          <p:attrName>style.visibility</p:attrName>
-                                        </p:attrNameLst>
-                                      </p:cBhvr>
-                                      <p:to>
-                                        <p:strVal val="visible"/>
-                                      </p:to>
-                                    </p:set>
-                                  </p:childTnLst>
-                                </p:cTn>
-                              </p:par>
-                            </p:childTnLst>
-                          </p:cTn>
-                        </p:par>
-                      </p:childTnLst>
-                    </p:cTn>
-                  </p:par>
-                  <p:par>
-                    <p:cTn id="21" fill="hold">
-                      <p:stCondLst>
-                        <p:cond delay="indefinite"/>
-                      </p:stCondLst>
-                      <p:childTnLst>
-                        <p:par>
-                          <p:cTn id="22" fill="hold">
-                            <p:stCondLst>
-                              <p:cond delay="0"/>
-                            </p:stCondLst>
-                            <p:childTnLst>
-                              <p:par>
-                                <p:cTn id="23" presetID="1" presetClass="entr" presetSubtype="0" fill="hold" grpId="0" nodeType="clickEffect">
-                                  <p:stCondLst>
-                                    <p:cond delay="0"/>
-                                  </p:stCondLst>
-                                  <p:childTnLst>
-                                    <p:set>
-                                      <p:cBhvr>
-                                        <p:cTn id="24" dur="1" fill="hold">
-                                          <p:stCondLst>
-                                            <p:cond delay="0"/>
-                                          </p:stCondLst>
-                                        </p:cTn>
-                                        <p:tgtEl>
-                                          <p:spTgt spid="3">
-                                            <p:txEl>
-                                              <p:pRg st="5" end="5"/>
-                                            </p:txEl>
-                                          </p:spTgt>
-                                        </p:tgtEl>
-                                        <p:attrNameLst>
-                                          <p:attrName>style.visibility</p:attrName>
-                                        </p:attrNameLst>
-                                      </p:cBhvr>
-                                      <p:to>
-                                        <p:strVal val="visible"/>
-                                      </p:to>
-                                    </p:set>
-                                  </p:childTnLst>
-                                </p:cTn>
-                              </p:par>
-                              <p:par>
-                                <p:cTn id="25" presetID="1" presetClass="entr" presetSubtype="0" fill="hold" grpId="0" nodeType="withEffect">
-                                  <p:stCondLst>
-                                    <p:cond delay="0"/>
-                                  </p:stCondLst>
-                                  <p:childTnLst>
-                                    <p:set>
-                                      <p:cBhvr>
-                                        <p:cTn id="26" dur="1" fill="hold">
-                                          <p:stCondLst>
-                                            <p:cond delay="0"/>
-                                          </p:stCondLst>
-                                        </p:cTn>
-                                        <p:tgtEl>
-                                          <p:spTgt spid="5"/>
-                                        </p:tgtEl>
-                                        <p:attrNameLst>
-                                          <p:attrName>style.visibility</p:attrName>
-                                        </p:attrNameLst>
-                                      </p:cBhvr>
-                                      <p:to>
-                                        <p:strVal val="visible"/>
-                                      </p:to>
-                                    </p:set>
-                                  </p:childTnLst>
-                                </p:cTn>
-                              </p:par>
-                            </p:childTnLst>
-                          </p:cTn>
-                        </p:par>
-                      </p:childTnLst>
-                    </p:cTn>
-                  </p:par>
-                </p:childTnLst>
-              </p:cTn>
-              <p:prevCondLst>
-                <p:cond evt="onPrev" delay="0">
-                  <p:tgtEl>
-                    <p:sldTgt/>
-                  </p:tgtEl>
-                </p:cond>
-              </p:prevCondLst>
-              <p:nextCondLst>
-                <p:cond evt="onNext" delay="0">
-                  <p:tgtEl>
-                    <p:sldTgt/>
-                  </p:tgtEl>
-                </p:cond>
-              </p:nextCondLst>
-            </p:seq>
-          </p:childTnLst>
-        </p:cTn>
-      </p:par>
-    </p:tnLst>
-    <p:bldLst>
-      <p:bldP spid="3" grpId="0" uiExpand="1" build="p"/>
-      <p:bldP spid="5" grpId="0" animBg="1"/>
-    </p:bldLst>
-  </p:timing>
-</p:sld>
-</file>
-
-<file path=ppt/slides/slide30.xml><?xml version="1.0" encoding="utf-8"?>
-<p:sld xmlns:a="http://schemas.openxmlformats.org/drawingml/2006/main" xmlns:r="http://schemas.openxmlformats.org/officeDocument/2006/relationships" xmlns:p="http://schemas.openxmlformats.org/presentationml/2006/main">
-  <p:cSld>
-    <p:spTree>
-      <p:nvGrpSpPr>
-        <p:cNvPr id="1" name=""/>
-        <p:cNvGrpSpPr/>
-        <p:nvPr/>
-      </p:nvGrpSpPr>
-      <p:grpSpPr>
-        <a:xfrm>
-          <a:off x="0" y="0"/>
-          <a:ext cx="0" cy="0"/>
-          <a:chOff x="0" y="0"/>
-          <a:chExt cx="0" cy="0"/>
-        </a:xfrm>
-      </p:grpSpPr>
-      <p:sp>
-        <p:nvSpPr>
-          <p:cNvPr id="2" name="Title 1"/>
-          <p:cNvSpPr>
-            <a:spLocks noGrp="1"/>
-          </p:cNvSpPr>
-          <p:nvPr>
-            <p:ph type="title"/>
-          </p:nvPr>
-        </p:nvSpPr>
-        <p:spPr/>
-        <p:txBody>
-          <a:bodyPr/>
-          <a:lstStyle/>
-          <a:p>
-            <a:r>
-              <a:rPr lang="en-US" dirty="0"/>
-              <a:t>(Counter) examples</a:t>
-            </a:r>
-            <a:endParaRPr lang="nl-BE" dirty="0"/>
-          </a:p>
-        </p:txBody>
-      </p:sp>
-      <p:sp>
-        <p:nvSpPr>
-          <p:cNvPr id="3" name="Content Placeholder 2"/>
-          <p:cNvSpPr>
-            <a:spLocks noGrp="1"/>
-          </p:cNvSpPr>
-          <p:nvPr>
-            <p:ph idx="1"/>
-          </p:nvPr>
-        </p:nvSpPr>
-        <p:spPr/>
-        <p:txBody>
-          <a:bodyPr/>
-          <a:lstStyle/>
-          <a:p>
-            <a:r>
-              <a:rPr lang="en-US" dirty="0"/>
-              <a:t>Can be </a:t>
-            </a:r>
-            <a:r>
-              <a:rPr lang="en-US" dirty="0" err="1"/>
-              <a:t>vectorized</a:t>
-            </a:r>
-            <a:endParaRPr lang="en-US" dirty="0"/>
-          </a:p>
-          <a:p>
-            <a:endParaRPr lang="en-US" dirty="0"/>
-          </a:p>
-          <a:p>
-            <a:endParaRPr lang="en-US" dirty="0"/>
-          </a:p>
-          <a:p>
-            <a:endParaRPr lang="en-US" dirty="0"/>
-          </a:p>
-          <a:p>
-            <a:r>
-              <a:rPr lang="en-US" dirty="0"/>
-              <a:t>Can not be </a:t>
-            </a:r>
-            <a:r>
-              <a:rPr lang="en-US" dirty="0" err="1"/>
-              <a:t>vectorized</a:t>
-            </a:r>
-            <a:endParaRPr lang="nl-BE" dirty="0"/>
-          </a:p>
-        </p:txBody>
-      </p:sp>
-      <p:sp>
-        <p:nvSpPr>
-          <p:cNvPr id="4" name="Slide Number Placeholder 3"/>
-          <p:cNvSpPr>
-            <a:spLocks noGrp="1"/>
-          </p:cNvSpPr>
-          <p:nvPr>
-            <p:ph type="sldNum" sz="quarter" idx="12"/>
-          </p:nvPr>
-        </p:nvSpPr>
-        <p:spPr/>
-        <p:txBody>
-          <a:bodyPr/>
-          <a:lstStyle/>
-          <a:p>
-            <a:fld id="{6597116C-F94B-4B5B-973A-17F07FB5C418}" type="slidenum">
-              <a:rPr lang="nl-BE" smtClean="0"/>
-              <a:t>30</a:t>
+              <a:t>31</a:t>
             </a:fld>
             <a:endParaRPr lang="nl-BE"/>
           </a:p>
@@ -28475,7 +29087,7 @@
 </p:sld>
 </file>
 
-<file path=ppt/slides/slide31.xml><?xml version="1.0" encoding="utf-8"?>
+<file path=ppt/slides/slide32.xml><?xml version="1.0" encoding="utf-8"?>
 <p:sld xmlns:a="http://schemas.openxmlformats.org/drawingml/2006/main" xmlns:r="http://schemas.openxmlformats.org/officeDocument/2006/relationships" xmlns:p="http://schemas.openxmlformats.org/presentationml/2006/main">
   <p:cSld>
     <p:spTree>
@@ -28775,7 +29387,7 @@
           <a:p>
             <a:fld id="{6597116C-F94B-4B5B-973A-17F07FB5C418}" type="slidenum">
               <a:rPr lang="nl-BE" smtClean="0"/>
-              <a:t>31</a:t>
+              <a:t>32</a:t>
             </a:fld>
             <a:endParaRPr lang="nl-BE"/>
           </a:p>
@@ -29256,7 +29868,7 @@
 </p:sld>
 </file>
 
-<file path=ppt/slides/slide32.xml><?xml version="1.0" encoding="utf-8"?>
+<file path=ppt/slides/slide33.xml><?xml version="1.0" encoding="utf-8"?>
 <p:sld xmlns:a="http://schemas.openxmlformats.org/drawingml/2006/main" xmlns:r="http://schemas.openxmlformats.org/officeDocument/2006/relationships" xmlns:p="http://schemas.openxmlformats.org/presentationml/2006/main">
   <p:cSld>
     <p:spTree>
@@ -29609,7 +30221,7 @@
           <a:p>
             <a:fld id="{6597116C-F94B-4B5B-973A-17F07FB5C418}" type="slidenum">
               <a:rPr lang="nl-BE" smtClean="0"/>
-              <a:t>32</a:t>
+              <a:t>33</a:t>
             </a:fld>
             <a:endParaRPr lang="nl-BE"/>
           </a:p>
@@ -29793,7 +30405,7 @@
 </p:sld>
 </file>
 
-<file path=ppt/slides/slide33.xml><?xml version="1.0" encoding="utf-8"?>
+<file path=ppt/slides/slide34.xml><?xml version="1.0" encoding="utf-8"?>
 <p:sld xmlns:a="http://schemas.openxmlformats.org/drawingml/2006/main" xmlns:r="http://schemas.openxmlformats.org/officeDocument/2006/relationships" xmlns:p="http://schemas.openxmlformats.org/presentationml/2006/main">
   <p:cSld>
     <p:spTree>
@@ -29911,7 +30523,7 @@
           <a:p>
             <a:fld id="{6597116C-F94B-4B5B-973A-17F07FB5C418}" type="slidenum">
               <a:rPr lang="nl-BE" smtClean="0"/>
-              <a:t>33</a:t>
+              <a:t>34</a:t>
             </a:fld>
             <a:endParaRPr lang="nl-BE"/>
           </a:p>
@@ -30296,7 +30908,7 @@
 </p:sld>
 </file>
 
-<file path=ppt/slides/slide34.xml><?xml version="1.0" encoding="utf-8"?>
+<file path=ppt/slides/slide35.xml><?xml version="1.0" encoding="utf-8"?>
 <p:sld xmlns:a="http://schemas.openxmlformats.org/drawingml/2006/main" xmlns:r="http://schemas.openxmlformats.org/officeDocument/2006/relationships" xmlns:p="http://schemas.openxmlformats.org/presentationml/2006/main">
   <p:cSld>
     <p:spTree>
@@ -30403,7 +31015,7 @@
           <a:p>
             <a:fld id="{6597116C-F94B-4B5B-973A-17F07FB5C418}" type="slidenum">
               <a:rPr lang="nl-BE" smtClean="0"/>
-              <a:t>34</a:t>
+              <a:t>35</a:t>
             </a:fld>
             <a:endParaRPr lang="nl-BE"/>
           </a:p>
@@ -30951,7 +31563,7 @@
 </p:sld>
 </file>
 
-<file path=ppt/slides/slide35.xml><?xml version="1.0" encoding="utf-8"?>
+<file path=ppt/slides/slide36.xml><?xml version="1.0" encoding="utf-8"?>
 <p:sld xmlns:a="http://schemas.openxmlformats.org/drawingml/2006/main" xmlns:r="http://schemas.openxmlformats.org/officeDocument/2006/relationships" xmlns:p="http://schemas.openxmlformats.org/presentationml/2006/main">
   <p:cSld>
     <p:spTree>
@@ -31066,7 +31678,7 @@
           <a:p>
             <a:fld id="{6597116C-F94B-4B5B-973A-17F07FB5C418}" type="slidenum">
               <a:rPr lang="nl-BE" smtClean="0"/>
-              <a:t>35</a:t>
+              <a:t>36</a:t>
             </a:fld>
             <a:endParaRPr lang="nl-BE"/>
           </a:p>
@@ -31664,7 +32276,7 @@
 </p:sld>
 </file>
 
-<file path=ppt/slides/slide36.xml><?xml version="1.0" encoding="utf-8"?>
+<file path=ppt/slides/slide37.xml><?xml version="1.0" encoding="utf-8"?>
 <p:sld xmlns:a="http://schemas.openxmlformats.org/drawingml/2006/main" xmlns:r="http://schemas.openxmlformats.org/officeDocument/2006/relationships" xmlns:p="http://schemas.openxmlformats.org/presentationml/2006/main">
   <p:cSld>
     <p:spTree>
@@ -31833,7 +32445,7 @@
           <a:p>
             <a:fld id="{6597116C-F94B-4B5B-973A-17F07FB5C418}" type="slidenum">
               <a:rPr lang="nl-BE" smtClean="0"/>
-              <a:t>36</a:t>
+              <a:t>37</a:t>
             </a:fld>
             <a:endParaRPr lang="nl-BE"/>
           </a:p>
@@ -32196,7 +32808,7 @@
 </p:sld>
 </file>
 
-<file path=ppt/slides/slide37.xml><?xml version="1.0" encoding="utf-8"?>
+<file path=ppt/slides/slide38.xml><?xml version="1.0" encoding="utf-8"?>
 <p:sld xmlns:a="http://schemas.openxmlformats.org/drawingml/2006/main" xmlns:r="http://schemas.openxmlformats.org/officeDocument/2006/relationships" xmlns:p="http://schemas.openxmlformats.org/presentationml/2006/main">
   <p:cSld>
     <p:spTree>
@@ -32545,7 +33157,7 @@
           <a:p>
             <a:fld id="{6597116C-F94B-4B5B-973A-17F07FB5C418}" type="slidenum">
               <a:rPr lang="nl-BE" smtClean="0"/>
-              <a:t>37</a:t>
+              <a:t>38</a:t>
             </a:fld>
             <a:endParaRPr lang="nl-BE"/>
           </a:p>
@@ -33045,100 +33657,6 @@
 </p:sld>
 </file>
 
-<file path=ppt/slides/slide38.xml><?xml version="1.0" encoding="utf-8"?>
-<p:sld xmlns:a="http://schemas.openxmlformats.org/drawingml/2006/main" xmlns:r="http://schemas.openxmlformats.org/officeDocument/2006/relationships" xmlns:p="http://schemas.openxmlformats.org/presentationml/2006/main">
-  <p:cSld>
-    <p:spTree>
-      <p:nvGrpSpPr>
-        <p:cNvPr id="1" name=""/>
-        <p:cNvGrpSpPr/>
-        <p:nvPr/>
-      </p:nvGrpSpPr>
-      <p:grpSpPr>
-        <a:xfrm>
-          <a:off x="0" y="0"/>
-          <a:ext cx="0" cy="0"/>
-          <a:chOff x="0" y="0"/>
-          <a:chExt cx="0" cy="0"/>
-        </a:xfrm>
-      </p:grpSpPr>
-      <p:sp>
-        <p:nvSpPr>
-          <p:cNvPr id="2" name="Title 1"/>
-          <p:cNvSpPr>
-            <a:spLocks noGrp="1"/>
-          </p:cNvSpPr>
-          <p:nvPr>
-            <p:ph type="title"/>
-          </p:nvPr>
-        </p:nvSpPr>
-        <p:spPr/>
-        <p:txBody>
-          <a:bodyPr/>
-          <a:lstStyle/>
-          <a:p>
-            <a:r>
-              <a:rPr lang="en-US" dirty="0"/>
-              <a:t>Multithreading: false sharing</a:t>
-            </a:r>
-          </a:p>
-        </p:txBody>
-      </p:sp>
-      <p:sp>
-        <p:nvSpPr>
-          <p:cNvPr id="3" name="Text Placeholder 2"/>
-          <p:cNvSpPr>
-            <a:spLocks noGrp="1"/>
-          </p:cNvSpPr>
-          <p:nvPr>
-            <p:ph type="body" idx="1"/>
-          </p:nvPr>
-        </p:nvSpPr>
-        <p:spPr/>
-        <p:txBody>
-          <a:bodyPr/>
-          <a:lstStyle/>
-          <a:p>
-            <a:endParaRPr lang="en-US"/>
-          </a:p>
-        </p:txBody>
-      </p:sp>
-      <p:sp>
-        <p:nvSpPr>
-          <p:cNvPr id="4" name="Slide Number Placeholder 3"/>
-          <p:cNvSpPr>
-            <a:spLocks noGrp="1"/>
-          </p:cNvSpPr>
-          <p:nvPr>
-            <p:ph type="sldNum" sz="quarter" idx="12"/>
-          </p:nvPr>
-        </p:nvSpPr>
-        <p:spPr/>
-        <p:txBody>
-          <a:bodyPr/>
-          <a:lstStyle/>
-          <a:p>
-            <a:fld id="{6597116C-F94B-4B5B-973A-17F07FB5C418}" type="slidenum">
-              <a:rPr lang="nl-BE" smtClean="0"/>
-              <a:t>38</a:t>
-            </a:fld>
-            <a:endParaRPr lang="nl-BE"/>
-          </a:p>
-        </p:txBody>
-      </p:sp>
-    </p:spTree>
-    <p:extLst>
-      <p:ext uri="{BB962C8B-B14F-4D97-AF65-F5344CB8AC3E}">
-        <p14:creationId xmlns:p14="http://schemas.microsoft.com/office/powerpoint/2010/main" val="3424948925"/>
-      </p:ext>
-    </p:extLst>
-  </p:cSld>
-  <p:clrMapOvr>
-    <a:masterClrMapping/>
-  </p:clrMapOvr>
-</p:sld>
-</file>
-
 <file path=ppt/slides/slide39.xml><?xml version="1.0" encoding="utf-8"?>
 <p:sld xmlns:a="http://schemas.openxmlformats.org/drawingml/2006/main" xmlns:r="http://schemas.openxmlformats.org/officeDocument/2006/relationships" xmlns:p="http://schemas.openxmlformats.org/presentationml/2006/main">
   <p:cSld>
@@ -33173,8 +33691,27 @@
           <a:p>
             <a:r>
               <a:rPr lang="en-US" dirty="0"/>
-              <a:t>Cache lines, again</a:t>
-            </a:r>
+              <a:t>Multithreading: false sharing</a:t>
+            </a:r>
+          </a:p>
+        </p:txBody>
+      </p:sp>
+      <p:sp>
+        <p:nvSpPr>
+          <p:cNvPr id="3" name="Text Placeholder 2"/>
+          <p:cNvSpPr>
+            <a:spLocks noGrp="1"/>
+          </p:cNvSpPr>
+          <p:nvPr>
+            <p:ph type="body" idx="1"/>
+          </p:nvPr>
+        </p:nvSpPr>
+        <p:spPr/>
+        <p:txBody>
+          <a:bodyPr/>
+          <a:lstStyle/>
+          <a:p>
+            <a:endParaRPr lang="en-US"/>
           </a:p>
         </p:txBody>
       </p:sp>
@@ -33196,6 +33733,667 @@
             <a:fld id="{6597116C-F94B-4B5B-973A-17F07FB5C418}" type="slidenum">
               <a:rPr lang="nl-BE" smtClean="0"/>
               <a:t>39</a:t>
+            </a:fld>
+            <a:endParaRPr lang="nl-BE"/>
+          </a:p>
+        </p:txBody>
+      </p:sp>
+    </p:spTree>
+    <p:extLst>
+      <p:ext uri="{BB962C8B-B14F-4D97-AF65-F5344CB8AC3E}">
+        <p14:creationId xmlns:p14="http://schemas.microsoft.com/office/powerpoint/2010/main" val="3424948925"/>
+      </p:ext>
+    </p:extLst>
+  </p:cSld>
+  <p:clrMapOvr>
+    <a:masterClrMapping/>
+  </p:clrMapOvr>
+</p:sld>
+</file>
+
+<file path=ppt/slides/slide4.xml><?xml version="1.0" encoding="utf-8"?>
+<p:sld xmlns:a="http://schemas.openxmlformats.org/drawingml/2006/main" xmlns:r="http://schemas.openxmlformats.org/officeDocument/2006/relationships" xmlns:p="http://schemas.openxmlformats.org/presentationml/2006/main">
+  <p:cSld>
+    <p:spTree>
+      <p:nvGrpSpPr>
+        <p:cNvPr id="1" name=""/>
+        <p:cNvGrpSpPr/>
+        <p:nvPr/>
+      </p:nvGrpSpPr>
+      <p:grpSpPr>
+        <a:xfrm>
+          <a:off x="0" y="0"/>
+          <a:ext cx="0" cy="0"/>
+          <a:chOff x="0" y="0"/>
+          <a:chExt cx="0" cy="0"/>
+        </a:xfrm>
+      </p:grpSpPr>
+      <p:sp>
+        <p:nvSpPr>
+          <p:cNvPr id="2" name="Title 1"/>
+          <p:cNvSpPr>
+            <a:spLocks noGrp="1"/>
+          </p:cNvSpPr>
+          <p:nvPr>
+            <p:ph type="title"/>
+          </p:nvPr>
+        </p:nvSpPr>
+        <p:spPr/>
+        <p:txBody>
+          <a:bodyPr/>
+          <a:lstStyle/>
+          <a:p>
+            <a:r>
+              <a:rPr lang="en-US" dirty="0"/>
+              <a:t>Moore's law</a:t>
+            </a:r>
+            <a:endParaRPr lang="nl-BE" dirty="0"/>
+          </a:p>
+        </p:txBody>
+      </p:sp>
+      <p:sp>
+        <p:nvSpPr>
+          <p:cNvPr id="3" name="Content Placeholder 2"/>
+          <p:cNvSpPr>
+            <a:spLocks noGrp="1"/>
+          </p:cNvSpPr>
+          <p:nvPr>
+            <p:ph idx="1"/>
+          </p:nvPr>
+        </p:nvSpPr>
+        <p:spPr/>
+        <p:txBody>
+          <a:bodyPr/>
+          <a:lstStyle/>
+          <a:p>
+            <a:r>
+              <a:rPr lang="en-US" dirty="0"/>
+              <a:t>In the good, old days…</a:t>
+            </a:r>
+          </a:p>
+          <a:p>
+            <a:pPr lvl="1"/>
+            <a:r>
+              <a:rPr lang="en-US" dirty="0"/>
+              <a:t>CPU clock frequency increased:</a:t>
+            </a:r>
+            <a:br>
+              <a:rPr lang="en-US" dirty="0"/>
+            </a:br>
+            <a:r>
+              <a:rPr lang="en-US" dirty="0"/>
+              <a:t>performance was free lunch</a:t>
+            </a:r>
+          </a:p>
+          <a:p>
+            <a:r>
+              <a:rPr lang="en-US" dirty="0"/>
+              <a:t>Problems</a:t>
+            </a:r>
+          </a:p>
+          <a:p>
+            <a:pPr lvl="1"/>
+            <a:r>
+              <a:rPr lang="en-US" dirty="0"/>
+              <a:t>Heat dissipation</a:t>
+            </a:r>
+          </a:p>
+          <a:p>
+            <a:pPr lvl="1"/>
+            <a:r>
+              <a:rPr lang="en-US" dirty="0"/>
+              <a:t>Power efficiency</a:t>
+            </a:r>
+          </a:p>
+          <a:p>
+            <a:r>
+              <a:rPr lang="en-US" dirty="0"/>
+              <a:t>However…</a:t>
+            </a:r>
+            <a:endParaRPr lang="nl-BE" dirty="0"/>
+          </a:p>
+        </p:txBody>
+      </p:sp>
+      <p:sp>
+        <p:nvSpPr>
+          <p:cNvPr id="4" name="Slide Number Placeholder 3"/>
+          <p:cNvSpPr>
+            <a:spLocks noGrp="1"/>
+          </p:cNvSpPr>
+          <p:nvPr>
+            <p:ph type="sldNum" sz="quarter" idx="12"/>
+          </p:nvPr>
+        </p:nvSpPr>
+        <p:spPr/>
+        <p:txBody>
+          <a:bodyPr/>
+          <a:lstStyle/>
+          <a:p>
+            <a:fld id="{6597116C-F94B-4B5B-973A-17F07FB5C418}" type="slidenum">
+              <a:rPr lang="nl-BE" smtClean="0"/>
+              <a:t>4</a:t>
+            </a:fld>
+            <a:endParaRPr lang="nl-BE"/>
+          </a:p>
+        </p:txBody>
+      </p:sp>
+      <p:sp>
+        <p:nvSpPr>
+          <p:cNvPr id="5" name="TextBox 4"/>
+          <p:cNvSpPr txBox="1"/>
+          <p:nvPr/>
+        </p:nvSpPr>
+        <p:spPr>
+          <a:xfrm>
+            <a:off x="683568" y="5499229"/>
+            <a:ext cx="7704856" cy="954107"/>
+          </a:xfrm>
+          <a:prstGeom prst="rect">
+            <a:avLst/>
+          </a:prstGeom>
+          <a:noFill/>
+          <a:ln>
+            <a:solidFill>
+              <a:schemeClr val="tx1"/>
+            </a:solidFill>
+          </a:ln>
+        </p:spPr>
+        <p:txBody>
+          <a:bodyPr wrap="square" rtlCol="0">
+            <a:spAutoFit/>
+          </a:bodyPr>
+          <a:lstStyle/>
+          <a:p>
+            <a:pPr algn="ctr"/>
+            <a:r>
+              <a:rPr lang="en-US" sz="2800" dirty="0"/>
+              <a:t>"The number of transistors in a dense integrated circuit doubles approximately every two years".</a:t>
+            </a:r>
+            <a:endParaRPr lang="nl-BE" sz="2800" dirty="0"/>
+          </a:p>
+        </p:txBody>
+      </p:sp>
+      <p:graphicFrame>
+        <p:nvGraphicFramePr>
+          <p:cNvPr id="6" name="Object 5"/>
+          <p:cNvGraphicFramePr>
+            <a:graphicFrameLocks noChangeAspect="1"/>
+          </p:cNvGraphicFramePr>
+          <p:nvPr>
+            <p:extLst>
+              <p:ext uri="{D42A27DB-BD31-4B8C-83A1-F6EECF244321}">
+                <p14:modId xmlns:p14="http://schemas.microsoft.com/office/powerpoint/2010/main" val="2892907508"/>
+              </p:ext>
+            </p:extLst>
+          </p:nvPr>
+        </p:nvGraphicFramePr>
+        <p:xfrm>
+          <a:off x="4716016" y="4005064"/>
+          <a:ext cx="2609850" cy="619125"/>
+        </p:xfrm>
+        <a:graphic>
+          <a:graphicData uri="http://schemas.openxmlformats.org/presentationml/2006/ole">
+            <mc:AlternateContent xmlns:mc="http://schemas.openxmlformats.org/markup-compatibility/2006">
+              <mc:Choice xmlns:v="urn:schemas-microsoft-com:vml" Requires="v">
+                <p:oleObj spid="_x0000_s3144" name="Equation" r:id="rId3" imgW="965160" imgH="228600" progId="Equation.3">
+                  <p:embed/>
+                </p:oleObj>
+              </mc:Choice>
+              <mc:Fallback>
+                <p:oleObj name="Equation" r:id="rId3" imgW="965160" imgH="228600" progId="Equation.3">
+                  <p:embed/>
+                  <p:pic>
+                    <p:nvPicPr>
+                      <p:cNvPr id="0" name=""/>
+                      <p:cNvPicPr/>
+                      <p:nvPr/>
+                    </p:nvPicPr>
+                    <p:blipFill>
+                      <a:blip r:embed="rId4"/>
+                      <a:stretch>
+                        <a:fillRect/>
+                      </a:stretch>
+                    </p:blipFill>
+                    <p:spPr>
+                      <a:xfrm>
+                        <a:off x="4716016" y="4005064"/>
+                        <a:ext cx="2609850" cy="619125"/>
+                      </a:xfrm>
+                      <a:prstGeom prst="rect">
+                        <a:avLst/>
+                      </a:prstGeom>
+                      <a:ln>
+                        <a:solidFill>
+                          <a:schemeClr val="tx1"/>
+                        </a:solidFill>
+                      </a:ln>
+                    </p:spPr>
+                  </p:pic>
+                </p:oleObj>
+              </mc:Fallback>
+            </mc:AlternateContent>
+          </a:graphicData>
+        </a:graphic>
+      </p:graphicFrame>
+    </p:spTree>
+    <p:extLst>
+      <p:ext uri="{BB962C8B-B14F-4D97-AF65-F5344CB8AC3E}">
+        <p14:creationId xmlns:p14="http://schemas.microsoft.com/office/powerpoint/2010/main" val="3338152140"/>
+      </p:ext>
+    </p:extLst>
+  </p:cSld>
+  <p:clrMapOvr>
+    <a:masterClrMapping/>
+  </p:clrMapOvr>
+  <p:timing>
+    <p:tnLst>
+      <p:par>
+        <p:cTn id="1" dur="indefinite" restart="never" nodeType="tmRoot">
+          <p:childTnLst>
+            <p:seq concurrent="1" nextAc="seek">
+              <p:cTn id="2" dur="indefinite" nodeType="mainSeq">
+                <p:childTnLst>
+                  <p:par>
+                    <p:cTn id="3" fill="hold">
+                      <p:stCondLst>
+                        <p:cond delay="indefinite"/>
+                        <p:cond evt="onBegin" delay="0">
+                          <p:tn val="2"/>
+                        </p:cond>
+                      </p:stCondLst>
+                      <p:childTnLst>
+                        <p:par>
+                          <p:cTn id="4" fill="hold">
+                            <p:stCondLst>
+                              <p:cond delay="0"/>
+                            </p:stCondLst>
+                            <p:childTnLst>
+                              <p:par>
+                                <p:cTn id="5" presetID="1" presetClass="entr" presetSubtype="0" fill="hold" grpId="0" nodeType="withEffect">
+                                  <p:stCondLst>
+                                    <p:cond delay="0"/>
+                                  </p:stCondLst>
+                                  <p:childTnLst>
+                                    <p:set>
+                                      <p:cBhvr>
+                                        <p:cTn id="6" dur="1" fill="hold">
+                                          <p:stCondLst>
+                                            <p:cond delay="0"/>
+                                          </p:stCondLst>
+                                        </p:cTn>
+                                        <p:tgtEl>
+                                          <p:spTgt spid="3">
+                                            <p:txEl>
+                                              <p:pRg st="0" end="0"/>
+                                            </p:txEl>
+                                          </p:spTgt>
+                                        </p:tgtEl>
+                                        <p:attrNameLst>
+                                          <p:attrName>style.visibility</p:attrName>
+                                        </p:attrNameLst>
+                                      </p:cBhvr>
+                                      <p:to>
+                                        <p:strVal val="visible"/>
+                                      </p:to>
+                                    </p:set>
+                                  </p:childTnLst>
+                                </p:cTn>
+                              </p:par>
+                              <p:par>
+                                <p:cTn id="7" presetID="1" presetClass="entr" presetSubtype="0" fill="hold" grpId="0" nodeType="withEffect">
+                                  <p:stCondLst>
+                                    <p:cond delay="0"/>
+                                  </p:stCondLst>
+                                  <p:childTnLst>
+                                    <p:set>
+                                      <p:cBhvr>
+                                        <p:cTn id="8" dur="1" fill="hold">
+                                          <p:stCondLst>
+                                            <p:cond delay="0"/>
+                                          </p:stCondLst>
+                                        </p:cTn>
+                                        <p:tgtEl>
+                                          <p:spTgt spid="3">
+                                            <p:txEl>
+                                              <p:pRg st="1" end="1"/>
+                                            </p:txEl>
+                                          </p:spTgt>
+                                        </p:tgtEl>
+                                        <p:attrNameLst>
+                                          <p:attrName>style.visibility</p:attrName>
+                                        </p:attrNameLst>
+                                      </p:cBhvr>
+                                      <p:to>
+                                        <p:strVal val="visible"/>
+                                      </p:to>
+                                    </p:set>
+                                  </p:childTnLst>
+                                </p:cTn>
+                              </p:par>
+                            </p:childTnLst>
+                          </p:cTn>
+                        </p:par>
+                      </p:childTnLst>
+                    </p:cTn>
+                  </p:par>
+                  <p:par>
+                    <p:cTn id="9" fill="hold">
+                      <p:stCondLst>
+                        <p:cond delay="indefinite"/>
+                      </p:stCondLst>
+                      <p:childTnLst>
+                        <p:par>
+                          <p:cTn id="10" fill="hold">
+                            <p:stCondLst>
+                              <p:cond delay="0"/>
+                            </p:stCondLst>
+                            <p:childTnLst>
+                              <p:par>
+                                <p:cTn id="11" presetID="1" presetClass="entr" presetSubtype="0" fill="hold" grpId="0" nodeType="clickEffect">
+                                  <p:stCondLst>
+                                    <p:cond delay="0"/>
+                                  </p:stCondLst>
+                                  <p:childTnLst>
+                                    <p:set>
+                                      <p:cBhvr>
+                                        <p:cTn id="12" dur="1" fill="hold">
+                                          <p:stCondLst>
+                                            <p:cond delay="0"/>
+                                          </p:stCondLst>
+                                        </p:cTn>
+                                        <p:tgtEl>
+                                          <p:spTgt spid="3">
+                                            <p:txEl>
+                                              <p:pRg st="2" end="2"/>
+                                            </p:txEl>
+                                          </p:spTgt>
+                                        </p:tgtEl>
+                                        <p:attrNameLst>
+                                          <p:attrName>style.visibility</p:attrName>
+                                        </p:attrNameLst>
+                                      </p:cBhvr>
+                                      <p:to>
+                                        <p:strVal val="visible"/>
+                                      </p:to>
+                                    </p:set>
+                                  </p:childTnLst>
+                                </p:cTn>
+                              </p:par>
+                              <p:par>
+                                <p:cTn id="13" presetID="1" presetClass="entr" presetSubtype="0" fill="hold" grpId="0" nodeType="withEffect">
+                                  <p:stCondLst>
+                                    <p:cond delay="0"/>
+                                  </p:stCondLst>
+                                  <p:childTnLst>
+                                    <p:set>
+                                      <p:cBhvr>
+                                        <p:cTn id="14" dur="1" fill="hold">
+                                          <p:stCondLst>
+                                            <p:cond delay="0"/>
+                                          </p:stCondLst>
+                                        </p:cTn>
+                                        <p:tgtEl>
+                                          <p:spTgt spid="3">
+                                            <p:txEl>
+                                              <p:pRg st="3" end="3"/>
+                                            </p:txEl>
+                                          </p:spTgt>
+                                        </p:tgtEl>
+                                        <p:attrNameLst>
+                                          <p:attrName>style.visibility</p:attrName>
+                                        </p:attrNameLst>
+                                      </p:cBhvr>
+                                      <p:to>
+                                        <p:strVal val="visible"/>
+                                      </p:to>
+                                    </p:set>
+                                  </p:childTnLst>
+                                </p:cTn>
+                              </p:par>
+                              <p:par>
+                                <p:cTn id="15" presetID="1" presetClass="entr" presetSubtype="0" fill="hold" grpId="0" nodeType="withEffect">
+                                  <p:stCondLst>
+                                    <p:cond delay="0"/>
+                                  </p:stCondLst>
+                                  <p:childTnLst>
+                                    <p:set>
+                                      <p:cBhvr>
+                                        <p:cTn id="16" dur="1" fill="hold">
+                                          <p:stCondLst>
+                                            <p:cond delay="0"/>
+                                          </p:stCondLst>
+                                        </p:cTn>
+                                        <p:tgtEl>
+                                          <p:spTgt spid="3">
+                                            <p:txEl>
+                                              <p:pRg st="4" end="4"/>
+                                            </p:txEl>
+                                          </p:spTgt>
+                                        </p:tgtEl>
+                                        <p:attrNameLst>
+                                          <p:attrName>style.visibility</p:attrName>
+                                        </p:attrNameLst>
+                                      </p:cBhvr>
+                                      <p:to>
+                                        <p:strVal val="visible"/>
+                                      </p:to>
+                                    </p:set>
+                                  </p:childTnLst>
+                                </p:cTn>
+                              </p:par>
+                            </p:childTnLst>
+                          </p:cTn>
+                        </p:par>
+                      </p:childTnLst>
+                    </p:cTn>
+                  </p:par>
+                  <p:par>
+                    <p:cTn id="17" fill="hold">
+                      <p:stCondLst>
+                        <p:cond delay="indefinite"/>
+                      </p:stCondLst>
+                      <p:childTnLst>
+                        <p:par>
+                          <p:cTn id="18" fill="hold">
+                            <p:stCondLst>
+                              <p:cond delay="0"/>
+                            </p:stCondLst>
+                            <p:childTnLst>
+                              <p:par>
+                                <p:cTn id="19" presetID="1" presetClass="entr" presetSubtype="0" fill="hold" nodeType="clickEffect">
+                                  <p:stCondLst>
+                                    <p:cond delay="0"/>
+                                  </p:stCondLst>
+                                  <p:childTnLst>
+                                    <p:set>
+                                      <p:cBhvr>
+                                        <p:cTn id="20" dur="1" fill="hold">
+                                          <p:stCondLst>
+                                            <p:cond delay="0"/>
+                                          </p:stCondLst>
+                                        </p:cTn>
+                                        <p:tgtEl>
+                                          <p:spTgt spid="6"/>
+                                        </p:tgtEl>
+                                        <p:attrNameLst>
+                                          <p:attrName>style.visibility</p:attrName>
+                                        </p:attrNameLst>
+                                      </p:cBhvr>
+                                      <p:to>
+                                        <p:strVal val="visible"/>
+                                      </p:to>
+                                    </p:set>
+                                  </p:childTnLst>
+                                </p:cTn>
+                              </p:par>
+                            </p:childTnLst>
+                          </p:cTn>
+                        </p:par>
+                      </p:childTnLst>
+                    </p:cTn>
+                  </p:par>
+                  <p:par>
+                    <p:cTn id="21" fill="hold">
+                      <p:stCondLst>
+                        <p:cond delay="indefinite"/>
+                      </p:stCondLst>
+                      <p:childTnLst>
+                        <p:par>
+                          <p:cTn id="22" fill="hold">
+                            <p:stCondLst>
+                              <p:cond delay="0"/>
+                            </p:stCondLst>
+                            <p:childTnLst>
+                              <p:par>
+                                <p:cTn id="23" presetID="1" presetClass="entr" presetSubtype="0" fill="hold" grpId="0" nodeType="clickEffect">
+                                  <p:stCondLst>
+                                    <p:cond delay="0"/>
+                                  </p:stCondLst>
+                                  <p:childTnLst>
+                                    <p:set>
+                                      <p:cBhvr>
+                                        <p:cTn id="24" dur="1" fill="hold">
+                                          <p:stCondLst>
+                                            <p:cond delay="0"/>
+                                          </p:stCondLst>
+                                        </p:cTn>
+                                        <p:tgtEl>
+                                          <p:spTgt spid="3">
+                                            <p:txEl>
+                                              <p:pRg st="5" end="5"/>
+                                            </p:txEl>
+                                          </p:spTgt>
+                                        </p:tgtEl>
+                                        <p:attrNameLst>
+                                          <p:attrName>style.visibility</p:attrName>
+                                        </p:attrNameLst>
+                                      </p:cBhvr>
+                                      <p:to>
+                                        <p:strVal val="visible"/>
+                                      </p:to>
+                                    </p:set>
+                                  </p:childTnLst>
+                                </p:cTn>
+                              </p:par>
+                              <p:par>
+                                <p:cTn id="25" presetID="1" presetClass="entr" presetSubtype="0" fill="hold" grpId="0" nodeType="withEffect">
+                                  <p:stCondLst>
+                                    <p:cond delay="0"/>
+                                  </p:stCondLst>
+                                  <p:childTnLst>
+                                    <p:set>
+                                      <p:cBhvr>
+                                        <p:cTn id="26" dur="1" fill="hold">
+                                          <p:stCondLst>
+                                            <p:cond delay="0"/>
+                                          </p:stCondLst>
+                                        </p:cTn>
+                                        <p:tgtEl>
+                                          <p:spTgt spid="5"/>
+                                        </p:tgtEl>
+                                        <p:attrNameLst>
+                                          <p:attrName>style.visibility</p:attrName>
+                                        </p:attrNameLst>
+                                      </p:cBhvr>
+                                      <p:to>
+                                        <p:strVal val="visible"/>
+                                      </p:to>
+                                    </p:set>
+                                  </p:childTnLst>
+                                </p:cTn>
+                              </p:par>
+                            </p:childTnLst>
+                          </p:cTn>
+                        </p:par>
+                      </p:childTnLst>
+                    </p:cTn>
+                  </p:par>
+                </p:childTnLst>
+              </p:cTn>
+              <p:prevCondLst>
+                <p:cond evt="onPrev" delay="0">
+                  <p:tgtEl>
+                    <p:sldTgt/>
+                  </p:tgtEl>
+                </p:cond>
+              </p:prevCondLst>
+              <p:nextCondLst>
+                <p:cond evt="onNext" delay="0">
+                  <p:tgtEl>
+                    <p:sldTgt/>
+                  </p:tgtEl>
+                </p:cond>
+              </p:nextCondLst>
+            </p:seq>
+          </p:childTnLst>
+        </p:cTn>
+      </p:par>
+    </p:tnLst>
+    <p:bldLst>
+      <p:bldP spid="3" grpId="0" uiExpand="1" build="p"/>
+      <p:bldP spid="5" grpId="0" animBg="1"/>
+    </p:bldLst>
+  </p:timing>
+</p:sld>
+</file>
+
+<file path=ppt/slides/slide40.xml><?xml version="1.0" encoding="utf-8"?>
+<p:sld xmlns:a="http://schemas.openxmlformats.org/drawingml/2006/main" xmlns:r="http://schemas.openxmlformats.org/officeDocument/2006/relationships" xmlns:p="http://schemas.openxmlformats.org/presentationml/2006/main">
+  <p:cSld>
+    <p:spTree>
+      <p:nvGrpSpPr>
+        <p:cNvPr id="1" name=""/>
+        <p:cNvGrpSpPr/>
+        <p:nvPr/>
+      </p:nvGrpSpPr>
+      <p:grpSpPr>
+        <a:xfrm>
+          <a:off x="0" y="0"/>
+          <a:ext cx="0" cy="0"/>
+          <a:chOff x="0" y="0"/>
+          <a:chExt cx="0" cy="0"/>
+        </a:xfrm>
+      </p:grpSpPr>
+      <p:sp>
+        <p:nvSpPr>
+          <p:cNvPr id="2" name="Title 1"/>
+          <p:cNvSpPr>
+            <a:spLocks noGrp="1"/>
+          </p:cNvSpPr>
+          <p:nvPr>
+            <p:ph type="title"/>
+          </p:nvPr>
+        </p:nvSpPr>
+        <p:spPr/>
+        <p:txBody>
+          <a:bodyPr/>
+          <a:lstStyle/>
+          <a:p>
+            <a:r>
+              <a:rPr lang="en-US" dirty="0"/>
+              <a:t>Cache lines, again</a:t>
+            </a:r>
+          </a:p>
+        </p:txBody>
+      </p:sp>
+      <p:sp>
+        <p:nvSpPr>
+          <p:cNvPr id="4" name="Slide Number Placeholder 3"/>
+          <p:cNvSpPr>
+            <a:spLocks noGrp="1"/>
+          </p:cNvSpPr>
+          <p:nvPr>
+            <p:ph type="sldNum" sz="quarter" idx="12"/>
+          </p:nvPr>
+        </p:nvSpPr>
+        <p:spPr/>
+        <p:txBody>
+          <a:bodyPr/>
+          <a:lstStyle/>
+          <a:p>
+            <a:fld id="{6597116C-F94B-4B5B-973A-17F07FB5C418}" type="slidenum">
+              <a:rPr lang="nl-BE" smtClean="0"/>
+              <a:t>40</a:t>
             </a:fld>
             <a:endParaRPr lang="nl-BE"/>
           </a:p>
@@ -37913,7 +39111,7 @@
 </p:sld>
 </file>
 
-<file path=ppt/slides/slide4.xml><?xml version="1.0" encoding="utf-8"?>
+<file path=ppt/slides/slide41.xml><?xml version="1.0" encoding="utf-8"?>
 <p:sld xmlns:a="http://schemas.openxmlformats.org/drawingml/2006/main" xmlns:r="http://schemas.openxmlformats.org/officeDocument/2006/relationships" xmlns:p="http://schemas.openxmlformats.org/presentationml/2006/main">
   <p:cSld>
     <p:spTree>
@@ -37947,935 +39145,6 @@
           <a:p>
             <a:r>
               <a:rPr lang="en-US" dirty="0"/>
-              <a:t>Levels of parallelism</a:t>
-            </a:r>
-          </a:p>
-        </p:txBody>
-      </p:sp>
-      <p:sp>
-        <p:nvSpPr>
-          <p:cNvPr id="3" name="Content Placeholder 2"/>
-          <p:cNvSpPr>
-            <a:spLocks noGrp="1"/>
-          </p:cNvSpPr>
-          <p:nvPr>
-            <p:ph idx="1"/>
-          </p:nvPr>
-        </p:nvSpPr>
-        <p:spPr/>
-        <p:txBody>
-          <a:bodyPr>
-            <a:normAutofit fontScale="70000" lnSpcReduction="20000"/>
-          </a:bodyPr>
-          <a:lstStyle/>
-          <a:p>
-            <a:r>
-              <a:rPr lang="en-US" dirty="0"/>
-              <a:t>Vectorization</a:t>
-            </a:r>
-          </a:p>
-          <a:p>
-            <a:pPr lvl="1"/>
-            <a:r>
-              <a:rPr lang="en-US" dirty="0"/>
-              <a:t>libraries (e.g., MKL)</a:t>
-            </a:r>
-          </a:p>
-          <a:p>
-            <a:pPr lvl="1"/>
-            <a:r>
-              <a:rPr lang="en-US" dirty="0"/>
-              <a:t>compiler flags</a:t>
-            </a:r>
-          </a:p>
-          <a:p>
-            <a:pPr lvl="1"/>
-            <a:r>
-              <a:rPr lang="en-US" dirty="0"/>
-              <a:t>directives: programmer can/should help</a:t>
-            </a:r>
-          </a:p>
-          <a:p>
-            <a:r>
-              <a:rPr lang="en-US" dirty="0"/>
-              <a:t>Multiple cores</a:t>
-            </a:r>
-          </a:p>
-          <a:p>
-            <a:pPr lvl="1"/>
-            <a:r>
-              <a:rPr lang="en-US" dirty="0" err="1"/>
-              <a:t>OpenMP</a:t>
-            </a:r>
-            <a:r>
-              <a:rPr lang="en-US" dirty="0"/>
-              <a:t>/</a:t>
-            </a:r>
-            <a:r>
-              <a:rPr lang="en-US" dirty="0" err="1"/>
-              <a:t>pthreads</a:t>
-            </a:r>
-            <a:endParaRPr lang="en-US" dirty="0"/>
-          </a:p>
-          <a:p>
-            <a:pPr lvl="2"/>
-            <a:r>
-              <a:rPr lang="en-US" dirty="0"/>
-              <a:t>libraries (e.g., MKL)</a:t>
-            </a:r>
-          </a:p>
-          <a:p>
-            <a:pPr lvl="2"/>
-            <a:r>
-              <a:rPr lang="en-US" dirty="0"/>
-              <a:t>programmer</a:t>
-            </a:r>
-          </a:p>
-          <a:p>
-            <a:r>
-              <a:rPr lang="en-US" dirty="0"/>
-              <a:t>Multiple nodes, i.e., distributed computing</a:t>
-            </a:r>
-          </a:p>
-          <a:p>
-            <a:pPr lvl="1"/>
-            <a:r>
-              <a:rPr lang="en-US" dirty="0"/>
-              <a:t>MPI/CAF/UPC/Chapel</a:t>
-            </a:r>
-          </a:p>
-          <a:p>
-            <a:pPr lvl="2"/>
-            <a:r>
-              <a:rPr lang="en-US" dirty="0"/>
-              <a:t>programmer</a:t>
-            </a:r>
-          </a:p>
-          <a:p>
-            <a:r>
-              <a:rPr lang="en-US" dirty="0"/>
-              <a:t>GPGPU</a:t>
-            </a:r>
-          </a:p>
-          <a:p>
-            <a:pPr lvl="1"/>
-            <a:r>
-              <a:rPr lang="en-US" dirty="0"/>
-              <a:t>CUDA/</a:t>
-            </a:r>
-            <a:r>
-              <a:rPr lang="en-US" dirty="0" err="1"/>
-              <a:t>OpenACC</a:t>
-            </a:r>
-            <a:r>
-              <a:rPr lang="en-US" dirty="0"/>
-              <a:t>/</a:t>
-            </a:r>
-            <a:r>
-              <a:rPr lang="en-US" dirty="0" err="1"/>
-              <a:t>OpenCL</a:t>
-            </a:r>
-            <a:endParaRPr lang="en-US" dirty="0"/>
-          </a:p>
-          <a:p>
-            <a:pPr lvl="2"/>
-            <a:r>
-              <a:rPr lang="en-US" dirty="0"/>
-              <a:t>libraries (e.g., </a:t>
-            </a:r>
-            <a:r>
-              <a:rPr lang="en-US" dirty="0" err="1"/>
-              <a:t>TensorFlow</a:t>
-            </a:r>
-            <a:r>
-              <a:rPr lang="en-US" dirty="0"/>
-              <a:t>)</a:t>
-            </a:r>
-          </a:p>
-          <a:p>
-            <a:pPr lvl="2"/>
-            <a:r>
-              <a:rPr lang="en-US" dirty="0"/>
-              <a:t>programmer</a:t>
-            </a:r>
-          </a:p>
-        </p:txBody>
-      </p:sp>
-      <p:sp>
-        <p:nvSpPr>
-          <p:cNvPr id="4" name="Slide Number Placeholder 3"/>
-          <p:cNvSpPr>
-            <a:spLocks noGrp="1"/>
-          </p:cNvSpPr>
-          <p:nvPr>
-            <p:ph type="sldNum" sz="quarter" idx="12"/>
-          </p:nvPr>
-        </p:nvSpPr>
-        <p:spPr/>
-        <p:txBody>
-          <a:bodyPr/>
-          <a:lstStyle/>
-          <a:p>
-            <a:fld id="{6597116C-F94B-4B5B-973A-17F07FB5C418}" type="slidenum">
-              <a:rPr lang="nl-BE" smtClean="0"/>
-              <a:t>4</a:t>
-            </a:fld>
-            <a:endParaRPr lang="nl-BE"/>
-          </a:p>
-        </p:txBody>
-      </p:sp>
-      <p:grpSp>
-        <p:nvGrpSpPr>
-          <p:cNvPr id="7" name="Group 6"/>
-          <p:cNvGrpSpPr/>
-          <p:nvPr/>
-        </p:nvGrpSpPr>
-        <p:grpSpPr>
-          <a:xfrm>
-            <a:off x="6300192" y="2924944"/>
-            <a:ext cx="1546199" cy="3096344"/>
-            <a:chOff x="6553200" y="3284984"/>
-            <a:chExt cx="1546199" cy="3096344"/>
-          </a:xfrm>
-        </p:grpSpPr>
-        <p:sp>
-          <p:nvSpPr>
-            <p:cNvPr id="5" name="Right Brace 4"/>
-            <p:cNvSpPr/>
-            <p:nvPr/>
-          </p:nvSpPr>
-          <p:spPr>
-            <a:xfrm>
-              <a:off x="6553200" y="3284984"/>
-              <a:ext cx="216024" cy="3096344"/>
-            </a:xfrm>
-            <a:prstGeom prst="rightBrace">
-              <a:avLst/>
-            </a:prstGeom>
-            <a:ln>
-              <a:solidFill>
-                <a:schemeClr val="tx1"/>
-              </a:solidFill>
-            </a:ln>
-          </p:spPr>
-          <p:style>
-            <a:lnRef idx="1">
-              <a:schemeClr val="accent1"/>
-            </a:lnRef>
-            <a:fillRef idx="0">
-              <a:schemeClr val="accent1"/>
-            </a:fillRef>
-            <a:effectRef idx="0">
-              <a:schemeClr val="accent1"/>
-            </a:effectRef>
-            <a:fontRef idx="minor">
-              <a:schemeClr val="tx1"/>
-            </a:fontRef>
-          </p:style>
-          <p:txBody>
-            <a:bodyPr rtlCol="0" anchor="ctr"/>
-            <a:lstStyle/>
-            <a:p>
-              <a:pPr algn="ctr"/>
-              <a:endParaRPr lang="en-US"/>
-            </a:p>
-          </p:txBody>
-        </p:sp>
-        <p:sp>
-          <p:nvSpPr>
-            <p:cNvPr id="6" name="TextBox 5"/>
-            <p:cNvSpPr txBox="1"/>
-            <p:nvPr/>
-          </p:nvSpPr>
-          <p:spPr>
-            <a:xfrm>
-              <a:off x="6985248" y="4571546"/>
-              <a:ext cx="1114151" cy="523220"/>
-            </a:xfrm>
-            <a:prstGeom prst="rect">
-              <a:avLst/>
-            </a:prstGeom>
-            <a:noFill/>
-          </p:spPr>
-          <p:txBody>
-            <a:bodyPr wrap="none" rtlCol="0">
-              <a:spAutoFit/>
-            </a:bodyPr>
-            <a:lstStyle/>
-            <a:p>
-              <a:r>
-                <a:rPr lang="en-US" sz="2800" dirty="0"/>
-                <a:t>hybrid</a:t>
-              </a:r>
-            </a:p>
-          </p:txBody>
-        </p:sp>
-      </p:grpSp>
-    </p:spTree>
-    <p:extLst>
-      <p:ext uri="{BB962C8B-B14F-4D97-AF65-F5344CB8AC3E}">
-        <p14:creationId xmlns:p14="http://schemas.microsoft.com/office/powerpoint/2010/main" val="1592559374"/>
-      </p:ext>
-    </p:extLst>
-  </p:cSld>
-  <p:clrMapOvr>
-    <a:masterClrMapping/>
-  </p:clrMapOvr>
-  <p:timing>
-    <p:tnLst>
-      <p:par>
-        <p:cTn id="1" dur="indefinite" restart="never" nodeType="tmRoot">
-          <p:childTnLst>
-            <p:seq concurrent="1" nextAc="seek">
-              <p:cTn id="2" dur="indefinite" nodeType="mainSeq">
-                <p:childTnLst>
-                  <p:par>
-                    <p:cTn id="3" fill="hold">
-                      <p:stCondLst>
-                        <p:cond delay="indefinite"/>
-                        <p:cond evt="onBegin" delay="0">
-                          <p:tn val="2"/>
-                        </p:cond>
-                      </p:stCondLst>
-                      <p:childTnLst>
-                        <p:par>
-                          <p:cTn id="4" fill="hold">
-                            <p:stCondLst>
-                              <p:cond delay="0"/>
-                            </p:stCondLst>
-                            <p:childTnLst>
-                              <p:par>
-                                <p:cTn id="5" presetID="1" presetClass="entr" presetSubtype="0" fill="hold" grpId="0" nodeType="withEffect">
-                                  <p:stCondLst>
-                                    <p:cond delay="0"/>
-                                  </p:stCondLst>
-                                  <p:childTnLst>
-                                    <p:set>
-                                      <p:cBhvr>
-                                        <p:cTn id="6" dur="1" fill="hold">
-                                          <p:stCondLst>
-                                            <p:cond delay="0"/>
-                                          </p:stCondLst>
-                                        </p:cTn>
-                                        <p:tgtEl>
-                                          <p:spTgt spid="3">
-                                            <p:txEl>
-                                              <p:pRg st="0" end="0"/>
-                                            </p:txEl>
-                                          </p:spTgt>
-                                        </p:tgtEl>
-                                        <p:attrNameLst>
-                                          <p:attrName>style.visibility</p:attrName>
-                                        </p:attrNameLst>
-                                      </p:cBhvr>
-                                      <p:to>
-                                        <p:strVal val="visible"/>
-                                      </p:to>
-                                    </p:set>
-                                  </p:childTnLst>
-                                </p:cTn>
-                              </p:par>
-                              <p:par>
-                                <p:cTn id="7" presetID="1" presetClass="entr" presetSubtype="0" fill="hold" grpId="0" nodeType="withEffect">
-                                  <p:stCondLst>
-                                    <p:cond delay="0"/>
-                                  </p:stCondLst>
-                                  <p:childTnLst>
-                                    <p:set>
-                                      <p:cBhvr>
-                                        <p:cTn id="8" dur="1" fill="hold">
-                                          <p:stCondLst>
-                                            <p:cond delay="0"/>
-                                          </p:stCondLst>
-                                        </p:cTn>
-                                        <p:tgtEl>
-                                          <p:spTgt spid="3">
-                                            <p:txEl>
-                                              <p:pRg st="1" end="1"/>
-                                            </p:txEl>
-                                          </p:spTgt>
-                                        </p:tgtEl>
-                                        <p:attrNameLst>
-                                          <p:attrName>style.visibility</p:attrName>
-                                        </p:attrNameLst>
-                                      </p:cBhvr>
-                                      <p:to>
-                                        <p:strVal val="visible"/>
-                                      </p:to>
-                                    </p:set>
-                                  </p:childTnLst>
-                                </p:cTn>
-                              </p:par>
-                              <p:par>
-                                <p:cTn id="9" presetID="1" presetClass="entr" presetSubtype="0" fill="hold" grpId="0" nodeType="withEffect">
-                                  <p:stCondLst>
-                                    <p:cond delay="0"/>
-                                  </p:stCondLst>
-                                  <p:childTnLst>
-                                    <p:set>
-                                      <p:cBhvr>
-                                        <p:cTn id="10" dur="1" fill="hold">
-                                          <p:stCondLst>
-                                            <p:cond delay="0"/>
-                                          </p:stCondLst>
-                                        </p:cTn>
-                                        <p:tgtEl>
-                                          <p:spTgt spid="3">
-                                            <p:txEl>
-                                              <p:pRg st="2" end="2"/>
-                                            </p:txEl>
-                                          </p:spTgt>
-                                        </p:tgtEl>
-                                        <p:attrNameLst>
-                                          <p:attrName>style.visibility</p:attrName>
-                                        </p:attrNameLst>
-                                      </p:cBhvr>
-                                      <p:to>
-                                        <p:strVal val="visible"/>
-                                      </p:to>
-                                    </p:set>
-                                  </p:childTnLst>
-                                </p:cTn>
-                              </p:par>
-                              <p:par>
-                                <p:cTn id="11" presetID="1" presetClass="entr" presetSubtype="0" fill="hold" grpId="0" nodeType="withEffect">
-                                  <p:stCondLst>
-                                    <p:cond delay="0"/>
-                                  </p:stCondLst>
-                                  <p:childTnLst>
-                                    <p:set>
-                                      <p:cBhvr>
-                                        <p:cTn id="12" dur="1" fill="hold">
-                                          <p:stCondLst>
-                                            <p:cond delay="0"/>
-                                          </p:stCondLst>
-                                        </p:cTn>
-                                        <p:tgtEl>
-                                          <p:spTgt spid="3">
-                                            <p:txEl>
-                                              <p:pRg st="3" end="3"/>
-                                            </p:txEl>
-                                          </p:spTgt>
-                                        </p:tgtEl>
-                                        <p:attrNameLst>
-                                          <p:attrName>style.visibility</p:attrName>
-                                        </p:attrNameLst>
-                                      </p:cBhvr>
-                                      <p:to>
-                                        <p:strVal val="visible"/>
-                                      </p:to>
-                                    </p:set>
-                                  </p:childTnLst>
-                                </p:cTn>
-                              </p:par>
-                            </p:childTnLst>
-                          </p:cTn>
-                        </p:par>
-                      </p:childTnLst>
-                    </p:cTn>
-                  </p:par>
-                  <p:par>
-                    <p:cTn id="13" fill="hold">
-                      <p:stCondLst>
-                        <p:cond delay="indefinite"/>
-                      </p:stCondLst>
-                      <p:childTnLst>
-                        <p:par>
-                          <p:cTn id="14" fill="hold">
-                            <p:stCondLst>
-                              <p:cond delay="0"/>
-                            </p:stCondLst>
-                            <p:childTnLst>
-                              <p:par>
-                                <p:cTn id="15" presetID="1" presetClass="entr" presetSubtype="0" fill="hold" grpId="0" nodeType="clickEffect">
-                                  <p:stCondLst>
-                                    <p:cond delay="0"/>
-                                  </p:stCondLst>
-                                  <p:childTnLst>
-                                    <p:set>
-                                      <p:cBhvr>
-                                        <p:cTn id="16" dur="1" fill="hold">
-                                          <p:stCondLst>
-                                            <p:cond delay="0"/>
-                                          </p:stCondLst>
-                                        </p:cTn>
-                                        <p:tgtEl>
-                                          <p:spTgt spid="3">
-                                            <p:txEl>
-                                              <p:pRg st="4" end="4"/>
-                                            </p:txEl>
-                                          </p:spTgt>
-                                        </p:tgtEl>
-                                        <p:attrNameLst>
-                                          <p:attrName>style.visibility</p:attrName>
-                                        </p:attrNameLst>
-                                      </p:cBhvr>
-                                      <p:to>
-                                        <p:strVal val="visible"/>
-                                      </p:to>
-                                    </p:set>
-                                  </p:childTnLst>
-                                </p:cTn>
-                              </p:par>
-                              <p:par>
-                                <p:cTn id="17" presetID="1" presetClass="entr" presetSubtype="0" fill="hold" grpId="0" nodeType="withEffect">
-                                  <p:stCondLst>
-                                    <p:cond delay="0"/>
-                                  </p:stCondLst>
-                                  <p:childTnLst>
-                                    <p:set>
-                                      <p:cBhvr>
-                                        <p:cTn id="18" dur="1" fill="hold">
-                                          <p:stCondLst>
-                                            <p:cond delay="0"/>
-                                          </p:stCondLst>
-                                        </p:cTn>
-                                        <p:tgtEl>
-                                          <p:spTgt spid="3">
-                                            <p:txEl>
-                                              <p:pRg st="5" end="5"/>
-                                            </p:txEl>
-                                          </p:spTgt>
-                                        </p:tgtEl>
-                                        <p:attrNameLst>
-                                          <p:attrName>style.visibility</p:attrName>
-                                        </p:attrNameLst>
-                                      </p:cBhvr>
-                                      <p:to>
-                                        <p:strVal val="visible"/>
-                                      </p:to>
-                                    </p:set>
-                                  </p:childTnLst>
-                                </p:cTn>
-                              </p:par>
-                              <p:par>
-                                <p:cTn id="19" presetID="1" presetClass="entr" presetSubtype="0" fill="hold" grpId="0" nodeType="withEffect">
-                                  <p:stCondLst>
-                                    <p:cond delay="0"/>
-                                  </p:stCondLst>
-                                  <p:childTnLst>
-                                    <p:set>
-                                      <p:cBhvr>
-                                        <p:cTn id="20" dur="1" fill="hold">
-                                          <p:stCondLst>
-                                            <p:cond delay="0"/>
-                                          </p:stCondLst>
-                                        </p:cTn>
-                                        <p:tgtEl>
-                                          <p:spTgt spid="3">
-                                            <p:txEl>
-                                              <p:pRg st="6" end="6"/>
-                                            </p:txEl>
-                                          </p:spTgt>
-                                        </p:tgtEl>
-                                        <p:attrNameLst>
-                                          <p:attrName>style.visibility</p:attrName>
-                                        </p:attrNameLst>
-                                      </p:cBhvr>
-                                      <p:to>
-                                        <p:strVal val="visible"/>
-                                      </p:to>
-                                    </p:set>
-                                  </p:childTnLst>
-                                </p:cTn>
-                              </p:par>
-                              <p:par>
-                                <p:cTn id="21" presetID="1" presetClass="entr" presetSubtype="0" fill="hold" grpId="0" nodeType="withEffect">
-                                  <p:stCondLst>
-                                    <p:cond delay="0"/>
-                                  </p:stCondLst>
-                                  <p:childTnLst>
-                                    <p:set>
-                                      <p:cBhvr>
-                                        <p:cTn id="22" dur="1" fill="hold">
-                                          <p:stCondLst>
-                                            <p:cond delay="0"/>
-                                          </p:stCondLst>
-                                        </p:cTn>
-                                        <p:tgtEl>
-                                          <p:spTgt spid="3">
-                                            <p:txEl>
-                                              <p:pRg st="7" end="7"/>
-                                            </p:txEl>
-                                          </p:spTgt>
-                                        </p:tgtEl>
-                                        <p:attrNameLst>
-                                          <p:attrName>style.visibility</p:attrName>
-                                        </p:attrNameLst>
-                                      </p:cBhvr>
-                                      <p:to>
-                                        <p:strVal val="visible"/>
-                                      </p:to>
-                                    </p:set>
-                                  </p:childTnLst>
-                                </p:cTn>
-                              </p:par>
-                            </p:childTnLst>
-                          </p:cTn>
-                        </p:par>
-                      </p:childTnLst>
-                    </p:cTn>
-                  </p:par>
-                  <p:par>
-                    <p:cTn id="23" fill="hold">
-                      <p:stCondLst>
-                        <p:cond delay="indefinite"/>
-                      </p:stCondLst>
-                      <p:childTnLst>
-                        <p:par>
-                          <p:cTn id="24" fill="hold">
-                            <p:stCondLst>
-                              <p:cond delay="0"/>
-                            </p:stCondLst>
-                            <p:childTnLst>
-                              <p:par>
-                                <p:cTn id="25" presetID="1" presetClass="entr" presetSubtype="0" fill="hold" grpId="0" nodeType="clickEffect">
-                                  <p:stCondLst>
-                                    <p:cond delay="0"/>
-                                  </p:stCondLst>
-                                  <p:childTnLst>
-                                    <p:set>
-                                      <p:cBhvr>
-                                        <p:cTn id="26" dur="1" fill="hold">
-                                          <p:stCondLst>
-                                            <p:cond delay="0"/>
-                                          </p:stCondLst>
-                                        </p:cTn>
-                                        <p:tgtEl>
-                                          <p:spTgt spid="3">
-                                            <p:txEl>
-                                              <p:pRg st="8" end="8"/>
-                                            </p:txEl>
-                                          </p:spTgt>
-                                        </p:tgtEl>
-                                        <p:attrNameLst>
-                                          <p:attrName>style.visibility</p:attrName>
-                                        </p:attrNameLst>
-                                      </p:cBhvr>
-                                      <p:to>
-                                        <p:strVal val="visible"/>
-                                      </p:to>
-                                    </p:set>
-                                  </p:childTnLst>
-                                </p:cTn>
-                              </p:par>
-                              <p:par>
-                                <p:cTn id="27" presetID="1" presetClass="entr" presetSubtype="0" fill="hold" grpId="0" nodeType="withEffect">
-                                  <p:stCondLst>
-                                    <p:cond delay="0"/>
-                                  </p:stCondLst>
-                                  <p:childTnLst>
-                                    <p:set>
-                                      <p:cBhvr>
-                                        <p:cTn id="28" dur="1" fill="hold">
-                                          <p:stCondLst>
-                                            <p:cond delay="0"/>
-                                          </p:stCondLst>
-                                        </p:cTn>
-                                        <p:tgtEl>
-                                          <p:spTgt spid="3">
-                                            <p:txEl>
-                                              <p:pRg st="9" end="9"/>
-                                            </p:txEl>
-                                          </p:spTgt>
-                                        </p:tgtEl>
-                                        <p:attrNameLst>
-                                          <p:attrName>style.visibility</p:attrName>
-                                        </p:attrNameLst>
-                                      </p:cBhvr>
-                                      <p:to>
-                                        <p:strVal val="visible"/>
-                                      </p:to>
-                                    </p:set>
-                                  </p:childTnLst>
-                                </p:cTn>
-                              </p:par>
-                              <p:par>
-                                <p:cTn id="29" presetID="1" presetClass="entr" presetSubtype="0" fill="hold" grpId="0" nodeType="withEffect">
-                                  <p:stCondLst>
-                                    <p:cond delay="0"/>
-                                  </p:stCondLst>
-                                  <p:childTnLst>
-                                    <p:set>
-                                      <p:cBhvr>
-                                        <p:cTn id="30" dur="1" fill="hold">
-                                          <p:stCondLst>
-                                            <p:cond delay="0"/>
-                                          </p:stCondLst>
-                                        </p:cTn>
-                                        <p:tgtEl>
-                                          <p:spTgt spid="3">
-                                            <p:txEl>
-                                              <p:pRg st="10" end="10"/>
-                                            </p:txEl>
-                                          </p:spTgt>
-                                        </p:tgtEl>
-                                        <p:attrNameLst>
-                                          <p:attrName>style.visibility</p:attrName>
-                                        </p:attrNameLst>
-                                      </p:cBhvr>
-                                      <p:to>
-                                        <p:strVal val="visible"/>
-                                      </p:to>
-                                    </p:set>
-                                  </p:childTnLst>
-                                </p:cTn>
-                              </p:par>
-                            </p:childTnLst>
-                          </p:cTn>
-                        </p:par>
-                      </p:childTnLst>
-                    </p:cTn>
-                  </p:par>
-                  <p:par>
-                    <p:cTn id="31" fill="hold">
-                      <p:stCondLst>
-                        <p:cond delay="indefinite"/>
-                      </p:stCondLst>
-                      <p:childTnLst>
-                        <p:par>
-                          <p:cTn id="32" fill="hold">
-                            <p:stCondLst>
-                              <p:cond delay="0"/>
-                            </p:stCondLst>
-                            <p:childTnLst>
-                              <p:par>
-                                <p:cTn id="33" presetID="1" presetClass="entr" presetSubtype="0" fill="hold" grpId="0" nodeType="clickEffect">
-                                  <p:stCondLst>
-                                    <p:cond delay="0"/>
-                                  </p:stCondLst>
-                                  <p:childTnLst>
-                                    <p:set>
-                                      <p:cBhvr>
-                                        <p:cTn id="34" dur="1" fill="hold">
-                                          <p:stCondLst>
-                                            <p:cond delay="0"/>
-                                          </p:stCondLst>
-                                        </p:cTn>
-                                        <p:tgtEl>
-                                          <p:spTgt spid="3">
-                                            <p:txEl>
-                                              <p:pRg st="11" end="11"/>
-                                            </p:txEl>
-                                          </p:spTgt>
-                                        </p:tgtEl>
-                                        <p:attrNameLst>
-                                          <p:attrName>style.visibility</p:attrName>
-                                        </p:attrNameLst>
-                                      </p:cBhvr>
-                                      <p:to>
-                                        <p:strVal val="visible"/>
-                                      </p:to>
-                                    </p:set>
-                                  </p:childTnLst>
-                                </p:cTn>
-                              </p:par>
-                              <p:par>
-                                <p:cTn id="35" presetID="1" presetClass="entr" presetSubtype="0" fill="hold" grpId="0" nodeType="withEffect">
-                                  <p:stCondLst>
-                                    <p:cond delay="0"/>
-                                  </p:stCondLst>
-                                  <p:childTnLst>
-                                    <p:set>
-                                      <p:cBhvr>
-                                        <p:cTn id="36" dur="1" fill="hold">
-                                          <p:stCondLst>
-                                            <p:cond delay="0"/>
-                                          </p:stCondLst>
-                                        </p:cTn>
-                                        <p:tgtEl>
-                                          <p:spTgt spid="3">
-                                            <p:txEl>
-                                              <p:pRg st="12" end="12"/>
-                                            </p:txEl>
-                                          </p:spTgt>
-                                        </p:tgtEl>
-                                        <p:attrNameLst>
-                                          <p:attrName>style.visibility</p:attrName>
-                                        </p:attrNameLst>
-                                      </p:cBhvr>
-                                      <p:to>
-                                        <p:strVal val="visible"/>
-                                      </p:to>
-                                    </p:set>
-                                  </p:childTnLst>
-                                </p:cTn>
-                              </p:par>
-                              <p:par>
-                                <p:cTn id="37" presetID="1" presetClass="entr" presetSubtype="0" fill="hold" grpId="0" nodeType="withEffect">
-                                  <p:stCondLst>
-                                    <p:cond delay="0"/>
-                                  </p:stCondLst>
-                                  <p:childTnLst>
-                                    <p:set>
-                                      <p:cBhvr>
-                                        <p:cTn id="38" dur="1" fill="hold">
-                                          <p:stCondLst>
-                                            <p:cond delay="0"/>
-                                          </p:stCondLst>
-                                        </p:cTn>
-                                        <p:tgtEl>
-                                          <p:spTgt spid="3">
-                                            <p:txEl>
-                                              <p:pRg st="13" end="13"/>
-                                            </p:txEl>
-                                          </p:spTgt>
-                                        </p:tgtEl>
-                                        <p:attrNameLst>
-                                          <p:attrName>style.visibility</p:attrName>
-                                        </p:attrNameLst>
-                                      </p:cBhvr>
-                                      <p:to>
-                                        <p:strVal val="visible"/>
-                                      </p:to>
-                                    </p:set>
-                                  </p:childTnLst>
-                                </p:cTn>
-                              </p:par>
-                              <p:par>
-                                <p:cTn id="39" presetID="1" presetClass="entr" presetSubtype="0" fill="hold" grpId="0" nodeType="withEffect">
-                                  <p:stCondLst>
-                                    <p:cond delay="0"/>
-                                  </p:stCondLst>
-                                  <p:childTnLst>
-                                    <p:set>
-                                      <p:cBhvr>
-                                        <p:cTn id="40" dur="1" fill="hold">
-                                          <p:stCondLst>
-                                            <p:cond delay="0"/>
-                                          </p:stCondLst>
-                                        </p:cTn>
-                                        <p:tgtEl>
-                                          <p:spTgt spid="3">
-                                            <p:txEl>
-                                              <p:pRg st="14" end="14"/>
-                                            </p:txEl>
-                                          </p:spTgt>
-                                        </p:tgtEl>
-                                        <p:attrNameLst>
-                                          <p:attrName>style.visibility</p:attrName>
-                                        </p:attrNameLst>
-                                      </p:cBhvr>
-                                      <p:to>
-                                        <p:strVal val="visible"/>
-                                      </p:to>
-                                    </p:set>
-                                  </p:childTnLst>
-                                </p:cTn>
-                              </p:par>
-                            </p:childTnLst>
-                          </p:cTn>
-                        </p:par>
-                      </p:childTnLst>
-                    </p:cTn>
-                  </p:par>
-                  <p:par>
-                    <p:cTn id="41" fill="hold">
-                      <p:stCondLst>
-                        <p:cond delay="indefinite"/>
-                      </p:stCondLst>
-                      <p:childTnLst>
-                        <p:par>
-                          <p:cTn id="42" fill="hold">
-                            <p:stCondLst>
-                              <p:cond delay="0"/>
-                            </p:stCondLst>
-                            <p:childTnLst>
-                              <p:par>
-                                <p:cTn id="43" presetID="1" presetClass="entr" presetSubtype="0" fill="hold" nodeType="clickEffect">
-                                  <p:stCondLst>
-                                    <p:cond delay="0"/>
-                                  </p:stCondLst>
-                                  <p:childTnLst>
-                                    <p:set>
-                                      <p:cBhvr>
-                                        <p:cTn id="44" dur="1" fill="hold">
-                                          <p:stCondLst>
-                                            <p:cond delay="0"/>
-                                          </p:stCondLst>
-                                        </p:cTn>
-                                        <p:tgtEl>
-                                          <p:spTgt spid="7"/>
-                                        </p:tgtEl>
-                                        <p:attrNameLst>
-                                          <p:attrName>style.visibility</p:attrName>
-                                        </p:attrNameLst>
-                                      </p:cBhvr>
-                                      <p:to>
-                                        <p:strVal val="visible"/>
-                                      </p:to>
-                                    </p:set>
-                                  </p:childTnLst>
-                                </p:cTn>
-                              </p:par>
-                            </p:childTnLst>
-                          </p:cTn>
-                        </p:par>
-                      </p:childTnLst>
-                    </p:cTn>
-                  </p:par>
-                </p:childTnLst>
-              </p:cTn>
-              <p:prevCondLst>
-                <p:cond evt="onPrev" delay="0">
-                  <p:tgtEl>
-                    <p:sldTgt/>
-                  </p:tgtEl>
-                </p:cond>
-              </p:prevCondLst>
-              <p:nextCondLst>
-                <p:cond evt="onNext" delay="0">
-                  <p:tgtEl>
-                    <p:sldTgt/>
-                  </p:tgtEl>
-                </p:cond>
-              </p:nextCondLst>
-            </p:seq>
-          </p:childTnLst>
-        </p:cTn>
-      </p:par>
-    </p:tnLst>
-    <p:bldLst>
-      <p:bldP spid="3" grpId="0" uiExpand="1" build="p"/>
-    </p:bldLst>
-  </p:timing>
-</p:sld>
-</file>
-
-<file path=ppt/slides/slide40.xml><?xml version="1.0" encoding="utf-8"?>
-<p:sld xmlns:a="http://schemas.openxmlformats.org/drawingml/2006/main" xmlns:r="http://schemas.openxmlformats.org/officeDocument/2006/relationships" xmlns:p="http://schemas.openxmlformats.org/presentationml/2006/main">
-  <p:cSld>
-    <p:spTree>
-      <p:nvGrpSpPr>
-        <p:cNvPr id="1" name=""/>
-        <p:cNvGrpSpPr/>
-        <p:nvPr/>
-      </p:nvGrpSpPr>
-      <p:grpSpPr>
-        <a:xfrm>
-          <a:off x="0" y="0"/>
-          <a:ext cx="0" cy="0"/>
-          <a:chOff x="0" y="0"/>
-          <a:chExt cx="0" cy="0"/>
-        </a:xfrm>
-      </p:grpSpPr>
-      <p:sp>
-        <p:nvSpPr>
-          <p:cNvPr id="2" name="Title 1"/>
-          <p:cNvSpPr>
-            <a:spLocks noGrp="1"/>
-          </p:cNvSpPr>
-          <p:nvPr>
-            <p:ph type="title"/>
-          </p:nvPr>
-        </p:nvSpPr>
-        <p:spPr/>
-        <p:txBody>
-          <a:bodyPr/>
-          <a:lstStyle/>
-          <a:p>
-            <a:r>
-              <a:rPr lang="en-US" dirty="0"/>
               <a:t>Bad news and good news</a:t>
             </a:r>
           </a:p>
@@ -38985,7 +39254,7 @@
           <a:p>
             <a:fld id="{6597116C-F94B-4B5B-973A-17F07FB5C418}" type="slidenum">
               <a:rPr lang="nl-BE" smtClean="0"/>
-              <a:t>40</a:t>
+              <a:t>41</a:t>
             </a:fld>
             <a:endParaRPr lang="nl-BE"/>
           </a:p>
@@ -39452,7 +39721,7 @@
 </p:sld>
 </file>
 
-<file path=ppt/slides/slide41.xml><?xml version="1.0" encoding="utf-8"?>
+<file path=ppt/slides/slide42.xml><?xml version="1.0" encoding="utf-8"?>
 <p:sld xmlns:a="http://schemas.openxmlformats.org/drawingml/2006/main" xmlns:r="http://schemas.openxmlformats.org/officeDocument/2006/relationships" xmlns:p="http://schemas.openxmlformats.org/presentationml/2006/main">
   <p:cSld>
     <p:spTree>
@@ -39791,7 +40060,7 @@
           <a:p>
             <a:fld id="{6597116C-F94B-4B5B-973A-17F07FB5C418}" type="slidenum">
               <a:rPr lang="nl-BE" smtClean="0"/>
-              <a:t>41</a:t>
+              <a:t>42</a:t>
             </a:fld>
             <a:endParaRPr lang="nl-BE"/>
           </a:p>
@@ -40233,7 +40502,7 @@
 </p:sld>
 </file>
 
-<file path=ppt/slides/slide42.xml><?xml version="1.0" encoding="utf-8"?>
+<file path=ppt/slides/slide43.xml><?xml version="1.0" encoding="utf-8"?>
 <p:sld xmlns:a="http://schemas.openxmlformats.org/drawingml/2006/main" xmlns:r="http://schemas.openxmlformats.org/officeDocument/2006/relationships" xmlns:p="http://schemas.openxmlformats.org/presentationml/2006/main">
   <p:cSld>
     <p:spTree>
@@ -40289,213 +40558,6 @@
           <a:lstStyle/>
           <a:p>
             <a:endParaRPr lang="nl-BE" dirty="0"/>
-          </a:p>
-        </p:txBody>
-      </p:sp>
-      <p:sp>
-        <p:nvSpPr>
-          <p:cNvPr id="4" name="Slide Number Placeholder 3"/>
-          <p:cNvSpPr>
-            <a:spLocks noGrp="1"/>
-          </p:cNvSpPr>
-          <p:nvPr>
-            <p:ph type="sldNum" sz="quarter" idx="12"/>
-          </p:nvPr>
-        </p:nvSpPr>
-        <p:spPr/>
-        <p:txBody>
-          <a:bodyPr/>
-          <a:lstStyle/>
-          <a:p>
-            <a:pPr marL="0" marR="0" lvl="0" indent="0" algn="r" defTabSz="914400" rtl="0" eaLnBrk="1" fontAlgn="auto" latinLnBrk="0" hangingPunct="1">
-              <a:lnSpc>
-                <a:spcPct val="100000"/>
-              </a:lnSpc>
-              <a:spcBef>
-                <a:spcPts val="0"/>
-              </a:spcBef>
-              <a:spcAft>
-                <a:spcPts val="0"/>
-              </a:spcAft>
-              <a:buClrTx/>
-              <a:buSzTx/>
-              <a:buFontTx/>
-              <a:buNone/>
-              <a:tabLst/>
-              <a:defRPr/>
-            </a:pPr>
-            <a:fld id="{6597116C-F94B-4B5B-973A-17F07FB5C418}" type="slidenum">
-              <a:rPr kumimoji="0" lang="nl-BE" sz="1200" b="0" i="0" u="none" strike="noStrike" kern="1200" cap="none" spc="0" normalizeH="0" baseline="0" noProof="0" smtClean="0">
-                <a:ln>
-                  <a:noFill/>
-                </a:ln>
-                <a:solidFill>
-                  <a:prstClr val="black">
-                    <a:tint val="75000"/>
-                  </a:prstClr>
-                </a:solidFill>
-                <a:effectLst/>
-                <a:uLnTx/>
-                <a:uFillTx/>
-                <a:latin typeface="Calibri"/>
-                <a:ea typeface="+mn-ea"/>
-                <a:cs typeface="+mn-cs"/>
-              </a:rPr>
-              <a:pPr marL="0" marR="0" lvl="0" indent="0" algn="r" defTabSz="914400" rtl="0" eaLnBrk="1" fontAlgn="auto" latinLnBrk="0" hangingPunct="1">
-                <a:lnSpc>
-                  <a:spcPct val="100000"/>
-                </a:lnSpc>
-                <a:spcBef>
-                  <a:spcPts val="0"/>
-                </a:spcBef>
-                <a:spcAft>
-                  <a:spcPts val="0"/>
-                </a:spcAft>
-                <a:buClrTx/>
-                <a:buSzTx/>
-                <a:buFontTx/>
-                <a:buNone/>
-                <a:tabLst/>
-                <a:defRPr/>
-              </a:pPr>
-              <a:t>42</a:t>
-            </a:fld>
-            <a:endParaRPr kumimoji="0" lang="nl-BE" sz="1200" b="0" i="0" u="none" strike="noStrike" kern="1200" cap="none" spc="0" normalizeH="0" baseline="0" noProof="0">
-              <a:ln>
-                <a:noFill/>
-              </a:ln>
-              <a:solidFill>
-                <a:prstClr val="black">
-                  <a:tint val="75000"/>
-                </a:prstClr>
-              </a:solidFill>
-              <a:effectLst/>
-              <a:uLnTx/>
-              <a:uFillTx/>
-              <a:latin typeface="Calibri"/>
-              <a:ea typeface="+mn-ea"/>
-              <a:cs typeface="+mn-cs"/>
-            </a:endParaRPr>
-          </a:p>
-        </p:txBody>
-      </p:sp>
-    </p:spTree>
-    <p:extLst>
-      <p:ext uri="{BB962C8B-B14F-4D97-AF65-F5344CB8AC3E}">
-        <p14:creationId xmlns:p14="http://schemas.microsoft.com/office/powerpoint/2010/main" val="4264251986"/>
-      </p:ext>
-    </p:extLst>
-  </p:cSld>
-  <p:clrMapOvr>
-    <a:masterClrMapping/>
-  </p:clrMapOvr>
-</p:sld>
-</file>
-
-<file path=ppt/slides/slide43.xml><?xml version="1.0" encoding="utf-8"?>
-<p:sld xmlns:a="http://schemas.openxmlformats.org/drawingml/2006/main" xmlns:r="http://schemas.openxmlformats.org/officeDocument/2006/relationships" xmlns:p="http://schemas.openxmlformats.org/presentationml/2006/main">
-  <p:cSld>
-    <p:spTree>
-      <p:nvGrpSpPr>
-        <p:cNvPr id="1" name=""/>
-        <p:cNvGrpSpPr/>
-        <p:nvPr/>
-      </p:nvGrpSpPr>
-      <p:grpSpPr>
-        <a:xfrm>
-          <a:off x="0" y="0"/>
-          <a:ext cx="0" cy="0"/>
-          <a:chOff x="0" y="0"/>
-          <a:chExt cx="0" cy="0"/>
-        </a:xfrm>
-      </p:grpSpPr>
-      <p:sp>
-        <p:nvSpPr>
-          <p:cNvPr id="2" name="Title 1"/>
-          <p:cNvSpPr>
-            <a:spLocks noGrp="1"/>
-          </p:cNvSpPr>
-          <p:nvPr>
-            <p:ph type="title"/>
-          </p:nvPr>
-        </p:nvSpPr>
-        <p:spPr>
-          <a:xfrm>
-            <a:off x="457200" y="249924"/>
-            <a:ext cx="8229600" cy="1143000"/>
-          </a:xfrm>
-        </p:spPr>
-        <p:txBody>
-          <a:bodyPr/>
-          <a:lstStyle/>
-          <a:p>
-            <a:r>
-              <a:rPr lang="en-US" dirty="0"/>
-              <a:t>Machine balance</a:t>
-            </a:r>
-            <a:endParaRPr lang="nl-BE" dirty="0"/>
-          </a:p>
-        </p:txBody>
-      </p:sp>
-      <p:sp>
-        <p:nvSpPr>
-          <p:cNvPr id="3" name="Content Placeholder 2"/>
-          <p:cNvSpPr>
-            <a:spLocks noGrp="1"/>
-          </p:cNvSpPr>
-          <p:nvPr>
-            <p:ph idx="1"/>
-          </p:nvPr>
-        </p:nvSpPr>
-        <p:spPr/>
-        <p:txBody>
-          <a:bodyPr/>
-          <a:lstStyle/>
-          <a:p>
-            <a:r>
-              <a:rPr lang="nl-BE" dirty="0"/>
-              <a:t>Memory access</a:t>
-            </a:r>
-          </a:p>
-          <a:p>
-            <a:pPr lvl="1"/>
-            <a:r>
-              <a:rPr lang="nl-BE" dirty="0"/>
-              <a:t>bandwidth</a:t>
-            </a:r>
-          </a:p>
-          <a:p>
-            <a:pPr lvl="1"/>
-            <a:r>
-              <a:rPr lang="nl-BE" dirty="0"/>
-              <a:t>Gwords/s (double precision gigawords per second)</a:t>
-            </a:r>
-          </a:p>
-          <a:p>
-            <a:r>
-              <a:rPr lang="nl-BE" dirty="0"/>
-              <a:t>Computation</a:t>
-            </a:r>
-          </a:p>
-          <a:p>
-            <a:pPr lvl="1"/>
-            <a:r>
-              <a:rPr lang="nl-BE" dirty="0"/>
-              <a:t>peak performance</a:t>
-            </a:r>
-          </a:p>
-          <a:p>
-            <a:pPr lvl="1"/>
-            <a:r>
-              <a:rPr lang="nl-BE" dirty="0"/>
-              <a:t>double precision FLOPS/s (FLOating point OPerationS per second)</a:t>
-            </a:r>
-          </a:p>
-          <a:p>
-            <a:r>
-              <a:rPr lang="nl-BE" dirty="0"/>
-              <a:t>Machine balance</a:t>
-            </a:r>
           </a:p>
         </p:txBody>
       </p:sp>
@@ -40566,6 +40628,213 @@
                 <a:defRPr/>
               </a:pPr>
               <a:t>43</a:t>
+            </a:fld>
+            <a:endParaRPr kumimoji="0" lang="nl-BE" sz="1200" b="0" i="0" u="none" strike="noStrike" kern="1200" cap="none" spc="0" normalizeH="0" baseline="0" noProof="0">
+              <a:ln>
+                <a:noFill/>
+              </a:ln>
+              <a:solidFill>
+                <a:prstClr val="black">
+                  <a:tint val="75000"/>
+                </a:prstClr>
+              </a:solidFill>
+              <a:effectLst/>
+              <a:uLnTx/>
+              <a:uFillTx/>
+              <a:latin typeface="Calibri"/>
+              <a:ea typeface="+mn-ea"/>
+              <a:cs typeface="+mn-cs"/>
+            </a:endParaRPr>
+          </a:p>
+        </p:txBody>
+      </p:sp>
+    </p:spTree>
+    <p:extLst>
+      <p:ext uri="{BB962C8B-B14F-4D97-AF65-F5344CB8AC3E}">
+        <p14:creationId xmlns:p14="http://schemas.microsoft.com/office/powerpoint/2010/main" val="4264251986"/>
+      </p:ext>
+    </p:extLst>
+  </p:cSld>
+  <p:clrMapOvr>
+    <a:masterClrMapping/>
+  </p:clrMapOvr>
+</p:sld>
+</file>
+
+<file path=ppt/slides/slide44.xml><?xml version="1.0" encoding="utf-8"?>
+<p:sld xmlns:a="http://schemas.openxmlformats.org/drawingml/2006/main" xmlns:r="http://schemas.openxmlformats.org/officeDocument/2006/relationships" xmlns:p="http://schemas.openxmlformats.org/presentationml/2006/main">
+  <p:cSld>
+    <p:spTree>
+      <p:nvGrpSpPr>
+        <p:cNvPr id="1" name=""/>
+        <p:cNvGrpSpPr/>
+        <p:nvPr/>
+      </p:nvGrpSpPr>
+      <p:grpSpPr>
+        <a:xfrm>
+          <a:off x="0" y="0"/>
+          <a:ext cx="0" cy="0"/>
+          <a:chOff x="0" y="0"/>
+          <a:chExt cx="0" cy="0"/>
+        </a:xfrm>
+      </p:grpSpPr>
+      <p:sp>
+        <p:nvSpPr>
+          <p:cNvPr id="2" name="Title 1"/>
+          <p:cNvSpPr>
+            <a:spLocks noGrp="1"/>
+          </p:cNvSpPr>
+          <p:nvPr>
+            <p:ph type="title"/>
+          </p:nvPr>
+        </p:nvSpPr>
+        <p:spPr>
+          <a:xfrm>
+            <a:off x="457200" y="249924"/>
+            <a:ext cx="8229600" cy="1143000"/>
+          </a:xfrm>
+        </p:spPr>
+        <p:txBody>
+          <a:bodyPr/>
+          <a:lstStyle/>
+          <a:p>
+            <a:r>
+              <a:rPr lang="en-US" dirty="0"/>
+              <a:t>Machine balance</a:t>
+            </a:r>
+            <a:endParaRPr lang="nl-BE" dirty="0"/>
+          </a:p>
+        </p:txBody>
+      </p:sp>
+      <p:sp>
+        <p:nvSpPr>
+          <p:cNvPr id="3" name="Content Placeholder 2"/>
+          <p:cNvSpPr>
+            <a:spLocks noGrp="1"/>
+          </p:cNvSpPr>
+          <p:nvPr>
+            <p:ph idx="1"/>
+          </p:nvPr>
+        </p:nvSpPr>
+        <p:spPr/>
+        <p:txBody>
+          <a:bodyPr/>
+          <a:lstStyle/>
+          <a:p>
+            <a:r>
+              <a:rPr lang="nl-BE" dirty="0"/>
+              <a:t>Memory access</a:t>
+            </a:r>
+          </a:p>
+          <a:p>
+            <a:pPr lvl="1"/>
+            <a:r>
+              <a:rPr lang="nl-BE" dirty="0"/>
+              <a:t>bandwidth</a:t>
+            </a:r>
+          </a:p>
+          <a:p>
+            <a:pPr lvl="1"/>
+            <a:r>
+              <a:rPr lang="nl-BE" dirty="0"/>
+              <a:t>Gwords/s (double precision gigawords per second)</a:t>
+            </a:r>
+          </a:p>
+          <a:p>
+            <a:r>
+              <a:rPr lang="nl-BE" dirty="0"/>
+              <a:t>Computation</a:t>
+            </a:r>
+          </a:p>
+          <a:p>
+            <a:pPr lvl="1"/>
+            <a:r>
+              <a:rPr lang="nl-BE" dirty="0"/>
+              <a:t>peak performance</a:t>
+            </a:r>
+          </a:p>
+          <a:p>
+            <a:pPr lvl="1"/>
+            <a:r>
+              <a:rPr lang="nl-BE" dirty="0"/>
+              <a:t>double precision FLOPS/s (FLOating point OPerationS per second)</a:t>
+            </a:r>
+          </a:p>
+          <a:p>
+            <a:r>
+              <a:rPr lang="nl-BE" dirty="0"/>
+              <a:t>Machine balance</a:t>
+            </a:r>
+          </a:p>
+        </p:txBody>
+      </p:sp>
+      <p:sp>
+        <p:nvSpPr>
+          <p:cNvPr id="4" name="Slide Number Placeholder 3"/>
+          <p:cNvSpPr>
+            <a:spLocks noGrp="1"/>
+          </p:cNvSpPr>
+          <p:nvPr>
+            <p:ph type="sldNum" sz="quarter" idx="12"/>
+          </p:nvPr>
+        </p:nvSpPr>
+        <p:spPr/>
+        <p:txBody>
+          <a:bodyPr/>
+          <a:lstStyle/>
+          <a:p>
+            <a:pPr marL="0" marR="0" lvl="0" indent="0" algn="r" defTabSz="914400" rtl="0" eaLnBrk="1" fontAlgn="auto" latinLnBrk="0" hangingPunct="1">
+              <a:lnSpc>
+                <a:spcPct val="100000"/>
+              </a:lnSpc>
+              <a:spcBef>
+                <a:spcPts val="0"/>
+              </a:spcBef>
+              <a:spcAft>
+                <a:spcPts val="0"/>
+              </a:spcAft>
+              <a:buClrTx/>
+              <a:buSzTx/>
+              <a:buFontTx/>
+              <a:buNone/>
+              <a:tabLst/>
+              <a:defRPr/>
+            </a:pPr>
+            <a:fld id="{6597116C-F94B-4B5B-973A-17F07FB5C418}" type="slidenum">
+              <a:rPr kumimoji="0" lang="nl-BE" sz="1200" b="0" i="0" u="none" strike="noStrike" kern="1200" cap="none" spc="0" normalizeH="0" baseline="0" noProof="0" smtClean="0">
+                <a:ln>
+                  <a:noFill/>
+                </a:ln>
+                <a:solidFill>
+                  <a:prstClr val="black">
+                    <a:tint val="75000"/>
+                  </a:prstClr>
+                </a:solidFill>
+                <a:effectLst/>
+                <a:uLnTx/>
+                <a:uFillTx/>
+                <a:latin typeface="Calibri"/>
+                <a:ea typeface="+mn-ea"/>
+                <a:cs typeface="+mn-cs"/>
+              </a:rPr>
+              <a:pPr marL="0" marR="0" lvl="0" indent="0" algn="r" defTabSz="914400" rtl="0" eaLnBrk="1" fontAlgn="auto" latinLnBrk="0" hangingPunct="1">
+                <a:lnSpc>
+                  <a:spcPct val="100000"/>
+                </a:lnSpc>
+                <a:spcBef>
+                  <a:spcPts val="0"/>
+                </a:spcBef>
+                <a:spcAft>
+                  <a:spcPts val="0"/>
+                </a:spcAft>
+                <a:buClrTx/>
+                <a:buSzTx/>
+                <a:buFontTx/>
+                <a:buNone/>
+                <a:tabLst/>
+                <a:defRPr/>
+              </a:pPr>
+              <a:t>44</a:t>
             </a:fld>
             <a:endParaRPr kumimoji="0" lang="nl-BE" sz="1200" b="0" i="0" u="none" strike="noStrike" kern="1200" cap="none" spc="0" normalizeH="0" baseline="0" noProof="0">
               <a:ln>
@@ -41115,7 +41384,7 @@
 </p:sld>
 </file>
 
-<file path=ppt/slides/slide44.xml><?xml version="1.0" encoding="utf-8"?>
+<file path=ppt/slides/slide45.xml><?xml version="1.0" encoding="utf-8"?>
 <p:sld xmlns:a="http://schemas.openxmlformats.org/drawingml/2006/main" xmlns:r="http://schemas.openxmlformats.org/officeDocument/2006/relationships" xmlns:p="http://schemas.openxmlformats.org/presentationml/2006/main">
   <p:cSld>
     <p:spTree>
@@ -41228,7 +41497,7 @@
           <a:p>
             <a:fld id="{6597116C-F94B-4B5B-973A-17F07FB5C418}" type="slidenum">
               <a:rPr lang="nl-BE" smtClean="0"/>
-              <a:t>44</a:t>
+              <a:t>45</a:t>
             </a:fld>
             <a:endParaRPr lang="nl-BE"/>
           </a:p>
@@ -41901,7 +42170,7 @@
 </p:sld>
 </file>
 
-<file path=ppt/slides/slide45.xml><?xml version="1.0" encoding="utf-8"?>
+<file path=ppt/slides/slide46.xml><?xml version="1.0" encoding="utf-8"?>
 <p:sld xmlns:a="http://schemas.openxmlformats.org/drawingml/2006/main" xmlns:r="http://schemas.openxmlformats.org/officeDocument/2006/relationships" xmlns:p="http://schemas.openxmlformats.org/presentationml/2006/main">
   <p:cSld>
     <p:spTree>
@@ -42069,7 +42338,7 @@
           <a:p>
             <a:fld id="{6597116C-F94B-4B5B-973A-17F07FB5C418}" type="slidenum">
               <a:rPr lang="nl-BE" smtClean="0"/>
-              <a:t>45</a:t>
+              <a:t>46</a:t>
             </a:fld>
             <a:endParaRPr lang="nl-BE"/>
           </a:p>
@@ -42678,7 +42947,7 @@
 </p:sld>
 </file>
 
-<file path=ppt/slides/slide46.xml><?xml version="1.0" encoding="utf-8"?>
+<file path=ppt/slides/slide47.xml><?xml version="1.0" encoding="utf-8"?>
 <p:sld xmlns:a="http://schemas.openxmlformats.org/drawingml/2006/main" xmlns:r="http://schemas.openxmlformats.org/officeDocument/2006/relationships" xmlns:p="http://schemas.openxmlformats.org/presentationml/2006/main">
   <p:cSld>
     <p:spTree>
@@ -42970,7 +43239,7 @@
           <a:p>
             <a:fld id="{6597116C-F94B-4B5B-973A-17F07FB5C418}" type="slidenum">
               <a:rPr lang="nl-BE" smtClean="0"/>
-              <a:t>46</a:t>
+              <a:t>47</a:t>
             </a:fld>
             <a:endParaRPr lang="nl-BE"/>
           </a:p>
@@ -44450,100 +44719,6 @@
 </p:sld>
 </file>
 
-<file path=ppt/slides/slide47.xml><?xml version="1.0" encoding="utf-8"?>
-<p:sld xmlns:a="http://schemas.openxmlformats.org/drawingml/2006/main" xmlns:r="http://schemas.openxmlformats.org/officeDocument/2006/relationships" xmlns:p="http://schemas.openxmlformats.org/presentationml/2006/main">
-  <p:cSld>
-    <p:spTree>
-      <p:nvGrpSpPr>
-        <p:cNvPr id="1" name=""/>
-        <p:cNvGrpSpPr/>
-        <p:nvPr/>
-      </p:nvGrpSpPr>
-      <p:grpSpPr>
-        <a:xfrm>
-          <a:off x="0" y="0"/>
-          <a:ext cx="0" cy="0"/>
-          <a:chOff x="0" y="0"/>
-          <a:chExt cx="0" cy="0"/>
-        </a:xfrm>
-      </p:grpSpPr>
-      <p:sp>
-        <p:nvSpPr>
-          <p:cNvPr id="2" name="Title 1"/>
-          <p:cNvSpPr>
-            <a:spLocks noGrp="1"/>
-          </p:cNvSpPr>
-          <p:nvPr>
-            <p:ph type="title"/>
-          </p:nvPr>
-        </p:nvSpPr>
-        <p:spPr/>
-        <p:txBody>
-          <a:bodyPr/>
-          <a:lstStyle/>
-          <a:p>
-            <a:r>
-              <a:rPr lang="en-US" dirty="0"/>
-              <a:t>Profiling</a:t>
-            </a:r>
-          </a:p>
-        </p:txBody>
-      </p:sp>
-      <p:sp>
-        <p:nvSpPr>
-          <p:cNvPr id="3" name="Text Placeholder 2"/>
-          <p:cNvSpPr>
-            <a:spLocks noGrp="1"/>
-          </p:cNvSpPr>
-          <p:nvPr>
-            <p:ph type="body" idx="1"/>
-          </p:nvPr>
-        </p:nvSpPr>
-        <p:spPr/>
-        <p:txBody>
-          <a:bodyPr/>
-          <a:lstStyle/>
-          <a:p>
-            <a:endParaRPr lang="en-US"/>
-          </a:p>
-        </p:txBody>
-      </p:sp>
-      <p:sp>
-        <p:nvSpPr>
-          <p:cNvPr id="4" name="Slide Number Placeholder 3"/>
-          <p:cNvSpPr>
-            <a:spLocks noGrp="1"/>
-          </p:cNvSpPr>
-          <p:nvPr>
-            <p:ph type="sldNum" sz="quarter" idx="12"/>
-          </p:nvPr>
-        </p:nvSpPr>
-        <p:spPr/>
-        <p:txBody>
-          <a:bodyPr/>
-          <a:lstStyle/>
-          <a:p>
-            <a:fld id="{6597116C-F94B-4B5B-973A-17F07FB5C418}" type="slidenum">
-              <a:rPr lang="nl-BE" smtClean="0"/>
-              <a:t>47</a:t>
-            </a:fld>
-            <a:endParaRPr lang="nl-BE"/>
-          </a:p>
-        </p:txBody>
-      </p:sp>
-    </p:spTree>
-    <p:extLst>
-      <p:ext uri="{BB962C8B-B14F-4D97-AF65-F5344CB8AC3E}">
-        <p14:creationId xmlns:p14="http://schemas.microsoft.com/office/powerpoint/2010/main" val="68835048"/>
-      </p:ext>
-    </p:extLst>
-  </p:cSld>
-  <p:clrMapOvr>
-    <a:masterClrMapping/>
-  </p:clrMapOvr>
-</p:sld>
-</file>
-
 <file path=ppt/slides/slide48.xml><?xml version="1.0" encoding="utf-8"?>
 <p:sld xmlns:a="http://schemas.openxmlformats.org/drawingml/2006/main" xmlns:r="http://schemas.openxmlformats.org/officeDocument/2006/relationships" xmlns:p="http://schemas.openxmlformats.org/presentationml/2006/main">
   <p:cSld>
@@ -44577,24 +44752,20 @@
           <a:lstStyle/>
           <a:p>
             <a:r>
-              <a:rPr lang="en-US" dirty="0" err="1"/>
-              <a:t>gprof</a:t>
-            </a:r>
-            <a:r>
               <a:rPr lang="en-US" dirty="0"/>
-              <a:t> with GCC</a:t>
+              <a:t>Profiling</a:t>
             </a:r>
           </a:p>
         </p:txBody>
       </p:sp>
       <p:sp>
         <p:nvSpPr>
-          <p:cNvPr id="3" name="Content Placeholder 2"/>
+          <p:cNvPr id="3" name="Text Placeholder 2"/>
           <p:cNvSpPr>
             <a:spLocks noGrp="1"/>
           </p:cNvSpPr>
           <p:nvPr>
-            <p:ph idx="1"/>
+            <p:ph type="body" idx="1"/>
           </p:nvPr>
         </p:nvSpPr>
         <p:spPr/>
@@ -44602,51 +44773,7 @@
           <a:bodyPr/>
           <a:lstStyle/>
           <a:p>
-            <a:r>
-              <a:rPr lang="en-US" dirty="0"/>
-              <a:t>Compile/link with </a:t>
-            </a:r>
-            <a:r>
-              <a:rPr lang="en-US" dirty="0">
-                <a:latin typeface="Courier New" panose="02070309020205020404" pitchFamily="49" charset="0"/>
-                <a:cs typeface="Courier New" panose="02070309020205020404" pitchFamily="49" charset="0"/>
-              </a:rPr>
-              <a:t>–g  -</a:t>
-            </a:r>
-            <a:r>
-              <a:rPr lang="en-US" dirty="0" err="1">
-                <a:latin typeface="Courier New" panose="02070309020205020404" pitchFamily="49" charset="0"/>
-                <a:cs typeface="Courier New" panose="02070309020205020404" pitchFamily="49" charset="0"/>
-              </a:rPr>
-              <a:t>pg</a:t>
-            </a:r>
-            <a:endParaRPr lang="en-US" dirty="0">
-              <a:latin typeface="Courier New" panose="02070309020205020404" pitchFamily="49" charset="0"/>
-              <a:cs typeface="Courier New" panose="02070309020205020404" pitchFamily="49" charset="0"/>
-            </a:endParaRPr>
-          </a:p>
-          <a:p>
-            <a:r>
-              <a:rPr lang="en-US" dirty="0"/>
-              <a:t>Run application with representative data/settings</a:t>
-            </a:r>
-          </a:p>
-          <a:p>
-            <a:r>
-              <a:rPr lang="en-US" dirty="0"/>
-              <a:t>View profile using </a:t>
-            </a:r>
-            <a:r>
-              <a:rPr lang="en-US" dirty="0" err="1">
-                <a:latin typeface="Courier New" panose="02070309020205020404" pitchFamily="49" charset="0"/>
-                <a:cs typeface="Courier New" panose="02070309020205020404" pitchFamily="49" charset="0"/>
-              </a:rPr>
-              <a:t>gprof</a:t>
-            </a:r>
-            <a:endParaRPr lang="en-US" dirty="0">
-              <a:latin typeface="Courier New" panose="02070309020205020404" pitchFamily="49" charset="0"/>
-              <a:cs typeface="Courier New" panose="02070309020205020404" pitchFamily="49" charset="0"/>
-            </a:endParaRPr>
+            <a:endParaRPr lang="en-US"/>
           </a:p>
         </p:txBody>
       </p:sp>
@@ -44676,7 +44803,7 @@
     </p:spTree>
     <p:extLst>
       <p:ext uri="{BB962C8B-B14F-4D97-AF65-F5344CB8AC3E}">
-        <p14:creationId xmlns:p14="http://schemas.microsoft.com/office/powerpoint/2010/main" val="845156750"/>
+        <p14:creationId xmlns:p14="http://schemas.microsoft.com/office/powerpoint/2010/main" val="68835048"/>
       </p:ext>
     </p:extLst>
   </p:cSld>
@@ -44719,20 +44846,24 @@
           <a:lstStyle/>
           <a:p>
             <a:r>
+              <a:rPr lang="en-US" dirty="0" err="1"/>
+              <a:t>gprof</a:t>
+            </a:r>
+            <a:r>
               <a:rPr lang="en-US" dirty="0"/>
-              <a:t>Feedback-guided optimization</a:t>
+              <a:t> with GCC</a:t>
             </a:r>
           </a:p>
         </p:txBody>
       </p:sp>
       <p:sp>
         <p:nvSpPr>
-          <p:cNvPr id="3" name="Text Placeholder 2"/>
+          <p:cNvPr id="3" name="Content Placeholder 2"/>
           <p:cNvSpPr>
             <a:spLocks noGrp="1"/>
           </p:cNvSpPr>
           <p:nvPr>
-            <p:ph type="body" idx="1"/>
+            <p:ph idx="1"/>
           </p:nvPr>
         </p:nvSpPr>
         <p:spPr/>
@@ -44740,7 +44871,51 @@
           <a:bodyPr/>
           <a:lstStyle/>
           <a:p>
-            <a:endParaRPr lang="en-US"/>
+            <a:r>
+              <a:rPr lang="en-US" dirty="0"/>
+              <a:t>Compile/link with </a:t>
+            </a:r>
+            <a:r>
+              <a:rPr lang="en-US" dirty="0">
+                <a:latin typeface="Courier New" panose="02070309020205020404" pitchFamily="49" charset="0"/>
+                <a:cs typeface="Courier New" panose="02070309020205020404" pitchFamily="49" charset="0"/>
+              </a:rPr>
+              <a:t>–g  -</a:t>
+            </a:r>
+            <a:r>
+              <a:rPr lang="en-US" dirty="0" err="1">
+                <a:latin typeface="Courier New" panose="02070309020205020404" pitchFamily="49" charset="0"/>
+                <a:cs typeface="Courier New" panose="02070309020205020404" pitchFamily="49" charset="0"/>
+              </a:rPr>
+              <a:t>pg</a:t>
+            </a:r>
+            <a:endParaRPr lang="en-US" dirty="0">
+              <a:latin typeface="Courier New" panose="02070309020205020404" pitchFamily="49" charset="0"/>
+              <a:cs typeface="Courier New" panose="02070309020205020404" pitchFamily="49" charset="0"/>
+            </a:endParaRPr>
+          </a:p>
+          <a:p>
+            <a:r>
+              <a:rPr lang="en-US" dirty="0"/>
+              <a:t>Run application with representative data/settings</a:t>
+            </a:r>
+          </a:p>
+          <a:p>
+            <a:r>
+              <a:rPr lang="en-US" dirty="0"/>
+              <a:t>View profile using </a:t>
+            </a:r>
+            <a:r>
+              <a:rPr lang="en-US" dirty="0" err="1">
+                <a:latin typeface="Courier New" panose="02070309020205020404" pitchFamily="49" charset="0"/>
+                <a:cs typeface="Courier New" panose="02070309020205020404" pitchFamily="49" charset="0"/>
+              </a:rPr>
+              <a:t>gprof</a:t>
+            </a:r>
+            <a:endParaRPr lang="en-US" dirty="0">
+              <a:latin typeface="Courier New" panose="02070309020205020404" pitchFamily="49" charset="0"/>
+              <a:cs typeface="Courier New" panose="02070309020205020404" pitchFamily="49" charset="0"/>
+            </a:endParaRPr>
           </a:p>
         </p:txBody>
       </p:sp>
@@ -44770,7 +44945,7 @@
     </p:spTree>
     <p:extLst>
       <p:ext uri="{BB962C8B-B14F-4D97-AF65-F5344CB8AC3E}">
-        <p14:creationId xmlns:p14="http://schemas.microsoft.com/office/powerpoint/2010/main" val="3251639006"/>
+        <p14:creationId xmlns:p14="http://schemas.microsoft.com/office/powerpoint/2010/main" val="845156750"/>
       </p:ext>
     </p:extLst>
   </p:cSld>
@@ -44814,7 +44989,7 @@
           <a:p>
             <a:r>
               <a:rPr lang="en-US" dirty="0"/>
-              <a:t>Anatomy</a:t>
+              <a:t>Levels of parallelism</a:t>
             </a:r>
           </a:p>
         </p:txBody>
@@ -44832,82 +45007,138 @@
         <p:spPr/>
         <p:txBody>
           <a:bodyPr>
-            <a:normAutofit fontScale="92500" lnSpcReduction="20000"/>
+            <a:normAutofit fontScale="70000" lnSpcReduction="20000"/>
           </a:bodyPr>
           <a:lstStyle/>
           <a:p>
             <a:r>
               <a:rPr lang="en-US" dirty="0"/>
-              <a:t>Applications</a:t>
+              <a:t>Vectorization</a:t>
             </a:r>
           </a:p>
           <a:p>
             <a:pPr lvl="1"/>
             <a:r>
               <a:rPr lang="en-US" dirty="0"/>
-              <a:t>Have one or more processes</a:t>
+              <a:t>libraries (e.g., MKL)</a:t>
             </a:r>
           </a:p>
           <a:p>
             <a:pPr lvl="1"/>
             <a:r>
               <a:rPr lang="en-US" dirty="0"/>
-              <a:t>Run on one or more compute nodes</a:t>
-            </a:r>
-          </a:p>
-          <a:p>
+              <a:t>compiler flags</a:t>
+            </a:r>
+          </a:p>
+          <a:p>
+            <a:pPr lvl="1"/>
             <a:r>
               <a:rPr lang="en-US" dirty="0"/>
-              <a:t>Processes</a:t>
+              <a:t>directives: programmer can/should help</a:t>
+            </a:r>
+          </a:p>
+          <a:p>
+            <a:r>
+              <a:rPr lang="en-US" dirty="0"/>
+              <a:t>Multiple cores</a:t>
             </a:r>
           </a:p>
           <a:p>
             <a:pPr lvl="1"/>
-            <a:r>
-              <a:rPr lang="en-US" dirty="0"/>
-              <a:t>Communicate through message passing (e.g., MPI)</a:t>
-            </a:r>
-          </a:p>
-          <a:p>
-            <a:pPr lvl="1"/>
-            <a:r>
-              <a:rPr lang="en-US" dirty="0"/>
-              <a:t>Have one or more threads</a:t>
-            </a:r>
-          </a:p>
-          <a:p>
-            <a:pPr lvl="1"/>
-            <a:r>
-              <a:rPr lang="en-US" dirty="0"/>
-              <a:t>Run on single compute node, one or more cores</a:t>
-            </a:r>
-          </a:p>
-          <a:p>
-            <a:r>
-              <a:rPr lang="en-US" dirty="0"/>
-              <a:t>Threads</a:t>
-            </a:r>
-          </a:p>
-          <a:p>
-            <a:pPr lvl="1"/>
-            <a:r>
-              <a:rPr lang="en-US" dirty="0"/>
-              <a:t>Communicate through shared memory (e.g., </a:t>
-            </a:r>
             <a:r>
               <a:rPr lang="en-US" dirty="0" err="1"/>
               <a:t>OpenMP</a:t>
             </a:r>
             <a:r>
               <a:rPr lang="en-US" dirty="0"/>
+              <a:t>/</a:t>
+            </a:r>
+            <a:r>
+              <a:rPr lang="en-US" dirty="0" err="1"/>
+              <a:t>pthreads</a:t>
+            </a:r>
+            <a:endParaRPr lang="en-US" dirty="0"/>
+          </a:p>
+          <a:p>
+            <a:pPr lvl="2"/>
+            <a:r>
+              <a:rPr lang="en-US" dirty="0"/>
+              <a:t>libraries (e.g., MKL)</a:t>
+            </a:r>
+          </a:p>
+          <a:p>
+            <a:pPr lvl="2"/>
+            <a:r>
+              <a:rPr lang="en-US" dirty="0"/>
+              <a:t>programmer</a:t>
+            </a:r>
+          </a:p>
+          <a:p>
+            <a:r>
+              <a:rPr lang="en-US" dirty="0"/>
+              <a:t>Multiple nodes, i.e., distributed computing</a:t>
+            </a:r>
+          </a:p>
+          <a:p>
+            <a:pPr lvl="1"/>
+            <a:r>
+              <a:rPr lang="en-US" dirty="0"/>
+              <a:t>MPI/CAF/UPC/Chapel</a:t>
+            </a:r>
+          </a:p>
+          <a:p>
+            <a:pPr lvl="2"/>
+            <a:r>
+              <a:rPr lang="en-US" dirty="0"/>
+              <a:t>programmer</a:t>
+            </a:r>
+          </a:p>
+          <a:p>
+            <a:r>
+              <a:rPr lang="en-US" dirty="0"/>
+              <a:t>GPGPU</a:t>
+            </a:r>
+          </a:p>
+          <a:p>
+            <a:pPr lvl="1"/>
+            <a:r>
+              <a:rPr lang="en-US" dirty="0"/>
+              <a:t>CUDA/</a:t>
+            </a:r>
+            <a:r>
+              <a:rPr lang="en-US" dirty="0" err="1"/>
+              <a:t>OpenACC</a:t>
+            </a:r>
+            <a:r>
+              <a:rPr lang="en-US" dirty="0"/>
+              <a:t>/</a:t>
+            </a:r>
+            <a:r>
+              <a:rPr lang="en-US" dirty="0" err="1"/>
+              <a:t>OpenCL</a:t>
+            </a:r>
+            <a:endParaRPr lang="en-US" dirty="0"/>
+          </a:p>
+          <a:p>
+            <a:pPr lvl="2"/>
+            <a:r>
+              <a:rPr lang="en-US" dirty="0"/>
+              <a:t>libraries (e.g., </a:t>
+            </a:r>
+            <a:r>
+              <a:rPr lang="en-US" dirty="0" err="1"/>
+              <a:t>TensorFlow</a:t>
+            </a:r>
+            <a:r>
+              <a:rPr lang="en-US" dirty="0"/>
               <a:t>)</a:t>
             </a:r>
           </a:p>
           <a:p>
-            <a:pPr lvl="1"/>
+            <a:pPr lvl="2"/>
             <a:r>
               <a:rPr lang="en-US" dirty="0"/>
-              <a:t>Run on single core</a:t>
+              <a:t>programmer</a:t>
             </a:r>
           </a:p>
         </p:txBody>
@@ -44935,16 +45166,721 @@
           </a:p>
         </p:txBody>
       </p:sp>
+      <p:grpSp>
+        <p:nvGrpSpPr>
+          <p:cNvPr id="7" name="Group 6"/>
+          <p:cNvGrpSpPr/>
+          <p:nvPr/>
+        </p:nvGrpSpPr>
+        <p:grpSpPr>
+          <a:xfrm>
+            <a:off x="6300192" y="2924944"/>
+            <a:ext cx="1546199" cy="3096344"/>
+            <a:chOff x="6553200" y="3284984"/>
+            <a:chExt cx="1546199" cy="3096344"/>
+          </a:xfrm>
+        </p:grpSpPr>
+        <p:sp>
+          <p:nvSpPr>
+            <p:cNvPr id="5" name="Right Brace 4"/>
+            <p:cNvSpPr/>
+            <p:nvPr/>
+          </p:nvSpPr>
+          <p:spPr>
+            <a:xfrm>
+              <a:off x="6553200" y="3284984"/>
+              <a:ext cx="216024" cy="3096344"/>
+            </a:xfrm>
+            <a:prstGeom prst="rightBrace">
+              <a:avLst/>
+            </a:prstGeom>
+            <a:ln>
+              <a:solidFill>
+                <a:schemeClr val="tx1"/>
+              </a:solidFill>
+            </a:ln>
+          </p:spPr>
+          <p:style>
+            <a:lnRef idx="1">
+              <a:schemeClr val="accent1"/>
+            </a:lnRef>
+            <a:fillRef idx="0">
+              <a:schemeClr val="accent1"/>
+            </a:fillRef>
+            <a:effectRef idx="0">
+              <a:schemeClr val="accent1"/>
+            </a:effectRef>
+            <a:fontRef idx="minor">
+              <a:schemeClr val="tx1"/>
+            </a:fontRef>
+          </p:style>
+          <p:txBody>
+            <a:bodyPr rtlCol="0" anchor="ctr"/>
+            <a:lstStyle/>
+            <a:p>
+              <a:pPr algn="ctr"/>
+              <a:endParaRPr lang="en-US"/>
+            </a:p>
+          </p:txBody>
+        </p:sp>
+        <p:sp>
+          <p:nvSpPr>
+            <p:cNvPr id="6" name="TextBox 5"/>
+            <p:cNvSpPr txBox="1"/>
+            <p:nvPr/>
+          </p:nvSpPr>
+          <p:spPr>
+            <a:xfrm>
+              <a:off x="6985248" y="4571546"/>
+              <a:ext cx="1114151" cy="523220"/>
+            </a:xfrm>
+            <a:prstGeom prst="rect">
+              <a:avLst/>
+            </a:prstGeom>
+            <a:noFill/>
+          </p:spPr>
+          <p:txBody>
+            <a:bodyPr wrap="none" rtlCol="0">
+              <a:spAutoFit/>
+            </a:bodyPr>
+            <a:lstStyle/>
+            <a:p>
+              <a:r>
+                <a:rPr lang="en-US" sz="2800" dirty="0"/>
+                <a:t>hybrid</a:t>
+              </a:r>
+            </a:p>
+          </p:txBody>
+        </p:sp>
+      </p:grpSp>
     </p:spTree>
     <p:extLst>
       <p:ext uri="{BB962C8B-B14F-4D97-AF65-F5344CB8AC3E}">
-        <p14:creationId xmlns:p14="http://schemas.microsoft.com/office/powerpoint/2010/main" val="2025456779"/>
+        <p14:creationId xmlns:p14="http://schemas.microsoft.com/office/powerpoint/2010/main" val="1592559374"/>
       </p:ext>
     </p:extLst>
   </p:cSld>
   <p:clrMapOvr>
     <a:masterClrMapping/>
   </p:clrMapOvr>
+  <p:timing>
+    <p:tnLst>
+      <p:par>
+        <p:cTn id="1" dur="indefinite" restart="never" nodeType="tmRoot">
+          <p:childTnLst>
+            <p:seq concurrent="1" nextAc="seek">
+              <p:cTn id="2" dur="indefinite" nodeType="mainSeq">
+                <p:childTnLst>
+                  <p:par>
+                    <p:cTn id="3" fill="hold">
+                      <p:stCondLst>
+                        <p:cond delay="indefinite"/>
+                        <p:cond evt="onBegin" delay="0">
+                          <p:tn val="2"/>
+                        </p:cond>
+                      </p:stCondLst>
+                      <p:childTnLst>
+                        <p:par>
+                          <p:cTn id="4" fill="hold">
+                            <p:stCondLst>
+                              <p:cond delay="0"/>
+                            </p:stCondLst>
+                            <p:childTnLst>
+                              <p:par>
+                                <p:cTn id="5" presetID="1" presetClass="entr" presetSubtype="0" fill="hold" grpId="0" nodeType="withEffect">
+                                  <p:stCondLst>
+                                    <p:cond delay="0"/>
+                                  </p:stCondLst>
+                                  <p:childTnLst>
+                                    <p:set>
+                                      <p:cBhvr>
+                                        <p:cTn id="6" dur="1" fill="hold">
+                                          <p:stCondLst>
+                                            <p:cond delay="0"/>
+                                          </p:stCondLst>
+                                        </p:cTn>
+                                        <p:tgtEl>
+                                          <p:spTgt spid="3">
+                                            <p:txEl>
+                                              <p:pRg st="0" end="0"/>
+                                            </p:txEl>
+                                          </p:spTgt>
+                                        </p:tgtEl>
+                                        <p:attrNameLst>
+                                          <p:attrName>style.visibility</p:attrName>
+                                        </p:attrNameLst>
+                                      </p:cBhvr>
+                                      <p:to>
+                                        <p:strVal val="visible"/>
+                                      </p:to>
+                                    </p:set>
+                                  </p:childTnLst>
+                                </p:cTn>
+                              </p:par>
+                              <p:par>
+                                <p:cTn id="7" presetID="1" presetClass="entr" presetSubtype="0" fill="hold" grpId="0" nodeType="withEffect">
+                                  <p:stCondLst>
+                                    <p:cond delay="0"/>
+                                  </p:stCondLst>
+                                  <p:childTnLst>
+                                    <p:set>
+                                      <p:cBhvr>
+                                        <p:cTn id="8" dur="1" fill="hold">
+                                          <p:stCondLst>
+                                            <p:cond delay="0"/>
+                                          </p:stCondLst>
+                                        </p:cTn>
+                                        <p:tgtEl>
+                                          <p:spTgt spid="3">
+                                            <p:txEl>
+                                              <p:pRg st="1" end="1"/>
+                                            </p:txEl>
+                                          </p:spTgt>
+                                        </p:tgtEl>
+                                        <p:attrNameLst>
+                                          <p:attrName>style.visibility</p:attrName>
+                                        </p:attrNameLst>
+                                      </p:cBhvr>
+                                      <p:to>
+                                        <p:strVal val="visible"/>
+                                      </p:to>
+                                    </p:set>
+                                  </p:childTnLst>
+                                </p:cTn>
+                              </p:par>
+                              <p:par>
+                                <p:cTn id="9" presetID="1" presetClass="entr" presetSubtype="0" fill="hold" grpId="0" nodeType="withEffect">
+                                  <p:stCondLst>
+                                    <p:cond delay="0"/>
+                                  </p:stCondLst>
+                                  <p:childTnLst>
+                                    <p:set>
+                                      <p:cBhvr>
+                                        <p:cTn id="10" dur="1" fill="hold">
+                                          <p:stCondLst>
+                                            <p:cond delay="0"/>
+                                          </p:stCondLst>
+                                        </p:cTn>
+                                        <p:tgtEl>
+                                          <p:spTgt spid="3">
+                                            <p:txEl>
+                                              <p:pRg st="2" end="2"/>
+                                            </p:txEl>
+                                          </p:spTgt>
+                                        </p:tgtEl>
+                                        <p:attrNameLst>
+                                          <p:attrName>style.visibility</p:attrName>
+                                        </p:attrNameLst>
+                                      </p:cBhvr>
+                                      <p:to>
+                                        <p:strVal val="visible"/>
+                                      </p:to>
+                                    </p:set>
+                                  </p:childTnLst>
+                                </p:cTn>
+                              </p:par>
+                              <p:par>
+                                <p:cTn id="11" presetID="1" presetClass="entr" presetSubtype="0" fill="hold" grpId="0" nodeType="withEffect">
+                                  <p:stCondLst>
+                                    <p:cond delay="0"/>
+                                  </p:stCondLst>
+                                  <p:childTnLst>
+                                    <p:set>
+                                      <p:cBhvr>
+                                        <p:cTn id="12" dur="1" fill="hold">
+                                          <p:stCondLst>
+                                            <p:cond delay="0"/>
+                                          </p:stCondLst>
+                                        </p:cTn>
+                                        <p:tgtEl>
+                                          <p:spTgt spid="3">
+                                            <p:txEl>
+                                              <p:pRg st="3" end="3"/>
+                                            </p:txEl>
+                                          </p:spTgt>
+                                        </p:tgtEl>
+                                        <p:attrNameLst>
+                                          <p:attrName>style.visibility</p:attrName>
+                                        </p:attrNameLst>
+                                      </p:cBhvr>
+                                      <p:to>
+                                        <p:strVal val="visible"/>
+                                      </p:to>
+                                    </p:set>
+                                  </p:childTnLst>
+                                </p:cTn>
+                              </p:par>
+                            </p:childTnLst>
+                          </p:cTn>
+                        </p:par>
+                      </p:childTnLst>
+                    </p:cTn>
+                  </p:par>
+                  <p:par>
+                    <p:cTn id="13" fill="hold">
+                      <p:stCondLst>
+                        <p:cond delay="indefinite"/>
+                      </p:stCondLst>
+                      <p:childTnLst>
+                        <p:par>
+                          <p:cTn id="14" fill="hold">
+                            <p:stCondLst>
+                              <p:cond delay="0"/>
+                            </p:stCondLst>
+                            <p:childTnLst>
+                              <p:par>
+                                <p:cTn id="15" presetID="1" presetClass="entr" presetSubtype="0" fill="hold" grpId="0" nodeType="clickEffect">
+                                  <p:stCondLst>
+                                    <p:cond delay="0"/>
+                                  </p:stCondLst>
+                                  <p:childTnLst>
+                                    <p:set>
+                                      <p:cBhvr>
+                                        <p:cTn id="16" dur="1" fill="hold">
+                                          <p:stCondLst>
+                                            <p:cond delay="0"/>
+                                          </p:stCondLst>
+                                        </p:cTn>
+                                        <p:tgtEl>
+                                          <p:spTgt spid="3">
+                                            <p:txEl>
+                                              <p:pRg st="4" end="4"/>
+                                            </p:txEl>
+                                          </p:spTgt>
+                                        </p:tgtEl>
+                                        <p:attrNameLst>
+                                          <p:attrName>style.visibility</p:attrName>
+                                        </p:attrNameLst>
+                                      </p:cBhvr>
+                                      <p:to>
+                                        <p:strVal val="visible"/>
+                                      </p:to>
+                                    </p:set>
+                                  </p:childTnLst>
+                                </p:cTn>
+                              </p:par>
+                              <p:par>
+                                <p:cTn id="17" presetID="1" presetClass="entr" presetSubtype="0" fill="hold" grpId="0" nodeType="withEffect">
+                                  <p:stCondLst>
+                                    <p:cond delay="0"/>
+                                  </p:stCondLst>
+                                  <p:childTnLst>
+                                    <p:set>
+                                      <p:cBhvr>
+                                        <p:cTn id="18" dur="1" fill="hold">
+                                          <p:stCondLst>
+                                            <p:cond delay="0"/>
+                                          </p:stCondLst>
+                                        </p:cTn>
+                                        <p:tgtEl>
+                                          <p:spTgt spid="3">
+                                            <p:txEl>
+                                              <p:pRg st="5" end="5"/>
+                                            </p:txEl>
+                                          </p:spTgt>
+                                        </p:tgtEl>
+                                        <p:attrNameLst>
+                                          <p:attrName>style.visibility</p:attrName>
+                                        </p:attrNameLst>
+                                      </p:cBhvr>
+                                      <p:to>
+                                        <p:strVal val="visible"/>
+                                      </p:to>
+                                    </p:set>
+                                  </p:childTnLst>
+                                </p:cTn>
+                              </p:par>
+                              <p:par>
+                                <p:cTn id="19" presetID="1" presetClass="entr" presetSubtype="0" fill="hold" grpId="0" nodeType="withEffect">
+                                  <p:stCondLst>
+                                    <p:cond delay="0"/>
+                                  </p:stCondLst>
+                                  <p:childTnLst>
+                                    <p:set>
+                                      <p:cBhvr>
+                                        <p:cTn id="20" dur="1" fill="hold">
+                                          <p:stCondLst>
+                                            <p:cond delay="0"/>
+                                          </p:stCondLst>
+                                        </p:cTn>
+                                        <p:tgtEl>
+                                          <p:spTgt spid="3">
+                                            <p:txEl>
+                                              <p:pRg st="6" end="6"/>
+                                            </p:txEl>
+                                          </p:spTgt>
+                                        </p:tgtEl>
+                                        <p:attrNameLst>
+                                          <p:attrName>style.visibility</p:attrName>
+                                        </p:attrNameLst>
+                                      </p:cBhvr>
+                                      <p:to>
+                                        <p:strVal val="visible"/>
+                                      </p:to>
+                                    </p:set>
+                                  </p:childTnLst>
+                                </p:cTn>
+                              </p:par>
+                              <p:par>
+                                <p:cTn id="21" presetID="1" presetClass="entr" presetSubtype="0" fill="hold" grpId="0" nodeType="withEffect">
+                                  <p:stCondLst>
+                                    <p:cond delay="0"/>
+                                  </p:stCondLst>
+                                  <p:childTnLst>
+                                    <p:set>
+                                      <p:cBhvr>
+                                        <p:cTn id="22" dur="1" fill="hold">
+                                          <p:stCondLst>
+                                            <p:cond delay="0"/>
+                                          </p:stCondLst>
+                                        </p:cTn>
+                                        <p:tgtEl>
+                                          <p:spTgt spid="3">
+                                            <p:txEl>
+                                              <p:pRg st="7" end="7"/>
+                                            </p:txEl>
+                                          </p:spTgt>
+                                        </p:tgtEl>
+                                        <p:attrNameLst>
+                                          <p:attrName>style.visibility</p:attrName>
+                                        </p:attrNameLst>
+                                      </p:cBhvr>
+                                      <p:to>
+                                        <p:strVal val="visible"/>
+                                      </p:to>
+                                    </p:set>
+                                  </p:childTnLst>
+                                </p:cTn>
+                              </p:par>
+                            </p:childTnLst>
+                          </p:cTn>
+                        </p:par>
+                      </p:childTnLst>
+                    </p:cTn>
+                  </p:par>
+                  <p:par>
+                    <p:cTn id="23" fill="hold">
+                      <p:stCondLst>
+                        <p:cond delay="indefinite"/>
+                      </p:stCondLst>
+                      <p:childTnLst>
+                        <p:par>
+                          <p:cTn id="24" fill="hold">
+                            <p:stCondLst>
+                              <p:cond delay="0"/>
+                            </p:stCondLst>
+                            <p:childTnLst>
+                              <p:par>
+                                <p:cTn id="25" presetID="1" presetClass="entr" presetSubtype="0" fill="hold" grpId="0" nodeType="clickEffect">
+                                  <p:stCondLst>
+                                    <p:cond delay="0"/>
+                                  </p:stCondLst>
+                                  <p:childTnLst>
+                                    <p:set>
+                                      <p:cBhvr>
+                                        <p:cTn id="26" dur="1" fill="hold">
+                                          <p:stCondLst>
+                                            <p:cond delay="0"/>
+                                          </p:stCondLst>
+                                        </p:cTn>
+                                        <p:tgtEl>
+                                          <p:spTgt spid="3">
+                                            <p:txEl>
+                                              <p:pRg st="8" end="8"/>
+                                            </p:txEl>
+                                          </p:spTgt>
+                                        </p:tgtEl>
+                                        <p:attrNameLst>
+                                          <p:attrName>style.visibility</p:attrName>
+                                        </p:attrNameLst>
+                                      </p:cBhvr>
+                                      <p:to>
+                                        <p:strVal val="visible"/>
+                                      </p:to>
+                                    </p:set>
+                                  </p:childTnLst>
+                                </p:cTn>
+                              </p:par>
+                              <p:par>
+                                <p:cTn id="27" presetID="1" presetClass="entr" presetSubtype="0" fill="hold" grpId="0" nodeType="withEffect">
+                                  <p:stCondLst>
+                                    <p:cond delay="0"/>
+                                  </p:stCondLst>
+                                  <p:childTnLst>
+                                    <p:set>
+                                      <p:cBhvr>
+                                        <p:cTn id="28" dur="1" fill="hold">
+                                          <p:stCondLst>
+                                            <p:cond delay="0"/>
+                                          </p:stCondLst>
+                                        </p:cTn>
+                                        <p:tgtEl>
+                                          <p:spTgt spid="3">
+                                            <p:txEl>
+                                              <p:pRg st="9" end="9"/>
+                                            </p:txEl>
+                                          </p:spTgt>
+                                        </p:tgtEl>
+                                        <p:attrNameLst>
+                                          <p:attrName>style.visibility</p:attrName>
+                                        </p:attrNameLst>
+                                      </p:cBhvr>
+                                      <p:to>
+                                        <p:strVal val="visible"/>
+                                      </p:to>
+                                    </p:set>
+                                  </p:childTnLst>
+                                </p:cTn>
+                              </p:par>
+                              <p:par>
+                                <p:cTn id="29" presetID="1" presetClass="entr" presetSubtype="0" fill="hold" grpId="0" nodeType="withEffect">
+                                  <p:stCondLst>
+                                    <p:cond delay="0"/>
+                                  </p:stCondLst>
+                                  <p:childTnLst>
+                                    <p:set>
+                                      <p:cBhvr>
+                                        <p:cTn id="30" dur="1" fill="hold">
+                                          <p:stCondLst>
+                                            <p:cond delay="0"/>
+                                          </p:stCondLst>
+                                        </p:cTn>
+                                        <p:tgtEl>
+                                          <p:spTgt spid="3">
+                                            <p:txEl>
+                                              <p:pRg st="10" end="10"/>
+                                            </p:txEl>
+                                          </p:spTgt>
+                                        </p:tgtEl>
+                                        <p:attrNameLst>
+                                          <p:attrName>style.visibility</p:attrName>
+                                        </p:attrNameLst>
+                                      </p:cBhvr>
+                                      <p:to>
+                                        <p:strVal val="visible"/>
+                                      </p:to>
+                                    </p:set>
+                                  </p:childTnLst>
+                                </p:cTn>
+                              </p:par>
+                            </p:childTnLst>
+                          </p:cTn>
+                        </p:par>
+                      </p:childTnLst>
+                    </p:cTn>
+                  </p:par>
+                  <p:par>
+                    <p:cTn id="31" fill="hold">
+                      <p:stCondLst>
+                        <p:cond delay="indefinite"/>
+                      </p:stCondLst>
+                      <p:childTnLst>
+                        <p:par>
+                          <p:cTn id="32" fill="hold">
+                            <p:stCondLst>
+                              <p:cond delay="0"/>
+                            </p:stCondLst>
+                            <p:childTnLst>
+                              <p:par>
+                                <p:cTn id="33" presetID="1" presetClass="entr" presetSubtype="0" fill="hold" grpId="0" nodeType="clickEffect">
+                                  <p:stCondLst>
+                                    <p:cond delay="0"/>
+                                  </p:stCondLst>
+                                  <p:childTnLst>
+                                    <p:set>
+                                      <p:cBhvr>
+                                        <p:cTn id="34" dur="1" fill="hold">
+                                          <p:stCondLst>
+                                            <p:cond delay="0"/>
+                                          </p:stCondLst>
+                                        </p:cTn>
+                                        <p:tgtEl>
+                                          <p:spTgt spid="3">
+                                            <p:txEl>
+                                              <p:pRg st="11" end="11"/>
+                                            </p:txEl>
+                                          </p:spTgt>
+                                        </p:tgtEl>
+                                        <p:attrNameLst>
+                                          <p:attrName>style.visibility</p:attrName>
+                                        </p:attrNameLst>
+                                      </p:cBhvr>
+                                      <p:to>
+                                        <p:strVal val="visible"/>
+                                      </p:to>
+                                    </p:set>
+                                  </p:childTnLst>
+                                </p:cTn>
+                              </p:par>
+                              <p:par>
+                                <p:cTn id="35" presetID="1" presetClass="entr" presetSubtype="0" fill="hold" grpId="0" nodeType="withEffect">
+                                  <p:stCondLst>
+                                    <p:cond delay="0"/>
+                                  </p:stCondLst>
+                                  <p:childTnLst>
+                                    <p:set>
+                                      <p:cBhvr>
+                                        <p:cTn id="36" dur="1" fill="hold">
+                                          <p:stCondLst>
+                                            <p:cond delay="0"/>
+                                          </p:stCondLst>
+                                        </p:cTn>
+                                        <p:tgtEl>
+                                          <p:spTgt spid="3">
+                                            <p:txEl>
+                                              <p:pRg st="12" end="12"/>
+                                            </p:txEl>
+                                          </p:spTgt>
+                                        </p:tgtEl>
+                                        <p:attrNameLst>
+                                          <p:attrName>style.visibility</p:attrName>
+                                        </p:attrNameLst>
+                                      </p:cBhvr>
+                                      <p:to>
+                                        <p:strVal val="visible"/>
+                                      </p:to>
+                                    </p:set>
+                                  </p:childTnLst>
+                                </p:cTn>
+                              </p:par>
+                              <p:par>
+                                <p:cTn id="37" presetID="1" presetClass="entr" presetSubtype="0" fill="hold" grpId="0" nodeType="withEffect">
+                                  <p:stCondLst>
+                                    <p:cond delay="0"/>
+                                  </p:stCondLst>
+                                  <p:childTnLst>
+                                    <p:set>
+                                      <p:cBhvr>
+                                        <p:cTn id="38" dur="1" fill="hold">
+                                          <p:stCondLst>
+                                            <p:cond delay="0"/>
+                                          </p:stCondLst>
+                                        </p:cTn>
+                                        <p:tgtEl>
+                                          <p:spTgt spid="3">
+                                            <p:txEl>
+                                              <p:pRg st="13" end="13"/>
+                                            </p:txEl>
+                                          </p:spTgt>
+                                        </p:tgtEl>
+                                        <p:attrNameLst>
+                                          <p:attrName>style.visibility</p:attrName>
+                                        </p:attrNameLst>
+                                      </p:cBhvr>
+                                      <p:to>
+                                        <p:strVal val="visible"/>
+                                      </p:to>
+                                    </p:set>
+                                  </p:childTnLst>
+                                </p:cTn>
+                              </p:par>
+                              <p:par>
+                                <p:cTn id="39" presetID="1" presetClass="entr" presetSubtype="0" fill="hold" grpId="0" nodeType="withEffect">
+                                  <p:stCondLst>
+                                    <p:cond delay="0"/>
+                                  </p:stCondLst>
+                                  <p:childTnLst>
+                                    <p:set>
+                                      <p:cBhvr>
+                                        <p:cTn id="40" dur="1" fill="hold">
+                                          <p:stCondLst>
+                                            <p:cond delay="0"/>
+                                          </p:stCondLst>
+                                        </p:cTn>
+                                        <p:tgtEl>
+                                          <p:spTgt spid="3">
+                                            <p:txEl>
+                                              <p:pRg st="14" end="14"/>
+                                            </p:txEl>
+                                          </p:spTgt>
+                                        </p:tgtEl>
+                                        <p:attrNameLst>
+                                          <p:attrName>style.visibility</p:attrName>
+                                        </p:attrNameLst>
+                                      </p:cBhvr>
+                                      <p:to>
+                                        <p:strVal val="visible"/>
+                                      </p:to>
+                                    </p:set>
+                                  </p:childTnLst>
+                                </p:cTn>
+                              </p:par>
+                            </p:childTnLst>
+                          </p:cTn>
+                        </p:par>
+                      </p:childTnLst>
+                    </p:cTn>
+                  </p:par>
+                  <p:par>
+                    <p:cTn id="41" fill="hold">
+                      <p:stCondLst>
+                        <p:cond delay="indefinite"/>
+                      </p:stCondLst>
+                      <p:childTnLst>
+                        <p:par>
+                          <p:cTn id="42" fill="hold">
+                            <p:stCondLst>
+                              <p:cond delay="0"/>
+                            </p:stCondLst>
+                            <p:childTnLst>
+                              <p:par>
+                                <p:cTn id="43" presetID="1" presetClass="entr" presetSubtype="0" fill="hold" nodeType="clickEffect">
+                                  <p:stCondLst>
+                                    <p:cond delay="0"/>
+                                  </p:stCondLst>
+                                  <p:childTnLst>
+                                    <p:set>
+                                      <p:cBhvr>
+                                        <p:cTn id="44" dur="1" fill="hold">
+                                          <p:stCondLst>
+                                            <p:cond delay="0"/>
+                                          </p:stCondLst>
+                                        </p:cTn>
+                                        <p:tgtEl>
+                                          <p:spTgt spid="7"/>
+                                        </p:tgtEl>
+                                        <p:attrNameLst>
+                                          <p:attrName>style.visibility</p:attrName>
+                                        </p:attrNameLst>
+                                      </p:cBhvr>
+                                      <p:to>
+                                        <p:strVal val="visible"/>
+                                      </p:to>
+                                    </p:set>
+                                  </p:childTnLst>
+                                </p:cTn>
+                              </p:par>
+                            </p:childTnLst>
+                          </p:cTn>
+                        </p:par>
+                      </p:childTnLst>
+                    </p:cTn>
+                  </p:par>
+                </p:childTnLst>
+              </p:cTn>
+              <p:prevCondLst>
+                <p:cond evt="onPrev" delay="0">
+                  <p:tgtEl>
+                    <p:sldTgt/>
+                  </p:tgtEl>
+                </p:cond>
+              </p:prevCondLst>
+              <p:nextCondLst>
+                <p:cond evt="onNext" delay="0">
+                  <p:tgtEl>
+                    <p:sldTgt/>
+                  </p:tgtEl>
+                </p:cond>
+              </p:nextCondLst>
+            </p:seq>
+          </p:childTnLst>
+        </p:cTn>
+      </p:par>
+    </p:tnLst>
+    <p:bldLst>
+      <p:bldP spid="3" grpId="0" uiExpand="1" build="p"/>
+    </p:bldLst>
+  </p:timing>
 </p:sld>
 </file>
 
@@ -44982,6 +45918,100 @@
           <a:p>
             <a:r>
               <a:rPr lang="en-US" dirty="0"/>
+              <a:t>Feedback-guided optimization</a:t>
+            </a:r>
+          </a:p>
+        </p:txBody>
+      </p:sp>
+      <p:sp>
+        <p:nvSpPr>
+          <p:cNvPr id="3" name="Text Placeholder 2"/>
+          <p:cNvSpPr>
+            <a:spLocks noGrp="1"/>
+          </p:cNvSpPr>
+          <p:nvPr>
+            <p:ph type="body" idx="1"/>
+          </p:nvPr>
+        </p:nvSpPr>
+        <p:spPr/>
+        <p:txBody>
+          <a:bodyPr/>
+          <a:lstStyle/>
+          <a:p>
+            <a:endParaRPr lang="en-US"/>
+          </a:p>
+        </p:txBody>
+      </p:sp>
+      <p:sp>
+        <p:nvSpPr>
+          <p:cNvPr id="4" name="Slide Number Placeholder 3"/>
+          <p:cNvSpPr>
+            <a:spLocks noGrp="1"/>
+          </p:cNvSpPr>
+          <p:nvPr>
+            <p:ph type="sldNum" sz="quarter" idx="12"/>
+          </p:nvPr>
+        </p:nvSpPr>
+        <p:spPr/>
+        <p:txBody>
+          <a:bodyPr/>
+          <a:lstStyle/>
+          <a:p>
+            <a:fld id="{6597116C-F94B-4B5B-973A-17F07FB5C418}" type="slidenum">
+              <a:rPr lang="nl-BE" smtClean="0"/>
+              <a:t>50</a:t>
+            </a:fld>
+            <a:endParaRPr lang="nl-BE"/>
+          </a:p>
+        </p:txBody>
+      </p:sp>
+    </p:spTree>
+    <p:extLst>
+      <p:ext uri="{BB962C8B-B14F-4D97-AF65-F5344CB8AC3E}">
+        <p14:creationId xmlns:p14="http://schemas.microsoft.com/office/powerpoint/2010/main" val="3251639006"/>
+      </p:ext>
+    </p:extLst>
+  </p:cSld>
+  <p:clrMapOvr>
+    <a:masterClrMapping/>
+  </p:clrMapOvr>
+</p:sld>
+</file>
+
+<file path=ppt/slides/slide51.xml><?xml version="1.0" encoding="utf-8"?>
+<p:sld xmlns:a="http://schemas.openxmlformats.org/drawingml/2006/main" xmlns:r="http://schemas.openxmlformats.org/officeDocument/2006/relationships" xmlns:p="http://schemas.openxmlformats.org/presentationml/2006/main">
+  <p:cSld>
+    <p:spTree>
+      <p:nvGrpSpPr>
+        <p:cNvPr id="1" name=""/>
+        <p:cNvGrpSpPr/>
+        <p:nvPr/>
+      </p:nvGrpSpPr>
+      <p:grpSpPr>
+        <a:xfrm>
+          <a:off x="0" y="0"/>
+          <a:ext cx="0" cy="0"/>
+          <a:chOff x="0" y="0"/>
+          <a:chExt cx="0" cy="0"/>
+        </a:xfrm>
+      </p:grpSpPr>
+      <p:sp>
+        <p:nvSpPr>
+          <p:cNvPr id="2" name="Title 1"/>
+          <p:cNvSpPr>
+            <a:spLocks noGrp="1"/>
+          </p:cNvSpPr>
+          <p:nvPr>
+            <p:ph type="title"/>
+          </p:nvPr>
+        </p:nvSpPr>
+        <p:spPr/>
+        <p:txBody>
+          <a:bodyPr/>
+          <a:lstStyle/>
+          <a:p>
+            <a:r>
+              <a:rPr lang="en-US" dirty="0"/>
               <a:t>Philosophy</a:t>
             </a:r>
           </a:p>
@@ -45082,7 +46112,7 @@
           <a:p>
             <a:fld id="{6597116C-F94B-4B5B-973A-17F07FB5C418}" type="slidenum">
               <a:rPr lang="nl-BE" smtClean="0"/>
-              <a:t>50</a:t>
+              <a:t>51</a:t>
             </a:fld>
             <a:endParaRPr lang="nl-BE"/>
           </a:p>
@@ -45560,7 +46590,7 @@
 </p:sld>
 </file>
 
-<file path=ppt/slides/slide51.xml><?xml version="1.0" encoding="utf-8"?>
+<file path=ppt/slides/slide52.xml><?xml version="1.0" encoding="utf-8"?>
 <p:sld xmlns:a="http://schemas.openxmlformats.org/drawingml/2006/main" xmlns:r="http://schemas.openxmlformats.org/officeDocument/2006/relationships" xmlns:p="http://schemas.openxmlformats.org/presentationml/2006/main">
   <p:cSld>
     <p:spTree>
@@ -45653,7 +46683,7 @@
           <a:p>
             <a:fld id="{6597116C-F94B-4B5B-973A-17F07FB5C418}" type="slidenum">
               <a:rPr lang="nl-BE" smtClean="0"/>
-              <a:t>51</a:t>
+              <a:t>52</a:t>
             </a:fld>
             <a:endParaRPr lang="nl-BE"/>
           </a:p>
@@ -45809,503 +46839,6 @@
     <p:extLst>
       <p:ext uri="{BB962C8B-B14F-4D97-AF65-F5344CB8AC3E}">
         <p14:creationId xmlns:p14="http://schemas.microsoft.com/office/powerpoint/2010/main" val="2433576050"/>
-      </p:ext>
-    </p:extLst>
-  </p:cSld>
-  <p:clrMapOvr>
-    <a:masterClrMapping/>
-  </p:clrMapOvr>
-  <p:timing>
-    <p:tnLst>
-      <p:par>
-        <p:cTn id="1" dur="indefinite" restart="never" nodeType="tmRoot">
-          <p:childTnLst>
-            <p:seq concurrent="1" nextAc="seek">
-              <p:cTn id="2" dur="indefinite" nodeType="mainSeq">
-                <p:childTnLst>
-                  <p:par>
-                    <p:cTn id="3" fill="hold">
-                      <p:stCondLst>
-                        <p:cond delay="indefinite"/>
-                        <p:cond evt="onBegin" delay="0">
-                          <p:tn val="2"/>
-                        </p:cond>
-                      </p:stCondLst>
-                      <p:childTnLst>
-                        <p:par>
-                          <p:cTn id="4" fill="hold">
-                            <p:stCondLst>
-                              <p:cond delay="0"/>
-                            </p:stCondLst>
-                            <p:childTnLst>
-                              <p:par>
-                                <p:cTn id="5" presetID="1" presetClass="entr" presetSubtype="0" fill="hold" grpId="0" nodeType="withEffect">
-                                  <p:stCondLst>
-                                    <p:cond delay="0"/>
-                                  </p:stCondLst>
-                                  <p:childTnLst>
-                                    <p:set>
-                                      <p:cBhvr>
-                                        <p:cTn id="6" dur="1" fill="hold">
-                                          <p:stCondLst>
-                                            <p:cond delay="0"/>
-                                          </p:stCondLst>
-                                        </p:cTn>
-                                        <p:tgtEl>
-                                          <p:spTgt spid="3">
-                                            <p:txEl>
-                                              <p:pRg st="0" end="0"/>
-                                            </p:txEl>
-                                          </p:spTgt>
-                                        </p:tgtEl>
-                                        <p:attrNameLst>
-                                          <p:attrName>style.visibility</p:attrName>
-                                        </p:attrNameLst>
-                                      </p:cBhvr>
-                                      <p:to>
-                                        <p:strVal val="visible"/>
-                                      </p:to>
-                                    </p:set>
-                                  </p:childTnLst>
-                                </p:cTn>
-                              </p:par>
-                              <p:par>
-                                <p:cTn id="7" presetID="1" presetClass="entr" presetSubtype="0" fill="hold" grpId="0" nodeType="withEffect">
-                                  <p:stCondLst>
-                                    <p:cond delay="0"/>
-                                  </p:stCondLst>
-                                  <p:childTnLst>
-                                    <p:set>
-                                      <p:cBhvr>
-                                        <p:cTn id="8" dur="1" fill="hold">
-                                          <p:stCondLst>
-                                            <p:cond delay="0"/>
-                                          </p:stCondLst>
-                                        </p:cTn>
-                                        <p:tgtEl>
-                                          <p:spTgt spid="5"/>
-                                        </p:tgtEl>
-                                        <p:attrNameLst>
-                                          <p:attrName>style.visibility</p:attrName>
-                                        </p:attrNameLst>
-                                      </p:cBhvr>
-                                      <p:to>
-                                        <p:strVal val="visible"/>
-                                      </p:to>
-                                    </p:set>
-                                  </p:childTnLst>
-                                </p:cTn>
-                              </p:par>
-                            </p:childTnLst>
-                          </p:cTn>
-                        </p:par>
-                      </p:childTnLst>
-                    </p:cTn>
-                  </p:par>
-                  <p:par>
-                    <p:cTn id="9" fill="hold">
-                      <p:stCondLst>
-                        <p:cond delay="indefinite"/>
-                      </p:stCondLst>
-                      <p:childTnLst>
-                        <p:par>
-                          <p:cTn id="10" fill="hold">
-                            <p:stCondLst>
-                              <p:cond delay="0"/>
-                            </p:stCondLst>
-                            <p:childTnLst>
-                              <p:par>
-                                <p:cTn id="11" presetID="1" presetClass="entr" presetSubtype="0" fill="hold" grpId="0" nodeType="clickEffect">
-                                  <p:stCondLst>
-                                    <p:cond delay="0"/>
-                                  </p:stCondLst>
-                                  <p:childTnLst>
-                                    <p:set>
-                                      <p:cBhvr>
-                                        <p:cTn id="12" dur="1" fill="hold">
-                                          <p:stCondLst>
-                                            <p:cond delay="0"/>
-                                          </p:stCondLst>
-                                        </p:cTn>
-                                        <p:tgtEl>
-                                          <p:spTgt spid="3">
-                                            <p:txEl>
-                                              <p:pRg st="2" end="2"/>
-                                            </p:txEl>
-                                          </p:spTgt>
-                                        </p:tgtEl>
-                                        <p:attrNameLst>
-                                          <p:attrName>style.visibility</p:attrName>
-                                        </p:attrNameLst>
-                                      </p:cBhvr>
-                                      <p:to>
-                                        <p:strVal val="visible"/>
-                                      </p:to>
-                                    </p:set>
-                                  </p:childTnLst>
-                                </p:cTn>
-                              </p:par>
-                            </p:childTnLst>
-                          </p:cTn>
-                        </p:par>
-                      </p:childTnLst>
-                    </p:cTn>
-                  </p:par>
-                  <p:par>
-                    <p:cTn id="13" fill="hold">
-                      <p:stCondLst>
-                        <p:cond delay="indefinite"/>
-                      </p:stCondLst>
-                      <p:childTnLst>
-                        <p:par>
-                          <p:cTn id="14" fill="hold">
-                            <p:stCondLst>
-                              <p:cond delay="0"/>
-                            </p:stCondLst>
-                            <p:childTnLst>
-                              <p:par>
-                                <p:cTn id="15" presetID="1" presetClass="entr" presetSubtype="0" fill="hold" grpId="0" nodeType="clickEffect">
-                                  <p:stCondLst>
-                                    <p:cond delay="0"/>
-                                  </p:stCondLst>
-                                  <p:childTnLst>
-                                    <p:set>
-                                      <p:cBhvr>
-                                        <p:cTn id="16" dur="1" fill="hold">
-                                          <p:stCondLst>
-                                            <p:cond delay="0"/>
-                                          </p:stCondLst>
-                                        </p:cTn>
-                                        <p:tgtEl>
-                                          <p:spTgt spid="3">
-                                            <p:txEl>
-                                              <p:pRg st="3" end="3"/>
-                                            </p:txEl>
-                                          </p:spTgt>
-                                        </p:tgtEl>
-                                        <p:attrNameLst>
-                                          <p:attrName>style.visibility</p:attrName>
-                                        </p:attrNameLst>
-                                      </p:cBhvr>
-                                      <p:to>
-                                        <p:strVal val="visible"/>
-                                      </p:to>
-                                    </p:set>
-                                  </p:childTnLst>
-                                </p:cTn>
-                              </p:par>
-                              <p:par>
-                                <p:cTn id="17" presetID="1" presetClass="entr" presetSubtype="0" fill="hold" grpId="0" nodeType="withEffect">
-                                  <p:stCondLst>
-                                    <p:cond delay="0"/>
-                                  </p:stCondLst>
-                                  <p:childTnLst>
-                                    <p:set>
-                                      <p:cBhvr>
-                                        <p:cTn id="18" dur="1" fill="hold">
-                                          <p:stCondLst>
-                                            <p:cond delay="0"/>
-                                          </p:stCondLst>
-                                        </p:cTn>
-                                        <p:tgtEl>
-                                          <p:spTgt spid="6"/>
-                                        </p:tgtEl>
-                                        <p:attrNameLst>
-                                          <p:attrName>style.visibility</p:attrName>
-                                        </p:attrNameLst>
-                                      </p:cBhvr>
-                                      <p:to>
-                                        <p:strVal val="visible"/>
-                                      </p:to>
-                                    </p:set>
-                                  </p:childTnLst>
-                                </p:cTn>
-                              </p:par>
-                            </p:childTnLst>
-                          </p:cTn>
-                        </p:par>
-                      </p:childTnLst>
-                    </p:cTn>
-                  </p:par>
-                </p:childTnLst>
-              </p:cTn>
-              <p:prevCondLst>
-                <p:cond evt="onPrev" delay="0">
-                  <p:tgtEl>
-                    <p:sldTgt/>
-                  </p:tgtEl>
-                </p:cond>
-              </p:prevCondLst>
-              <p:nextCondLst>
-                <p:cond evt="onNext" delay="0">
-                  <p:tgtEl>
-                    <p:sldTgt/>
-                  </p:tgtEl>
-                </p:cond>
-              </p:nextCondLst>
-            </p:seq>
-          </p:childTnLst>
-        </p:cTn>
-      </p:par>
-    </p:tnLst>
-    <p:bldLst>
-      <p:bldP spid="3" grpId="0" uiExpand="1" build="p"/>
-      <p:bldP spid="5" grpId="0" animBg="1"/>
-      <p:bldP spid="6" grpId="0" animBg="1"/>
-    </p:bldLst>
-  </p:timing>
-</p:sld>
-</file>
-
-<file path=ppt/slides/slide52.xml><?xml version="1.0" encoding="utf-8"?>
-<p:sld xmlns:a="http://schemas.openxmlformats.org/drawingml/2006/main" xmlns:r="http://schemas.openxmlformats.org/officeDocument/2006/relationships" xmlns:p="http://schemas.openxmlformats.org/presentationml/2006/main">
-  <p:cSld>
-    <p:spTree>
-      <p:nvGrpSpPr>
-        <p:cNvPr id="1" name=""/>
-        <p:cNvGrpSpPr/>
-        <p:nvPr/>
-      </p:nvGrpSpPr>
-      <p:grpSpPr>
-        <a:xfrm>
-          <a:off x="0" y="0"/>
-          <a:ext cx="0" cy="0"/>
-          <a:chOff x="0" y="0"/>
-          <a:chExt cx="0" cy="0"/>
-        </a:xfrm>
-      </p:grpSpPr>
-      <p:sp>
-        <p:nvSpPr>
-          <p:cNvPr id="2" name="Title 1"/>
-          <p:cNvSpPr>
-            <a:spLocks noGrp="1"/>
-          </p:cNvSpPr>
-          <p:nvPr>
-            <p:ph type="title"/>
-          </p:nvPr>
-        </p:nvSpPr>
-        <p:spPr/>
-        <p:txBody>
-          <a:bodyPr/>
-          <a:lstStyle/>
-          <a:p>
-            <a:r>
-              <a:rPr lang="en-US" dirty="0"/>
-              <a:t>Intel compilers</a:t>
-            </a:r>
-          </a:p>
-        </p:txBody>
-      </p:sp>
-      <p:sp>
-        <p:nvSpPr>
-          <p:cNvPr id="3" name="Content Placeholder 2"/>
-          <p:cNvSpPr>
-            <a:spLocks noGrp="1"/>
-          </p:cNvSpPr>
-          <p:nvPr>
-            <p:ph idx="1"/>
-          </p:nvPr>
-        </p:nvSpPr>
-        <p:spPr/>
-        <p:txBody>
-          <a:bodyPr/>
-          <a:lstStyle/>
-          <a:p>
-            <a:r>
-              <a:rPr lang="en-US" dirty="0"/>
-              <a:t>Build with instrumentation</a:t>
-            </a:r>
-          </a:p>
-          <a:p>
-            <a:endParaRPr lang="en-US" dirty="0"/>
-          </a:p>
-          <a:p>
-            <a:r>
-              <a:rPr lang="en-US" dirty="0"/>
-              <a:t>Run as usual</a:t>
-            </a:r>
-          </a:p>
-          <a:p>
-            <a:r>
-              <a:rPr lang="en-US" dirty="0"/>
-              <a:t>Build using profile</a:t>
-            </a:r>
-          </a:p>
-        </p:txBody>
-      </p:sp>
-      <p:sp>
-        <p:nvSpPr>
-          <p:cNvPr id="4" name="Slide Number Placeholder 3"/>
-          <p:cNvSpPr>
-            <a:spLocks noGrp="1"/>
-          </p:cNvSpPr>
-          <p:nvPr>
-            <p:ph type="sldNum" sz="quarter" idx="12"/>
-          </p:nvPr>
-        </p:nvSpPr>
-        <p:spPr/>
-        <p:txBody>
-          <a:bodyPr/>
-          <a:lstStyle/>
-          <a:p>
-            <a:fld id="{6597116C-F94B-4B5B-973A-17F07FB5C418}" type="slidenum">
-              <a:rPr lang="nl-BE" smtClean="0"/>
-              <a:t>52</a:t>
-            </a:fld>
-            <a:endParaRPr lang="nl-BE"/>
-          </a:p>
-        </p:txBody>
-      </p:sp>
-      <p:sp>
-        <p:nvSpPr>
-          <p:cNvPr id="5" name="TextBox 4"/>
-          <p:cNvSpPr txBox="1"/>
-          <p:nvPr/>
-        </p:nvSpPr>
-        <p:spPr>
-          <a:xfrm>
-            <a:off x="1187624" y="2276872"/>
-            <a:ext cx="7629012" cy="369332"/>
-          </a:xfrm>
-          <a:prstGeom prst="rect">
-            <a:avLst/>
-          </a:prstGeom>
-          <a:solidFill>
-            <a:schemeClr val="bg1">
-              <a:lumMod val="85000"/>
-            </a:schemeClr>
-          </a:solidFill>
-          <a:ln>
-            <a:solidFill>
-              <a:schemeClr val="tx1"/>
-            </a:solidFill>
-          </a:ln>
-        </p:spPr>
-        <p:txBody>
-          <a:bodyPr wrap="square" rtlCol="0">
-            <a:spAutoFit/>
-          </a:bodyPr>
-          <a:lstStyle/>
-          <a:p>
-            <a:r>
-              <a:rPr lang="en-US" dirty="0" err="1">
-                <a:latin typeface="Courier New" panose="02070309020205020404" pitchFamily="49" charset="0"/>
-                <a:cs typeface="Courier New" panose="02070309020205020404" pitchFamily="49" charset="0"/>
-              </a:rPr>
-              <a:t>icc</a:t>
-            </a:r>
-            <a:r>
-              <a:rPr lang="en-US" dirty="0">
-                <a:latin typeface="Courier New" panose="02070309020205020404" pitchFamily="49" charset="0"/>
-                <a:cs typeface="Courier New" panose="02070309020205020404" pitchFamily="49" charset="0"/>
-              </a:rPr>
-              <a:t>  -prof-gen  -prof-</a:t>
-            </a:r>
-            <a:r>
-              <a:rPr lang="en-US" dirty="0" err="1">
-                <a:latin typeface="Courier New" panose="02070309020205020404" pitchFamily="49" charset="0"/>
-                <a:cs typeface="Courier New" panose="02070309020205020404" pitchFamily="49" charset="0"/>
-              </a:rPr>
-              <a:t>dir</a:t>
-            </a:r>
-            <a:r>
-              <a:rPr lang="en-US" dirty="0">
-                <a:latin typeface="Courier New" panose="02070309020205020404" pitchFamily="49" charset="0"/>
-                <a:cs typeface="Courier New" panose="02070309020205020404" pitchFamily="49" charset="0"/>
-              </a:rPr>
-              <a:t>=./profs  -o appl.exe  …</a:t>
-            </a:r>
-            <a:endParaRPr lang="nl-BE" dirty="0">
-              <a:latin typeface="Courier New" panose="02070309020205020404" pitchFamily="49" charset="0"/>
-              <a:cs typeface="Courier New" panose="02070309020205020404" pitchFamily="49" charset="0"/>
-            </a:endParaRPr>
-          </a:p>
-        </p:txBody>
-      </p:sp>
-      <p:sp>
-        <p:nvSpPr>
-          <p:cNvPr id="6" name="TextBox 5"/>
-          <p:cNvSpPr txBox="1"/>
-          <p:nvPr/>
-        </p:nvSpPr>
-        <p:spPr>
-          <a:xfrm>
-            <a:off x="1187624" y="4139788"/>
-            <a:ext cx="7629012" cy="369332"/>
-          </a:xfrm>
-          <a:prstGeom prst="rect">
-            <a:avLst/>
-          </a:prstGeom>
-          <a:solidFill>
-            <a:schemeClr val="bg1">
-              <a:lumMod val="85000"/>
-            </a:schemeClr>
-          </a:solidFill>
-          <a:ln>
-            <a:solidFill>
-              <a:schemeClr val="tx1"/>
-            </a:solidFill>
-          </a:ln>
-        </p:spPr>
-        <p:txBody>
-          <a:bodyPr wrap="none" rtlCol="0">
-            <a:spAutoFit/>
-          </a:bodyPr>
-          <a:lstStyle/>
-          <a:p>
-            <a:r>
-              <a:rPr lang="en-US" dirty="0" err="1">
-                <a:latin typeface="Courier New" panose="02070309020205020404" pitchFamily="49" charset="0"/>
-                <a:cs typeface="Courier New" panose="02070309020205020404" pitchFamily="49" charset="0"/>
-              </a:rPr>
-              <a:t>icc</a:t>
-            </a:r>
-            <a:r>
-              <a:rPr lang="en-US" dirty="0">
-                <a:latin typeface="Courier New" panose="02070309020205020404" pitchFamily="49" charset="0"/>
-                <a:cs typeface="Courier New" panose="02070309020205020404" pitchFamily="49" charset="0"/>
-              </a:rPr>
-              <a:t>  -prof-use  prof-</a:t>
-            </a:r>
-            <a:r>
-              <a:rPr lang="en-US" dirty="0" err="1">
-                <a:latin typeface="Courier New" panose="02070309020205020404" pitchFamily="49" charset="0"/>
-                <a:cs typeface="Courier New" panose="02070309020205020404" pitchFamily="49" charset="0"/>
-              </a:rPr>
-              <a:t>dir</a:t>
-            </a:r>
-            <a:r>
-              <a:rPr lang="en-US" dirty="0">
-                <a:latin typeface="Courier New" panose="02070309020205020404" pitchFamily="49" charset="0"/>
-                <a:cs typeface="Courier New" panose="02070309020205020404" pitchFamily="49" charset="0"/>
-              </a:rPr>
-              <a:t>=./profs  -</a:t>
-            </a:r>
-            <a:r>
-              <a:rPr lang="en-US" dirty="0" err="1">
-                <a:latin typeface="Courier New" panose="02070309020205020404" pitchFamily="49" charset="0"/>
-                <a:cs typeface="Courier New" panose="02070309020205020404" pitchFamily="49" charset="0"/>
-              </a:rPr>
-              <a:t>ipo</a:t>
-            </a:r>
-            <a:r>
-              <a:rPr lang="en-US" dirty="0">
-                <a:latin typeface="Courier New" panose="02070309020205020404" pitchFamily="49" charset="0"/>
-                <a:cs typeface="Courier New" panose="02070309020205020404" pitchFamily="49" charset="0"/>
-              </a:rPr>
-              <a:t>  -o appl.exe  …</a:t>
-            </a:r>
-            <a:endParaRPr lang="nl-BE" dirty="0">
-              <a:latin typeface="Courier New" panose="02070309020205020404" pitchFamily="49" charset="0"/>
-              <a:cs typeface="Courier New" panose="02070309020205020404" pitchFamily="49" charset="0"/>
-            </a:endParaRPr>
-          </a:p>
-        </p:txBody>
-      </p:sp>
-    </p:spTree>
-    <p:extLst>
-      <p:ext uri="{BB962C8B-B14F-4D97-AF65-F5344CB8AC3E}">
-        <p14:creationId xmlns:p14="http://schemas.microsoft.com/office/powerpoint/2010/main" val="3097815600"/>
       </p:ext>
     </p:extLst>
   </p:cSld>
@@ -46588,7 +47121,7 @@
           <a:p>
             <a:r>
               <a:rPr lang="en-US" dirty="0"/>
-              <a:t>Example</a:t>
+              <a:t>Intel compilers</a:t>
             </a:r>
           </a:p>
         </p:txBody>
@@ -46610,7 +47143,22 @@
           <a:p>
             <a:r>
               <a:rPr lang="en-US" dirty="0"/>
-              <a:t>Code illustrating cache hierarchy</a:t>
+              <a:t>Build with instrumentation</a:t>
+            </a:r>
+          </a:p>
+          <a:p>
+            <a:endParaRPr lang="en-US" dirty="0"/>
+          </a:p>
+          <a:p>
+            <a:r>
+              <a:rPr lang="en-US" dirty="0"/>
+              <a:t>Run as usual</a:t>
+            </a:r>
+          </a:p>
+          <a:p>
+            <a:r>
+              <a:rPr lang="en-US" dirty="0"/>
+              <a:t>Build using profile</a:t>
             </a:r>
           </a:p>
         </p:txBody>
@@ -46633,6 +47181,488 @@
             <a:fld id="{6597116C-F94B-4B5B-973A-17F07FB5C418}" type="slidenum">
               <a:rPr lang="nl-BE" smtClean="0"/>
               <a:t>53</a:t>
+            </a:fld>
+            <a:endParaRPr lang="nl-BE"/>
+          </a:p>
+        </p:txBody>
+      </p:sp>
+      <p:sp>
+        <p:nvSpPr>
+          <p:cNvPr id="5" name="TextBox 4"/>
+          <p:cNvSpPr txBox="1"/>
+          <p:nvPr/>
+        </p:nvSpPr>
+        <p:spPr>
+          <a:xfrm>
+            <a:off x="1187624" y="2276872"/>
+            <a:ext cx="7629012" cy="369332"/>
+          </a:xfrm>
+          <a:prstGeom prst="rect">
+            <a:avLst/>
+          </a:prstGeom>
+          <a:solidFill>
+            <a:schemeClr val="bg1">
+              <a:lumMod val="85000"/>
+            </a:schemeClr>
+          </a:solidFill>
+          <a:ln>
+            <a:solidFill>
+              <a:schemeClr val="tx1"/>
+            </a:solidFill>
+          </a:ln>
+        </p:spPr>
+        <p:txBody>
+          <a:bodyPr wrap="square" rtlCol="0">
+            <a:spAutoFit/>
+          </a:bodyPr>
+          <a:lstStyle/>
+          <a:p>
+            <a:r>
+              <a:rPr lang="en-US" dirty="0" err="1">
+                <a:latin typeface="Courier New" panose="02070309020205020404" pitchFamily="49" charset="0"/>
+                <a:cs typeface="Courier New" panose="02070309020205020404" pitchFamily="49" charset="0"/>
+              </a:rPr>
+              <a:t>icc</a:t>
+            </a:r>
+            <a:r>
+              <a:rPr lang="en-US" dirty="0">
+                <a:latin typeface="Courier New" panose="02070309020205020404" pitchFamily="49" charset="0"/>
+                <a:cs typeface="Courier New" panose="02070309020205020404" pitchFamily="49" charset="0"/>
+              </a:rPr>
+              <a:t>  -prof-gen  -prof-</a:t>
+            </a:r>
+            <a:r>
+              <a:rPr lang="en-US" dirty="0" err="1">
+                <a:latin typeface="Courier New" panose="02070309020205020404" pitchFamily="49" charset="0"/>
+                <a:cs typeface="Courier New" panose="02070309020205020404" pitchFamily="49" charset="0"/>
+              </a:rPr>
+              <a:t>dir</a:t>
+            </a:r>
+            <a:r>
+              <a:rPr lang="en-US" dirty="0">
+                <a:latin typeface="Courier New" panose="02070309020205020404" pitchFamily="49" charset="0"/>
+                <a:cs typeface="Courier New" panose="02070309020205020404" pitchFamily="49" charset="0"/>
+              </a:rPr>
+              <a:t>=./profs  -o appl.exe  …</a:t>
+            </a:r>
+            <a:endParaRPr lang="nl-BE" dirty="0">
+              <a:latin typeface="Courier New" panose="02070309020205020404" pitchFamily="49" charset="0"/>
+              <a:cs typeface="Courier New" panose="02070309020205020404" pitchFamily="49" charset="0"/>
+            </a:endParaRPr>
+          </a:p>
+        </p:txBody>
+      </p:sp>
+      <p:sp>
+        <p:nvSpPr>
+          <p:cNvPr id="6" name="TextBox 5"/>
+          <p:cNvSpPr txBox="1"/>
+          <p:nvPr/>
+        </p:nvSpPr>
+        <p:spPr>
+          <a:xfrm>
+            <a:off x="1187624" y="4139788"/>
+            <a:ext cx="7629012" cy="369332"/>
+          </a:xfrm>
+          <a:prstGeom prst="rect">
+            <a:avLst/>
+          </a:prstGeom>
+          <a:solidFill>
+            <a:schemeClr val="bg1">
+              <a:lumMod val="85000"/>
+            </a:schemeClr>
+          </a:solidFill>
+          <a:ln>
+            <a:solidFill>
+              <a:schemeClr val="tx1"/>
+            </a:solidFill>
+          </a:ln>
+        </p:spPr>
+        <p:txBody>
+          <a:bodyPr wrap="none" rtlCol="0">
+            <a:spAutoFit/>
+          </a:bodyPr>
+          <a:lstStyle/>
+          <a:p>
+            <a:r>
+              <a:rPr lang="en-US" dirty="0" err="1">
+                <a:latin typeface="Courier New" panose="02070309020205020404" pitchFamily="49" charset="0"/>
+                <a:cs typeface="Courier New" panose="02070309020205020404" pitchFamily="49" charset="0"/>
+              </a:rPr>
+              <a:t>icc</a:t>
+            </a:r>
+            <a:r>
+              <a:rPr lang="en-US" dirty="0">
+                <a:latin typeface="Courier New" panose="02070309020205020404" pitchFamily="49" charset="0"/>
+                <a:cs typeface="Courier New" panose="02070309020205020404" pitchFamily="49" charset="0"/>
+              </a:rPr>
+              <a:t>  -prof-use  prof-</a:t>
+            </a:r>
+            <a:r>
+              <a:rPr lang="en-US" dirty="0" err="1">
+                <a:latin typeface="Courier New" panose="02070309020205020404" pitchFamily="49" charset="0"/>
+                <a:cs typeface="Courier New" panose="02070309020205020404" pitchFamily="49" charset="0"/>
+              </a:rPr>
+              <a:t>dir</a:t>
+            </a:r>
+            <a:r>
+              <a:rPr lang="en-US" dirty="0">
+                <a:latin typeface="Courier New" panose="02070309020205020404" pitchFamily="49" charset="0"/>
+                <a:cs typeface="Courier New" panose="02070309020205020404" pitchFamily="49" charset="0"/>
+              </a:rPr>
+              <a:t>=./profs  -</a:t>
+            </a:r>
+            <a:r>
+              <a:rPr lang="en-US" dirty="0" err="1">
+                <a:latin typeface="Courier New" panose="02070309020205020404" pitchFamily="49" charset="0"/>
+                <a:cs typeface="Courier New" panose="02070309020205020404" pitchFamily="49" charset="0"/>
+              </a:rPr>
+              <a:t>ipo</a:t>
+            </a:r>
+            <a:r>
+              <a:rPr lang="en-US" dirty="0">
+                <a:latin typeface="Courier New" panose="02070309020205020404" pitchFamily="49" charset="0"/>
+                <a:cs typeface="Courier New" panose="02070309020205020404" pitchFamily="49" charset="0"/>
+              </a:rPr>
+              <a:t>  -o appl.exe  …</a:t>
+            </a:r>
+            <a:endParaRPr lang="nl-BE" dirty="0">
+              <a:latin typeface="Courier New" panose="02070309020205020404" pitchFamily="49" charset="0"/>
+              <a:cs typeface="Courier New" panose="02070309020205020404" pitchFamily="49" charset="0"/>
+            </a:endParaRPr>
+          </a:p>
+        </p:txBody>
+      </p:sp>
+    </p:spTree>
+    <p:extLst>
+      <p:ext uri="{BB962C8B-B14F-4D97-AF65-F5344CB8AC3E}">
+        <p14:creationId xmlns:p14="http://schemas.microsoft.com/office/powerpoint/2010/main" val="3097815600"/>
+      </p:ext>
+    </p:extLst>
+  </p:cSld>
+  <p:clrMapOvr>
+    <a:masterClrMapping/>
+  </p:clrMapOvr>
+  <p:timing>
+    <p:tnLst>
+      <p:par>
+        <p:cTn id="1" dur="indefinite" restart="never" nodeType="tmRoot">
+          <p:childTnLst>
+            <p:seq concurrent="1" nextAc="seek">
+              <p:cTn id="2" dur="indefinite" nodeType="mainSeq">
+                <p:childTnLst>
+                  <p:par>
+                    <p:cTn id="3" fill="hold">
+                      <p:stCondLst>
+                        <p:cond delay="indefinite"/>
+                        <p:cond evt="onBegin" delay="0">
+                          <p:tn val="2"/>
+                        </p:cond>
+                      </p:stCondLst>
+                      <p:childTnLst>
+                        <p:par>
+                          <p:cTn id="4" fill="hold">
+                            <p:stCondLst>
+                              <p:cond delay="0"/>
+                            </p:stCondLst>
+                            <p:childTnLst>
+                              <p:par>
+                                <p:cTn id="5" presetID="1" presetClass="entr" presetSubtype="0" fill="hold" grpId="0" nodeType="withEffect">
+                                  <p:stCondLst>
+                                    <p:cond delay="0"/>
+                                  </p:stCondLst>
+                                  <p:childTnLst>
+                                    <p:set>
+                                      <p:cBhvr>
+                                        <p:cTn id="6" dur="1" fill="hold">
+                                          <p:stCondLst>
+                                            <p:cond delay="0"/>
+                                          </p:stCondLst>
+                                        </p:cTn>
+                                        <p:tgtEl>
+                                          <p:spTgt spid="3">
+                                            <p:txEl>
+                                              <p:pRg st="0" end="0"/>
+                                            </p:txEl>
+                                          </p:spTgt>
+                                        </p:tgtEl>
+                                        <p:attrNameLst>
+                                          <p:attrName>style.visibility</p:attrName>
+                                        </p:attrNameLst>
+                                      </p:cBhvr>
+                                      <p:to>
+                                        <p:strVal val="visible"/>
+                                      </p:to>
+                                    </p:set>
+                                  </p:childTnLst>
+                                </p:cTn>
+                              </p:par>
+                              <p:par>
+                                <p:cTn id="7" presetID="1" presetClass="entr" presetSubtype="0" fill="hold" grpId="0" nodeType="withEffect">
+                                  <p:stCondLst>
+                                    <p:cond delay="0"/>
+                                  </p:stCondLst>
+                                  <p:childTnLst>
+                                    <p:set>
+                                      <p:cBhvr>
+                                        <p:cTn id="8" dur="1" fill="hold">
+                                          <p:stCondLst>
+                                            <p:cond delay="0"/>
+                                          </p:stCondLst>
+                                        </p:cTn>
+                                        <p:tgtEl>
+                                          <p:spTgt spid="5"/>
+                                        </p:tgtEl>
+                                        <p:attrNameLst>
+                                          <p:attrName>style.visibility</p:attrName>
+                                        </p:attrNameLst>
+                                      </p:cBhvr>
+                                      <p:to>
+                                        <p:strVal val="visible"/>
+                                      </p:to>
+                                    </p:set>
+                                  </p:childTnLst>
+                                </p:cTn>
+                              </p:par>
+                            </p:childTnLst>
+                          </p:cTn>
+                        </p:par>
+                      </p:childTnLst>
+                    </p:cTn>
+                  </p:par>
+                  <p:par>
+                    <p:cTn id="9" fill="hold">
+                      <p:stCondLst>
+                        <p:cond delay="indefinite"/>
+                      </p:stCondLst>
+                      <p:childTnLst>
+                        <p:par>
+                          <p:cTn id="10" fill="hold">
+                            <p:stCondLst>
+                              <p:cond delay="0"/>
+                            </p:stCondLst>
+                            <p:childTnLst>
+                              <p:par>
+                                <p:cTn id="11" presetID="1" presetClass="entr" presetSubtype="0" fill="hold" grpId="0" nodeType="clickEffect">
+                                  <p:stCondLst>
+                                    <p:cond delay="0"/>
+                                  </p:stCondLst>
+                                  <p:childTnLst>
+                                    <p:set>
+                                      <p:cBhvr>
+                                        <p:cTn id="12" dur="1" fill="hold">
+                                          <p:stCondLst>
+                                            <p:cond delay="0"/>
+                                          </p:stCondLst>
+                                        </p:cTn>
+                                        <p:tgtEl>
+                                          <p:spTgt spid="3">
+                                            <p:txEl>
+                                              <p:pRg st="2" end="2"/>
+                                            </p:txEl>
+                                          </p:spTgt>
+                                        </p:tgtEl>
+                                        <p:attrNameLst>
+                                          <p:attrName>style.visibility</p:attrName>
+                                        </p:attrNameLst>
+                                      </p:cBhvr>
+                                      <p:to>
+                                        <p:strVal val="visible"/>
+                                      </p:to>
+                                    </p:set>
+                                  </p:childTnLst>
+                                </p:cTn>
+                              </p:par>
+                            </p:childTnLst>
+                          </p:cTn>
+                        </p:par>
+                      </p:childTnLst>
+                    </p:cTn>
+                  </p:par>
+                  <p:par>
+                    <p:cTn id="13" fill="hold">
+                      <p:stCondLst>
+                        <p:cond delay="indefinite"/>
+                      </p:stCondLst>
+                      <p:childTnLst>
+                        <p:par>
+                          <p:cTn id="14" fill="hold">
+                            <p:stCondLst>
+                              <p:cond delay="0"/>
+                            </p:stCondLst>
+                            <p:childTnLst>
+                              <p:par>
+                                <p:cTn id="15" presetID="1" presetClass="entr" presetSubtype="0" fill="hold" grpId="0" nodeType="clickEffect">
+                                  <p:stCondLst>
+                                    <p:cond delay="0"/>
+                                  </p:stCondLst>
+                                  <p:childTnLst>
+                                    <p:set>
+                                      <p:cBhvr>
+                                        <p:cTn id="16" dur="1" fill="hold">
+                                          <p:stCondLst>
+                                            <p:cond delay="0"/>
+                                          </p:stCondLst>
+                                        </p:cTn>
+                                        <p:tgtEl>
+                                          <p:spTgt spid="3">
+                                            <p:txEl>
+                                              <p:pRg st="3" end="3"/>
+                                            </p:txEl>
+                                          </p:spTgt>
+                                        </p:tgtEl>
+                                        <p:attrNameLst>
+                                          <p:attrName>style.visibility</p:attrName>
+                                        </p:attrNameLst>
+                                      </p:cBhvr>
+                                      <p:to>
+                                        <p:strVal val="visible"/>
+                                      </p:to>
+                                    </p:set>
+                                  </p:childTnLst>
+                                </p:cTn>
+                              </p:par>
+                              <p:par>
+                                <p:cTn id="17" presetID="1" presetClass="entr" presetSubtype="0" fill="hold" grpId="0" nodeType="withEffect">
+                                  <p:stCondLst>
+                                    <p:cond delay="0"/>
+                                  </p:stCondLst>
+                                  <p:childTnLst>
+                                    <p:set>
+                                      <p:cBhvr>
+                                        <p:cTn id="18" dur="1" fill="hold">
+                                          <p:stCondLst>
+                                            <p:cond delay="0"/>
+                                          </p:stCondLst>
+                                        </p:cTn>
+                                        <p:tgtEl>
+                                          <p:spTgt spid="6"/>
+                                        </p:tgtEl>
+                                        <p:attrNameLst>
+                                          <p:attrName>style.visibility</p:attrName>
+                                        </p:attrNameLst>
+                                      </p:cBhvr>
+                                      <p:to>
+                                        <p:strVal val="visible"/>
+                                      </p:to>
+                                    </p:set>
+                                  </p:childTnLst>
+                                </p:cTn>
+                              </p:par>
+                            </p:childTnLst>
+                          </p:cTn>
+                        </p:par>
+                      </p:childTnLst>
+                    </p:cTn>
+                  </p:par>
+                </p:childTnLst>
+              </p:cTn>
+              <p:prevCondLst>
+                <p:cond evt="onPrev" delay="0">
+                  <p:tgtEl>
+                    <p:sldTgt/>
+                  </p:tgtEl>
+                </p:cond>
+              </p:prevCondLst>
+              <p:nextCondLst>
+                <p:cond evt="onNext" delay="0">
+                  <p:tgtEl>
+                    <p:sldTgt/>
+                  </p:tgtEl>
+                </p:cond>
+              </p:nextCondLst>
+            </p:seq>
+          </p:childTnLst>
+        </p:cTn>
+      </p:par>
+    </p:tnLst>
+    <p:bldLst>
+      <p:bldP spid="3" grpId="0" uiExpand="1" build="p"/>
+      <p:bldP spid="5" grpId="0" animBg="1"/>
+      <p:bldP spid="6" grpId="0" animBg="1"/>
+    </p:bldLst>
+  </p:timing>
+</p:sld>
+</file>
+
+<file path=ppt/slides/slide54.xml><?xml version="1.0" encoding="utf-8"?>
+<p:sld xmlns:a="http://schemas.openxmlformats.org/drawingml/2006/main" xmlns:r="http://schemas.openxmlformats.org/officeDocument/2006/relationships" xmlns:p="http://schemas.openxmlformats.org/presentationml/2006/main">
+  <p:cSld>
+    <p:spTree>
+      <p:nvGrpSpPr>
+        <p:cNvPr id="1" name=""/>
+        <p:cNvGrpSpPr/>
+        <p:nvPr/>
+      </p:nvGrpSpPr>
+      <p:grpSpPr>
+        <a:xfrm>
+          <a:off x="0" y="0"/>
+          <a:ext cx="0" cy="0"/>
+          <a:chOff x="0" y="0"/>
+          <a:chExt cx="0" cy="0"/>
+        </a:xfrm>
+      </p:grpSpPr>
+      <p:sp>
+        <p:nvSpPr>
+          <p:cNvPr id="2" name="Title 1"/>
+          <p:cNvSpPr>
+            <a:spLocks noGrp="1"/>
+          </p:cNvSpPr>
+          <p:nvPr>
+            <p:ph type="title"/>
+          </p:nvPr>
+        </p:nvSpPr>
+        <p:spPr/>
+        <p:txBody>
+          <a:bodyPr/>
+          <a:lstStyle/>
+          <a:p>
+            <a:r>
+              <a:rPr lang="en-US" dirty="0"/>
+              <a:t>Example</a:t>
+            </a:r>
+          </a:p>
+        </p:txBody>
+      </p:sp>
+      <p:sp>
+        <p:nvSpPr>
+          <p:cNvPr id="3" name="Content Placeholder 2"/>
+          <p:cNvSpPr>
+            <a:spLocks noGrp="1"/>
+          </p:cNvSpPr>
+          <p:nvPr>
+            <p:ph idx="1"/>
+          </p:nvPr>
+        </p:nvSpPr>
+        <p:spPr/>
+        <p:txBody>
+          <a:bodyPr/>
+          <a:lstStyle/>
+          <a:p>
+            <a:r>
+              <a:rPr lang="en-US" dirty="0"/>
+              <a:t>Code illustrating cache hierarchy</a:t>
+            </a:r>
+          </a:p>
+        </p:txBody>
+      </p:sp>
+      <p:sp>
+        <p:nvSpPr>
+          <p:cNvPr id="4" name="Slide Number Placeholder 3"/>
+          <p:cNvSpPr>
+            <a:spLocks noGrp="1"/>
+          </p:cNvSpPr>
+          <p:nvPr>
+            <p:ph type="sldNum" sz="quarter" idx="12"/>
+          </p:nvPr>
+        </p:nvSpPr>
+        <p:spPr/>
+        <p:txBody>
+          <a:bodyPr/>
+          <a:lstStyle/>
+          <a:p>
+            <a:fld id="{6597116C-F94B-4B5B-973A-17F07FB5C418}" type="slidenum">
+              <a:rPr lang="nl-BE" smtClean="0"/>
+              <a:t>54</a:t>
             </a:fld>
             <a:endParaRPr lang="nl-BE"/>
           </a:p>
@@ -46901,7 +47931,7 @@
 </p:sld>
 </file>
 
-<file path=ppt/slides/slide54.xml><?xml version="1.0" encoding="utf-8"?>
+<file path=ppt/slides/slide55.xml><?xml version="1.0" encoding="utf-8"?>
 <p:sld xmlns:a="http://schemas.openxmlformats.org/drawingml/2006/main" xmlns:r="http://schemas.openxmlformats.org/officeDocument/2006/relationships" xmlns:p="http://schemas.openxmlformats.org/presentationml/2006/main">
   <p:cSld>
     <p:spTree>
@@ -46977,7 +48007,7 @@
           <a:p>
             <a:fld id="{6597116C-F94B-4B5B-973A-17F07FB5C418}" type="slidenum">
               <a:rPr lang="nl-BE" smtClean="0"/>
-              <a:t>54</a:t>
+              <a:t>55</a:t>
             </a:fld>
             <a:endParaRPr lang="nl-BE"/>
           </a:p>
@@ -46996,7 +48026,7 @@
 </p:sld>
 </file>
 
-<file path=ppt/slides/slide55.xml><?xml version="1.0" encoding="utf-8"?>
+<file path=ppt/slides/slide56.xml><?xml version="1.0" encoding="utf-8"?>
 <p:sld xmlns:a="http://schemas.openxmlformats.org/drawingml/2006/main" xmlns:r="http://schemas.openxmlformats.org/officeDocument/2006/relationships" xmlns:p="http://schemas.openxmlformats.org/presentationml/2006/main">
   <p:cSld>
     <p:spTree>
@@ -47170,7 +48200,7 @@
           <a:p>
             <a:fld id="{6597116C-F94B-4B5B-973A-17F07FB5C418}" type="slidenum">
               <a:rPr lang="nl-BE" smtClean="0"/>
-              <a:t>55</a:t>
+              <a:t>56</a:t>
             </a:fld>
             <a:endParaRPr lang="nl-BE"/>
           </a:p>
@@ -47180,101 +48210,6 @@
     <p:extLst>
       <p:ext uri="{BB962C8B-B14F-4D97-AF65-F5344CB8AC3E}">
         <p14:creationId xmlns:p14="http://schemas.microsoft.com/office/powerpoint/2010/main" val="2653023660"/>
-      </p:ext>
-    </p:extLst>
-  </p:cSld>
-  <p:clrMapOvr>
-    <a:masterClrMapping/>
-  </p:clrMapOvr>
-</p:sld>
-</file>
-
-<file path=ppt/slides/slide56.xml><?xml version="1.0" encoding="utf-8"?>
-<p:sld xmlns:a="http://schemas.openxmlformats.org/drawingml/2006/main" xmlns:r="http://schemas.openxmlformats.org/officeDocument/2006/relationships" xmlns:p="http://schemas.openxmlformats.org/presentationml/2006/main">
-  <p:cSld>
-    <p:spTree>
-      <p:nvGrpSpPr>
-        <p:cNvPr id="1" name=""/>
-        <p:cNvGrpSpPr/>
-        <p:nvPr/>
-      </p:nvGrpSpPr>
-      <p:grpSpPr>
-        <a:xfrm>
-          <a:off x="0" y="0"/>
-          <a:ext cx="0" cy="0"/>
-          <a:chOff x="0" y="0"/>
-          <a:chExt cx="0" cy="0"/>
-        </a:xfrm>
-      </p:grpSpPr>
-      <p:sp>
-        <p:nvSpPr>
-          <p:cNvPr id="2" name="Title 1"/>
-          <p:cNvSpPr>
-            <a:spLocks noGrp="1"/>
-          </p:cNvSpPr>
-          <p:nvPr>
-            <p:ph type="title"/>
-          </p:nvPr>
-        </p:nvSpPr>
-        <p:spPr/>
-        <p:txBody>
-          <a:bodyPr/>
-          <a:lstStyle/>
-          <a:p>
-            <a:r>
-              <a:rPr lang="en-US" dirty="0"/>
-              <a:t>Appendix</a:t>
-            </a:r>
-            <a:endParaRPr lang="nl-BE" dirty="0"/>
-          </a:p>
-        </p:txBody>
-      </p:sp>
-      <p:sp>
-        <p:nvSpPr>
-          <p:cNvPr id="3" name="Text Placeholder 2"/>
-          <p:cNvSpPr>
-            <a:spLocks noGrp="1"/>
-          </p:cNvSpPr>
-          <p:nvPr>
-            <p:ph type="body" idx="1"/>
-          </p:nvPr>
-        </p:nvSpPr>
-        <p:spPr/>
-        <p:txBody>
-          <a:bodyPr/>
-          <a:lstStyle/>
-          <a:p>
-            <a:endParaRPr lang="nl-BE"/>
-          </a:p>
-        </p:txBody>
-      </p:sp>
-      <p:sp>
-        <p:nvSpPr>
-          <p:cNvPr id="4" name="Slide Number Placeholder 3"/>
-          <p:cNvSpPr>
-            <a:spLocks noGrp="1"/>
-          </p:cNvSpPr>
-          <p:nvPr>
-            <p:ph type="sldNum" sz="quarter" idx="12"/>
-          </p:nvPr>
-        </p:nvSpPr>
-        <p:spPr/>
-        <p:txBody>
-          <a:bodyPr/>
-          <a:lstStyle/>
-          <a:p>
-            <a:fld id="{6597116C-F94B-4B5B-973A-17F07FB5C418}" type="slidenum">
-              <a:rPr lang="nl-BE" smtClean="0"/>
-              <a:t>56</a:t>
-            </a:fld>
-            <a:endParaRPr lang="nl-BE"/>
-          </a:p>
-        </p:txBody>
-      </p:sp>
-    </p:spTree>
-    <p:extLst>
-      <p:ext uri="{BB962C8B-B14F-4D97-AF65-F5344CB8AC3E}">
-        <p14:creationId xmlns:p14="http://schemas.microsoft.com/office/powerpoint/2010/main" val="3118825235"/>
       </p:ext>
     </p:extLst>
   </p:cSld>
@@ -47318,6 +48253,101 @@
           <a:p>
             <a:r>
               <a:rPr lang="en-US" dirty="0"/>
+              <a:t>Appendix</a:t>
+            </a:r>
+            <a:endParaRPr lang="nl-BE" dirty="0"/>
+          </a:p>
+        </p:txBody>
+      </p:sp>
+      <p:sp>
+        <p:nvSpPr>
+          <p:cNvPr id="3" name="Text Placeholder 2"/>
+          <p:cNvSpPr>
+            <a:spLocks noGrp="1"/>
+          </p:cNvSpPr>
+          <p:nvPr>
+            <p:ph type="body" idx="1"/>
+          </p:nvPr>
+        </p:nvSpPr>
+        <p:spPr/>
+        <p:txBody>
+          <a:bodyPr/>
+          <a:lstStyle/>
+          <a:p>
+            <a:endParaRPr lang="nl-BE"/>
+          </a:p>
+        </p:txBody>
+      </p:sp>
+      <p:sp>
+        <p:nvSpPr>
+          <p:cNvPr id="4" name="Slide Number Placeholder 3"/>
+          <p:cNvSpPr>
+            <a:spLocks noGrp="1"/>
+          </p:cNvSpPr>
+          <p:nvPr>
+            <p:ph type="sldNum" sz="quarter" idx="12"/>
+          </p:nvPr>
+        </p:nvSpPr>
+        <p:spPr/>
+        <p:txBody>
+          <a:bodyPr/>
+          <a:lstStyle/>
+          <a:p>
+            <a:fld id="{6597116C-F94B-4B5B-973A-17F07FB5C418}" type="slidenum">
+              <a:rPr lang="nl-BE" smtClean="0"/>
+              <a:t>57</a:t>
+            </a:fld>
+            <a:endParaRPr lang="nl-BE"/>
+          </a:p>
+        </p:txBody>
+      </p:sp>
+    </p:spTree>
+    <p:extLst>
+      <p:ext uri="{BB962C8B-B14F-4D97-AF65-F5344CB8AC3E}">
+        <p14:creationId xmlns:p14="http://schemas.microsoft.com/office/powerpoint/2010/main" val="3118825235"/>
+      </p:ext>
+    </p:extLst>
+  </p:cSld>
+  <p:clrMapOvr>
+    <a:masterClrMapping/>
+  </p:clrMapOvr>
+</p:sld>
+</file>
+
+<file path=ppt/slides/slide58.xml><?xml version="1.0" encoding="utf-8"?>
+<p:sld xmlns:a="http://schemas.openxmlformats.org/drawingml/2006/main" xmlns:r="http://schemas.openxmlformats.org/officeDocument/2006/relationships" xmlns:p="http://schemas.openxmlformats.org/presentationml/2006/main">
+  <p:cSld>
+    <p:spTree>
+      <p:nvGrpSpPr>
+        <p:cNvPr id="1" name=""/>
+        <p:cNvGrpSpPr/>
+        <p:nvPr/>
+      </p:nvGrpSpPr>
+      <p:grpSpPr>
+        <a:xfrm>
+          <a:off x="0" y="0"/>
+          <a:ext cx="0" cy="0"/>
+          <a:chOff x="0" y="0"/>
+          <a:chExt cx="0" cy="0"/>
+        </a:xfrm>
+      </p:grpSpPr>
+      <p:sp>
+        <p:nvSpPr>
+          <p:cNvPr id="2" name="Title 1"/>
+          <p:cNvSpPr>
+            <a:spLocks noGrp="1"/>
+          </p:cNvSpPr>
+          <p:nvPr>
+            <p:ph type="title"/>
+          </p:nvPr>
+        </p:nvSpPr>
+        <p:spPr/>
+        <p:txBody>
+          <a:bodyPr/>
+          <a:lstStyle/>
+          <a:p>
+            <a:r>
+              <a:rPr lang="en-US" dirty="0"/>
               <a:t>Tools</a:t>
             </a:r>
           </a:p>
@@ -47468,7 +48498,7 @@
           <a:p>
             <a:fld id="{6597116C-F94B-4B5B-973A-17F07FB5C418}" type="slidenum">
               <a:rPr lang="nl-BE" smtClean="0"/>
-              <a:t>57</a:t>
+              <a:t>58</a:t>
             </a:fld>
             <a:endParaRPr lang="nl-BE"/>
           </a:p>
@@ -48037,7 +49067,7 @@
 </p:sld>
 </file>
 
-<file path=ppt/slides/slide58.xml><?xml version="1.0" encoding="utf-8"?>
+<file path=ppt/slides/slide59.xml><?xml version="1.0" encoding="utf-8"?>
 <p:sld xmlns:a="http://schemas.openxmlformats.org/drawingml/2006/main" xmlns:r="http://schemas.openxmlformats.org/officeDocument/2006/relationships" xmlns:p="http://schemas.openxmlformats.org/presentationml/2006/main">
   <p:cSld>
     <p:spTree>
@@ -49809,7 +50839,7 @@
           <a:p>
             <a:fld id="{6597116C-F94B-4B5B-973A-17F07FB5C418}" type="slidenum">
               <a:rPr lang="nl-BE" smtClean="0"/>
-              <a:t>58</a:t>
+              <a:t>59</a:t>
             </a:fld>
             <a:endParaRPr lang="nl-BE"/>
           </a:p>
@@ -49947,286 +50977,6 @@
 </p:sld>
 </file>
 
-<file path=ppt/slides/slide59.xml><?xml version="1.0" encoding="utf-8"?>
-<p:sld xmlns:a="http://schemas.openxmlformats.org/drawingml/2006/main" xmlns:r="http://schemas.openxmlformats.org/officeDocument/2006/relationships" xmlns:p="http://schemas.openxmlformats.org/presentationml/2006/main">
-  <p:cSld>
-    <p:spTree>
-      <p:nvGrpSpPr>
-        <p:cNvPr id="1" name=""/>
-        <p:cNvGrpSpPr/>
-        <p:nvPr/>
-      </p:nvGrpSpPr>
-      <p:grpSpPr>
-        <a:xfrm>
-          <a:off x="0" y="0"/>
-          <a:ext cx="0" cy="0"/>
-          <a:chOff x="0" y="0"/>
-          <a:chExt cx="0" cy="0"/>
-        </a:xfrm>
-      </p:grpSpPr>
-      <p:sp>
-        <p:nvSpPr>
-          <p:cNvPr id="2" name="Title 1"/>
-          <p:cNvSpPr>
-            <a:spLocks noGrp="1"/>
-          </p:cNvSpPr>
-          <p:nvPr>
-            <p:ph type="title"/>
-          </p:nvPr>
-        </p:nvSpPr>
-        <p:spPr/>
-        <p:txBody>
-          <a:bodyPr/>
-          <a:lstStyle/>
-          <a:p>
-            <a:r>
-              <a:rPr lang="en-US" dirty="0"/>
-              <a:t>Bandwidth</a:t>
-            </a:r>
-            <a:endParaRPr lang="nl-BE" dirty="0"/>
-          </a:p>
-        </p:txBody>
-      </p:sp>
-      <p:sp>
-        <p:nvSpPr>
-          <p:cNvPr id="4" name="Content Placeholder 3"/>
-          <p:cNvSpPr>
-            <a:spLocks noGrp="1"/>
-          </p:cNvSpPr>
-          <p:nvPr>
-            <p:ph idx="1"/>
-          </p:nvPr>
-        </p:nvSpPr>
-        <p:spPr/>
-        <p:txBody>
-          <a:bodyPr>
-            <a:normAutofit fontScale="55000" lnSpcReduction="20000"/>
-          </a:bodyPr>
-          <a:lstStyle/>
-          <a:p>
-            <a:r>
-              <a:rPr lang="en-US" dirty="0"/>
-              <a:t>RAM</a:t>
-            </a:r>
-          </a:p>
-          <a:p>
-            <a:pPr lvl="1"/>
-            <a:r>
-              <a:rPr lang="en-US" dirty="0" err="1"/>
-              <a:t>ivybridge</a:t>
-            </a:r>
-            <a:r>
-              <a:rPr lang="en-US" dirty="0"/>
-              <a:t> (dual socket, 10 core): 93 GB/s</a:t>
-            </a:r>
-          </a:p>
-          <a:p>
-            <a:pPr lvl="1"/>
-            <a:r>
-              <a:rPr lang="en-US" dirty="0" err="1"/>
-              <a:t>haswell</a:t>
-            </a:r>
-            <a:r>
-              <a:rPr lang="en-US" dirty="0"/>
-              <a:t> (dual socket, 12 core): 110 GB/s</a:t>
-            </a:r>
-          </a:p>
-          <a:p>
-            <a:pPr lvl="1"/>
-            <a:r>
-              <a:rPr lang="en-US" dirty="0" err="1"/>
-              <a:t>broadwell</a:t>
-            </a:r>
-            <a:r>
-              <a:rPr lang="en-US" dirty="0"/>
-              <a:t> (dual socket, 14 core): 125 GB/s</a:t>
-            </a:r>
-          </a:p>
-          <a:p>
-            <a:pPr lvl="1"/>
-            <a:r>
-              <a:rPr lang="en-US" dirty="0" err="1"/>
-              <a:t>skylake</a:t>
-            </a:r>
-            <a:r>
-              <a:rPr lang="en-US" dirty="0"/>
-              <a:t> (dual socket, 18 core): 256 GB/s</a:t>
-            </a:r>
-          </a:p>
-          <a:p>
-            <a:r>
-              <a:rPr lang="en-US" dirty="0"/>
-              <a:t>QPI</a:t>
-            </a:r>
-          </a:p>
-          <a:p>
-            <a:pPr lvl="1"/>
-            <a:r>
-              <a:rPr lang="en-US" dirty="0" err="1"/>
-              <a:t>ivybridge</a:t>
-            </a:r>
-            <a:r>
-              <a:rPr lang="en-US" dirty="0"/>
-              <a:t>: 25 GB/s</a:t>
-            </a:r>
-          </a:p>
-          <a:p>
-            <a:pPr lvl="1"/>
-            <a:r>
-              <a:rPr lang="en-US" dirty="0" err="1"/>
-              <a:t>haswell</a:t>
-            </a:r>
-            <a:r>
-              <a:rPr lang="en-US" dirty="0"/>
-              <a:t>: 30 GB/s</a:t>
-            </a:r>
-            <a:endParaRPr lang="nl-BE" dirty="0"/>
-          </a:p>
-          <a:p>
-            <a:pPr lvl="1"/>
-            <a:r>
-              <a:rPr lang="nl-BE" dirty="0"/>
-              <a:t>broadwell: 30 GB/s</a:t>
-            </a:r>
-          </a:p>
-          <a:p>
-            <a:pPr lvl="1"/>
-            <a:r>
-              <a:rPr lang="nl-BE" dirty="0"/>
-              <a:t>skylake: 80 GB/s</a:t>
-            </a:r>
-            <a:endParaRPr lang="en-US" dirty="0"/>
-          </a:p>
-          <a:p>
-            <a:r>
-              <a:rPr lang="en-US" dirty="0"/>
-              <a:t>GPGPU RAM (GDDR5@750MHz, K40c): 288.0 GB/s</a:t>
-            </a:r>
-          </a:p>
-          <a:p>
-            <a:r>
-              <a:rPr lang="en-US" dirty="0"/>
-              <a:t>SATA revision 3: 0.6 GB/s</a:t>
-            </a:r>
-          </a:p>
-          <a:p>
-            <a:r>
-              <a:rPr lang="en-US" dirty="0"/>
-              <a:t>SATA revision 3.2: 2.0 GB/s</a:t>
-            </a:r>
-          </a:p>
-          <a:p>
-            <a:r>
-              <a:rPr lang="en-US" dirty="0"/>
-              <a:t>SAS 3: 1.2 GB/s</a:t>
-            </a:r>
-          </a:p>
-          <a:p>
-            <a:r>
-              <a:rPr lang="en-US" dirty="0"/>
-              <a:t>PCI Express 3.0 (16x): 15.75 GB/s</a:t>
-            </a:r>
-          </a:p>
-          <a:p>
-            <a:r>
-              <a:rPr lang="en-US" dirty="0" err="1"/>
-              <a:t>Infiniband</a:t>
-            </a:r>
-            <a:r>
-              <a:rPr lang="en-US" dirty="0"/>
-              <a:t> QDR 4x: 4.0 GB/s</a:t>
-            </a:r>
-          </a:p>
-          <a:p>
-            <a:r>
-              <a:rPr lang="en-US" dirty="0" err="1"/>
-              <a:t>Infiniband</a:t>
-            </a:r>
-            <a:r>
-              <a:rPr lang="en-US" dirty="0"/>
-              <a:t> EDR 4x: 12.5 GB/s</a:t>
-            </a:r>
-            <a:endParaRPr lang="nl-BE" dirty="0"/>
-          </a:p>
-        </p:txBody>
-      </p:sp>
-      <p:sp>
-        <p:nvSpPr>
-          <p:cNvPr id="3" name="Slide Number Placeholder 2"/>
-          <p:cNvSpPr>
-            <a:spLocks noGrp="1"/>
-          </p:cNvSpPr>
-          <p:nvPr>
-            <p:ph type="sldNum" sz="quarter" idx="12"/>
-          </p:nvPr>
-        </p:nvSpPr>
-        <p:spPr/>
-        <p:txBody>
-          <a:bodyPr/>
-          <a:lstStyle/>
-          <a:p>
-            <a:fld id="{6597116C-F94B-4B5B-973A-17F07FB5C418}" type="slidenum">
-              <a:rPr lang="nl-BE" smtClean="0"/>
-              <a:t>59</a:t>
-            </a:fld>
-            <a:endParaRPr lang="nl-BE"/>
-          </a:p>
-        </p:txBody>
-      </p:sp>
-      <p:sp>
-        <p:nvSpPr>
-          <p:cNvPr id="5" name="TextBox 4"/>
-          <p:cNvSpPr txBox="1"/>
-          <p:nvPr/>
-        </p:nvSpPr>
-        <p:spPr>
-          <a:xfrm>
-            <a:off x="5076056" y="4653136"/>
-            <a:ext cx="3443443" cy="830997"/>
-          </a:xfrm>
-          <a:prstGeom prst="rect">
-            <a:avLst/>
-          </a:prstGeom>
-          <a:noFill/>
-          <a:ln>
-            <a:solidFill>
-              <a:schemeClr val="tx1"/>
-            </a:solidFill>
-          </a:ln>
-        </p:spPr>
-        <p:txBody>
-          <a:bodyPr wrap="none" rtlCol="0">
-            <a:spAutoFit/>
-          </a:bodyPr>
-          <a:lstStyle/>
-          <a:p>
-            <a:r>
-              <a:rPr lang="en-US" sz="2400" dirty="0"/>
-              <a:t>Note: bandwidth depends</a:t>
-            </a:r>
-          </a:p>
-          <a:p>
-            <a:r>
-              <a:rPr lang="en-US" sz="2400" dirty="0"/>
-              <a:t>           on message size!</a:t>
-            </a:r>
-            <a:endParaRPr lang="nl-BE" sz="2400" dirty="0"/>
-          </a:p>
-        </p:txBody>
-      </p:sp>
-    </p:spTree>
-    <p:extLst>
-      <p:ext uri="{BB962C8B-B14F-4D97-AF65-F5344CB8AC3E}">
-        <p14:creationId xmlns:p14="http://schemas.microsoft.com/office/powerpoint/2010/main" val="3254066855"/>
-      </p:ext>
-    </p:extLst>
-  </p:cSld>
-  <p:clrMapOvr>
-    <a:masterClrMapping/>
-  </p:clrMapOvr>
-</p:sld>
-</file>
-
 <file path=ppt/slides/slide6.xml><?xml version="1.0" encoding="utf-8"?>
 <p:sld xmlns:a="http://schemas.openxmlformats.org/drawingml/2006/main" xmlns:r="http://schemas.openxmlformats.org/officeDocument/2006/relationships" xmlns:p="http://schemas.openxmlformats.org/presentationml/2006/main">
   <p:cSld>
@@ -50261,27 +51011,101 @@
           <a:p>
             <a:r>
               <a:rPr lang="en-US" dirty="0"/>
-              <a:t>Parallel scaling</a:t>
+              <a:t>Anatomy</a:t>
             </a:r>
           </a:p>
         </p:txBody>
       </p:sp>
       <p:sp>
         <p:nvSpPr>
-          <p:cNvPr id="3" name="Text Placeholder 2"/>
+          <p:cNvPr id="3" name="Content Placeholder 2"/>
           <p:cNvSpPr>
             <a:spLocks noGrp="1"/>
           </p:cNvSpPr>
           <p:nvPr>
-            <p:ph type="body" idx="1"/>
+            <p:ph idx="1"/>
           </p:nvPr>
         </p:nvSpPr>
         <p:spPr/>
         <p:txBody>
-          <a:bodyPr/>
+          <a:bodyPr>
+            <a:normAutofit fontScale="92500" lnSpcReduction="20000"/>
+          </a:bodyPr>
           <a:lstStyle/>
           <a:p>
-            <a:endParaRPr lang="en-US"/>
+            <a:r>
+              <a:rPr lang="en-US" dirty="0"/>
+              <a:t>Applications</a:t>
+            </a:r>
+          </a:p>
+          <a:p>
+            <a:pPr lvl="1"/>
+            <a:r>
+              <a:rPr lang="en-US" dirty="0"/>
+              <a:t>Have one or more processes</a:t>
+            </a:r>
+          </a:p>
+          <a:p>
+            <a:pPr lvl="1"/>
+            <a:r>
+              <a:rPr lang="en-US" dirty="0"/>
+              <a:t>Run on one or more compute nodes</a:t>
+            </a:r>
+          </a:p>
+          <a:p>
+            <a:r>
+              <a:rPr lang="en-US" dirty="0"/>
+              <a:t>Processes</a:t>
+            </a:r>
+          </a:p>
+          <a:p>
+            <a:pPr lvl="1"/>
+            <a:r>
+              <a:rPr lang="en-US" dirty="0"/>
+              <a:t>Communicate through message passing (e.g., MPI)</a:t>
+            </a:r>
+          </a:p>
+          <a:p>
+            <a:pPr lvl="1"/>
+            <a:r>
+              <a:rPr lang="en-US" dirty="0"/>
+              <a:t>Have one or more threads</a:t>
+            </a:r>
+          </a:p>
+          <a:p>
+            <a:pPr lvl="1"/>
+            <a:r>
+              <a:rPr lang="en-US" dirty="0"/>
+              <a:t>Run on single compute node, one or more cores</a:t>
+            </a:r>
+          </a:p>
+          <a:p>
+            <a:r>
+              <a:rPr lang="en-US" dirty="0"/>
+              <a:t>Threads</a:t>
+            </a:r>
+          </a:p>
+          <a:p>
+            <a:pPr lvl="1"/>
+            <a:r>
+              <a:rPr lang="en-US" dirty="0"/>
+              <a:t>Communicate through shared memory (e.g., </a:t>
+            </a:r>
+            <a:r>
+              <a:rPr lang="en-US" dirty="0" err="1"/>
+              <a:t>OpenMP</a:t>
+            </a:r>
+            <a:r>
+              <a:rPr lang="en-US" dirty="0"/>
+              <a:t>)</a:t>
+            </a:r>
+          </a:p>
+          <a:p>
+            <a:pPr lvl="1"/>
+            <a:r>
+              <a:rPr lang="en-US" dirty="0"/>
+              <a:t>Run on single core</a:t>
+            </a:r>
           </a:p>
         </p:txBody>
       </p:sp>
@@ -50311,7 +51135,287 @@
     </p:spTree>
     <p:extLst>
       <p:ext uri="{BB962C8B-B14F-4D97-AF65-F5344CB8AC3E}">
-        <p14:creationId xmlns:p14="http://schemas.microsoft.com/office/powerpoint/2010/main" val="703705777"/>
+        <p14:creationId xmlns:p14="http://schemas.microsoft.com/office/powerpoint/2010/main" val="2025456779"/>
+      </p:ext>
+    </p:extLst>
+  </p:cSld>
+  <p:clrMapOvr>
+    <a:masterClrMapping/>
+  </p:clrMapOvr>
+</p:sld>
+</file>
+
+<file path=ppt/slides/slide60.xml><?xml version="1.0" encoding="utf-8"?>
+<p:sld xmlns:a="http://schemas.openxmlformats.org/drawingml/2006/main" xmlns:r="http://schemas.openxmlformats.org/officeDocument/2006/relationships" xmlns:p="http://schemas.openxmlformats.org/presentationml/2006/main">
+  <p:cSld>
+    <p:spTree>
+      <p:nvGrpSpPr>
+        <p:cNvPr id="1" name=""/>
+        <p:cNvGrpSpPr/>
+        <p:nvPr/>
+      </p:nvGrpSpPr>
+      <p:grpSpPr>
+        <a:xfrm>
+          <a:off x="0" y="0"/>
+          <a:ext cx="0" cy="0"/>
+          <a:chOff x="0" y="0"/>
+          <a:chExt cx="0" cy="0"/>
+        </a:xfrm>
+      </p:grpSpPr>
+      <p:sp>
+        <p:nvSpPr>
+          <p:cNvPr id="2" name="Title 1"/>
+          <p:cNvSpPr>
+            <a:spLocks noGrp="1"/>
+          </p:cNvSpPr>
+          <p:nvPr>
+            <p:ph type="title"/>
+          </p:nvPr>
+        </p:nvSpPr>
+        <p:spPr/>
+        <p:txBody>
+          <a:bodyPr/>
+          <a:lstStyle/>
+          <a:p>
+            <a:r>
+              <a:rPr lang="en-US" dirty="0"/>
+              <a:t>Bandwidth</a:t>
+            </a:r>
+            <a:endParaRPr lang="nl-BE" dirty="0"/>
+          </a:p>
+        </p:txBody>
+      </p:sp>
+      <p:sp>
+        <p:nvSpPr>
+          <p:cNvPr id="4" name="Content Placeholder 3"/>
+          <p:cNvSpPr>
+            <a:spLocks noGrp="1"/>
+          </p:cNvSpPr>
+          <p:nvPr>
+            <p:ph idx="1"/>
+          </p:nvPr>
+        </p:nvSpPr>
+        <p:spPr/>
+        <p:txBody>
+          <a:bodyPr>
+            <a:normAutofit fontScale="55000" lnSpcReduction="20000"/>
+          </a:bodyPr>
+          <a:lstStyle/>
+          <a:p>
+            <a:r>
+              <a:rPr lang="en-US" dirty="0"/>
+              <a:t>RAM</a:t>
+            </a:r>
+          </a:p>
+          <a:p>
+            <a:pPr lvl="1"/>
+            <a:r>
+              <a:rPr lang="en-US" dirty="0" err="1"/>
+              <a:t>ivybridge</a:t>
+            </a:r>
+            <a:r>
+              <a:rPr lang="en-US" dirty="0"/>
+              <a:t> (dual socket, 10 core): 93 GB/s</a:t>
+            </a:r>
+          </a:p>
+          <a:p>
+            <a:pPr lvl="1"/>
+            <a:r>
+              <a:rPr lang="en-US" dirty="0" err="1"/>
+              <a:t>haswell</a:t>
+            </a:r>
+            <a:r>
+              <a:rPr lang="en-US" dirty="0"/>
+              <a:t> (dual socket, 12 core): 110 GB/s</a:t>
+            </a:r>
+          </a:p>
+          <a:p>
+            <a:pPr lvl="1"/>
+            <a:r>
+              <a:rPr lang="en-US" dirty="0" err="1"/>
+              <a:t>broadwell</a:t>
+            </a:r>
+            <a:r>
+              <a:rPr lang="en-US" dirty="0"/>
+              <a:t> (dual socket, 14 core): 125 GB/s</a:t>
+            </a:r>
+          </a:p>
+          <a:p>
+            <a:pPr lvl="1"/>
+            <a:r>
+              <a:rPr lang="en-US" dirty="0" err="1"/>
+              <a:t>skylake</a:t>
+            </a:r>
+            <a:r>
+              <a:rPr lang="en-US" dirty="0"/>
+              <a:t> (dual socket, 18 core): 256 GB/s</a:t>
+            </a:r>
+          </a:p>
+          <a:p>
+            <a:r>
+              <a:rPr lang="en-US" dirty="0"/>
+              <a:t>QPI</a:t>
+            </a:r>
+          </a:p>
+          <a:p>
+            <a:pPr lvl="1"/>
+            <a:r>
+              <a:rPr lang="en-US" dirty="0" err="1"/>
+              <a:t>ivybridge</a:t>
+            </a:r>
+            <a:r>
+              <a:rPr lang="en-US" dirty="0"/>
+              <a:t>: 25 GB/s</a:t>
+            </a:r>
+          </a:p>
+          <a:p>
+            <a:pPr lvl="1"/>
+            <a:r>
+              <a:rPr lang="en-US" dirty="0" err="1"/>
+              <a:t>haswell</a:t>
+            </a:r>
+            <a:r>
+              <a:rPr lang="en-US" dirty="0"/>
+              <a:t>: 30 GB/s</a:t>
+            </a:r>
+            <a:endParaRPr lang="nl-BE" dirty="0"/>
+          </a:p>
+          <a:p>
+            <a:pPr lvl="1"/>
+            <a:r>
+              <a:rPr lang="nl-BE" dirty="0"/>
+              <a:t>broadwell: 30 GB/s</a:t>
+            </a:r>
+          </a:p>
+          <a:p>
+            <a:pPr lvl="1"/>
+            <a:r>
+              <a:rPr lang="nl-BE" dirty="0"/>
+              <a:t>skylake: 80 GB/s</a:t>
+            </a:r>
+            <a:endParaRPr lang="en-US" dirty="0"/>
+          </a:p>
+          <a:p>
+            <a:r>
+              <a:rPr lang="en-US" dirty="0"/>
+              <a:t>GPGPU RAM (GDDR5@750MHz, K40c): 288.0 GB/s</a:t>
+            </a:r>
+          </a:p>
+          <a:p>
+            <a:r>
+              <a:rPr lang="en-US" dirty="0"/>
+              <a:t>SATA revision 3: 0.6 GB/s</a:t>
+            </a:r>
+          </a:p>
+          <a:p>
+            <a:r>
+              <a:rPr lang="en-US" dirty="0"/>
+              <a:t>SATA revision 3.2: 2.0 GB/s</a:t>
+            </a:r>
+          </a:p>
+          <a:p>
+            <a:r>
+              <a:rPr lang="en-US" dirty="0"/>
+              <a:t>SAS 3: 1.2 GB/s</a:t>
+            </a:r>
+          </a:p>
+          <a:p>
+            <a:r>
+              <a:rPr lang="en-US" dirty="0"/>
+              <a:t>PCI Express 3.0 (16x): 15.75 GB/s</a:t>
+            </a:r>
+          </a:p>
+          <a:p>
+            <a:r>
+              <a:rPr lang="en-US" dirty="0" err="1"/>
+              <a:t>Infiniband</a:t>
+            </a:r>
+            <a:r>
+              <a:rPr lang="en-US" dirty="0"/>
+              <a:t> QDR 4x: 4.0 GB/s</a:t>
+            </a:r>
+          </a:p>
+          <a:p>
+            <a:r>
+              <a:rPr lang="en-US" dirty="0" err="1"/>
+              <a:t>Infiniband</a:t>
+            </a:r>
+            <a:r>
+              <a:rPr lang="en-US" dirty="0"/>
+              <a:t> EDR 4x: 12.5 GB/s</a:t>
+            </a:r>
+            <a:endParaRPr lang="nl-BE" dirty="0"/>
+          </a:p>
+        </p:txBody>
+      </p:sp>
+      <p:sp>
+        <p:nvSpPr>
+          <p:cNvPr id="3" name="Slide Number Placeholder 2"/>
+          <p:cNvSpPr>
+            <a:spLocks noGrp="1"/>
+          </p:cNvSpPr>
+          <p:nvPr>
+            <p:ph type="sldNum" sz="quarter" idx="12"/>
+          </p:nvPr>
+        </p:nvSpPr>
+        <p:spPr/>
+        <p:txBody>
+          <a:bodyPr/>
+          <a:lstStyle/>
+          <a:p>
+            <a:fld id="{6597116C-F94B-4B5B-973A-17F07FB5C418}" type="slidenum">
+              <a:rPr lang="nl-BE" smtClean="0"/>
+              <a:t>60</a:t>
+            </a:fld>
+            <a:endParaRPr lang="nl-BE"/>
+          </a:p>
+        </p:txBody>
+      </p:sp>
+      <p:sp>
+        <p:nvSpPr>
+          <p:cNvPr id="5" name="TextBox 4"/>
+          <p:cNvSpPr txBox="1"/>
+          <p:nvPr/>
+        </p:nvSpPr>
+        <p:spPr>
+          <a:xfrm>
+            <a:off x="5076056" y="4653136"/>
+            <a:ext cx="3443443" cy="830997"/>
+          </a:xfrm>
+          <a:prstGeom prst="rect">
+            <a:avLst/>
+          </a:prstGeom>
+          <a:noFill/>
+          <a:ln>
+            <a:solidFill>
+              <a:schemeClr val="tx1"/>
+            </a:solidFill>
+          </a:ln>
+        </p:spPr>
+        <p:txBody>
+          <a:bodyPr wrap="none" rtlCol="0">
+            <a:spAutoFit/>
+          </a:bodyPr>
+          <a:lstStyle/>
+          <a:p>
+            <a:r>
+              <a:rPr lang="en-US" sz="2400" dirty="0"/>
+              <a:t>Note: bandwidth depends</a:t>
+            </a:r>
+          </a:p>
+          <a:p>
+            <a:r>
+              <a:rPr lang="en-US" sz="2400" dirty="0"/>
+              <a:t>           on message size!</a:t>
+            </a:r>
+            <a:endParaRPr lang="nl-BE" sz="2400" dirty="0"/>
+          </a:p>
+        </p:txBody>
+      </p:sp>
+    </p:spTree>
+    <p:extLst>
+      <p:ext uri="{BB962C8B-B14F-4D97-AF65-F5344CB8AC3E}">
+        <p14:creationId xmlns:p14="http://schemas.microsoft.com/office/powerpoint/2010/main" val="3254066855"/>
       </p:ext>
     </p:extLst>
   </p:cSld>
@@ -50355,6 +51459,100 @@
           <a:p>
             <a:r>
               <a:rPr lang="en-US" dirty="0"/>
+              <a:t>Parallel scaling</a:t>
+            </a:r>
+          </a:p>
+        </p:txBody>
+      </p:sp>
+      <p:sp>
+        <p:nvSpPr>
+          <p:cNvPr id="3" name="Text Placeholder 2"/>
+          <p:cNvSpPr>
+            <a:spLocks noGrp="1"/>
+          </p:cNvSpPr>
+          <p:nvPr>
+            <p:ph type="body" idx="1"/>
+          </p:nvPr>
+        </p:nvSpPr>
+        <p:spPr/>
+        <p:txBody>
+          <a:bodyPr/>
+          <a:lstStyle/>
+          <a:p>
+            <a:endParaRPr lang="en-US"/>
+          </a:p>
+        </p:txBody>
+      </p:sp>
+      <p:sp>
+        <p:nvSpPr>
+          <p:cNvPr id="4" name="Slide Number Placeholder 3"/>
+          <p:cNvSpPr>
+            <a:spLocks noGrp="1"/>
+          </p:cNvSpPr>
+          <p:nvPr>
+            <p:ph type="sldNum" sz="quarter" idx="12"/>
+          </p:nvPr>
+        </p:nvSpPr>
+        <p:spPr/>
+        <p:txBody>
+          <a:bodyPr/>
+          <a:lstStyle/>
+          <a:p>
+            <a:fld id="{6597116C-F94B-4B5B-973A-17F07FB5C418}" type="slidenum">
+              <a:rPr lang="nl-BE" smtClean="0"/>
+              <a:t>7</a:t>
+            </a:fld>
+            <a:endParaRPr lang="nl-BE"/>
+          </a:p>
+        </p:txBody>
+      </p:sp>
+    </p:spTree>
+    <p:extLst>
+      <p:ext uri="{BB962C8B-B14F-4D97-AF65-F5344CB8AC3E}">
+        <p14:creationId xmlns:p14="http://schemas.microsoft.com/office/powerpoint/2010/main" val="703705777"/>
+      </p:ext>
+    </p:extLst>
+  </p:cSld>
+  <p:clrMapOvr>
+    <a:masterClrMapping/>
+  </p:clrMapOvr>
+</p:sld>
+</file>
+
+<file path=ppt/slides/slide8.xml><?xml version="1.0" encoding="utf-8"?>
+<p:sld xmlns:a="http://schemas.openxmlformats.org/drawingml/2006/main" xmlns:r="http://schemas.openxmlformats.org/officeDocument/2006/relationships" xmlns:p="http://schemas.openxmlformats.org/presentationml/2006/main">
+  <p:cSld>
+    <p:spTree>
+      <p:nvGrpSpPr>
+        <p:cNvPr id="1" name=""/>
+        <p:cNvGrpSpPr/>
+        <p:nvPr/>
+      </p:nvGrpSpPr>
+      <p:grpSpPr>
+        <a:xfrm>
+          <a:off x="0" y="0"/>
+          <a:ext cx="0" cy="0"/>
+          <a:chOff x="0" y="0"/>
+          <a:chExt cx="0" cy="0"/>
+        </a:xfrm>
+      </p:grpSpPr>
+      <p:sp>
+        <p:nvSpPr>
+          <p:cNvPr id="2" name="Title 1"/>
+          <p:cNvSpPr>
+            <a:spLocks noGrp="1"/>
+          </p:cNvSpPr>
+          <p:nvPr>
+            <p:ph type="title"/>
+          </p:nvPr>
+        </p:nvSpPr>
+        <p:spPr/>
+        <p:txBody>
+          <a:bodyPr/>
+          <a:lstStyle/>
+          <a:p>
+            <a:r>
+              <a:rPr lang="en-US" dirty="0"/>
               <a:t>Dimensions for scaling</a:t>
             </a:r>
             <a:endParaRPr lang="nl-BE" dirty="0"/>
@@ -50493,7 +51691,7 @@
           <a:p>
             <a:fld id="{6597116C-F94B-4B5B-973A-17F07FB5C418}" type="slidenum">
               <a:rPr lang="nl-BE" smtClean="0"/>
-              <a:t>7</a:t>
+              <a:t>8</a:t>
             </a:fld>
             <a:endParaRPr lang="nl-BE"/>
           </a:p>
@@ -50705,7 +51903,7 @@
 </p:sld>
 </file>
 
-<file path=ppt/slides/slide8.xml><?xml version="1.0" encoding="utf-8"?>
+<file path=ppt/slides/slide9.xml><?xml version="1.0" encoding="utf-8"?>
 <p:sld xmlns:a="http://schemas.openxmlformats.org/drawingml/2006/main" xmlns:r="http://schemas.openxmlformats.org/officeDocument/2006/relationships" xmlns:p="http://schemas.openxmlformats.org/presentationml/2006/main">
   <p:cSld>
     <p:spTree>
@@ -51089,7 +52287,7 @@
           <a:p>
             <a:fld id="{6597116C-F94B-4B5B-973A-17F07FB5C418}" type="slidenum">
               <a:rPr lang="nl-BE" smtClean="0"/>
-              <a:t>8</a:t>
+              <a:t>9</a:t>
             </a:fld>
             <a:endParaRPr lang="nl-BE"/>
           </a:p>
@@ -51264,1065 +52462,6 @@
     </p:tnLst>
     <p:bldLst>
       <p:bldP spid="3" grpId="0" uiExpand="1" build="p"/>
-    </p:bldLst>
-  </p:timing>
-</p:sld>
-</file>
-
-<file path=ppt/slides/slide9.xml><?xml version="1.0" encoding="utf-8"?>
-<p:sld xmlns:a="http://schemas.openxmlformats.org/drawingml/2006/main" xmlns:r="http://schemas.openxmlformats.org/officeDocument/2006/relationships" xmlns:p="http://schemas.openxmlformats.org/presentationml/2006/main">
-  <p:cSld>
-    <p:spTree>
-      <p:nvGrpSpPr>
-        <p:cNvPr id="1" name=""/>
-        <p:cNvGrpSpPr/>
-        <p:nvPr/>
-      </p:nvGrpSpPr>
-      <p:grpSpPr>
-        <a:xfrm>
-          <a:off x="0" y="0"/>
-          <a:ext cx="0" cy="0"/>
-          <a:chOff x="0" y="0"/>
-          <a:chExt cx="0" cy="0"/>
-        </a:xfrm>
-      </p:grpSpPr>
-      <p:sp>
-        <p:nvSpPr>
-          <p:cNvPr id="2" name="Title 1"/>
-          <p:cNvSpPr>
-            <a:spLocks noGrp="1"/>
-          </p:cNvSpPr>
-          <p:nvPr>
-            <p:ph type="title"/>
-          </p:nvPr>
-        </p:nvSpPr>
-        <p:spPr/>
-        <p:txBody>
-          <a:bodyPr/>
-          <a:lstStyle/>
-          <a:p>
-            <a:r>
-              <a:rPr lang="en-US" dirty="0"/>
-              <a:t>Definitions</a:t>
-            </a:r>
-            <a:endParaRPr lang="nl-BE" dirty="0"/>
-          </a:p>
-        </p:txBody>
-      </p:sp>
-      <mc:AlternateContent xmlns:mc="http://schemas.openxmlformats.org/markup-compatibility/2006" xmlns:a14="http://schemas.microsoft.com/office/drawing/2010/main">
-        <mc:Choice Requires="a14">
-          <p:sp>
-            <p:nvSpPr>
-              <p:cNvPr id="3" name="Content Placeholder 2"/>
-              <p:cNvSpPr>
-                <a:spLocks noGrp="1"/>
-              </p:cNvSpPr>
-              <p:nvPr>
-                <p:ph idx="1"/>
-              </p:nvPr>
-            </p:nvSpPr>
-            <p:spPr/>
-            <p:txBody>
-              <a:bodyPr/>
-              <a:lstStyle/>
-              <a:p>
-                <a:r>
-                  <a:rPr lang="en-US" dirty="0"/>
-                  <a:t>Parallel speedup </a:t>
-                </a:r>
-                <a14:m>
-                  <m:oMath xmlns:m="http://schemas.openxmlformats.org/officeDocument/2006/math">
-                    <m:r>
-                      <a:rPr lang="en-US" i="1" dirty="0" smtClean="0">
-                        <a:latin typeface="Cambria Math"/>
-                      </a:rPr>
-                      <m:t>𝑆</m:t>
-                    </m:r>
-                    <m:r>
-                      <a:rPr lang="en-US" b="0" i="1" dirty="0" smtClean="0">
-                        <a:latin typeface="Cambria Math"/>
-                      </a:rPr>
-                      <m:t>(</m:t>
-                    </m:r>
-                    <m:r>
-                      <a:rPr lang="en-US" b="0" i="1" dirty="0" smtClean="0">
-                        <a:latin typeface="Cambria Math"/>
-                      </a:rPr>
-                      <m:t>𝑛</m:t>
-                    </m:r>
-                    <m:r>
-                      <a:rPr lang="en-US" b="0" i="1" dirty="0" smtClean="0">
-                        <a:latin typeface="Cambria Math"/>
-                      </a:rPr>
-                      <m:t>)</m:t>
-                    </m:r>
-                  </m:oMath>
-                </a14:m>
-                <a:r>
-                  <a:rPr lang="en-US" dirty="0"/>
-                  <a:t> for </a:t>
-                </a:r>
-                <a14:m>
-                  <m:oMath xmlns:m="http://schemas.openxmlformats.org/officeDocument/2006/math">
-                    <m:r>
-                      <a:rPr lang="en-US" i="1" dirty="0" smtClean="0">
-                        <a:latin typeface="Cambria Math"/>
-                      </a:rPr>
-                      <m:t>𝑛</m:t>
-                    </m:r>
-                  </m:oMath>
-                </a14:m>
-                <a:r>
-                  <a:rPr lang="en-US" dirty="0"/>
-                  <a:t> processes:</a:t>
-                </a:r>
-              </a:p>
-              <a:p>
-                <a:pPr marL="0" indent="0">
-                  <a:buNone/>
-                </a:pPr>
-                <a:endParaRPr lang="en-US" dirty="0"/>
-              </a:p>
-              <a:p>
-                <a:pPr lvl="1"/>
-                <a:r>
-                  <a:rPr lang="en-US" dirty="0"/>
-                  <a:t>Ideally,</a:t>
-                </a:r>
-              </a:p>
-              <a:p>
-                <a:pPr lvl="1"/>
-                <a:endParaRPr lang="en-US" dirty="0"/>
-              </a:p>
-              <a:p>
-                <a:r>
-                  <a:rPr lang="en-US" dirty="0"/>
-                  <a:t>Parallel efficiency </a:t>
-                </a:r>
-                <a14:m>
-                  <m:oMath xmlns:m="http://schemas.openxmlformats.org/officeDocument/2006/math">
-                    <m:r>
-                      <a:rPr lang="en-US" b="0" i="1" dirty="0" smtClean="0">
-                        <a:latin typeface="Cambria Math"/>
-                      </a:rPr>
-                      <m:t>𝐸</m:t>
-                    </m:r>
-                    <m:r>
-                      <a:rPr lang="en-US" b="0" i="1" dirty="0" smtClean="0">
-                        <a:latin typeface="Cambria Math"/>
-                      </a:rPr>
-                      <m:t>(</m:t>
-                    </m:r>
-                    <m:r>
-                      <a:rPr lang="en-US" b="0" i="1" dirty="0" smtClean="0">
-                        <a:latin typeface="Cambria Math"/>
-                      </a:rPr>
-                      <m:t>𝑛</m:t>
-                    </m:r>
-                    <m:r>
-                      <a:rPr lang="en-US" b="0" i="1" dirty="0" smtClean="0">
-                        <a:latin typeface="Cambria Math"/>
-                      </a:rPr>
-                      <m:t>)</m:t>
-                    </m:r>
-                  </m:oMath>
-                </a14:m>
-                <a:r>
-                  <a:rPr lang="en-US" dirty="0"/>
-                  <a:t> for </a:t>
-                </a:r>
-                <a14:m>
-                  <m:oMath xmlns:m="http://schemas.openxmlformats.org/officeDocument/2006/math">
-                    <m:r>
-                      <a:rPr lang="en-US" i="1" dirty="0" smtClean="0">
-                        <a:latin typeface="Cambria Math"/>
-                      </a:rPr>
-                      <m:t>𝑛</m:t>
-                    </m:r>
-                  </m:oMath>
-                </a14:m>
-                <a:r>
-                  <a:rPr lang="en-US" dirty="0"/>
-                  <a:t> processes:</a:t>
-                </a:r>
-              </a:p>
-              <a:p>
-                <a:endParaRPr lang="en-US" dirty="0"/>
-              </a:p>
-              <a:p>
-                <a:pPr lvl="1"/>
-                <a:r>
-                  <a:rPr lang="en-US" dirty="0"/>
-                  <a:t>Ideally,</a:t>
-                </a:r>
-                <a:endParaRPr lang="nl-BE" dirty="0"/>
-              </a:p>
-            </p:txBody>
-          </p:sp>
-        </mc:Choice>
-        <mc:Fallback xmlns="">
-          <p:sp>
-            <p:nvSpPr>
-              <p:cNvPr id="3" name="Content Placeholder 2"/>
-              <p:cNvSpPr>
-                <a:spLocks noGrp="1" noRot="1" noChangeAspect="1" noMove="1" noResize="1" noEditPoints="1" noAdjustHandles="1" noChangeArrowheads="1" noChangeShapeType="1" noTextEdit="1"/>
-              </p:cNvSpPr>
-              <p:nvPr>
-                <p:ph idx="1"/>
-              </p:nvPr>
-            </p:nvSpPr>
-            <p:spPr>
-              <a:blipFill rotWithShape="1">
-                <a:blip r:embed="rId2"/>
-                <a:stretch>
-                  <a:fillRect l="-1630" t="-1617"/>
-                </a:stretch>
-              </a:blipFill>
-            </p:spPr>
-            <p:txBody>
-              <a:bodyPr/>
-              <a:lstStyle/>
-              <a:p>
-                <a:r>
-                  <a:rPr lang="nl-BE">
-                    <a:noFill/>
-                  </a:rPr>
-                  <a:t> </a:t>
-                </a:r>
-              </a:p>
-            </p:txBody>
-          </p:sp>
-        </mc:Fallback>
-      </mc:AlternateContent>
-      <mc:AlternateContent xmlns:mc="http://schemas.openxmlformats.org/markup-compatibility/2006" xmlns:a14="http://schemas.microsoft.com/office/drawing/2010/main">
-        <mc:Choice Requires="a14">
-          <p:sp>
-            <p:nvSpPr>
-              <p:cNvPr id="4" name="TextBox 3"/>
-              <p:cNvSpPr txBox="1"/>
-              <p:nvPr/>
-            </p:nvSpPr>
-            <p:spPr>
-              <a:xfrm>
-                <a:off x="3059832" y="2204864"/>
-                <a:ext cx="2088232" cy="969433"/>
-              </a:xfrm>
-              <a:prstGeom prst="rect">
-                <a:avLst/>
-              </a:prstGeom>
-              <a:noFill/>
-            </p:spPr>
-            <p:txBody>
-              <a:bodyPr wrap="square" rtlCol="0">
-                <a:spAutoFit/>
-              </a:bodyPr>
-              <a:lstStyle/>
-              <a:p>
-                <a:pPr/>
-                <a14:m>
-                  <m:oMathPara xmlns:m="http://schemas.openxmlformats.org/officeDocument/2006/math">
-                    <m:oMathParaPr>
-                      <m:jc m:val="centerGroup"/>
-                    </m:oMathParaPr>
-                    <m:oMath xmlns:m="http://schemas.openxmlformats.org/officeDocument/2006/math">
-                      <m:r>
-                        <a:rPr lang="en-US" sz="2800" b="0" i="1" smtClean="0">
-                          <a:latin typeface="Cambria Math"/>
-                        </a:rPr>
-                        <m:t>𝑆</m:t>
-                      </m:r>
-                      <m:r>
-                        <a:rPr lang="en-US" sz="2800" b="0" i="1" smtClean="0">
-                          <a:latin typeface="Cambria Math"/>
-                        </a:rPr>
-                        <m:t>(</m:t>
-                      </m:r>
-                      <m:r>
-                        <a:rPr lang="en-US" sz="2800" b="0" i="1" smtClean="0">
-                          <a:latin typeface="Cambria Math"/>
-                        </a:rPr>
-                        <m:t>𝑛</m:t>
-                      </m:r>
-                      <m:r>
-                        <a:rPr lang="en-US" sz="2800" b="0" i="1" smtClean="0">
-                          <a:latin typeface="Cambria Math"/>
-                        </a:rPr>
-                        <m:t>)=</m:t>
-                      </m:r>
-                      <m:f>
-                        <m:fPr>
-                          <m:ctrlPr>
-                            <a:rPr lang="en-US" sz="2800" b="0" i="1" smtClean="0">
-                              <a:latin typeface="Cambria Math" panose="02040503050406030204" pitchFamily="18" charset="0"/>
-                            </a:rPr>
-                          </m:ctrlPr>
-                        </m:fPr>
-                        <m:num>
-                          <m:sSub>
-                            <m:sSubPr>
-                              <m:ctrlPr>
-                                <a:rPr lang="en-US" sz="2800" b="0" i="1" smtClean="0">
-                                  <a:latin typeface="Cambria Math" panose="02040503050406030204" pitchFamily="18" charset="0"/>
-                                </a:rPr>
-                              </m:ctrlPr>
-                            </m:sSubPr>
-                            <m:e>
-                              <m:r>
-                                <a:rPr lang="en-US" sz="2800" b="0" i="1" smtClean="0">
-                                  <a:latin typeface="Cambria Math"/>
-                                </a:rPr>
-                                <m:t>𝑇</m:t>
-                              </m:r>
-                            </m:e>
-                            <m:sub>
-                              <m:r>
-                                <a:rPr lang="en-US" sz="2800" b="0" i="1" smtClean="0">
-                                  <a:latin typeface="Cambria Math"/>
-                                </a:rPr>
-                                <m:t>1</m:t>
-                              </m:r>
-                            </m:sub>
-                          </m:sSub>
-                        </m:num>
-                        <m:den>
-                          <m:sSub>
-                            <m:sSubPr>
-                              <m:ctrlPr>
-                                <a:rPr lang="en-US" sz="2800" b="0" i="1" smtClean="0">
-                                  <a:latin typeface="Cambria Math" panose="02040503050406030204" pitchFamily="18" charset="0"/>
-                                </a:rPr>
-                              </m:ctrlPr>
-                            </m:sSubPr>
-                            <m:e>
-                              <m:r>
-                                <a:rPr lang="en-US" sz="2800" b="0" i="1" smtClean="0">
-                                  <a:latin typeface="Cambria Math"/>
-                                </a:rPr>
-                                <m:t>𝑇</m:t>
-                              </m:r>
-                            </m:e>
-                            <m:sub>
-                              <m:r>
-                                <a:rPr lang="en-US" sz="2800" b="0" i="1" smtClean="0">
-                                  <a:latin typeface="Cambria Math"/>
-                                </a:rPr>
-                                <m:t>𝑛</m:t>
-                              </m:r>
-                            </m:sub>
-                          </m:sSub>
-                        </m:den>
-                      </m:f>
-                    </m:oMath>
-                  </m:oMathPara>
-                </a14:m>
-                <a:endParaRPr lang="nl-BE" sz="2800" dirty="0"/>
-              </a:p>
-            </p:txBody>
-          </p:sp>
-        </mc:Choice>
-        <mc:Fallback xmlns="">
-          <p:sp>
-            <p:nvSpPr>
-              <p:cNvPr id="4" name="TextBox 3"/>
-              <p:cNvSpPr txBox="1">
-                <a:spLocks noRot="1" noChangeAspect="1" noMove="1" noResize="1" noEditPoints="1" noAdjustHandles="1" noChangeArrowheads="1" noChangeShapeType="1" noTextEdit="1"/>
-              </p:cNvSpPr>
-              <p:nvPr/>
-            </p:nvSpPr>
-            <p:spPr>
-              <a:xfrm>
-                <a:off x="3059832" y="2204864"/>
-                <a:ext cx="2088232" cy="969433"/>
-              </a:xfrm>
-              <a:prstGeom prst="rect">
-                <a:avLst/>
-              </a:prstGeom>
-              <a:blipFill rotWithShape="1">
-                <a:blip r:embed="rId3"/>
-                <a:stretch>
-                  <a:fillRect/>
-                </a:stretch>
-              </a:blipFill>
-            </p:spPr>
-            <p:txBody>
-              <a:bodyPr/>
-              <a:lstStyle/>
-              <a:p>
-                <a:r>
-                  <a:rPr lang="nl-BE">
-                    <a:noFill/>
-                  </a:rPr>
-                  <a:t> </a:t>
-                </a:r>
-              </a:p>
-            </p:txBody>
-          </p:sp>
-        </mc:Fallback>
-      </mc:AlternateContent>
-      <mc:AlternateContent xmlns:mc="http://schemas.openxmlformats.org/markup-compatibility/2006" xmlns:a14="http://schemas.microsoft.com/office/drawing/2010/main">
-        <mc:Choice Requires="a14">
-          <p:sp>
-            <p:nvSpPr>
-              <p:cNvPr id="5" name="TextBox 4"/>
-              <p:cNvSpPr txBox="1"/>
-              <p:nvPr/>
-            </p:nvSpPr>
-            <p:spPr>
-              <a:xfrm>
-                <a:off x="2987824" y="3284984"/>
-                <a:ext cx="2088232" cy="523220"/>
-              </a:xfrm>
-              <a:prstGeom prst="rect">
-                <a:avLst/>
-              </a:prstGeom>
-              <a:noFill/>
-            </p:spPr>
-            <p:txBody>
-              <a:bodyPr wrap="square" rtlCol="0">
-                <a:spAutoFit/>
-              </a:bodyPr>
-              <a:lstStyle/>
-              <a:p>
-                <a:pPr/>
-                <a14:m>
-                  <m:oMathPara xmlns:m="http://schemas.openxmlformats.org/officeDocument/2006/math">
-                    <m:oMathParaPr>
-                      <m:jc m:val="centerGroup"/>
-                    </m:oMathParaPr>
-                    <m:oMath xmlns:m="http://schemas.openxmlformats.org/officeDocument/2006/math">
-                      <m:r>
-                        <a:rPr lang="en-US" sz="2800" b="0" i="1" smtClean="0">
-                          <a:latin typeface="Cambria Math"/>
-                        </a:rPr>
-                        <m:t>𝑆</m:t>
-                      </m:r>
-                      <m:r>
-                        <a:rPr lang="en-US" sz="2800" b="0" i="1" smtClean="0">
-                          <a:latin typeface="Cambria Math"/>
-                        </a:rPr>
-                        <m:t>(</m:t>
-                      </m:r>
-                      <m:r>
-                        <a:rPr lang="en-US" sz="2800" b="0" i="1" smtClean="0">
-                          <a:latin typeface="Cambria Math"/>
-                        </a:rPr>
-                        <m:t>𝑛</m:t>
-                      </m:r>
-                      <m:r>
-                        <a:rPr lang="en-US" sz="2800" b="0" i="1" smtClean="0">
-                          <a:latin typeface="Cambria Math"/>
-                        </a:rPr>
-                        <m:t>)=</m:t>
-                      </m:r>
-                      <m:r>
-                        <a:rPr lang="en-US" sz="2800" b="0" i="1" smtClean="0">
-                          <a:latin typeface="Cambria Math"/>
-                        </a:rPr>
-                        <m:t>𝑛</m:t>
-                      </m:r>
-                    </m:oMath>
-                  </m:oMathPara>
-                </a14:m>
-                <a:endParaRPr lang="nl-BE" sz="2800" dirty="0"/>
-              </a:p>
-            </p:txBody>
-          </p:sp>
-        </mc:Choice>
-        <mc:Fallback xmlns="">
-          <p:sp>
-            <p:nvSpPr>
-              <p:cNvPr id="5" name="TextBox 4"/>
-              <p:cNvSpPr txBox="1">
-                <a:spLocks noRot="1" noChangeAspect="1" noMove="1" noResize="1" noEditPoints="1" noAdjustHandles="1" noChangeArrowheads="1" noChangeShapeType="1" noTextEdit="1"/>
-              </p:cNvSpPr>
-              <p:nvPr/>
-            </p:nvSpPr>
-            <p:spPr>
-              <a:xfrm>
-                <a:off x="2987824" y="3284984"/>
-                <a:ext cx="2088232" cy="523220"/>
-              </a:xfrm>
-              <a:prstGeom prst="rect">
-                <a:avLst/>
-              </a:prstGeom>
-              <a:blipFill rotWithShape="1">
-                <a:blip r:embed="rId4"/>
-                <a:stretch>
-                  <a:fillRect/>
-                </a:stretch>
-              </a:blipFill>
-            </p:spPr>
-            <p:txBody>
-              <a:bodyPr/>
-              <a:lstStyle/>
-              <a:p>
-                <a:r>
-                  <a:rPr lang="nl-BE">
-                    <a:noFill/>
-                  </a:rPr>
-                  <a:t> </a:t>
-                </a:r>
-              </a:p>
-            </p:txBody>
-          </p:sp>
-        </mc:Fallback>
-      </mc:AlternateContent>
-      <mc:AlternateContent xmlns:mc="http://schemas.openxmlformats.org/markup-compatibility/2006" xmlns:a14="http://schemas.microsoft.com/office/drawing/2010/main">
-        <mc:Choice Requires="a14">
-          <p:sp>
-            <p:nvSpPr>
-              <p:cNvPr id="6" name="TextBox 5"/>
-              <p:cNvSpPr txBox="1"/>
-              <p:nvPr/>
-            </p:nvSpPr>
-            <p:spPr>
-              <a:xfrm>
-                <a:off x="3131840" y="4365104"/>
-                <a:ext cx="2088232" cy="971741"/>
-              </a:xfrm>
-              <a:prstGeom prst="rect">
-                <a:avLst/>
-              </a:prstGeom>
-              <a:noFill/>
-            </p:spPr>
-            <p:txBody>
-              <a:bodyPr wrap="square" rtlCol="0">
-                <a:spAutoFit/>
-              </a:bodyPr>
-              <a:lstStyle/>
-              <a:p>
-                <a:pPr/>
-                <a14:m>
-                  <m:oMathPara xmlns:m="http://schemas.openxmlformats.org/officeDocument/2006/math">
-                    <m:oMathParaPr>
-                      <m:jc m:val="centerGroup"/>
-                    </m:oMathParaPr>
-                    <m:oMath xmlns:m="http://schemas.openxmlformats.org/officeDocument/2006/math">
-                      <m:r>
-                        <a:rPr lang="en-US" sz="2800" b="0" i="1" smtClean="0">
-                          <a:latin typeface="Cambria Math"/>
-                        </a:rPr>
-                        <m:t>𝐸</m:t>
-                      </m:r>
-                      <m:r>
-                        <a:rPr lang="en-US" sz="2800" b="0" i="1" smtClean="0">
-                          <a:latin typeface="Cambria Math"/>
-                        </a:rPr>
-                        <m:t>(</m:t>
-                      </m:r>
-                      <m:r>
-                        <a:rPr lang="en-US" sz="2800" b="0" i="1" smtClean="0">
-                          <a:latin typeface="Cambria Math"/>
-                        </a:rPr>
-                        <m:t>𝑛</m:t>
-                      </m:r>
-                      <m:r>
-                        <a:rPr lang="en-US" sz="2800" b="0" i="1" smtClean="0">
-                          <a:latin typeface="Cambria Math"/>
-                        </a:rPr>
-                        <m:t>)=</m:t>
-                      </m:r>
-                      <m:f>
-                        <m:fPr>
-                          <m:ctrlPr>
-                            <a:rPr lang="en-US" sz="2800" b="0" i="1" smtClean="0">
-                              <a:latin typeface="Cambria Math" panose="02040503050406030204" pitchFamily="18" charset="0"/>
-                            </a:rPr>
-                          </m:ctrlPr>
-                        </m:fPr>
-                        <m:num>
-                          <m:sSub>
-                            <m:sSubPr>
-                              <m:ctrlPr>
-                                <a:rPr lang="en-US" sz="2800" b="0" i="1" smtClean="0">
-                                  <a:latin typeface="Cambria Math" panose="02040503050406030204" pitchFamily="18" charset="0"/>
-                                </a:rPr>
-                              </m:ctrlPr>
-                            </m:sSubPr>
-                            <m:e>
-                              <m:r>
-                                <a:rPr lang="en-US" sz="2800" b="0" i="1" smtClean="0">
-                                  <a:latin typeface="Cambria Math"/>
-                                </a:rPr>
-                                <m:t>𝑇</m:t>
-                              </m:r>
-                            </m:e>
-                            <m:sub>
-                              <m:r>
-                                <a:rPr lang="en-US" sz="2800" b="0" i="1" smtClean="0">
-                                  <a:latin typeface="Cambria Math"/>
-                                </a:rPr>
-                                <m:t>1</m:t>
-                              </m:r>
-                            </m:sub>
-                          </m:sSub>
-                        </m:num>
-                        <m:den>
-                          <m:r>
-                            <a:rPr lang="en-US" sz="2800" b="0" i="1" smtClean="0">
-                              <a:latin typeface="Cambria Math"/>
-                            </a:rPr>
-                            <m:t>𝑛</m:t>
-                          </m:r>
-                          <m:sSub>
-                            <m:sSubPr>
-                              <m:ctrlPr>
-                                <a:rPr lang="en-US" sz="2800" b="0" i="1" smtClean="0">
-                                  <a:latin typeface="Cambria Math" panose="02040503050406030204" pitchFamily="18" charset="0"/>
-                                </a:rPr>
-                              </m:ctrlPr>
-                            </m:sSubPr>
-                            <m:e>
-                              <m:r>
-                                <a:rPr lang="en-US" sz="2800" b="0" i="1" smtClean="0">
-                                  <a:latin typeface="Cambria Math"/>
-                                </a:rPr>
-                                <m:t>𝑇</m:t>
-                              </m:r>
-                            </m:e>
-                            <m:sub>
-                              <m:r>
-                                <a:rPr lang="en-US" sz="2800" b="0" i="1" smtClean="0">
-                                  <a:latin typeface="Cambria Math"/>
-                                </a:rPr>
-                                <m:t>𝑛</m:t>
-                              </m:r>
-                            </m:sub>
-                          </m:sSub>
-                        </m:den>
-                      </m:f>
-                    </m:oMath>
-                  </m:oMathPara>
-                </a14:m>
-                <a:endParaRPr lang="nl-BE" sz="2800" dirty="0"/>
-              </a:p>
-            </p:txBody>
-          </p:sp>
-        </mc:Choice>
-        <mc:Fallback xmlns="">
-          <p:sp>
-            <p:nvSpPr>
-              <p:cNvPr id="6" name="TextBox 5"/>
-              <p:cNvSpPr txBox="1">
-                <a:spLocks noRot="1" noChangeAspect="1" noMove="1" noResize="1" noEditPoints="1" noAdjustHandles="1" noChangeArrowheads="1" noChangeShapeType="1" noTextEdit="1"/>
-              </p:cNvSpPr>
-              <p:nvPr/>
-            </p:nvSpPr>
-            <p:spPr>
-              <a:xfrm>
-                <a:off x="3131840" y="4365104"/>
-                <a:ext cx="2088232" cy="971741"/>
-              </a:xfrm>
-              <a:prstGeom prst="rect">
-                <a:avLst/>
-              </a:prstGeom>
-              <a:blipFill rotWithShape="1">
-                <a:blip r:embed="rId5"/>
-                <a:stretch>
-                  <a:fillRect/>
-                </a:stretch>
-              </a:blipFill>
-            </p:spPr>
-            <p:txBody>
-              <a:bodyPr/>
-              <a:lstStyle/>
-              <a:p>
-                <a:r>
-                  <a:rPr lang="nl-BE">
-                    <a:noFill/>
-                  </a:rPr>
-                  <a:t> </a:t>
-                </a:r>
-              </a:p>
-            </p:txBody>
-          </p:sp>
-        </mc:Fallback>
-      </mc:AlternateContent>
-      <mc:AlternateContent xmlns:mc="http://schemas.openxmlformats.org/markup-compatibility/2006" xmlns:a14="http://schemas.microsoft.com/office/drawing/2010/main">
-        <mc:Choice Requires="a14">
-          <p:sp>
-            <p:nvSpPr>
-              <p:cNvPr id="7" name="TextBox 6"/>
-              <p:cNvSpPr txBox="1"/>
-              <p:nvPr/>
-            </p:nvSpPr>
-            <p:spPr>
-              <a:xfrm>
-                <a:off x="2987824" y="5498068"/>
-                <a:ext cx="2088232" cy="523220"/>
-              </a:xfrm>
-              <a:prstGeom prst="rect">
-                <a:avLst/>
-              </a:prstGeom>
-              <a:noFill/>
-            </p:spPr>
-            <p:txBody>
-              <a:bodyPr wrap="square" rtlCol="0">
-                <a:spAutoFit/>
-              </a:bodyPr>
-              <a:lstStyle/>
-              <a:p>
-                <a:pPr/>
-                <a14:m>
-                  <m:oMathPara xmlns:m="http://schemas.openxmlformats.org/officeDocument/2006/math">
-                    <m:oMathParaPr>
-                      <m:jc m:val="centerGroup"/>
-                    </m:oMathParaPr>
-                    <m:oMath xmlns:m="http://schemas.openxmlformats.org/officeDocument/2006/math">
-                      <m:r>
-                        <a:rPr lang="en-US" sz="2800" b="0" i="1" smtClean="0">
-                          <a:latin typeface="Cambria Math"/>
-                        </a:rPr>
-                        <m:t>𝐸</m:t>
-                      </m:r>
-                      <m:r>
-                        <a:rPr lang="en-US" sz="2800" b="0" i="1" smtClean="0">
-                          <a:latin typeface="Cambria Math"/>
-                        </a:rPr>
-                        <m:t>(</m:t>
-                      </m:r>
-                      <m:r>
-                        <a:rPr lang="en-US" sz="2800" b="0" i="1" smtClean="0">
-                          <a:latin typeface="Cambria Math"/>
-                        </a:rPr>
-                        <m:t>𝑛</m:t>
-                      </m:r>
-                      <m:r>
-                        <a:rPr lang="en-US" sz="2800" b="0" i="1" smtClean="0">
-                          <a:latin typeface="Cambria Math"/>
-                        </a:rPr>
-                        <m:t>)=1</m:t>
-                      </m:r>
-                    </m:oMath>
-                  </m:oMathPara>
-                </a14:m>
-                <a:endParaRPr lang="nl-BE" sz="2800" dirty="0"/>
-              </a:p>
-            </p:txBody>
-          </p:sp>
-        </mc:Choice>
-        <mc:Fallback xmlns="">
-          <p:sp>
-            <p:nvSpPr>
-              <p:cNvPr id="7" name="TextBox 6"/>
-              <p:cNvSpPr txBox="1">
-                <a:spLocks noRot="1" noChangeAspect="1" noMove="1" noResize="1" noEditPoints="1" noAdjustHandles="1" noChangeArrowheads="1" noChangeShapeType="1" noTextEdit="1"/>
-              </p:cNvSpPr>
-              <p:nvPr/>
-            </p:nvSpPr>
-            <p:spPr>
-              <a:xfrm>
-                <a:off x="2987824" y="5498068"/>
-                <a:ext cx="2088232" cy="523220"/>
-              </a:xfrm>
-              <a:prstGeom prst="rect">
-                <a:avLst/>
-              </a:prstGeom>
-              <a:blipFill rotWithShape="1">
-                <a:blip r:embed="rId6"/>
-                <a:stretch>
-                  <a:fillRect/>
-                </a:stretch>
-              </a:blipFill>
-            </p:spPr>
-            <p:txBody>
-              <a:bodyPr/>
-              <a:lstStyle/>
-              <a:p>
-                <a:r>
-                  <a:rPr lang="nl-BE">
-                    <a:noFill/>
-                  </a:rPr>
-                  <a:t> </a:t>
-                </a:r>
-              </a:p>
-            </p:txBody>
-          </p:sp>
-        </mc:Fallback>
-      </mc:AlternateContent>
-      <p:sp>
-        <p:nvSpPr>
-          <p:cNvPr id="8" name="Slide Number Placeholder 7"/>
-          <p:cNvSpPr>
-            <a:spLocks noGrp="1"/>
-          </p:cNvSpPr>
-          <p:nvPr>
-            <p:ph type="sldNum" sz="quarter" idx="12"/>
-          </p:nvPr>
-        </p:nvSpPr>
-        <p:spPr/>
-        <p:txBody>
-          <a:bodyPr/>
-          <a:lstStyle/>
-          <a:p>
-            <a:fld id="{6597116C-F94B-4B5B-973A-17F07FB5C418}" type="slidenum">
-              <a:rPr lang="nl-BE" smtClean="0"/>
-              <a:t>9</a:t>
-            </a:fld>
-            <a:endParaRPr lang="nl-BE"/>
-          </a:p>
-        </p:txBody>
-      </p:sp>
-    </p:spTree>
-    <p:extLst>
-      <p:ext uri="{BB962C8B-B14F-4D97-AF65-F5344CB8AC3E}">
-        <p14:creationId xmlns:p14="http://schemas.microsoft.com/office/powerpoint/2010/main" val="4232522510"/>
-      </p:ext>
-    </p:extLst>
-  </p:cSld>
-  <p:clrMapOvr>
-    <a:masterClrMapping/>
-  </p:clrMapOvr>
-  <p:timing>
-    <p:tnLst>
-      <p:par>
-        <p:cTn id="1" dur="indefinite" restart="never" nodeType="tmRoot">
-          <p:childTnLst>
-            <p:seq concurrent="1" nextAc="seek">
-              <p:cTn id="2" dur="indefinite" nodeType="mainSeq">
-                <p:childTnLst>
-                  <p:par>
-                    <p:cTn id="3" fill="hold">
-                      <p:stCondLst>
-                        <p:cond delay="indefinite"/>
-                        <p:cond evt="onBegin" delay="0">
-                          <p:tn val="2"/>
-                        </p:cond>
-                      </p:stCondLst>
-                      <p:childTnLst>
-                        <p:par>
-                          <p:cTn id="4" fill="hold">
-                            <p:stCondLst>
-                              <p:cond delay="0"/>
-                            </p:stCondLst>
-                            <p:childTnLst>
-                              <p:par>
-                                <p:cTn id="5" presetID="1" presetClass="entr" presetSubtype="0" fill="hold" grpId="0" nodeType="withEffect">
-                                  <p:stCondLst>
-                                    <p:cond delay="0"/>
-                                  </p:stCondLst>
-                                  <p:childTnLst>
-                                    <p:set>
-                                      <p:cBhvr>
-                                        <p:cTn id="6" dur="1" fill="hold">
-                                          <p:stCondLst>
-                                            <p:cond delay="0"/>
-                                          </p:stCondLst>
-                                        </p:cTn>
-                                        <p:tgtEl>
-                                          <p:spTgt spid="3">
-                                            <p:txEl>
-                                              <p:pRg st="0" end="0"/>
-                                            </p:txEl>
-                                          </p:spTgt>
-                                        </p:tgtEl>
-                                        <p:attrNameLst>
-                                          <p:attrName>style.visibility</p:attrName>
-                                        </p:attrNameLst>
-                                      </p:cBhvr>
-                                      <p:to>
-                                        <p:strVal val="visible"/>
-                                      </p:to>
-                                    </p:set>
-                                  </p:childTnLst>
-                                </p:cTn>
-                              </p:par>
-                              <p:par>
-                                <p:cTn id="7" presetID="1" presetClass="entr" presetSubtype="0" fill="hold" grpId="0" nodeType="withEffect">
-                                  <p:stCondLst>
-                                    <p:cond delay="0"/>
-                                  </p:stCondLst>
-                                  <p:childTnLst>
-                                    <p:set>
-                                      <p:cBhvr>
-                                        <p:cTn id="8" dur="1" fill="hold">
-                                          <p:stCondLst>
-                                            <p:cond delay="0"/>
-                                          </p:stCondLst>
-                                        </p:cTn>
-                                        <p:tgtEl>
-                                          <p:spTgt spid="3">
-                                            <p:txEl>
-                                              <p:pRg st="2" end="2"/>
-                                            </p:txEl>
-                                          </p:spTgt>
-                                        </p:tgtEl>
-                                        <p:attrNameLst>
-                                          <p:attrName>style.visibility</p:attrName>
-                                        </p:attrNameLst>
-                                      </p:cBhvr>
-                                      <p:to>
-                                        <p:strVal val="visible"/>
-                                      </p:to>
-                                    </p:set>
-                                  </p:childTnLst>
-                                </p:cTn>
-                              </p:par>
-                            </p:childTnLst>
-                          </p:cTn>
-                        </p:par>
-                      </p:childTnLst>
-                    </p:cTn>
-                  </p:par>
-                  <p:par>
-                    <p:cTn id="9" fill="hold">
-                      <p:stCondLst>
-                        <p:cond delay="indefinite"/>
-                      </p:stCondLst>
-                      <p:childTnLst>
-                        <p:par>
-                          <p:cTn id="10" fill="hold">
-                            <p:stCondLst>
-                              <p:cond delay="0"/>
-                            </p:stCondLst>
-                            <p:childTnLst>
-                              <p:par>
-                                <p:cTn id="11" presetID="1" presetClass="entr" presetSubtype="0" fill="hold" grpId="0" nodeType="clickEffect">
-                                  <p:stCondLst>
-                                    <p:cond delay="0"/>
-                                  </p:stCondLst>
-                                  <p:childTnLst>
-                                    <p:set>
-                                      <p:cBhvr>
-                                        <p:cTn id="12" dur="1" fill="hold">
-                                          <p:stCondLst>
-                                            <p:cond delay="0"/>
-                                          </p:stCondLst>
-                                        </p:cTn>
-                                        <p:tgtEl>
-                                          <p:spTgt spid="3">
-                                            <p:txEl>
-                                              <p:pRg st="4" end="4"/>
-                                            </p:txEl>
-                                          </p:spTgt>
-                                        </p:tgtEl>
-                                        <p:attrNameLst>
-                                          <p:attrName>style.visibility</p:attrName>
-                                        </p:attrNameLst>
-                                      </p:cBhvr>
-                                      <p:to>
-                                        <p:strVal val="visible"/>
-                                      </p:to>
-                                    </p:set>
-                                  </p:childTnLst>
-                                </p:cTn>
-                              </p:par>
-                              <p:par>
-                                <p:cTn id="13" presetID="1" presetClass="entr" presetSubtype="0" fill="hold" grpId="0" nodeType="withEffect">
-                                  <p:stCondLst>
-                                    <p:cond delay="0"/>
-                                  </p:stCondLst>
-                                  <p:childTnLst>
-                                    <p:set>
-                                      <p:cBhvr>
-                                        <p:cTn id="14" dur="1" fill="hold">
-                                          <p:stCondLst>
-                                            <p:cond delay="0"/>
-                                          </p:stCondLst>
-                                        </p:cTn>
-                                        <p:tgtEl>
-                                          <p:spTgt spid="3">
-                                            <p:txEl>
-                                              <p:pRg st="6" end="6"/>
-                                            </p:txEl>
-                                          </p:spTgt>
-                                        </p:tgtEl>
-                                        <p:attrNameLst>
-                                          <p:attrName>style.visibility</p:attrName>
-                                        </p:attrNameLst>
-                                      </p:cBhvr>
-                                      <p:to>
-                                        <p:strVal val="visible"/>
-                                      </p:to>
-                                    </p:set>
-                                  </p:childTnLst>
-                                </p:cTn>
-                              </p:par>
-                              <p:par>
-                                <p:cTn id="15" presetID="1" presetClass="entr" presetSubtype="0" fill="hold" grpId="0" nodeType="withEffect">
-                                  <p:stCondLst>
-                                    <p:cond delay="0"/>
-                                  </p:stCondLst>
-                                  <p:childTnLst>
-                                    <p:set>
-                                      <p:cBhvr>
-                                        <p:cTn id="16" dur="1" fill="hold">
-                                          <p:stCondLst>
-                                            <p:cond delay="0"/>
-                                          </p:stCondLst>
-                                        </p:cTn>
-                                        <p:tgtEl>
-                                          <p:spTgt spid="6"/>
-                                        </p:tgtEl>
-                                        <p:attrNameLst>
-                                          <p:attrName>style.visibility</p:attrName>
-                                        </p:attrNameLst>
-                                      </p:cBhvr>
-                                      <p:to>
-                                        <p:strVal val="visible"/>
-                                      </p:to>
-                                    </p:set>
-                                  </p:childTnLst>
-                                </p:cTn>
-                              </p:par>
-                              <p:par>
-                                <p:cTn id="17" presetID="1" presetClass="entr" presetSubtype="0" fill="hold" grpId="0" nodeType="withEffect">
-                                  <p:stCondLst>
-                                    <p:cond delay="0"/>
-                                  </p:stCondLst>
-                                  <p:childTnLst>
-                                    <p:set>
-                                      <p:cBhvr>
-                                        <p:cTn id="18" dur="1" fill="hold">
-                                          <p:stCondLst>
-                                            <p:cond delay="0"/>
-                                          </p:stCondLst>
-                                        </p:cTn>
-                                        <p:tgtEl>
-                                          <p:spTgt spid="7"/>
-                                        </p:tgtEl>
-                                        <p:attrNameLst>
-                                          <p:attrName>style.visibility</p:attrName>
-                                        </p:attrNameLst>
-                                      </p:cBhvr>
-                                      <p:to>
-                                        <p:strVal val="visible"/>
-                                      </p:to>
-                                    </p:set>
-                                  </p:childTnLst>
-                                </p:cTn>
-                              </p:par>
-                            </p:childTnLst>
-                          </p:cTn>
-                        </p:par>
-                      </p:childTnLst>
-                    </p:cTn>
-                  </p:par>
-                </p:childTnLst>
-              </p:cTn>
-              <p:prevCondLst>
-                <p:cond evt="onPrev" delay="0">
-                  <p:tgtEl>
-                    <p:sldTgt/>
-                  </p:tgtEl>
-                </p:cond>
-              </p:prevCondLst>
-              <p:nextCondLst>
-                <p:cond evt="onNext" delay="0">
-                  <p:tgtEl>
-                    <p:sldTgt/>
-                  </p:tgtEl>
-                </p:cond>
-              </p:nextCondLst>
-            </p:seq>
-          </p:childTnLst>
-        </p:cTn>
-      </p:par>
-    </p:tnLst>
-    <p:bldLst>
-      <p:bldP spid="3" grpId="0" uiExpand="1" build="p"/>
-      <p:bldP spid="6" grpId="0"/>
-      <p:bldP spid="7" grpId="0"/>
     </p:bldLst>
   </p:timing>
 </p:sld>

--- a/code_optimization.pptx
+++ b/code_optimization.pptx
@@ -5,7 +5,7 @@
     <p:sldMasterId id="2147483648" r:id="rId1"/>
   </p:sldMasterIdLst>
   <p:notesMasterIdLst>
-    <p:notesMasterId r:id="rId62"/>
+    <p:notesMasterId r:id="rId57"/>
   </p:notesMasterIdLst>
   <p:sldIdLst>
     <p:sldId id="267" r:id="rId2"/>
@@ -50,24 +50,19 @@
     <p:sldId id="300" r:id="rId41"/>
     <p:sldId id="301" r:id="rId42"/>
     <p:sldId id="302" r:id="rId43"/>
-    <p:sldId id="313" r:id="rId44"/>
-    <p:sldId id="314" r:id="rId45"/>
-    <p:sldId id="315" r:id="rId46"/>
-    <p:sldId id="316" r:id="rId47"/>
-    <p:sldId id="317" r:id="rId48"/>
-    <p:sldId id="320" r:id="rId49"/>
-    <p:sldId id="319" r:id="rId50"/>
-    <p:sldId id="306" r:id="rId51"/>
-    <p:sldId id="307" r:id="rId52"/>
-    <p:sldId id="308" r:id="rId53"/>
-    <p:sldId id="309" r:id="rId54"/>
-    <p:sldId id="310" r:id="rId55"/>
-    <p:sldId id="287" r:id="rId56"/>
-    <p:sldId id="292" r:id="rId57"/>
-    <p:sldId id="286" r:id="rId58"/>
-    <p:sldId id="297" r:id="rId59"/>
-    <p:sldId id="271" r:id="rId60"/>
-    <p:sldId id="283" r:id="rId61"/>
+    <p:sldId id="320" r:id="rId44"/>
+    <p:sldId id="319" r:id="rId45"/>
+    <p:sldId id="306" r:id="rId46"/>
+    <p:sldId id="307" r:id="rId47"/>
+    <p:sldId id="308" r:id="rId48"/>
+    <p:sldId id="309" r:id="rId49"/>
+    <p:sldId id="310" r:id="rId50"/>
+    <p:sldId id="287" r:id="rId51"/>
+    <p:sldId id="292" r:id="rId52"/>
+    <p:sldId id="286" r:id="rId53"/>
+    <p:sldId id="297" r:id="rId54"/>
+    <p:sldId id="271" r:id="rId55"/>
+    <p:sldId id="283" r:id="rId56"/>
   </p:sldIdLst>
   <p:sldSz cx="9144000" cy="6858000" type="screen4x3"/>
   <p:notesSz cx="6858000" cy="9144000"/>
@@ -237,11 +232,6 @@
             <p14:sldId id="300"/>
             <p14:sldId id="301"/>
             <p14:sldId id="302"/>
-            <p14:sldId id="313"/>
-            <p14:sldId id="314"/>
-            <p14:sldId id="315"/>
-            <p14:sldId id="316"/>
-            <p14:sldId id="317"/>
           </p14:sldIdLst>
         </p14:section>
         <p14:section name="Profiling" id="{EDEF56BF-D246-4EAF-881D-1CE18707009F}">
@@ -1567,7 +1557,7 @@
           <a:p>
             <a:fld id="{2E6AAE95-D4FC-4D00-935A-EAE928727A56}" type="datetimeFigureOut">
               <a:rPr lang="en-US" smtClean="0"/>
-              <a:t>2020-01-27</a:t>
+              <a:t>2020-01-28</a:t>
             </a:fld>
             <a:endParaRPr lang="en-US"/>
           </a:p>
@@ -2099,7 +2089,7 @@
           <a:p>
             <a:fld id="{1CFF3F78-F57F-4409-A41B-5EC46D4F404B}" type="datetime1">
               <a:rPr lang="nl-BE" smtClean="0"/>
-              <a:t>27/01/2020</a:t>
+              <a:t>28/01/2020</a:t>
             </a:fld>
             <a:endParaRPr lang="nl-BE"/>
           </a:p>
@@ -2269,7 +2259,7 @@
           <a:p>
             <a:fld id="{7D029E61-52E3-412C-82EB-2F81B17C0AF1}" type="datetime1">
               <a:rPr lang="nl-BE" smtClean="0"/>
-              <a:t>27/01/2020</a:t>
+              <a:t>28/01/2020</a:t>
             </a:fld>
             <a:endParaRPr lang="nl-BE"/>
           </a:p>
@@ -2449,7 +2439,7 @@
           <a:p>
             <a:fld id="{A83F1CEF-A38E-4001-89C6-F3FC7784F299}" type="datetime1">
               <a:rPr lang="nl-BE" smtClean="0"/>
-              <a:t>27/01/2020</a:t>
+              <a:t>28/01/2020</a:t>
             </a:fld>
             <a:endParaRPr lang="nl-BE"/>
           </a:p>
@@ -2575,7 +2565,7 @@
           <a:p>
             <a:fld id="{1FDE84DB-AADA-4C3F-BF46-CA664A504479}" type="datetime1">
               <a:rPr lang="nl-BE" smtClean="0"/>
-              <a:t>27/01/2020</a:t>
+              <a:t>28/01/2020</a:t>
             </a:fld>
             <a:endParaRPr lang="nl-BE" dirty="0"/>
           </a:p>
@@ -2812,7 +2802,7 @@
           <a:p>
             <a:fld id="{8CD53A43-C15C-4F05-9AD7-DB9DE837084D}" type="datetime1">
               <a:rPr lang="nl-BE" smtClean="0"/>
-              <a:t>27/01/2020</a:t>
+              <a:t>28/01/2020</a:t>
             </a:fld>
             <a:endParaRPr lang="nl-BE"/>
           </a:p>
@@ -3058,7 +3048,7 @@
           <a:p>
             <a:fld id="{8994D238-D949-4AEF-9753-A8B6EFA964A0}" type="datetime1">
               <a:rPr lang="nl-BE" smtClean="0"/>
-              <a:t>27/01/2020</a:t>
+              <a:t>28/01/2020</a:t>
             </a:fld>
             <a:endParaRPr lang="nl-BE"/>
           </a:p>
@@ -3346,7 +3336,7 @@
           <a:p>
             <a:fld id="{4D234023-BF99-4AD0-835E-8125DA2B6664}" type="datetime1">
               <a:rPr lang="nl-BE" smtClean="0"/>
-              <a:t>27/01/2020</a:t>
+              <a:t>28/01/2020</a:t>
             </a:fld>
             <a:endParaRPr lang="nl-BE"/>
           </a:p>
@@ -3768,7 +3758,7 @@
           <a:p>
             <a:fld id="{DB075A73-5C1D-406E-9444-3C5C58580E8E}" type="datetime1">
               <a:rPr lang="nl-BE" smtClean="0"/>
-              <a:t>27/01/2020</a:t>
+              <a:t>28/01/2020</a:t>
             </a:fld>
             <a:endParaRPr lang="nl-BE"/>
           </a:p>
@@ -3886,7 +3876,7 @@
           <a:p>
             <a:fld id="{E111FB2D-2E17-4D8F-A64A-4EB0C3D12494}" type="datetime1">
               <a:rPr lang="nl-BE" smtClean="0"/>
-              <a:t>27/01/2020</a:t>
+              <a:t>28/01/2020</a:t>
             </a:fld>
             <a:endParaRPr lang="nl-BE"/>
           </a:p>
@@ -3981,7 +3971,7 @@
           <a:p>
             <a:fld id="{5BE27D71-2267-4E44-9F33-05B60E5C7D9D}" type="datetime1">
               <a:rPr lang="nl-BE" smtClean="0"/>
-              <a:t>27/01/2020</a:t>
+              <a:t>28/01/2020</a:t>
             </a:fld>
             <a:endParaRPr lang="nl-BE"/>
           </a:p>
@@ -4258,7 +4248,7 @@
           <a:p>
             <a:fld id="{182F587C-96C8-4813-A767-3084061A3229}" type="datetime1">
               <a:rPr lang="nl-BE" smtClean="0"/>
-              <a:t>27/01/2020</a:t>
+              <a:t>28/01/2020</a:t>
             </a:fld>
             <a:endParaRPr lang="nl-BE"/>
           </a:p>
@@ -4511,7 +4501,7 @@
           <a:p>
             <a:fld id="{8B021CF8-BBBB-4DFA-8713-49842AA07274}" type="datetime1">
               <a:rPr lang="nl-BE" smtClean="0"/>
-              <a:t>27/01/2020</a:t>
+              <a:t>28/01/2020</a:t>
             </a:fld>
             <a:endParaRPr lang="nl-BE"/>
           </a:p>
@@ -4724,7 +4714,7 @@
           <a:p>
             <a:fld id="{CDBFABB5-0AB3-4CB6-A705-6887DEB1F9F2}" type="datetime1">
               <a:rPr lang="nl-BE" smtClean="0"/>
-              <a:t>27/01/2020</a:t>
+              <a:t>28/01/2020</a:t>
             </a:fld>
             <a:endParaRPr lang="nl-BE"/>
           </a:p>
@@ -11149,7 +11139,7 @@
           <a:graphicData uri="http://schemas.openxmlformats.org/presentationml/2006/ole">
             <mc:AlternateContent xmlns:mc="http://schemas.openxmlformats.org/markup-compatibility/2006">
               <mc:Choice xmlns:v="urn:schemas-microsoft-com:vml" Requires="v">
-                <p:oleObj spid="_x0000_s1272" name="Equation" r:id="rId3" imgW="812520" imgH="393480" progId="Equation.3">
+                <p:oleObj spid="_x0000_s1276" name="Equation" r:id="rId3" imgW="812520" imgH="393480" progId="Equation.3">
                   <p:embed/>
                 </p:oleObj>
               </mc:Choice>
@@ -11206,7 +11196,7 @@
           <a:graphicData uri="http://schemas.openxmlformats.org/presentationml/2006/ole">
             <mc:AlternateContent xmlns:mc="http://schemas.openxmlformats.org/markup-compatibility/2006">
               <mc:Choice xmlns:v="urn:schemas-microsoft-com:vml" Requires="v">
-                <p:oleObj spid="_x0000_s1273" name="Equation" r:id="rId5" imgW="2489040" imgH="431640" progId="Equation.3">
+                <p:oleObj spid="_x0000_s1277" name="Equation" r:id="rId5" imgW="2489040" imgH="431640" progId="Equation.3">
                   <p:embed/>
                 </p:oleObj>
               </mc:Choice>
@@ -21555,7 +21545,7 @@
           <a:graphicData uri="http://schemas.openxmlformats.org/presentationml/2006/ole">
             <mc:AlternateContent xmlns:mc="http://schemas.openxmlformats.org/markup-compatibility/2006">
               <mc:Choice xmlns:v="urn:schemas-microsoft-com:vml" Requires="v">
-                <p:oleObj spid="_x0000_s2263" name="Equation" r:id="rId3" imgW="1091880" imgH="1041120" progId="Equation.3">
+                <p:oleObj spid="_x0000_s2267" name="Equation" r:id="rId3" imgW="1091880" imgH="1041120" progId="Equation.3">
                   <p:embed/>
                 </p:oleObj>
               </mc:Choice>
@@ -22910,7 +22900,7 @@
           <a:graphicData uri="http://schemas.openxmlformats.org/presentationml/2006/ole">
             <mc:AlternateContent xmlns:mc="http://schemas.openxmlformats.org/markup-compatibility/2006">
               <mc:Choice xmlns:v="urn:schemas-microsoft-com:vml" Requires="v">
-                <p:oleObj spid="_x0000_s2264" name="Equation" r:id="rId5" imgW="1091880" imgH="1041120" progId="Equation.3">
+                <p:oleObj spid="_x0000_s2268" name="Equation" r:id="rId5" imgW="1091880" imgH="1041120" progId="Equation.3">
                   <p:embed/>
                 </p:oleObj>
               </mc:Choice>
@@ -33935,7 +33925,7 @@
           <a:graphicData uri="http://schemas.openxmlformats.org/presentationml/2006/ole">
             <mc:AlternateContent xmlns:mc="http://schemas.openxmlformats.org/markup-compatibility/2006">
               <mc:Choice xmlns:v="urn:schemas-microsoft-com:vml" Requires="v">
-                <p:oleObj spid="_x0000_s3144" name="Equation" r:id="rId3" imgW="965160" imgH="228600" progId="Equation.3">
+                <p:oleObj spid="_x0000_s3146" name="Equation" r:id="rId3" imgW="965160" imgH="228600" progId="Equation.3">
                   <p:embed/>
                 </p:oleObj>
               </mc:Choice>
@@ -40536,9 +40526,8 @@
           <a:p>
             <a:r>
               <a:rPr lang="en-US" dirty="0"/>
-              <a:t>Performance measures</a:t>
-            </a:r>
-            <a:endParaRPr lang="nl-BE" dirty="0"/>
+              <a:t>Profiling</a:t>
+            </a:r>
           </a:p>
         </p:txBody>
       </p:sp>
@@ -40557,7 +40546,7 @@
           <a:bodyPr/>
           <a:lstStyle/>
           <a:p>
-            <a:endParaRPr lang="nl-BE" dirty="0"/>
+            <a:endParaRPr lang="en-US"/>
           </a:p>
         </p:txBody>
       </p:sp>
@@ -40576,82 +40565,18 @@
           <a:bodyPr/>
           <a:lstStyle/>
           <a:p>
-            <a:pPr marL="0" marR="0" lvl="0" indent="0" algn="r" defTabSz="914400" rtl="0" eaLnBrk="1" fontAlgn="auto" latinLnBrk="0" hangingPunct="1">
-              <a:lnSpc>
-                <a:spcPct val="100000"/>
-              </a:lnSpc>
-              <a:spcBef>
-                <a:spcPts val="0"/>
-              </a:spcBef>
-              <a:spcAft>
-                <a:spcPts val="0"/>
-              </a:spcAft>
-              <a:buClrTx/>
-              <a:buSzTx/>
-              <a:buFontTx/>
-              <a:buNone/>
-              <a:tabLst/>
-              <a:defRPr/>
-            </a:pPr>
             <a:fld id="{6597116C-F94B-4B5B-973A-17F07FB5C418}" type="slidenum">
-              <a:rPr kumimoji="0" lang="nl-BE" sz="1200" b="0" i="0" u="none" strike="noStrike" kern="1200" cap="none" spc="0" normalizeH="0" baseline="0" noProof="0" smtClean="0">
-                <a:ln>
-                  <a:noFill/>
-                </a:ln>
-                <a:solidFill>
-                  <a:prstClr val="black">
-                    <a:tint val="75000"/>
-                  </a:prstClr>
-                </a:solidFill>
-                <a:effectLst/>
-                <a:uLnTx/>
-                <a:uFillTx/>
-                <a:latin typeface="Calibri"/>
-                <a:ea typeface="+mn-ea"/>
-                <a:cs typeface="+mn-cs"/>
-              </a:rPr>
-              <a:pPr marL="0" marR="0" lvl="0" indent="0" algn="r" defTabSz="914400" rtl="0" eaLnBrk="1" fontAlgn="auto" latinLnBrk="0" hangingPunct="1">
-                <a:lnSpc>
-                  <a:spcPct val="100000"/>
-                </a:lnSpc>
-                <a:spcBef>
-                  <a:spcPts val="0"/>
-                </a:spcBef>
-                <a:spcAft>
-                  <a:spcPts val="0"/>
-                </a:spcAft>
-                <a:buClrTx/>
-                <a:buSzTx/>
-                <a:buFontTx/>
-                <a:buNone/>
-                <a:tabLst/>
-                <a:defRPr/>
-              </a:pPr>
+              <a:rPr lang="nl-BE" smtClean="0"/>
               <a:t>43</a:t>
             </a:fld>
-            <a:endParaRPr kumimoji="0" lang="nl-BE" sz="1200" b="0" i="0" u="none" strike="noStrike" kern="1200" cap="none" spc="0" normalizeH="0" baseline="0" noProof="0">
-              <a:ln>
-                <a:noFill/>
-              </a:ln>
-              <a:solidFill>
-                <a:prstClr val="black">
-                  <a:tint val="75000"/>
-                </a:prstClr>
-              </a:solidFill>
-              <a:effectLst/>
-              <a:uLnTx/>
-              <a:uFillTx/>
-              <a:latin typeface="Calibri"/>
-              <a:ea typeface="+mn-ea"/>
-              <a:cs typeface="+mn-cs"/>
-            </a:endParaRPr>
+            <a:endParaRPr lang="nl-BE"/>
           </a:p>
         </p:txBody>
       </p:sp>
     </p:spTree>
     <p:extLst>
       <p:ext uri="{BB962C8B-B14F-4D97-AF65-F5344CB8AC3E}">
-        <p14:creationId xmlns:p14="http://schemas.microsoft.com/office/powerpoint/2010/main" val="4264251986"/>
+        <p14:creationId xmlns:p14="http://schemas.microsoft.com/office/powerpoint/2010/main" val="68835048"/>
       </p:ext>
     </p:extLst>
   </p:cSld>
@@ -40688,21 +40613,19 @@
             <p:ph type="title"/>
           </p:nvPr>
         </p:nvSpPr>
-        <p:spPr>
-          <a:xfrm>
-            <a:off x="457200" y="249924"/>
-            <a:ext cx="8229600" cy="1143000"/>
-          </a:xfrm>
-        </p:spPr>
+        <p:spPr/>
         <p:txBody>
           <a:bodyPr/>
           <a:lstStyle/>
           <a:p>
             <a:r>
+              <a:rPr lang="en-US" dirty="0" err="1"/>
+              <a:t>gprof</a:t>
+            </a:r>
+            <a:r>
               <a:rPr lang="en-US" dirty="0"/>
-              <a:t>Machine balance</a:t>
-            </a:r>
-            <a:endParaRPr lang="nl-BE" dirty="0"/>
+              <a:t> with GCC</a:t>
+            </a:r>
           </a:p>
         </p:txBody>
       </p:sp>
@@ -40722,49 +40645,50 @@
           <a:lstStyle/>
           <a:p>
             <a:r>
-              <a:rPr lang="nl-BE" dirty="0"/>
-              <a:t>Memory access</a:t>
-            </a:r>
-          </a:p>
-          <a:p>
-            <a:pPr lvl="1"/>
-            <a:r>
-              <a:rPr lang="nl-BE" dirty="0"/>
-              <a:t>bandwidth</a:t>
-            </a:r>
-          </a:p>
-          <a:p>
-            <a:pPr lvl="1"/>
-            <a:r>
-              <a:rPr lang="nl-BE" dirty="0"/>
-              <a:t>Gwords/s (double precision gigawords per second)</a:t>
-            </a:r>
-          </a:p>
-          <a:p>
-            <a:r>
-              <a:rPr lang="nl-BE" dirty="0"/>
-              <a:t>Computation</a:t>
-            </a:r>
-          </a:p>
-          <a:p>
-            <a:pPr lvl="1"/>
-            <a:r>
-              <a:rPr lang="nl-BE" dirty="0"/>
-              <a:t>peak performance</a:t>
-            </a:r>
-          </a:p>
-          <a:p>
-            <a:pPr lvl="1"/>
-            <a:r>
-              <a:rPr lang="nl-BE" dirty="0"/>
-              <a:t>double precision FLOPS/s (FLOating point OPerationS per second)</a:t>
-            </a:r>
-          </a:p>
-          <a:p>
-            <a:r>
-              <a:rPr lang="nl-BE" dirty="0"/>
-              <a:t>Machine balance</a:t>
-            </a:r>
+              <a:rPr lang="en-US" dirty="0"/>
+              <a:t>Compile/link with </a:t>
+            </a:r>
+            <a:r>
+              <a:rPr lang="en-US" dirty="0">
+                <a:latin typeface="Courier New" panose="02070309020205020404" pitchFamily="49" charset="0"/>
+                <a:cs typeface="Courier New" panose="02070309020205020404" pitchFamily="49" charset="0"/>
+              </a:rPr>
+              <a:t>–g  -</a:t>
+            </a:r>
+            <a:r>
+              <a:rPr lang="en-US" dirty="0" err="1">
+                <a:latin typeface="Courier New" panose="02070309020205020404" pitchFamily="49" charset="0"/>
+                <a:cs typeface="Courier New" panose="02070309020205020404" pitchFamily="49" charset="0"/>
+              </a:rPr>
+              <a:t>pg</a:t>
+            </a:r>
+            <a:endParaRPr lang="en-US" dirty="0">
+              <a:latin typeface="Courier New" panose="02070309020205020404" pitchFamily="49" charset="0"/>
+              <a:cs typeface="Courier New" panose="02070309020205020404" pitchFamily="49" charset="0"/>
+            </a:endParaRPr>
+          </a:p>
+          <a:p>
+            <a:r>
+              <a:rPr lang="en-US" dirty="0"/>
+              <a:t>Run application with representative data/settings</a:t>
+            </a:r>
+          </a:p>
+          <a:p>
+            <a:r>
+              <a:rPr lang="en-US" dirty="0"/>
+              <a:t>View profile using </a:t>
+            </a:r>
+            <a:r>
+              <a:rPr lang="en-US" dirty="0" err="1">
+                <a:latin typeface="Courier New" panose="02070309020205020404" pitchFamily="49" charset="0"/>
+                <a:cs typeface="Courier New" panose="02070309020205020404" pitchFamily="49" charset="0"/>
+              </a:rPr>
+              <a:t>gprof</a:t>
+            </a:r>
+            <a:endParaRPr lang="en-US" dirty="0">
+              <a:latin typeface="Courier New" panose="02070309020205020404" pitchFamily="49" charset="0"/>
+              <a:cs typeface="Courier New" panose="02070309020205020404" pitchFamily="49" charset="0"/>
+            </a:endParaRPr>
           </a:p>
         </p:txBody>
       </p:sp>
@@ -40783,263 +40707,982 @@
           <a:bodyPr/>
           <a:lstStyle/>
           <a:p>
-            <a:pPr marL="0" marR="0" lvl="0" indent="0" algn="r" defTabSz="914400" rtl="0" eaLnBrk="1" fontAlgn="auto" latinLnBrk="0" hangingPunct="1">
-              <a:lnSpc>
-                <a:spcPct val="100000"/>
-              </a:lnSpc>
-              <a:spcBef>
-                <a:spcPts val="0"/>
-              </a:spcBef>
-              <a:spcAft>
-                <a:spcPts val="0"/>
-              </a:spcAft>
-              <a:buClrTx/>
-              <a:buSzTx/>
-              <a:buFontTx/>
-              <a:buNone/>
-              <a:tabLst/>
-              <a:defRPr/>
-            </a:pPr>
             <a:fld id="{6597116C-F94B-4B5B-973A-17F07FB5C418}" type="slidenum">
-              <a:rPr kumimoji="0" lang="nl-BE" sz="1200" b="0" i="0" u="none" strike="noStrike" kern="1200" cap="none" spc="0" normalizeH="0" baseline="0" noProof="0" smtClean="0">
-                <a:ln>
-                  <a:noFill/>
-                </a:ln>
-                <a:solidFill>
-                  <a:prstClr val="black">
-                    <a:tint val="75000"/>
-                  </a:prstClr>
-                </a:solidFill>
-                <a:effectLst/>
-                <a:uLnTx/>
-                <a:uFillTx/>
-                <a:latin typeface="Calibri"/>
-                <a:ea typeface="+mn-ea"/>
-                <a:cs typeface="+mn-cs"/>
-              </a:rPr>
-              <a:pPr marL="0" marR="0" lvl="0" indent="0" algn="r" defTabSz="914400" rtl="0" eaLnBrk="1" fontAlgn="auto" latinLnBrk="0" hangingPunct="1">
-                <a:lnSpc>
-                  <a:spcPct val="100000"/>
-                </a:lnSpc>
-                <a:spcBef>
-                  <a:spcPts val="0"/>
-                </a:spcBef>
-                <a:spcAft>
-                  <a:spcPts val="0"/>
-                </a:spcAft>
-                <a:buClrTx/>
-                <a:buSzTx/>
-                <a:buFontTx/>
-                <a:buNone/>
-                <a:tabLst/>
-                <a:defRPr/>
-              </a:pPr>
+              <a:rPr lang="nl-BE" smtClean="0"/>
               <a:t>44</a:t>
             </a:fld>
-            <a:endParaRPr kumimoji="0" lang="nl-BE" sz="1200" b="0" i="0" u="none" strike="noStrike" kern="1200" cap="none" spc="0" normalizeH="0" baseline="0" noProof="0">
-              <a:ln>
-                <a:noFill/>
-              </a:ln>
-              <a:solidFill>
-                <a:prstClr val="black">
-                  <a:tint val="75000"/>
-                </a:prstClr>
-              </a:solidFill>
-              <a:effectLst/>
-              <a:uLnTx/>
-              <a:uFillTx/>
-              <a:latin typeface="Calibri"/>
-              <a:ea typeface="+mn-ea"/>
-              <a:cs typeface="+mn-cs"/>
-            </a:endParaRPr>
+            <a:endParaRPr lang="nl-BE"/>
           </a:p>
         </p:txBody>
       </p:sp>
-      <mc:AlternateContent xmlns:mc="http://schemas.openxmlformats.org/markup-compatibility/2006" xmlns:a14="http://schemas.microsoft.com/office/drawing/2010/main">
-        <mc:Choice Requires="a14">
-          <p:sp>
-            <p:nvSpPr>
-              <p:cNvPr id="7" name="TextBox 6"/>
-              <p:cNvSpPr txBox="1"/>
-              <p:nvPr/>
-            </p:nvSpPr>
-            <p:spPr>
-              <a:xfrm>
-                <a:off x="2269525" y="5861411"/>
-                <a:ext cx="4205416" cy="584006"/>
-              </a:xfrm>
-              <a:prstGeom prst="rect">
-                <a:avLst/>
-              </a:prstGeom>
-              <a:noFill/>
-            </p:spPr>
-            <p:txBody>
-              <a:bodyPr wrap="square" lIns="0" tIns="0" rIns="0" bIns="0" rtlCol="0">
-                <a:spAutoFit/>
-              </a:bodyPr>
-              <a:lstStyle/>
-              <a:p>
-                <a:pPr/>
-                <a14:m>
-                  <m:oMathPara xmlns:m="http://schemas.openxmlformats.org/officeDocument/2006/math">
-                    <m:oMathParaPr>
-                      <m:jc m:val="centerGroup"/>
-                    </m:oMathParaPr>
-                    <m:oMath xmlns:m="http://schemas.openxmlformats.org/officeDocument/2006/math">
-                      <m:sSub>
-                        <m:sSubPr>
-                          <m:ctrlPr>
-                            <a:rPr lang="en-US" sz="2800" b="0" i="1" smtClean="0">
-                              <a:latin typeface="Cambria Math" panose="02040503050406030204" pitchFamily="18" charset="0"/>
-                            </a:rPr>
-                          </m:ctrlPr>
-                        </m:sSubPr>
-                        <m:e>
-                          <m:r>
-                            <a:rPr lang="en-US" sz="2800" b="0" i="1" smtClean="0">
-                              <a:latin typeface="Cambria Math" panose="02040503050406030204" pitchFamily="18" charset="0"/>
-                            </a:rPr>
-                            <m:t>𝐵</m:t>
-                          </m:r>
-                        </m:e>
-                        <m:sub>
-                          <m:r>
-                            <a:rPr lang="en-US" sz="2800" b="0" i="1" smtClean="0">
-                              <a:latin typeface="Cambria Math" panose="02040503050406030204" pitchFamily="18" charset="0"/>
-                            </a:rPr>
-                            <m:t>𝑚</m:t>
-                          </m:r>
-                        </m:sub>
-                      </m:sSub>
-                      <m:r>
-                        <a:rPr lang="en-US" sz="2800" b="0" i="1" smtClean="0">
-                          <a:latin typeface="Cambria Math" panose="02040503050406030204" pitchFamily="18" charset="0"/>
-                        </a:rPr>
-                        <m:t>=</m:t>
-                      </m:r>
-                      <m:box>
-                        <m:boxPr>
-                          <m:ctrlPr>
-                            <a:rPr lang="en-US" sz="2800" b="0" i="1" smtClean="0">
-                              <a:latin typeface="Cambria Math" panose="02040503050406030204" pitchFamily="18" charset="0"/>
-                            </a:rPr>
-                          </m:ctrlPr>
-                        </m:boxPr>
-                        <m:e>
-                          <m:argPr>
-                            <m:argSz m:val="-1"/>
-                          </m:argPr>
-                          <m:f>
-                            <m:fPr>
-                              <m:ctrlPr>
-                                <a:rPr lang="en-US" sz="2800" b="0" i="1" smtClean="0">
-                                  <a:latin typeface="Cambria Math" panose="02040503050406030204" pitchFamily="18" charset="0"/>
-                                </a:rPr>
-                              </m:ctrlPr>
-                            </m:fPr>
-                            <m:num>
-                              <m:r>
-                                <m:rPr>
-                                  <m:sty m:val="p"/>
-                                </m:rPr>
-                                <a:rPr lang="en-US" sz="2800" b="0" i="0" smtClean="0">
-                                  <a:latin typeface="Cambria Math" panose="02040503050406030204" pitchFamily="18" charset="0"/>
-                                </a:rPr>
-                                <m:t>memory</m:t>
-                              </m:r>
-                              <m:r>
-                                <a:rPr lang="en-US" sz="2800" b="0" i="1" smtClean="0">
-                                  <a:latin typeface="Cambria Math" panose="02040503050406030204" pitchFamily="18" charset="0"/>
-                                </a:rPr>
-                                <m:t> </m:t>
-                              </m:r>
-                              <m:r>
-                                <m:rPr>
-                                  <m:sty m:val="p"/>
-                                </m:rPr>
-                                <a:rPr lang="en-US" sz="2800" b="0" i="0" smtClean="0">
-                                  <a:latin typeface="Cambria Math" panose="02040503050406030204" pitchFamily="18" charset="0"/>
-                                </a:rPr>
-                                <m:t>bandwidth</m:t>
-                              </m:r>
-                            </m:num>
-                            <m:den>
-                              <m:r>
-                                <m:rPr>
-                                  <m:sty m:val="p"/>
-                                </m:rPr>
-                                <a:rPr lang="en-US" sz="2800" b="0" i="0" smtClean="0">
-                                  <a:latin typeface="Cambria Math" panose="02040503050406030204" pitchFamily="18" charset="0"/>
-                                </a:rPr>
-                                <m:t>FLOPS</m:t>
-                              </m:r>
-                              <m:r>
-                                <a:rPr lang="en-US" sz="2800" b="0" i="1" smtClean="0">
-                                  <a:latin typeface="Cambria Math" panose="02040503050406030204" pitchFamily="18" charset="0"/>
-                                </a:rPr>
-                                <m:t>/</m:t>
-                              </m:r>
-                              <m:r>
-                                <a:rPr lang="en-US" sz="2800" b="0" i="1" smtClean="0">
-                                  <a:latin typeface="Cambria Math" panose="02040503050406030204" pitchFamily="18" charset="0"/>
-                                </a:rPr>
-                                <m:t>𝑠</m:t>
-                              </m:r>
-                            </m:den>
-                          </m:f>
-                        </m:e>
-                      </m:box>
-                    </m:oMath>
-                  </m:oMathPara>
-                </a14:m>
-                <a:endParaRPr lang="en-US" sz="2800" dirty="0"/>
-              </a:p>
-            </p:txBody>
-          </p:sp>
-        </mc:Choice>
-        <mc:Fallback xmlns="">
-          <p:sp>
-            <p:nvSpPr>
-              <p:cNvPr id="7" name="TextBox 6"/>
-              <p:cNvSpPr txBox="1">
-                <a:spLocks noRot="1" noChangeAspect="1" noMove="1" noResize="1" noEditPoints="1" noAdjustHandles="1" noChangeArrowheads="1" noChangeShapeType="1" noTextEdit="1"/>
-              </p:cNvSpPr>
-              <p:nvPr/>
-            </p:nvSpPr>
-            <p:spPr>
-              <a:xfrm>
-                <a:off x="2269525" y="5861411"/>
-                <a:ext cx="4205416" cy="584006"/>
-              </a:xfrm>
-              <a:prstGeom prst="rect">
-                <a:avLst/>
-              </a:prstGeom>
-              <a:blipFill>
-                <a:blip r:embed="rId2"/>
-                <a:stretch>
-                  <a:fillRect/>
-                </a:stretch>
-              </a:blipFill>
-            </p:spPr>
-            <p:txBody>
-              <a:bodyPr/>
-              <a:lstStyle/>
-              <a:p>
-                <a:r>
-                  <a:rPr lang="en-US">
-                    <a:noFill/>
-                  </a:rPr>
-                  <a:t> </a:t>
-                </a:r>
-              </a:p>
-            </p:txBody>
-          </p:sp>
-        </mc:Fallback>
-      </mc:AlternateContent>
     </p:spTree>
     <p:extLst>
       <p:ext uri="{BB962C8B-B14F-4D97-AF65-F5344CB8AC3E}">
-        <p14:creationId xmlns:p14="http://schemas.microsoft.com/office/powerpoint/2010/main" val="1332049900"/>
+        <p14:creationId xmlns:p14="http://schemas.microsoft.com/office/powerpoint/2010/main" val="845156750"/>
+      </p:ext>
+    </p:extLst>
+  </p:cSld>
+  <p:clrMapOvr>
+    <a:masterClrMapping/>
+  </p:clrMapOvr>
+</p:sld>
+</file>
+
+<file path=ppt/slides/slide45.xml><?xml version="1.0" encoding="utf-8"?>
+<p:sld xmlns:a="http://schemas.openxmlformats.org/drawingml/2006/main" xmlns:r="http://schemas.openxmlformats.org/officeDocument/2006/relationships" xmlns:p="http://schemas.openxmlformats.org/presentationml/2006/main">
+  <p:cSld>
+    <p:spTree>
+      <p:nvGrpSpPr>
+        <p:cNvPr id="1" name=""/>
+        <p:cNvGrpSpPr/>
+        <p:nvPr/>
+      </p:nvGrpSpPr>
+      <p:grpSpPr>
+        <a:xfrm>
+          <a:off x="0" y="0"/>
+          <a:ext cx="0" cy="0"/>
+          <a:chOff x="0" y="0"/>
+          <a:chExt cx="0" cy="0"/>
+        </a:xfrm>
+      </p:grpSpPr>
+      <p:sp>
+        <p:nvSpPr>
+          <p:cNvPr id="2" name="Title 1"/>
+          <p:cNvSpPr>
+            <a:spLocks noGrp="1"/>
+          </p:cNvSpPr>
+          <p:nvPr>
+            <p:ph type="title"/>
+          </p:nvPr>
+        </p:nvSpPr>
+        <p:spPr/>
+        <p:txBody>
+          <a:bodyPr/>
+          <a:lstStyle/>
+          <a:p>
+            <a:r>
+              <a:rPr lang="en-US" dirty="0"/>
+              <a:t>Feedback-guided optimization</a:t>
+            </a:r>
+          </a:p>
+        </p:txBody>
+      </p:sp>
+      <p:sp>
+        <p:nvSpPr>
+          <p:cNvPr id="3" name="Text Placeholder 2"/>
+          <p:cNvSpPr>
+            <a:spLocks noGrp="1"/>
+          </p:cNvSpPr>
+          <p:nvPr>
+            <p:ph type="body" idx="1"/>
+          </p:nvPr>
+        </p:nvSpPr>
+        <p:spPr/>
+        <p:txBody>
+          <a:bodyPr/>
+          <a:lstStyle/>
+          <a:p>
+            <a:endParaRPr lang="en-US"/>
+          </a:p>
+        </p:txBody>
+      </p:sp>
+      <p:sp>
+        <p:nvSpPr>
+          <p:cNvPr id="4" name="Slide Number Placeholder 3"/>
+          <p:cNvSpPr>
+            <a:spLocks noGrp="1"/>
+          </p:cNvSpPr>
+          <p:nvPr>
+            <p:ph type="sldNum" sz="quarter" idx="12"/>
+          </p:nvPr>
+        </p:nvSpPr>
+        <p:spPr/>
+        <p:txBody>
+          <a:bodyPr/>
+          <a:lstStyle/>
+          <a:p>
+            <a:fld id="{6597116C-F94B-4B5B-973A-17F07FB5C418}" type="slidenum">
+              <a:rPr lang="nl-BE" smtClean="0"/>
+              <a:t>45</a:t>
+            </a:fld>
+            <a:endParaRPr lang="nl-BE"/>
+          </a:p>
+        </p:txBody>
+      </p:sp>
+    </p:spTree>
+    <p:extLst>
+      <p:ext uri="{BB962C8B-B14F-4D97-AF65-F5344CB8AC3E}">
+        <p14:creationId xmlns:p14="http://schemas.microsoft.com/office/powerpoint/2010/main" val="3251639006"/>
+      </p:ext>
+    </p:extLst>
+  </p:cSld>
+  <p:clrMapOvr>
+    <a:masterClrMapping/>
+  </p:clrMapOvr>
+</p:sld>
+</file>
+
+<file path=ppt/slides/slide46.xml><?xml version="1.0" encoding="utf-8"?>
+<p:sld xmlns:a="http://schemas.openxmlformats.org/drawingml/2006/main" xmlns:r="http://schemas.openxmlformats.org/officeDocument/2006/relationships" xmlns:p="http://schemas.openxmlformats.org/presentationml/2006/main">
+  <p:cSld>
+    <p:spTree>
+      <p:nvGrpSpPr>
+        <p:cNvPr id="1" name=""/>
+        <p:cNvGrpSpPr/>
+        <p:nvPr/>
+      </p:nvGrpSpPr>
+      <p:grpSpPr>
+        <a:xfrm>
+          <a:off x="0" y="0"/>
+          <a:ext cx="0" cy="0"/>
+          <a:chOff x="0" y="0"/>
+          <a:chExt cx="0" cy="0"/>
+        </a:xfrm>
+      </p:grpSpPr>
+      <p:sp>
+        <p:nvSpPr>
+          <p:cNvPr id="2" name="Title 1"/>
+          <p:cNvSpPr>
+            <a:spLocks noGrp="1"/>
+          </p:cNvSpPr>
+          <p:nvPr>
+            <p:ph type="title"/>
+          </p:nvPr>
+        </p:nvSpPr>
+        <p:spPr/>
+        <p:txBody>
+          <a:bodyPr/>
+          <a:lstStyle/>
+          <a:p>
+            <a:r>
+              <a:rPr lang="en-US" dirty="0"/>
+              <a:t>Philosophy</a:t>
+            </a:r>
+          </a:p>
+        </p:txBody>
+      </p:sp>
+      <p:sp>
+        <p:nvSpPr>
+          <p:cNvPr id="3" name="Content Placeholder 2"/>
+          <p:cNvSpPr>
+            <a:spLocks noGrp="1"/>
+          </p:cNvSpPr>
+          <p:nvPr>
+            <p:ph idx="1"/>
+          </p:nvPr>
+        </p:nvSpPr>
+        <p:spPr/>
+        <p:txBody>
+          <a:bodyPr>
+            <a:normAutofit fontScale="92500" lnSpcReduction="20000"/>
+          </a:bodyPr>
+          <a:lstStyle/>
+          <a:p>
+            <a:r>
+              <a:rPr lang="en-US" dirty="0"/>
+              <a:t>"The proof of the pudding is in the eating"</a:t>
+            </a:r>
+          </a:p>
+          <a:p>
+            <a:pPr lvl="1"/>
+            <a:r>
+              <a:rPr lang="en-US" dirty="0"/>
+              <a:t>Build application with instrumentation</a:t>
+            </a:r>
+          </a:p>
+          <a:p>
+            <a:pPr lvl="1"/>
+            <a:r>
+              <a:rPr lang="en-US" dirty="0"/>
+              <a:t>Run application</a:t>
+            </a:r>
+          </a:p>
+          <a:p>
+            <a:pPr lvl="2"/>
+            <a:r>
+              <a:rPr lang="en-US" dirty="0"/>
+              <a:t>creates profile</a:t>
+            </a:r>
+          </a:p>
+          <a:p>
+            <a:pPr lvl="1"/>
+            <a:r>
+              <a:rPr lang="en-US" dirty="0"/>
+              <a:t>Rebuild application, using profile to guide optimizations</a:t>
+            </a:r>
+          </a:p>
+          <a:p>
+            <a:r>
+              <a:rPr lang="en-US" dirty="0"/>
+              <a:t>Depends on quality of run: must be representative for general use</a:t>
+            </a:r>
+          </a:p>
+          <a:p>
+            <a:pPr lvl="1"/>
+            <a:r>
+              <a:rPr lang="en-US" dirty="0"/>
+              <a:t>CPU/memory architecture</a:t>
+            </a:r>
+          </a:p>
+          <a:p>
+            <a:pPr lvl="1"/>
+            <a:r>
+              <a:rPr lang="en-US" dirty="0"/>
+              <a:t>input data/parameters</a:t>
+            </a:r>
+          </a:p>
+          <a:p>
+            <a:r>
+              <a:rPr lang="en-US" dirty="0"/>
+              <a:t>YMMV: expect &lt; 10 %</a:t>
+            </a:r>
+          </a:p>
+        </p:txBody>
+      </p:sp>
+      <p:sp>
+        <p:nvSpPr>
+          <p:cNvPr id="4" name="Slide Number Placeholder 3"/>
+          <p:cNvSpPr>
+            <a:spLocks noGrp="1"/>
+          </p:cNvSpPr>
+          <p:nvPr>
+            <p:ph type="sldNum" sz="quarter" idx="12"/>
+          </p:nvPr>
+        </p:nvSpPr>
+        <p:spPr/>
+        <p:txBody>
+          <a:bodyPr/>
+          <a:lstStyle/>
+          <a:p>
+            <a:fld id="{6597116C-F94B-4B5B-973A-17F07FB5C418}" type="slidenum">
+              <a:rPr lang="nl-BE" smtClean="0"/>
+              <a:t>46</a:t>
+            </a:fld>
+            <a:endParaRPr lang="nl-BE"/>
+          </a:p>
+        </p:txBody>
+      </p:sp>
+    </p:spTree>
+    <p:extLst>
+      <p:ext uri="{BB962C8B-B14F-4D97-AF65-F5344CB8AC3E}">
+        <p14:creationId xmlns:p14="http://schemas.microsoft.com/office/powerpoint/2010/main" val="2237804228"/>
+      </p:ext>
+    </p:extLst>
+  </p:cSld>
+  <p:clrMapOvr>
+    <a:masterClrMapping/>
+  </p:clrMapOvr>
+  <p:timing>
+    <p:tnLst>
+      <p:par>
+        <p:cTn id="1" dur="indefinite" restart="never" nodeType="tmRoot">
+          <p:childTnLst>
+            <p:seq concurrent="1" nextAc="seek">
+              <p:cTn id="2" dur="indefinite" nodeType="mainSeq">
+                <p:childTnLst>
+                  <p:par>
+                    <p:cTn id="3" fill="hold">
+                      <p:stCondLst>
+                        <p:cond delay="indefinite"/>
+                        <p:cond evt="onBegin" delay="0">
+                          <p:tn val="2"/>
+                        </p:cond>
+                      </p:stCondLst>
+                      <p:childTnLst>
+                        <p:par>
+                          <p:cTn id="4" fill="hold">
+                            <p:stCondLst>
+                              <p:cond delay="0"/>
+                            </p:stCondLst>
+                            <p:childTnLst>
+                              <p:par>
+                                <p:cTn id="5" presetID="1" presetClass="entr" presetSubtype="0" fill="hold" grpId="0" nodeType="withEffect">
+                                  <p:stCondLst>
+                                    <p:cond delay="0"/>
+                                  </p:stCondLst>
+                                  <p:childTnLst>
+                                    <p:set>
+                                      <p:cBhvr>
+                                        <p:cTn id="6" dur="1" fill="hold">
+                                          <p:stCondLst>
+                                            <p:cond delay="0"/>
+                                          </p:stCondLst>
+                                        </p:cTn>
+                                        <p:tgtEl>
+                                          <p:spTgt spid="3">
+                                            <p:txEl>
+                                              <p:pRg st="0" end="0"/>
+                                            </p:txEl>
+                                          </p:spTgt>
+                                        </p:tgtEl>
+                                        <p:attrNameLst>
+                                          <p:attrName>style.visibility</p:attrName>
+                                        </p:attrNameLst>
+                                      </p:cBhvr>
+                                      <p:to>
+                                        <p:strVal val="visible"/>
+                                      </p:to>
+                                    </p:set>
+                                  </p:childTnLst>
+                                </p:cTn>
+                              </p:par>
+                            </p:childTnLst>
+                          </p:cTn>
+                        </p:par>
+                      </p:childTnLst>
+                    </p:cTn>
+                  </p:par>
+                  <p:par>
+                    <p:cTn id="7" fill="hold">
+                      <p:stCondLst>
+                        <p:cond delay="indefinite"/>
+                      </p:stCondLst>
+                      <p:childTnLst>
+                        <p:par>
+                          <p:cTn id="8" fill="hold">
+                            <p:stCondLst>
+                              <p:cond delay="0"/>
+                            </p:stCondLst>
+                            <p:childTnLst>
+                              <p:par>
+                                <p:cTn id="9" presetID="1" presetClass="entr" presetSubtype="0" fill="hold" grpId="0" nodeType="clickEffect">
+                                  <p:stCondLst>
+                                    <p:cond delay="0"/>
+                                  </p:stCondLst>
+                                  <p:childTnLst>
+                                    <p:set>
+                                      <p:cBhvr>
+                                        <p:cTn id="10" dur="1" fill="hold">
+                                          <p:stCondLst>
+                                            <p:cond delay="0"/>
+                                          </p:stCondLst>
+                                        </p:cTn>
+                                        <p:tgtEl>
+                                          <p:spTgt spid="3">
+                                            <p:txEl>
+                                              <p:pRg st="1" end="1"/>
+                                            </p:txEl>
+                                          </p:spTgt>
+                                        </p:tgtEl>
+                                        <p:attrNameLst>
+                                          <p:attrName>style.visibility</p:attrName>
+                                        </p:attrNameLst>
+                                      </p:cBhvr>
+                                      <p:to>
+                                        <p:strVal val="visible"/>
+                                      </p:to>
+                                    </p:set>
+                                  </p:childTnLst>
+                                </p:cTn>
+                              </p:par>
+                            </p:childTnLst>
+                          </p:cTn>
+                        </p:par>
+                      </p:childTnLst>
+                    </p:cTn>
+                  </p:par>
+                  <p:par>
+                    <p:cTn id="11" fill="hold">
+                      <p:stCondLst>
+                        <p:cond delay="indefinite"/>
+                      </p:stCondLst>
+                      <p:childTnLst>
+                        <p:par>
+                          <p:cTn id="12" fill="hold">
+                            <p:stCondLst>
+                              <p:cond delay="0"/>
+                            </p:stCondLst>
+                            <p:childTnLst>
+                              <p:par>
+                                <p:cTn id="13" presetID="1" presetClass="entr" presetSubtype="0" fill="hold" grpId="0" nodeType="clickEffect">
+                                  <p:stCondLst>
+                                    <p:cond delay="0"/>
+                                  </p:stCondLst>
+                                  <p:childTnLst>
+                                    <p:set>
+                                      <p:cBhvr>
+                                        <p:cTn id="14" dur="1" fill="hold">
+                                          <p:stCondLst>
+                                            <p:cond delay="0"/>
+                                          </p:stCondLst>
+                                        </p:cTn>
+                                        <p:tgtEl>
+                                          <p:spTgt spid="3">
+                                            <p:txEl>
+                                              <p:pRg st="2" end="2"/>
+                                            </p:txEl>
+                                          </p:spTgt>
+                                        </p:tgtEl>
+                                        <p:attrNameLst>
+                                          <p:attrName>style.visibility</p:attrName>
+                                        </p:attrNameLst>
+                                      </p:cBhvr>
+                                      <p:to>
+                                        <p:strVal val="visible"/>
+                                      </p:to>
+                                    </p:set>
+                                  </p:childTnLst>
+                                </p:cTn>
+                              </p:par>
+                              <p:par>
+                                <p:cTn id="15" presetID="1" presetClass="entr" presetSubtype="0" fill="hold" grpId="0" nodeType="withEffect">
+                                  <p:stCondLst>
+                                    <p:cond delay="0"/>
+                                  </p:stCondLst>
+                                  <p:childTnLst>
+                                    <p:set>
+                                      <p:cBhvr>
+                                        <p:cTn id="16" dur="1" fill="hold">
+                                          <p:stCondLst>
+                                            <p:cond delay="0"/>
+                                          </p:stCondLst>
+                                        </p:cTn>
+                                        <p:tgtEl>
+                                          <p:spTgt spid="3">
+                                            <p:txEl>
+                                              <p:pRg st="3" end="3"/>
+                                            </p:txEl>
+                                          </p:spTgt>
+                                        </p:tgtEl>
+                                        <p:attrNameLst>
+                                          <p:attrName>style.visibility</p:attrName>
+                                        </p:attrNameLst>
+                                      </p:cBhvr>
+                                      <p:to>
+                                        <p:strVal val="visible"/>
+                                      </p:to>
+                                    </p:set>
+                                  </p:childTnLst>
+                                </p:cTn>
+                              </p:par>
+                            </p:childTnLst>
+                          </p:cTn>
+                        </p:par>
+                      </p:childTnLst>
+                    </p:cTn>
+                  </p:par>
+                  <p:par>
+                    <p:cTn id="17" fill="hold">
+                      <p:stCondLst>
+                        <p:cond delay="indefinite"/>
+                      </p:stCondLst>
+                      <p:childTnLst>
+                        <p:par>
+                          <p:cTn id="18" fill="hold">
+                            <p:stCondLst>
+                              <p:cond delay="0"/>
+                            </p:stCondLst>
+                            <p:childTnLst>
+                              <p:par>
+                                <p:cTn id="19" presetID="1" presetClass="entr" presetSubtype="0" fill="hold" grpId="0" nodeType="clickEffect">
+                                  <p:stCondLst>
+                                    <p:cond delay="0"/>
+                                  </p:stCondLst>
+                                  <p:childTnLst>
+                                    <p:set>
+                                      <p:cBhvr>
+                                        <p:cTn id="20" dur="1" fill="hold">
+                                          <p:stCondLst>
+                                            <p:cond delay="0"/>
+                                          </p:stCondLst>
+                                        </p:cTn>
+                                        <p:tgtEl>
+                                          <p:spTgt spid="3">
+                                            <p:txEl>
+                                              <p:pRg st="4" end="4"/>
+                                            </p:txEl>
+                                          </p:spTgt>
+                                        </p:tgtEl>
+                                        <p:attrNameLst>
+                                          <p:attrName>style.visibility</p:attrName>
+                                        </p:attrNameLst>
+                                      </p:cBhvr>
+                                      <p:to>
+                                        <p:strVal val="visible"/>
+                                      </p:to>
+                                    </p:set>
+                                  </p:childTnLst>
+                                </p:cTn>
+                              </p:par>
+                            </p:childTnLst>
+                          </p:cTn>
+                        </p:par>
+                      </p:childTnLst>
+                    </p:cTn>
+                  </p:par>
+                  <p:par>
+                    <p:cTn id="21" fill="hold">
+                      <p:stCondLst>
+                        <p:cond delay="indefinite"/>
+                      </p:stCondLst>
+                      <p:childTnLst>
+                        <p:par>
+                          <p:cTn id="22" fill="hold">
+                            <p:stCondLst>
+                              <p:cond delay="0"/>
+                            </p:stCondLst>
+                            <p:childTnLst>
+                              <p:par>
+                                <p:cTn id="23" presetID="1" presetClass="entr" presetSubtype="0" fill="hold" grpId="0" nodeType="clickEffect">
+                                  <p:stCondLst>
+                                    <p:cond delay="0"/>
+                                  </p:stCondLst>
+                                  <p:childTnLst>
+                                    <p:set>
+                                      <p:cBhvr>
+                                        <p:cTn id="24" dur="1" fill="hold">
+                                          <p:stCondLst>
+                                            <p:cond delay="0"/>
+                                          </p:stCondLst>
+                                        </p:cTn>
+                                        <p:tgtEl>
+                                          <p:spTgt spid="3">
+                                            <p:txEl>
+                                              <p:pRg st="5" end="5"/>
+                                            </p:txEl>
+                                          </p:spTgt>
+                                        </p:tgtEl>
+                                        <p:attrNameLst>
+                                          <p:attrName>style.visibility</p:attrName>
+                                        </p:attrNameLst>
+                                      </p:cBhvr>
+                                      <p:to>
+                                        <p:strVal val="visible"/>
+                                      </p:to>
+                                    </p:set>
+                                  </p:childTnLst>
+                                </p:cTn>
+                              </p:par>
+                            </p:childTnLst>
+                          </p:cTn>
+                        </p:par>
+                      </p:childTnLst>
+                    </p:cTn>
+                  </p:par>
+                  <p:par>
+                    <p:cTn id="25" fill="hold">
+                      <p:stCondLst>
+                        <p:cond delay="indefinite"/>
+                      </p:stCondLst>
+                      <p:childTnLst>
+                        <p:par>
+                          <p:cTn id="26" fill="hold">
+                            <p:stCondLst>
+                              <p:cond delay="0"/>
+                            </p:stCondLst>
+                            <p:childTnLst>
+                              <p:par>
+                                <p:cTn id="27" presetID="1" presetClass="entr" presetSubtype="0" fill="hold" grpId="0" nodeType="clickEffect">
+                                  <p:stCondLst>
+                                    <p:cond delay="0"/>
+                                  </p:stCondLst>
+                                  <p:childTnLst>
+                                    <p:set>
+                                      <p:cBhvr>
+                                        <p:cTn id="28" dur="1" fill="hold">
+                                          <p:stCondLst>
+                                            <p:cond delay="0"/>
+                                          </p:stCondLst>
+                                        </p:cTn>
+                                        <p:tgtEl>
+                                          <p:spTgt spid="3">
+                                            <p:txEl>
+                                              <p:pRg st="6" end="6"/>
+                                            </p:txEl>
+                                          </p:spTgt>
+                                        </p:tgtEl>
+                                        <p:attrNameLst>
+                                          <p:attrName>style.visibility</p:attrName>
+                                        </p:attrNameLst>
+                                      </p:cBhvr>
+                                      <p:to>
+                                        <p:strVal val="visible"/>
+                                      </p:to>
+                                    </p:set>
+                                  </p:childTnLst>
+                                </p:cTn>
+                              </p:par>
+                            </p:childTnLst>
+                          </p:cTn>
+                        </p:par>
+                      </p:childTnLst>
+                    </p:cTn>
+                  </p:par>
+                  <p:par>
+                    <p:cTn id="29" fill="hold">
+                      <p:stCondLst>
+                        <p:cond delay="indefinite"/>
+                      </p:stCondLst>
+                      <p:childTnLst>
+                        <p:par>
+                          <p:cTn id="30" fill="hold">
+                            <p:stCondLst>
+                              <p:cond delay="0"/>
+                            </p:stCondLst>
+                            <p:childTnLst>
+                              <p:par>
+                                <p:cTn id="31" presetID="1" presetClass="entr" presetSubtype="0" fill="hold" grpId="0" nodeType="clickEffect">
+                                  <p:stCondLst>
+                                    <p:cond delay="0"/>
+                                  </p:stCondLst>
+                                  <p:childTnLst>
+                                    <p:set>
+                                      <p:cBhvr>
+                                        <p:cTn id="32" dur="1" fill="hold">
+                                          <p:stCondLst>
+                                            <p:cond delay="0"/>
+                                          </p:stCondLst>
+                                        </p:cTn>
+                                        <p:tgtEl>
+                                          <p:spTgt spid="3">
+                                            <p:txEl>
+                                              <p:pRg st="7" end="7"/>
+                                            </p:txEl>
+                                          </p:spTgt>
+                                        </p:tgtEl>
+                                        <p:attrNameLst>
+                                          <p:attrName>style.visibility</p:attrName>
+                                        </p:attrNameLst>
+                                      </p:cBhvr>
+                                      <p:to>
+                                        <p:strVal val="visible"/>
+                                      </p:to>
+                                    </p:set>
+                                  </p:childTnLst>
+                                </p:cTn>
+                              </p:par>
+                            </p:childTnLst>
+                          </p:cTn>
+                        </p:par>
+                      </p:childTnLst>
+                    </p:cTn>
+                  </p:par>
+                  <p:par>
+                    <p:cTn id="33" fill="hold">
+                      <p:stCondLst>
+                        <p:cond delay="indefinite"/>
+                      </p:stCondLst>
+                      <p:childTnLst>
+                        <p:par>
+                          <p:cTn id="34" fill="hold">
+                            <p:stCondLst>
+                              <p:cond delay="0"/>
+                            </p:stCondLst>
+                            <p:childTnLst>
+                              <p:par>
+                                <p:cTn id="35" presetID="1" presetClass="entr" presetSubtype="0" fill="hold" grpId="0" nodeType="clickEffect">
+                                  <p:stCondLst>
+                                    <p:cond delay="0"/>
+                                  </p:stCondLst>
+                                  <p:childTnLst>
+                                    <p:set>
+                                      <p:cBhvr>
+                                        <p:cTn id="36" dur="1" fill="hold">
+                                          <p:stCondLst>
+                                            <p:cond delay="0"/>
+                                          </p:stCondLst>
+                                        </p:cTn>
+                                        <p:tgtEl>
+                                          <p:spTgt spid="3">
+                                            <p:txEl>
+                                              <p:pRg st="8" end="8"/>
+                                            </p:txEl>
+                                          </p:spTgt>
+                                        </p:tgtEl>
+                                        <p:attrNameLst>
+                                          <p:attrName>style.visibility</p:attrName>
+                                        </p:attrNameLst>
+                                      </p:cBhvr>
+                                      <p:to>
+                                        <p:strVal val="visible"/>
+                                      </p:to>
+                                    </p:set>
+                                  </p:childTnLst>
+                                </p:cTn>
+                              </p:par>
+                            </p:childTnLst>
+                          </p:cTn>
+                        </p:par>
+                      </p:childTnLst>
+                    </p:cTn>
+                  </p:par>
+                </p:childTnLst>
+              </p:cTn>
+              <p:prevCondLst>
+                <p:cond evt="onPrev" delay="0">
+                  <p:tgtEl>
+                    <p:sldTgt/>
+                  </p:tgtEl>
+                </p:cond>
+              </p:prevCondLst>
+              <p:nextCondLst>
+                <p:cond evt="onNext" delay="0">
+                  <p:tgtEl>
+                    <p:sldTgt/>
+                  </p:tgtEl>
+                </p:cond>
+              </p:nextCondLst>
+            </p:seq>
+          </p:childTnLst>
+        </p:cTn>
+      </p:par>
+    </p:tnLst>
+    <p:bldLst>
+      <p:bldP spid="3" grpId="0" uiExpand="1" build="p" bldLvl="2"/>
+    </p:bldLst>
+  </p:timing>
+</p:sld>
+</file>
+
+<file path=ppt/slides/slide47.xml><?xml version="1.0" encoding="utf-8"?>
+<p:sld xmlns:a="http://schemas.openxmlformats.org/drawingml/2006/main" xmlns:r="http://schemas.openxmlformats.org/officeDocument/2006/relationships" xmlns:p="http://schemas.openxmlformats.org/presentationml/2006/main">
+  <p:cSld>
+    <p:spTree>
+      <p:nvGrpSpPr>
+        <p:cNvPr id="1" name=""/>
+        <p:cNvGrpSpPr/>
+        <p:nvPr/>
+      </p:nvGrpSpPr>
+      <p:grpSpPr>
+        <a:xfrm>
+          <a:off x="0" y="0"/>
+          <a:ext cx="0" cy="0"/>
+          <a:chOff x="0" y="0"/>
+          <a:chExt cx="0" cy="0"/>
+        </a:xfrm>
+      </p:grpSpPr>
+      <p:sp>
+        <p:nvSpPr>
+          <p:cNvPr id="2" name="Title 1"/>
+          <p:cNvSpPr>
+            <a:spLocks noGrp="1"/>
+          </p:cNvSpPr>
+          <p:nvPr>
+            <p:ph type="title"/>
+          </p:nvPr>
+        </p:nvSpPr>
+        <p:spPr/>
+        <p:txBody>
+          <a:bodyPr/>
+          <a:lstStyle/>
+          <a:p>
+            <a:r>
+              <a:rPr lang="en-US" dirty="0"/>
+              <a:t>GCC compilers</a:t>
+            </a:r>
+          </a:p>
+        </p:txBody>
+      </p:sp>
+      <p:sp>
+        <p:nvSpPr>
+          <p:cNvPr id="3" name="Content Placeholder 2"/>
+          <p:cNvSpPr>
+            <a:spLocks noGrp="1"/>
+          </p:cNvSpPr>
+          <p:nvPr>
+            <p:ph idx="1"/>
+          </p:nvPr>
+        </p:nvSpPr>
+        <p:spPr/>
+        <p:txBody>
+          <a:bodyPr/>
+          <a:lstStyle/>
+          <a:p>
+            <a:r>
+              <a:rPr lang="en-US" dirty="0"/>
+              <a:t>Build with instrumentation</a:t>
+            </a:r>
+          </a:p>
+          <a:p>
+            <a:endParaRPr lang="en-US" dirty="0"/>
+          </a:p>
+          <a:p>
+            <a:r>
+              <a:rPr lang="en-US" dirty="0"/>
+              <a:t>Run as usual</a:t>
+            </a:r>
+          </a:p>
+          <a:p>
+            <a:r>
+              <a:rPr lang="en-US" dirty="0"/>
+              <a:t>Build using profile</a:t>
+            </a:r>
+          </a:p>
+        </p:txBody>
+      </p:sp>
+      <p:sp>
+        <p:nvSpPr>
+          <p:cNvPr id="4" name="Slide Number Placeholder 3"/>
+          <p:cNvSpPr>
+            <a:spLocks noGrp="1"/>
+          </p:cNvSpPr>
+          <p:nvPr>
+            <p:ph type="sldNum" sz="quarter" idx="12"/>
+          </p:nvPr>
+        </p:nvSpPr>
+        <p:spPr/>
+        <p:txBody>
+          <a:bodyPr/>
+          <a:lstStyle/>
+          <a:p>
+            <a:fld id="{6597116C-F94B-4B5B-973A-17F07FB5C418}" type="slidenum">
+              <a:rPr lang="nl-BE" smtClean="0"/>
+              <a:t>47</a:t>
+            </a:fld>
+            <a:endParaRPr lang="nl-BE"/>
+          </a:p>
+        </p:txBody>
+      </p:sp>
+      <p:sp>
+        <p:nvSpPr>
+          <p:cNvPr id="5" name="TextBox 4"/>
+          <p:cNvSpPr txBox="1"/>
+          <p:nvPr/>
+        </p:nvSpPr>
+        <p:spPr>
+          <a:xfrm>
+            <a:off x="1187624" y="2276872"/>
+            <a:ext cx="6801862" cy="369332"/>
+          </a:xfrm>
+          <a:prstGeom prst="rect">
+            <a:avLst/>
+          </a:prstGeom>
+          <a:solidFill>
+            <a:schemeClr val="bg1">
+              <a:lumMod val="85000"/>
+            </a:schemeClr>
+          </a:solidFill>
+          <a:ln>
+            <a:solidFill>
+              <a:schemeClr val="tx1"/>
+            </a:solidFill>
+          </a:ln>
+        </p:spPr>
+        <p:txBody>
+          <a:bodyPr wrap="square" rtlCol="0">
+            <a:spAutoFit/>
+          </a:bodyPr>
+          <a:lstStyle/>
+          <a:p>
+            <a:r>
+              <a:rPr lang="en-US" dirty="0" err="1">
+                <a:latin typeface="Courier New" panose="02070309020205020404" pitchFamily="49" charset="0"/>
+                <a:cs typeface="Courier New" panose="02070309020205020404" pitchFamily="49" charset="0"/>
+              </a:rPr>
+              <a:t>gcc</a:t>
+            </a:r>
+            <a:r>
+              <a:rPr lang="en-US" dirty="0">
+                <a:latin typeface="Courier New" panose="02070309020205020404" pitchFamily="49" charset="0"/>
+                <a:cs typeface="Courier New" panose="02070309020205020404" pitchFamily="49" charset="0"/>
+              </a:rPr>
+              <a:t>  -</a:t>
+            </a:r>
+            <a:r>
+              <a:rPr lang="en-US" dirty="0" err="1">
+                <a:latin typeface="Courier New" panose="02070309020205020404" pitchFamily="49" charset="0"/>
+                <a:cs typeface="Courier New" panose="02070309020205020404" pitchFamily="49" charset="0"/>
+              </a:rPr>
+              <a:t>fprofile</a:t>
+            </a:r>
+            <a:r>
+              <a:rPr lang="en-US" dirty="0">
+                <a:latin typeface="Courier New" panose="02070309020205020404" pitchFamily="49" charset="0"/>
+                <a:cs typeface="Courier New" panose="02070309020205020404" pitchFamily="49" charset="0"/>
+              </a:rPr>
+              <a:t>-generate  -o appl.exe  …</a:t>
+            </a:r>
+            <a:endParaRPr lang="nl-BE" dirty="0">
+              <a:latin typeface="Courier New" panose="02070309020205020404" pitchFamily="49" charset="0"/>
+              <a:cs typeface="Courier New" panose="02070309020205020404" pitchFamily="49" charset="0"/>
+            </a:endParaRPr>
+          </a:p>
+        </p:txBody>
+      </p:sp>
+      <p:sp>
+        <p:nvSpPr>
+          <p:cNvPr id="6" name="TextBox 5"/>
+          <p:cNvSpPr txBox="1"/>
+          <p:nvPr/>
+        </p:nvSpPr>
+        <p:spPr>
+          <a:xfrm>
+            <a:off x="1187624" y="4139788"/>
+            <a:ext cx="6801862" cy="369332"/>
+          </a:xfrm>
+          <a:prstGeom prst="rect">
+            <a:avLst/>
+          </a:prstGeom>
+          <a:solidFill>
+            <a:schemeClr val="bg1">
+              <a:lumMod val="85000"/>
+            </a:schemeClr>
+          </a:solidFill>
+          <a:ln>
+            <a:solidFill>
+              <a:schemeClr val="tx1"/>
+            </a:solidFill>
+          </a:ln>
+        </p:spPr>
+        <p:txBody>
+          <a:bodyPr wrap="none" rtlCol="0">
+            <a:spAutoFit/>
+          </a:bodyPr>
+          <a:lstStyle/>
+          <a:p>
+            <a:r>
+              <a:rPr lang="en-US" dirty="0" err="1">
+                <a:latin typeface="Courier New" panose="02070309020205020404" pitchFamily="49" charset="0"/>
+                <a:cs typeface="Courier New" panose="02070309020205020404" pitchFamily="49" charset="0"/>
+              </a:rPr>
+              <a:t>gcc</a:t>
+            </a:r>
+            <a:r>
+              <a:rPr lang="en-US" dirty="0">
+                <a:latin typeface="Courier New" panose="02070309020205020404" pitchFamily="49" charset="0"/>
+                <a:cs typeface="Courier New" panose="02070309020205020404" pitchFamily="49" charset="0"/>
+              </a:rPr>
+              <a:t>  -</a:t>
+            </a:r>
+            <a:r>
+              <a:rPr lang="en-US" dirty="0" err="1">
+                <a:latin typeface="Courier New" panose="02070309020205020404" pitchFamily="49" charset="0"/>
+                <a:cs typeface="Courier New" panose="02070309020205020404" pitchFamily="49" charset="0"/>
+              </a:rPr>
+              <a:t>fprofile</a:t>
+            </a:r>
+            <a:r>
+              <a:rPr lang="en-US" dirty="0">
+                <a:latin typeface="Courier New" panose="02070309020205020404" pitchFamily="49" charset="0"/>
+                <a:cs typeface="Courier New" panose="02070309020205020404" pitchFamily="49" charset="0"/>
+              </a:rPr>
+              <a:t>-use=</a:t>
+            </a:r>
+            <a:r>
+              <a:rPr lang="en-US" dirty="0" err="1">
+                <a:latin typeface="Courier New" panose="02070309020205020404" pitchFamily="49" charset="0"/>
+                <a:cs typeface="Courier New" panose="02070309020205020404" pitchFamily="49" charset="0"/>
+              </a:rPr>
+              <a:t>appl.exe.gcda</a:t>
+            </a:r>
+            <a:r>
+              <a:rPr lang="en-US" dirty="0">
+                <a:latin typeface="Courier New" panose="02070309020205020404" pitchFamily="49" charset="0"/>
+                <a:cs typeface="Courier New" panose="02070309020205020404" pitchFamily="49" charset="0"/>
+              </a:rPr>
+              <a:t>  -o appl.exe  …</a:t>
+            </a:r>
+            <a:endParaRPr lang="nl-BE" dirty="0">
+              <a:latin typeface="Courier New" panose="02070309020205020404" pitchFamily="49" charset="0"/>
+              <a:cs typeface="Courier New" panose="02070309020205020404" pitchFamily="49" charset="0"/>
+            </a:endParaRPr>
+          </a:p>
+        </p:txBody>
+      </p:sp>
+    </p:spTree>
+    <p:extLst>
+      <p:ext uri="{BB962C8B-B14F-4D97-AF65-F5344CB8AC3E}">
+        <p14:creationId xmlns:p14="http://schemas.microsoft.com/office/powerpoint/2010/main" val="2433576050"/>
       </p:ext>
     </p:extLst>
   </p:cSld>
@@ -41114,11 +41757,7 @@
                                           </p:stCondLst>
                                         </p:cTn>
                                         <p:tgtEl>
-                                          <p:spTgt spid="3">
-                                            <p:txEl>
-                                              <p:pRg st="1" end="1"/>
-                                            </p:txEl>
-                                          </p:spTgt>
+                                          <p:spTgt spid="5"/>
                                         </p:tgtEl>
                                         <p:attrNameLst>
                                           <p:attrName>style.visibility</p:attrName>
@@ -41131,15 +41770,33 @@
                                   </p:childTnLst>
                                 </p:cTn>
                               </p:par>
+                            </p:childTnLst>
+                          </p:cTn>
+                        </p:par>
+                      </p:childTnLst>
+                    </p:cTn>
+                  </p:par>
+                  <p:par>
+                    <p:cTn id="9" fill="hold">
+                      <p:stCondLst>
+                        <p:cond delay="indefinite"/>
+                      </p:stCondLst>
+                      <p:childTnLst>
+                        <p:par>
+                          <p:cTn id="10" fill="hold">
+                            <p:stCondLst>
+                              <p:cond delay="0"/>
+                            </p:stCondLst>
+                            <p:childTnLst>
                               <p:par>
-                                <p:cTn id="9" presetID="1" presetClass="entr" presetSubtype="0" fill="hold" grpId="0" nodeType="withEffect">
+                                <p:cTn id="11" presetID="1" presetClass="entr" presetSubtype="0" fill="hold" grpId="0" nodeType="clickEffect">
                                   <p:stCondLst>
                                     <p:cond delay="0"/>
                                   </p:stCondLst>
                                   <p:childTnLst>
                                     <p:set>
                                       <p:cBhvr>
-                                        <p:cTn id="10" dur="1" fill="hold">
+                                        <p:cTn id="12" dur="1" fill="hold">
                                           <p:stCondLst>
                                             <p:cond delay="0"/>
                                           </p:stCondLst>
@@ -41169,50 +41826,19 @@
                     </p:cTn>
                   </p:par>
                   <p:par>
-                    <p:cTn id="11" fill="hold">
+                    <p:cTn id="13" fill="hold">
                       <p:stCondLst>
                         <p:cond delay="indefinite"/>
                       </p:stCondLst>
                       <p:childTnLst>
                         <p:par>
-                          <p:cTn id="12" fill="hold">
+                          <p:cTn id="14" fill="hold">
                             <p:stCondLst>
                               <p:cond delay="0"/>
                             </p:stCondLst>
                             <p:childTnLst>
                               <p:par>
-                                <p:cTn id="13" presetID="1" presetClass="entr" presetSubtype="0" fill="hold" grpId="0" nodeType="clickEffect">
-                                  <p:stCondLst>
-                                    <p:cond delay="0"/>
-                                  </p:stCondLst>
-                                  <p:childTnLst>
-                                    <p:set>
-                                      <p:cBhvr>
-                                        <p:cTn id="14" dur="1" fill="hold">
-                                          <p:stCondLst>
-                                            <p:cond delay="0"/>
-                                          </p:stCondLst>
-                                        </p:cTn>
-                                        <p:tgtEl>
-                                          <p:spTgt spid="3">
-                                            <p:txEl>
-                                              <p:pRg st="3" end="3"/>
-                                            </p:txEl>
-                                          </p:spTgt>
-                                        </p:tgtEl>
-                                        <p:attrNameLst>
-                                          <p:attrName>style.visibility</p:attrName>
-                                        </p:attrNameLst>
-                                      </p:cBhvr>
-                                      <p:to>
-                                        <p:strVal val="visible"/>
-                                      </p:to>
-                                    </p:set>
-                                  </p:childTnLst>
-                                </p:cTn>
-                              </p:par>
-                              <p:par>
-                                <p:cTn id="15" presetID="1" presetClass="entr" presetSubtype="0" fill="hold" grpId="0" nodeType="withEffect">
+                                <p:cTn id="15" presetID="1" presetClass="entr" presetSubtype="0" fill="hold" grpId="0" nodeType="clickEffect">
                                   <p:stCondLst>
                                     <p:cond delay="0"/>
                                   </p:stCondLst>
@@ -41227,7 +41853,7 @@
                                         <p:tgtEl>
                                           <p:spTgt spid="3">
                                             <p:txEl>
-                                              <p:pRg st="4" end="4"/>
+                                              <p:pRg st="3" end="3"/>
                                             </p:txEl>
                                           </p:spTgt>
                                         </p:tgtEl>
@@ -41256,87 +41882,7 @@
                                           </p:stCondLst>
                                         </p:cTn>
                                         <p:tgtEl>
-                                          <p:spTgt spid="3">
-                                            <p:txEl>
-                                              <p:pRg st="5" end="5"/>
-                                            </p:txEl>
-                                          </p:spTgt>
-                                        </p:tgtEl>
-                                        <p:attrNameLst>
-                                          <p:attrName>style.visibility</p:attrName>
-                                        </p:attrNameLst>
-                                      </p:cBhvr>
-                                      <p:to>
-                                        <p:strVal val="visible"/>
-                                      </p:to>
-                                    </p:set>
-                                  </p:childTnLst>
-                                </p:cTn>
-                              </p:par>
-                            </p:childTnLst>
-                          </p:cTn>
-                        </p:par>
-                      </p:childTnLst>
-                    </p:cTn>
-                  </p:par>
-                  <p:par>
-                    <p:cTn id="19" fill="hold">
-                      <p:stCondLst>
-                        <p:cond delay="indefinite"/>
-                      </p:stCondLst>
-                      <p:childTnLst>
-                        <p:par>
-                          <p:cTn id="20" fill="hold">
-                            <p:stCondLst>
-                              <p:cond delay="0"/>
-                            </p:stCondLst>
-                            <p:childTnLst>
-                              <p:par>
-                                <p:cTn id="21" presetID="1" presetClass="entr" presetSubtype="0" fill="hold" grpId="0" nodeType="clickEffect">
-                                  <p:stCondLst>
-                                    <p:cond delay="0"/>
-                                  </p:stCondLst>
-                                  <p:childTnLst>
-                                    <p:set>
-                                      <p:cBhvr>
-                                        <p:cTn id="22" dur="1" fill="hold">
-                                          <p:stCondLst>
-                                            <p:cond delay="0"/>
-                                          </p:stCondLst>
-                                        </p:cTn>
-                                        <p:tgtEl>
-                                          <p:spTgt spid="3">
-                                            <p:txEl>
-                                              <p:pRg st="6" end="6"/>
-                                            </p:txEl>
-                                          </p:spTgt>
-                                        </p:tgtEl>
-                                        <p:attrNameLst>
-                                          <p:attrName>style.visibility</p:attrName>
-                                        </p:attrNameLst>
-                                      </p:cBhvr>
-                                      <p:to>
-                                        <p:strVal val="visible"/>
-                                      </p:to>
-                                    </p:set>
-                                  </p:childTnLst>
-                                </p:cTn>
-                              </p:par>
-                              <p:par>
-                                <p:cTn id="23" presetID="1" presetClass="entr" presetSubtype="0" fill="hold" grpId="0" nodeType="withEffect">
-                                  <p:stCondLst>
-                                    <p:cond delay="0"/>
-                                  </p:stCondLst>
-                                  <p:childTnLst>
-                                    <p:set>
-                                      <p:cBhvr>
-                                        <p:cTn id="24" dur="1" fill="hold">
-                                          <p:stCondLst>
-                                            <p:cond delay="0"/>
-                                          </p:stCondLst>
-                                        </p:cTn>
-                                        <p:tgtEl>
-                                          <p:spTgt spid="7"/>
+                                          <p:spTgt spid="6"/>
                                         </p:tgtEl>
                                         <p:attrNameLst>
                                           <p:attrName>style.visibility</p:attrName>
@@ -41378,13 +41924,14 @@
     </p:tnLst>
     <p:bldLst>
       <p:bldP spid="3" grpId="0" uiExpand="1" build="p"/>
-      <p:bldP spid="7" grpId="0"/>
+      <p:bldP spid="5" grpId="0" animBg="1"/>
+      <p:bldP spid="6" grpId="0" animBg="1"/>
     </p:bldLst>
   </p:timing>
 </p:sld>
 </file>
 
-<file path=ppt/slides/slide45.xml><?xml version="1.0" encoding="utf-8"?>
+<file path=ppt/slides/slide48.xml><?xml version="1.0" encoding="utf-8"?>
 <p:sld xmlns:a="http://schemas.openxmlformats.org/drawingml/2006/main" xmlns:r="http://schemas.openxmlformats.org/officeDocument/2006/relationships" xmlns:p="http://schemas.openxmlformats.org/presentationml/2006/main">
   <p:cSld>
     <p:spTree>
@@ -41418,7 +41965,7 @@
           <a:p>
             <a:r>
               <a:rPr lang="en-US" dirty="0"/>
-              <a:t>Code balance</a:t>
+              <a:t>Intel compilers</a:t>
             </a:r>
           </a:p>
         </p:txBody>
@@ -41440,42 +41987,22 @@
           <a:p>
             <a:r>
               <a:rPr lang="en-US" dirty="0"/>
-              <a:t>Memory access</a:t>
-            </a:r>
-          </a:p>
-          <a:p>
-            <a:pPr lvl="1"/>
+              <a:t>Build with instrumentation</a:t>
+            </a:r>
+          </a:p>
+          <a:p>
+            <a:endParaRPr lang="en-US" dirty="0"/>
+          </a:p>
+          <a:p>
             <a:r>
               <a:rPr lang="en-US" dirty="0"/>
-              <a:t>number of word load and store operations</a:t>
+              <a:t>Run as usual</a:t>
             </a:r>
           </a:p>
           <a:p>
             <a:r>
               <a:rPr lang="en-US" dirty="0"/>
-              <a:t>Computation</a:t>
-            </a:r>
-          </a:p>
-          <a:p>
-            <a:pPr lvl="1"/>
-            <a:r>
-              <a:rPr lang="en-US" dirty="0"/>
-              <a:t>number of FLOPS</a:t>
-            </a:r>
-          </a:p>
-          <a:p>
-            <a:r>
-              <a:rPr lang="en-US" dirty="0"/>
-              <a:t>Code balance</a:t>
-            </a:r>
-          </a:p>
-          <a:p>
-            <a:endParaRPr lang="en-US" dirty="0"/>
-          </a:p>
-          <a:p>
-            <a:r>
-              <a:rPr lang="en-US" dirty="0"/>
-              <a:t>Computational intensity</a:t>
+              <a:t>Build using profile</a:t>
             </a:r>
           </a:p>
         </p:txBody>
@@ -41497,320 +42024,162 @@
           <a:p>
             <a:fld id="{6597116C-F94B-4B5B-973A-17F07FB5C418}" type="slidenum">
               <a:rPr lang="nl-BE" smtClean="0"/>
-              <a:t>45</a:t>
+              <a:t>48</a:t>
             </a:fld>
             <a:endParaRPr lang="nl-BE"/>
           </a:p>
         </p:txBody>
       </p:sp>
-      <mc:AlternateContent xmlns:mc="http://schemas.openxmlformats.org/markup-compatibility/2006" xmlns:a14="http://schemas.microsoft.com/office/drawing/2010/main">
-        <mc:Choice Requires="a14">
-          <p:sp>
-            <p:nvSpPr>
-              <p:cNvPr id="5" name="TextBox 4"/>
-              <p:cNvSpPr txBox="1"/>
-              <p:nvPr/>
-            </p:nvSpPr>
-            <p:spPr>
-              <a:xfrm>
-                <a:off x="2269525" y="4386829"/>
-                <a:ext cx="4205416" cy="530915"/>
-              </a:xfrm>
-              <a:prstGeom prst="rect">
-                <a:avLst/>
-              </a:prstGeom>
-              <a:noFill/>
-            </p:spPr>
-            <p:txBody>
-              <a:bodyPr wrap="square" lIns="0" tIns="0" rIns="0" bIns="0" rtlCol="0">
-                <a:spAutoFit/>
-              </a:bodyPr>
-              <a:lstStyle/>
-              <a:p>
-                <a:pPr/>
-                <a14:m>
-                  <m:oMathPara xmlns:m="http://schemas.openxmlformats.org/officeDocument/2006/math">
-                    <m:oMathParaPr>
-                      <m:jc m:val="centerGroup"/>
-                    </m:oMathParaPr>
-                    <m:oMath xmlns:m="http://schemas.openxmlformats.org/officeDocument/2006/math">
-                      <m:sSub>
-                        <m:sSubPr>
-                          <m:ctrlPr>
-                            <a:rPr lang="en-US" sz="2800" b="0" i="1" smtClean="0">
-                              <a:latin typeface="Cambria Math" panose="02040503050406030204" pitchFamily="18" charset="0"/>
-                            </a:rPr>
-                          </m:ctrlPr>
-                        </m:sSubPr>
-                        <m:e>
-                          <m:r>
-                            <a:rPr lang="en-US" sz="2800" b="0" i="1" smtClean="0">
-                              <a:latin typeface="Cambria Math" panose="02040503050406030204" pitchFamily="18" charset="0"/>
-                            </a:rPr>
-                            <m:t>𝐵</m:t>
-                          </m:r>
-                        </m:e>
-                        <m:sub>
-                          <m:r>
-                            <a:rPr lang="en-US" sz="2800" b="0" i="1" smtClean="0">
-                              <a:latin typeface="Cambria Math" panose="02040503050406030204" pitchFamily="18" charset="0"/>
-                            </a:rPr>
-                            <m:t>𝑐</m:t>
-                          </m:r>
-                        </m:sub>
-                      </m:sSub>
-                      <m:r>
-                        <a:rPr lang="en-US" sz="2800" b="0" i="1" smtClean="0">
-                          <a:latin typeface="Cambria Math" panose="02040503050406030204" pitchFamily="18" charset="0"/>
-                        </a:rPr>
-                        <m:t>=</m:t>
-                      </m:r>
-                      <m:box>
-                        <m:boxPr>
-                          <m:ctrlPr>
-                            <a:rPr lang="en-US" sz="2800" b="0" i="1" smtClean="0">
-                              <a:latin typeface="Cambria Math" panose="02040503050406030204" pitchFamily="18" charset="0"/>
-                            </a:rPr>
-                          </m:ctrlPr>
-                        </m:boxPr>
-                        <m:e>
-                          <m:argPr>
-                            <m:argSz m:val="-1"/>
-                          </m:argPr>
-                          <m:f>
-                            <m:fPr>
-                              <m:ctrlPr>
-                                <a:rPr lang="en-US" sz="2800" b="0" i="1" smtClean="0">
-                                  <a:latin typeface="Cambria Math" panose="02040503050406030204" pitchFamily="18" charset="0"/>
-                                </a:rPr>
-                              </m:ctrlPr>
-                            </m:fPr>
-                            <m:num>
-                              <m:r>
-                                <m:rPr>
-                                  <m:sty m:val="p"/>
-                                </m:rPr>
-                                <a:rPr lang="en-US" sz="2800" b="0" i="0" smtClean="0">
-                                  <a:latin typeface="Cambria Math" panose="02040503050406030204" pitchFamily="18" charset="0"/>
-                                </a:rPr>
-                                <m:t>data</m:t>
-                              </m:r>
-                              <m:r>
-                                <a:rPr lang="en-US" sz="2800" b="0" i="0" smtClean="0">
-                                  <a:latin typeface="Cambria Math" panose="02040503050406030204" pitchFamily="18" charset="0"/>
-                                </a:rPr>
-                                <m:t> </m:t>
-                              </m:r>
-                              <m:r>
-                                <m:rPr>
-                                  <m:sty m:val="p"/>
-                                </m:rPr>
-                                <a:rPr lang="en-US" sz="2800" b="0" i="0" smtClean="0">
-                                  <a:latin typeface="Cambria Math" panose="02040503050406030204" pitchFamily="18" charset="0"/>
-                                </a:rPr>
-                                <m:t>transfer</m:t>
-                              </m:r>
-                            </m:num>
-                            <m:den>
-                              <m:r>
-                                <m:rPr>
-                                  <m:sty m:val="p"/>
-                                </m:rPr>
-                                <a:rPr lang="en-US" sz="2800" b="0" i="0" smtClean="0">
-                                  <a:latin typeface="Cambria Math" panose="02040503050406030204" pitchFamily="18" charset="0"/>
-                                </a:rPr>
-                                <m:t>FLOPS</m:t>
-                              </m:r>
-                            </m:den>
-                          </m:f>
-                        </m:e>
-                      </m:box>
-                    </m:oMath>
-                  </m:oMathPara>
-                </a14:m>
-                <a:endParaRPr lang="en-US" sz="2800" dirty="0"/>
-              </a:p>
-            </p:txBody>
-          </p:sp>
-        </mc:Choice>
-        <mc:Fallback xmlns="">
-          <p:sp>
-            <p:nvSpPr>
-              <p:cNvPr id="5" name="TextBox 4"/>
-              <p:cNvSpPr txBox="1">
-                <a:spLocks noRot="1" noChangeAspect="1" noMove="1" noResize="1" noEditPoints="1" noAdjustHandles="1" noChangeArrowheads="1" noChangeShapeType="1" noTextEdit="1"/>
-              </p:cNvSpPr>
-              <p:nvPr/>
-            </p:nvSpPr>
-            <p:spPr>
-              <a:xfrm>
-                <a:off x="2269525" y="4386829"/>
-                <a:ext cx="4205416" cy="530915"/>
-              </a:xfrm>
-              <a:prstGeom prst="rect">
-                <a:avLst/>
-              </a:prstGeom>
-              <a:blipFill>
-                <a:blip r:embed="rId2"/>
-                <a:stretch>
-                  <a:fillRect/>
-                </a:stretch>
-              </a:blipFill>
-            </p:spPr>
-            <p:txBody>
-              <a:bodyPr/>
-              <a:lstStyle/>
-              <a:p>
-                <a:r>
-                  <a:rPr lang="en-US">
-                    <a:noFill/>
-                  </a:rPr>
-                  <a:t> </a:t>
-                </a:r>
-              </a:p>
-            </p:txBody>
-          </p:sp>
-        </mc:Fallback>
-      </mc:AlternateContent>
-      <mc:AlternateContent xmlns:mc="http://schemas.openxmlformats.org/markup-compatibility/2006" xmlns:a14="http://schemas.microsoft.com/office/drawing/2010/main">
-        <mc:Choice Requires="a14">
-          <p:sp>
-            <p:nvSpPr>
-              <p:cNvPr id="6" name="TextBox 5"/>
-              <p:cNvSpPr txBox="1"/>
-              <p:nvPr/>
-            </p:nvSpPr>
-            <p:spPr>
-              <a:xfrm>
-                <a:off x="1989439" y="5695276"/>
-                <a:ext cx="4205416" cy="430887"/>
-              </a:xfrm>
-              <a:prstGeom prst="rect">
-                <a:avLst/>
-              </a:prstGeom>
-              <a:noFill/>
-            </p:spPr>
-            <p:txBody>
-              <a:bodyPr wrap="square" lIns="0" tIns="0" rIns="0" bIns="0" rtlCol="0">
-                <a:spAutoFit/>
-              </a:bodyPr>
-              <a:lstStyle/>
-              <a:p>
-                <a:pPr/>
-                <a14:m>
-                  <m:oMathPara xmlns:m="http://schemas.openxmlformats.org/officeDocument/2006/math">
-                    <m:oMathParaPr>
-                      <m:jc m:val="centerGroup"/>
-                    </m:oMathParaPr>
-                    <m:oMath xmlns:m="http://schemas.openxmlformats.org/officeDocument/2006/math">
-                      <m:r>
-                        <a:rPr lang="en-US" sz="2800" b="0" i="1" smtClean="0">
-                          <a:latin typeface="Cambria Math" panose="02040503050406030204" pitchFamily="18" charset="0"/>
-                        </a:rPr>
-                        <m:t>𝐼</m:t>
-                      </m:r>
-                      <m:r>
-                        <a:rPr lang="en-US" sz="2800" b="0" i="1" smtClean="0">
-                          <a:latin typeface="Cambria Math" panose="02040503050406030204" pitchFamily="18" charset="0"/>
-                        </a:rPr>
-                        <m:t>= </m:t>
-                      </m:r>
-                      <m:f>
-                        <m:fPr>
-                          <m:type m:val="lin"/>
-                          <m:ctrlPr>
-                            <a:rPr lang="en-US" sz="2800" b="0" i="1" smtClean="0">
-                              <a:latin typeface="Cambria Math" panose="02040503050406030204" pitchFamily="18" charset="0"/>
-                            </a:rPr>
-                          </m:ctrlPr>
-                        </m:fPr>
-                        <m:num>
-                          <m:r>
-                            <a:rPr lang="en-US" sz="2800" b="0" i="1" smtClean="0">
-                              <a:latin typeface="Cambria Math" panose="02040503050406030204" pitchFamily="18" charset="0"/>
-                            </a:rPr>
-                            <m:t>1</m:t>
-                          </m:r>
-                        </m:num>
-                        <m:den>
-                          <m:sSub>
-                            <m:sSubPr>
-                              <m:ctrlPr>
-                                <a:rPr lang="en-US" sz="2800" i="1">
-                                  <a:latin typeface="Cambria Math" panose="02040503050406030204" pitchFamily="18" charset="0"/>
-                                </a:rPr>
-                              </m:ctrlPr>
-                            </m:sSubPr>
-                            <m:e>
-                              <m:r>
-                                <a:rPr lang="en-US" sz="2800" i="1">
-                                  <a:latin typeface="Cambria Math" panose="02040503050406030204" pitchFamily="18" charset="0"/>
-                                </a:rPr>
-                                <m:t>𝐵</m:t>
-                              </m:r>
-                            </m:e>
-                            <m:sub>
-                              <m:r>
-                                <a:rPr lang="en-US" sz="2800" i="1">
-                                  <a:latin typeface="Cambria Math" panose="02040503050406030204" pitchFamily="18" charset="0"/>
-                                </a:rPr>
-                                <m:t>𝑐</m:t>
-                              </m:r>
-                            </m:sub>
-                          </m:sSub>
-                        </m:den>
-                      </m:f>
-                    </m:oMath>
-                  </m:oMathPara>
-                </a14:m>
-                <a:endParaRPr lang="en-US" sz="2800" dirty="0"/>
-              </a:p>
-            </p:txBody>
-          </p:sp>
-        </mc:Choice>
-        <mc:Fallback xmlns="">
-          <p:sp>
-            <p:nvSpPr>
-              <p:cNvPr id="6" name="TextBox 5"/>
-              <p:cNvSpPr txBox="1">
-                <a:spLocks noRot="1" noChangeAspect="1" noMove="1" noResize="1" noEditPoints="1" noAdjustHandles="1" noChangeArrowheads="1" noChangeShapeType="1" noTextEdit="1"/>
-              </p:cNvSpPr>
-              <p:nvPr/>
-            </p:nvSpPr>
-            <p:spPr>
-              <a:xfrm>
-                <a:off x="1989439" y="5695276"/>
-                <a:ext cx="4205416" cy="430887"/>
-              </a:xfrm>
-              <a:prstGeom prst="rect">
-                <a:avLst/>
-              </a:prstGeom>
-              <a:blipFill>
-                <a:blip r:embed="rId3"/>
-                <a:stretch>
-                  <a:fillRect/>
-                </a:stretch>
-              </a:blipFill>
-            </p:spPr>
-            <p:txBody>
-              <a:bodyPr/>
-              <a:lstStyle/>
-              <a:p>
-                <a:r>
-                  <a:rPr lang="en-US">
-                    <a:noFill/>
-                  </a:rPr>
-                  <a:t> </a:t>
-                </a:r>
-              </a:p>
-            </p:txBody>
-          </p:sp>
-        </mc:Fallback>
-      </mc:AlternateContent>
+      <p:sp>
+        <p:nvSpPr>
+          <p:cNvPr id="5" name="TextBox 4"/>
+          <p:cNvSpPr txBox="1"/>
+          <p:nvPr/>
+        </p:nvSpPr>
+        <p:spPr>
+          <a:xfrm>
+            <a:off x="1187624" y="2276872"/>
+            <a:ext cx="7629012" cy="369332"/>
+          </a:xfrm>
+          <a:prstGeom prst="rect">
+            <a:avLst/>
+          </a:prstGeom>
+          <a:solidFill>
+            <a:schemeClr val="bg1">
+              <a:lumMod val="85000"/>
+            </a:schemeClr>
+          </a:solidFill>
+          <a:ln>
+            <a:solidFill>
+              <a:schemeClr val="tx1"/>
+            </a:solidFill>
+          </a:ln>
+        </p:spPr>
+        <p:txBody>
+          <a:bodyPr wrap="square" rtlCol="0">
+            <a:spAutoFit/>
+          </a:bodyPr>
+          <a:lstStyle/>
+          <a:p>
+            <a:r>
+              <a:rPr lang="en-US" dirty="0" err="1">
+                <a:latin typeface="Courier New" panose="02070309020205020404" pitchFamily="49" charset="0"/>
+                <a:cs typeface="Courier New" panose="02070309020205020404" pitchFamily="49" charset="0"/>
+              </a:rPr>
+              <a:t>icc</a:t>
+            </a:r>
+            <a:r>
+              <a:rPr lang="en-US" dirty="0">
+                <a:latin typeface="Courier New" panose="02070309020205020404" pitchFamily="49" charset="0"/>
+                <a:cs typeface="Courier New" panose="02070309020205020404" pitchFamily="49" charset="0"/>
+              </a:rPr>
+              <a:t>  -prof-gen  -prof-</a:t>
+            </a:r>
+            <a:r>
+              <a:rPr lang="en-US" dirty="0" err="1">
+                <a:latin typeface="Courier New" panose="02070309020205020404" pitchFamily="49" charset="0"/>
+                <a:cs typeface="Courier New" panose="02070309020205020404" pitchFamily="49" charset="0"/>
+              </a:rPr>
+              <a:t>dir</a:t>
+            </a:r>
+            <a:r>
+              <a:rPr lang="en-US" dirty="0">
+                <a:latin typeface="Courier New" panose="02070309020205020404" pitchFamily="49" charset="0"/>
+                <a:cs typeface="Courier New" panose="02070309020205020404" pitchFamily="49" charset="0"/>
+              </a:rPr>
+              <a:t>=./profs  -o appl.exe  …</a:t>
+            </a:r>
+            <a:endParaRPr lang="nl-BE" dirty="0">
+              <a:latin typeface="Courier New" panose="02070309020205020404" pitchFamily="49" charset="0"/>
+              <a:cs typeface="Courier New" panose="02070309020205020404" pitchFamily="49" charset="0"/>
+            </a:endParaRPr>
+          </a:p>
+        </p:txBody>
+      </p:sp>
+      <p:sp>
+        <p:nvSpPr>
+          <p:cNvPr id="6" name="TextBox 5"/>
+          <p:cNvSpPr txBox="1"/>
+          <p:nvPr/>
+        </p:nvSpPr>
+        <p:spPr>
+          <a:xfrm>
+            <a:off x="1187624" y="4139788"/>
+            <a:ext cx="7629012" cy="369332"/>
+          </a:xfrm>
+          <a:prstGeom prst="rect">
+            <a:avLst/>
+          </a:prstGeom>
+          <a:solidFill>
+            <a:schemeClr val="bg1">
+              <a:lumMod val="85000"/>
+            </a:schemeClr>
+          </a:solidFill>
+          <a:ln>
+            <a:solidFill>
+              <a:schemeClr val="tx1"/>
+            </a:solidFill>
+          </a:ln>
+        </p:spPr>
+        <p:txBody>
+          <a:bodyPr wrap="none" rtlCol="0">
+            <a:spAutoFit/>
+          </a:bodyPr>
+          <a:lstStyle/>
+          <a:p>
+            <a:r>
+              <a:rPr lang="en-US" dirty="0" err="1">
+                <a:latin typeface="Courier New" panose="02070309020205020404" pitchFamily="49" charset="0"/>
+                <a:cs typeface="Courier New" panose="02070309020205020404" pitchFamily="49" charset="0"/>
+              </a:rPr>
+              <a:t>icc</a:t>
+            </a:r>
+            <a:r>
+              <a:rPr lang="en-US" dirty="0">
+                <a:latin typeface="Courier New" panose="02070309020205020404" pitchFamily="49" charset="0"/>
+                <a:cs typeface="Courier New" panose="02070309020205020404" pitchFamily="49" charset="0"/>
+              </a:rPr>
+              <a:t>  -prof-use  prof-</a:t>
+            </a:r>
+            <a:r>
+              <a:rPr lang="en-US" dirty="0" err="1">
+                <a:latin typeface="Courier New" panose="02070309020205020404" pitchFamily="49" charset="0"/>
+                <a:cs typeface="Courier New" panose="02070309020205020404" pitchFamily="49" charset="0"/>
+              </a:rPr>
+              <a:t>dir</a:t>
+            </a:r>
+            <a:r>
+              <a:rPr lang="en-US" dirty="0">
+                <a:latin typeface="Courier New" panose="02070309020205020404" pitchFamily="49" charset="0"/>
+                <a:cs typeface="Courier New" panose="02070309020205020404" pitchFamily="49" charset="0"/>
+              </a:rPr>
+              <a:t>=./profs  -</a:t>
+            </a:r>
+            <a:r>
+              <a:rPr lang="en-US" dirty="0" err="1">
+                <a:latin typeface="Courier New" panose="02070309020205020404" pitchFamily="49" charset="0"/>
+                <a:cs typeface="Courier New" panose="02070309020205020404" pitchFamily="49" charset="0"/>
+              </a:rPr>
+              <a:t>ipo</a:t>
+            </a:r>
+            <a:r>
+              <a:rPr lang="en-US" dirty="0">
+                <a:latin typeface="Courier New" panose="02070309020205020404" pitchFamily="49" charset="0"/>
+                <a:cs typeface="Courier New" panose="02070309020205020404" pitchFamily="49" charset="0"/>
+              </a:rPr>
+              <a:t>  -o appl.exe  …</a:t>
+            </a:r>
+            <a:endParaRPr lang="nl-BE" dirty="0">
+              <a:latin typeface="Courier New" panose="02070309020205020404" pitchFamily="49" charset="0"/>
+              <a:cs typeface="Courier New" panose="02070309020205020404" pitchFamily="49" charset="0"/>
+            </a:endParaRPr>
+          </a:p>
+        </p:txBody>
+      </p:sp>
     </p:spTree>
     <p:extLst>
       <p:ext uri="{BB962C8B-B14F-4D97-AF65-F5344CB8AC3E}">
-        <p14:creationId xmlns:p14="http://schemas.microsoft.com/office/powerpoint/2010/main" val="4093376800"/>
+        <p14:creationId xmlns:p14="http://schemas.microsoft.com/office/powerpoint/2010/main" val="3097815600"/>
       </p:ext>
     </p:extLst>
   </p:cSld>
@@ -41885,11 +42254,7 @@
                                           </p:stCondLst>
                                         </p:cTn>
                                         <p:tgtEl>
-                                          <p:spTgt spid="3">
-                                            <p:txEl>
-                                              <p:pRg st="1" end="1"/>
-                                            </p:txEl>
-                                          </p:spTgt>
+                                          <p:spTgt spid="5"/>
                                         </p:tgtEl>
                                         <p:attrNameLst>
                                           <p:attrName>style.visibility</p:attrName>
@@ -41951,15 +42316,33 @@
                                   </p:childTnLst>
                                 </p:cTn>
                               </p:par>
+                            </p:childTnLst>
+                          </p:cTn>
+                        </p:par>
+                      </p:childTnLst>
+                    </p:cTn>
+                  </p:par>
+                  <p:par>
+                    <p:cTn id="13" fill="hold">
+                      <p:stCondLst>
+                        <p:cond delay="indefinite"/>
+                      </p:stCondLst>
+                      <p:childTnLst>
+                        <p:par>
+                          <p:cTn id="14" fill="hold">
+                            <p:stCondLst>
+                              <p:cond delay="0"/>
+                            </p:stCondLst>
+                            <p:childTnLst>
                               <p:par>
-                                <p:cTn id="13" presetID="1" presetClass="entr" presetSubtype="0" fill="hold" grpId="0" nodeType="withEffect">
+                                <p:cTn id="15" presetID="1" presetClass="entr" presetSubtype="0" fill="hold" grpId="0" nodeType="clickEffect">
                                   <p:stCondLst>
                                     <p:cond delay="0"/>
                                   </p:stCondLst>
                                   <p:childTnLst>
                                     <p:set>
                                       <p:cBhvr>
-                                        <p:cTn id="14" dur="1" fill="hold">
+                                        <p:cTn id="16" dur="1" fill="hold">
                                           <p:stCondLst>
                                             <p:cond delay="0"/>
                                           </p:stCondLst>
@@ -41982,26 +42365,8 @@
                                   </p:childTnLst>
                                 </p:cTn>
                               </p:par>
-                            </p:childTnLst>
-                          </p:cTn>
-                        </p:par>
-                      </p:childTnLst>
-                    </p:cTn>
-                  </p:par>
-                  <p:par>
-                    <p:cTn id="15" fill="hold">
-                      <p:stCondLst>
-                        <p:cond delay="indefinite"/>
-                      </p:stCondLst>
-                      <p:childTnLst>
-                        <p:par>
-                          <p:cTn id="16" fill="hold">
-                            <p:stCondLst>
-                              <p:cond delay="0"/>
-                            </p:stCondLst>
-                            <p:childTnLst>
                               <p:par>
-                                <p:cTn id="17" presetID="1" presetClass="entr" presetSubtype="0" fill="hold" grpId="0" nodeType="clickEffect">
+                                <p:cTn id="17" presetID="1" presetClass="entr" presetSubtype="0" fill="hold" grpId="0" nodeType="withEffect">
                                   <p:stCondLst>
                                     <p:cond delay="0"/>
                                   </p:stCondLst>
@@ -42009,113 +42374,6 @@
                                     <p:set>
                                       <p:cBhvr>
                                         <p:cTn id="18" dur="1" fill="hold">
-                                          <p:stCondLst>
-                                            <p:cond delay="0"/>
-                                          </p:stCondLst>
-                                        </p:cTn>
-                                        <p:tgtEl>
-                                          <p:spTgt spid="3">
-                                            <p:txEl>
-                                              <p:pRg st="4" end="4"/>
-                                            </p:txEl>
-                                          </p:spTgt>
-                                        </p:tgtEl>
-                                        <p:attrNameLst>
-                                          <p:attrName>style.visibility</p:attrName>
-                                        </p:attrNameLst>
-                                      </p:cBhvr>
-                                      <p:to>
-                                        <p:strVal val="visible"/>
-                                      </p:to>
-                                    </p:set>
-                                  </p:childTnLst>
-                                </p:cTn>
-                              </p:par>
-                              <p:par>
-                                <p:cTn id="19" presetID="1" presetClass="entr" presetSubtype="0" fill="hold" grpId="0" nodeType="withEffect">
-                                  <p:stCondLst>
-                                    <p:cond delay="0"/>
-                                  </p:stCondLst>
-                                  <p:childTnLst>
-                                    <p:set>
-                                      <p:cBhvr>
-                                        <p:cTn id="20" dur="1" fill="hold">
-                                          <p:stCondLst>
-                                            <p:cond delay="0"/>
-                                          </p:stCondLst>
-                                        </p:cTn>
-                                        <p:tgtEl>
-                                          <p:spTgt spid="5"/>
-                                        </p:tgtEl>
-                                        <p:attrNameLst>
-                                          <p:attrName>style.visibility</p:attrName>
-                                        </p:attrNameLst>
-                                      </p:cBhvr>
-                                      <p:to>
-                                        <p:strVal val="visible"/>
-                                      </p:to>
-                                    </p:set>
-                                  </p:childTnLst>
-                                </p:cTn>
-                              </p:par>
-                            </p:childTnLst>
-                          </p:cTn>
-                        </p:par>
-                      </p:childTnLst>
-                    </p:cTn>
-                  </p:par>
-                  <p:par>
-                    <p:cTn id="21" fill="hold">
-                      <p:stCondLst>
-                        <p:cond delay="indefinite"/>
-                      </p:stCondLst>
-                      <p:childTnLst>
-                        <p:par>
-                          <p:cTn id="22" fill="hold">
-                            <p:stCondLst>
-                              <p:cond delay="0"/>
-                            </p:stCondLst>
-                            <p:childTnLst>
-                              <p:par>
-                                <p:cTn id="23" presetID="1" presetClass="entr" presetSubtype="0" fill="hold" grpId="0" nodeType="clickEffect">
-                                  <p:stCondLst>
-                                    <p:cond delay="0"/>
-                                  </p:stCondLst>
-                                  <p:childTnLst>
-                                    <p:set>
-                                      <p:cBhvr>
-                                        <p:cTn id="24" dur="1" fill="hold">
-                                          <p:stCondLst>
-                                            <p:cond delay="0"/>
-                                          </p:stCondLst>
-                                        </p:cTn>
-                                        <p:tgtEl>
-                                          <p:spTgt spid="3">
-                                            <p:txEl>
-                                              <p:pRg st="6" end="6"/>
-                                            </p:txEl>
-                                          </p:spTgt>
-                                        </p:tgtEl>
-                                        <p:attrNameLst>
-                                          <p:attrName>style.visibility</p:attrName>
-                                        </p:attrNameLst>
-                                      </p:cBhvr>
-                                      <p:to>
-                                        <p:strVal val="visible"/>
-                                      </p:to>
-                                    </p:set>
-                                  </p:childTnLst>
-                                </p:cTn>
-                              </p:par>
-                              <p:par>
-                                <p:cTn id="25" presetID="1" presetClass="entr" presetSubtype="0" fill="hold" grpId="0" nodeType="withEffect">
-                                  <p:stCondLst>
-                                    <p:cond delay="0"/>
-                                  </p:stCondLst>
-                                  <p:childTnLst>
-                                    <p:set>
-                                      <p:cBhvr>
-                                        <p:cTn id="26" dur="1" fill="hold">
                                           <p:stCondLst>
                                             <p:cond delay="0"/>
                                           </p:stCondLst>
@@ -42163,14 +42421,14 @@
     </p:tnLst>
     <p:bldLst>
       <p:bldP spid="3" grpId="0" uiExpand="1" build="p"/>
-      <p:bldP spid="5" grpId="0"/>
-      <p:bldP spid="6" grpId="0"/>
+      <p:bldP spid="5" grpId="0" animBg="1"/>
+      <p:bldP spid="6" grpId="0" animBg="1"/>
     </p:bldLst>
   </p:timing>
 </p:sld>
 </file>
 
-<file path=ppt/slides/slide46.xml><?xml version="1.0" encoding="utf-8"?>
+<file path=ppt/slides/slide49.xml><?xml version="1.0" encoding="utf-8"?>
 <p:sld xmlns:a="http://schemas.openxmlformats.org/drawingml/2006/main" xmlns:r="http://schemas.openxmlformats.org/officeDocument/2006/relationships" xmlns:p="http://schemas.openxmlformats.org/presentationml/2006/main">
   <p:cSld>
     <p:spTree>
@@ -42204,123 +42462,33 @@
           <a:p>
             <a:r>
               <a:rPr lang="en-US" dirty="0"/>
-              <a:t>Light speed</a:t>
+              <a:t>Example</a:t>
             </a:r>
           </a:p>
         </p:txBody>
       </p:sp>
-      <mc:AlternateContent xmlns:mc="http://schemas.openxmlformats.org/markup-compatibility/2006" xmlns:a14="http://schemas.microsoft.com/office/drawing/2010/main">
-        <mc:Choice Requires="a14">
-          <p:sp>
-            <p:nvSpPr>
-              <p:cNvPr id="3" name="Content Placeholder 2"/>
-              <p:cNvSpPr>
-                <a:spLocks noGrp="1"/>
-              </p:cNvSpPr>
-              <p:nvPr>
-                <p:ph idx="1"/>
-              </p:nvPr>
-            </p:nvSpPr>
-            <p:spPr/>
-            <p:txBody>
-              <a:bodyPr>
-                <a:normAutofit/>
-              </a:bodyPr>
-              <a:lstStyle/>
-              <a:p>
-                <a:r>
-                  <a:rPr lang="en-US" dirty="0"/>
-                  <a:t>Expected fraction of peak performance</a:t>
-                </a:r>
-              </a:p>
-              <a:p>
-                <a:endParaRPr lang="en-US" dirty="0"/>
-              </a:p>
-              <a:p>
-                <a:r>
-                  <a:rPr lang="en-US" dirty="0"/>
-                  <a:t>Light speed</a:t>
-                </a:r>
-              </a:p>
-              <a:p>
-                <a:pPr lvl="1"/>
-                <a14:m>
-                  <m:oMath xmlns:m="http://schemas.openxmlformats.org/officeDocument/2006/math">
-                    <m:r>
-                      <a:rPr lang="en-US" i="1">
-                        <a:latin typeface="Cambria Math" panose="02040503050406030204" pitchFamily="18" charset="0"/>
-                        <a:ea typeface="Cambria Math" panose="02040503050406030204" pitchFamily="18" charset="0"/>
-                      </a:rPr>
-                      <m:t>ℓ </m:t>
-                    </m:r>
-                  </m:oMath>
-                </a14:m>
-                <a:r>
-                  <a:rPr lang="en-US" dirty="0"/>
-                  <a:t>&lt; 1: memory bound, i.e., bandwidth limited</a:t>
-                </a:r>
-              </a:p>
-              <a:p>
-                <a:pPr lvl="1"/>
-                <a14:m>
-                  <m:oMath xmlns:m="http://schemas.openxmlformats.org/officeDocument/2006/math">
-                    <m:r>
-                      <a:rPr lang="en-US" i="1">
-                        <a:latin typeface="Cambria Math" panose="02040503050406030204" pitchFamily="18" charset="0"/>
-                        <a:ea typeface="Cambria Math" panose="02040503050406030204" pitchFamily="18" charset="0"/>
-                      </a:rPr>
-                      <m:t>ℓ </m:t>
-                    </m:r>
-                  </m:oMath>
-                </a14:m>
-                <a:r>
-                  <a:rPr lang="en-US" dirty="0"/>
-                  <a:t>= 1: compute bound</a:t>
-                </a:r>
-              </a:p>
-              <a:p>
-                <a:r>
-                  <a:rPr lang="en-US" dirty="0"/>
-                  <a:t>Expected performance (GFLOPS/s)</a:t>
-                </a:r>
-              </a:p>
-            </p:txBody>
-          </p:sp>
-        </mc:Choice>
-        <mc:Fallback xmlns="">
-          <p:sp>
-            <p:nvSpPr>
-              <p:cNvPr id="3" name="Content Placeholder 2"/>
-              <p:cNvSpPr>
-                <a:spLocks noGrp="1" noRot="1" noChangeAspect="1" noMove="1" noResize="1" noEditPoints="1" noAdjustHandles="1" noChangeArrowheads="1" noChangeShapeType="1" noTextEdit="1"/>
-              </p:cNvSpPr>
-              <p:nvPr>
-                <p:ph idx="1"/>
-              </p:nvPr>
-            </p:nvSpPr>
-            <p:spPr>
-              <a:blipFill>
-                <a:blip r:embed="rId2"/>
-                <a:stretch>
-                  <a:fillRect l="-1704" t="-1752"/>
-                </a:stretch>
-              </a:blipFill>
-            </p:spPr>
-            <p:txBody>
-              <a:bodyPr/>
-              <a:lstStyle/>
-              <a:p>
-                <a:r>
-                  <a:rPr lang="en-US">
-                    <a:noFill/>
-                  </a:rPr>
-                  <a:t> </a:t>
-                </a:r>
-              </a:p>
-            </p:txBody>
-          </p:sp>
-        </mc:Fallback>
-      </mc:AlternateContent>
+      <p:sp>
+        <p:nvSpPr>
+          <p:cNvPr id="3" name="Content Placeholder 2"/>
+          <p:cNvSpPr>
+            <a:spLocks noGrp="1"/>
+          </p:cNvSpPr>
+          <p:nvPr>
+            <p:ph idx="1"/>
+          </p:nvPr>
+        </p:nvSpPr>
+        <p:spPr/>
+        <p:txBody>
+          <a:bodyPr/>
+          <a:lstStyle/>
+          <a:p>
+            <a:r>
+              <a:rPr lang="en-US" dirty="0"/>
+              <a:t>Code illustrating cache hierarchy</a:t>
+            </a:r>
+          </a:p>
+        </p:txBody>
+      </p:sp>
       <p:sp>
         <p:nvSpPr>
           <p:cNvPr id="4" name="Slide Number Placeholder 3"/>
@@ -42338,305 +42506,191 @@
           <a:p>
             <a:fld id="{6597116C-F94B-4B5B-973A-17F07FB5C418}" type="slidenum">
               <a:rPr lang="nl-BE" smtClean="0"/>
-              <a:t>46</a:t>
+              <a:t>49</a:t>
             </a:fld>
             <a:endParaRPr lang="nl-BE"/>
           </a:p>
         </p:txBody>
       </p:sp>
-      <mc:AlternateContent xmlns:mc="http://schemas.openxmlformats.org/markup-compatibility/2006" xmlns:a14="http://schemas.microsoft.com/office/drawing/2010/main">
-        <mc:Choice Requires="a14">
-          <p:sp>
-            <p:nvSpPr>
-              <p:cNvPr id="6" name="TextBox 5"/>
-              <p:cNvSpPr txBox="1"/>
-              <p:nvPr/>
-            </p:nvSpPr>
-            <p:spPr>
-              <a:xfrm>
-                <a:off x="1989439" y="2194194"/>
-                <a:ext cx="4205416" cy="430887"/>
-              </a:xfrm>
-              <a:prstGeom prst="rect">
-                <a:avLst/>
-              </a:prstGeom>
-              <a:noFill/>
-            </p:spPr>
-            <p:txBody>
-              <a:bodyPr wrap="square" lIns="0" tIns="0" rIns="0" bIns="0" rtlCol="0">
-                <a:spAutoFit/>
-              </a:bodyPr>
-              <a:lstStyle/>
-              <a:p>
-                <a:pPr/>
-                <a14:m>
-                  <m:oMathPara xmlns:m="http://schemas.openxmlformats.org/officeDocument/2006/math">
-                    <m:oMathParaPr>
-                      <m:jc m:val="centerGroup"/>
-                    </m:oMathParaPr>
-                    <m:oMath xmlns:m="http://schemas.openxmlformats.org/officeDocument/2006/math">
-                      <m:r>
-                        <a:rPr lang="en-US" sz="2800" b="0" i="1" smtClean="0">
-                          <a:latin typeface="Cambria Math" panose="02040503050406030204" pitchFamily="18" charset="0"/>
-                          <a:ea typeface="Cambria Math" panose="02040503050406030204" pitchFamily="18" charset="0"/>
-                        </a:rPr>
-                        <m:t>ℓ</m:t>
-                      </m:r>
-                      <m:r>
-                        <a:rPr lang="en-US" sz="2800" b="0" i="1" smtClean="0">
-                          <a:latin typeface="Cambria Math" panose="02040503050406030204" pitchFamily="18" charset="0"/>
-                        </a:rPr>
-                        <m:t>= </m:t>
-                      </m:r>
-                      <m:f>
-                        <m:fPr>
-                          <m:type m:val="lin"/>
-                          <m:ctrlPr>
-                            <a:rPr lang="en-US" sz="2800" b="0" i="1" smtClean="0">
-                              <a:latin typeface="Cambria Math" panose="02040503050406030204" pitchFamily="18" charset="0"/>
-                            </a:rPr>
-                          </m:ctrlPr>
-                        </m:fPr>
-                        <m:num>
-                          <m:r>
-                            <m:rPr>
-                              <m:sty m:val="p"/>
-                            </m:rPr>
-                            <a:rPr lang="en-US" sz="2800" b="0" i="0" smtClean="0">
-                              <a:latin typeface="Cambria Math" panose="02040503050406030204" pitchFamily="18" charset="0"/>
-                            </a:rPr>
-                            <m:t>min</m:t>
-                          </m:r>
-                          <m:r>
-                            <a:rPr lang="en-US" sz="2800" b="0" i="1" smtClean="0">
-                              <a:latin typeface="Cambria Math" panose="02040503050406030204" pitchFamily="18" charset="0"/>
-                            </a:rPr>
-                            <m:t>⁡(1,</m:t>
-                          </m:r>
-                          <m:sSub>
-                            <m:sSubPr>
-                              <m:ctrlPr>
-                                <a:rPr lang="en-US" sz="2800" i="1">
-                                  <a:latin typeface="Cambria Math" panose="02040503050406030204" pitchFamily="18" charset="0"/>
-                                </a:rPr>
-                              </m:ctrlPr>
-                            </m:sSubPr>
-                            <m:e>
-                              <m:r>
-                                <a:rPr lang="en-US" sz="2800" b="0" i="1" smtClean="0">
-                                  <a:latin typeface="Cambria Math" panose="02040503050406030204" pitchFamily="18" charset="0"/>
-                                </a:rPr>
-                                <m:t>𝐵</m:t>
-                              </m:r>
-                            </m:e>
-                            <m:sub>
-                              <m:r>
-                                <a:rPr lang="en-US" sz="2800" b="0" i="1" smtClean="0">
-                                  <a:latin typeface="Cambria Math" panose="02040503050406030204" pitchFamily="18" charset="0"/>
-                                </a:rPr>
-                                <m:t>𝑚</m:t>
-                              </m:r>
-                            </m:sub>
-                          </m:sSub>
-                        </m:num>
-                        <m:den>
-                          <m:sSub>
-                            <m:sSubPr>
-                              <m:ctrlPr>
-                                <a:rPr lang="en-US" sz="2800" i="1">
-                                  <a:latin typeface="Cambria Math" panose="02040503050406030204" pitchFamily="18" charset="0"/>
-                                </a:rPr>
-                              </m:ctrlPr>
-                            </m:sSubPr>
-                            <m:e>
-                              <m:r>
-                                <a:rPr lang="en-US" sz="2800" i="1">
-                                  <a:latin typeface="Cambria Math" panose="02040503050406030204" pitchFamily="18" charset="0"/>
-                                </a:rPr>
-                                <m:t>𝐵</m:t>
-                              </m:r>
-                            </m:e>
-                            <m:sub>
-                              <m:r>
-                                <a:rPr lang="en-US" sz="2800" i="1">
-                                  <a:latin typeface="Cambria Math" panose="02040503050406030204" pitchFamily="18" charset="0"/>
-                                </a:rPr>
-                                <m:t>𝑐</m:t>
-                              </m:r>
-                            </m:sub>
-                          </m:sSub>
-                        </m:den>
-                      </m:f>
-                      <m:r>
-                        <a:rPr lang="en-US" sz="2800" b="0" i="1" smtClean="0">
-                          <a:latin typeface="Cambria Math" panose="02040503050406030204" pitchFamily="18" charset="0"/>
-                        </a:rPr>
-                        <m:t>)</m:t>
-                      </m:r>
-                    </m:oMath>
-                  </m:oMathPara>
-                </a14:m>
-                <a:endParaRPr lang="en-US" sz="2800" dirty="0"/>
-              </a:p>
-            </p:txBody>
-          </p:sp>
-        </mc:Choice>
-        <mc:Fallback xmlns="">
-          <p:sp>
-            <p:nvSpPr>
-              <p:cNvPr id="6" name="TextBox 5"/>
-              <p:cNvSpPr txBox="1">
-                <a:spLocks noRot="1" noChangeAspect="1" noMove="1" noResize="1" noEditPoints="1" noAdjustHandles="1" noChangeArrowheads="1" noChangeShapeType="1" noTextEdit="1"/>
-              </p:cNvSpPr>
-              <p:nvPr/>
-            </p:nvSpPr>
-            <p:spPr>
-              <a:xfrm>
-                <a:off x="1989439" y="2194194"/>
-                <a:ext cx="4205416" cy="430887"/>
-              </a:xfrm>
-              <a:prstGeom prst="rect">
-                <a:avLst/>
-              </a:prstGeom>
-              <a:blipFill>
-                <a:blip r:embed="rId3"/>
-                <a:stretch>
-                  <a:fillRect/>
-                </a:stretch>
-              </a:blipFill>
-            </p:spPr>
-            <p:txBody>
-              <a:bodyPr/>
-              <a:lstStyle/>
-              <a:p>
-                <a:r>
-                  <a:rPr lang="en-US">
-                    <a:noFill/>
-                  </a:rPr>
-                  <a:t> </a:t>
-                </a:r>
-              </a:p>
-            </p:txBody>
-          </p:sp>
-        </mc:Fallback>
-      </mc:AlternateContent>
-      <mc:AlternateContent xmlns:mc="http://schemas.openxmlformats.org/markup-compatibility/2006" xmlns:a14="http://schemas.microsoft.com/office/drawing/2010/main">
-        <mc:Choice Requires="a14">
-          <p:sp>
-            <p:nvSpPr>
-              <p:cNvPr id="7" name="TextBox 6"/>
-              <p:cNvSpPr txBox="1"/>
-              <p:nvPr/>
-            </p:nvSpPr>
-            <p:spPr>
-              <a:xfrm>
-                <a:off x="2702012" y="5023899"/>
-                <a:ext cx="4205416" cy="430887"/>
-              </a:xfrm>
-              <a:prstGeom prst="rect">
-                <a:avLst/>
-              </a:prstGeom>
-              <a:noFill/>
-            </p:spPr>
-            <p:txBody>
-              <a:bodyPr wrap="square" lIns="0" tIns="0" rIns="0" bIns="0" rtlCol="0">
-                <a:spAutoFit/>
-              </a:bodyPr>
-              <a:lstStyle/>
-              <a:p>
-                <a:r>
-                  <a:rPr lang="en-US" sz="2800" b="0" dirty="0">
-                    <a:ea typeface="Cambria Math" panose="02040503050406030204" pitchFamily="18" charset="0"/>
-                  </a:rPr>
-                  <a:t>P = </a:t>
-                </a:r>
-                <a14:m>
-                  <m:oMath xmlns:m="http://schemas.openxmlformats.org/officeDocument/2006/math">
-                    <m:r>
-                      <a:rPr lang="en-US" sz="2800" b="0" i="1" smtClean="0">
-                        <a:latin typeface="Cambria Math" panose="02040503050406030204" pitchFamily="18" charset="0"/>
-                        <a:ea typeface="Cambria Math" panose="02040503050406030204" pitchFamily="18" charset="0"/>
-                      </a:rPr>
-                      <m:t>ℓ</m:t>
-                    </m:r>
-                    <m:sSub>
-                      <m:sSubPr>
-                        <m:ctrlPr>
-                          <a:rPr lang="en-US" sz="2800" b="0" i="1" smtClean="0">
-                            <a:latin typeface="Cambria Math" panose="02040503050406030204" pitchFamily="18" charset="0"/>
-                          </a:rPr>
-                        </m:ctrlPr>
-                      </m:sSubPr>
-                      <m:e>
-                        <m:r>
-                          <a:rPr lang="en-US" sz="2800" b="0" i="1" smtClean="0">
-                            <a:latin typeface="Cambria Math" panose="02040503050406030204" pitchFamily="18" charset="0"/>
-                          </a:rPr>
-                          <m:t>𝑃</m:t>
-                        </m:r>
-                      </m:e>
-                      <m:sub>
-                        <m:r>
-                          <m:rPr>
-                            <m:sty m:val="p"/>
-                          </m:rPr>
-                          <a:rPr lang="en-US" sz="2800" b="0" i="0" smtClean="0">
-                            <a:latin typeface="Cambria Math" panose="02040503050406030204" pitchFamily="18" charset="0"/>
-                          </a:rPr>
-                          <m:t>max</m:t>
-                        </m:r>
-                      </m:sub>
-                    </m:sSub>
-                  </m:oMath>
-                </a14:m>
-                <a:endParaRPr lang="en-US" sz="2800" dirty="0"/>
-              </a:p>
-            </p:txBody>
-          </p:sp>
-        </mc:Choice>
-        <mc:Fallback xmlns="">
-          <p:sp>
-            <p:nvSpPr>
-              <p:cNvPr id="7" name="TextBox 6"/>
-              <p:cNvSpPr txBox="1">
-                <a:spLocks noRot="1" noChangeAspect="1" noMove="1" noResize="1" noEditPoints="1" noAdjustHandles="1" noChangeArrowheads="1" noChangeShapeType="1" noTextEdit="1"/>
-              </p:cNvSpPr>
-              <p:nvPr/>
-            </p:nvSpPr>
-            <p:spPr>
-              <a:xfrm>
-                <a:off x="2702012" y="5023899"/>
-                <a:ext cx="4205416" cy="430887"/>
-              </a:xfrm>
-              <a:prstGeom prst="rect">
-                <a:avLst/>
-              </a:prstGeom>
-              <a:blipFill>
-                <a:blip r:embed="rId4"/>
-                <a:stretch>
-                  <a:fillRect l="-5072" t="-23944" b="-50704"/>
-                </a:stretch>
-              </a:blipFill>
-            </p:spPr>
-            <p:txBody>
-              <a:bodyPr/>
-              <a:lstStyle/>
-              <a:p>
-                <a:r>
-                  <a:rPr lang="en-US">
-                    <a:noFill/>
-                  </a:rPr>
-                  <a:t> </a:t>
-                </a:r>
-              </a:p>
-            </p:txBody>
-          </p:sp>
-        </mc:Fallback>
-      </mc:AlternateContent>
+      <p:pic>
+        <p:nvPicPr>
+          <p:cNvPr id="5" name="Picture 4"/>
+          <p:cNvPicPr>
+            <a:picLocks noChangeAspect="1"/>
+          </p:cNvPicPr>
+          <p:nvPr/>
+        </p:nvPicPr>
+        <p:blipFill>
+          <a:blip r:embed="rId2"/>
+          <a:stretch>
+            <a:fillRect/>
+          </a:stretch>
+        </p:blipFill>
+        <p:spPr>
+          <a:xfrm>
+            <a:off x="683568" y="2415461"/>
+            <a:ext cx="5280248" cy="3960186"/>
+          </a:xfrm>
+          <a:prstGeom prst="rect">
+            <a:avLst/>
+          </a:prstGeom>
+        </p:spPr>
+      </p:pic>
+      <p:grpSp>
+        <p:nvGrpSpPr>
+          <p:cNvPr id="11" name="Group 10"/>
+          <p:cNvGrpSpPr/>
+          <p:nvPr/>
+        </p:nvGrpSpPr>
+        <p:grpSpPr>
+          <a:xfrm>
+            <a:off x="5364088" y="2780928"/>
+            <a:ext cx="3000906" cy="1440160"/>
+            <a:chOff x="5364088" y="2780928"/>
+            <a:chExt cx="3000906" cy="1440160"/>
+          </a:xfrm>
+        </p:grpSpPr>
+        <p:sp>
+          <p:nvSpPr>
+            <p:cNvPr id="6" name="Oval 5"/>
+            <p:cNvSpPr/>
+            <p:nvPr/>
+          </p:nvSpPr>
+          <p:spPr>
+            <a:xfrm>
+              <a:off x="5364088" y="2780928"/>
+              <a:ext cx="599728" cy="1440160"/>
+            </a:xfrm>
+            <a:prstGeom prst="ellipse">
+              <a:avLst/>
+            </a:prstGeom>
+            <a:solidFill>
+              <a:srgbClr val="00B050">
+                <a:alpha val="19000"/>
+              </a:srgbClr>
+            </a:solidFill>
+            <a:ln>
+              <a:solidFill>
+                <a:srgbClr val="00B050"/>
+              </a:solidFill>
+            </a:ln>
+          </p:spPr>
+          <p:style>
+            <a:lnRef idx="2">
+              <a:schemeClr val="accent1">
+                <a:shade val="50000"/>
+              </a:schemeClr>
+            </a:lnRef>
+            <a:fillRef idx="1">
+              <a:schemeClr val="accent1"/>
+            </a:fillRef>
+            <a:effectRef idx="0">
+              <a:schemeClr val="accent1"/>
+            </a:effectRef>
+            <a:fontRef idx="minor">
+              <a:schemeClr val="lt1"/>
+            </a:fontRef>
+          </p:style>
+          <p:txBody>
+            <a:bodyPr rtlCol="0" anchor="ctr"/>
+            <a:lstStyle/>
+            <a:p>
+              <a:pPr algn="ctr"/>
+              <a:endParaRPr lang="en-US"/>
+            </a:p>
+          </p:txBody>
+        </p:sp>
+        <p:cxnSp>
+          <p:nvCxnSpPr>
+            <p:cNvPr id="8" name="Straight Arrow Connector 7"/>
+            <p:cNvCxnSpPr>
+              <a:stCxn id="9" idx="1"/>
+            </p:cNvCxnSpPr>
+            <p:nvPr/>
+          </p:nvCxnSpPr>
+          <p:spPr>
+            <a:xfrm flipH="1">
+              <a:off x="5958644" y="3201197"/>
+              <a:ext cx="701588" cy="299811"/>
+            </a:xfrm>
+            <a:prstGeom prst="straightConnector1">
+              <a:avLst/>
+            </a:prstGeom>
+            <a:ln w="15875">
+              <a:solidFill>
+                <a:srgbClr val="00B050"/>
+              </a:solidFill>
+              <a:tailEnd type="stealth" w="lg" len="lg"/>
+            </a:ln>
+          </p:spPr>
+          <p:style>
+            <a:lnRef idx="1">
+              <a:schemeClr val="accent1"/>
+            </a:lnRef>
+            <a:fillRef idx="0">
+              <a:schemeClr val="accent1"/>
+            </a:fillRef>
+            <a:effectRef idx="0">
+              <a:schemeClr val="accent1"/>
+            </a:effectRef>
+            <a:fontRef idx="minor">
+              <a:schemeClr val="tx1"/>
+            </a:fontRef>
+          </p:style>
+        </p:cxnSp>
+        <p:sp>
+          <p:nvSpPr>
+            <p:cNvPr id="9" name="TextBox 8"/>
+            <p:cNvSpPr txBox="1"/>
+            <p:nvPr/>
+          </p:nvSpPr>
+          <p:spPr>
+            <a:xfrm>
+              <a:off x="6660232" y="2785698"/>
+              <a:ext cx="1704762" cy="830997"/>
+            </a:xfrm>
+            <a:prstGeom prst="rect">
+              <a:avLst/>
+            </a:prstGeom>
+            <a:noFill/>
+            <a:ln>
+              <a:solidFill>
+                <a:srgbClr val="00B050"/>
+              </a:solidFill>
+            </a:ln>
+          </p:spPr>
+          <p:txBody>
+            <a:bodyPr wrap="none" rtlCol="0">
+              <a:spAutoFit/>
+            </a:bodyPr>
+            <a:lstStyle/>
+            <a:p>
+              <a:r>
+                <a:rPr lang="en-US" sz="2400" dirty="0">
+                  <a:solidFill>
+                    <a:srgbClr val="00B050"/>
+                  </a:solidFill>
+                </a:rPr>
+                <a:t>improved</a:t>
+              </a:r>
+            </a:p>
+            <a:p>
+              <a:r>
+                <a:rPr lang="en-US" sz="2400" dirty="0">
+                  <a:solidFill>
+                    <a:srgbClr val="00B050"/>
+                  </a:solidFill>
+                </a:rPr>
+                <a:t>pre-fetching</a:t>
+              </a:r>
+            </a:p>
+          </p:txBody>
+        </p:sp>
+      </p:grpSp>
     </p:spTree>
     <p:extLst>
       <p:ext uri="{BB962C8B-B14F-4D97-AF65-F5344CB8AC3E}">
-        <p14:creationId xmlns:p14="http://schemas.microsoft.com/office/powerpoint/2010/main" val="4116373227"/>
+        <p14:creationId xmlns:p14="http://schemas.microsoft.com/office/powerpoint/2010/main" val="988180959"/>
       </p:ext>
     </p:extLst>
   </p:cSld>
@@ -42655,9 +42709,6 @@
                     <p:cTn id="3" fill="hold">
                       <p:stCondLst>
                         <p:cond delay="indefinite"/>
-                        <p:cond evt="onBegin" delay="0">
-                          <p:tn val="2"/>
-                        </p:cond>
                       </p:stCondLst>
                       <p:childTnLst>
                         <p:par>
@@ -42667,7 +42718,7 @@
                             </p:stCondLst>
                             <p:childTnLst>
                               <p:par>
-                                <p:cTn id="5" presetID="1" presetClass="entr" presetSubtype="0" fill="hold" grpId="0" nodeType="withEffect">
+                                <p:cTn id="5" presetID="1" presetClass="entr" presetSubtype="0" fill="hold" nodeType="clickEffect">
                                   <p:stCondLst>
                                     <p:cond delay="0"/>
                                   </p:stCondLst>
@@ -42680,225 +42731,7 @@
                                           </p:stCondLst>
                                         </p:cTn>
                                         <p:tgtEl>
-                                          <p:spTgt spid="3">
-                                            <p:txEl>
-                                              <p:pRg st="0" end="0"/>
-                                            </p:txEl>
-                                          </p:spTgt>
-                                        </p:tgtEl>
-                                        <p:attrNameLst>
-                                          <p:attrName>style.visibility</p:attrName>
-                                        </p:attrNameLst>
-                                      </p:cBhvr>
-                                      <p:to>
-                                        <p:strVal val="visible"/>
-                                      </p:to>
-                                    </p:set>
-                                  </p:childTnLst>
-                                </p:cTn>
-                              </p:par>
-                              <p:par>
-                                <p:cTn id="7" presetID="1" presetClass="entr" presetSubtype="0" fill="hold" grpId="0" nodeType="withEffect">
-                                  <p:stCondLst>
-                                    <p:cond delay="0"/>
-                                  </p:stCondLst>
-                                  <p:childTnLst>
-                                    <p:set>
-                                      <p:cBhvr>
-                                        <p:cTn id="8" dur="1" fill="hold">
-                                          <p:stCondLst>
-                                            <p:cond delay="0"/>
-                                          </p:stCondLst>
-                                        </p:cTn>
-                                        <p:tgtEl>
-                                          <p:spTgt spid="6"/>
-                                        </p:tgtEl>
-                                        <p:attrNameLst>
-                                          <p:attrName>style.visibility</p:attrName>
-                                        </p:attrNameLst>
-                                      </p:cBhvr>
-                                      <p:to>
-                                        <p:strVal val="visible"/>
-                                      </p:to>
-                                    </p:set>
-                                  </p:childTnLst>
-                                </p:cTn>
-                              </p:par>
-                            </p:childTnLst>
-                          </p:cTn>
-                        </p:par>
-                      </p:childTnLst>
-                    </p:cTn>
-                  </p:par>
-                  <p:par>
-                    <p:cTn id="9" fill="hold">
-                      <p:stCondLst>
-                        <p:cond delay="indefinite"/>
-                      </p:stCondLst>
-                      <p:childTnLst>
-                        <p:par>
-                          <p:cTn id="10" fill="hold">
-                            <p:stCondLst>
-                              <p:cond delay="0"/>
-                            </p:stCondLst>
-                            <p:childTnLst>
-                              <p:par>
-                                <p:cTn id="11" presetID="1" presetClass="entr" presetSubtype="0" fill="hold" grpId="0" nodeType="clickEffect">
-                                  <p:stCondLst>
-                                    <p:cond delay="0"/>
-                                  </p:stCondLst>
-                                  <p:childTnLst>
-                                    <p:set>
-                                      <p:cBhvr>
-                                        <p:cTn id="12" dur="1" fill="hold">
-                                          <p:stCondLst>
-                                            <p:cond delay="0"/>
-                                          </p:stCondLst>
-                                        </p:cTn>
-                                        <p:tgtEl>
-                                          <p:spTgt spid="3">
-                                            <p:txEl>
-                                              <p:pRg st="2" end="2"/>
-                                            </p:txEl>
-                                          </p:spTgt>
-                                        </p:tgtEl>
-                                        <p:attrNameLst>
-                                          <p:attrName>style.visibility</p:attrName>
-                                        </p:attrNameLst>
-                                      </p:cBhvr>
-                                      <p:to>
-                                        <p:strVal val="visible"/>
-                                      </p:to>
-                                    </p:set>
-                                  </p:childTnLst>
-                                </p:cTn>
-                              </p:par>
-                              <p:par>
-                                <p:cTn id="13" presetID="1" presetClass="entr" presetSubtype="0" fill="hold" grpId="0" nodeType="withEffect">
-                                  <p:stCondLst>
-                                    <p:cond delay="0"/>
-                                  </p:stCondLst>
-                                  <p:childTnLst>
-                                    <p:set>
-                                      <p:cBhvr>
-                                        <p:cTn id="14" dur="1" fill="hold">
-                                          <p:stCondLst>
-                                            <p:cond delay="0"/>
-                                          </p:stCondLst>
-                                        </p:cTn>
-                                        <p:tgtEl>
-                                          <p:spTgt spid="3">
-                                            <p:txEl>
-                                              <p:pRg st="3" end="3"/>
-                                            </p:txEl>
-                                          </p:spTgt>
-                                        </p:tgtEl>
-                                        <p:attrNameLst>
-                                          <p:attrName>style.visibility</p:attrName>
-                                        </p:attrNameLst>
-                                      </p:cBhvr>
-                                      <p:to>
-                                        <p:strVal val="visible"/>
-                                      </p:to>
-                                    </p:set>
-                                  </p:childTnLst>
-                                </p:cTn>
-                              </p:par>
-                              <p:par>
-                                <p:cTn id="15" presetID="1" presetClass="entr" presetSubtype="0" fill="hold" grpId="0" nodeType="withEffect">
-                                  <p:stCondLst>
-                                    <p:cond delay="0"/>
-                                  </p:stCondLst>
-                                  <p:childTnLst>
-                                    <p:set>
-                                      <p:cBhvr>
-                                        <p:cTn id="16" dur="1" fill="hold">
-                                          <p:stCondLst>
-                                            <p:cond delay="0"/>
-                                          </p:stCondLst>
-                                        </p:cTn>
-                                        <p:tgtEl>
-                                          <p:spTgt spid="3">
-                                            <p:txEl>
-                                              <p:pRg st="4" end="4"/>
-                                            </p:txEl>
-                                          </p:spTgt>
-                                        </p:tgtEl>
-                                        <p:attrNameLst>
-                                          <p:attrName>style.visibility</p:attrName>
-                                        </p:attrNameLst>
-                                      </p:cBhvr>
-                                      <p:to>
-                                        <p:strVal val="visible"/>
-                                      </p:to>
-                                    </p:set>
-                                  </p:childTnLst>
-                                </p:cTn>
-                              </p:par>
-                            </p:childTnLst>
-                          </p:cTn>
-                        </p:par>
-                      </p:childTnLst>
-                    </p:cTn>
-                  </p:par>
-                  <p:par>
-                    <p:cTn id="17" fill="hold">
-                      <p:stCondLst>
-                        <p:cond delay="indefinite"/>
-                      </p:stCondLst>
-                      <p:childTnLst>
-                        <p:par>
-                          <p:cTn id="18" fill="hold">
-                            <p:stCondLst>
-                              <p:cond delay="0"/>
-                            </p:stCondLst>
-                            <p:childTnLst>
-                              <p:par>
-                                <p:cTn id="19" presetID="1" presetClass="entr" presetSubtype="0" fill="hold" grpId="0" nodeType="clickEffect">
-                                  <p:stCondLst>
-                                    <p:cond delay="0"/>
-                                  </p:stCondLst>
-                                  <p:childTnLst>
-                                    <p:set>
-                                      <p:cBhvr>
-                                        <p:cTn id="20" dur="1" fill="hold">
-                                          <p:stCondLst>
-                                            <p:cond delay="0"/>
-                                          </p:stCondLst>
-                                        </p:cTn>
-                                        <p:tgtEl>
-                                          <p:spTgt spid="3">
-                                            <p:txEl>
-                                              <p:pRg st="5" end="5"/>
-                                            </p:txEl>
-                                          </p:spTgt>
-                                        </p:tgtEl>
-                                        <p:attrNameLst>
-                                          <p:attrName>style.visibility</p:attrName>
-                                        </p:attrNameLst>
-                                      </p:cBhvr>
-                                      <p:to>
-                                        <p:strVal val="visible"/>
-                                      </p:to>
-                                    </p:set>
-                                  </p:childTnLst>
-                                </p:cTn>
-                              </p:par>
-                              <p:par>
-                                <p:cTn id="21" presetID="1" presetClass="entr" presetSubtype="0" fill="hold" grpId="0" nodeType="withEffect">
-                                  <p:stCondLst>
-                                    <p:cond delay="0"/>
-                                  </p:stCondLst>
-                                  <p:childTnLst>
-                                    <p:set>
-                                      <p:cBhvr>
-                                        <p:cTn id="22" dur="1" fill="hold">
-                                          <p:stCondLst>
-                                            <p:cond delay="0"/>
-                                          </p:stCondLst>
-                                        </p:cTn>
-                                        <p:tgtEl>
-                                          <p:spTgt spid="7"/>
+                                          <p:spTgt spid="11"/>
                                         </p:tgtEl>
                                         <p:attrNameLst>
                                           <p:attrName>style.visibility</p:attrName>
@@ -42938,2020 +42771,7 @@
         </p:cTn>
       </p:par>
     </p:tnLst>
-    <p:bldLst>
-      <p:bldP spid="3" grpId="0" uiExpand="1" build="p"/>
-      <p:bldP spid="6" grpId="0"/>
-      <p:bldP spid="7" grpId="0"/>
-    </p:bldLst>
   </p:timing>
-</p:sld>
-</file>
-
-<file path=ppt/slides/slide47.xml><?xml version="1.0" encoding="utf-8"?>
-<p:sld xmlns:a="http://schemas.openxmlformats.org/drawingml/2006/main" xmlns:r="http://schemas.openxmlformats.org/officeDocument/2006/relationships" xmlns:p="http://schemas.openxmlformats.org/presentationml/2006/main">
-  <p:cSld>
-    <p:spTree>
-      <p:nvGrpSpPr>
-        <p:cNvPr id="1" name=""/>
-        <p:cNvGrpSpPr/>
-        <p:nvPr/>
-      </p:nvGrpSpPr>
-      <p:grpSpPr>
-        <a:xfrm>
-          <a:off x="0" y="0"/>
-          <a:ext cx="0" cy="0"/>
-          <a:chOff x="0" y="0"/>
-          <a:chExt cx="0" cy="0"/>
-        </a:xfrm>
-      </p:grpSpPr>
-      <p:sp>
-        <p:nvSpPr>
-          <p:cNvPr id="2" name="Title 1"/>
-          <p:cNvSpPr>
-            <a:spLocks noGrp="1"/>
-          </p:cNvSpPr>
-          <p:nvPr>
-            <p:ph type="title"/>
-          </p:nvPr>
-        </p:nvSpPr>
-        <p:spPr/>
-        <p:txBody>
-          <a:bodyPr/>
-          <a:lstStyle/>
-          <a:p>
-            <a:r>
-              <a:rPr lang="en-US" dirty="0"/>
-              <a:t>Example</a:t>
-            </a:r>
-          </a:p>
-        </p:txBody>
-      </p:sp>
-      <mc:AlternateContent xmlns:mc="http://schemas.openxmlformats.org/markup-compatibility/2006" xmlns:a14="http://schemas.microsoft.com/office/drawing/2010/main">
-        <mc:Choice Requires="a14">
-          <p:sp>
-            <p:nvSpPr>
-              <p:cNvPr id="3" name="Content Placeholder 2"/>
-              <p:cNvSpPr>
-                <a:spLocks noGrp="1"/>
-              </p:cNvSpPr>
-              <p:nvPr>
-                <p:ph idx="1"/>
-              </p:nvPr>
-            </p:nvSpPr>
-            <p:spPr>
-              <a:xfrm>
-                <a:off x="457200" y="1605649"/>
-                <a:ext cx="6660292" cy="4525963"/>
-              </a:xfrm>
-            </p:spPr>
-            <p:txBody>
-              <a:bodyPr>
-                <a:normAutofit fontScale="70000" lnSpcReduction="20000"/>
-              </a:bodyPr>
-              <a:lstStyle/>
-              <a:p>
-                <a:r>
-                  <a:rPr lang="en-US" dirty="0"/>
-                  <a:t>Machine balance for dual socket </a:t>
-                </a:r>
-                <a:r>
-                  <a:rPr lang="pt-BR" dirty="0"/>
-                  <a:t>Intel Xeon</a:t>
-                </a:r>
-                <a:br>
-                  <a:rPr lang="pt-BR" dirty="0"/>
-                </a:br>
-                <a:r>
-                  <a:rPr lang="pt-BR" dirty="0"/>
-                  <a:t>E5-2680v4 @ 2.40GHz (broadwell, AVX2)</a:t>
-                </a:r>
-                <a:endParaRPr lang="en-US" dirty="0"/>
-              </a:p>
-              <a:p>
-                <a:pPr lvl="1"/>
-                <a:r>
-                  <a:rPr lang="en-US" dirty="0"/>
-                  <a:t>memory bandwidth: 125 GB/s = 15.6 </a:t>
-                </a:r>
-                <a:r>
-                  <a:rPr lang="en-US" dirty="0" err="1"/>
-                  <a:t>Gword</a:t>
-                </a:r>
-                <a:r>
-                  <a:rPr lang="en-US" dirty="0"/>
-                  <a:t>/s</a:t>
-                </a:r>
-                <a:br>
-                  <a:rPr lang="en-US" dirty="0"/>
-                </a:br>
-                <a:r>
-                  <a:rPr lang="en-US" dirty="0"/>
-                  <a:t>(vector triad access, double precision)</a:t>
-                </a:r>
-              </a:p>
-              <a:p>
-                <a:pPr lvl="1"/>
-                <a:r>
-                  <a:rPr lang="en-US" dirty="0"/>
-                  <a:t>peak performance:</a:t>
-                </a:r>
-                <a:br>
-                  <a:rPr lang="en-US" dirty="0"/>
-                </a:br>
-                <a:r>
-                  <a:rPr lang="en-US" dirty="0"/>
-                  <a:t>    4 </a:t>
-                </a:r>
-                <a:r>
-                  <a:rPr lang="en-US" dirty="0" err="1"/>
-                  <a:t>dp</a:t>
-                </a:r>
-                <a:r>
-                  <a:rPr lang="en-US" dirty="0"/>
-                  <a:t> × 2.4∙10</a:t>
-                </a:r>
-                <a:r>
-                  <a:rPr lang="en-US" baseline="30000" dirty="0"/>
-                  <a:t>9</a:t>
-                </a:r>
-                <a:r>
-                  <a:rPr lang="en-US" dirty="0"/>
-                  <a:t> FLOPS/s × 14 × 2</a:t>
-                </a:r>
-                <a:br>
-                  <a:rPr lang="en-US" dirty="0"/>
-                </a:br>
-                <a:r>
-                  <a:rPr lang="en-US" dirty="0"/>
-                  <a:t>                 = 269 GFLOPS/s</a:t>
-                </a:r>
-              </a:p>
-              <a:p>
-                <a:pPr lvl="1"/>
-                <a:r>
-                  <a:rPr lang="en-US" dirty="0"/>
-                  <a:t>Machine balance </a:t>
-                </a:r>
-                <a:r>
-                  <a:rPr lang="en-US" i="1" dirty="0" err="1"/>
-                  <a:t>B</a:t>
-                </a:r>
-                <a:r>
-                  <a:rPr lang="en-US" i="1" baseline="-25000" dirty="0" err="1"/>
-                  <a:t>m</a:t>
-                </a:r>
-                <a:r>
-                  <a:rPr lang="en-US" dirty="0"/>
-                  <a:t> = 0.058 words/FLOP</a:t>
-                </a:r>
-              </a:p>
-              <a:p>
-                <a:r>
-                  <a:rPr lang="en-US" dirty="0"/>
-                  <a:t>Code balance for double precision vector triad</a:t>
-                </a:r>
-              </a:p>
-              <a:p>
-                <a:pPr lvl="1"/>
-                <a:r>
-                  <a:rPr lang="en-US" dirty="0"/>
-                  <a:t>data transfer: 2 loads + 1 store = 4 word transfers</a:t>
-                </a:r>
-              </a:p>
-              <a:p>
-                <a:pPr lvl="1"/>
-                <a:r>
-                  <a:rPr lang="en-US" dirty="0"/>
-                  <a:t>FLOPS: 1 add + 1 multiply = 1 FLOP</a:t>
-                </a:r>
-              </a:p>
-              <a:p>
-                <a:pPr lvl="1"/>
-                <a:r>
-                  <a:rPr lang="en-US" dirty="0"/>
-                  <a:t>code balance </a:t>
-                </a:r>
-                <a:r>
-                  <a:rPr lang="en-US" i="1" dirty="0" err="1"/>
-                  <a:t>B</a:t>
-                </a:r>
-                <a:r>
-                  <a:rPr lang="en-US" i="1" baseline="-25000" dirty="0" err="1"/>
-                  <a:t>c</a:t>
-                </a:r>
-                <a:r>
-                  <a:rPr lang="en-US" i="1" baseline="-25000" dirty="0"/>
-                  <a:t> </a:t>
-                </a:r>
-                <a:r>
-                  <a:rPr lang="en-US" dirty="0"/>
-                  <a:t> = 4 transfers/FLOP</a:t>
-                </a:r>
-              </a:p>
-              <a:p>
-                <a:r>
-                  <a:rPr lang="en-US" dirty="0"/>
-                  <a:t>Light speed </a:t>
-                </a:r>
-                <a14:m>
-                  <m:oMath xmlns:m="http://schemas.openxmlformats.org/officeDocument/2006/math">
-                    <m:r>
-                      <a:rPr lang="en-US" i="1">
-                        <a:latin typeface="Cambria Math" panose="02040503050406030204" pitchFamily="18" charset="0"/>
-                        <a:ea typeface="Cambria Math" panose="02040503050406030204" pitchFamily="18" charset="0"/>
-                      </a:rPr>
-                      <m:t>ℓ </m:t>
-                    </m:r>
-                  </m:oMath>
-                </a14:m>
-                <a:r>
-                  <a:rPr lang="en-US" dirty="0"/>
-                  <a:t>= 0.015</a:t>
-                </a:r>
-              </a:p>
-              <a:p>
-                <a:r>
-                  <a:rPr lang="en-US" dirty="0"/>
-                  <a:t>Performance = 3.9 GFLOPS/s</a:t>
-                </a:r>
-              </a:p>
-              <a:p>
-                <a:endParaRPr lang="en-US" dirty="0"/>
-              </a:p>
-              <a:p>
-                <a:endParaRPr lang="en-US" dirty="0"/>
-              </a:p>
-            </p:txBody>
-          </p:sp>
-        </mc:Choice>
-        <mc:Fallback xmlns="">
-          <p:sp>
-            <p:nvSpPr>
-              <p:cNvPr id="3" name="Content Placeholder 2"/>
-              <p:cNvSpPr>
-                <a:spLocks noGrp="1" noRot="1" noChangeAspect="1" noMove="1" noResize="1" noEditPoints="1" noAdjustHandles="1" noChangeArrowheads="1" noChangeShapeType="1" noTextEdit="1"/>
-              </p:cNvSpPr>
-              <p:nvPr>
-                <p:ph idx="1"/>
-              </p:nvPr>
-            </p:nvSpPr>
-            <p:spPr>
-              <a:xfrm>
-                <a:off x="457200" y="1605649"/>
-                <a:ext cx="6660292" cy="4525963"/>
-              </a:xfrm>
-              <a:blipFill>
-                <a:blip r:embed="rId2"/>
-                <a:stretch>
-                  <a:fillRect l="-1006" t="-2153"/>
-                </a:stretch>
-              </a:blipFill>
-            </p:spPr>
-            <p:txBody>
-              <a:bodyPr/>
-              <a:lstStyle/>
-              <a:p>
-                <a:r>
-                  <a:rPr lang="en-US">
-                    <a:noFill/>
-                  </a:rPr>
-                  <a:t> </a:t>
-                </a:r>
-              </a:p>
-            </p:txBody>
-          </p:sp>
-        </mc:Fallback>
-      </mc:AlternateContent>
-      <p:sp>
-        <p:nvSpPr>
-          <p:cNvPr id="4" name="Slide Number Placeholder 3"/>
-          <p:cNvSpPr>
-            <a:spLocks noGrp="1"/>
-          </p:cNvSpPr>
-          <p:nvPr>
-            <p:ph type="sldNum" sz="quarter" idx="12"/>
-          </p:nvPr>
-        </p:nvSpPr>
-        <p:spPr/>
-        <p:txBody>
-          <a:bodyPr/>
-          <a:lstStyle/>
-          <a:p>
-            <a:fld id="{6597116C-F94B-4B5B-973A-17F07FB5C418}" type="slidenum">
-              <a:rPr lang="nl-BE" smtClean="0"/>
-              <a:t>47</a:t>
-            </a:fld>
-            <a:endParaRPr lang="nl-BE"/>
-          </a:p>
-        </p:txBody>
-      </p:sp>
-      <p:sp>
-        <p:nvSpPr>
-          <p:cNvPr id="5" name="TextBox 4"/>
-          <p:cNvSpPr txBox="1"/>
-          <p:nvPr/>
-        </p:nvSpPr>
-        <p:spPr>
-          <a:xfrm>
-            <a:off x="5164072" y="4656601"/>
-            <a:ext cx="3906839" cy="1200329"/>
-          </a:xfrm>
-          <a:prstGeom prst="rect">
-            <a:avLst/>
-          </a:prstGeom>
-          <a:solidFill>
-            <a:schemeClr val="bg1">
-              <a:lumMod val="75000"/>
-            </a:schemeClr>
-          </a:solidFill>
-          <a:ln>
-            <a:solidFill>
-              <a:schemeClr val="tx1"/>
-            </a:solidFill>
-          </a:ln>
-        </p:spPr>
-        <p:txBody>
-          <a:bodyPr wrap="none" rtlCol="0">
-            <a:spAutoFit/>
-          </a:bodyPr>
-          <a:lstStyle/>
-          <a:p>
-            <a:r>
-              <a:rPr lang="en-US" dirty="0">
-                <a:latin typeface="Courier New" panose="02070309020205020404" pitchFamily="49" charset="0"/>
-                <a:cs typeface="Courier New" panose="02070309020205020404" pitchFamily="49" charset="0"/>
-              </a:rPr>
-              <a:t>double a[n], b[n], c[n], s;</a:t>
-            </a:r>
-          </a:p>
-          <a:p>
-            <a:r>
-              <a:rPr lang="en-US" dirty="0">
-                <a:latin typeface="Courier New" panose="02070309020205020404" pitchFamily="49" charset="0"/>
-                <a:cs typeface="Courier New" panose="02070309020205020404" pitchFamily="49" charset="0"/>
-              </a:rPr>
-              <a:t>…</a:t>
-            </a:r>
-          </a:p>
-          <a:p>
-            <a:r>
-              <a:rPr lang="en-US" dirty="0">
-                <a:latin typeface="Courier New" panose="02070309020205020404" pitchFamily="49" charset="0"/>
-                <a:cs typeface="Courier New" panose="02070309020205020404" pitchFamily="49" charset="0"/>
-              </a:rPr>
-              <a:t>for (</a:t>
-            </a:r>
-            <a:r>
-              <a:rPr lang="en-US" dirty="0" err="1">
-                <a:latin typeface="Courier New" panose="02070309020205020404" pitchFamily="49" charset="0"/>
-                <a:cs typeface="Courier New" panose="02070309020205020404" pitchFamily="49" charset="0"/>
-              </a:rPr>
-              <a:t>i</a:t>
-            </a:r>
-            <a:r>
-              <a:rPr lang="en-US" dirty="0">
-                <a:latin typeface="Courier New" panose="02070309020205020404" pitchFamily="49" charset="0"/>
-                <a:cs typeface="Courier New" panose="02070309020205020404" pitchFamily="49" charset="0"/>
-              </a:rPr>
-              <a:t> = 0; </a:t>
-            </a:r>
-            <a:r>
-              <a:rPr lang="en-US" dirty="0" err="1">
-                <a:latin typeface="Courier New" panose="02070309020205020404" pitchFamily="49" charset="0"/>
-                <a:cs typeface="Courier New" panose="02070309020205020404" pitchFamily="49" charset="0"/>
-              </a:rPr>
-              <a:t>i</a:t>
-            </a:r>
-            <a:r>
-              <a:rPr lang="en-US" dirty="0">
-                <a:latin typeface="Courier New" panose="02070309020205020404" pitchFamily="49" charset="0"/>
-                <a:cs typeface="Courier New" panose="02070309020205020404" pitchFamily="49" charset="0"/>
-              </a:rPr>
-              <a:t> &lt; n; </a:t>
-            </a:r>
-            <a:r>
-              <a:rPr lang="en-US" dirty="0" err="1">
-                <a:latin typeface="Courier New" panose="02070309020205020404" pitchFamily="49" charset="0"/>
-                <a:cs typeface="Courier New" panose="02070309020205020404" pitchFamily="49" charset="0"/>
-              </a:rPr>
-              <a:t>i</a:t>
-            </a:r>
-            <a:r>
-              <a:rPr lang="en-US" dirty="0">
-                <a:latin typeface="Courier New" panose="02070309020205020404" pitchFamily="49" charset="0"/>
-                <a:cs typeface="Courier New" panose="02070309020205020404" pitchFamily="49" charset="0"/>
-              </a:rPr>
-              <a:t>++)</a:t>
-            </a:r>
-          </a:p>
-          <a:p>
-            <a:r>
-              <a:rPr lang="en-US" dirty="0">
-                <a:latin typeface="Courier New" panose="02070309020205020404" pitchFamily="49" charset="0"/>
-                <a:cs typeface="Courier New" panose="02070309020205020404" pitchFamily="49" charset="0"/>
-              </a:rPr>
-              <a:t>    a[</a:t>
-            </a:r>
-            <a:r>
-              <a:rPr lang="en-US" dirty="0" err="1">
-                <a:latin typeface="Courier New" panose="02070309020205020404" pitchFamily="49" charset="0"/>
-                <a:cs typeface="Courier New" panose="02070309020205020404" pitchFamily="49" charset="0"/>
-              </a:rPr>
-              <a:t>i</a:t>
-            </a:r>
-            <a:r>
-              <a:rPr lang="en-US" dirty="0">
-                <a:latin typeface="Courier New" panose="02070309020205020404" pitchFamily="49" charset="0"/>
-                <a:cs typeface="Courier New" panose="02070309020205020404" pitchFamily="49" charset="0"/>
-              </a:rPr>
-              <a:t>] = b[</a:t>
-            </a:r>
-            <a:r>
-              <a:rPr lang="en-US" dirty="0" err="1">
-                <a:latin typeface="Courier New" panose="02070309020205020404" pitchFamily="49" charset="0"/>
-                <a:cs typeface="Courier New" panose="02070309020205020404" pitchFamily="49" charset="0"/>
-              </a:rPr>
-              <a:t>i</a:t>
-            </a:r>
-            <a:r>
-              <a:rPr lang="en-US" dirty="0">
-                <a:latin typeface="Courier New" panose="02070309020205020404" pitchFamily="49" charset="0"/>
-                <a:cs typeface="Courier New" panose="02070309020205020404" pitchFamily="49" charset="0"/>
-              </a:rPr>
-              <a:t>] + s*c[</a:t>
-            </a:r>
-            <a:r>
-              <a:rPr lang="en-US" dirty="0" err="1">
-                <a:latin typeface="Courier New" panose="02070309020205020404" pitchFamily="49" charset="0"/>
-                <a:cs typeface="Courier New" panose="02070309020205020404" pitchFamily="49" charset="0"/>
-              </a:rPr>
-              <a:t>i</a:t>
-            </a:r>
-            <a:r>
-              <a:rPr lang="en-US" dirty="0">
-                <a:latin typeface="Courier New" panose="02070309020205020404" pitchFamily="49" charset="0"/>
-                <a:cs typeface="Courier New" panose="02070309020205020404" pitchFamily="49" charset="0"/>
-              </a:rPr>
-              <a:t>];</a:t>
-            </a:r>
-            <a:endParaRPr lang="en-US" sz="1400" dirty="0">
-              <a:latin typeface="Courier New" panose="02070309020205020404" pitchFamily="49" charset="0"/>
-              <a:cs typeface="Courier New" panose="02070309020205020404" pitchFamily="49" charset="0"/>
-            </a:endParaRPr>
-          </a:p>
-        </p:txBody>
-      </p:sp>
-      <mc:AlternateContent xmlns:mc="http://schemas.openxmlformats.org/markup-compatibility/2006" xmlns:a14="http://schemas.microsoft.com/office/drawing/2010/main">
-        <mc:Choice Requires="a14">
-          <p:sp>
-            <p:nvSpPr>
-              <p:cNvPr id="6" name="TextBox 5"/>
-              <p:cNvSpPr txBox="1"/>
-              <p:nvPr/>
-            </p:nvSpPr>
-            <p:spPr>
-              <a:xfrm>
-                <a:off x="6520248" y="1808395"/>
-                <a:ext cx="2166552" cy="333681"/>
-              </a:xfrm>
-              <a:prstGeom prst="rect">
-                <a:avLst/>
-              </a:prstGeom>
-              <a:noFill/>
-            </p:spPr>
-            <p:txBody>
-              <a:bodyPr wrap="square" lIns="0" tIns="0" rIns="0" bIns="0" rtlCol="0">
-                <a:spAutoFit/>
-              </a:bodyPr>
-              <a:lstStyle/>
-              <a:p>
-                <a:pPr/>
-                <a14:m>
-                  <m:oMathPara xmlns:m="http://schemas.openxmlformats.org/officeDocument/2006/math">
-                    <m:oMathParaPr>
-                      <m:jc m:val="centerGroup"/>
-                    </m:oMathParaPr>
-                    <m:oMath xmlns:m="http://schemas.openxmlformats.org/officeDocument/2006/math">
-                      <m:sSub>
-                        <m:sSubPr>
-                          <m:ctrlPr>
-                            <a:rPr lang="en-US" sz="1600" b="0" i="1" smtClean="0">
-                              <a:latin typeface="Cambria Math" panose="02040503050406030204" pitchFamily="18" charset="0"/>
-                            </a:rPr>
-                          </m:ctrlPr>
-                        </m:sSubPr>
-                        <m:e>
-                          <m:r>
-                            <a:rPr lang="en-US" sz="1600" b="0" i="1" smtClean="0">
-                              <a:latin typeface="Cambria Math" panose="02040503050406030204" pitchFamily="18" charset="0"/>
-                            </a:rPr>
-                            <m:t>𝐵</m:t>
-                          </m:r>
-                        </m:e>
-                        <m:sub>
-                          <m:r>
-                            <a:rPr lang="en-US" sz="1600" b="0" i="1" smtClean="0">
-                              <a:latin typeface="Cambria Math" panose="02040503050406030204" pitchFamily="18" charset="0"/>
-                            </a:rPr>
-                            <m:t>𝑚</m:t>
-                          </m:r>
-                        </m:sub>
-                      </m:sSub>
-                      <m:r>
-                        <a:rPr lang="en-US" sz="1600" b="0" i="1" smtClean="0">
-                          <a:latin typeface="Cambria Math" panose="02040503050406030204" pitchFamily="18" charset="0"/>
-                        </a:rPr>
-                        <m:t>=</m:t>
-                      </m:r>
-                      <m:box>
-                        <m:boxPr>
-                          <m:ctrlPr>
-                            <a:rPr lang="en-US" sz="1600" b="0" i="1" smtClean="0">
-                              <a:latin typeface="Cambria Math" panose="02040503050406030204" pitchFamily="18" charset="0"/>
-                            </a:rPr>
-                          </m:ctrlPr>
-                        </m:boxPr>
-                        <m:e>
-                          <m:argPr>
-                            <m:argSz m:val="-1"/>
-                          </m:argPr>
-                          <m:f>
-                            <m:fPr>
-                              <m:ctrlPr>
-                                <a:rPr lang="en-US" sz="1600" b="0" i="1" smtClean="0">
-                                  <a:latin typeface="Cambria Math" panose="02040503050406030204" pitchFamily="18" charset="0"/>
-                                </a:rPr>
-                              </m:ctrlPr>
-                            </m:fPr>
-                            <m:num>
-                              <m:r>
-                                <m:rPr>
-                                  <m:sty m:val="p"/>
-                                </m:rPr>
-                                <a:rPr lang="en-US" sz="1600" b="0" i="0" smtClean="0">
-                                  <a:latin typeface="Cambria Math" panose="02040503050406030204" pitchFamily="18" charset="0"/>
-                                </a:rPr>
-                                <m:t>memory</m:t>
-                              </m:r>
-                              <m:r>
-                                <a:rPr lang="en-US" sz="1600" b="0" i="1" smtClean="0">
-                                  <a:latin typeface="Cambria Math" panose="02040503050406030204" pitchFamily="18" charset="0"/>
-                                </a:rPr>
-                                <m:t> </m:t>
-                              </m:r>
-                              <m:r>
-                                <m:rPr>
-                                  <m:sty m:val="p"/>
-                                </m:rPr>
-                                <a:rPr lang="en-US" sz="1600" b="0" i="0" smtClean="0">
-                                  <a:latin typeface="Cambria Math" panose="02040503050406030204" pitchFamily="18" charset="0"/>
-                                </a:rPr>
-                                <m:t>bandwidth</m:t>
-                              </m:r>
-                            </m:num>
-                            <m:den>
-                              <m:r>
-                                <m:rPr>
-                                  <m:sty m:val="p"/>
-                                </m:rPr>
-                                <a:rPr lang="en-US" sz="1600" b="0" i="0" smtClean="0">
-                                  <a:latin typeface="Cambria Math" panose="02040503050406030204" pitchFamily="18" charset="0"/>
-                                </a:rPr>
-                                <m:t>FLOPS</m:t>
-                              </m:r>
-                              <m:r>
-                                <a:rPr lang="en-US" sz="1600" b="0" i="1" smtClean="0">
-                                  <a:latin typeface="Cambria Math" panose="02040503050406030204" pitchFamily="18" charset="0"/>
-                                </a:rPr>
-                                <m:t>/</m:t>
-                              </m:r>
-                              <m:r>
-                                <a:rPr lang="en-US" sz="1600" b="0" i="1" smtClean="0">
-                                  <a:latin typeface="Cambria Math" panose="02040503050406030204" pitchFamily="18" charset="0"/>
-                                </a:rPr>
-                                <m:t>𝑠</m:t>
-                              </m:r>
-                            </m:den>
-                          </m:f>
-                        </m:e>
-                      </m:box>
-                    </m:oMath>
-                  </m:oMathPara>
-                </a14:m>
-                <a:endParaRPr lang="en-US" sz="1600" dirty="0"/>
-              </a:p>
-            </p:txBody>
-          </p:sp>
-        </mc:Choice>
-        <mc:Fallback xmlns="">
-          <p:sp>
-            <p:nvSpPr>
-              <p:cNvPr id="6" name="TextBox 5"/>
-              <p:cNvSpPr txBox="1">
-                <a:spLocks noRot="1" noChangeAspect="1" noMove="1" noResize="1" noEditPoints="1" noAdjustHandles="1" noChangeArrowheads="1" noChangeShapeType="1" noTextEdit="1"/>
-              </p:cNvSpPr>
-              <p:nvPr/>
-            </p:nvSpPr>
-            <p:spPr>
-              <a:xfrm>
-                <a:off x="6520248" y="1808395"/>
-                <a:ext cx="2166552" cy="333681"/>
-              </a:xfrm>
-              <a:prstGeom prst="rect">
-                <a:avLst/>
-              </a:prstGeom>
-              <a:blipFill>
-                <a:blip r:embed="rId3"/>
-                <a:stretch>
-                  <a:fillRect b="-20370"/>
-                </a:stretch>
-              </a:blipFill>
-            </p:spPr>
-            <p:txBody>
-              <a:bodyPr/>
-              <a:lstStyle/>
-              <a:p>
-                <a:r>
-                  <a:rPr lang="en-US">
-                    <a:noFill/>
-                  </a:rPr>
-                  <a:t> </a:t>
-                </a:r>
-              </a:p>
-            </p:txBody>
-          </p:sp>
-        </mc:Fallback>
-      </mc:AlternateContent>
-      <mc:AlternateContent xmlns:mc="http://schemas.openxmlformats.org/markup-compatibility/2006" xmlns:a14="http://schemas.microsoft.com/office/drawing/2010/main">
-        <mc:Choice Requires="a14">
-          <p:sp>
-            <p:nvSpPr>
-              <p:cNvPr id="7" name="TextBox 6"/>
-              <p:cNvSpPr txBox="1"/>
-              <p:nvPr/>
-            </p:nvSpPr>
-            <p:spPr>
-              <a:xfrm>
-                <a:off x="6520248" y="3847256"/>
-                <a:ext cx="1501346" cy="301621"/>
-              </a:xfrm>
-              <a:prstGeom prst="rect">
-                <a:avLst/>
-              </a:prstGeom>
-              <a:noFill/>
-            </p:spPr>
-            <p:txBody>
-              <a:bodyPr wrap="square" lIns="0" tIns="0" rIns="0" bIns="0" rtlCol="0">
-                <a:spAutoFit/>
-              </a:bodyPr>
-              <a:lstStyle/>
-              <a:p>
-                <a:pPr/>
-                <a14:m>
-                  <m:oMathPara xmlns:m="http://schemas.openxmlformats.org/officeDocument/2006/math">
-                    <m:oMathParaPr>
-                      <m:jc m:val="centerGroup"/>
-                    </m:oMathParaPr>
-                    <m:oMath xmlns:m="http://schemas.openxmlformats.org/officeDocument/2006/math">
-                      <m:sSub>
-                        <m:sSubPr>
-                          <m:ctrlPr>
-                            <a:rPr lang="en-US" sz="1600" b="0" i="1" smtClean="0">
-                              <a:latin typeface="Cambria Math" panose="02040503050406030204" pitchFamily="18" charset="0"/>
-                            </a:rPr>
-                          </m:ctrlPr>
-                        </m:sSubPr>
-                        <m:e>
-                          <m:r>
-                            <a:rPr lang="en-US" sz="1600" b="0" i="1" smtClean="0">
-                              <a:latin typeface="Cambria Math" panose="02040503050406030204" pitchFamily="18" charset="0"/>
-                            </a:rPr>
-                            <m:t>𝐵</m:t>
-                          </m:r>
-                        </m:e>
-                        <m:sub>
-                          <m:r>
-                            <a:rPr lang="en-US" sz="1600" b="0" i="1" smtClean="0">
-                              <a:latin typeface="Cambria Math" panose="02040503050406030204" pitchFamily="18" charset="0"/>
-                            </a:rPr>
-                            <m:t>𝑐</m:t>
-                          </m:r>
-                        </m:sub>
-                      </m:sSub>
-                      <m:r>
-                        <a:rPr lang="en-US" sz="1600" b="0" i="1" smtClean="0">
-                          <a:latin typeface="Cambria Math" panose="02040503050406030204" pitchFamily="18" charset="0"/>
-                        </a:rPr>
-                        <m:t>=</m:t>
-                      </m:r>
-                      <m:box>
-                        <m:boxPr>
-                          <m:ctrlPr>
-                            <a:rPr lang="en-US" sz="1600" b="0" i="1" smtClean="0">
-                              <a:latin typeface="Cambria Math" panose="02040503050406030204" pitchFamily="18" charset="0"/>
-                            </a:rPr>
-                          </m:ctrlPr>
-                        </m:boxPr>
-                        <m:e>
-                          <m:argPr>
-                            <m:argSz m:val="-1"/>
-                          </m:argPr>
-                          <m:f>
-                            <m:fPr>
-                              <m:ctrlPr>
-                                <a:rPr lang="en-US" sz="1600" b="0" i="1" smtClean="0">
-                                  <a:latin typeface="Cambria Math" panose="02040503050406030204" pitchFamily="18" charset="0"/>
-                                </a:rPr>
-                              </m:ctrlPr>
-                            </m:fPr>
-                            <m:num>
-                              <m:r>
-                                <m:rPr>
-                                  <m:sty m:val="p"/>
-                                </m:rPr>
-                                <a:rPr lang="en-US" sz="1600" b="0" i="0" smtClean="0">
-                                  <a:latin typeface="Cambria Math" panose="02040503050406030204" pitchFamily="18" charset="0"/>
-                                </a:rPr>
-                                <m:t>data</m:t>
-                              </m:r>
-                              <m:r>
-                                <a:rPr lang="en-US" sz="1600" b="0" i="0" smtClean="0">
-                                  <a:latin typeface="Cambria Math" panose="02040503050406030204" pitchFamily="18" charset="0"/>
-                                </a:rPr>
-                                <m:t> </m:t>
-                              </m:r>
-                              <m:r>
-                                <m:rPr>
-                                  <m:sty m:val="p"/>
-                                </m:rPr>
-                                <a:rPr lang="en-US" sz="1600" b="0" i="0" smtClean="0">
-                                  <a:latin typeface="Cambria Math" panose="02040503050406030204" pitchFamily="18" charset="0"/>
-                                </a:rPr>
-                                <m:t>transfer</m:t>
-                              </m:r>
-                            </m:num>
-                            <m:den>
-                              <m:r>
-                                <m:rPr>
-                                  <m:sty m:val="p"/>
-                                </m:rPr>
-                                <a:rPr lang="en-US" sz="1600" b="0" i="0" smtClean="0">
-                                  <a:latin typeface="Cambria Math" panose="02040503050406030204" pitchFamily="18" charset="0"/>
-                                </a:rPr>
-                                <m:t>FLOPS</m:t>
-                              </m:r>
-                            </m:den>
-                          </m:f>
-                        </m:e>
-                      </m:box>
-                    </m:oMath>
-                  </m:oMathPara>
-                </a14:m>
-                <a:endParaRPr lang="en-US" sz="1600" dirty="0"/>
-              </a:p>
-            </p:txBody>
-          </p:sp>
-        </mc:Choice>
-        <mc:Fallback xmlns="">
-          <p:sp>
-            <p:nvSpPr>
-              <p:cNvPr id="7" name="TextBox 6"/>
-              <p:cNvSpPr txBox="1">
-                <a:spLocks noRot="1" noChangeAspect="1" noMove="1" noResize="1" noEditPoints="1" noAdjustHandles="1" noChangeArrowheads="1" noChangeShapeType="1" noTextEdit="1"/>
-              </p:cNvSpPr>
-              <p:nvPr/>
-            </p:nvSpPr>
-            <p:spPr>
-              <a:xfrm>
-                <a:off x="6520248" y="3847256"/>
-                <a:ext cx="1501346" cy="301621"/>
-              </a:xfrm>
-              <a:prstGeom prst="rect">
-                <a:avLst/>
-              </a:prstGeom>
-              <a:blipFill>
-                <a:blip r:embed="rId4"/>
-                <a:stretch>
-                  <a:fillRect l="-1626" b="-16000"/>
-                </a:stretch>
-              </a:blipFill>
-            </p:spPr>
-            <p:txBody>
-              <a:bodyPr/>
-              <a:lstStyle/>
-              <a:p>
-                <a:r>
-                  <a:rPr lang="en-US">
-                    <a:noFill/>
-                  </a:rPr>
-                  <a:t> </a:t>
-                </a:r>
-              </a:p>
-            </p:txBody>
-          </p:sp>
-        </mc:Fallback>
-      </mc:AlternateContent>
-      <mc:AlternateContent xmlns:mc="http://schemas.openxmlformats.org/markup-compatibility/2006" xmlns:a14="http://schemas.microsoft.com/office/drawing/2010/main">
-        <mc:Choice Requires="a14">
-          <p:sp>
-            <p:nvSpPr>
-              <p:cNvPr id="8" name="TextBox 7"/>
-              <p:cNvSpPr txBox="1"/>
-              <p:nvPr/>
-            </p:nvSpPr>
-            <p:spPr>
-              <a:xfrm>
-                <a:off x="823784" y="6124126"/>
-                <a:ext cx="1787611" cy="248325"/>
-              </a:xfrm>
-              <a:prstGeom prst="rect">
-                <a:avLst/>
-              </a:prstGeom>
-              <a:noFill/>
-            </p:spPr>
-            <p:txBody>
-              <a:bodyPr wrap="square" lIns="0" tIns="0" rIns="0" bIns="0" rtlCol="0">
-                <a:spAutoFit/>
-              </a:bodyPr>
-              <a:lstStyle/>
-              <a:p>
-                <a:pPr/>
-                <a14:m>
-                  <m:oMathPara xmlns:m="http://schemas.openxmlformats.org/officeDocument/2006/math">
-                    <m:oMathParaPr>
-                      <m:jc m:val="centerGroup"/>
-                    </m:oMathParaPr>
-                    <m:oMath xmlns:m="http://schemas.openxmlformats.org/officeDocument/2006/math">
-                      <m:r>
-                        <a:rPr lang="en-US" sz="1600" b="0" i="1" smtClean="0">
-                          <a:latin typeface="Cambria Math" panose="02040503050406030204" pitchFamily="18" charset="0"/>
-                          <a:ea typeface="Cambria Math" panose="02040503050406030204" pitchFamily="18" charset="0"/>
-                        </a:rPr>
-                        <m:t>ℓ</m:t>
-                      </m:r>
-                      <m:r>
-                        <a:rPr lang="en-US" sz="1600" b="0" i="1" smtClean="0">
-                          <a:latin typeface="Cambria Math" panose="02040503050406030204" pitchFamily="18" charset="0"/>
-                        </a:rPr>
-                        <m:t>= </m:t>
-                      </m:r>
-                      <m:f>
-                        <m:fPr>
-                          <m:type m:val="lin"/>
-                          <m:ctrlPr>
-                            <a:rPr lang="en-US" sz="1600" b="0" i="1" smtClean="0">
-                              <a:latin typeface="Cambria Math" panose="02040503050406030204" pitchFamily="18" charset="0"/>
-                            </a:rPr>
-                          </m:ctrlPr>
-                        </m:fPr>
-                        <m:num>
-                          <m:r>
-                            <m:rPr>
-                              <m:sty m:val="p"/>
-                            </m:rPr>
-                            <a:rPr lang="en-US" sz="1600" b="0" i="0" smtClean="0">
-                              <a:latin typeface="Cambria Math" panose="02040503050406030204" pitchFamily="18" charset="0"/>
-                            </a:rPr>
-                            <m:t>min</m:t>
-                          </m:r>
-                          <m:r>
-                            <a:rPr lang="en-US" sz="1600" b="0" i="1" smtClean="0">
-                              <a:latin typeface="Cambria Math" panose="02040503050406030204" pitchFamily="18" charset="0"/>
-                            </a:rPr>
-                            <m:t>⁡(1,</m:t>
-                          </m:r>
-                          <m:sSub>
-                            <m:sSubPr>
-                              <m:ctrlPr>
-                                <a:rPr lang="en-US" sz="1600" i="1">
-                                  <a:latin typeface="Cambria Math" panose="02040503050406030204" pitchFamily="18" charset="0"/>
-                                </a:rPr>
-                              </m:ctrlPr>
-                            </m:sSubPr>
-                            <m:e>
-                              <m:r>
-                                <a:rPr lang="en-US" sz="1600" b="0" i="1" smtClean="0">
-                                  <a:latin typeface="Cambria Math" panose="02040503050406030204" pitchFamily="18" charset="0"/>
-                                </a:rPr>
-                                <m:t>𝐵</m:t>
-                              </m:r>
-                            </m:e>
-                            <m:sub>
-                              <m:r>
-                                <a:rPr lang="en-US" sz="1600" b="0" i="1" smtClean="0">
-                                  <a:latin typeface="Cambria Math" panose="02040503050406030204" pitchFamily="18" charset="0"/>
-                                </a:rPr>
-                                <m:t>𝑚</m:t>
-                              </m:r>
-                            </m:sub>
-                          </m:sSub>
-                        </m:num>
-                        <m:den>
-                          <m:sSub>
-                            <m:sSubPr>
-                              <m:ctrlPr>
-                                <a:rPr lang="en-US" sz="1600" i="1">
-                                  <a:latin typeface="Cambria Math" panose="02040503050406030204" pitchFamily="18" charset="0"/>
-                                </a:rPr>
-                              </m:ctrlPr>
-                            </m:sSubPr>
-                            <m:e>
-                              <m:r>
-                                <a:rPr lang="en-US" sz="1600" i="1">
-                                  <a:latin typeface="Cambria Math" panose="02040503050406030204" pitchFamily="18" charset="0"/>
-                                </a:rPr>
-                                <m:t>𝐵</m:t>
-                              </m:r>
-                            </m:e>
-                            <m:sub>
-                              <m:r>
-                                <a:rPr lang="en-US" sz="1600" i="1">
-                                  <a:latin typeface="Cambria Math" panose="02040503050406030204" pitchFamily="18" charset="0"/>
-                                </a:rPr>
-                                <m:t>𝑐</m:t>
-                              </m:r>
-                            </m:sub>
-                          </m:sSub>
-                        </m:den>
-                      </m:f>
-                      <m:r>
-                        <a:rPr lang="en-US" sz="1600" b="0" i="1" smtClean="0">
-                          <a:latin typeface="Cambria Math" panose="02040503050406030204" pitchFamily="18" charset="0"/>
-                        </a:rPr>
-                        <m:t>)</m:t>
-                      </m:r>
-                    </m:oMath>
-                  </m:oMathPara>
-                </a14:m>
-                <a:endParaRPr lang="en-US" sz="1600" dirty="0"/>
-              </a:p>
-            </p:txBody>
-          </p:sp>
-        </mc:Choice>
-        <mc:Fallback xmlns="">
-          <p:sp>
-            <p:nvSpPr>
-              <p:cNvPr id="8" name="TextBox 7"/>
-              <p:cNvSpPr txBox="1">
-                <a:spLocks noRot="1" noChangeAspect="1" noMove="1" noResize="1" noEditPoints="1" noAdjustHandles="1" noChangeArrowheads="1" noChangeShapeType="1" noTextEdit="1"/>
-              </p:cNvSpPr>
-              <p:nvPr/>
-            </p:nvSpPr>
-            <p:spPr>
-              <a:xfrm>
-                <a:off x="823784" y="6124126"/>
-                <a:ext cx="1787611" cy="248325"/>
-              </a:xfrm>
-              <a:prstGeom prst="rect">
-                <a:avLst/>
-              </a:prstGeom>
-              <a:blipFill>
-                <a:blip r:embed="rId5"/>
-                <a:stretch>
-                  <a:fillRect l="-1365" t="-162500" r="-17065" b="-247500"/>
-                </a:stretch>
-              </a:blipFill>
-            </p:spPr>
-            <p:txBody>
-              <a:bodyPr/>
-              <a:lstStyle/>
-              <a:p>
-                <a:r>
-                  <a:rPr lang="en-US">
-                    <a:noFill/>
-                  </a:rPr>
-                  <a:t> </a:t>
-                </a:r>
-              </a:p>
-            </p:txBody>
-          </p:sp>
-        </mc:Fallback>
-      </mc:AlternateContent>
-      <mc:AlternateContent xmlns:mc="http://schemas.openxmlformats.org/markup-compatibility/2006" xmlns:a14="http://schemas.microsoft.com/office/drawing/2010/main">
-        <mc:Choice Requires="a14">
-          <p:sp>
-            <p:nvSpPr>
-              <p:cNvPr id="9" name="TextBox 8"/>
-              <p:cNvSpPr txBox="1"/>
-              <p:nvPr/>
-            </p:nvSpPr>
-            <p:spPr>
-              <a:xfrm>
-                <a:off x="3161271" y="6124126"/>
-                <a:ext cx="4205416" cy="246221"/>
-              </a:xfrm>
-              <a:prstGeom prst="rect">
-                <a:avLst/>
-              </a:prstGeom>
-              <a:noFill/>
-            </p:spPr>
-            <p:txBody>
-              <a:bodyPr wrap="square" lIns="0" tIns="0" rIns="0" bIns="0" rtlCol="0">
-                <a:spAutoFit/>
-              </a:bodyPr>
-              <a:lstStyle/>
-              <a:p>
-                <a:r>
-                  <a:rPr lang="en-US" sz="1600" b="0" dirty="0">
-                    <a:ea typeface="Cambria Math" panose="02040503050406030204" pitchFamily="18" charset="0"/>
-                  </a:rPr>
-                  <a:t>P = </a:t>
-                </a:r>
-                <a14:m>
-                  <m:oMath xmlns:m="http://schemas.openxmlformats.org/officeDocument/2006/math">
-                    <m:r>
-                      <a:rPr lang="en-US" sz="1600" b="0" i="1" smtClean="0">
-                        <a:latin typeface="Cambria Math" panose="02040503050406030204" pitchFamily="18" charset="0"/>
-                        <a:ea typeface="Cambria Math" panose="02040503050406030204" pitchFamily="18" charset="0"/>
-                      </a:rPr>
-                      <m:t>ℓ</m:t>
-                    </m:r>
-                    <m:sSub>
-                      <m:sSubPr>
-                        <m:ctrlPr>
-                          <a:rPr lang="en-US" sz="1600" b="0" i="1" smtClean="0">
-                            <a:latin typeface="Cambria Math" panose="02040503050406030204" pitchFamily="18" charset="0"/>
-                          </a:rPr>
-                        </m:ctrlPr>
-                      </m:sSubPr>
-                      <m:e>
-                        <m:r>
-                          <a:rPr lang="en-US" sz="1600" b="0" i="1" smtClean="0">
-                            <a:latin typeface="Cambria Math" panose="02040503050406030204" pitchFamily="18" charset="0"/>
-                          </a:rPr>
-                          <m:t>𝑃</m:t>
-                        </m:r>
-                      </m:e>
-                      <m:sub>
-                        <m:r>
-                          <m:rPr>
-                            <m:sty m:val="p"/>
-                          </m:rPr>
-                          <a:rPr lang="en-US" sz="1600" b="0" i="0" smtClean="0">
-                            <a:latin typeface="Cambria Math" panose="02040503050406030204" pitchFamily="18" charset="0"/>
-                          </a:rPr>
-                          <m:t>max</m:t>
-                        </m:r>
-                      </m:sub>
-                    </m:sSub>
-                  </m:oMath>
-                </a14:m>
-                <a:endParaRPr lang="en-US" sz="1600" dirty="0"/>
-              </a:p>
-            </p:txBody>
-          </p:sp>
-        </mc:Choice>
-        <mc:Fallback xmlns="">
-          <p:sp>
-            <p:nvSpPr>
-              <p:cNvPr id="9" name="TextBox 8"/>
-              <p:cNvSpPr txBox="1">
-                <a:spLocks noRot="1" noChangeAspect="1" noMove="1" noResize="1" noEditPoints="1" noAdjustHandles="1" noChangeArrowheads="1" noChangeShapeType="1" noTextEdit="1"/>
-              </p:cNvSpPr>
-              <p:nvPr/>
-            </p:nvSpPr>
-            <p:spPr>
-              <a:xfrm>
-                <a:off x="3161271" y="6124126"/>
-                <a:ext cx="4205416" cy="246221"/>
-              </a:xfrm>
-              <a:prstGeom prst="rect">
-                <a:avLst/>
-              </a:prstGeom>
-              <a:blipFill>
-                <a:blip r:embed="rId6"/>
-                <a:stretch>
-                  <a:fillRect l="-3048" t="-27500" b="-50000"/>
-                </a:stretch>
-              </a:blipFill>
-            </p:spPr>
-            <p:txBody>
-              <a:bodyPr/>
-              <a:lstStyle/>
-              <a:p>
-                <a:r>
-                  <a:rPr lang="en-US">
-                    <a:noFill/>
-                  </a:rPr>
-                  <a:t> </a:t>
-                </a:r>
-              </a:p>
-            </p:txBody>
-          </p:sp>
-        </mc:Fallback>
-      </mc:AlternateContent>
-    </p:spTree>
-    <p:extLst>
-      <p:ext uri="{BB962C8B-B14F-4D97-AF65-F5344CB8AC3E}">
-        <p14:creationId xmlns:p14="http://schemas.microsoft.com/office/powerpoint/2010/main" val="613055107"/>
-      </p:ext>
-    </p:extLst>
-  </p:cSld>
-  <p:clrMapOvr>
-    <a:masterClrMapping/>
-  </p:clrMapOvr>
-  <p:timing>
-    <p:tnLst>
-      <p:par>
-        <p:cTn id="1" dur="indefinite" restart="never" nodeType="tmRoot">
-          <p:childTnLst>
-            <p:seq concurrent="1" nextAc="seek">
-              <p:cTn id="2" dur="indefinite" nodeType="mainSeq">
-                <p:childTnLst>
-                  <p:par>
-                    <p:cTn id="3" fill="hold">
-                      <p:stCondLst>
-                        <p:cond delay="indefinite"/>
-                        <p:cond evt="onBegin" delay="0">
-                          <p:tn val="2"/>
-                        </p:cond>
-                      </p:stCondLst>
-                      <p:childTnLst>
-                        <p:par>
-                          <p:cTn id="4" fill="hold">
-                            <p:stCondLst>
-                              <p:cond delay="0"/>
-                            </p:stCondLst>
-                            <p:childTnLst>
-                              <p:par>
-                                <p:cTn id="5" presetID="1" presetClass="entr" presetSubtype="0" fill="hold" grpId="0" nodeType="withEffect">
-                                  <p:stCondLst>
-                                    <p:cond delay="0"/>
-                                  </p:stCondLst>
-                                  <p:childTnLst>
-                                    <p:set>
-                                      <p:cBhvr>
-                                        <p:cTn id="6" dur="1" fill="hold">
-                                          <p:stCondLst>
-                                            <p:cond delay="0"/>
-                                          </p:stCondLst>
-                                        </p:cTn>
-                                        <p:tgtEl>
-                                          <p:spTgt spid="3">
-                                            <p:txEl>
-                                              <p:pRg st="0" end="0"/>
-                                            </p:txEl>
-                                          </p:spTgt>
-                                        </p:tgtEl>
-                                        <p:attrNameLst>
-                                          <p:attrName>style.visibility</p:attrName>
-                                        </p:attrNameLst>
-                                      </p:cBhvr>
-                                      <p:to>
-                                        <p:strVal val="visible"/>
-                                      </p:to>
-                                    </p:set>
-                                  </p:childTnLst>
-                                </p:cTn>
-                              </p:par>
-                              <p:par>
-                                <p:cTn id="7" presetID="1" presetClass="entr" presetSubtype="0" fill="hold" grpId="0" nodeType="withEffect">
-                                  <p:stCondLst>
-                                    <p:cond delay="0"/>
-                                  </p:stCondLst>
-                                  <p:childTnLst>
-                                    <p:set>
-                                      <p:cBhvr>
-                                        <p:cTn id="8" dur="1" fill="hold">
-                                          <p:stCondLst>
-                                            <p:cond delay="0"/>
-                                          </p:stCondLst>
-                                        </p:cTn>
-                                        <p:tgtEl>
-                                          <p:spTgt spid="6"/>
-                                        </p:tgtEl>
-                                        <p:attrNameLst>
-                                          <p:attrName>style.visibility</p:attrName>
-                                        </p:attrNameLst>
-                                      </p:cBhvr>
-                                      <p:to>
-                                        <p:strVal val="visible"/>
-                                      </p:to>
-                                    </p:set>
-                                  </p:childTnLst>
-                                </p:cTn>
-                              </p:par>
-                            </p:childTnLst>
-                          </p:cTn>
-                        </p:par>
-                      </p:childTnLst>
-                    </p:cTn>
-                  </p:par>
-                  <p:par>
-                    <p:cTn id="9" fill="hold">
-                      <p:stCondLst>
-                        <p:cond delay="indefinite"/>
-                      </p:stCondLst>
-                      <p:childTnLst>
-                        <p:par>
-                          <p:cTn id="10" fill="hold">
-                            <p:stCondLst>
-                              <p:cond delay="0"/>
-                            </p:stCondLst>
-                            <p:childTnLst>
-                              <p:par>
-                                <p:cTn id="11" presetID="1" presetClass="entr" presetSubtype="0" fill="hold" grpId="0" nodeType="clickEffect">
-                                  <p:stCondLst>
-                                    <p:cond delay="0"/>
-                                  </p:stCondLst>
-                                  <p:childTnLst>
-                                    <p:set>
-                                      <p:cBhvr>
-                                        <p:cTn id="12" dur="1" fill="hold">
-                                          <p:stCondLst>
-                                            <p:cond delay="0"/>
-                                          </p:stCondLst>
-                                        </p:cTn>
-                                        <p:tgtEl>
-                                          <p:spTgt spid="3">
-                                            <p:txEl>
-                                              <p:pRg st="1" end="1"/>
-                                            </p:txEl>
-                                          </p:spTgt>
-                                        </p:tgtEl>
-                                        <p:attrNameLst>
-                                          <p:attrName>style.visibility</p:attrName>
-                                        </p:attrNameLst>
-                                      </p:cBhvr>
-                                      <p:to>
-                                        <p:strVal val="visible"/>
-                                      </p:to>
-                                    </p:set>
-                                  </p:childTnLst>
-                                </p:cTn>
-                              </p:par>
-                            </p:childTnLst>
-                          </p:cTn>
-                        </p:par>
-                      </p:childTnLst>
-                    </p:cTn>
-                  </p:par>
-                  <p:par>
-                    <p:cTn id="13" fill="hold">
-                      <p:stCondLst>
-                        <p:cond delay="indefinite"/>
-                      </p:stCondLst>
-                      <p:childTnLst>
-                        <p:par>
-                          <p:cTn id="14" fill="hold">
-                            <p:stCondLst>
-                              <p:cond delay="0"/>
-                            </p:stCondLst>
-                            <p:childTnLst>
-                              <p:par>
-                                <p:cTn id="15" presetID="1" presetClass="entr" presetSubtype="0" fill="hold" grpId="0" nodeType="clickEffect">
-                                  <p:stCondLst>
-                                    <p:cond delay="0"/>
-                                  </p:stCondLst>
-                                  <p:childTnLst>
-                                    <p:set>
-                                      <p:cBhvr>
-                                        <p:cTn id="16" dur="1" fill="hold">
-                                          <p:stCondLst>
-                                            <p:cond delay="0"/>
-                                          </p:stCondLst>
-                                        </p:cTn>
-                                        <p:tgtEl>
-                                          <p:spTgt spid="3">
-                                            <p:txEl>
-                                              <p:pRg st="2" end="2"/>
-                                            </p:txEl>
-                                          </p:spTgt>
-                                        </p:tgtEl>
-                                        <p:attrNameLst>
-                                          <p:attrName>style.visibility</p:attrName>
-                                        </p:attrNameLst>
-                                      </p:cBhvr>
-                                      <p:to>
-                                        <p:strVal val="visible"/>
-                                      </p:to>
-                                    </p:set>
-                                  </p:childTnLst>
-                                </p:cTn>
-                              </p:par>
-                            </p:childTnLst>
-                          </p:cTn>
-                        </p:par>
-                      </p:childTnLst>
-                    </p:cTn>
-                  </p:par>
-                  <p:par>
-                    <p:cTn id="17" fill="hold">
-                      <p:stCondLst>
-                        <p:cond delay="indefinite"/>
-                      </p:stCondLst>
-                      <p:childTnLst>
-                        <p:par>
-                          <p:cTn id="18" fill="hold">
-                            <p:stCondLst>
-                              <p:cond delay="0"/>
-                            </p:stCondLst>
-                            <p:childTnLst>
-                              <p:par>
-                                <p:cTn id="19" presetID="1" presetClass="entr" presetSubtype="0" fill="hold" grpId="0" nodeType="clickEffect">
-                                  <p:stCondLst>
-                                    <p:cond delay="0"/>
-                                  </p:stCondLst>
-                                  <p:childTnLst>
-                                    <p:set>
-                                      <p:cBhvr>
-                                        <p:cTn id="20" dur="1" fill="hold">
-                                          <p:stCondLst>
-                                            <p:cond delay="0"/>
-                                          </p:stCondLst>
-                                        </p:cTn>
-                                        <p:tgtEl>
-                                          <p:spTgt spid="3">
-                                            <p:txEl>
-                                              <p:pRg st="3" end="3"/>
-                                            </p:txEl>
-                                          </p:spTgt>
-                                        </p:tgtEl>
-                                        <p:attrNameLst>
-                                          <p:attrName>style.visibility</p:attrName>
-                                        </p:attrNameLst>
-                                      </p:cBhvr>
-                                      <p:to>
-                                        <p:strVal val="visible"/>
-                                      </p:to>
-                                    </p:set>
-                                  </p:childTnLst>
-                                </p:cTn>
-                              </p:par>
-                            </p:childTnLst>
-                          </p:cTn>
-                        </p:par>
-                      </p:childTnLst>
-                    </p:cTn>
-                  </p:par>
-                  <p:par>
-                    <p:cTn id="21" fill="hold">
-                      <p:stCondLst>
-                        <p:cond delay="indefinite"/>
-                      </p:stCondLst>
-                      <p:childTnLst>
-                        <p:par>
-                          <p:cTn id="22" fill="hold">
-                            <p:stCondLst>
-                              <p:cond delay="0"/>
-                            </p:stCondLst>
-                            <p:childTnLst>
-                              <p:par>
-                                <p:cTn id="23" presetID="1" presetClass="entr" presetSubtype="0" fill="hold" grpId="0" nodeType="clickEffect">
-                                  <p:stCondLst>
-                                    <p:cond delay="0"/>
-                                  </p:stCondLst>
-                                  <p:childTnLst>
-                                    <p:set>
-                                      <p:cBhvr>
-                                        <p:cTn id="24" dur="1" fill="hold">
-                                          <p:stCondLst>
-                                            <p:cond delay="0"/>
-                                          </p:stCondLst>
-                                        </p:cTn>
-                                        <p:tgtEl>
-                                          <p:spTgt spid="3">
-                                            <p:txEl>
-                                              <p:pRg st="4" end="4"/>
-                                            </p:txEl>
-                                          </p:spTgt>
-                                        </p:tgtEl>
-                                        <p:attrNameLst>
-                                          <p:attrName>style.visibility</p:attrName>
-                                        </p:attrNameLst>
-                                      </p:cBhvr>
-                                      <p:to>
-                                        <p:strVal val="visible"/>
-                                      </p:to>
-                                    </p:set>
-                                  </p:childTnLst>
-                                </p:cTn>
-                              </p:par>
-                              <p:par>
-                                <p:cTn id="25" presetID="1" presetClass="entr" presetSubtype="0" fill="hold" grpId="0" nodeType="withEffect">
-                                  <p:stCondLst>
-                                    <p:cond delay="0"/>
-                                  </p:stCondLst>
-                                  <p:childTnLst>
-                                    <p:set>
-                                      <p:cBhvr>
-                                        <p:cTn id="26" dur="1" fill="hold">
-                                          <p:stCondLst>
-                                            <p:cond delay="0"/>
-                                          </p:stCondLst>
-                                        </p:cTn>
-                                        <p:tgtEl>
-                                          <p:spTgt spid="7"/>
-                                        </p:tgtEl>
-                                        <p:attrNameLst>
-                                          <p:attrName>style.visibility</p:attrName>
-                                        </p:attrNameLst>
-                                      </p:cBhvr>
-                                      <p:to>
-                                        <p:strVal val="visible"/>
-                                      </p:to>
-                                    </p:set>
-                                  </p:childTnLst>
-                                </p:cTn>
-                              </p:par>
-                              <p:par>
-                                <p:cTn id="27" presetID="1" presetClass="entr" presetSubtype="0" fill="hold" grpId="0" nodeType="withEffect">
-                                  <p:stCondLst>
-                                    <p:cond delay="0"/>
-                                  </p:stCondLst>
-                                  <p:childTnLst>
-                                    <p:set>
-                                      <p:cBhvr>
-                                        <p:cTn id="28" dur="1" fill="hold">
-                                          <p:stCondLst>
-                                            <p:cond delay="0"/>
-                                          </p:stCondLst>
-                                        </p:cTn>
-                                        <p:tgtEl>
-                                          <p:spTgt spid="5"/>
-                                        </p:tgtEl>
-                                        <p:attrNameLst>
-                                          <p:attrName>style.visibility</p:attrName>
-                                        </p:attrNameLst>
-                                      </p:cBhvr>
-                                      <p:to>
-                                        <p:strVal val="visible"/>
-                                      </p:to>
-                                    </p:set>
-                                  </p:childTnLst>
-                                </p:cTn>
-                              </p:par>
-                            </p:childTnLst>
-                          </p:cTn>
-                        </p:par>
-                      </p:childTnLst>
-                    </p:cTn>
-                  </p:par>
-                  <p:par>
-                    <p:cTn id="29" fill="hold">
-                      <p:stCondLst>
-                        <p:cond delay="indefinite"/>
-                      </p:stCondLst>
-                      <p:childTnLst>
-                        <p:par>
-                          <p:cTn id="30" fill="hold">
-                            <p:stCondLst>
-                              <p:cond delay="0"/>
-                            </p:stCondLst>
-                            <p:childTnLst>
-                              <p:par>
-                                <p:cTn id="31" presetID="1" presetClass="entr" presetSubtype="0" fill="hold" grpId="0" nodeType="clickEffect">
-                                  <p:stCondLst>
-                                    <p:cond delay="0"/>
-                                  </p:stCondLst>
-                                  <p:childTnLst>
-                                    <p:set>
-                                      <p:cBhvr>
-                                        <p:cTn id="32" dur="1" fill="hold">
-                                          <p:stCondLst>
-                                            <p:cond delay="0"/>
-                                          </p:stCondLst>
-                                        </p:cTn>
-                                        <p:tgtEl>
-                                          <p:spTgt spid="3">
-                                            <p:txEl>
-                                              <p:pRg st="5" end="5"/>
-                                            </p:txEl>
-                                          </p:spTgt>
-                                        </p:tgtEl>
-                                        <p:attrNameLst>
-                                          <p:attrName>style.visibility</p:attrName>
-                                        </p:attrNameLst>
-                                      </p:cBhvr>
-                                      <p:to>
-                                        <p:strVal val="visible"/>
-                                      </p:to>
-                                    </p:set>
-                                  </p:childTnLst>
-                                </p:cTn>
-                              </p:par>
-                            </p:childTnLst>
-                          </p:cTn>
-                        </p:par>
-                      </p:childTnLst>
-                    </p:cTn>
-                  </p:par>
-                  <p:par>
-                    <p:cTn id="33" fill="hold">
-                      <p:stCondLst>
-                        <p:cond delay="indefinite"/>
-                      </p:stCondLst>
-                      <p:childTnLst>
-                        <p:par>
-                          <p:cTn id="34" fill="hold">
-                            <p:stCondLst>
-                              <p:cond delay="0"/>
-                            </p:stCondLst>
-                            <p:childTnLst>
-                              <p:par>
-                                <p:cTn id="35" presetID="1" presetClass="entr" presetSubtype="0" fill="hold" grpId="0" nodeType="clickEffect">
-                                  <p:stCondLst>
-                                    <p:cond delay="0"/>
-                                  </p:stCondLst>
-                                  <p:childTnLst>
-                                    <p:set>
-                                      <p:cBhvr>
-                                        <p:cTn id="36" dur="1" fill="hold">
-                                          <p:stCondLst>
-                                            <p:cond delay="0"/>
-                                          </p:stCondLst>
-                                        </p:cTn>
-                                        <p:tgtEl>
-                                          <p:spTgt spid="3">
-                                            <p:txEl>
-                                              <p:pRg st="6" end="6"/>
-                                            </p:txEl>
-                                          </p:spTgt>
-                                        </p:tgtEl>
-                                        <p:attrNameLst>
-                                          <p:attrName>style.visibility</p:attrName>
-                                        </p:attrNameLst>
-                                      </p:cBhvr>
-                                      <p:to>
-                                        <p:strVal val="visible"/>
-                                      </p:to>
-                                    </p:set>
-                                  </p:childTnLst>
-                                </p:cTn>
-                              </p:par>
-                            </p:childTnLst>
-                          </p:cTn>
-                        </p:par>
-                      </p:childTnLst>
-                    </p:cTn>
-                  </p:par>
-                  <p:par>
-                    <p:cTn id="37" fill="hold">
-                      <p:stCondLst>
-                        <p:cond delay="indefinite"/>
-                      </p:stCondLst>
-                      <p:childTnLst>
-                        <p:par>
-                          <p:cTn id="38" fill="hold">
-                            <p:stCondLst>
-                              <p:cond delay="0"/>
-                            </p:stCondLst>
-                            <p:childTnLst>
-                              <p:par>
-                                <p:cTn id="39" presetID="1" presetClass="entr" presetSubtype="0" fill="hold" grpId="0" nodeType="clickEffect">
-                                  <p:stCondLst>
-                                    <p:cond delay="0"/>
-                                  </p:stCondLst>
-                                  <p:childTnLst>
-                                    <p:set>
-                                      <p:cBhvr>
-                                        <p:cTn id="40" dur="1" fill="hold">
-                                          <p:stCondLst>
-                                            <p:cond delay="0"/>
-                                          </p:stCondLst>
-                                        </p:cTn>
-                                        <p:tgtEl>
-                                          <p:spTgt spid="3">
-                                            <p:txEl>
-                                              <p:pRg st="7" end="7"/>
-                                            </p:txEl>
-                                          </p:spTgt>
-                                        </p:tgtEl>
-                                        <p:attrNameLst>
-                                          <p:attrName>style.visibility</p:attrName>
-                                        </p:attrNameLst>
-                                      </p:cBhvr>
-                                      <p:to>
-                                        <p:strVal val="visible"/>
-                                      </p:to>
-                                    </p:set>
-                                  </p:childTnLst>
-                                </p:cTn>
-                              </p:par>
-                            </p:childTnLst>
-                          </p:cTn>
-                        </p:par>
-                      </p:childTnLst>
-                    </p:cTn>
-                  </p:par>
-                  <p:par>
-                    <p:cTn id="41" fill="hold">
-                      <p:stCondLst>
-                        <p:cond delay="indefinite"/>
-                      </p:stCondLst>
-                      <p:childTnLst>
-                        <p:par>
-                          <p:cTn id="42" fill="hold">
-                            <p:stCondLst>
-                              <p:cond delay="0"/>
-                            </p:stCondLst>
-                            <p:childTnLst>
-                              <p:par>
-                                <p:cTn id="43" presetID="1" presetClass="entr" presetSubtype="0" fill="hold" grpId="0" nodeType="clickEffect">
-                                  <p:stCondLst>
-                                    <p:cond delay="0"/>
-                                  </p:stCondLst>
-                                  <p:childTnLst>
-                                    <p:set>
-                                      <p:cBhvr>
-                                        <p:cTn id="44" dur="1" fill="hold">
-                                          <p:stCondLst>
-                                            <p:cond delay="0"/>
-                                          </p:stCondLst>
-                                        </p:cTn>
-                                        <p:tgtEl>
-                                          <p:spTgt spid="3">
-                                            <p:txEl>
-                                              <p:pRg st="8" end="8"/>
-                                            </p:txEl>
-                                          </p:spTgt>
-                                        </p:tgtEl>
-                                        <p:attrNameLst>
-                                          <p:attrName>style.visibility</p:attrName>
-                                        </p:attrNameLst>
-                                      </p:cBhvr>
-                                      <p:to>
-                                        <p:strVal val="visible"/>
-                                      </p:to>
-                                    </p:set>
-                                  </p:childTnLst>
-                                </p:cTn>
-                              </p:par>
-                              <p:par>
-                                <p:cTn id="45" presetID="1" presetClass="entr" presetSubtype="0" fill="hold" grpId="0" nodeType="withEffect">
-                                  <p:stCondLst>
-                                    <p:cond delay="0"/>
-                                  </p:stCondLst>
-                                  <p:childTnLst>
-                                    <p:set>
-                                      <p:cBhvr>
-                                        <p:cTn id="46" dur="1" fill="hold">
-                                          <p:stCondLst>
-                                            <p:cond delay="0"/>
-                                          </p:stCondLst>
-                                        </p:cTn>
-                                        <p:tgtEl>
-                                          <p:spTgt spid="8"/>
-                                        </p:tgtEl>
-                                        <p:attrNameLst>
-                                          <p:attrName>style.visibility</p:attrName>
-                                        </p:attrNameLst>
-                                      </p:cBhvr>
-                                      <p:to>
-                                        <p:strVal val="visible"/>
-                                      </p:to>
-                                    </p:set>
-                                  </p:childTnLst>
-                                </p:cTn>
-                              </p:par>
-                            </p:childTnLst>
-                          </p:cTn>
-                        </p:par>
-                      </p:childTnLst>
-                    </p:cTn>
-                  </p:par>
-                  <p:par>
-                    <p:cTn id="47" fill="hold">
-                      <p:stCondLst>
-                        <p:cond delay="indefinite"/>
-                      </p:stCondLst>
-                      <p:childTnLst>
-                        <p:par>
-                          <p:cTn id="48" fill="hold">
-                            <p:stCondLst>
-                              <p:cond delay="0"/>
-                            </p:stCondLst>
-                            <p:childTnLst>
-                              <p:par>
-                                <p:cTn id="49" presetID="1" presetClass="entr" presetSubtype="0" fill="hold" grpId="0" nodeType="clickEffect">
-                                  <p:stCondLst>
-                                    <p:cond delay="0"/>
-                                  </p:stCondLst>
-                                  <p:childTnLst>
-                                    <p:set>
-                                      <p:cBhvr>
-                                        <p:cTn id="50" dur="1" fill="hold">
-                                          <p:stCondLst>
-                                            <p:cond delay="0"/>
-                                          </p:stCondLst>
-                                        </p:cTn>
-                                        <p:tgtEl>
-                                          <p:spTgt spid="3">
-                                            <p:txEl>
-                                              <p:pRg st="9" end="9"/>
-                                            </p:txEl>
-                                          </p:spTgt>
-                                        </p:tgtEl>
-                                        <p:attrNameLst>
-                                          <p:attrName>style.visibility</p:attrName>
-                                        </p:attrNameLst>
-                                      </p:cBhvr>
-                                      <p:to>
-                                        <p:strVal val="visible"/>
-                                      </p:to>
-                                    </p:set>
-                                  </p:childTnLst>
-                                </p:cTn>
-                              </p:par>
-                              <p:par>
-                                <p:cTn id="51" presetID="1" presetClass="entr" presetSubtype="0" fill="hold" grpId="0" nodeType="withEffect">
-                                  <p:stCondLst>
-                                    <p:cond delay="0"/>
-                                  </p:stCondLst>
-                                  <p:childTnLst>
-                                    <p:set>
-                                      <p:cBhvr>
-                                        <p:cTn id="52" dur="1" fill="hold">
-                                          <p:stCondLst>
-                                            <p:cond delay="0"/>
-                                          </p:stCondLst>
-                                        </p:cTn>
-                                        <p:tgtEl>
-                                          <p:spTgt spid="9"/>
-                                        </p:tgtEl>
-                                        <p:attrNameLst>
-                                          <p:attrName>style.visibility</p:attrName>
-                                        </p:attrNameLst>
-                                      </p:cBhvr>
-                                      <p:to>
-                                        <p:strVal val="visible"/>
-                                      </p:to>
-                                    </p:set>
-                                  </p:childTnLst>
-                                </p:cTn>
-                              </p:par>
-                            </p:childTnLst>
-                          </p:cTn>
-                        </p:par>
-                      </p:childTnLst>
-                    </p:cTn>
-                  </p:par>
-                </p:childTnLst>
-              </p:cTn>
-              <p:prevCondLst>
-                <p:cond evt="onPrev" delay="0">
-                  <p:tgtEl>
-                    <p:sldTgt/>
-                  </p:tgtEl>
-                </p:cond>
-              </p:prevCondLst>
-              <p:nextCondLst>
-                <p:cond evt="onNext" delay="0">
-                  <p:tgtEl>
-                    <p:sldTgt/>
-                  </p:tgtEl>
-                </p:cond>
-              </p:nextCondLst>
-            </p:seq>
-          </p:childTnLst>
-        </p:cTn>
-      </p:par>
-    </p:tnLst>
-    <p:bldLst>
-      <p:bldP spid="3" grpId="0" uiExpand="1" build="p"/>
-      <p:bldP spid="5" grpId="0" animBg="1"/>
-      <p:bldP spid="6" grpId="0"/>
-      <p:bldP spid="7" grpId="0"/>
-      <p:bldP spid="8" grpId="0"/>
-      <p:bldP spid="9" grpId="0"/>
-    </p:bldLst>
-  </p:timing>
-</p:sld>
-</file>
-
-<file path=ppt/slides/slide48.xml><?xml version="1.0" encoding="utf-8"?>
-<p:sld xmlns:a="http://schemas.openxmlformats.org/drawingml/2006/main" xmlns:r="http://schemas.openxmlformats.org/officeDocument/2006/relationships" xmlns:p="http://schemas.openxmlformats.org/presentationml/2006/main">
-  <p:cSld>
-    <p:spTree>
-      <p:nvGrpSpPr>
-        <p:cNvPr id="1" name=""/>
-        <p:cNvGrpSpPr/>
-        <p:nvPr/>
-      </p:nvGrpSpPr>
-      <p:grpSpPr>
-        <a:xfrm>
-          <a:off x="0" y="0"/>
-          <a:ext cx="0" cy="0"/>
-          <a:chOff x="0" y="0"/>
-          <a:chExt cx="0" cy="0"/>
-        </a:xfrm>
-      </p:grpSpPr>
-      <p:sp>
-        <p:nvSpPr>
-          <p:cNvPr id="2" name="Title 1"/>
-          <p:cNvSpPr>
-            <a:spLocks noGrp="1"/>
-          </p:cNvSpPr>
-          <p:nvPr>
-            <p:ph type="title"/>
-          </p:nvPr>
-        </p:nvSpPr>
-        <p:spPr/>
-        <p:txBody>
-          <a:bodyPr/>
-          <a:lstStyle/>
-          <a:p>
-            <a:r>
-              <a:rPr lang="en-US" dirty="0"/>
-              <a:t>Profiling</a:t>
-            </a:r>
-          </a:p>
-        </p:txBody>
-      </p:sp>
-      <p:sp>
-        <p:nvSpPr>
-          <p:cNvPr id="3" name="Text Placeholder 2"/>
-          <p:cNvSpPr>
-            <a:spLocks noGrp="1"/>
-          </p:cNvSpPr>
-          <p:nvPr>
-            <p:ph type="body" idx="1"/>
-          </p:nvPr>
-        </p:nvSpPr>
-        <p:spPr/>
-        <p:txBody>
-          <a:bodyPr/>
-          <a:lstStyle/>
-          <a:p>
-            <a:endParaRPr lang="en-US"/>
-          </a:p>
-        </p:txBody>
-      </p:sp>
-      <p:sp>
-        <p:nvSpPr>
-          <p:cNvPr id="4" name="Slide Number Placeholder 3"/>
-          <p:cNvSpPr>
-            <a:spLocks noGrp="1"/>
-          </p:cNvSpPr>
-          <p:nvPr>
-            <p:ph type="sldNum" sz="quarter" idx="12"/>
-          </p:nvPr>
-        </p:nvSpPr>
-        <p:spPr/>
-        <p:txBody>
-          <a:bodyPr/>
-          <a:lstStyle/>
-          <a:p>
-            <a:fld id="{6597116C-F94B-4B5B-973A-17F07FB5C418}" type="slidenum">
-              <a:rPr lang="nl-BE" smtClean="0"/>
-              <a:t>48</a:t>
-            </a:fld>
-            <a:endParaRPr lang="nl-BE"/>
-          </a:p>
-        </p:txBody>
-      </p:sp>
-    </p:spTree>
-    <p:extLst>
-      <p:ext uri="{BB962C8B-B14F-4D97-AF65-F5344CB8AC3E}">
-        <p14:creationId xmlns:p14="http://schemas.microsoft.com/office/powerpoint/2010/main" val="68835048"/>
-      </p:ext>
-    </p:extLst>
-  </p:cSld>
-  <p:clrMapOvr>
-    <a:masterClrMapping/>
-  </p:clrMapOvr>
-</p:sld>
-</file>
-
-<file path=ppt/slides/slide49.xml><?xml version="1.0" encoding="utf-8"?>
-<p:sld xmlns:a="http://schemas.openxmlformats.org/drawingml/2006/main" xmlns:r="http://schemas.openxmlformats.org/officeDocument/2006/relationships" xmlns:p="http://schemas.openxmlformats.org/presentationml/2006/main">
-  <p:cSld>
-    <p:spTree>
-      <p:nvGrpSpPr>
-        <p:cNvPr id="1" name=""/>
-        <p:cNvGrpSpPr/>
-        <p:nvPr/>
-      </p:nvGrpSpPr>
-      <p:grpSpPr>
-        <a:xfrm>
-          <a:off x="0" y="0"/>
-          <a:ext cx="0" cy="0"/>
-          <a:chOff x="0" y="0"/>
-          <a:chExt cx="0" cy="0"/>
-        </a:xfrm>
-      </p:grpSpPr>
-      <p:sp>
-        <p:nvSpPr>
-          <p:cNvPr id="2" name="Title 1"/>
-          <p:cNvSpPr>
-            <a:spLocks noGrp="1"/>
-          </p:cNvSpPr>
-          <p:nvPr>
-            <p:ph type="title"/>
-          </p:nvPr>
-        </p:nvSpPr>
-        <p:spPr/>
-        <p:txBody>
-          <a:bodyPr/>
-          <a:lstStyle/>
-          <a:p>
-            <a:r>
-              <a:rPr lang="en-US" dirty="0" err="1"/>
-              <a:t>gprof</a:t>
-            </a:r>
-            <a:r>
-              <a:rPr lang="en-US" dirty="0"/>
-              <a:t> with GCC</a:t>
-            </a:r>
-          </a:p>
-        </p:txBody>
-      </p:sp>
-      <p:sp>
-        <p:nvSpPr>
-          <p:cNvPr id="3" name="Content Placeholder 2"/>
-          <p:cNvSpPr>
-            <a:spLocks noGrp="1"/>
-          </p:cNvSpPr>
-          <p:nvPr>
-            <p:ph idx="1"/>
-          </p:nvPr>
-        </p:nvSpPr>
-        <p:spPr/>
-        <p:txBody>
-          <a:bodyPr/>
-          <a:lstStyle/>
-          <a:p>
-            <a:r>
-              <a:rPr lang="en-US" dirty="0"/>
-              <a:t>Compile/link with </a:t>
-            </a:r>
-            <a:r>
-              <a:rPr lang="en-US" dirty="0">
-                <a:latin typeface="Courier New" panose="02070309020205020404" pitchFamily="49" charset="0"/>
-                <a:cs typeface="Courier New" panose="02070309020205020404" pitchFamily="49" charset="0"/>
-              </a:rPr>
-              <a:t>–g  -</a:t>
-            </a:r>
-            <a:r>
-              <a:rPr lang="en-US" dirty="0" err="1">
-                <a:latin typeface="Courier New" panose="02070309020205020404" pitchFamily="49" charset="0"/>
-                <a:cs typeface="Courier New" panose="02070309020205020404" pitchFamily="49" charset="0"/>
-              </a:rPr>
-              <a:t>pg</a:t>
-            </a:r>
-            <a:endParaRPr lang="en-US" dirty="0">
-              <a:latin typeface="Courier New" panose="02070309020205020404" pitchFamily="49" charset="0"/>
-              <a:cs typeface="Courier New" panose="02070309020205020404" pitchFamily="49" charset="0"/>
-            </a:endParaRPr>
-          </a:p>
-          <a:p>
-            <a:r>
-              <a:rPr lang="en-US" dirty="0"/>
-              <a:t>Run application with representative data/settings</a:t>
-            </a:r>
-          </a:p>
-          <a:p>
-            <a:r>
-              <a:rPr lang="en-US" dirty="0"/>
-              <a:t>View profile using </a:t>
-            </a:r>
-            <a:r>
-              <a:rPr lang="en-US" dirty="0" err="1">
-                <a:latin typeface="Courier New" panose="02070309020205020404" pitchFamily="49" charset="0"/>
-                <a:cs typeface="Courier New" panose="02070309020205020404" pitchFamily="49" charset="0"/>
-              </a:rPr>
-              <a:t>gprof</a:t>
-            </a:r>
-            <a:endParaRPr lang="en-US" dirty="0">
-              <a:latin typeface="Courier New" panose="02070309020205020404" pitchFamily="49" charset="0"/>
-              <a:cs typeface="Courier New" panose="02070309020205020404" pitchFamily="49" charset="0"/>
-            </a:endParaRPr>
-          </a:p>
-        </p:txBody>
-      </p:sp>
-      <p:sp>
-        <p:nvSpPr>
-          <p:cNvPr id="4" name="Slide Number Placeholder 3"/>
-          <p:cNvSpPr>
-            <a:spLocks noGrp="1"/>
-          </p:cNvSpPr>
-          <p:nvPr>
-            <p:ph type="sldNum" sz="quarter" idx="12"/>
-          </p:nvPr>
-        </p:nvSpPr>
-        <p:spPr/>
-        <p:txBody>
-          <a:bodyPr/>
-          <a:lstStyle/>
-          <a:p>
-            <a:fld id="{6597116C-F94B-4B5B-973A-17F07FB5C418}" type="slidenum">
-              <a:rPr lang="nl-BE" smtClean="0"/>
-              <a:t>49</a:t>
-            </a:fld>
-            <a:endParaRPr lang="nl-BE"/>
-          </a:p>
-        </p:txBody>
-      </p:sp>
-    </p:spTree>
-    <p:extLst>
-      <p:ext uri="{BB962C8B-B14F-4D97-AF65-F5344CB8AC3E}">
-        <p14:creationId xmlns:p14="http://schemas.microsoft.com/office/powerpoint/2010/main" val="845156750"/>
-      </p:ext>
-    </p:extLst>
-  </p:cSld>
-  <p:clrMapOvr>
-    <a:masterClrMapping/>
-  </p:clrMapOvr>
 </p:sld>
 </file>
 
@@ -45918,8 +43738,9 @@
           <a:p>
             <a:r>
               <a:rPr lang="en-US" dirty="0"/>
-              <a:t>Feedback-guided optimization</a:t>
-            </a:r>
+              <a:t>Conclusion</a:t>
+            </a:r>
+            <a:endParaRPr lang="nl-BE" dirty="0"/>
           </a:p>
         </p:txBody>
       </p:sp>
@@ -45938,7 +43759,7 @@
           <a:bodyPr/>
           <a:lstStyle/>
           <a:p>
-            <a:endParaRPr lang="en-US"/>
+            <a:endParaRPr lang="nl-BE"/>
           </a:p>
         </p:txBody>
       </p:sp>
@@ -45968,7 +43789,7 @@
     </p:spTree>
     <p:extLst>
       <p:ext uri="{BB962C8B-B14F-4D97-AF65-F5344CB8AC3E}">
-        <p14:creationId xmlns:p14="http://schemas.microsoft.com/office/powerpoint/2010/main" val="3251639006"/>
+        <p14:creationId xmlns:p14="http://schemas.microsoft.com/office/powerpoint/2010/main" val="1387657132"/>
       </p:ext>
     </p:extLst>
   </p:cSld>
@@ -45997,7 +43818,7 @@
       </p:grpSpPr>
       <p:sp>
         <p:nvSpPr>
-          <p:cNvPr id="2" name="Title 1"/>
+          <p:cNvPr id="5" name="Title 4"/>
           <p:cNvSpPr>
             <a:spLocks noGrp="1"/>
           </p:cNvSpPr>
@@ -46012,14 +43833,15 @@
           <a:p>
             <a:r>
               <a:rPr lang="en-US" dirty="0"/>
-              <a:t>Philosophy</a:t>
-            </a:r>
+              <a:t>Useful references</a:t>
+            </a:r>
+            <a:endParaRPr lang="nl-BE" dirty="0"/>
           </a:p>
         </p:txBody>
       </p:sp>
       <p:sp>
         <p:nvSpPr>
-          <p:cNvPr id="3" name="Content Placeholder 2"/>
+          <p:cNvPr id="6" name="Content Placeholder 5"/>
           <p:cNvSpPr>
             <a:spLocks noGrp="1"/>
           </p:cNvSpPr>
@@ -46030,68 +43852,107 @@
         <p:spPr/>
         <p:txBody>
           <a:bodyPr>
-            <a:normAutofit fontScale="92500" lnSpcReduction="20000"/>
+            <a:normAutofit fontScale="85000" lnSpcReduction="20000"/>
           </a:bodyPr>
           <a:lstStyle/>
           <a:p>
             <a:r>
+              <a:rPr lang="en-US" dirty="0">
+                <a:hlinkClick r:id="rId2"/>
+              </a:rPr>
+              <a:t>Gallery of processor cache effects</a:t>
+            </a:r>
+            <a:endParaRPr lang="en-US" dirty="0"/>
+          </a:p>
+          <a:p>
+            <a:r>
+              <a:rPr lang="en-US" dirty="0">
+                <a:hlinkClick r:id="rId3"/>
+              </a:rPr>
+              <a:t>Avoiding and Identifying False Sharing Among Threads</a:t>
+            </a:r>
+            <a:endParaRPr lang="en-US" dirty="0"/>
+          </a:p>
+          <a:p>
+            <a:r>
               <a:rPr lang="en-US" dirty="0"/>
-              <a:t>"The proof of the pudding is in the eating"</a:t>
+              <a:t>Vectorization</a:t>
             </a:r>
           </a:p>
           <a:p>
             <a:pPr lvl="1"/>
             <a:r>
+              <a:rPr lang="en-US" dirty="0">
+                <a:hlinkClick r:id="rId4"/>
+              </a:rPr>
+              <a:t>A guide to vectorization with Intel C++ compilers</a:t>
+            </a:r>
+            <a:endParaRPr lang="en-US" dirty="0"/>
+          </a:p>
+          <a:p>
+            <a:pPr lvl="1"/>
+            <a:r>
+              <a:rPr lang="en-US" dirty="0">
+                <a:hlinkClick r:id="rId5"/>
+              </a:rPr>
+              <a:t>Auto-vectorization with </a:t>
+            </a:r>
+            <a:r>
+              <a:rPr lang="en-US" dirty="0" err="1">
+                <a:hlinkClick r:id="rId5"/>
+              </a:rPr>
+              <a:t>gcc</a:t>
+            </a:r>
+            <a:r>
+              <a:rPr lang="en-US" dirty="0">
+                <a:hlinkClick r:id="rId5"/>
+              </a:rPr>
+              <a:t> 4.7</a:t>
+            </a:r>
+            <a:endParaRPr lang="en-US" dirty="0"/>
+          </a:p>
+          <a:p>
+            <a:r>
               <a:rPr lang="en-US" dirty="0"/>
-              <a:t>Build application with instrumentation</a:t>
-            </a:r>
-          </a:p>
-          <a:p>
-            <a:pPr lvl="1"/>
+              <a:t>Introduction to High Performance Computing for Scientists and Engineers</a:t>
+            </a:r>
+            <a:br>
+              <a:rPr lang="nl-BE" dirty="0"/>
+            </a:br>
+            <a:r>
+              <a:rPr lang="nl-BE" dirty="0"/>
+              <a:t>Georg Hager &amp; Gerhard Wellein</a:t>
+            </a:r>
+            <a:br>
+              <a:rPr lang="nl-BE" dirty="0"/>
+            </a:br>
+            <a:r>
+              <a:rPr lang="nl-BE" dirty="0"/>
+              <a:t>Chapman &amp; Hall, 2010</a:t>
+            </a:r>
+            <a:endParaRPr lang="en-US" b="1" dirty="0"/>
+          </a:p>
+          <a:p>
+            <a:r>
+              <a:rPr lang="en-US" dirty="0">
+                <a:hlinkClick r:id="rId6"/>
+              </a:rPr>
+              <a:t>Why has CPU frequency ceased to grow?</a:t>
+            </a:r>
+            <a:endParaRPr lang="en-US" dirty="0"/>
+          </a:p>
+          <a:p>
+            <a:r>
+              <a:rPr lang="en-US" dirty="0">
+                <a:hlinkClick r:id="rId7"/>
+              </a:rPr>
+              <a:t>Compiler Explorer</a:t>
+            </a:r>
             <a:r>
               <a:rPr lang="en-US" dirty="0"/>
-              <a:t>Run application</a:t>
-            </a:r>
-          </a:p>
-          <a:p>
-            <a:pPr lvl="2"/>
-            <a:r>
-              <a:rPr lang="en-US" dirty="0"/>
-              <a:t>creates profile</a:t>
-            </a:r>
-          </a:p>
-          <a:p>
-            <a:pPr lvl="1"/>
-            <a:r>
-              <a:rPr lang="en-US" dirty="0"/>
-              <a:t>Rebuild application, using profile to guide optimizations</a:t>
-            </a:r>
-          </a:p>
-          <a:p>
-            <a:r>
-              <a:rPr lang="en-US" dirty="0"/>
-              <a:t>Depends on quality of run: must be representative for general use</a:t>
-            </a:r>
-          </a:p>
-          <a:p>
-            <a:pPr lvl="1"/>
-            <a:r>
-              <a:rPr lang="en-US" dirty="0"/>
-              <a:t>CPU/memory architecture</a:t>
-            </a:r>
-          </a:p>
-          <a:p>
-            <a:pPr lvl="1"/>
-            <a:r>
-              <a:rPr lang="en-US" dirty="0"/>
-              <a:t>input data/parameters</a:t>
-            </a:r>
-          </a:p>
-          <a:p>
-            <a:r>
-              <a:rPr lang="en-US" dirty="0"/>
-              <a:t>YMMV: expect &lt; 10 %</a:t>
-            </a:r>
+              <a:t>: interactively shows assembler</a:t>
+            </a:r>
+            <a:endParaRPr lang="nl-BE" dirty="0"/>
           </a:p>
         </p:txBody>
       </p:sp>
@@ -46121,472 +43982,13 @@
     </p:spTree>
     <p:extLst>
       <p:ext uri="{BB962C8B-B14F-4D97-AF65-F5344CB8AC3E}">
-        <p14:creationId xmlns:p14="http://schemas.microsoft.com/office/powerpoint/2010/main" val="2237804228"/>
+        <p14:creationId xmlns:p14="http://schemas.microsoft.com/office/powerpoint/2010/main" val="2653023660"/>
       </p:ext>
     </p:extLst>
   </p:cSld>
   <p:clrMapOvr>
     <a:masterClrMapping/>
   </p:clrMapOvr>
-  <p:timing>
-    <p:tnLst>
-      <p:par>
-        <p:cTn id="1" dur="indefinite" restart="never" nodeType="tmRoot">
-          <p:childTnLst>
-            <p:seq concurrent="1" nextAc="seek">
-              <p:cTn id="2" dur="indefinite" nodeType="mainSeq">
-                <p:childTnLst>
-                  <p:par>
-                    <p:cTn id="3" fill="hold">
-                      <p:stCondLst>
-                        <p:cond delay="indefinite"/>
-                        <p:cond evt="onBegin" delay="0">
-                          <p:tn val="2"/>
-                        </p:cond>
-                      </p:stCondLst>
-                      <p:childTnLst>
-                        <p:par>
-                          <p:cTn id="4" fill="hold">
-                            <p:stCondLst>
-                              <p:cond delay="0"/>
-                            </p:stCondLst>
-                            <p:childTnLst>
-                              <p:par>
-                                <p:cTn id="5" presetID="1" presetClass="entr" presetSubtype="0" fill="hold" grpId="0" nodeType="withEffect">
-                                  <p:stCondLst>
-                                    <p:cond delay="0"/>
-                                  </p:stCondLst>
-                                  <p:childTnLst>
-                                    <p:set>
-                                      <p:cBhvr>
-                                        <p:cTn id="6" dur="1" fill="hold">
-                                          <p:stCondLst>
-                                            <p:cond delay="0"/>
-                                          </p:stCondLst>
-                                        </p:cTn>
-                                        <p:tgtEl>
-                                          <p:spTgt spid="3">
-                                            <p:txEl>
-                                              <p:pRg st="0" end="0"/>
-                                            </p:txEl>
-                                          </p:spTgt>
-                                        </p:tgtEl>
-                                        <p:attrNameLst>
-                                          <p:attrName>style.visibility</p:attrName>
-                                        </p:attrNameLst>
-                                      </p:cBhvr>
-                                      <p:to>
-                                        <p:strVal val="visible"/>
-                                      </p:to>
-                                    </p:set>
-                                  </p:childTnLst>
-                                </p:cTn>
-                              </p:par>
-                            </p:childTnLst>
-                          </p:cTn>
-                        </p:par>
-                      </p:childTnLst>
-                    </p:cTn>
-                  </p:par>
-                  <p:par>
-                    <p:cTn id="7" fill="hold">
-                      <p:stCondLst>
-                        <p:cond delay="indefinite"/>
-                      </p:stCondLst>
-                      <p:childTnLst>
-                        <p:par>
-                          <p:cTn id="8" fill="hold">
-                            <p:stCondLst>
-                              <p:cond delay="0"/>
-                            </p:stCondLst>
-                            <p:childTnLst>
-                              <p:par>
-                                <p:cTn id="9" presetID="1" presetClass="entr" presetSubtype="0" fill="hold" grpId="0" nodeType="clickEffect">
-                                  <p:stCondLst>
-                                    <p:cond delay="0"/>
-                                  </p:stCondLst>
-                                  <p:childTnLst>
-                                    <p:set>
-                                      <p:cBhvr>
-                                        <p:cTn id="10" dur="1" fill="hold">
-                                          <p:stCondLst>
-                                            <p:cond delay="0"/>
-                                          </p:stCondLst>
-                                        </p:cTn>
-                                        <p:tgtEl>
-                                          <p:spTgt spid="3">
-                                            <p:txEl>
-                                              <p:pRg st="1" end="1"/>
-                                            </p:txEl>
-                                          </p:spTgt>
-                                        </p:tgtEl>
-                                        <p:attrNameLst>
-                                          <p:attrName>style.visibility</p:attrName>
-                                        </p:attrNameLst>
-                                      </p:cBhvr>
-                                      <p:to>
-                                        <p:strVal val="visible"/>
-                                      </p:to>
-                                    </p:set>
-                                  </p:childTnLst>
-                                </p:cTn>
-                              </p:par>
-                            </p:childTnLst>
-                          </p:cTn>
-                        </p:par>
-                      </p:childTnLst>
-                    </p:cTn>
-                  </p:par>
-                  <p:par>
-                    <p:cTn id="11" fill="hold">
-                      <p:stCondLst>
-                        <p:cond delay="indefinite"/>
-                      </p:stCondLst>
-                      <p:childTnLst>
-                        <p:par>
-                          <p:cTn id="12" fill="hold">
-                            <p:stCondLst>
-                              <p:cond delay="0"/>
-                            </p:stCondLst>
-                            <p:childTnLst>
-                              <p:par>
-                                <p:cTn id="13" presetID="1" presetClass="entr" presetSubtype="0" fill="hold" grpId="0" nodeType="clickEffect">
-                                  <p:stCondLst>
-                                    <p:cond delay="0"/>
-                                  </p:stCondLst>
-                                  <p:childTnLst>
-                                    <p:set>
-                                      <p:cBhvr>
-                                        <p:cTn id="14" dur="1" fill="hold">
-                                          <p:stCondLst>
-                                            <p:cond delay="0"/>
-                                          </p:stCondLst>
-                                        </p:cTn>
-                                        <p:tgtEl>
-                                          <p:spTgt spid="3">
-                                            <p:txEl>
-                                              <p:pRg st="2" end="2"/>
-                                            </p:txEl>
-                                          </p:spTgt>
-                                        </p:tgtEl>
-                                        <p:attrNameLst>
-                                          <p:attrName>style.visibility</p:attrName>
-                                        </p:attrNameLst>
-                                      </p:cBhvr>
-                                      <p:to>
-                                        <p:strVal val="visible"/>
-                                      </p:to>
-                                    </p:set>
-                                  </p:childTnLst>
-                                </p:cTn>
-                              </p:par>
-                              <p:par>
-                                <p:cTn id="15" presetID="1" presetClass="entr" presetSubtype="0" fill="hold" grpId="0" nodeType="withEffect">
-                                  <p:stCondLst>
-                                    <p:cond delay="0"/>
-                                  </p:stCondLst>
-                                  <p:childTnLst>
-                                    <p:set>
-                                      <p:cBhvr>
-                                        <p:cTn id="16" dur="1" fill="hold">
-                                          <p:stCondLst>
-                                            <p:cond delay="0"/>
-                                          </p:stCondLst>
-                                        </p:cTn>
-                                        <p:tgtEl>
-                                          <p:spTgt spid="3">
-                                            <p:txEl>
-                                              <p:pRg st="3" end="3"/>
-                                            </p:txEl>
-                                          </p:spTgt>
-                                        </p:tgtEl>
-                                        <p:attrNameLst>
-                                          <p:attrName>style.visibility</p:attrName>
-                                        </p:attrNameLst>
-                                      </p:cBhvr>
-                                      <p:to>
-                                        <p:strVal val="visible"/>
-                                      </p:to>
-                                    </p:set>
-                                  </p:childTnLst>
-                                </p:cTn>
-                              </p:par>
-                            </p:childTnLst>
-                          </p:cTn>
-                        </p:par>
-                      </p:childTnLst>
-                    </p:cTn>
-                  </p:par>
-                  <p:par>
-                    <p:cTn id="17" fill="hold">
-                      <p:stCondLst>
-                        <p:cond delay="indefinite"/>
-                      </p:stCondLst>
-                      <p:childTnLst>
-                        <p:par>
-                          <p:cTn id="18" fill="hold">
-                            <p:stCondLst>
-                              <p:cond delay="0"/>
-                            </p:stCondLst>
-                            <p:childTnLst>
-                              <p:par>
-                                <p:cTn id="19" presetID="1" presetClass="entr" presetSubtype="0" fill="hold" grpId="0" nodeType="clickEffect">
-                                  <p:stCondLst>
-                                    <p:cond delay="0"/>
-                                  </p:stCondLst>
-                                  <p:childTnLst>
-                                    <p:set>
-                                      <p:cBhvr>
-                                        <p:cTn id="20" dur="1" fill="hold">
-                                          <p:stCondLst>
-                                            <p:cond delay="0"/>
-                                          </p:stCondLst>
-                                        </p:cTn>
-                                        <p:tgtEl>
-                                          <p:spTgt spid="3">
-                                            <p:txEl>
-                                              <p:pRg st="4" end="4"/>
-                                            </p:txEl>
-                                          </p:spTgt>
-                                        </p:tgtEl>
-                                        <p:attrNameLst>
-                                          <p:attrName>style.visibility</p:attrName>
-                                        </p:attrNameLst>
-                                      </p:cBhvr>
-                                      <p:to>
-                                        <p:strVal val="visible"/>
-                                      </p:to>
-                                    </p:set>
-                                  </p:childTnLst>
-                                </p:cTn>
-                              </p:par>
-                            </p:childTnLst>
-                          </p:cTn>
-                        </p:par>
-                      </p:childTnLst>
-                    </p:cTn>
-                  </p:par>
-                  <p:par>
-                    <p:cTn id="21" fill="hold">
-                      <p:stCondLst>
-                        <p:cond delay="indefinite"/>
-                      </p:stCondLst>
-                      <p:childTnLst>
-                        <p:par>
-                          <p:cTn id="22" fill="hold">
-                            <p:stCondLst>
-                              <p:cond delay="0"/>
-                            </p:stCondLst>
-                            <p:childTnLst>
-                              <p:par>
-                                <p:cTn id="23" presetID="1" presetClass="entr" presetSubtype="0" fill="hold" grpId="0" nodeType="clickEffect">
-                                  <p:stCondLst>
-                                    <p:cond delay="0"/>
-                                  </p:stCondLst>
-                                  <p:childTnLst>
-                                    <p:set>
-                                      <p:cBhvr>
-                                        <p:cTn id="24" dur="1" fill="hold">
-                                          <p:stCondLst>
-                                            <p:cond delay="0"/>
-                                          </p:stCondLst>
-                                        </p:cTn>
-                                        <p:tgtEl>
-                                          <p:spTgt spid="3">
-                                            <p:txEl>
-                                              <p:pRg st="5" end="5"/>
-                                            </p:txEl>
-                                          </p:spTgt>
-                                        </p:tgtEl>
-                                        <p:attrNameLst>
-                                          <p:attrName>style.visibility</p:attrName>
-                                        </p:attrNameLst>
-                                      </p:cBhvr>
-                                      <p:to>
-                                        <p:strVal val="visible"/>
-                                      </p:to>
-                                    </p:set>
-                                  </p:childTnLst>
-                                </p:cTn>
-                              </p:par>
-                            </p:childTnLst>
-                          </p:cTn>
-                        </p:par>
-                      </p:childTnLst>
-                    </p:cTn>
-                  </p:par>
-                  <p:par>
-                    <p:cTn id="25" fill="hold">
-                      <p:stCondLst>
-                        <p:cond delay="indefinite"/>
-                      </p:stCondLst>
-                      <p:childTnLst>
-                        <p:par>
-                          <p:cTn id="26" fill="hold">
-                            <p:stCondLst>
-                              <p:cond delay="0"/>
-                            </p:stCondLst>
-                            <p:childTnLst>
-                              <p:par>
-                                <p:cTn id="27" presetID="1" presetClass="entr" presetSubtype="0" fill="hold" grpId="0" nodeType="clickEffect">
-                                  <p:stCondLst>
-                                    <p:cond delay="0"/>
-                                  </p:stCondLst>
-                                  <p:childTnLst>
-                                    <p:set>
-                                      <p:cBhvr>
-                                        <p:cTn id="28" dur="1" fill="hold">
-                                          <p:stCondLst>
-                                            <p:cond delay="0"/>
-                                          </p:stCondLst>
-                                        </p:cTn>
-                                        <p:tgtEl>
-                                          <p:spTgt spid="3">
-                                            <p:txEl>
-                                              <p:pRg st="6" end="6"/>
-                                            </p:txEl>
-                                          </p:spTgt>
-                                        </p:tgtEl>
-                                        <p:attrNameLst>
-                                          <p:attrName>style.visibility</p:attrName>
-                                        </p:attrNameLst>
-                                      </p:cBhvr>
-                                      <p:to>
-                                        <p:strVal val="visible"/>
-                                      </p:to>
-                                    </p:set>
-                                  </p:childTnLst>
-                                </p:cTn>
-                              </p:par>
-                            </p:childTnLst>
-                          </p:cTn>
-                        </p:par>
-                      </p:childTnLst>
-                    </p:cTn>
-                  </p:par>
-                  <p:par>
-                    <p:cTn id="29" fill="hold">
-                      <p:stCondLst>
-                        <p:cond delay="indefinite"/>
-                      </p:stCondLst>
-                      <p:childTnLst>
-                        <p:par>
-                          <p:cTn id="30" fill="hold">
-                            <p:stCondLst>
-                              <p:cond delay="0"/>
-                            </p:stCondLst>
-                            <p:childTnLst>
-                              <p:par>
-                                <p:cTn id="31" presetID="1" presetClass="entr" presetSubtype="0" fill="hold" grpId="0" nodeType="clickEffect">
-                                  <p:stCondLst>
-                                    <p:cond delay="0"/>
-                                  </p:stCondLst>
-                                  <p:childTnLst>
-                                    <p:set>
-                                      <p:cBhvr>
-                                        <p:cTn id="32" dur="1" fill="hold">
-                                          <p:stCondLst>
-                                            <p:cond delay="0"/>
-                                          </p:stCondLst>
-                                        </p:cTn>
-                                        <p:tgtEl>
-                                          <p:spTgt spid="3">
-                                            <p:txEl>
-                                              <p:pRg st="7" end="7"/>
-                                            </p:txEl>
-                                          </p:spTgt>
-                                        </p:tgtEl>
-                                        <p:attrNameLst>
-                                          <p:attrName>style.visibility</p:attrName>
-                                        </p:attrNameLst>
-                                      </p:cBhvr>
-                                      <p:to>
-                                        <p:strVal val="visible"/>
-                                      </p:to>
-                                    </p:set>
-                                  </p:childTnLst>
-                                </p:cTn>
-                              </p:par>
-                            </p:childTnLst>
-                          </p:cTn>
-                        </p:par>
-                      </p:childTnLst>
-                    </p:cTn>
-                  </p:par>
-                  <p:par>
-                    <p:cTn id="33" fill="hold">
-                      <p:stCondLst>
-                        <p:cond delay="indefinite"/>
-                      </p:stCondLst>
-                      <p:childTnLst>
-                        <p:par>
-                          <p:cTn id="34" fill="hold">
-                            <p:stCondLst>
-                              <p:cond delay="0"/>
-                            </p:stCondLst>
-                            <p:childTnLst>
-                              <p:par>
-                                <p:cTn id="35" presetID="1" presetClass="entr" presetSubtype="0" fill="hold" grpId="0" nodeType="clickEffect">
-                                  <p:stCondLst>
-                                    <p:cond delay="0"/>
-                                  </p:stCondLst>
-                                  <p:childTnLst>
-                                    <p:set>
-                                      <p:cBhvr>
-                                        <p:cTn id="36" dur="1" fill="hold">
-                                          <p:stCondLst>
-                                            <p:cond delay="0"/>
-                                          </p:stCondLst>
-                                        </p:cTn>
-                                        <p:tgtEl>
-                                          <p:spTgt spid="3">
-                                            <p:txEl>
-                                              <p:pRg st="8" end="8"/>
-                                            </p:txEl>
-                                          </p:spTgt>
-                                        </p:tgtEl>
-                                        <p:attrNameLst>
-                                          <p:attrName>style.visibility</p:attrName>
-                                        </p:attrNameLst>
-                                      </p:cBhvr>
-                                      <p:to>
-                                        <p:strVal val="visible"/>
-                                      </p:to>
-                                    </p:set>
-                                  </p:childTnLst>
-                                </p:cTn>
-                              </p:par>
-                            </p:childTnLst>
-                          </p:cTn>
-                        </p:par>
-                      </p:childTnLst>
-                    </p:cTn>
-                  </p:par>
-                </p:childTnLst>
-              </p:cTn>
-              <p:prevCondLst>
-                <p:cond evt="onPrev" delay="0">
-                  <p:tgtEl>
-                    <p:sldTgt/>
-                  </p:tgtEl>
-                </p:cond>
-              </p:prevCondLst>
-              <p:nextCondLst>
-                <p:cond evt="onNext" delay="0">
-                  <p:tgtEl>
-                    <p:sldTgt/>
-                  </p:tgtEl>
-                </p:cond>
-              </p:nextCondLst>
-            </p:seq>
-          </p:childTnLst>
-        </p:cTn>
-      </p:par>
-    </p:tnLst>
-    <p:bldLst>
-      <p:bldP spid="3" grpId="0" uiExpand="1" build="p" bldLvl="2"/>
-    </p:bldLst>
-  </p:timing>
 </p:sld>
 </file>
 
@@ -46624,19 +44026,20 @@
           <a:p>
             <a:r>
               <a:rPr lang="en-US" dirty="0"/>
-              <a:t>GCC compilers</a:t>
-            </a:r>
+              <a:t>Appendix</a:t>
+            </a:r>
+            <a:endParaRPr lang="nl-BE" dirty="0"/>
           </a:p>
         </p:txBody>
       </p:sp>
       <p:sp>
         <p:nvSpPr>
-          <p:cNvPr id="3" name="Content Placeholder 2"/>
+          <p:cNvPr id="3" name="Text Placeholder 2"/>
           <p:cNvSpPr>
             <a:spLocks noGrp="1"/>
           </p:cNvSpPr>
           <p:nvPr>
-            <p:ph idx="1"/>
+            <p:ph type="body" idx="1"/>
           </p:nvPr>
         </p:nvSpPr>
         <p:spPr/>
@@ -46644,25 +44047,7 @@
           <a:bodyPr/>
           <a:lstStyle/>
           <a:p>
-            <a:r>
-              <a:rPr lang="en-US" dirty="0"/>
-              <a:t>Build with instrumentation</a:t>
-            </a:r>
-          </a:p>
-          <a:p>
-            <a:endParaRPr lang="en-US" dirty="0"/>
-          </a:p>
-          <a:p>
-            <a:r>
-              <a:rPr lang="en-US" dirty="0"/>
-              <a:t>Run as usual</a:t>
-            </a:r>
-          </a:p>
-          <a:p>
-            <a:r>
-              <a:rPr lang="en-US" dirty="0"/>
-              <a:t>Build using profile</a:t>
-            </a:r>
+            <a:endParaRPr lang="nl-BE"/>
           </a:p>
         </p:txBody>
       </p:sp>
@@ -46689,401 +44074,16 @@
           </a:p>
         </p:txBody>
       </p:sp>
-      <p:sp>
-        <p:nvSpPr>
-          <p:cNvPr id="5" name="TextBox 4"/>
-          <p:cNvSpPr txBox="1"/>
-          <p:nvPr/>
-        </p:nvSpPr>
-        <p:spPr>
-          <a:xfrm>
-            <a:off x="1187624" y="2276872"/>
-            <a:ext cx="6801862" cy="369332"/>
-          </a:xfrm>
-          <a:prstGeom prst="rect">
-            <a:avLst/>
-          </a:prstGeom>
-          <a:solidFill>
-            <a:schemeClr val="bg1">
-              <a:lumMod val="85000"/>
-            </a:schemeClr>
-          </a:solidFill>
-          <a:ln>
-            <a:solidFill>
-              <a:schemeClr val="tx1"/>
-            </a:solidFill>
-          </a:ln>
-        </p:spPr>
-        <p:txBody>
-          <a:bodyPr wrap="square" rtlCol="0">
-            <a:spAutoFit/>
-          </a:bodyPr>
-          <a:lstStyle/>
-          <a:p>
-            <a:r>
-              <a:rPr lang="en-US" dirty="0" err="1">
-                <a:latin typeface="Courier New" panose="02070309020205020404" pitchFamily="49" charset="0"/>
-                <a:cs typeface="Courier New" panose="02070309020205020404" pitchFamily="49" charset="0"/>
-              </a:rPr>
-              <a:t>gcc</a:t>
-            </a:r>
-            <a:r>
-              <a:rPr lang="en-US" dirty="0">
-                <a:latin typeface="Courier New" panose="02070309020205020404" pitchFamily="49" charset="0"/>
-                <a:cs typeface="Courier New" panose="02070309020205020404" pitchFamily="49" charset="0"/>
-              </a:rPr>
-              <a:t>  -</a:t>
-            </a:r>
-            <a:r>
-              <a:rPr lang="en-US" dirty="0" err="1">
-                <a:latin typeface="Courier New" panose="02070309020205020404" pitchFamily="49" charset="0"/>
-                <a:cs typeface="Courier New" panose="02070309020205020404" pitchFamily="49" charset="0"/>
-              </a:rPr>
-              <a:t>fprofile</a:t>
-            </a:r>
-            <a:r>
-              <a:rPr lang="en-US" dirty="0">
-                <a:latin typeface="Courier New" panose="02070309020205020404" pitchFamily="49" charset="0"/>
-                <a:cs typeface="Courier New" panose="02070309020205020404" pitchFamily="49" charset="0"/>
-              </a:rPr>
-              <a:t>-generate  -o appl.exe  …</a:t>
-            </a:r>
-            <a:endParaRPr lang="nl-BE" dirty="0">
-              <a:latin typeface="Courier New" panose="02070309020205020404" pitchFamily="49" charset="0"/>
-              <a:cs typeface="Courier New" panose="02070309020205020404" pitchFamily="49" charset="0"/>
-            </a:endParaRPr>
-          </a:p>
-        </p:txBody>
-      </p:sp>
-      <p:sp>
-        <p:nvSpPr>
-          <p:cNvPr id="6" name="TextBox 5"/>
-          <p:cNvSpPr txBox="1"/>
-          <p:nvPr/>
-        </p:nvSpPr>
-        <p:spPr>
-          <a:xfrm>
-            <a:off x="1187624" y="4139788"/>
-            <a:ext cx="6801862" cy="369332"/>
-          </a:xfrm>
-          <a:prstGeom prst="rect">
-            <a:avLst/>
-          </a:prstGeom>
-          <a:solidFill>
-            <a:schemeClr val="bg1">
-              <a:lumMod val="85000"/>
-            </a:schemeClr>
-          </a:solidFill>
-          <a:ln>
-            <a:solidFill>
-              <a:schemeClr val="tx1"/>
-            </a:solidFill>
-          </a:ln>
-        </p:spPr>
-        <p:txBody>
-          <a:bodyPr wrap="none" rtlCol="0">
-            <a:spAutoFit/>
-          </a:bodyPr>
-          <a:lstStyle/>
-          <a:p>
-            <a:r>
-              <a:rPr lang="en-US" dirty="0" err="1">
-                <a:latin typeface="Courier New" panose="02070309020205020404" pitchFamily="49" charset="0"/>
-                <a:cs typeface="Courier New" panose="02070309020205020404" pitchFamily="49" charset="0"/>
-              </a:rPr>
-              <a:t>gcc</a:t>
-            </a:r>
-            <a:r>
-              <a:rPr lang="en-US" dirty="0">
-                <a:latin typeface="Courier New" panose="02070309020205020404" pitchFamily="49" charset="0"/>
-                <a:cs typeface="Courier New" panose="02070309020205020404" pitchFamily="49" charset="0"/>
-              </a:rPr>
-              <a:t>  -</a:t>
-            </a:r>
-            <a:r>
-              <a:rPr lang="en-US" dirty="0" err="1">
-                <a:latin typeface="Courier New" panose="02070309020205020404" pitchFamily="49" charset="0"/>
-                <a:cs typeface="Courier New" panose="02070309020205020404" pitchFamily="49" charset="0"/>
-              </a:rPr>
-              <a:t>fprofile</a:t>
-            </a:r>
-            <a:r>
-              <a:rPr lang="en-US" dirty="0">
-                <a:latin typeface="Courier New" panose="02070309020205020404" pitchFamily="49" charset="0"/>
-                <a:cs typeface="Courier New" panose="02070309020205020404" pitchFamily="49" charset="0"/>
-              </a:rPr>
-              <a:t>-use=</a:t>
-            </a:r>
-            <a:r>
-              <a:rPr lang="en-US" dirty="0" err="1">
-                <a:latin typeface="Courier New" panose="02070309020205020404" pitchFamily="49" charset="0"/>
-                <a:cs typeface="Courier New" panose="02070309020205020404" pitchFamily="49" charset="0"/>
-              </a:rPr>
-              <a:t>appl.exe.gcda</a:t>
-            </a:r>
-            <a:r>
-              <a:rPr lang="en-US" dirty="0">
-                <a:latin typeface="Courier New" panose="02070309020205020404" pitchFamily="49" charset="0"/>
-                <a:cs typeface="Courier New" panose="02070309020205020404" pitchFamily="49" charset="0"/>
-              </a:rPr>
-              <a:t>  -o appl.exe  …</a:t>
-            </a:r>
-            <a:endParaRPr lang="nl-BE" dirty="0">
-              <a:latin typeface="Courier New" panose="02070309020205020404" pitchFamily="49" charset="0"/>
-              <a:cs typeface="Courier New" panose="02070309020205020404" pitchFamily="49" charset="0"/>
-            </a:endParaRPr>
-          </a:p>
-        </p:txBody>
-      </p:sp>
     </p:spTree>
     <p:extLst>
       <p:ext uri="{BB962C8B-B14F-4D97-AF65-F5344CB8AC3E}">
-        <p14:creationId xmlns:p14="http://schemas.microsoft.com/office/powerpoint/2010/main" val="2433576050"/>
+        <p14:creationId xmlns:p14="http://schemas.microsoft.com/office/powerpoint/2010/main" val="3118825235"/>
       </p:ext>
     </p:extLst>
   </p:cSld>
   <p:clrMapOvr>
     <a:masterClrMapping/>
   </p:clrMapOvr>
-  <p:timing>
-    <p:tnLst>
-      <p:par>
-        <p:cTn id="1" dur="indefinite" restart="never" nodeType="tmRoot">
-          <p:childTnLst>
-            <p:seq concurrent="1" nextAc="seek">
-              <p:cTn id="2" dur="indefinite" nodeType="mainSeq">
-                <p:childTnLst>
-                  <p:par>
-                    <p:cTn id="3" fill="hold">
-                      <p:stCondLst>
-                        <p:cond delay="indefinite"/>
-                        <p:cond evt="onBegin" delay="0">
-                          <p:tn val="2"/>
-                        </p:cond>
-                      </p:stCondLst>
-                      <p:childTnLst>
-                        <p:par>
-                          <p:cTn id="4" fill="hold">
-                            <p:stCondLst>
-                              <p:cond delay="0"/>
-                            </p:stCondLst>
-                            <p:childTnLst>
-                              <p:par>
-                                <p:cTn id="5" presetID="1" presetClass="entr" presetSubtype="0" fill="hold" grpId="0" nodeType="withEffect">
-                                  <p:stCondLst>
-                                    <p:cond delay="0"/>
-                                  </p:stCondLst>
-                                  <p:childTnLst>
-                                    <p:set>
-                                      <p:cBhvr>
-                                        <p:cTn id="6" dur="1" fill="hold">
-                                          <p:stCondLst>
-                                            <p:cond delay="0"/>
-                                          </p:stCondLst>
-                                        </p:cTn>
-                                        <p:tgtEl>
-                                          <p:spTgt spid="3">
-                                            <p:txEl>
-                                              <p:pRg st="0" end="0"/>
-                                            </p:txEl>
-                                          </p:spTgt>
-                                        </p:tgtEl>
-                                        <p:attrNameLst>
-                                          <p:attrName>style.visibility</p:attrName>
-                                        </p:attrNameLst>
-                                      </p:cBhvr>
-                                      <p:to>
-                                        <p:strVal val="visible"/>
-                                      </p:to>
-                                    </p:set>
-                                  </p:childTnLst>
-                                </p:cTn>
-                              </p:par>
-                              <p:par>
-                                <p:cTn id="7" presetID="1" presetClass="entr" presetSubtype="0" fill="hold" grpId="0" nodeType="withEffect">
-                                  <p:stCondLst>
-                                    <p:cond delay="0"/>
-                                  </p:stCondLst>
-                                  <p:childTnLst>
-                                    <p:set>
-                                      <p:cBhvr>
-                                        <p:cTn id="8" dur="1" fill="hold">
-                                          <p:stCondLst>
-                                            <p:cond delay="0"/>
-                                          </p:stCondLst>
-                                        </p:cTn>
-                                        <p:tgtEl>
-                                          <p:spTgt spid="5"/>
-                                        </p:tgtEl>
-                                        <p:attrNameLst>
-                                          <p:attrName>style.visibility</p:attrName>
-                                        </p:attrNameLst>
-                                      </p:cBhvr>
-                                      <p:to>
-                                        <p:strVal val="visible"/>
-                                      </p:to>
-                                    </p:set>
-                                  </p:childTnLst>
-                                </p:cTn>
-                              </p:par>
-                            </p:childTnLst>
-                          </p:cTn>
-                        </p:par>
-                      </p:childTnLst>
-                    </p:cTn>
-                  </p:par>
-                  <p:par>
-                    <p:cTn id="9" fill="hold">
-                      <p:stCondLst>
-                        <p:cond delay="indefinite"/>
-                      </p:stCondLst>
-                      <p:childTnLst>
-                        <p:par>
-                          <p:cTn id="10" fill="hold">
-                            <p:stCondLst>
-                              <p:cond delay="0"/>
-                            </p:stCondLst>
-                            <p:childTnLst>
-                              <p:par>
-                                <p:cTn id="11" presetID="1" presetClass="entr" presetSubtype="0" fill="hold" grpId="0" nodeType="clickEffect">
-                                  <p:stCondLst>
-                                    <p:cond delay="0"/>
-                                  </p:stCondLst>
-                                  <p:childTnLst>
-                                    <p:set>
-                                      <p:cBhvr>
-                                        <p:cTn id="12" dur="1" fill="hold">
-                                          <p:stCondLst>
-                                            <p:cond delay="0"/>
-                                          </p:stCondLst>
-                                        </p:cTn>
-                                        <p:tgtEl>
-                                          <p:spTgt spid="3">
-                                            <p:txEl>
-                                              <p:pRg st="2" end="2"/>
-                                            </p:txEl>
-                                          </p:spTgt>
-                                        </p:tgtEl>
-                                        <p:attrNameLst>
-                                          <p:attrName>style.visibility</p:attrName>
-                                        </p:attrNameLst>
-                                      </p:cBhvr>
-                                      <p:to>
-                                        <p:strVal val="visible"/>
-                                      </p:to>
-                                    </p:set>
-                                  </p:childTnLst>
-                                </p:cTn>
-                              </p:par>
-                            </p:childTnLst>
-                          </p:cTn>
-                        </p:par>
-                      </p:childTnLst>
-                    </p:cTn>
-                  </p:par>
-                  <p:par>
-                    <p:cTn id="13" fill="hold">
-                      <p:stCondLst>
-                        <p:cond delay="indefinite"/>
-                      </p:stCondLst>
-                      <p:childTnLst>
-                        <p:par>
-                          <p:cTn id="14" fill="hold">
-                            <p:stCondLst>
-                              <p:cond delay="0"/>
-                            </p:stCondLst>
-                            <p:childTnLst>
-                              <p:par>
-                                <p:cTn id="15" presetID="1" presetClass="entr" presetSubtype="0" fill="hold" grpId="0" nodeType="clickEffect">
-                                  <p:stCondLst>
-                                    <p:cond delay="0"/>
-                                  </p:stCondLst>
-                                  <p:childTnLst>
-                                    <p:set>
-                                      <p:cBhvr>
-                                        <p:cTn id="16" dur="1" fill="hold">
-                                          <p:stCondLst>
-                                            <p:cond delay="0"/>
-                                          </p:stCondLst>
-                                        </p:cTn>
-                                        <p:tgtEl>
-                                          <p:spTgt spid="3">
-                                            <p:txEl>
-                                              <p:pRg st="3" end="3"/>
-                                            </p:txEl>
-                                          </p:spTgt>
-                                        </p:tgtEl>
-                                        <p:attrNameLst>
-                                          <p:attrName>style.visibility</p:attrName>
-                                        </p:attrNameLst>
-                                      </p:cBhvr>
-                                      <p:to>
-                                        <p:strVal val="visible"/>
-                                      </p:to>
-                                    </p:set>
-                                  </p:childTnLst>
-                                </p:cTn>
-                              </p:par>
-                              <p:par>
-                                <p:cTn id="17" presetID="1" presetClass="entr" presetSubtype="0" fill="hold" grpId="0" nodeType="withEffect">
-                                  <p:stCondLst>
-                                    <p:cond delay="0"/>
-                                  </p:stCondLst>
-                                  <p:childTnLst>
-                                    <p:set>
-                                      <p:cBhvr>
-                                        <p:cTn id="18" dur="1" fill="hold">
-                                          <p:stCondLst>
-                                            <p:cond delay="0"/>
-                                          </p:stCondLst>
-                                        </p:cTn>
-                                        <p:tgtEl>
-                                          <p:spTgt spid="6"/>
-                                        </p:tgtEl>
-                                        <p:attrNameLst>
-                                          <p:attrName>style.visibility</p:attrName>
-                                        </p:attrNameLst>
-                                      </p:cBhvr>
-                                      <p:to>
-                                        <p:strVal val="visible"/>
-                                      </p:to>
-                                    </p:set>
-                                  </p:childTnLst>
-                                </p:cTn>
-                              </p:par>
-                            </p:childTnLst>
-                          </p:cTn>
-                        </p:par>
-                      </p:childTnLst>
-                    </p:cTn>
-                  </p:par>
-                </p:childTnLst>
-              </p:cTn>
-              <p:prevCondLst>
-                <p:cond evt="onPrev" delay="0">
-                  <p:tgtEl>
-                    <p:sldTgt/>
-                  </p:tgtEl>
-                </p:cond>
-              </p:prevCondLst>
-              <p:nextCondLst>
-                <p:cond evt="onNext" delay="0">
-                  <p:tgtEl>
-                    <p:sldTgt/>
-                  </p:tgtEl>
-                </p:cond>
-              </p:nextCondLst>
-            </p:seq>
-          </p:childTnLst>
-        </p:cTn>
-      </p:par>
-    </p:tnLst>
-    <p:bldLst>
-      <p:bldP spid="3" grpId="0" uiExpand="1" build="p"/>
-      <p:bldP spid="5" grpId="0" animBg="1"/>
-      <p:bldP spid="6" grpId="0" animBg="1"/>
-    </p:bldLst>
-  </p:timing>
 </p:sld>
 </file>
 
@@ -47121,1233 +44121,6 @@
           <a:p>
             <a:r>
               <a:rPr lang="en-US" dirty="0"/>
-              <a:t>Intel compilers</a:t>
-            </a:r>
-          </a:p>
-        </p:txBody>
-      </p:sp>
-      <p:sp>
-        <p:nvSpPr>
-          <p:cNvPr id="3" name="Content Placeholder 2"/>
-          <p:cNvSpPr>
-            <a:spLocks noGrp="1"/>
-          </p:cNvSpPr>
-          <p:nvPr>
-            <p:ph idx="1"/>
-          </p:nvPr>
-        </p:nvSpPr>
-        <p:spPr/>
-        <p:txBody>
-          <a:bodyPr/>
-          <a:lstStyle/>
-          <a:p>
-            <a:r>
-              <a:rPr lang="en-US" dirty="0"/>
-              <a:t>Build with instrumentation</a:t>
-            </a:r>
-          </a:p>
-          <a:p>
-            <a:endParaRPr lang="en-US" dirty="0"/>
-          </a:p>
-          <a:p>
-            <a:r>
-              <a:rPr lang="en-US" dirty="0"/>
-              <a:t>Run as usual</a:t>
-            </a:r>
-          </a:p>
-          <a:p>
-            <a:r>
-              <a:rPr lang="en-US" dirty="0"/>
-              <a:t>Build using profile</a:t>
-            </a:r>
-          </a:p>
-        </p:txBody>
-      </p:sp>
-      <p:sp>
-        <p:nvSpPr>
-          <p:cNvPr id="4" name="Slide Number Placeholder 3"/>
-          <p:cNvSpPr>
-            <a:spLocks noGrp="1"/>
-          </p:cNvSpPr>
-          <p:nvPr>
-            <p:ph type="sldNum" sz="quarter" idx="12"/>
-          </p:nvPr>
-        </p:nvSpPr>
-        <p:spPr/>
-        <p:txBody>
-          <a:bodyPr/>
-          <a:lstStyle/>
-          <a:p>
-            <a:fld id="{6597116C-F94B-4B5B-973A-17F07FB5C418}" type="slidenum">
-              <a:rPr lang="nl-BE" smtClean="0"/>
-              <a:t>53</a:t>
-            </a:fld>
-            <a:endParaRPr lang="nl-BE"/>
-          </a:p>
-        </p:txBody>
-      </p:sp>
-      <p:sp>
-        <p:nvSpPr>
-          <p:cNvPr id="5" name="TextBox 4"/>
-          <p:cNvSpPr txBox="1"/>
-          <p:nvPr/>
-        </p:nvSpPr>
-        <p:spPr>
-          <a:xfrm>
-            <a:off x="1187624" y="2276872"/>
-            <a:ext cx="7629012" cy="369332"/>
-          </a:xfrm>
-          <a:prstGeom prst="rect">
-            <a:avLst/>
-          </a:prstGeom>
-          <a:solidFill>
-            <a:schemeClr val="bg1">
-              <a:lumMod val="85000"/>
-            </a:schemeClr>
-          </a:solidFill>
-          <a:ln>
-            <a:solidFill>
-              <a:schemeClr val="tx1"/>
-            </a:solidFill>
-          </a:ln>
-        </p:spPr>
-        <p:txBody>
-          <a:bodyPr wrap="square" rtlCol="0">
-            <a:spAutoFit/>
-          </a:bodyPr>
-          <a:lstStyle/>
-          <a:p>
-            <a:r>
-              <a:rPr lang="en-US" dirty="0" err="1">
-                <a:latin typeface="Courier New" panose="02070309020205020404" pitchFamily="49" charset="0"/>
-                <a:cs typeface="Courier New" panose="02070309020205020404" pitchFamily="49" charset="0"/>
-              </a:rPr>
-              <a:t>icc</a:t>
-            </a:r>
-            <a:r>
-              <a:rPr lang="en-US" dirty="0">
-                <a:latin typeface="Courier New" panose="02070309020205020404" pitchFamily="49" charset="0"/>
-                <a:cs typeface="Courier New" panose="02070309020205020404" pitchFamily="49" charset="0"/>
-              </a:rPr>
-              <a:t>  -prof-gen  -prof-</a:t>
-            </a:r>
-            <a:r>
-              <a:rPr lang="en-US" dirty="0" err="1">
-                <a:latin typeface="Courier New" panose="02070309020205020404" pitchFamily="49" charset="0"/>
-                <a:cs typeface="Courier New" panose="02070309020205020404" pitchFamily="49" charset="0"/>
-              </a:rPr>
-              <a:t>dir</a:t>
-            </a:r>
-            <a:r>
-              <a:rPr lang="en-US" dirty="0">
-                <a:latin typeface="Courier New" panose="02070309020205020404" pitchFamily="49" charset="0"/>
-                <a:cs typeface="Courier New" panose="02070309020205020404" pitchFamily="49" charset="0"/>
-              </a:rPr>
-              <a:t>=./profs  -o appl.exe  …</a:t>
-            </a:r>
-            <a:endParaRPr lang="nl-BE" dirty="0">
-              <a:latin typeface="Courier New" panose="02070309020205020404" pitchFamily="49" charset="0"/>
-              <a:cs typeface="Courier New" panose="02070309020205020404" pitchFamily="49" charset="0"/>
-            </a:endParaRPr>
-          </a:p>
-        </p:txBody>
-      </p:sp>
-      <p:sp>
-        <p:nvSpPr>
-          <p:cNvPr id="6" name="TextBox 5"/>
-          <p:cNvSpPr txBox="1"/>
-          <p:nvPr/>
-        </p:nvSpPr>
-        <p:spPr>
-          <a:xfrm>
-            <a:off x="1187624" y="4139788"/>
-            <a:ext cx="7629012" cy="369332"/>
-          </a:xfrm>
-          <a:prstGeom prst="rect">
-            <a:avLst/>
-          </a:prstGeom>
-          <a:solidFill>
-            <a:schemeClr val="bg1">
-              <a:lumMod val="85000"/>
-            </a:schemeClr>
-          </a:solidFill>
-          <a:ln>
-            <a:solidFill>
-              <a:schemeClr val="tx1"/>
-            </a:solidFill>
-          </a:ln>
-        </p:spPr>
-        <p:txBody>
-          <a:bodyPr wrap="none" rtlCol="0">
-            <a:spAutoFit/>
-          </a:bodyPr>
-          <a:lstStyle/>
-          <a:p>
-            <a:r>
-              <a:rPr lang="en-US" dirty="0" err="1">
-                <a:latin typeface="Courier New" panose="02070309020205020404" pitchFamily="49" charset="0"/>
-                <a:cs typeface="Courier New" panose="02070309020205020404" pitchFamily="49" charset="0"/>
-              </a:rPr>
-              <a:t>icc</a:t>
-            </a:r>
-            <a:r>
-              <a:rPr lang="en-US" dirty="0">
-                <a:latin typeface="Courier New" panose="02070309020205020404" pitchFamily="49" charset="0"/>
-                <a:cs typeface="Courier New" panose="02070309020205020404" pitchFamily="49" charset="0"/>
-              </a:rPr>
-              <a:t>  -prof-use  prof-</a:t>
-            </a:r>
-            <a:r>
-              <a:rPr lang="en-US" dirty="0" err="1">
-                <a:latin typeface="Courier New" panose="02070309020205020404" pitchFamily="49" charset="0"/>
-                <a:cs typeface="Courier New" panose="02070309020205020404" pitchFamily="49" charset="0"/>
-              </a:rPr>
-              <a:t>dir</a:t>
-            </a:r>
-            <a:r>
-              <a:rPr lang="en-US" dirty="0">
-                <a:latin typeface="Courier New" panose="02070309020205020404" pitchFamily="49" charset="0"/>
-                <a:cs typeface="Courier New" panose="02070309020205020404" pitchFamily="49" charset="0"/>
-              </a:rPr>
-              <a:t>=./profs  -</a:t>
-            </a:r>
-            <a:r>
-              <a:rPr lang="en-US" dirty="0" err="1">
-                <a:latin typeface="Courier New" panose="02070309020205020404" pitchFamily="49" charset="0"/>
-                <a:cs typeface="Courier New" panose="02070309020205020404" pitchFamily="49" charset="0"/>
-              </a:rPr>
-              <a:t>ipo</a:t>
-            </a:r>
-            <a:r>
-              <a:rPr lang="en-US" dirty="0">
-                <a:latin typeface="Courier New" panose="02070309020205020404" pitchFamily="49" charset="0"/>
-                <a:cs typeface="Courier New" panose="02070309020205020404" pitchFamily="49" charset="0"/>
-              </a:rPr>
-              <a:t>  -o appl.exe  …</a:t>
-            </a:r>
-            <a:endParaRPr lang="nl-BE" dirty="0">
-              <a:latin typeface="Courier New" panose="02070309020205020404" pitchFamily="49" charset="0"/>
-              <a:cs typeface="Courier New" panose="02070309020205020404" pitchFamily="49" charset="0"/>
-            </a:endParaRPr>
-          </a:p>
-        </p:txBody>
-      </p:sp>
-    </p:spTree>
-    <p:extLst>
-      <p:ext uri="{BB962C8B-B14F-4D97-AF65-F5344CB8AC3E}">
-        <p14:creationId xmlns:p14="http://schemas.microsoft.com/office/powerpoint/2010/main" val="3097815600"/>
-      </p:ext>
-    </p:extLst>
-  </p:cSld>
-  <p:clrMapOvr>
-    <a:masterClrMapping/>
-  </p:clrMapOvr>
-  <p:timing>
-    <p:tnLst>
-      <p:par>
-        <p:cTn id="1" dur="indefinite" restart="never" nodeType="tmRoot">
-          <p:childTnLst>
-            <p:seq concurrent="1" nextAc="seek">
-              <p:cTn id="2" dur="indefinite" nodeType="mainSeq">
-                <p:childTnLst>
-                  <p:par>
-                    <p:cTn id="3" fill="hold">
-                      <p:stCondLst>
-                        <p:cond delay="indefinite"/>
-                        <p:cond evt="onBegin" delay="0">
-                          <p:tn val="2"/>
-                        </p:cond>
-                      </p:stCondLst>
-                      <p:childTnLst>
-                        <p:par>
-                          <p:cTn id="4" fill="hold">
-                            <p:stCondLst>
-                              <p:cond delay="0"/>
-                            </p:stCondLst>
-                            <p:childTnLst>
-                              <p:par>
-                                <p:cTn id="5" presetID="1" presetClass="entr" presetSubtype="0" fill="hold" grpId="0" nodeType="withEffect">
-                                  <p:stCondLst>
-                                    <p:cond delay="0"/>
-                                  </p:stCondLst>
-                                  <p:childTnLst>
-                                    <p:set>
-                                      <p:cBhvr>
-                                        <p:cTn id="6" dur="1" fill="hold">
-                                          <p:stCondLst>
-                                            <p:cond delay="0"/>
-                                          </p:stCondLst>
-                                        </p:cTn>
-                                        <p:tgtEl>
-                                          <p:spTgt spid="3">
-                                            <p:txEl>
-                                              <p:pRg st="0" end="0"/>
-                                            </p:txEl>
-                                          </p:spTgt>
-                                        </p:tgtEl>
-                                        <p:attrNameLst>
-                                          <p:attrName>style.visibility</p:attrName>
-                                        </p:attrNameLst>
-                                      </p:cBhvr>
-                                      <p:to>
-                                        <p:strVal val="visible"/>
-                                      </p:to>
-                                    </p:set>
-                                  </p:childTnLst>
-                                </p:cTn>
-                              </p:par>
-                              <p:par>
-                                <p:cTn id="7" presetID="1" presetClass="entr" presetSubtype="0" fill="hold" grpId="0" nodeType="withEffect">
-                                  <p:stCondLst>
-                                    <p:cond delay="0"/>
-                                  </p:stCondLst>
-                                  <p:childTnLst>
-                                    <p:set>
-                                      <p:cBhvr>
-                                        <p:cTn id="8" dur="1" fill="hold">
-                                          <p:stCondLst>
-                                            <p:cond delay="0"/>
-                                          </p:stCondLst>
-                                        </p:cTn>
-                                        <p:tgtEl>
-                                          <p:spTgt spid="5"/>
-                                        </p:tgtEl>
-                                        <p:attrNameLst>
-                                          <p:attrName>style.visibility</p:attrName>
-                                        </p:attrNameLst>
-                                      </p:cBhvr>
-                                      <p:to>
-                                        <p:strVal val="visible"/>
-                                      </p:to>
-                                    </p:set>
-                                  </p:childTnLst>
-                                </p:cTn>
-                              </p:par>
-                            </p:childTnLst>
-                          </p:cTn>
-                        </p:par>
-                      </p:childTnLst>
-                    </p:cTn>
-                  </p:par>
-                  <p:par>
-                    <p:cTn id="9" fill="hold">
-                      <p:stCondLst>
-                        <p:cond delay="indefinite"/>
-                      </p:stCondLst>
-                      <p:childTnLst>
-                        <p:par>
-                          <p:cTn id="10" fill="hold">
-                            <p:stCondLst>
-                              <p:cond delay="0"/>
-                            </p:stCondLst>
-                            <p:childTnLst>
-                              <p:par>
-                                <p:cTn id="11" presetID="1" presetClass="entr" presetSubtype="0" fill="hold" grpId="0" nodeType="clickEffect">
-                                  <p:stCondLst>
-                                    <p:cond delay="0"/>
-                                  </p:stCondLst>
-                                  <p:childTnLst>
-                                    <p:set>
-                                      <p:cBhvr>
-                                        <p:cTn id="12" dur="1" fill="hold">
-                                          <p:stCondLst>
-                                            <p:cond delay="0"/>
-                                          </p:stCondLst>
-                                        </p:cTn>
-                                        <p:tgtEl>
-                                          <p:spTgt spid="3">
-                                            <p:txEl>
-                                              <p:pRg st="2" end="2"/>
-                                            </p:txEl>
-                                          </p:spTgt>
-                                        </p:tgtEl>
-                                        <p:attrNameLst>
-                                          <p:attrName>style.visibility</p:attrName>
-                                        </p:attrNameLst>
-                                      </p:cBhvr>
-                                      <p:to>
-                                        <p:strVal val="visible"/>
-                                      </p:to>
-                                    </p:set>
-                                  </p:childTnLst>
-                                </p:cTn>
-                              </p:par>
-                            </p:childTnLst>
-                          </p:cTn>
-                        </p:par>
-                      </p:childTnLst>
-                    </p:cTn>
-                  </p:par>
-                  <p:par>
-                    <p:cTn id="13" fill="hold">
-                      <p:stCondLst>
-                        <p:cond delay="indefinite"/>
-                      </p:stCondLst>
-                      <p:childTnLst>
-                        <p:par>
-                          <p:cTn id="14" fill="hold">
-                            <p:stCondLst>
-                              <p:cond delay="0"/>
-                            </p:stCondLst>
-                            <p:childTnLst>
-                              <p:par>
-                                <p:cTn id="15" presetID="1" presetClass="entr" presetSubtype="0" fill="hold" grpId="0" nodeType="clickEffect">
-                                  <p:stCondLst>
-                                    <p:cond delay="0"/>
-                                  </p:stCondLst>
-                                  <p:childTnLst>
-                                    <p:set>
-                                      <p:cBhvr>
-                                        <p:cTn id="16" dur="1" fill="hold">
-                                          <p:stCondLst>
-                                            <p:cond delay="0"/>
-                                          </p:stCondLst>
-                                        </p:cTn>
-                                        <p:tgtEl>
-                                          <p:spTgt spid="3">
-                                            <p:txEl>
-                                              <p:pRg st="3" end="3"/>
-                                            </p:txEl>
-                                          </p:spTgt>
-                                        </p:tgtEl>
-                                        <p:attrNameLst>
-                                          <p:attrName>style.visibility</p:attrName>
-                                        </p:attrNameLst>
-                                      </p:cBhvr>
-                                      <p:to>
-                                        <p:strVal val="visible"/>
-                                      </p:to>
-                                    </p:set>
-                                  </p:childTnLst>
-                                </p:cTn>
-                              </p:par>
-                              <p:par>
-                                <p:cTn id="17" presetID="1" presetClass="entr" presetSubtype="0" fill="hold" grpId="0" nodeType="withEffect">
-                                  <p:stCondLst>
-                                    <p:cond delay="0"/>
-                                  </p:stCondLst>
-                                  <p:childTnLst>
-                                    <p:set>
-                                      <p:cBhvr>
-                                        <p:cTn id="18" dur="1" fill="hold">
-                                          <p:stCondLst>
-                                            <p:cond delay="0"/>
-                                          </p:stCondLst>
-                                        </p:cTn>
-                                        <p:tgtEl>
-                                          <p:spTgt spid="6"/>
-                                        </p:tgtEl>
-                                        <p:attrNameLst>
-                                          <p:attrName>style.visibility</p:attrName>
-                                        </p:attrNameLst>
-                                      </p:cBhvr>
-                                      <p:to>
-                                        <p:strVal val="visible"/>
-                                      </p:to>
-                                    </p:set>
-                                  </p:childTnLst>
-                                </p:cTn>
-                              </p:par>
-                            </p:childTnLst>
-                          </p:cTn>
-                        </p:par>
-                      </p:childTnLst>
-                    </p:cTn>
-                  </p:par>
-                </p:childTnLst>
-              </p:cTn>
-              <p:prevCondLst>
-                <p:cond evt="onPrev" delay="0">
-                  <p:tgtEl>
-                    <p:sldTgt/>
-                  </p:tgtEl>
-                </p:cond>
-              </p:prevCondLst>
-              <p:nextCondLst>
-                <p:cond evt="onNext" delay="0">
-                  <p:tgtEl>
-                    <p:sldTgt/>
-                  </p:tgtEl>
-                </p:cond>
-              </p:nextCondLst>
-            </p:seq>
-          </p:childTnLst>
-        </p:cTn>
-      </p:par>
-    </p:tnLst>
-    <p:bldLst>
-      <p:bldP spid="3" grpId="0" uiExpand="1" build="p"/>
-      <p:bldP spid="5" grpId="0" animBg="1"/>
-      <p:bldP spid="6" grpId="0" animBg="1"/>
-    </p:bldLst>
-  </p:timing>
-</p:sld>
-</file>
-
-<file path=ppt/slides/slide54.xml><?xml version="1.0" encoding="utf-8"?>
-<p:sld xmlns:a="http://schemas.openxmlformats.org/drawingml/2006/main" xmlns:r="http://schemas.openxmlformats.org/officeDocument/2006/relationships" xmlns:p="http://schemas.openxmlformats.org/presentationml/2006/main">
-  <p:cSld>
-    <p:spTree>
-      <p:nvGrpSpPr>
-        <p:cNvPr id="1" name=""/>
-        <p:cNvGrpSpPr/>
-        <p:nvPr/>
-      </p:nvGrpSpPr>
-      <p:grpSpPr>
-        <a:xfrm>
-          <a:off x="0" y="0"/>
-          <a:ext cx="0" cy="0"/>
-          <a:chOff x="0" y="0"/>
-          <a:chExt cx="0" cy="0"/>
-        </a:xfrm>
-      </p:grpSpPr>
-      <p:sp>
-        <p:nvSpPr>
-          <p:cNvPr id="2" name="Title 1"/>
-          <p:cNvSpPr>
-            <a:spLocks noGrp="1"/>
-          </p:cNvSpPr>
-          <p:nvPr>
-            <p:ph type="title"/>
-          </p:nvPr>
-        </p:nvSpPr>
-        <p:spPr/>
-        <p:txBody>
-          <a:bodyPr/>
-          <a:lstStyle/>
-          <a:p>
-            <a:r>
-              <a:rPr lang="en-US" dirty="0"/>
-              <a:t>Example</a:t>
-            </a:r>
-          </a:p>
-        </p:txBody>
-      </p:sp>
-      <p:sp>
-        <p:nvSpPr>
-          <p:cNvPr id="3" name="Content Placeholder 2"/>
-          <p:cNvSpPr>
-            <a:spLocks noGrp="1"/>
-          </p:cNvSpPr>
-          <p:nvPr>
-            <p:ph idx="1"/>
-          </p:nvPr>
-        </p:nvSpPr>
-        <p:spPr/>
-        <p:txBody>
-          <a:bodyPr/>
-          <a:lstStyle/>
-          <a:p>
-            <a:r>
-              <a:rPr lang="en-US" dirty="0"/>
-              <a:t>Code illustrating cache hierarchy</a:t>
-            </a:r>
-          </a:p>
-        </p:txBody>
-      </p:sp>
-      <p:sp>
-        <p:nvSpPr>
-          <p:cNvPr id="4" name="Slide Number Placeholder 3"/>
-          <p:cNvSpPr>
-            <a:spLocks noGrp="1"/>
-          </p:cNvSpPr>
-          <p:nvPr>
-            <p:ph type="sldNum" sz="quarter" idx="12"/>
-          </p:nvPr>
-        </p:nvSpPr>
-        <p:spPr/>
-        <p:txBody>
-          <a:bodyPr/>
-          <a:lstStyle/>
-          <a:p>
-            <a:fld id="{6597116C-F94B-4B5B-973A-17F07FB5C418}" type="slidenum">
-              <a:rPr lang="nl-BE" smtClean="0"/>
-              <a:t>54</a:t>
-            </a:fld>
-            <a:endParaRPr lang="nl-BE"/>
-          </a:p>
-        </p:txBody>
-      </p:sp>
-      <p:pic>
-        <p:nvPicPr>
-          <p:cNvPr id="5" name="Picture 4"/>
-          <p:cNvPicPr>
-            <a:picLocks noChangeAspect="1"/>
-          </p:cNvPicPr>
-          <p:nvPr/>
-        </p:nvPicPr>
-        <p:blipFill>
-          <a:blip r:embed="rId2"/>
-          <a:stretch>
-            <a:fillRect/>
-          </a:stretch>
-        </p:blipFill>
-        <p:spPr>
-          <a:xfrm>
-            <a:off x="683568" y="2415461"/>
-            <a:ext cx="5280248" cy="3960186"/>
-          </a:xfrm>
-          <a:prstGeom prst="rect">
-            <a:avLst/>
-          </a:prstGeom>
-        </p:spPr>
-      </p:pic>
-      <p:grpSp>
-        <p:nvGrpSpPr>
-          <p:cNvPr id="11" name="Group 10"/>
-          <p:cNvGrpSpPr/>
-          <p:nvPr/>
-        </p:nvGrpSpPr>
-        <p:grpSpPr>
-          <a:xfrm>
-            <a:off x="5364088" y="2780928"/>
-            <a:ext cx="3000906" cy="1440160"/>
-            <a:chOff x="5364088" y="2780928"/>
-            <a:chExt cx="3000906" cy="1440160"/>
-          </a:xfrm>
-        </p:grpSpPr>
-        <p:sp>
-          <p:nvSpPr>
-            <p:cNvPr id="6" name="Oval 5"/>
-            <p:cNvSpPr/>
-            <p:nvPr/>
-          </p:nvSpPr>
-          <p:spPr>
-            <a:xfrm>
-              <a:off x="5364088" y="2780928"/>
-              <a:ext cx="599728" cy="1440160"/>
-            </a:xfrm>
-            <a:prstGeom prst="ellipse">
-              <a:avLst/>
-            </a:prstGeom>
-            <a:solidFill>
-              <a:srgbClr val="00B050">
-                <a:alpha val="19000"/>
-              </a:srgbClr>
-            </a:solidFill>
-            <a:ln>
-              <a:solidFill>
-                <a:srgbClr val="00B050"/>
-              </a:solidFill>
-            </a:ln>
-          </p:spPr>
-          <p:style>
-            <a:lnRef idx="2">
-              <a:schemeClr val="accent1">
-                <a:shade val="50000"/>
-              </a:schemeClr>
-            </a:lnRef>
-            <a:fillRef idx="1">
-              <a:schemeClr val="accent1"/>
-            </a:fillRef>
-            <a:effectRef idx="0">
-              <a:schemeClr val="accent1"/>
-            </a:effectRef>
-            <a:fontRef idx="minor">
-              <a:schemeClr val="lt1"/>
-            </a:fontRef>
-          </p:style>
-          <p:txBody>
-            <a:bodyPr rtlCol="0" anchor="ctr"/>
-            <a:lstStyle/>
-            <a:p>
-              <a:pPr algn="ctr"/>
-              <a:endParaRPr lang="en-US"/>
-            </a:p>
-          </p:txBody>
-        </p:sp>
-        <p:cxnSp>
-          <p:nvCxnSpPr>
-            <p:cNvPr id="8" name="Straight Arrow Connector 7"/>
-            <p:cNvCxnSpPr>
-              <a:stCxn id="9" idx="1"/>
-            </p:cNvCxnSpPr>
-            <p:nvPr/>
-          </p:nvCxnSpPr>
-          <p:spPr>
-            <a:xfrm flipH="1">
-              <a:off x="5958644" y="3201197"/>
-              <a:ext cx="701588" cy="299811"/>
-            </a:xfrm>
-            <a:prstGeom prst="straightConnector1">
-              <a:avLst/>
-            </a:prstGeom>
-            <a:ln w="15875">
-              <a:solidFill>
-                <a:srgbClr val="00B050"/>
-              </a:solidFill>
-              <a:tailEnd type="stealth" w="lg" len="lg"/>
-            </a:ln>
-          </p:spPr>
-          <p:style>
-            <a:lnRef idx="1">
-              <a:schemeClr val="accent1"/>
-            </a:lnRef>
-            <a:fillRef idx="0">
-              <a:schemeClr val="accent1"/>
-            </a:fillRef>
-            <a:effectRef idx="0">
-              <a:schemeClr val="accent1"/>
-            </a:effectRef>
-            <a:fontRef idx="minor">
-              <a:schemeClr val="tx1"/>
-            </a:fontRef>
-          </p:style>
-        </p:cxnSp>
-        <p:sp>
-          <p:nvSpPr>
-            <p:cNvPr id="9" name="TextBox 8"/>
-            <p:cNvSpPr txBox="1"/>
-            <p:nvPr/>
-          </p:nvSpPr>
-          <p:spPr>
-            <a:xfrm>
-              <a:off x="6660232" y="2785698"/>
-              <a:ext cx="1704762" cy="830997"/>
-            </a:xfrm>
-            <a:prstGeom prst="rect">
-              <a:avLst/>
-            </a:prstGeom>
-            <a:noFill/>
-            <a:ln>
-              <a:solidFill>
-                <a:srgbClr val="00B050"/>
-              </a:solidFill>
-            </a:ln>
-          </p:spPr>
-          <p:txBody>
-            <a:bodyPr wrap="none" rtlCol="0">
-              <a:spAutoFit/>
-            </a:bodyPr>
-            <a:lstStyle/>
-            <a:p>
-              <a:r>
-                <a:rPr lang="en-US" sz="2400" dirty="0">
-                  <a:solidFill>
-                    <a:srgbClr val="00B050"/>
-                  </a:solidFill>
-                </a:rPr>
-                <a:t>improved</a:t>
-              </a:r>
-            </a:p>
-            <a:p>
-              <a:r>
-                <a:rPr lang="en-US" sz="2400" dirty="0">
-                  <a:solidFill>
-                    <a:srgbClr val="00B050"/>
-                  </a:solidFill>
-                </a:rPr>
-                <a:t>pre-fetching</a:t>
-              </a:r>
-            </a:p>
-          </p:txBody>
-        </p:sp>
-      </p:grpSp>
-    </p:spTree>
-    <p:extLst>
-      <p:ext uri="{BB962C8B-B14F-4D97-AF65-F5344CB8AC3E}">
-        <p14:creationId xmlns:p14="http://schemas.microsoft.com/office/powerpoint/2010/main" val="988180959"/>
-      </p:ext>
-    </p:extLst>
-  </p:cSld>
-  <p:clrMapOvr>
-    <a:masterClrMapping/>
-  </p:clrMapOvr>
-  <p:timing>
-    <p:tnLst>
-      <p:par>
-        <p:cTn id="1" dur="indefinite" restart="never" nodeType="tmRoot">
-          <p:childTnLst>
-            <p:seq concurrent="1" nextAc="seek">
-              <p:cTn id="2" dur="indefinite" nodeType="mainSeq">
-                <p:childTnLst>
-                  <p:par>
-                    <p:cTn id="3" fill="hold">
-                      <p:stCondLst>
-                        <p:cond delay="indefinite"/>
-                      </p:stCondLst>
-                      <p:childTnLst>
-                        <p:par>
-                          <p:cTn id="4" fill="hold">
-                            <p:stCondLst>
-                              <p:cond delay="0"/>
-                            </p:stCondLst>
-                            <p:childTnLst>
-                              <p:par>
-                                <p:cTn id="5" presetID="1" presetClass="entr" presetSubtype="0" fill="hold" nodeType="clickEffect">
-                                  <p:stCondLst>
-                                    <p:cond delay="0"/>
-                                  </p:stCondLst>
-                                  <p:childTnLst>
-                                    <p:set>
-                                      <p:cBhvr>
-                                        <p:cTn id="6" dur="1" fill="hold">
-                                          <p:stCondLst>
-                                            <p:cond delay="0"/>
-                                          </p:stCondLst>
-                                        </p:cTn>
-                                        <p:tgtEl>
-                                          <p:spTgt spid="11"/>
-                                        </p:tgtEl>
-                                        <p:attrNameLst>
-                                          <p:attrName>style.visibility</p:attrName>
-                                        </p:attrNameLst>
-                                      </p:cBhvr>
-                                      <p:to>
-                                        <p:strVal val="visible"/>
-                                      </p:to>
-                                    </p:set>
-                                  </p:childTnLst>
-                                </p:cTn>
-                              </p:par>
-                            </p:childTnLst>
-                          </p:cTn>
-                        </p:par>
-                      </p:childTnLst>
-                    </p:cTn>
-                  </p:par>
-                </p:childTnLst>
-              </p:cTn>
-              <p:prevCondLst>
-                <p:cond evt="onPrev" delay="0">
-                  <p:tgtEl>
-                    <p:sldTgt/>
-                  </p:tgtEl>
-                </p:cond>
-              </p:prevCondLst>
-              <p:nextCondLst>
-                <p:cond evt="onNext" delay="0">
-                  <p:tgtEl>
-                    <p:sldTgt/>
-                  </p:tgtEl>
-                </p:cond>
-              </p:nextCondLst>
-            </p:seq>
-          </p:childTnLst>
-        </p:cTn>
-      </p:par>
-    </p:tnLst>
-  </p:timing>
-</p:sld>
-</file>
-
-<file path=ppt/slides/slide55.xml><?xml version="1.0" encoding="utf-8"?>
-<p:sld xmlns:a="http://schemas.openxmlformats.org/drawingml/2006/main" xmlns:r="http://schemas.openxmlformats.org/officeDocument/2006/relationships" xmlns:p="http://schemas.openxmlformats.org/presentationml/2006/main">
-  <p:cSld>
-    <p:spTree>
-      <p:nvGrpSpPr>
-        <p:cNvPr id="1" name=""/>
-        <p:cNvGrpSpPr/>
-        <p:nvPr/>
-      </p:nvGrpSpPr>
-      <p:grpSpPr>
-        <a:xfrm>
-          <a:off x="0" y="0"/>
-          <a:ext cx="0" cy="0"/>
-          <a:chOff x="0" y="0"/>
-          <a:chExt cx="0" cy="0"/>
-        </a:xfrm>
-      </p:grpSpPr>
-      <p:sp>
-        <p:nvSpPr>
-          <p:cNvPr id="2" name="Title 1"/>
-          <p:cNvSpPr>
-            <a:spLocks noGrp="1"/>
-          </p:cNvSpPr>
-          <p:nvPr>
-            <p:ph type="title"/>
-          </p:nvPr>
-        </p:nvSpPr>
-        <p:spPr/>
-        <p:txBody>
-          <a:bodyPr/>
-          <a:lstStyle/>
-          <a:p>
-            <a:r>
-              <a:rPr lang="en-US" dirty="0"/>
-              <a:t>Conclusion</a:t>
-            </a:r>
-            <a:endParaRPr lang="nl-BE" dirty="0"/>
-          </a:p>
-        </p:txBody>
-      </p:sp>
-      <p:sp>
-        <p:nvSpPr>
-          <p:cNvPr id="3" name="Text Placeholder 2"/>
-          <p:cNvSpPr>
-            <a:spLocks noGrp="1"/>
-          </p:cNvSpPr>
-          <p:nvPr>
-            <p:ph type="body" idx="1"/>
-          </p:nvPr>
-        </p:nvSpPr>
-        <p:spPr/>
-        <p:txBody>
-          <a:bodyPr/>
-          <a:lstStyle/>
-          <a:p>
-            <a:endParaRPr lang="nl-BE"/>
-          </a:p>
-        </p:txBody>
-      </p:sp>
-      <p:sp>
-        <p:nvSpPr>
-          <p:cNvPr id="4" name="Slide Number Placeholder 3"/>
-          <p:cNvSpPr>
-            <a:spLocks noGrp="1"/>
-          </p:cNvSpPr>
-          <p:nvPr>
-            <p:ph type="sldNum" sz="quarter" idx="12"/>
-          </p:nvPr>
-        </p:nvSpPr>
-        <p:spPr/>
-        <p:txBody>
-          <a:bodyPr/>
-          <a:lstStyle/>
-          <a:p>
-            <a:fld id="{6597116C-F94B-4B5B-973A-17F07FB5C418}" type="slidenum">
-              <a:rPr lang="nl-BE" smtClean="0"/>
-              <a:t>55</a:t>
-            </a:fld>
-            <a:endParaRPr lang="nl-BE"/>
-          </a:p>
-        </p:txBody>
-      </p:sp>
-    </p:spTree>
-    <p:extLst>
-      <p:ext uri="{BB962C8B-B14F-4D97-AF65-F5344CB8AC3E}">
-        <p14:creationId xmlns:p14="http://schemas.microsoft.com/office/powerpoint/2010/main" val="1387657132"/>
-      </p:ext>
-    </p:extLst>
-  </p:cSld>
-  <p:clrMapOvr>
-    <a:masterClrMapping/>
-  </p:clrMapOvr>
-</p:sld>
-</file>
-
-<file path=ppt/slides/slide56.xml><?xml version="1.0" encoding="utf-8"?>
-<p:sld xmlns:a="http://schemas.openxmlformats.org/drawingml/2006/main" xmlns:r="http://schemas.openxmlformats.org/officeDocument/2006/relationships" xmlns:p="http://schemas.openxmlformats.org/presentationml/2006/main">
-  <p:cSld>
-    <p:spTree>
-      <p:nvGrpSpPr>
-        <p:cNvPr id="1" name=""/>
-        <p:cNvGrpSpPr/>
-        <p:nvPr/>
-      </p:nvGrpSpPr>
-      <p:grpSpPr>
-        <a:xfrm>
-          <a:off x="0" y="0"/>
-          <a:ext cx="0" cy="0"/>
-          <a:chOff x="0" y="0"/>
-          <a:chExt cx="0" cy="0"/>
-        </a:xfrm>
-      </p:grpSpPr>
-      <p:sp>
-        <p:nvSpPr>
-          <p:cNvPr id="5" name="Title 4"/>
-          <p:cNvSpPr>
-            <a:spLocks noGrp="1"/>
-          </p:cNvSpPr>
-          <p:nvPr>
-            <p:ph type="title"/>
-          </p:nvPr>
-        </p:nvSpPr>
-        <p:spPr/>
-        <p:txBody>
-          <a:bodyPr/>
-          <a:lstStyle/>
-          <a:p>
-            <a:r>
-              <a:rPr lang="en-US" dirty="0"/>
-              <a:t>Useful references</a:t>
-            </a:r>
-            <a:endParaRPr lang="nl-BE" dirty="0"/>
-          </a:p>
-        </p:txBody>
-      </p:sp>
-      <p:sp>
-        <p:nvSpPr>
-          <p:cNvPr id="6" name="Content Placeholder 5"/>
-          <p:cNvSpPr>
-            <a:spLocks noGrp="1"/>
-          </p:cNvSpPr>
-          <p:nvPr>
-            <p:ph idx="1"/>
-          </p:nvPr>
-        </p:nvSpPr>
-        <p:spPr/>
-        <p:txBody>
-          <a:bodyPr>
-            <a:normAutofit fontScale="85000" lnSpcReduction="20000"/>
-          </a:bodyPr>
-          <a:lstStyle/>
-          <a:p>
-            <a:r>
-              <a:rPr lang="en-US" dirty="0">
-                <a:hlinkClick r:id="rId2"/>
-              </a:rPr>
-              <a:t>Gallery of processor cache effects</a:t>
-            </a:r>
-            <a:endParaRPr lang="en-US" dirty="0"/>
-          </a:p>
-          <a:p>
-            <a:r>
-              <a:rPr lang="en-US" dirty="0">
-                <a:hlinkClick r:id="rId3"/>
-              </a:rPr>
-              <a:t>Avoiding and Identifying False Sharing Among Threads</a:t>
-            </a:r>
-            <a:endParaRPr lang="en-US" dirty="0"/>
-          </a:p>
-          <a:p>
-            <a:r>
-              <a:rPr lang="en-US" dirty="0"/>
-              <a:t>Vectorization</a:t>
-            </a:r>
-          </a:p>
-          <a:p>
-            <a:pPr lvl="1"/>
-            <a:r>
-              <a:rPr lang="en-US" dirty="0">
-                <a:hlinkClick r:id="rId4"/>
-              </a:rPr>
-              <a:t>A guide to vectorization with Intel C++ compilers</a:t>
-            </a:r>
-            <a:endParaRPr lang="en-US" dirty="0"/>
-          </a:p>
-          <a:p>
-            <a:pPr lvl="1"/>
-            <a:r>
-              <a:rPr lang="en-US" dirty="0">
-                <a:hlinkClick r:id="rId5"/>
-              </a:rPr>
-              <a:t>Auto-vectorization with </a:t>
-            </a:r>
-            <a:r>
-              <a:rPr lang="en-US" dirty="0" err="1">
-                <a:hlinkClick r:id="rId5"/>
-              </a:rPr>
-              <a:t>gcc</a:t>
-            </a:r>
-            <a:r>
-              <a:rPr lang="en-US" dirty="0">
-                <a:hlinkClick r:id="rId5"/>
-              </a:rPr>
-              <a:t> 4.7</a:t>
-            </a:r>
-            <a:endParaRPr lang="en-US" dirty="0"/>
-          </a:p>
-          <a:p>
-            <a:r>
-              <a:rPr lang="en-US" dirty="0"/>
-              <a:t>Introduction to High Performance Computing for Scientists and Engineers</a:t>
-            </a:r>
-            <a:br>
-              <a:rPr lang="nl-BE" dirty="0"/>
-            </a:br>
-            <a:r>
-              <a:rPr lang="nl-BE" dirty="0"/>
-              <a:t>Georg Hager &amp; Gerhard Wellein</a:t>
-            </a:r>
-            <a:br>
-              <a:rPr lang="nl-BE" dirty="0"/>
-            </a:br>
-            <a:r>
-              <a:rPr lang="nl-BE" dirty="0"/>
-              <a:t>Chapman &amp; Hall, 2010</a:t>
-            </a:r>
-            <a:endParaRPr lang="en-US" b="1" dirty="0"/>
-          </a:p>
-          <a:p>
-            <a:r>
-              <a:rPr lang="en-US" dirty="0">
-                <a:hlinkClick r:id="rId6"/>
-              </a:rPr>
-              <a:t>Why has CPU frequency ceased to grow?</a:t>
-            </a:r>
-            <a:endParaRPr lang="en-US" dirty="0"/>
-          </a:p>
-          <a:p>
-            <a:r>
-              <a:rPr lang="en-US" dirty="0">
-                <a:hlinkClick r:id="rId7"/>
-              </a:rPr>
-              <a:t>Compiler Explorer</a:t>
-            </a:r>
-            <a:r>
-              <a:rPr lang="en-US" dirty="0"/>
-              <a:t>: interactively shows assembler</a:t>
-            </a:r>
-            <a:endParaRPr lang="nl-BE" dirty="0"/>
-          </a:p>
-        </p:txBody>
-      </p:sp>
-      <p:sp>
-        <p:nvSpPr>
-          <p:cNvPr id="4" name="Slide Number Placeholder 3"/>
-          <p:cNvSpPr>
-            <a:spLocks noGrp="1"/>
-          </p:cNvSpPr>
-          <p:nvPr>
-            <p:ph type="sldNum" sz="quarter" idx="12"/>
-          </p:nvPr>
-        </p:nvSpPr>
-        <p:spPr/>
-        <p:txBody>
-          <a:bodyPr/>
-          <a:lstStyle/>
-          <a:p>
-            <a:fld id="{6597116C-F94B-4B5B-973A-17F07FB5C418}" type="slidenum">
-              <a:rPr lang="nl-BE" smtClean="0"/>
-              <a:t>56</a:t>
-            </a:fld>
-            <a:endParaRPr lang="nl-BE"/>
-          </a:p>
-        </p:txBody>
-      </p:sp>
-    </p:spTree>
-    <p:extLst>
-      <p:ext uri="{BB962C8B-B14F-4D97-AF65-F5344CB8AC3E}">
-        <p14:creationId xmlns:p14="http://schemas.microsoft.com/office/powerpoint/2010/main" val="2653023660"/>
-      </p:ext>
-    </p:extLst>
-  </p:cSld>
-  <p:clrMapOvr>
-    <a:masterClrMapping/>
-  </p:clrMapOvr>
-</p:sld>
-</file>
-
-<file path=ppt/slides/slide57.xml><?xml version="1.0" encoding="utf-8"?>
-<p:sld xmlns:a="http://schemas.openxmlformats.org/drawingml/2006/main" xmlns:r="http://schemas.openxmlformats.org/officeDocument/2006/relationships" xmlns:p="http://schemas.openxmlformats.org/presentationml/2006/main">
-  <p:cSld>
-    <p:spTree>
-      <p:nvGrpSpPr>
-        <p:cNvPr id="1" name=""/>
-        <p:cNvGrpSpPr/>
-        <p:nvPr/>
-      </p:nvGrpSpPr>
-      <p:grpSpPr>
-        <a:xfrm>
-          <a:off x="0" y="0"/>
-          <a:ext cx="0" cy="0"/>
-          <a:chOff x="0" y="0"/>
-          <a:chExt cx="0" cy="0"/>
-        </a:xfrm>
-      </p:grpSpPr>
-      <p:sp>
-        <p:nvSpPr>
-          <p:cNvPr id="2" name="Title 1"/>
-          <p:cNvSpPr>
-            <a:spLocks noGrp="1"/>
-          </p:cNvSpPr>
-          <p:nvPr>
-            <p:ph type="title"/>
-          </p:nvPr>
-        </p:nvSpPr>
-        <p:spPr/>
-        <p:txBody>
-          <a:bodyPr/>
-          <a:lstStyle/>
-          <a:p>
-            <a:r>
-              <a:rPr lang="en-US" dirty="0"/>
-              <a:t>Appendix</a:t>
-            </a:r>
-            <a:endParaRPr lang="nl-BE" dirty="0"/>
-          </a:p>
-        </p:txBody>
-      </p:sp>
-      <p:sp>
-        <p:nvSpPr>
-          <p:cNvPr id="3" name="Text Placeholder 2"/>
-          <p:cNvSpPr>
-            <a:spLocks noGrp="1"/>
-          </p:cNvSpPr>
-          <p:nvPr>
-            <p:ph type="body" idx="1"/>
-          </p:nvPr>
-        </p:nvSpPr>
-        <p:spPr/>
-        <p:txBody>
-          <a:bodyPr/>
-          <a:lstStyle/>
-          <a:p>
-            <a:endParaRPr lang="nl-BE"/>
-          </a:p>
-        </p:txBody>
-      </p:sp>
-      <p:sp>
-        <p:nvSpPr>
-          <p:cNvPr id="4" name="Slide Number Placeholder 3"/>
-          <p:cNvSpPr>
-            <a:spLocks noGrp="1"/>
-          </p:cNvSpPr>
-          <p:nvPr>
-            <p:ph type="sldNum" sz="quarter" idx="12"/>
-          </p:nvPr>
-        </p:nvSpPr>
-        <p:spPr/>
-        <p:txBody>
-          <a:bodyPr/>
-          <a:lstStyle/>
-          <a:p>
-            <a:fld id="{6597116C-F94B-4B5B-973A-17F07FB5C418}" type="slidenum">
-              <a:rPr lang="nl-BE" smtClean="0"/>
-              <a:t>57</a:t>
-            </a:fld>
-            <a:endParaRPr lang="nl-BE"/>
-          </a:p>
-        </p:txBody>
-      </p:sp>
-    </p:spTree>
-    <p:extLst>
-      <p:ext uri="{BB962C8B-B14F-4D97-AF65-F5344CB8AC3E}">
-        <p14:creationId xmlns:p14="http://schemas.microsoft.com/office/powerpoint/2010/main" val="3118825235"/>
-      </p:ext>
-    </p:extLst>
-  </p:cSld>
-  <p:clrMapOvr>
-    <a:masterClrMapping/>
-  </p:clrMapOvr>
-</p:sld>
-</file>
-
-<file path=ppt/slides/slide58.xml><?xml version="1.0" encoding="utf-8"?>
-<p:sld xmlns:a="http://schemas.openxmlformats.org/drawingml/2006/main" xmlns:r="http://schemas.openxmlformats.org/officeDocument/2006/relationships" xmlns:p="http://schemas.openxmlformats.org/presentationml/2006/main">
-  <p:cSld>
-    <p:spTree>
-      <p:nvGrpSpPr>
-        <p:cNvPr id="1" name=""/>
-        <p:cNvGrpSpPr/>
-        <p:nvPr/>
-      </p:nvGrpSpPr>
-      <p:grpSpPr>
-        <a:xfrm>
-          <a:off x="0" y="0"/>
-          <a:ext cx="0" cy="0"/>
-          <a:chOff x="0" y="0"/>
-          <a:chExt cx="0" cy="0"/>
-        </a:xfrm>
-      </p:grpSpPr>
-      <p:sp>
-        <p:nvSpPr>
-          <p:cNvPr id="2" name="Title 1"/>
-          <p:cNvSpPr>
-            <a:spLocks noGrp="1"/>
-          </p:cNvSpPr>
-          <p:nvPr>
-            <p:ph type="title"/>
-          </p:nvPr>
-        </p:nvSpPr>
-        <p:spPr/>
-        <p:txBody>
-          <a:bodyPr/>
-          <a:lstStyle/>
-          <a:p>
-            <a:r>
-              <a:rPr lang="en-US" dirty="0"/>
               <a:t>Tools</a:t>
             </a:r>
           </a:p>
@@ -48498,7 +44271,7 @@
           <a:p>
             <a:fld id="{6597116C-F94B-4B5B-973A-17F07FB5C418}" type="slidenum">
               <a:rPr lang="nl-BE" smtClean="0"/>
-              <a:t>58</a:t>
+              <a:t>53</a:t>
             </a:fld>
             <a:endParaRPr lang="nl-BE"/>
           </a:p>
@@ -49067,7 +44840,7 @@
 </p:sld>
 </file>
 
-<file path=ppt/slides/slide59.xml><?xml version="1.0" encoding="utf-8"?>
+<file path=ppt/slides/slide54.xml><?xml version="1.0" encoding="utf-8"?>
 <p:sld xmlns:a="http://schemas.openxmlformats.org/drawingml/2006/main" xmlns:r="http://schemas.openxmlformats.org/officeDocument/2006/relationships" xmlns:p="http://schemas.openxmlformats.org/presentationml/2006/main">
   <p:cSld>
     <p:spTree>
@@ -50839,7 +46612,7 @@
           <a:p>
             <a:fld id="{6597116C-F94B-4B5B-973A-17F07FB5C418}" type="slidenum">
               <a:rPr lang="nl-BE" smtClean="0"/>
-              <a:t>59</a:t>
+              <a:t>54</a:t>
             </a:fld>
             <a:endParaRPr lang="nl-BE"/>
           </a:p>
@@ -50977,6 +46750,286 @@
 </p:sld>
 </file>
 
+<file path=ppt/slides/slide55.xml><?xml version="1.0" encoding="utf-8"?>
+<p:sld xmlns:a="http://schemas.openxmlformats.org/drawingml/2006/main" xmlns:r="http://schemas.openxmlformats.org/officeDocument/2006/relationships" xmlns:p="http://schemas.openxmlformats.org/presentationml/2006/main">
+  <p:cSld>
+    <p:spTree>
+      <p:nvGrpSpPr>
+        <p:cNvPr id="1" name=""/>
+        <p:cNvGrpSpPr/>
+        <p:nvPr/>
+      </p:nvGrpSpPr>
+      <p:grpSpPr>
+        <a:xfrm>
+          <a:off x="0" y="0"/>
+          <a:ext cx="0" cy="0"/>
+          <a:chOff x="0" y="0"/>
+          <a:chExt cx="0" cy="0"/>
+        </a:xfrm>
+      </p:grpSpPr>
+      <p:sp>
+        <p:nvSpPr>
+          <p:cNvPr id="2" name="Title 1"/>
+          <p:cNvSpPr>
+            <a:spLocks noGrp="1"/>
+          </p:cNvSpPr>
+          <p:nvPr>
+            <p:ph type="title"/>
+          </p:nvPr>
+        </p:nvSpPr>
+        <p:spPr/>
+        <p:txBody>
+          <a:bodyPr/>
+          <a:lstStyle/>
+          <a:p>
+            <a:r>
+              <a:rPr lang="en-US" dirty="0"/>
+              <a:t>Bandwidth</a:t>
+            </a:r>
+            <a:endParaRPr lang="nl-BE" dirty="0"/>
+          </a:p>
+        </p:txBody>
+      </p:sp>
+      <p:sp>
+        <p:nvSpPr>
+          <p:cNvPr id="4" name="Content Placeholder 3"/>
+          <p:cNvSpPr>
+            <a:spLocks noGrp="1"/>
+          </p:cNvSpPr>
+          <p:nvPr>
+            <p:ph idx="1"/>
+          </p:nvPr>
+        </p:nvSpPr>
+        <p:spPr/>
+        <p:txBody>
+          <a:bodyPr>
+            <a:normAutofit fontScale="55000" lnSpcReduction="20000"/>
+          </a:bodyPr>
+          <a:lstStyle/>
+          <a:p>
+            <a:r>
+              <a:rPr lang="en-US" dirty="0"/>
+              <a:t>RAM</a:t>
+            </a:r>
+          </a:p>
+          <a:p>
+            <a:pPr lvl="1"/>
+            <a:r>
+              <a:rPr lang="en-US" dirty="0" err="1"/>
+              <a:t>ivybridge</a:t>
+            </a:r>
+            <a:r>
+              <a:rPr lang="en-US" dirty="0"/>
+              <a:t> (dual socket, 10 core): 93 GB/s</a:t>
+            </a:r>
+          </a:p>
+          <a:p>
+            <a:pPr lvl="1"/>
+            <a:r>
+              <a:rPr lang="en-US" dirty="0" err="1"/>
+              <a:t>haswell</a:t>
+            </a:r>
+            <a:r>
+              <a:rPr lang="en-US" dirty="0"/>
+              <a:t> (dual socket, 12 core): 110 GB/s</a:t>
+            </a:r>
+          </a:p>
+          <a:p>
+            <a:pPr lvl="1"/>
+            <a:r>
+              <a:rPr lang="en-US" dirty="0" err="1"/>
+              <a:t>broadwell</a:t>
+            </a:r>
+            <a:r>
+              <a:rPr lang="en-US" dirty="0"/>
+              <a:t> (dual socket, 14 core): 125 GB/s</a:t>
+            </a:r>
+          </a:p>
+          <a:p>
+            <a:pPr lvl="1"/>
+            <a:r>
+              <a:rPr lang="en-US" dirty="0" err="1"/>
+              <a:t>skylake</a:t>
+            </a:r>
+            <a:r>
+              <a:rPr lang="en-US" dirty="0"/>
+              <a:t> (dual socket, 18 core): 256 GB/s</a:t>
+            </a:r>
+          </a:p>
+          <a:p>
+            <a:r>
+              <a:rPr lang="en-US" dirty="0"/>
+              <a:t>QPI</a:t>
+            </a:r>
+          </a:p>
+          <a:p>
+            <a:pPr lvl="1"/>
+            <a:r>
+              <a:rPr lang="en-US" dirty="0" err="1"/>
+              <a:t>ivybridge</a:t>
+            </a:r>
+            <a:r>
+              <a:rPr lang="en-US" dirty="0"/>
+              <a:t>: 25 GB/s</a:t>
+            </a:r>
+          </a:p>
+          <a:p>
+            <a:pPr lvl="1"/>
+            <a:r>
+              <a:rPr lang="en-US" dirty="0" err="1"/>
+              <a:t>haswell</a:t>
+            </a:r>
+            <a:r>
+              <a:rPr lang="en-US" dirty="0"/>
+              <a:t>: 30 GB/s</a:t>
+            </a:r>
+            <a:endParaRPr lang="nl-BE" dirty="0"/>
+          </a:p>
+          <a:p>
+            <a:pPr lvl="1"/>
+            <a:r>
+              <a:rPr lang="nl-BE" dirty="0"/>
+              <a:t>broadwell: 30 GB/s</a:t>
+            </a:r>
+          </a:p>
+          <a:p>
+            <a:pPr lvl="1"/>
+            <a:r>
+              <a:rPr lang="nl-BE" dirty="0"/>
+              <a:t>skylake: 80 GB/s</a:t>
+            </a:r>
+            <a:endParaRPr lang="en-US" dirty="0"/>
+          </a:p>
+          <a:p>
+            <a:r>
+              <a:rPr lang="en-US" dirty="0"/>
+              <a:t>GPGPU RAM (GDDR5@750MHz, K40c): 288.0 GB/s</a:t>
+            </a:r>
+          </a:p>
+          <a:p>
+            <a:r>
+              <a:rPr lang="en-US" dirty="0"/>
+              <a:t>SATA revision 3: 0.6 GB/s</a:t>
+            </a:r>
+          </a:p>
+          <a:p>
+            <a:r>
+              <a:rPr lang="en-US" dirty="0"/>
+              <a:t>SATA revision 3.2: 2.0 GB/s</a:t>
+            </a:r>
+          </a:p>
+          <a:p>
+            <a:r>
+              <a:rPr lang="en-US" dirty="0"/>
+              <a:t>SAS 3: 1.2 GB/s</a:t>
+            </a:r>
+          </a:p>
+          <a:p>
+            <a:r>
+              <a:rPr lang="en-US" dirty="0"/>
+              <a:t>PCI Express 3.0 (16x): 15.75 GB/s</a:t>
+            </a:r>
+          </a:p>
+          <a:p>
+            <a:r>
+              <a:rPr lang="en-US" dirty="0" err="1"/>
+              <a:t>Infiniband</a:t>
+            </a:r>
+            <a:r>
+              <a:rPr lang="en-US" dirty="0"/>
+              <a:t> QDR 4x: 4.0 GB/s</a:t>
+            </a:r>
+          </a:p>
+          <a:p>
+            <a:r>
+              <a:rPr lang="en-US" dirty="0" err="1"/>
+              <a:t>Infiniband</a:t>
+            </a:r>
+            <a:r>
+              <a:rPr lang="en-US" dirty="0"/>
+              <a:t> EDR 4x: 12.5 GB/s</a:t>
+            </a:r>
+            <a:endParaRPr lang="nl-BE" dirty="0"/>
+          </a:p>
+        </p:txBody>
+      </p:sp>
+      <p:sp>
+        <p:nvSpPr>
+          <p:cNvPr id="3" name="Slide Number Placeholder 2"/>
+          <p:cNvSpPr>
+            <a:spLocks noGrp="1"/>
+          </p:cNvSpPr>
+          <p:nvPr>
+            <p:ph type="sldNum" sz="quarter" idx="12"/>
+          </p:nvPr>
+        </p:nvSpPr>
+        <p:spPr/>
+        <p:txBody>
+          <a:bodyPr/>
+          <a:lstStyle/>
+          <a:p>
+            <a:fld id="{6597116C-F94B-4B5B-973A-17F07FB5C418}" type="slidenum">
+              <a:rPr lang="nl-BE" smtClean="0"/>
+              <a:t>55</a:t>
+            </a:fld>
+            <a:endParaRPr lang="nl-BE"/>
+          </a:p>
+        </p:txBody>
+      </p:sp>
+      <p:sp>
+        <p:nvSpPr>
+          <p:cNvPr id="5" name="TextBox 4"/>
+          <p:cNvSpPr txBox="1"/>
+          <p:nvPr/>
+        </p:nvSpPr>
+        <p:spPr>
+          <a:xfrm>
+            <a:off x="5076056" y="4653136"/>
+            <a:ext cx="3443443" cy="830997"/>
+          </a:xfrm>
+          <a:prstGeom prst="rect">
+            <a:avLst/>
+          </a:prstGeom>
+          <a:noFill/>
+          <a:ln>
+            <a:solidFill>
+              <a:schemeClr val="tx1"/>
+            </a:solidFill>
+          </a:ln>
+        </p:spPr>
+        <p:txBody>
+          <a:bodyPr wrap="none" rtlCol="0">
+            <a:spAutoFit/>
+          </a:bodyPr>
+          <a:lstStyle/>
+          <a:p>
+            <a:r>
+              <a:rPr lang="en-US" sz="2400" dirty="0"/>
+              <a:t>Note: bandwidth depends</a:t>
+            </a:r>
+          </a:p>
+          <a:p>
+            <a:r>
+              <a:rPr lang="en-US" sz="2400" dirty="0"/>
+              <a:t>           on message size!</a:t>
+            </a:r>
+            <a:endParaRPr lang="nl-BE" sz="2400" dirty="0"/>
+          </a:p>
+        </p:txBody>
+      </p:sp>
+    </p:spTree>
+    <p:extLst>
+      <p:ext uri="{BB962C8B-B14F-4D97-AF65-F5344CB8AC3E}">
+        <p14:creationId xmlns:p14="http://schemas.microsoft.com/office/powerpoint/2010/main" val="3254066855"/>
+      </p:ext>
+    </p:extLst>
+  </p:cSld>
+  <p:clrMapOvr>
+    <a:masterClrMapping/>
+  </p:clrMapOvr>
+</p:sld>
+</file>
+
 <file path=ppt/slides/slide6.xml><?xml version="1.0" encoding="utf-8"?>
 <p:sld xmlns:a="http://schemas.openxmlformats.org/drawingml/2006/main" xmlns:r="http://schemas.openxmlformats.org/officeDocument/2006/relationships" xmlns:p="http://schemas.openxmlformats.org/presentationml/2006/main">
   <p:cSld>
@@ -51136,286 +47189,6 @@
     <p:extLst>
       <p:ext uri="{BB962C8B-B14F-4D97-AF65-F5344CB8AC3E}">
         <p14:creationId xmlns:p14="http://schemas.microsoft.com/office/powerpoint/2010/main" val="2025456779"/>
-      </p:ext>
-    </p:extLst>
-  </p:cSld>
-  <p:clrMapOvr>
-    <a:masterClrMapping/>
-  </p:clrMapOvr>
-</p:sld>
-</file>
-
-<file path=ppt/slides/slide60.xml><?xml version="1.0" encoding="utf-8"?>
-<p:sld xmlns:a="http://schemas.openxmlformats.org/drawingml/2006/main" xmlns:r="http://schemas.openxmlformats.org/officeDocument/2006/relationships" xmlns:p="http://schemas.openxmlformats.org/presentationml/2006/main">
-  <p:cSld>
-    <p:spTree>
-      <p:nvGrpSpPr>
-        <p:cNvPr id="1" name=""/>
-        <p:cNvGrpSpPr/>
-        <p:nvPr/>
-      </p:nvGrpSpPr>
-      <p:grpSpPr>
-        <a:xfrm>
-          <a:off x="0" y="0"/>
-          <a:ext cx="0" cy="0"/>
-          <a:chOff x="0" y="0"/>
-          <a:chExt cx="0" cy="0"/>
-        </a:xfrm>
-      </p:grpSpPr>
-      <p:sp>
-        <p:nvSpPr>
-          <p:cNvPr id="2" name="Title 1"/>
-          <p:cNvSpPr>
-            <a:spLocks noGrp="1"/>
-          </p:cNvSpPr>
-          <p:nvPr>
-            <p:ph type="title"/>
-          </p:nvPr>
-        </p:nvSpPr>
-        <p:spPr/>
-        <p:txBody>
-          <a:bodyPr/>
-          <a:lstStyle/>
-          <a:p>
-            <a:r>
-              <a:rPr lang="en-US" dirty="0"/>
-              <a:t>Bandwidth</a:t>
-            </a:r>
-            <a:endParaRPr lang="nl-BE" dirty="0"/>
-          </a:p>
-        </p:txBody>
-      </p:sp>
-      <p:sp>
-        <p:nvSpPr>
-          <p:cNvPr id="4" name="Content Placeholder 3"/>
-          <p:cNvSpPr>
-            <a:spLocks noGrp="1"/>
-          </p:cNvSpPr>
-          <p:nvPr>
-            <p:ph idx="1"/>
-          </p:nvPr>
-        </p:nvSpPr>
-        <p:spPr/>
-        <p:txBody>
-          <a:bodyPr>
-            <a:normAutofit fontScale="55000" lnSpcReduction="20000"/>
-          </a:bodyPr>
-          <a:lstStyle/>
-          <a:p>
-            <a:r>
-              <a:rPr lang="en-US" dirty="0"/>
-              <a:t>RAM</a:t>
-            </a:r>
-          </a:p>
-          <a:p>
-            <a:pPr lvl="1"/>
-            <a:r>
-              <a:rPr lang="en-US" dirty="0" err="1"/>
-              <a:t>ivybridge</a:t>
-            </a:r>
-            <a:r>
-              <a:rPr lang="en-US" dirty="0"/>
-              <a:t> (dual socket, 10 core): 93 GB/s</a:t>
-            </a:r>
-          </a:p>
-          <a:p>
-            <a:pPr lvl="1"/>
-            <a:r>
-              <a:rPr lang="en-US" dirty="0" err="1"/>
-              <a:t>haswell</a:t>
-            </a:r>
-            <a:r>
-              <a:rPr lang="en-US" dirty="0"/>
-              <a:t> (dual socket, 12 core): 110 GB/s</a:t>
-            </a:r>
-          </a:p>
-          <a:p>
-            <a:pPr lvl="1"/>
-            <a:r>
-              <a:rPr lang="en-US" dirty="0" err="1"/>
-              <a:t>broadwell</a:t>
-            </a:r>
-            <a:r>
-              <a:rPr lang="en-US" dirty="0"/>
-              <a:t> (dual socket, 14 core): 125 GB/s</a:t>
-            </a:r>
-          </a:p>
-          <a:p>
-            <a:pPr lvl="1"/>
-            <a:r>
-              <a:rPr lang="en-US" dirty="0" err="1"/>
-              <a:t>skylake</a:t>
-            </a:r>
-            <a:r>
-              <a:rPr lang="en-US" dirty="0"/>
-              <a:t> (dual socket, 18 core): 256 GB/s</a:t>
-            </a:r>
-          </a:p>
-          <a:p>
-            <a:r>
-              <a:rPr lang="en-US" dirty="0"/>
-              <a:t>QPI</a:t>
-            </a:r>
-          </a:p>
-          <a:p>
-            <a:pPr lvl="1"/>
-            <a:r>
-              <a:rPr lang="en-US" dirty="0" err="1"/>
-              <a:t>ivybridge</a:t>
-            </a:r>
-            <a:r>
-              <a:rPr lang="en-US" dirty="0"/>
-              <a:t>: 25 GB/s</a:t>
-            </a:r>
-          </a:p>
-          <a:p>
-            <a:pPr lvl="1"/>
-            <a:r>
-              <a:rPr lang="en-US" dirty="0" err="1"/>
-              <a:t>haswell</a:t>
-            </a:r>
-            <a:r>
-              <a:rPr lang="en-US" dirty="0"/>
-              <a:t>: 30 GB/s</a:t>
-            </a:r>
-            <a:endParaRPr lang="nl-BE" dirty="0"/>
-          </a:p>
-          <a:p>
-            <a:pPr lvl="1"/>
-            <a:r>
-              <a:rPr lang="nl-BE" dirty="0"/>
-              <a:t>broadwell: 30 GB/s</a:t>
-            </a:r>
-          </a:p>
-          <a:p>
-            <a:pPr lvl="1"/>
-            <a:r>
-              <a:rPr lang="nl-BE" dirty="0"/>
-              <a:t>skylake: 80 GB/s</a:t>
-            </a:r>
-            <a:endParaRPr lang="en-US" dirty="0"/>
-          </a:p>
-          <a:p>
-            <a:r>
-              <a:rPr lang="en-US" dirty="0"/>
-              <a:t>GPGPU RAM (GDDR5@750MHz, K40c): 288.0 GB/s</a:t>
-            </a:r>
-          </a:p>
-          <a:p>
-            <a:r>
-              <a:rPr lang="en-US" dirty="0"/>
-              <a:t>SATA revision 3: 0.6 GB/s</a:t>
-            </a:r>
-          </a:p>
-          <a:p>
-            <a:r>
-              <a:rPr lang="en-US" dirty="0"/>
-              <a:t>SATA revision 3.2: 2.0 GB/s</a:t>
-            </a:r>
-          </a:p>
-          <a:p>
-            <a:r>
-              <a:rPr lang="en-US" dirty="0"/>
-              <a:t>SAS 3: 1.2 GB/s</a:t>
-            </a:r>
-          </a:p>
-          <a:p>
-            <a:r>
-              <a:rPr lang="en-US" dirty="0"/>
-              <a:t>PCI Express 3.0 (16x): 15.75 GB/s</a:t>
-            </a:r>
-          </a:p>
-          <a:p>
-            <a:r>
-              <a:rPr lang="en-US" dirty="0" err="1"/>
-              <a:t>Infiniband</a:t>
-            </a:r>
-            <a:r>
-              <a:rPr lang="en-US" dirty="0"/>
-              <a:t> QDR 4x: 4.0 GB/s</a:t>
-            </a:r>
-          </a:p>
-          <a:p>
-            <a:r>
-              <a:rPr lang="en-US" dirty="0" err="1"/>
-              <a:t>Infiniband</a:t>
-            </a:r>
-            <a:r>
-              <a:rPr lang="en-US" dirty="0"/>
-              <a:t> EDR 4x: 12.5 GB/s</a:t>
-            </a:r>
-            <a:endParaRPr lang="nl-BE" dirty="0"/>
-          </a:p>
-        </p:txBody>
-      </p:sp>
-      <p:sp>
-        <p:nvSpPr>
-          <p:cNvPr id="3" name="Slide Number Placeholder 2"/>
-          <p:cNvSpPr>
-            <a:spLocks noGrp="1"/>
-          </p:cNvSpPr>
-          <p:nvPr>
-            <p:ph type="sldNum" sz="quarter" idx="12"/>
-          </p:nvPr>
-        </p:nvSpPr>
-        <p:spPr/>
-        <p:txBody>
-          <a:bodyPr/>
-          <a:lstStyle/>
-          <a:p>
-            <a:fld id="{6597116C-F94B-4B5B-973A-17F07FB5C418}" type="slidenum">
-              <a:rPr lang="nl-BE" smtClean="0"/>
-              <a:t>60</a:t>
-            </a:fld>
-            <a:endParaRPr lang="nl-BE"/>
-          </a:p>
-        </p:txBody>
-      </p:sp>
-      <p:sp>
-        <p:nvSpPr>
-          <p:cNvPr id="5" name="TextBox 4"/>
-          <p:cNvSpPr txBox="1"/>
-          <p:nvPr/>
-        </p:nvSpPr>
-        <p:spPr>
-          <a:xfrm>
-            <a:off x="5076056" y="4653136"/>
-            <a:ext cx="3443443" cy="830997"/>
-          </a:xfrm>
-          <a:prstGeom prst="rect">
-            <a:avLst/>
-          </a:prstGeom>
-          <a:noFill/>
-          <a:ln>
-            <a:solidFill>
-              <a:schemeClr val="tx1"/>
-            </a:solidFill>
-          </a:ln>
-        </p:spPr>
-        <p:txBody>
-          <a:bodyPr wrap="none" rtlCol="0">
-            <a:spAutoFit/>
-          </a:bodyPr>
-          <a:lstStyle/>
-          <a:p>
-            <a:r>
-              <a:rPr lang="en-US" sz="2400" dirty="0"/>
-              <a:t>Note: bandwidth depends</a:t>
-            </a:r>
-          </a:p>
-          <a:p>
-            <a:r>
-              <a:rPr lang="en-US" sz="2400" dirty="0"/>
-              <a:t>           on message size!</a:t>
-            </a:r>
-            <a:endParaRPr lang="nl-BE" sz="2400" dirty="0"/>
-          </a:p>
-        </p:txBody>
-      </p:sp>
-    </p:spTree>
-    <p:extLst>
-      <p:ext uri="{BB962C8B-B14F-4D97-AF65-F5344CB8AC3E}">
-        <p14:creationId xmlns:p14="http://schemas.microsoft.com/office/powerpoint/2010/main" val="3254066855"/>
       </p:ext>
     </p:extLst>
   </p:cSld>

--- a/code_optimization.pptx
+++ b/code_optimization.pptx
@@ -11139,7 +11139,7 @@
           <a:graphicData uri="http://schemas.openxmlformats.org/presentationml/2006/ole">
             <mc:AlternateContent xmlns:mc="http://schemas.openxmlformats.org/markup-compatibility/2006">
               <mc:Choice xmlns:v="urn:schemas-microsoft-com:vml" Requires="v">
-                <p:oleObj spid="_x0000_s1276" name="Equation" r:id="rId3" imgW="812520" imgH="393480" progId="Equation.3">
+                <p:oleObj spid="_x0000_s1278" name="Equation" r:id="rId3" imgW="812520" imgH="393480" progId="Equation.3">
                   <p:embed/>
                 </p:oleObj>
               </mc:Choice>
@@ -11196,7 +11196,7 @@
           <a:graphicData uri="http://schemas.openxmlformats.org/presentationml/2006/ole">
             <mc:AlternateContent xmlns:mc="http://schemas.openxmlformats.org/markup-compatibility/2006">
               <mc:Choice xmlns:v="urn:schemas-microsoft-com:vml" Requires="v">
-                <p:oleObj spid="_x0000_s1277" name="Equation" r:id="rId5" imgW="2489040" imgH="431640" progId="Equation.3">
+                <p:oleObj spid="_x0000_s1279" name="Equation" r:id="rId5" imgW="2489040" imgH="431640" progId="Equation.3">
                   <p:embed/>
                 </p:oleObj>
               </mc:Choice>
@@ -21545,7 +21545,7 @@
           <a:graphicData uri="http://schemas.openxmlformats.org/presentationml/2006/ole">
             <mc:AlternateContent xmlns:mc="http://schemas.openxmlformats.org/markup-compatibility/2006">
               <mc:Choice xmlns:v="urn:schemas-microsoft-com:vml" Requires="v">
-                <p:oleObj spid="_x0000_s2267" name="Equation" r:id="rId3" imgW="1091880" imgH="1041120" progId="Equation.3">
+                <p:oleObj spid="_x0000_s2269" name="Equation" r:id="rId3" imgW="1091880" imgH="1041120" progId="Equation.3">
                   <p:embed/>
                 </p:oleObj>
               </mc:Choice>
@@ -22900,7 +22900,7 @@
           <a:graphicData uri="http://schemas.openxmlformats.org/presentationml/2006/ole">
             <mc:AlternateContent xmlns:mc="http://schemas.openxmlformats.org/markup-compatibility/2006">
               <mc:Choice xmlns:v="urn:schemas-microsoft-com:vml" Requires="v">
-                <p:oleObj spid="_x0000_s2268" name="Equation" r:id="rId5" imgW="1091880" imgH="1041120" progId="Equation.3">
+                <p:oleObj spid="_x0000_s2270" name="Equation" r:id="rId5" imgW="1091880" imgH="1041120" progId="Equation.3">
                   <p:embed/>
                 </p:oleObj>
               </mc:Choice>
@@ -30953,8 +30953,12 @@
           <a:lstStyle/>
           <a:p>
             <a:r>
+              <a:rPr lang="en-US" dirty="0"/>
+              <a:t>Skylake, </a:t>
+            </a:r>
+            <a:r>
               <a:rPr lang="en-US" dirty="0" err="1"/>
-              <a:t>Skylake</a:t>
+              <a:t>Cascadelake</a:t>
             </a:r>
             <a:r>
               <a:rPr lang="en-US" dirty="0"/>
@@ -33925,7 +33929,7 @@
           <a:graphicData uri="http://schemas.openxmlformats.org/presentationml/2006/ole">
             <mc:AlternateContent xmlns:mc="http://schemas.openxmlformats.org/markup-compatibility/2006">
               <mc:Choice xmlns:v="urn:schemas-microsoft-com:vml" Requires="v">
-                <p:oleObj spid="_x0000_s3146" name="Equation" r:id="rId3" imgW="965160" imgH="228600" progId="Equation.3">
+                <p:oleObj spid="_x0000_s3147" name="Equation" r:id="rId3" imgW="965160" imgH="228600" progId="Equation.3">
                   <p:embed/>
                 </p:oleObj>
               </mc:Choice>

--- a/code_optimization.pptx
+++ b/code_optimization.pptx
@@ -11139,7 +11139,7 @@
           <a:graphicData uri="http://schemas.openxmlformats.org/presentationml/2006/ole">
             <mc:AlternateContent xmlns:mc="http://schemas.openxmlformats.org/markup-compatibility/2006">
               <mc:Choice xmlns:v="urn:schemas-microsoft-com:vml" Requires="v">
-                <p:oleObj spid="_x0000_s1278" name="Equation" r:id="rId3" imgW="812520" imgH="393480" progId="Equation.3">
+                <p:oleObj spid="_x0000_s1282" name="Equation" r:id="rId3" imgW="812520" imgH="393480" progId="Equation.3">
                   <p:embed/>
                 </p:oleObj>
               </mc:Choice>
@@ -11196,7 +11196,7 @@
           <a:graphicData uri="http://schemas.openxmlformats.org/presentationml/2006/ole">
             <mc:AlternateContent xmlns:mc="http://schemas.openxmlformats.org/markup-compatibility/2006">
               <mc:Choice xmlns:v="urn:schemas-microsoft-com:vml" Requires="v">
-                <p:oleObj spid="_x0000_s1279" name="Equation" r:id="rId5" imgW="2489040" imgH="431640" progId="Equation.3">
+                <p:oleObj spid="_x0000_s1283" name="Equation" r:id="rId5" imgW="2489040" imgH="431640" progId="Equation.3">
                   <p:embed/>
                 </p:oleObj>
               </mc:Choice>
@@ -21545,7 +21545,7 @@
           <a:graphicData uri="http://schemas.openxmlformats.org/presentationml/2006/ole">
             <mc:AlternateContent xmlns:mc="http://schemas.openxmlformats.org/markup-compatibility/2006">
               <mc:Choice xmlns:v="urn:schemas-microsoft-com:vml" Requires="v">
-                <p:oleObj spid="_x0000_s2269" name="Equation" r:id="rId3" imgW="1091880" imgH="1041120" progId="Equation.3">
+                <p:oleObj spid="_x0000_s2273" name="Equation" r:id="rId3" imgW="1091880" imgH="1041120" progId="Equation.3">
                   <p:embed/>
                 </p:oleObj>
               </mc:Choice>
@@ -22900,7 +22900,7 @@
           <a:graphicData uri="http://schemas.openxmlformats.org/presentationml/2006/ole">
             <mc:AlternateContent xmlns:mc="http://schemas.openxmlformats.org/markup-compatibility/2006">
               <mc:Choice xmlns:v="urn:schemas-microsoft-com:vml" Requires="v">
-                <p:oleObj spid="_x0000_s2270" name="Equation" r:id="rId5" imgW="1091880" imgH="1041120" progId="Equation.3">
+                <p:oleObj spid="_x0000_s2274" name="Equation" r:id="rId5" imgW="1091880" imgH="1041120" progId="Equation.3">
                   <p:embed/>
                 </p:oleObj>
               </mc:Choice>
@@ -23694,7 +23694,7 @@
         <p:spPr>
           <a:xfrm>
             <a:off x="179512" y="2249577"/>
-            <a:ext cx="4647426" cy="1631216"/>
+            <a:ext cx="4647426" cy="1323439"/>
           </a:xfrm>
           <a:prstGeom prst="rect">
             <a:avLst/>
@@ -23746,29 +23746,6 @@
                 <a:latin typeface="Courier New" panose="02070309020205020404" pitchFamily="49" charset="0"/>
                 <a:cs typeface="Courier New" panose="02070309020205020404" pitchFamily="49" charset="0"/>
               </a:rPr>
-              <a:t>    </a:t>
-            </a:r>
-            <a:r>
-              <a:rPr lang="en-US" sz="2000" dirty="0" err="1">
-                <a:latin typeface="Courier New" panose="02070309020205020404" pitchFamily="49" charset="0"/>
-                <a:cs typeface="Courier New" panose="02070309020205020404" pitchFamily="49" charset="0"/>
-              </a:rPr>
-              <a:t>int</a:t>
-            </a:r>
-            <a:r>
-              <a:rPr lang="en-US" sz="2000" dirty="0">
-                <a:latin typeface="Courier New" panose="02070309020205020404" pitchFamily="49" charset="0"/>
-                <a:cs typeface="Courier New" panose="02070309020205020404" pitchFamily="49" charset="0"/>
-              </a:rPr>
-              <a:t> q;</a:t>
-            </a:r>
-          </a:p>
-          <a:p>
-            <a:r>
-              <a:rPr lang="en-US" sz="2000" dirty="0">
-                <a:latin typeface="Courier New" panose="02070309020205020404" pitchFamily="49" charset="0"/>
-                <a:cs typeface="Courier New" panose="02070309020205020404" pitchFamily="49" charset="0"/>
-              </a:rPr>
               <a:t>};</a:t>
             </a:r>
           </a:p>
@@ -23895,7 +23872,7 @@
         <p:spPr>
           <a:xfrm>
             <a:off x="179512" y="4390072"/>
-            <a:ext cx="4647426" cy="1631216"/>
+            <a:ext cx="4647426" cy="1323439"/>
           </a:xfrm>
           <a:prstGeom prst="rect">
             <a:avLst/>
@@ -23956,738 +23933,11 @@
                 <a:latin typeface="Courier New" panose="02070309020205020404" pitchFamily="49" charset="0"/>
                 <a:cs typeface="Courier New" panose="02070309020205020404" pitchFamily="49" charset="0"/>
               </a:rPr>
-              <a:t>    </a:t>
-            </a:r>
-            <a:r>
-              <a:rPr lang="en-US" sz="2000" dirty="0" err="1">
-                <a:latin typeface="Courier New" panose="02070309020205020404" pitchFamily="49" charset="0"/>
-                <a:cs typeface="Courier New" panose="02070309020205020404" pitchFamily="49" charset="0"/>
-              </a:rPr>
-              <a:t>int</a:t>
-            </a:r>
-            <a:r>
-              <a:rPr lang="en-US" sz="2000" dirty="0">
-                <a:latin typeface="Courier New" panose="02070309020205020404" pitchFamily="49" charset="0"/>
-                <a:cs typeface="Courier New" panose="02070309020205020404" pitchFamily="49" charset="0"/>
-              </a:rPr>
-              <a:t> q[n];</a:t>
-            </a:r>
-          </a:p>
-          <a:p>
-            <a:r>
-              <a:rPr lang="en-US" sz="2000" dirty="0">
-                <a:latin typeface="Courier New" panose="02070309020205020404" pitchFamily="49" charset="0"/>
-                <a:cs typeface="Courier New" panose="02070309020205020404" pitchFamily="49" charset="0"/>
-              </a:rPr>
               <a:t>};</a:t>
             </a:r>
           </a:p>
         </p:txBody>
       </p:sp>
-      <p:grpSp>
-        <p:nvGrpSpPr>
-          <p:cNvPr id="57" name="Group 56"/>
-          <p:cNvGrpSpPr/>
-          <p:nvPr/>
-        </p:nvGrpSpPr>
-        <p:grpSpPr>
-          <a:xfrm>
-            <a:off x="4047162" y="5308462"/>
-            <a:ext cx="4917326" cy="987330"/>
-            <a:chOff x="4047162" y="5393998"/>
-            <a:chExt cx="4917326" cy="987330"/>
-          </a:xfrm>
-        </p:grpSpPr>
-        <p:grpSp>
-          <p:nvGrpSpPr>
-            <p:cNvPr id="49" name="Group 48"/>
-            <p:cNvGrpSpPr/>
-            <p:nvPr/>
-          </p:nvGrpSpPr>
-          <p:grpSpPr>
-            <a:xfrm>
-              <a:off x="4047162" y="5393998"/>
-              <a:ext cx="4917326" cy="411266"/>
-              <a:chOff x="4047162" y="5393998"/>
-              <a:chExt cx="4917326" cy="411266"/>
-            </a:xfrm>
-          </p:grpSpPr>
-          <p:sp>
-            <p:nvSpPr>
-              <p:cNvPr id="30" name="Rectangle 29"/>
-              <p:cNvSpPr/>
-              <p:nvPr/>
-            </p:nvSpPr>
-            <p:spPr>
-              <a:xfrm>
-                <a:off x="4047162" y="5435932"/>
-                <a:ext cx="4896544" cy="369332"/>
-              </a:xfrm>
-              <a:prstGeom prst="rect">
-                <a:avLst/>
-              </a:prstGeom>
-              <a:solidFill>
-                <a:schemeClr val="bg1">
-                  <a:lumMod val="85000"/>
-                </a:schemeClr>
-              </a:solidFill>
-              <a:ln>
-                <a:noFill/>
-              </a:ln>
-            </p:spPr>
-            <p:style>
-              <a:lnRef idx="2">
-                <a:schemeClr val="accent1">
-                  <a:shade val="50000"/>
-                </a:schemeClr>
-              </a:lnRef>
-              <a:fillRef idx="1">
-                <a:schemeClr val="accent1"/>
-              </a:fillRef>
-              <a:effectRef idx="0">
-                <a:schemeClr val="accent1"/>
-              </a:effectRef>
-              <a:fontRef idx="minor">
-                <a:schemeClr val="lt1"/>
-              </a:fontRef>
-            </p:style>
-            <p:txBody>
-              <a:bodyPr rtlCol="0" anchor="ctr"/>
-              <a:lstStyle/>
-              <a:p>
-                <a:pPr algn="ctr"/>
-                <a:endParaRPr lang="en-US"/>
-              </a:p>
-            </p:txBody>
-          </p:sp>
-          <p:sp>
-            <p:nvSpPr>
-              <p:cNvPr id="31" name="TextBox 30"/>
-              <p:cNvSpPr txBox="1"/>
-              <p:nvPr/>
-            </p:nvSpPr>
-            <p:spPr>
-              <a:xfrm>
-                <a:off x="4684730" y="5435932"/>
-                <a:ext cx="319318" cy="369332"/>
-              </a:xfrm>
-              <a:prstGeom prst="rect">
-                <a:avLst/>
-              </a:prstGeom>
-              <a:noFill/>
-            </p:spPr>
-            <p:txBody>
-              <a:bodyPr wrap="none" rtlCol="0">
-                <a:spAutoFit/>
-              </a:bodyPr>
-              <a:lstStyle/>
-              <a:p>
-                <a:r>
-                  <a:rPr lang="en-US" dirty="0"/>
-                  <a:t>x</a:t>
-                </a:r>
-                <a:r>
-                  <a:rPr lang="en-US" baseline="-25000" dirty="0"/>
-                  <a:t>i</a:t>
-                </a:r>
-              </a:p>
-            </p:txBody>
-          </p:sp>
-          <p:sp>
-            <p:nvSpPr>
-              <p:cNvPr id="32" name="TextBox 31"/>
-              <p:cNvSpPr txBox="1"/>
-              <p:nvPr/>
-            </p:nvSpPr>
-            <p:spPr>
-              <a:xfrm>
-                <a:off x="5286118" y="5435932"/>
-                <a:ext cx="474810" cy="369332"/>
-              </a:xfrm>
-              <a:prstGeom prst="rect">
-                <a:avLst/>
-              </a:prstGeom>
-              <a:noFill/>
-            </p:spPr>
-            <p:txBody>
-              <a:bodyPr wrap="none" rtlCol="0">
-                <a:spAutoFit/>
-              </a:bodyPr>
-              <a:lstStyle/>
-              <a:p>
-                <a:r>
-                  <a:rPr lang="en-US" dirty="0"/>
-                  <a:t>x</a:t>
-                </a:r>
-                <a:r>
-                  <a:rPr lang="en-US" baseline="-25000" dirty="0"/>
-                  <a:t>i+1</a:t>
-                </a:r>
-              </a:p>
-            </p:txBody>
-          </p:sp>
-          <p:sp>
-            <p:nvSpPr>
-              <p:cNvPr id="33" name="TextBox 32"/>
-              <p:cNvSpPr txBox="1"/>
-              <p:nvPr/>
-            </p:nvSpPr>
-            <p:spPr>
-              <a:xfrm>
-                <a:off x="5844872" y="5435932"/>
-                <a:ext cx="474810" cy="369332"/>
-              </a:xfrm>
-              <a:prstGeom prst="rect">
-                <a:avLst/>
-              </a:prstGeom>
-              <a:noFill/>
-            </p:spPr>
-            <p:txBody>
-              <a:bodyPr wrap="none" rtlCol="0">
-                <a:spAutoFit/>
-              </a:bodyPr>
-              <a:lstStyle/>
-              <a:p>
-                <a:r>
-                  <a:rPr lang="en-US" dirty="0"/>
-                  <a:t>x</a:t>
-                </a:r>
-                <a:r>
-                  <a:rPr lang="en-US" baseline="-25000" dirty="0"/>
-                  <a:t>i+2</a:t>
-                </a:r>
-              </a:p>
-            </p:txBody>
-          </p:sp>
-          <p:sp>
-            <p:nvSpPr>
-              <p:cNvPr id="34" name="TextBox 33"/>
-              <p:cNvSpPr txBox="1"/>
-              <p:nvPr/>
-            </p:nvSpPr>
-            <p:spPr>
-              <a:xfrm>
-                <a:off x="7110560" y="5435932"/>
-                <a:ext cx="324128" cy="369332"/>
-              </a:xfrm>
-              <a:prstGeom prst="rect">
-                <a:avLst/>
-              </a:prstGeom>
-              <a:noFill/>
-            </p:spPr>
-            <p:txBody>
-              <a:bodyPr wrap="none" rtlCol="0">
-                <a:spAutoFit/>
-              </a:bodyPr>
-              <a:lstStyle/>
-              <a:p>
-                <a:r>
-                  <a:rPr lang="en-US" dirty="0" err="1"/>
-                  <a:t>y</a:t>
-                </a:r>
-                <a:r>
-                  <a:rPr lang="en-US" baseline="-25000" dirty="0" err="1"/>
-                  <a:t>i</a:t>
-                </a:r>
-                <a:endParaRPr lang="en-US" baseline="-25000" dirty="0"/>
-              </a:p>
-            </p:txBody>
-          </p:sp>
-          <p:sp>
-            <p:nvSpPr>
-              <p:cNvPr id="35" name="TextBox 34"/>
-              <p:cNvSpPr txBox="1"/>
-              <p:nvPr/>
-            </p:nvSpPr>
-            <p:spPr>
-              <a:xfrm>
-                <a:off x="7668344" y="5435932"/>
-                <a:ext cx="479618" cy="369332"/>
-              </a:xfrm>
-              <a:prstGeom prst="rect">
-                <a:avLst/>
-              </a:prstGeom>
-              <a:noFill/>
-            </p:spPr>
-            <p:txBody>
-              <a:bodyPr wrap="none" rtlCol="0">
-                <a:spAutoFit/>
-              </a:bodyPr>
-              <a:lstStyle/>
-              <a:p>
-                <a:r>
-                  <a:rPr lang="en-US" dirty="0"/>
-                  <a:t>y</a:t>
-                </a:r>
-                <a:r>
-                  <a:rPr lang="en-US" baseline="-25000" dirty="0"/>
-                  <a:t>i+1</a:t>
-                </a:r>
-              </a:p>
-            </p:txBody>
-          </p:sp>
-          <p:cxnSp>
-            <p:nvCxnSpPr>
-              <p:cNvPr id="36" name="Straight Connector 35"/>
-              <p:cNvCxnSpPr/>
-              <p:nvPr/>
-            </p:nvCxnSpPr>
-            <p:spPr>
-              <a:xfrm>
-                <a:off x="5250516" y="5425541"/>
-                <a:ext cx="0" cy="369332"/>
-              </a:xfrm>
-              <a:prstGeom prst="line">
-                <a:avLst/>
-              </a:prstGeom>
-              <a:ln w="19050">
-                <a:solidFill>
-                  <a:schemeClr val="tx1"/>
-                </a:solidFill>
-              </a:ln>
-            </p:spPr>
-            <p:style>
-              <a:lnRef idx="1">
-                <a:schemeClr val="accent1"/>
-              </a:lnRef>
-              <a:fillRef idx="0">
-                <a:schemeClr val="accent1"/>
-              </a:fillRef>
-              <a:effectRef idx="0">
-                <a:schemeClr val="accent1"/>
-              </a:effectRef>
-              <a:fontRef idx="minor">
-                <a:schemeClr val="tx1"/>
-              </a:fontRef>
-            </p:style>
-          </p:cxnSp>
-          <p:cxnSp>
-            <p:nvCxnSpPr>
-              <p:cNvPr id="37" name="Straight Connector 36"/>
-              <p:cNvCxnSpPr/>
-              <p:nvPr/>
-            </p:nvCxnSpPr>
-            <p:spPr>
-              <a:xfrm>
-                <a:off x="5847362" y="5424442"/>
-                <a:ext cx="0" cy="369332"/>
-              </a:xfrm>
-              <a:prstGeom prst="line">
-                <a:avLst/>
-              </a:prstGeom>
-              <a:ln w="19050">
-                <a:solidFill>
-                  <a:schemeClr val="tx1"/>
-                </a:solidFill>
-              </a:ln>
-            </p:spPr>
-            <p:style>
-              <a:lnRef idx="1">
-                <a:schemeClr val="accent1"/>
-              </a:lnRef>
-              <a:fillRef idx="0">
-                <a:schemeClr val="accent1"/>
-              </a:fillRef>
-              <a:effectRef idx="0">
-                <a:schemeClr val="accent1"/>
-              </a:effectRef>
-              <a:fontRef idx="minor">
-                <a:schemeClr val="tx1"/>
-              </a:fontRef>
-            </p:style>
-          </p:cxnSp>
-          <p:cxnSp>
-            <p:nvCxnSpPr>
-              <p:cNvPr id="38" name="Straight Connector 37"/>
-              <p:cNvCxnSpPr/>
-              <p:nvPr/>
-            </p:nvCxnSpPr>
-            <p:spPr>
-              <a:xfrm>
-                <a:off x="6423426" y="5424442"/>
-                <a:ext cx="0" cy="369332"/>
-              </a:xfrm>
-              <a:prstGeom prst="line">
-                <a:avLst/>
-              </a:prstGeom>
-              <a:ln w="19050">
-                <a:solidFill>
-                  <a:schemeClr val="tx1"/>
-                </a:solidFill>
-              </a:ln>
-            </p:spPr>
-            <p:style>
-              <a:lnRef idx="1">
-                <a:schemeClr val="accent1"/>
-              </a:lnRef>
-              <a:fillRef idx="0">
-                <a:schemeClr val="accent1"/>
-              </a:fillRef>
-              <a:effectRef idx="0">
-                <a:schemeClr val="accent1"/>
-              </a:effectRef>
-              <a:fontRef idx="minor">
-                <a:schemeClr val="tx1"/>
-              </a:fontRef>
-            </p:style>
-          </p:cxnSp>
-          <p:cxnSp>
-            <p:nvCxnSpPr>
-              <p:cNvPr id="39" name="Straight Connector 38"/>
-              <p:cNvCxnSpPr/>
-              <p:nvPr/>
-            </p:nvCxnSpPr>
-            <p:spPr>
-              <a:xfrm>
-                <a:off x="4695234" y="5434833"/>
-                <a:ext cx="0" cy="369332"/>
-              </a:xfrm>
-              <a:prstGeom prst="line">
-                <a:avLst/>
-              </a:prstGeom>
-              <a:ln w="19050">
-                <a:solidFill>
-                  <a:schemeClr val="tx1"/>
-                </a:solidFill>
-              </a:ln>
-            </p:spPr>
-            <p:style>
-              <a:lnRef idx="1">
-                <a:schemeClr val="accent1"/>
-              </a:lnRef>
-              <a:fillRef idx="0">
-                <a:schemeClr val="accent1"/>
-              </a:fillRef>
-              <a:effectRef idx="0">
-                <a:schemeClr val="accent1"/>
-              </a:effectRef>
-              <a:fontRef idx="minor">
-                <a:schemeClr val="tx1"/>
-              </a:fontRef>
-            </p:style>
-          </p:cxnSp>
-          <p:cxnSp>
-            <p:nvCxnSpPr>
-              <p:cNvPr id="40" name="Straight Connector 39"/>
-              <p:cNvCxnSpPr/>
-              <p:nvPr/>
-            </p:nvCxnSpPr>
-            <p:spPr>
-              <a:xfrm>
-                <a:off x="7061107" y="5424442"/>
-                <a:ext cx="0" cy="369332"/>
-              </a:xfrm>
-              <a:prstGeom prst="line">
-                <a:avLst/>
-              </a:prstGeom>
-              <a:ln w="19050">
-                <a:solidFill>
-                  <a:schemeClr val="tx1"/>
-                </a:solidFill>
-              </a:ln>
-            </p:spPr>
-            <p:style>
-              <a:lnRef idx="1">
-                <a:schemeClr val="accent1"/>
-              </a:lnRef>
-              <a:fillRef idx="0">
-                <a:schemeClr val="accent1"/>
-              </a:fillRef>
-              <a:effectRef idx="0">
-                <a:schemeClr val="accent1"/>
-              </a:effectRef>
-              <a:fontRef idx="minor">
-                <a:schemeClr val="tx1"/>
-              </a:fontRef>
-            </p:style>
-          </p:cxnSp>
-          <p:cxnSp>
-            <p:nvCxnSpPr>
-              <p:cNvPr id="41" name="Straight Connector 40"/>
-              <p:cNvCxnSpPr/>
-              <p:nvPr/>
-            </p:nvCxnSpPr>
-            <p:spPr>
-              <a:xfrm>
-                <a:off x="7647562" y="5424442"/>
-                <a:ext cx="0" cy="369332"/>
-              </a:xfrm>
-              <a:prstGeom prst="line">
-                <a:avLst/>
-              </a:prstGeom>
-              <a:ln w="19050">
-                <a:solidFill>
-                  <a:schemeClr val="tx1"/>
-                </a:solidFill>
-              </a:ln>
-            </p:spPr>
-            <p:style>
-              <a:lnRef idx="1">
-                <a:schemeClr val="accent1"/>
-              </a:lnRef>
-              <a:fillRef idx="0">
-                <a:schemeClr val="accent1"/>
-              </a:fillRef>
-              <a:effectRef idx="0">
-                <a:schemeClr val="accent1"/>
-              </a:effectRef>
-              <a:fontRef idx="minor">
-                <a:schemeClr val="tx1"/>
-              </a:fontRef>
-            </p:style>
-          </p:cxnSp>
-          <p:cxnSp>
-            <p:nvCxnSpPr>
-              <p:cNvPr id="42" name="Straight Connector 41"/>
-              <p:cNvCxnSpPr/>
-              <p:nvPr/>
-            </p:nvCxnSpPr>
-            <p:spPr>
-              <a:xfrm>
-                <a:off x="8254070" y="5435932"/>
-                <a:ext cx="0" cy="369332"/>
-              </a:xfrm>
-              <a:prstGeom prst="line">
-                <a:avLst/>
-              </a:prstGeom>
-              <a:ln w="19050">
-                <a:solidFill>
-                  <a:schemeClr val="tx1"/>
-                </a:solidFill>
-              </a:ln>
-            </p:spPr>
-            <p:style>
-              <a:lnRef idx="1">
-                <a:schemeClr val="accent1"/>
-              </a:lnRef>
-              <a:fillRef idx="0">
-                <a:schemeClr val="accent1"/>
-              </a:fillRef>
-              <a:effectRef idx="0">
-                <a:schemeClr val="accent1"/>
-              </a:effectRef>
-              <a:fontRef idx="minor">
-                <a:schemeClr val="tx1"/>
-              </a:fontRef>
-            </p:style>
-          </p:cxnSp>
-          <p:cxnSp>
-            <p:nvCxnSpPr>
-              <p:cNvPr id="43" name="Straight Connector 42"/>
-              <p:cNvCxnSpPr/>
-              <p:nvPr/>
-            </p:nvCxnSpPr>
-            <p:spPr>
-              <a:xfrm>
-                <a:off x="4047162" y="5434833"/>
-                <a:ext cx="4896544" cy="0"/>
-              </a:xfrm>
-              <a:prstGeom prst="line">
-                <a:avLst/>
-              </a:prstGeom>
-              <a:ln w="19050">
-                <a:solidFill>
-                  <a:schemeClr val="tx1"/>
-                </a:solidFill>
-              </a:ln>
-            </p:spPr>
-            <p:style>
-              <a:lnRef idx="1">
-                <a:schemeClr val="accent1"/>
-              </a:lnRef>
-              <a:fillRef idx="0">
-                <a:schemeClr val="accent1"/>
-              </a:fillRef>
-              <a:effectRef idx="0">
-                <a:schemeClr val="accent1"/>
-              </a:effectRef>
-              <a:fontRef idx="minor">
-                <a:schemeClr val="tx1"/>
-              </a:fontRef>
-            </p:style>
-          </p:cxnSp>
-          <p:cxnSp>
-            <p:nvCxnSpPr>
-              <p:cNvPr id="44" name="Straight Connector 43"/>
-              <p:cNvCxnSpPr/>
-              <p:nvPr/>
-            </p:nvCxnSpPr>
-            <p:spPr>
-              <a:xfrm>
-                <a:off x="4067944" y="5805264"/>
-                <a:ext cx="4896544" cy="0"/>
-              </a:xfrm>
-              <a:prstGeom prst="line">
-                <a:avLst/>
-              </a:prstGeom>
-              <a:ln w="19050">
-                <a:solidFill>
-                  <a:schemeClr val="tx1"/>
-                </a:solidFill>
-              </a:ln>
-            </p:spPr>
-            <p:style>
-              <a:lnRef idx="1">
-                <a:schemeClr val="accent1"/>
-              </a:lnRef>
-              <a:fillRef idx="0">
-                <a:schemeClr val="accent1"/>
-              </a:fillRef>
-              <a:effectRef idx="0">
-                <a:schemeClr val="accent1"/>
-              </a:effectRef>
-              <a:fontRef idx="minor">
-                <a:schemeClr val="tx1"/>
-              </a:fontRef>
-            </p:style>
-          </p:cxnSp>
-          <p:sp>
-            <p:nvSpPr>
-              <p:cNvPr id="45" name="TextBox 44"/>
-              <p:cNvSpPr txBox="1"/>
-              <p:nvPr/>
-            </p:nvSpPr>
-            <p:spPr>
-              <a:xfrm>
-                <a:off x="8456326" y="5393998"/>
-                <a:ext cx="343364" cy="369332"/>
-              </a:xfrm>
-              <a:prstGeom prst="rect">
-                <a:avLst/>
-              </a:prstGeom>
-              <a:noFill/>
-            </p:spPr>
-            <p:txBody>
-              <a:bodyPr wrap="none" rtlCol="0">
-                <a:spAutoFit/>
-              </a:bodyPr>
-              <a:lstStyle/>
-              <a:p>
-                <a:r>
-                  <a:rPr lang="en-US" dirty="0"/>
-                  <a:t>…</a:t>
-                </a:r>
-              </a:p>
-            </p:txBody>
-          </p:sp>
-          <p:sp>
-            <p:nvSpPr>
-              <p:cNvPr id="46" name="TextBox 45"/>
-              <p:cNvSpPr txBox="1"/>
-              <p:nvPr/>
-            </p:nvSpPr>
-            <p:spPr>
-              <a:xfrm>
-                <a:off x="4191178" y="5393998"/>
-                <a:ext cx="343364" cy="369332"/>
-              </a:xfrm>
-              <a:prstGeom prst="rect">
-                <a:avLst/>
-              </a:prstGeom>
-              <a:noFill/>
-            </p:spPr>
-            <p:txBody>
-              <a:bodyPr wrap="none" rtlCol="0">
-                <a:spAutoFit/>
-              </a:bodyPr>
-              <a:lstStyle/>
-              <a:p>
-                <a:r>
-                  <a:rPr lang="en-US" dirty="0"/>
-                  <a:t>…</a:t>
-                </a:r>
-              </a:p>
-            </p:txBody>
-          </p:sp>
-        </p:grpSp>
-        <p:grpSp>
-          <p:nvGrpSpPr>
-            <p:cNvPr id="53" name="Group 52"/>
-            <p:cNvGrpSpPr/>
-            <p:nvPr/>
-          </p:nvGrpSpPr>
-          <p:grpSpPr>
-            <a:xfrm>
-              <a:off x="4705625" y="5898054"/>
-              <a:ext cx="2386655" cy="483274"/>
-              <a:chOff x="3748739" y="5373216"/>
-              <a:chExt cx="2386655" cy="483274"/>
-            </a:xfrm>
-          </p:grpSpPr>
-          <p:sp>
-            <p:nvSpPr>
-              <p:cNvPr id="54" name="Left Brace 53"/>
-              <p:cNvSpPr/>
-              <p:nvPr/>
-            </p:nvSpPr>
-            <p:spPr>
-              <a:xfrm rot="16200000">
-                <a:off x="4870059" y="4251896"/>
-                <a:ext cx="144016" cy="2386655"/>
-              </a:xfrm>
-              <a:prstGeom prst="leftBrace">
-                <a:avLst/>
-              </a:prstGeom>
-              <a:ln w="19050">
-                <a:solidFill>
-                  <a:schemeClr val="tx1"/>
-                </a:solidFill>
-              </a:ln>
-            </p:spPr>
-            <p:style>
-              <a:lnRef idx="1">
-                <a:schemeClr val="accent1"/>
-              </a:lnRef>
-              <a:fillRef idx="0">
-                <a:schemeClr val="accent1"/>
-              </a:fillRef>
-              <a:effectRef idx="0">
-                <a:schemeClr val="accent1"/>
-              </a:effectRef>
-              <a:fontRef idx="minor">
-                <a:schemeClr val="tx1"/>
-              </a:fontRef>
-            </p:style>
-            <p:txBody>
-              <a:bodyPr rtlCol="0" anchor="ctr"/>
-              <a:lstStyle/>
-              <a:p>
-                <a:pPr algn="ctr"/>
-                <a:endParaRPr lang="en-US"/>
-              </a:p>
-            </p:txBody>
-          </p:sp>
-          <p:sp>
-            <p:nvSpPr>
-              <p:cNvPr id="55" name="TextBox 54"/>
-              <p:cNvSpPr txBox="1"/>
-              <p:nvPr/>
-            </p:nvSpPr>
-            <p:spPr>
-              <a:xfrm>
-                <a:off x="4386002" y="5487158"/>
-                <a:ext cx="1122102" cy="369332"/>
-              </a:xfrm>
-              <a:prstGeom prst="rect">
-                <a:avLst/>
-              </a:prstGeom>
-              <a:noFill/>
-            </p:spPr>
-            <p:txBody>
-              <a:bodyPr wrap="none" rtlCol="0">
-                <a:spAutoFit/>
-              </a:bodyPr>
-              <a:lstStyle/>
-              <a:p>
-                <a:r>
-                  <a:rPr lang="en-US" dirty="0"/>
-                  <a:t>cache line</a:t>
-                </a:r>
-              </a:p>
-            </p:txBody>
-          </p:sp>
-        </p:grpSp>
-      </p:grpSp>
       <p:grpSp>
         <p:nvGrpSpPr>
           <p:cNvPr id="59" name="Group 58"/>
@@ -24697,9 +23947,9 @@
         <p:grpSpPr>
           <a:xfrm>
             <a:off x="4036771" y="2613892"/>
-            <a:ext cx="4917326" cy="987330"/>
+            <a:ext cx="4917326" cy="986781"/>
             <a:chOff x="4182969" y="3455188"/>
-            <a:chExt cx="4917326" cy="987330"/>
+            <a:chExt cx="4917326" cy="986781"/>
           </a:xfrm>
         </p:grpSpPr>
         <p:grpSp>
@@ -24710,10 +23960,10 @@
           </p:nvGrpSpPr>
           <p:grpSpPr>
             <a:xfrm>
-              <a:off x="4841432" y="3959244"/>
-              <a:ext cx="2386655" cy="483274"/>
-              <a:chOff x="3748739" y="5373216"/>
-              <a:chExt cx="2386655" cy="483274"/>
+              <a:off x="4841433" y="3959244"/>
+              <a:ext cx="3991567" cy="482725"/>
+              <a:chOff x="3748740" y="5373216"/>
+              <a:chExt cx="3991567" cy="482725"/>
             </a:xfrm>
           </p:grpSpPr>
           <p:sp>
@@ -24724,8 +23974,8 @@
             </p:nvSpPr>
             <p:spPr>
               <a:xfrm rot="16200000">
-                <a:off x="4870059" y="4251896"/>
-                <a:ext cx="144016" cy="2386655"/>
+                <a:off x="5675873" y="3446083"/>
+                <a:ext cx="137302" cy="3991567"/>
               </a:xfrm>
               <a:prstGeom prst="leftBrace">
                 <a:avLst/>
@@ -24767,7 +24017,7 @@
             </p:nvSpPr>
             <p:spPr>
               <a:xfrm>
-                <a:off x="4386002" y="5487158"/>
+                <a:off x="5183473" y="5486609"/>
                 <a:ext cx="1122102" cy="369332"/>
               </a:xfrm>
               <a:prstGeom prst="rect">
@@ -24961,39 +24211,6 @@
             <p:spPr>
               <a:xfrm>
                 <a:off x="7246367" y="3497122"/>
-                <a:ext cx="341760" cy="369332"/>
-              </a:xfrm>
-              <a:prstGeom prst="rect">
-                <a:avLst/>
-              </a:prstGeom>
-              <a:noFill/>
-            </p:spPr>
-            <p:txBody>
-              <a:bodyPr wrap="none" rtlCol="0">
-                <a:spAutoFit/>
-              </a:bodyPr>
-              <a:lstStyle/>
-              <a:p>
-                <a:r>
-                  <a:rPr lang="en-US" dirty="0"/>
-                  <a:t>q</a:t>
-                </a:r>
-                <a:r>
-                  <a:rPr lang="en-US" baseline="-25000" dirty="0"/>
-                  <a:t>i</a:t>
-                </a:r>
-              </a:p>
-            </p:txBody>
-          </p:sp>
-          <p:sp>
-            <p:nvSpPr>
-              <p:cNvPr id="11" name="TextBox 10"/>
-              <p:cNvSpPr txBox="1"/>
-              <p:nvPr/>
-            </p:nvSpPr>
-            <p:spPr>
-              <a:xfrm>
-                <a:off x="7804151" y="3497122"/>
                 <a:ext cx="474810" cy="369332"/>
               </a:xfrm>
               <a:prstGeom prst="rect">
@@ -25010,6 +24227,39 @@
                 <a:r>
                   <a:rPr lang="en-US" dirty="0"/>
                   <a:t>x</a:t>
+                </a:r>
+                <a:r>
+                  <a:rPr lang="en-US" baseline="-25000" dirty="0"/>
+                  <a:t>i+1</a:t>
+                </a:r>
+              </a:p>
+            </p:txBody>
+          </p:sp>
+          <p:sp>
+            <p:nvSpPr>
+              <p:cNvPr id="11" name="TextBox 10"/>
+              <p:cNvSpPr txBox="1"/>
+              <p:nvPr/>
+            </p:nvSpPr>
+            <p:spPr>
+              <a:xfrm>
+                <a:off x="7804151" y="3497122"/>
+                <a:ext cx="479618" cy="369332"/>
+              </a:xfrm>
+              <a:prstGeom prst="rect">
+                <a:avLst/>
+              </a:prstGeom>
+              <a:noFill/>
+            </p:spPr>
+            <p:txBody>
+              <a:bodyPr wrap="none" rtlCol="0">
+                <a:spAutoFit/>
+              </a:bodyPr>
+              <a:lstStyle/>
+              <a:p>
+                <a:r>
+                  <a:rPr lang="en-US" dirty="0"/>
+                  <a:t>y</a:t>
                 </a:r>
                 <a:r>
                   <a:rPr lang="en-US" baseline="-25000" dirty="0"/>
@@ -25476,6 +24726,766 @@
           </a:p>
         </p:txBody>
       </p:sp>
+      <p:grpSp>
+        <p:nvGrpSpPr>
+          <p:cNvPr id="19" name="Group 18">
+            <a:extLst>
+              <a:ext uri="{FF2B5EF4-FFF2-40B4-BE49-F238E27FC236}">
+                <a16:creationId xmlns:a16="http://schemas.microsoft.com/office/drawing/2014/main" id="{AF51AFD8-0ABD-4F2C-965A-765995676026}"/>
+              </a:ext>
+            </a:extLst>
+          </p:cNvPr>
+          <p:cNvGrpSpPr/>
+          <p:nvPr/>
+        </p:nvGrpSpPr>
+        <p:grpSpPr>
+          <a:xfrm>
+            <a:off x="4047162" y="5301365"/>
+            <a:ext cx="4917326" cy="994427"/>
+            <a:chOff x="4047162" y="5301365"/>
+            <a:chExt cx="4917326" cy="994427"/>
+          </a:xfrm>
+        </p:grpSpPr>
+        <p:grpSp>
+          <p:nvGrpSpPr>
+            <p:cNvPr id="57" name="Group 56"/>
+            <p:cNvGrpSpPr/>
+            <p:nvPr/>
+          </p:nvGrpSpPr>
+          <p:grpSpPr>
+            <a:xfrm>
+              <a:off x="4047162" y="5308462"/>
+              <a:ext cx="4917326" cy="987330"/>
+              <a:chOff x="4047162" y="5393998"/>
+              <a:chExt cx="4917326" cy="987330"/>
+            </a:xfrm>
+          </p:grpSpPr>
+          <p:grpSp>
+            <p:nvGrpSpPr>
+              <p:cNvPr id="49" name="Group 48"/>
+              <p:cNvGrpSpPr/>
+              <p:nvPr/>
+            </p:nvGrpSpPr>
+            <p:grpSpPr>
+              <a:xfrm>
+                <a:off x="4047162" y="5393998"/>
+                <a:ext cx="4917326" cy="411266"/>
+                <a:chOff x="4047162" y="5393998"/>
+                <a:chExt cx="4917326" cy="411266"/>
+              </a:xfrm>
+            </p:grpSpPr>
+            <p:sp>
+              <p:nvSpPr>
+                <p:cNvPr id="30" name="Rectangle 29"/>
+                <p:cNvSpPr/>
+                <p:nvPr/>
+              </p:nvSpPr>
+              <p:spPr>
+                <a:xfrm>
+                  <a:off x="4047162" y="5435932"/>
+                  <a:ext cx="4896544" cy="369332"/>
+                </a:xfrm>
+                <a:prstGeom prst="rect">
+                  <a:avLst/>
+                </a:prstGeom>
+                <a:solidFill>
+                  <a:schemeClr val="bg1">
+                    <a:lumMod val="85000"/>
+                  </a:schemeClr>
+                </a:solidFill>
+                <a:ln>
+                  <a:noFill/>
+                </a:ln>
+              </p:spPr>
+              <p:style>
+                <a:lnRef idx="2">
+                  <a:schemeClr val="accent1">
+                    <a:shade val="50000"/>
+                  </a:schemeClr>
+                </a:lnRef>
+                <a:fillRef idx="1">
+                  <a:schemeClr val="accent1"/>
+                </a:fillRef>
+                <a:effectRef idx="0">
+                  <a:schemeClr val="accent1"/>
+                </a:effectRef>
+                <a:fontRef idx="minor">
+                  <a:schemeClr val="lt1"/>
+                </a:fontRef>
+              </p:style>
+              <p:txBody>
+                <a:bodyPr rtlCol="0" anchor="ctr"/>
+                <a:lstStyle/>
+                <a:p>
+                  <a:pPr algn="ctr"/>
+                  <a:endParaRPr lang="en-US" dirty="0"/>
+                </a:p>
+              </p:txBody>
+            </p:sp>
+            <p:sp>
+              <p:nvSpPr>
+                <p:cNvPr id="31" name="TextBox 30"/>
+                <p:cNvSpPr txBox="1"/>
+                <p:nvPr/>
+              </p:nvSpPr>
+              <p:spPr>
+                <a:xfrm>
+                  <a:off x="4684730" y="5435932"/>
+                  <a:ext cx="319318" cy="369332"/>
+                </a:xfrm>
+                <a:prstGeom prst="rect">
+                  <a:avLst/>
+                </a:prstGeom>
+                <a:noFill/>
+              </p:spPr>
+              <p:txBody>
+                <a:bodyPr wrap="none" rtlCol="0">
+                  <a:spAutoFit/>
+                </a:bodyPr>
+                <a:lstStyle/>
+                <a:p>
+                  <a:r>
+                    <a:rPr lang="en-US" dirty="0"/>
+                    <a:t>x</a:t>
+                  </a:r>
+                  <a:r>
+                    <a:rPr lang="en-US" baseline="-25000" dirty="0"/>
+                    <a:t>i</a:t>
+                  </a:r>
+                </a:p>
+              </p:txBody>
+            </p:sp>
+            <p:sp>
+              <p:nvSpPr>
+                <p:cNvPr id="32" name="TextBox 31"/>
+                <p:cNvSpPr txBox="1"/>
+                <p:nvPr/>
+              </p:nvSpPr>
+              <p:spPr>
+                <a:xfrm>
+                  <a:off x="5286118" y="5435932"/>
+                  <a:ext cx="474810" cy="369332"/>
+                </a:xfrm>
+                <a:prstGeom prst="rect">
+                  <a:avLst/>
+                </a:prstGeom>
+                <a:noFill/>
+              </p:spPr>
+              <p:txBody>
+                <a:bodyPr wrap="none" rtlCol="0">
+                  <a:spAutoFit/>
+                </a:bodyPr>
+                <a:lstStyle/>
+                <a:p>
+                  <a:r>
+                    <a:rPr lang="en-US" dirty="0"/>
+                    <a:t>x</a:t>
+                  </a:r>
+                  <a:r>
+                    <a:rPr lang="en-US" baseline="-25000" dirty="0"/>
+                    <a:t>i+1</a:t>
+                  </a:r>
+                </a:p>
+              </p:txBody>
+            </p:sp>
+            <p:sp>
+              <p:nvSpPr>
+                <p:cNvPr id="33" name="TextBox 32"/>
+                <p:cNvSpPr txBox="1"/>
+                <p:nvPr/>
+              </p:nvSpPr>
+              <p:spPr>
+                <a:xfrm>
+                  <a:off x="5844872" y="5435932"/>
+                  <a:ext cx="474810" cy="369332"/>
+                </a:xfrm>
+                <a:prstGeom prst="rect">
+                  <a:avLst/>
+                </a:prstGeom>
+                <a:noFill/>
+              </p:spPr>
+              <p:txBody>
+                <a:bodyPr wrap="none" rtlCol="0">
+                  <a:spAutoFit/>
+                </a:bodyPr>
+                <a:lstStyle/>
+                <a:p>
+                  <a:r>
+                    <a:rPr lang="en-US" dirty="0"/>
+                    <a:t>x</a:t>
+                  </a:r>
+                  <a:r>
+                    <a:rPr lang="en-US" baseline="-25000" dirty="0"/>
+                    <a:t>i+2</a:t>
+                  </a:r>
+                </a:p>
+              </p:txBody>
+            </p:sp>
+            <p:sp>
+              <p:nvSpPr>
+                <p:cNvPr id="34" name="TextBox 33"/>
+                <p:cNvSpPr txBox="1"/>
+                <p:nvPr/>
+              </p:nvSpPr>
+              <p:spPr>
+                <a:xfrm>
+                  <a:off x="7110560" y="5435932"/>
+                  <a:ext cx="324128" cy="369332"/>
+                </a:xfrm>
+                <a:prstGeom prst="rect">
+                  <a:avLst/>
+                </a:prstGeom>
+                <a:noFill/>
+              </p:spPr>
+              <p:txBody>
+                <a:bodyPr wrap="none" rtlCol="0">
+                  <a:spAutoFit/>
+                </a:bodyPr>
+                <a:lstStyle/>
+                <a:p>
+                  <a:r>
+                    <a:rPr lang="en-US" dirty="0" err="1"/>
+                    <a:t>y</a:t>
+                  </a:r>
+                  <a:r>
+                    <a:rPr lang="en-US" baseline="-25000" dirty="0" err="1"/>
+                    <a:t>i</a:t>
+                  </a:r>
+                  <a:endParaRPr lang="en-US" baseline="-25000" dirty="0"/>
+                </a:p>
+              </p:txBody>
+            </p:sp>
+            <p:sp>
+              <p:nvSpPr>
+                <p:cNvPr id="35" name="TextBox 34"/>
+                <p:cNvSpPr txBox="1"/>
+                <p:nvPr/>
+              </p:nvSpPr>
+              <p:spPr>
+                <a:xfrm>
+                  <a:off x="7668344" y="5435932"/>
+                  <a:ext cx="479618" cy="369332"/>
+                </a:xfrm>
+                <a:prstGeom prst="rect">
+                  <a:avLst/>
+                </a:prstGeom>
+                <a:noFill/>
+              </p:spPr>
+              <p:txBody>
+                <a:bodyPr wrap="none" rtlCol="0">
+                  <a:spAutoFit/>
+                </a:bodyPr>
+                <a:lstStyle/>
+                <a:p>
+                  <a:r>
+                    <a:rPr lang="en-US" dirty="0"/>
+                    <a:t>y</a:t>
+                  </a:r>
+                  <a:r>
+                    <a:rPr lang="en-US" baseline="-25000" dirty="0"/>
+                    <a:t>i+1</a:t>
+                  </a:r>
+                </a:p>
+              </p:txBody>
+            </p:sp>
+            <p:cxnSp>
+              <p:nvCxnSpPr>
+                <p:cNvPr id="36" name="Straight Connector 35"/>
+                <p:cNvCxnSpPr/>
+                <p:nvPr/>
+              </p:nvCxnSpPr>
+              <p:spPr>
+                <a:xfrm>
+                  <a:off x="5250516" y="5425541"/>
+                  <a:ext cx="0" cy="369332"/>
+                </a:xfrm>
+                <a:prstGeom prst="line">
+                  <a:avLst/>
+                </a:prstGeom>
+                <a:ln w="19050">
+                  <a:solidFill>
+                    <a:schemeClr val="tx1"/>
+                  </a:solidFill>
+                </a:ln>
+              </p:spPr>
+              <p:style>
+                <a:lnRef idx="1">
+                  <a:schemeClr val="accent1"/>
+                </a:lnRef>
+                <a:fillRef idx="0">
+                  <a:schemeClr val="accent1"/>
+                </a:fillRef>
+                <a:effectRef idx="0">
+                  <a:schemeClr val="accent1"/>
+                </a:effectRef>
+                <a:fontRef idx="minor">
+                  <a:schemeClr val="tx1"/>
+                </a:fontRef>
+              </p:style>
+            </p:cxnSp>
+            <p:cxnSp>
+              <p:nvCxnSpPr>
+                <p:cNvPr id="37" name="Straight Connector 36"/>
+                <p:cNvCxnSpPr/>
+                <p:nvPr/>
+              </p:nvCxnSpPr>
+              <p:spPr>
+                <a:xfrm>
+                  <a:off x="5847362" y="5424442"/>
+                  <a:ext cx="0" cy="369332"/>
+                </a:xfrm>
+                <a:prstGeom prst="line">
+                  <a:avLst/>
+                </a:prstGeom>
+                <a:ln w="19050">
+                  <a:solidFill>
+                    <a:schemeClr val="tx1"/>
+                  </a:solidFill>
+                </a:ln>
+              </p:spPr>
+              <p:style>
+                <a:lnRef idx="1">
+                  <a:schemeClr val="accent1"/>
+                </a:lnRef>
+                <a:fillRef idx="0">
+                  <a:schemeClr val="accent1"/>
+                </a:fillRef>
+                <a:effectRef idx="0">
+                  <a:schemeClr val="accent1"/>
+                </a:effectRef>
+                <a:fontRef idx="minor">
+                  <a:schemeClr val="tx1"/>
+                </a:fontRef>
+              </p:style>
+            </p:cxnSp>
+            <p:cxnSp>
+              <p:nvCxnSpPr>
+                <p:cNvPr id="38" name="Straight Connector 37"/>
+                <p:cNvCxnSpPr/>
+                <p:nvPr/>
+              </p:nvCxnSpPr>
+              <p:spPr>
+                <a:xfrm>
+                  <a:off x="6423426" y="5424442"/>
+                  <a:ext cx="0" cy="369332"/>
+                </a:xfrm>
+                <a:prstGeom prst="line">
+                  <a:avLst/>
+                </a:prstGeom>
+                <a:ln w="19050">
+                  <a:solidFill>
+                    <a:schemeClr val="tx1"/>
+                  </a:solidFill>
+                </a:ln>
+              </p:spPr>
+              <p:style>
+                <a:lnRef idx="1">
+                  <a:schemeClr val="accent1"/>
+                </a:lnRef>
+                <a:fillRef idx="0">
+                  <a:schemeClr val="accent1"/>
+                </a:fillRef>
+                <a:effectRef idx="0">
+                  <a:schemeClr val="accent1"/>
+                </a:effectRef>
+                <a:fontRef idx="minor">
+                  <a:schemeClr val="tx1"/>
+                </a:fontRef>
+              </p:style>
+            </p:cxnSp>
+            <p:cxnSp>
+              <p:nvCxnSpPr>
+                <p:cNvPr id="39" name="Straight Connector 38"/>
+                <p:cNvCxnSpPr/>
+                <p:nvPr/>
+              </p:nvCxnSpPr>
+              <p:spPr>
+                <a:xfrm>
+                  <a:off x="4695234" y="5434833"/>
+                  <a:ext cx="0" cy="369332"/>
+                </a:xfrm>
+                <a:prstGeom prst="line">
+                  <a:avLst/>
+                </a:prstGeom>
+                <a:ln w="19050">
+                  <a:solidFill>
+                    <a:schemeClr val="tx1"/>
+                  </a:solidFill>
+                </a:ln>
+              </p:spPr>
+              <p:style>
+                <a:lnRef idx="1">
+                  <a:schemeClr val="accent1"/>
+                </a:lnRef>
+                <a:fillRef idx="0">
+                  <a:schemeClr val="accent1"/>
+                </a:fillRef>
+                <a:effectRef idx="0">
+                  <a:schemeClr val="accent1"/>
+                </a:effectRef>
+                <a:fontRef idx="minor">
+                  <a:schemeClr val="tx1"/>
+                </a:fontRef>
+              </p:style>
+            </p:cxnSp>
+            <p:cxnSp>
+              <p:nvCxnSpPr>
+                <p:cNvPr id="40" name="Straight Connector 39"/>
+                <p:cNvCxnSpPr/>
+                <p:nvPr/>
+              </p:nvCxnSpPr>
+              <p:spPr>
+                <a:xfrm>
+                  <a:off x="7061107" y="5424442"/>
+                  <a:ext cx="0" cy="369332"/>
+                </a:xfrm>
+                <a:prstGeom prst="line">
+                  <a:avLst/>
+                </a:prstGeom>
+                <a:ln w="19050">
+                  <a:solidFill>
+                    <a:schemeClr val="tx1"/>
+                  </a:solidFill>
+                </a:ln>
+              </p:spPr>
+              <p:style>
+                <a:lnRef idx="1">
+                  <a:schemeClr val="accent1"/>
+                </a:lnRef>
+                <a:fillRef idx="0">
+                  <a:schemeClr val="accent1"/>
+                </a:fillRef>
+                <a:effectRef idx="0">
+                  <a:schemeClr val="accent1"/>
+                </a:effectRef>
+                <a:fontRef idx="minor">
+                  <a:schemeClr val="tx1"/>
+                </a:fontRef>
+              </p:style>
+            </p:cxnSp>
+            <p:cxnSp>
+              <p:nvCxnSpPr>
+                <p:cNvPr id="41" name="Straight Connector 40"/>
+                <p:cNvCxnSpPr/>
+                <p:nvPr/>
+              </p:nvCxnSpPr>
+              <p:spPr>
+                <a:xfrm>
+                  <a:off x="7647562" y="5424442"/>
+                  <a:ext cx="0" cy="369332"/>
+                </a:xfrm>
+                <a:prstGeom prst="line">
+                  <a:avLst/>
+                </a:prstGeom>
+                <a:ln w="19050">
+                  <a:solidFill>
+                    <a:schemeClr val="tx1"/>
+                  </a:solidFill>
+                </a:ln>
+              </p:spPr>
+              <p:style>
+                <a:lnRef idx="1">
+                  <a:schemeClr val="accent1"/>
+                </a:lnRef>
+                <a:fillRef idx="0">
+                  <a:schemeClr val="accent1"/>
+                </a:fillRef>
+                <a:effectRef idx="0">
+                  <a:schemeClr val="accent1"/>
+                </a:effectRef>
+                <a:fontRef idx="minor">
+                  <a:schemeClr val="tx1"/>
+                </a:fontRef>
+              </p:style>
+            </p:cxnSp>
+            <p:cxnSp>
+              <p:nvCxnSpPr>
+                <p:cNvPr id="42" name="Straight Connector 41"/>
+                <p:cNvCxnSpPr/>
+                <p:nvPr/>
+              </p:nvCxnSpPr>
+              <p:spPr>
+                <a:xfrm>
+                  <a:off x="8254070" y="5435932"/>
+                  <a:ext cx="0" cy="369332"/>
+                </a:xfrm>
+                <a:prstGeom prst="line">
+                  <a:avLst/>
+                </a:prstGeom>
+                <a:ln w="19050">
+                  <a:solidFill>
+                    <a:schemeClr val="tx1"/>
+                  </a:solidFill>
+                </a:ln>
+              </p:spPr>
+              <p:style>
+                <a:lnRef idx="1">
+                  <a:schemeClr val="accent1"/>
+                </a:lnRef>
+                <a:fillRef idx="0">
+                  <a:schemeClr val="accent1"/>
+                </a:fillRef>
+                <a:effectRef idx="0">
+                  <a:schemeClr val="accent1"/>
+                </a:effectRef>
+                <a:fontRef idx="minor">
+                  <a:schemeClr val="tx1"/>
+                </a:fontRef>
+              </p:style>
+            </p:cxnSp>
+            <p:cxnSp>
+              <p:nvCxnSpPr>
+                <p:cNvPr id="43" name="Straight Connector 42"/>
+                <p:cNvCxnSpPr/>
+                <p:nvPr/>
+              </p:nvCxnSpPr>
+              <p:spPr>
+                <a:xfrm>
+                  <a:off x="4047162" y="5434833"/>
+                  <a:ext cx="4896544" cy="0"/>
+                </a:xfrm>
+                <a:prstGeom prst="line">
+                  <a:avLst/>
+                </a:prstGeom>
+                <a:ln w="19050">
+                  <a:solidFill>
+                    <a:schemeClr val="tx1"/>
+                  </a:solidFill>
+                </a:ln>
+              </p:spPr>
+              <p:style>
+                <a:lnRef idx="1">
+                  <a:schemeClr val="accent1"/>
+                </a:lnRef>
+                <a:fillRef idx="0">
+                  <a:schemeClr val="accent1"/>
+                </a:fillRef>
+                <a:effectRef idx="0">
+                  <a:schemeClr val="accent1"/>
+                </a:effectRef>
+                <a:fontRef idx="minor">
+                  <a:schemeClr val="tx1"/>
+                </a:fontRef>
+              </p:style>
+            </p:cxnSp>
+            <p:cxnSp>
+              <p:nvCxnSpPr>
+                <p:cNvPr id="44" name="Straight Connector 43"/>
+                <p:cNvCxnSpPr/>
+                <p:nvPr/>
+              </p:nvCxnSpPr>
+              <p:spPr>
+                <a:xfrm>
+                  <a:off x="4067944" y="5805264"/>
+                  <a:ext cx="4896544" cy="0"/>
+                </a:xfrm>
+                <a:prstGeom prst="line">
+                  <a:avLst/>
+                </a:prstGeom>
+                <a:ln w="19050">
+                  <a:solidFill>
+                    <a:schemeClr val="tx1"/>
+                  </a:solidFill>
+                </a:ln>
+              </p:spPr>
+              <p:style>
+                <a:lnRef idx="1">
+                  <a:schemeClr val="accent1"/>
+                </a:lnRef>
+                <a:fillRef idx="0">
+                  <a:schemeClr val="accent1"/>
+                </a:fillRef>
+                <a:effectRef idx="0">
+                  <a:schemeClr val="accent1"/>
+                </a:effectRef>
+                <a:fontRef idx="minor">
+                  <a:schemeClr val="tx1"/>
+                </a:fontRef>
+              </p:style>
+            </p:cxnSp>
+            <p:sp>
+              <p:nvSpPr>
+                <p:cNvPr id="45" name="TextBox 44"/>
+                <p:cNvSpPr txBox="1"/>
+                <p:nvPr/>
+              </p:nvSpPr>
+              <p:spPr>
+                <a:xfrm>
+                  <a:off x="8456326" y="5393998"/>
+                  <a:ext cx="343364" cy="369332"/>
+                </a:xfrm>
+                <a:prstGeom prst="rect">
+                  <a:avLst/>
+                </a:prstGeom>
+                <a:noFill/>
+              </p:spPr>
+              <p:txBody>
+                <a:bodyPr wrap="none" rtlCol="0">
+                  <a:spAutoFit/>
+                </a:bodyPr>
+                <a:lstStyle/>
+                <a:p>
+                  <a:r>
+                    <a:rPr lang="en-US" dirty="0"/>
+                    <a:t>…</a:t>
+                  </a:r>
+                </a:p>
+              </p:txBody>
+            </p:sp>
+            <p:sp>
+              <p:nvSpPr>
+                <p:cNvPr id="46" name="TextBox 45"/>
+                <p:cNvSpPr txBox="1"/>
+                <p:nvPr/>
+              </p:nvSpPr>
+              <p:spPr>
+                <a:xfrm>
+                  <a:off x="4191178" y="5393998"/>
+                  <a:ext cx="343364" cy="369332"/>
+                </a:xfrm>
+                <a:prstGeom prst="rect">
+                  <a:avLst/>
+                </a:prstGeom>
+                <a:noFill/>
+              </p:spPr>
+              <p:txBody>
+                <a:bodyPr wrap="none" rtlCol="0">
+                  <a:spAutoFit/>
+                </a:bodyPr>
+                <a:lstStyle/>
+                <a:p>
+                  <a:r>
+                    <a:rPr lang="en-US" dirty="0"/>
+                    <a:t>…</a:t>
+                  </a:r>
+                </a:p>
+              </p:txBody>
+            </p:sp>
+          </p:grpSp>
+          <p:grpSp>
+            <p:nvGrpSpPr>
+              <p:cNvPr id="53" name="Group 52"/>
+              <p:cNvGrpSpPr/>
+              <p:nvPr/>
+            </p:nvGrpSpPr>
+            <p:grpSpPr>
+              <a:xfrm>
+                <a:off x="4705627" y="5898054"/>
+                <a:ext cx="2026616" cy="483274"/>
+                <a:chOff x="3748741" y="5373216"/>
+                <a:chExt cx="2026616" cy="483274"/>
+              </a:xfrm>
+            </p:grpSpPr>
+            <p:sp>
+              <p:nvSpPr>
+                <p:cNvPr id="54" name="Left Brace 53"/>
+                <p:cNvSpPr/>
+                <p:nvPr/>
+              </p:nvSpPr>
+              <p:spPr>
+                <a:xfrm rot="16200000">
+                  <a:off x="4693398" y="4428559"/>
+                  <a:ext cx="137301" cy="2026616"/>
+                </a:xfrm>
+                <a:prstGeom prst="leftBrace">
+                  <a:avLst/>
+                </a:prstGeom>
+                <a:ln w="19050">
+                  <a:solidFill>
+                    <a:schemeClr val="tx1"/>
+                  </a:solidFill>
+                </a:ln>
+              </p:spPr>
+              <p:style>
+                <a:lnRef idx="1">
+                  <a:schemeClr val="accent1"/>
+                </a:lnRef>
+                <a:fillRef idx="0">
+                  <a:schemeClr val="accent1"/>
+                </a:fillRef>
+                <a:effectRef idx="0">
+                  <a:schemeClr val="accent1"/>
+                </a:effectRef>
+                <a:fontRef idx="minor">
+                  <a:schemeClr val="tx1"/>
+                </a:fontRef>
+              </p:style>
+              <p:txBody>
+                <a:bodyPr rtlCol="0" anchor="ctr"/>
+                <a:lstStyle/>
+                <a:p>
+                  <a:pPr algn="ctr"/>
+                  <a:endParaRPr lang="en-US"/>
+                </a:p>
+              </p:txBody>
+            </p:sp>
+            <p:sp>
+              <p:nvSpPr>
+                <p:cNvPr id="55" name="TextBox 54"/>
+                <p:cNvSpPr txBox="1"/>
+                <p:nvPr/>
+              </p:nvSpPr>
+              <p:spPr>
+                <a:xfrm>
+                  <a:off x="4386002" y="5487158"/>
+                  <a:ext cx="1122102" cy="369332"/>
+                </a:xfrm>
+                <a:prstGeom prst="rect">
+                  <a:avLst/>
+                </a:prstGeom>
+                <a:noFill/>
+              </p:spPr>
+              <p:txBody>
+                <a:bodyPr wrap="none" rtlCol="0">
+                  <a:spAutoFit/>
+                </a:bodyPr>
+                <a:lstStyle/>
+                <a:p>
+                  <a:r>
+                    <a:rPr lang="en-US" dirty="0"/>
+                    <a:t>cache line</a:t>
+                  </a:r>
+                </a:p>
+              </p:txBody>
+            </p:sp>
+          </p:grpSp>
+        </p:grpSp>
+        <p:sp>
+          <p:nvSpPr>
+            <p:cNvPr id="56" name="TextBox 55">
+              <a:extLst>
+                <a:ext uri="{FF2B5EF4-FFF2-40B4-BE49-F238E27FC236}">
+                  <a16:creationId xmlns:a16="http://schemas.microsoft.com/office/drawing/2014/main" id="{D7949F79-9430-43D2-AE33-9FB13121126C}"/>
+                </a:ext>
+              </a:extLst>
+            </p:cNvPr>
+            <p:cNvSpPr txBox="1"/>
+            <p:nvPr/>
+          </p:nvSpPr>
+          <p:spPr>
+            <a:xfrm>
+              <a:off x="6584269" y="5301365"/>
+              <a:ext cx="343364" cy="369332"/>
+            </a:xfrm>
+            <a:prstGeom prst="rect">
+              <a:avLst/>
+            </a:prstGeom>
+            <a:noFill/>
+          </p:spPr>
+          <p:txBody>
+            <a:bodyPr wrap="none" rtlCol="0">
+              <a:spAutoFit/>
+            </a:bodyPr>
+            <a:lstStyle/>
+            <a:p>
+              <a:r>
+                <a:rPr lang="en-US" dirty="0"/>
+                <a:t>…</a:t>
+              </a:r>
+            </a:p>
+          </p:txBody>
+        </p:sp>
+      </p:grpSp>
     </p:spTree>
     <p:extLst>
       <p:ext uri="{BB962C8B-B14F-4D97-AF65-F5344CB8AC3E}">
@@ -25655,7 +25665,7 @@
                                           </p:stCondLst>
                                         </p:cTn>
                                         <p:tgtEl>
-                                          <p:spTgt spid="57"/>
+                                          <p:spTgt spid="19"/>
                                         </p:tgtEl>
                                         <p:attrNameLst>
                                           <p:attrName>style.visibility</p:attrName>
@@ -33929,7 +33939,7 @@
           <a:graphicData uri="http://schemas.openxmlformats.org/presentationml/2006/ole">
             <mc:AlternateContent xmlns:mc="http://schemas.openxmlformats.org/markup-compatibility/2006">
               <mc:Choice xmlns:v="urn:schemas-microsoft-com:vml" Requires="v">
-                <p:oleObj spid="_x0000_s3147" name="Equation" r:id="rId3" imgW="965160" imgH="228600" progId="Equation.3">
+                <p:oleObj spid="_x0000_s3149" name="Equation" r:id="rId3" imgW="965160" imgH="228600" progId="Equation.3">
                   <p:embed/>
                 </p:oleObj>
               </mc:Choice>

--- a/code_optimization.pptx
+++ b/code_optimization.pptx
@@ -11139,7 +11139,7 @@
           <a:graphicData uri="http://schemas.openxmlformats.org/presentationml/2006/ole">
             <mc:AlternateContent xmlns:mc="http://schemas.openxmlformats.org/markup-compatibility/2006">
               <mc:Choice xmlns:v="urn:schemas-microsoft-com:vml" Requires="v">
-                <p:oleObj spid="_x0000_s1282" name="Equation" r:id="rId3" imgW="812520" imgH="393480" progId="Equation.3">
+                <p:oleObj spid="_x0000_s1284" name="Equation" r:id="rId3" imgW="812520" imgH="393480" progId="Equation.3">
                   <p:embed/>
                 </p:oleObj>
               </mc:Choice>
@@ -11196,7 +11196,7 @@
           <a:graphicData uri="http://schemas.openxmlformats.org/presentationml/2006/ole">
             <mc:AlternateContent xmlns:mc="http://schemas.openxmlformats.org/markup-compatibility/2006">
               <mc:Choice xmlns:v="urn:schemas-microsoft-com:vml" Requires="v">
-                <p:oleObj spid="_x0000_s1283" name="Equation" r:id="rId5" imgW="2489040" imgH="431640" progId="Equation.3">
+                <p:oleObj spid="_x0000_s1285" name="Equation" r:id="rId5" imgW="2489040" imgH="431640" progId="Equation.3">
                   <p:embed/>
                 </p:oleObj>
               </mc:Choice>
@@ -21545,7 +21545,7 @@
           <a:graphicData uri="http://schemas.openxmlformats.org/presentationml/2006/ole">
             <mc:AlternateContent xmlns:mc="http://schemas.openxmlformats.org/markup-compatibility/2006">
               <mc:Choice xmlns:v="urn:schemas-microsoft-com:vml" Requires="v">
-                <p:oleObj spid="_x0000_s2273" name="Equation" r:id="rId3" imgW="1091880" imgH="1041120" progId="Equation.3">
+                <p:oleObj spid="_x0000_s2275" name="Equation" r:id="rId3" imgW="1091880" imgH="1041120" progId="Equation.3">
                   <p:embed/>
                 </p:oleObj>
               </mc:Choice>
@@ -22900,7 +22900,7 @@
           <a:graphicData uri="http://schemas.openxmlformats.org/presentationml/2006/ole">
             <mc:AlternateContent xmlns:mc="http://schemas.openxmlformats.org/markup-compatibility/2006">
               <mc:Choice xmlns:v="urn:schemas-microsoft-com:vml" Requires="v">
-                <p:oleObj spid="_x0000_s2274" name="Equation" r:id="rId5" imgW="1091880" imgH="1041120" progId="Equation.3">
+                <p:oleObj spid="_x0000_s2276" name="Equation" r:id="rId5" imgW="1091880" imgH="1041120" progId="Equation.3">
                   <p:embed/>
                 </p:oleObj>
               </mc:Choice>
@@ -29163,7 +29163,21 @@
                 <a:latin typeface="Courier New" panose="02070309020205020404" pitchFamily="49" charset="0"/>
                 <a:cs typeface="Courier New" panose="02070309020205020404" pitchFamily="49" charset="0"/>
               </a:rPr>
-              <a:t> –march=corei7-avx –O3 …</a:t>
+              <a:t> –march</a:t>
+            </a:r>
+            <a:r>
+              <a:rPr lang="en-US">
+                <a:latin typeface="Courier New" panose="02070309020205020404" pitchFamily="49" charset="0"/>
+                <a:cs typeface="Courier New" panose="02070309020205020404" pitchFamily="49" charset="0"/>
+              </a:rPr>
+              <a:t>=native </a:t>
+            </a:r>
+            <a:r>
+              <a:rPr lang="en-US" dirty="0">
+                <a:latin typeface="Courier New" panose="02070309020205020404" pitchFamily="49" charset="0"/>
+                <a:cs typeface="Courier New" panose="02070309020205020404" pitchFamily="49" charset="0"/>
+              </a:rPr>
+              <a:t>–O3 …</a:t>
             </a:r>
           </a:p>
           <a:p>
@@ -29187,14 +29201,14 @@
                 <a:latin typeface="Courier New" panose="02070309020205020404" pitchFamily="49" charset="0"/>
                 <a:cs typeface="Courier New" panose="02070309020205020404" pitchFamily="49" charset="0"/>
               </a:rPr>
-              <a:t>ftree-vectorize</a:t>
+              <a:t>ftree</a:t>
             </a:r>
             <a:r>
               <a:rPr lang="en-US" dirty="0">
                 <a:latin typeface="Courier New" panose="02070309020205020404" pitchFamily="49" charset="0"/>
                 <a:cs typeface="Courier New" panose="02070309020205020404" pitchFamily="49" charset="0"/>
               </a:rPr>
-              <a:t> \</a:t>
+              <a:t>-vectorize \</a:t>
             </a:r>
             <a:br>
               <a:rPr lang="en-US" dirty="0">
@@ -29207,7 +29221,7 @@
                 <a:latin typeface="Courier New" panose="02070309020205020404" pitchFamily="49" charset="0"/>
                 <a:cs typeface="Courier New" panose="02070309020205020404" pitchFamily="49" charset="0"/>
               </a:rPr>
-              <a:t>    –march=corei7-avx –O2 …</a:t>
+              <a:t>    –march=skylake-avx512 –O2 …</a:t>
             </a:r>
           </a:p>
           <a:p>
@@ -33939,7 +33953,7 @@
           <a:graphicData uri="http://schemas.openxmlformats.org/presentationml/2006/ole">
             <mc:AlternateContent xmlns:mc="http://schemas.openxmlformats.org/markup-compatibility/2006">
               <mc:Choice xmlns:v="urn:schemas-microsoft-com:vml" Requires="v">
-                <p:oleObj spid="_x0000_s3149" name="Equation" r:id="rId3" imgW="965160" imgH="228600" progId="Equation.3">
+                <p:oleObj spid="_x0000_s3150" name="Equation" r:id="rId3" imgW="965160" imgH="228600" progId="Equation.3">
                   <p:embed/>
                 </p:oleObj>
               </mc:Choice>

--- a/code_optimization.pptx
+++ b/code_optimization.pptx
@@ -1557,7 +1557,7 @@
           <a:p>
             <a:fld id="{2E6AAE95-D4FC-4D00-935A-EAE928727A56}" type="datetimeFigureOut">
               <a:rPr lang="en-US" smtClean="0"/>
-              <a:t>2020-01-28</a:t>
+              <a:t>2020-01-29</a:t>
             </a:fld>
             <a:endParaRPr lang="en-US"/>
           </a:p>
@@ -2089,7 +2089,7 @@
           <a:p>
             <a:fld id="{1CFF3F78-F57F-4409-A41B-5EC46D4F404B}" type="datetime1">
               <a:rPr lang="nl-BE" smtClean="0"/>
-              <a:t>28/01/2020</a:t>
+              <a:t>29/01/2020</a:t>
             </a:fld>
             <a:endParaRPr lang="nl-BE"/>
           </a:p>
@@ -2259,7 +2259,7 @@
           <a:p>
             <a:fld id="{7D029E61-52E3-412C-82EB-2F81B17C0AF1}" type="datetime1">
               <a:rPr lang="nl-BE" smtClean="0"/>
-              <a:t>28/01/2020</a:t>
+              <a:t>29/01/2020</a:t>
             </a:fld>
             <a:endParaRPr lang="nl-BE"/>
           </a:p>
@@ -2439,7 +2439,7 @@
           <a:p>
             <a:fld id="{A83F1CEF-A38E-4001-89C6-F3FC7784F299}" type="datetime1">
               <a:rPr lang="nl-BE" smtClean="0"/>
-              <a:t>28/01/2020</a:t>
+              <a:t>29/01/2020</a:t>
             </a:fld>
             <a:endParaRPr lang="nl-BE"/>
           </a:p>
@@ -2565,7 +2565,7 @@
           <a:p>
             <a:fld id="{1FDE84DB-AADA-4C3F-BF46-CA664A504479}" type="datetime1">
               <a:rPr lang="nl-BE" smtClean="0"/>
-              <a:t>28/01/2020</a:t>
+              <a:t>29/01/2020</a:t>
             </a:fld>
             <a:endParaRPr lang="nl-BE" dirty="0"/>
           </a:p>
@@ -2802,7 +2802,7 @@
           <a:p>
             <a:fld id="{8CD53A43-C15C-4F05-9AD7-DB9DE837084D}" type="datetime1">
               <a:rPr lang="nl-BE" smtClean="0"/>
-              <a:t>28/01/2020</a:t>
+              <a:t>29/01/2020</a:t>
             </a:fld>
             <a:endParaRPr lang="nl-BE"/>
           </a:p>
@@ -3048,7 +3048,7 @@
           <a:p>
             <a:fld id="{8994D238-D949-4AEF-9753-A8B6EFA964A0}" type="datetime1">
               <a:rPr lang="nl-BE" smtClean="0"/>
-              <a:t>28/01/2020</a:t>
+              <a:t>29/01/2020</a:t>
             </a:fld>
             <a:endParaRPr lang="nl-BE"/>
           </a:p>
@@ -3336,7 +3336,7 @@
           <a:p>
             <a:fld id="{4D234023-BF99-4AD0-835E-8125DA2B6664}" type="datetime1">
               <a:rPr lang="nl-BE" smtClean="0"/>
-              <a:t>28/01/2020</a:t>
+              <a:t>29/01/2020</a:t>
             </a:fld>
             <a:endParaRPr lang="nl-BE"/>
           </a:p>
@@ -3758,7 +3758,7 @@
           <a:p>
             <a:fld id="{DB075A73-5C1D-406E-9444-3C5C58580E8E}" type="datetime1">
               <a:rPr lang="nl-BE" smtClean="0"/>
-              <a:t>28/01/2020</a:t>
+              <a:t>29/01/2020</a:t>
             </a:fld>
             <a:endParaRPr lang="nl-BE"/>
           </a:p>
@@ -3876,7 +3876,7 @@
           <a:p>
             <a:fld id="{E111FB2D-2E17-4D8F-A64A-4EB0C3D12494}" type="datetime1">
               <a:rPr lang="nl-BE" smtClean="0"/>
-              <a:t>28/01/2020</a:t>
+              <a:t>29/01/2020</a:t>
             </a:fld>
             <a:endParaRPr lang="nl-BE"/>
           </a:p>
@@ -3971,7 +3971,7 @@
           <a:p>
             <a:fld id="{5BE27D71-2267-4E44-9F33-05B60E5C7D9D}" type="datetime1">
               <a:rPr lang="nl-BE" smtClean="0"/>
-              <a:t>28/01/2020</a:t>
+              <a:t>29/01/2020</a:t>
             </a:fld>
             <a:endParaRPr lang="nl-BE"/>
           </a:p>
@@ -4248,7 +4248,7 @@
           <a:p>
             <a:fld id="{182F587C-96C8-4813-A767-3084061A3229}" type="datetime1">
               <a:rPr lang="nl-BE" smtClean="0"/>
-              <a:t>28/01/2020</a:t>
+              <a:t>29/01/2020</a:t>
             </a:fld>
             <a:endParaRPr lang="nl-BE"/>
           </a:p>
@@ -4501,7 +4501,7 @@
           <a:p>
             <a:fld id="{8B021CF8-BBBB-4DFA-8713-49842AA07274}" type="datetime1">
               <a:rPr lang="nl-BE" smtClean="0"/>
-              <a:t>28/01/2020</a:t>
+              <a:t>29/01/2020</a:t>
             </a:fld>
             <a:endParaRPr lang="nl-BE"/>
           </a:p>
@@ -4714,7 +4714,7 @@
           <a:p>
             <a:fld id="{CDBFABB5-0AB3-4CB6-A705-6887DEB1F9F2}" type="datetime1">
               <a:rPr lang="nl-BE" smtClean="0"/>
-              <a:t>28/01/2020</a:t>
+              <a:t>29/01/2020</a:t>
             </a:fld>
             <a:endParaRPr lang="nl-BE"/>
           </a:p>
@@ -11139,7 +11139,7 @@
           <a:graphicData uri="http://schemas.openxmlformats.org/presentationml/2006/ole">
             <mc:AlternateContent xmlns:mc="http://schemas.openxmlformats.org/markup-compatibility/2006">
               <mc:Choice xmlns:v="urn:schemas-microsoft-com:vml" Requires="v">
-                <p:oleObj spid="_x0000_s1284" name="Equation" r:id="rId3" imgW="812520" imgH="393480" progId="Equation.3">
+                <p:oleObj spid="_x0000_s1286" name="Equation" r:id="rId3" imgW="812520" imgH="393480" progId="Equation.3">
                   <p:embed/>
                 </p:oleObj>
               </mc:Choice>
@@ -11196,7 +11196,7 @@
           <a:graphicData uri="http://schemas.openxmlformats.org/presentationml/2006/ole">
             <mc:AlternateContent xmlns:mc="http://schemas.openxmlformats.org/markup-compatibility/2006">
               <mc:Choice xmlns:v="urn:schemas-microsoft-com:vml" Requires="v">
-                <p:oleObj spid="_x0000_s1285" name="Equation" r:id="rId5" imgW="2489040" imgH="431640" progId="Equation.3">
+                <p:oleObj spid="_x0000_s1287" name="Equation" r:id="rId5" imgW="2489040" imgH="431640" progId="Equation.3">
                   <p:embed/>
                 </p:oleObj>
               </mc:Choice>
@@ -21545,7 +21545,7 @@
           <a:graphicData uri="http://schemas.openxmlformats.org/presentationml/2006/ole">
             <mc:AlternateContent xmlns:mc="http://schemas.openxmlformats.org/markup-compatibility/2006">
               <mc:Choice xmlns:v="urn:schemas-microsoft-com:vml" Requires="v">
-                <p:oleObj spid="_x0000_s2275" name="Equation" r:id="rId3" imgW="1091880" imgH="1041120" progId="Equation.3">
+                <p:oleObj spid="_x0000_s2277" name="Equation" r:id="rId3" imgW="1091880" imgH="1041120" progId="Equation.3">
                   <p:embed/>
                 </p:oleObj>
               </mc:Choice>
@@ -22900,7 +22900,7 @@
           <a:graphicData uri="http://schemas.openxmlformats.org/presentationml/2006/ole">
             <mc:AlternateContent xmlns:mc="http://schemas.openxmlformats.org/markup-compatibility/2006">
               <mc:Choice xmlns:v="urn:schemas-microsoft-com:vml" Requires="v">
-                <p:oleObj spid="_x0000_s2276" name="Equation" r:id="rId5" imgW="1091880" imgH="1041120" progId="Equation.3">
+                <p:oleObj spid="_x0000_s2278" name="Equation" r:id="rId5" imgW="1091880" imgH="1041120" progId="Equation.3">
                   <p:embed/>
                 </p:oleObj>
               </mc:Choice>
@@ -33953,7 +33953,7 @@
           <a:graphicData uri="http://schemas.openxmlformats.org/presentationml/2006/ole">
             <mc:AlternateContent xmlns:mc="http://schemas.openxmlformats.org/markup-compatibility/2006">
               <mc:Choice xmlns:v="urn:schemas-microsoft-com:vml" Requires="v">
-                <p:oleObj spid="_x0000_s3150" name="Equation" r:id="rId3" imgW="965160" imgH="228600" progId="Equation.3">
+                <p:oleObj spid="_x0000_s3151" name="Equation" r:id="rId3" imgW="965160" imgH="228600" progId="Equation.3">
                   <p:embed/>
                 </p:oleObj>
               </mc:Choice>
@@ -37797,7 +37797,7 @@
         <p:spPr>
           <a:xfrm>
             <a:off x="6462283" y="1782295"/>
-            <a:ext cx="2119234" cy="707886"/>
+            <a:ext cx="2332433" cy="1323439"/>
           </a:xfrm>
           <a:prstGeom prst="rect">
             <a:avLst/>
@@ -37822,8 +37822,77 @@
           </a:p>
           <a:p>
             <a:r>
+              <a:rPr lang="en-US" sz="2000" b="1" dirty="0">
+                <a:solidFill>
+                  <a:srgbClr val="FF0000"/>
+                </a:solidFill>
+              </a:rPr>
+              <a:t>MESI</a:t>
+            </a:r>
+            <a:r>
               <a:rPr lang="en-US" sz="2000" dirty="0"/>
-              <a:t>MESI protocol</a:t>
+              <a:t> protocol</a:t>
+            </a:r>
+          </a:p>
+          <a:p>
+            <a:r>
+              <a:rPr lang="en-US" sz="2000" dirty="0"/>
+              <a:t>(</a:t>
+            </a:r>
+            <a:r>
+              <a:rPr lang="en-US" sz="2000" dirty="0">
+                <a:solidFill>
+                  <a:srgbClr val="FF0000"/>
+                </a:solidFill>
+              </a:rPr>
+              <a:t>M</a:t>
+            </a:r>
+            <a:r>
+              <a:rPr lang="en-US" sz="2000" dirty="0"/>
+              <a:t>odified, </a:t>
+            </a:r>
+            <a:r>
+              <a:rPr lang="en-US" sz="2000" dirty="0">
+                <a:solidFill>
+                  <a:srgbClr val="FF0000"/>
+                </a:solidFill>
+              </a:rPr>
+              <a:t>E</a:t>
+            </a:r>
+            <a:r>
+              <a:rPr lang="en-US" sz="2000" dirty="0"/>
+              <a:t>xclusive,</a:t>
+            </a:r>
+            <a:br>
+              <a:rPr lang="en-US" sz="2000" dirty="0"/>
+            </a:br>
+            <a:r>
+              <a:rPr lang="en-US" sz="2000" dirty="0"/>
+              <a:t> </a:t>
+            </a:r>
+            <a:r>
+              <a:rPr lang="en-US" sz="2000" dirty="0">
+                <a:solidFill>
+                  <a:srgbClr val="FF0000"/>
+                </a:solidFill>
+              </a:rPr>
+              <a:t>S</a:t>
+            </a:r>
+            <a:r>
+              <a:rPr lang="en-US" sz="2000" dirty="0"/>
+              <a:t>hared, </a:t>
+            </a:r>
+            <a:r>
+              <a:rPr lang="en-US" sz="2000" dirty="0">
+                <a:solidFill>
+                  <a:srgbClr val="FF0000"/>
+                </a:solidFill>
+              </a:rPr>
+              <a:t>I</a:t>
+            </a:r>
+            <a:r>
+              <a:rPr lang="en-US" sz="2000" dirty="0"/>
+              <a:t>nvalid)</a:t>
             </a:r>
           </a:p>
         </p:txBody>

--- a/code_optimization.pptx
+++ b/code_optimization.pptx
@@ -5,7 +5,7 @@
     <p:sldMasterId id="2147483648" r:id="rId1"/>
   </p:sldMasterIdLst>
   <p:notesMasterIdLst>
-    <p:notesMasterId r:id="rId57"/>
+    <p:notesMasterId r:id="rId59"/>
   </p:notesMasterIdLst>
   <p:sldIdLst>
     <p:sldId id="267" r:id="rId2"/>
@@ -46,23 +46,25 @@
     <p:sldId id="305" r:id="rId37"/>
     <p:sldId id="298" r:id="rId38"/>
     <p:sldId id="318" r:id="rId39"/>
-    <p:sldId id="299" r:id="rId40"/>
-    <p:sldId id="300" r:id="rId41"/>
-    <p:sldId id="301" r:id="rId42"/>
-    <p:sldId id="302" r:id="rId43"/>
-    <p:sldId id="320" r:id="rId44"/>
-    <p:sldId id="319" r:id="rId45"/>
-    <p:sldId id="306" r:id="rId46"/>
-    <p:sldId id="307" r:id="rId47"/>
-    <p:sldId id="308" r:id="rId48"/>
-    <p:sldId id="309" r:id="rId49"/>
-    <p:sldId id="310" r:id="rId50"/>
-    <p:sldId id="287" r:id="rId51"/>
-    <p:sldId id="292" r:id="rId52"/>
-    <p:sldId id="286" r:id="rId53"/>
-    <p:sldId id="297" r:id="rId54"/>
-    <p:sldId id="271" r:id="rId55"/>
-    <p:sldId id="283" r:id="rId56"/>
+    <p:sldId id="323" r:id="rId40"/>
+    <p:sldId id="322" r:id="rId41"/>
+    <p:sldId id="299" r:id="rId42"/>
+    <p:sldId id="300" r:id="rId43"/>
+    <p:sldId id="301" r:id="rId44"/>
+    <p:sldId id="302" r:id="rId45"/>
+    <p:sldId id="320" r:id="rId46"/>
+    <p:sldId id="319" r:id="rId47"/>
+    <p:sldId id="306" r:id="rId48"/>
+    <p:sldId id="307" r:id="rId49"/>
+    <p:sldId id="308" r:id="rId50"/>
+    <p:sldId id="309" r:id="rId51"/>
+    <p:sldId id="310" r:id="rId52"/>
+    <p:sldId id="287" r:id="rId53"/>
+    <p:sldId id="292" r:id="rId54"/>
+    <p:sldId id="286" r:id="rId55"/>
+    <p:sldId id="297" r:id="rId56"/>
+    <p:sldId id="271" r:id="rId57"/>
+    <p:sldId id="283" r:id="rId58"/>
   </p:sldIdLst>
   <p:sldSz cx="9144000" cy="6858000" type="screen4x3"/>
   <p:notesSz cx="6858000" cy="9144000"/>
@@ -224,6 +226,8 @@
             <p14:sldId id="305"/>
             <p14:sldId id="298"/>
             <p14:sldId id="318"/>
+            <p14:sldId id="323"/>
+            <p14:sldId id="322"/>
           </p14:sldIdLst>
         </p14:section>
         <p14:section name="false sharing" id="{D4ED262D-72D1-4270-88D0-B864D2A60662}">
@@ -11139,7 +11143,7 @@
           <a:graphicData uri="http://schemas.openxmlformats.org/presentationml/2006/ole">
             <mc:AlternateContent xmlns:mc="http://schemas.openxmlformats.org/markup-compatibility/2006">
               <mc:Choice xmlns:v="urn:schemas-microsoft-com:vml" Requires="v">
-                <p:oleObj spid="_x0000_s1286" name="Equation" r:id="rId3" imgW="812520" imgH="393480" progId="Equation.3">
+                <p:oleObj spid="_x0000_s1290" name="Equation" r:id="rId3" imgW="812520" imgH="393480" progId="Equation.3">
                   <p:embed/>
                 </p:oleObj>
               </mc:Choice>
@@ -11196,7 +11200,7 @@
           <a:graphicData uri="http://schemas.openxmlformats.org/presentationml/2006/ole">
             <mc:AlternateContent xmlns:mc="http://schemas.openxmlformats.org/markup-compatibility/2006">
               <mc:Choice xmlns:v="urn:schemas-microsoft-com:vml" Requires="v">
-                <p:oleObj spid="_x0000_s1287" name="Equation" r:id="rId5" imgW="2489040" imgH="431640" progId="Equation.3">
+                <p:oleObj spid="_x0000_s1291" name="Equation" r:id="rId5" imgW="2489040" imgH="431640" progId="Equation.3">
                   <p:embed/>
                 </p:oleObj>
               </mc:Choice>
@@ -21545,7 +21549,7 @@
           <a:graphicData uri="http://schemas.openxmlformats.org/presentationml/2006/ole">
             <mc:AlternateContent xmlns:mc="http://schemas.openxmlformats.org/markup-compatibility/2006">
               <mc:Choice xmlns:v="urn:schemas-microsoft-com:vml" Requires="v">
-                <p:oleObj spid="_x0000_s2277" name="Equation" r:id="rId3" imgW="1091880" imgH="1041120" progId="Equation.3">
+                <p:oleObj spid="_x0000_s2281" name="Equation" r:id="rId3" imgW="1091880" imgH="1041120" progId="Equation.3">
                   <p:embed/>
                 </p:oleObj>
               </mc:Choice>
@@ -22900,7 +22904,7 @@
           <a:graphicData uri="http://schemas.openxmlformats.org/presentationml/2006/ole">
             <mc:AlternateContent xmlns:mc="http://schemas.openxmlformats.org/markup-compatibility/2006">
               <mc:Choice xmlns:v="urn:schemas-microsoft-com:vml" Requires="v">
-                <p:oleObj spid="_x0000_s2278" name="Equation" r:id="rId5" imgW="1091880" imgH="1041120" progId="Equation.3">
+                <p:oleObj spid="_x0000_s2282" name="Equation" r:id="rId5" imgW="1091880" imgH="1041120" progId="Equation.3">
                   <p:embed/>
                 </p:oleObj>
               </mc:Choice>
@@ -33694,7 +33698,13 @@
       </p:grpSpPr>
       <p:sp>
         <p:nvSpPr>
-          <p:cNvPr id="2" name="Title 1"/>
+          <p:cNvPr id="2" name="Title 1">
+            <a:extLst>
+              <a:ext uri="{FF2B5EF4-FFF2-40B4-BE49-F238E27FC236}">
+                <a16:creationId xmlns:a16="http://schemas.microsoft.com/office/drawing/2014/main" id="{431F0C81-CD0B-463E-A27D-659AE76C9A6B}"/>
+              </a:ext>
+            </a:extLst>
+          </p:cNvPr>
           <p:cNvSpPr>
             <a:spLocks noGrp="1"/>
           </p:cNvSpPr>
@@ -33709,19 +33719,26 @@
           <a:p>
             <a:r>
               <a:rPr lang="en-US" dirty="0"/>
-              <a:t>Multithreading: false sharing</a:t>
-            </a:r>
+              <a:t>Instruction pipelines</a:t>
+            </a:r>
+            <a:endParaRPr lang="en-BE" dirty="0"/>
           </a:p>
         </p:txBody>
       </p:sp>
       <p:sp>
         <p:nvSpPr>
-          <p:cNvPr id="3" name="Text Placeholder 2"/>
+          <p:cNvPr id="3" name="Content Placeholder 2">
+            <a:extLst>
+              <a:ext uri="{FF2B5EF4-FFF2-40B4-BE49-F238E27FC236}">
+                <a16:creationId xmlns:a16="http://schemas.microsoft.com/office/drawing/2014/main" id="{10359DBA-2CF5-40FB-B9B8-F854031B4F5A}"/>
+              </a:ext>
+            </a:extLst>
+          </p:cNvPr>
           <p:cNvSpPr>
             <a:spLocks noGrp="1"/>
           </p:cNvSpPr>
           <p:nvPr>
-            <p:ph type="body" idx="1"/>
+            <p:ph idx="1"/>
           </p:nvPr>
         </p:nvSpPr>
         <p:spPr/>
@@ -33729,13 +33746,44 @@
           <a:bodyPr/>
           <a:lstStyle/>
           <a:p>
-            <a:endParaRPr lang="en-US"/>
+            <a:r>
+              <a:rPr lang="en-US" dirty="0"/>
+              <a:t>Instructions (e.g., addition/multiplication)</a:t>
+            </a:r>
+          </a:p>
+          <a:p>
+            <a:pPr lvl="1"/>
+            <a:r>
+              <a:rPr lang="en-US" dirty="0"/>
+              <a:t>broken up in stages</a:t>
+            </a:r>
+          </a:p>
+          <a:p>
+            <a:pPr lvl="1"/>
+            <a:r>
+              <a:rPr lang="en-US" dirty="0"/>
+              <a:t>stages are sequential</a:t>
+            </a:r>
+          </a:p>
+          <a:p>
+            <a:pPr lvl="1"/>
+            <a:r>
+              <a:rPr lang="en-US" dirty="0"/>
+              <a:t>dedicated hardware per stage</a:t>
+            </a:r>
+            <a:endParaRPr lang="en-BE" dirty="0"/>
           </a:p>
         </p:txBody>
       </p:sp>
       <p:sp>
         <p:nvSpPr>
-          <p:cNvPr id="4" name="Slide Number Placeholder 3"/>
+          <p:cNvPr id="4" name="Slide Number Placeholder 3">
+            <a:extLst>
+              <a:ext uri="{FF2B5EF4-FFF2-40B4-BE49-F238E27FC236}">
+                <a16:creationId xmlns:a16="http://schemas.microsoft.com/office/drawing/2014/main" id="{572F3BCB-14A2-48AA-B438-2C8C1CA7E9C9}"/>
+              </a:ext>
+            </a:extLst>
+          </p:cNvPr>
           <p:cNvSpPr>
             <a:spLocks noGrp="1"/>
           </p:cNvSpPr>
@@ -33752,20 +33800,2459 @@
               <a:rPr lang="nl-BE" smtClean="0"/>
               <a:t>39</a:t>
             </a:fld>
-            <a:endParaRPr lang="nl-BE"/>
+            <a:endParaRPr lang="nl-BE" dirty="0"/>
+          </a:p>
+        </p:txBody>
+      </p:sp>
+      <p:sp>
+        <p:nvSpPr>
+          <p:cNvPr id="5" name="TextBox 4">
+            <a:extLst>
+              <a:ext uri="{FF2B5EF4-FFF2-40B4-BE49-F238E27FC236}">
+                <a16:creationId xmlns:a16="http://schemas.microsoft.com/office/drawing/2014/main" id="{2443D931-93CF-446E-8437-AA21E894EB52}"/>
+              </a:ext>
+            </a:extLst>
+          </p:cNvPr>
+          <p:cNvSpPr txBox="1"/>
+          <p:nvPr/>
+        </p:nvSpPr>
+        <p:spPr>
+          <a:xfrm>
+            <a:off x="2919086" y="3629886"/>
+            <a:ext cx="822533" cy="400110"/>
+          </a:xfrm>
+          <a:prstGeom prst="rect">
+            <a:avLst/>
+          </a:prstGeom>
+          <a:noFill/>
+        </p:spPr>
+        <p:txBody>
+          <a:bodyPr wrap="none" rtlCol="0">
+            <a:spAutoFit/>
+          </a:bodyPr>
+          <a:lstStyle/>
+          <a:p>
+            <a:r>
+              <a:rPr lang="en-US" sz="2000" dirty="0"/>
+              <a:t>stage</a:t>
+            </a:r>
+            <a:r>
+              <a:rPr lang="en-US" sz="2000" baseline="-25000" dirty="0"/>
+              <a:t>1</a:t>
+            </a:r>
+            <a:endParaRPr lang="en-BE" sz="2000" baseline="-25000" dirty="0"/>
+          </a:p>
+        </p:txBody>
+      </p:sp>
+      <p:sp>
+        <p:nvSpPr>
+          <p:cNvPr id="6" name="TextBox 5">
+            <a:extLst>
+              <a:ext uri="{FF2B5EF4-FFF2-40B4-BE49-F238E27FC236}">
+                <a16:creationId xmlns:a16="http://schemas.microsoft.com/office/drawing/2014/main" id="{0D4AACA3-FB30-4A2E-9F18-FDBCB519AB27}"/>
+              </a:ext>
+            </a:extLst>
+          </p:cNvPr>
+          <p:cNvSpPr txBox="1"/>
+          <p:nvPr/>
+        </p:nvSpPr>
+        <p:spPr>
+          <a:xfrm>
+            <a:off x="3821475" y="3629886"/>
+            <a:ext cx="822533" cy="400110"/>
+          </a:xfrm>
+          <a:prstGeom prst="rect">
+            <a:avLst/>
+          </a:prstGeom>
+          <a:noFill/>
+        </p:spPr>
+        <p:txBody>
+          <a:bodyPr wrap="none" rtlCol="0">
+            <a:spAutoFit/>
+          </a:bodyPr>
+          <a:lstStyle/>
+          <a:p>
+            <a:r>
+              <a:rPr lang="en-US" sz="2000" dirty="0"/>
+              <a:t>stage</a:t>
+            </a:r>
+            <a:r>
+              <a:rPr lang="en-US" sz="2000" baseline="-25000" dirty="0"/>
+              <a:t>2</a:t>
+            </a:r>
+            <a:endParaRPr lang="en-BE" sz="2000" baseline="-25000" dirty="0"/>
+          </a:p>
+        </p:txBody>
+      </p:sp>
+      <p:sp>
+        <p:nvSpPr>
+          <p:cNvPr id="7" name="TextBox 6">
+            <a:extLst>
+              <a:ext uri="{FF2B5EF4-FFF2-40B4-BE49-F238E27FC236}">
+                <a16:creationId xmlns:a16="http://schemas.microsoft.com/office/drawing/2014/main" id="{CB9FB743-0B21-455F-890C-2A6E95BB1898}"/>
+              </a:ext>
+            </a:extLst>
+          </p:cNvPr>
+          <p:cNvSpPr txBox="1"/>
+          <p:nvPr/>
+        </p:nvSpPr>
+        <p:spPr>
+          <a:xfrm>
+            <a:off x="4757579" y="3629886"/>
+            <a:ext cx="822533" cy="400110"/>
+          </a:xfrm>
+          <a:prstGeom prst="rect">
+            <a:avLst/>
+          </a:prstGeom>
+          <a:noFill/>
+        </p:spPr>
+        <p:txBody>
+          <a:bodyPr wrap="none" rtlCol="0">
+            <a:spAutoFit/>
+          </a:bodyPr>
+          <a:lstStyle/>
+          <a:p>
+            <a:r>
+              <a:rPr lang="en-US" sz="2000" dirty="0"/>
+              <a:t>stage</a:t>
+            </a:r>
+            <a:r>
+              <a:rPr lang="en-US" sz="2000" baseline="-25000" dirty="0"/>
+              <a:t>3</a:t>
+            </a:r>
+            <a:endParaRPr lang="en-BE" sz="2000" baseline="-25000" dirty="0"/>
+          </a:p>
+        </p:txBody>
+      </p:sp>
+      <p:sp>
+        <p:nvSpPr>
+          <p:cNvPr id="8" name="TextBox 7">
+            <a:extLst>
+              <a:ext uri="{FF2B5EF4-FFF2-40B4-BE49-F238E27FC236}">
+                <a16:creationId xmlns:a16="http://schemas.microsoft.com/office/drawing/2014/main" id="{7FCBFC8B-EC45-4175-9031-03877C935D4E}"/>
+              </a:ext>
+            </a:extLst>
+          </p:cNvPr>
+          <p:cNvSpPr txBox="1"/>
+          <p:nvPr/>
+        </p:nvSpPr>
+        <p:spPr>
+          <a:xfrm>
+            <a:off x="5724128" y="3629886"/>
+            <a:ext cx="822533" cy="400110"/>
+          </a:xfrm>
+          <a:prstGeom prst="rect">
+            <a:avLst/>
+          </a:prstGeom>
+          <a:noFill/>
+        </p:spPr>
+        <p:txBody>
+          <a:bodyPr wrap="none" rtlCol="0">
+            <a:spAutoFit/>
+          </a:bodyPr>
+          <a:lstStyle/>
+          <a:p>
+            <a:r>
+              <a:rPr lang="en-US" sz="2000" dirty="0"/>
+              <a:t>stage</a:t>
+            </a:r>
+            <a:r>
+              <a:rPr lang="en-US" sz="2000" baseline="-25000" dirty="0"/>
+              <a:t>4</a:t>
+            </a:r>
+            <a:endParaRPr lang="en-BE" sz="2000" baseline="-25000" dirty="0"/>
+          </a:p>
+        </p:txBody>
+      </p:sp>
+      <p:grpSp>
+        <p:nvGrpSpPr>
+          <p:cNvPr id="13" name="Group 12">
+            <a:extLst>
+              <a:ext uri="{FF2B5EF4-FFF2-40B4-BE49-F238E27FC236}">
+                <a16:creationId xmlns:a16="http://schemas.microsoft.com/office/drawing/2014/main" id="{1000883F-7989-4BAD-B56C-00CBCAAD97BF}"/>
+              </a:ext>
+            </a:extLst>
+          </p:cNvPr>
+          <p:cNvGrpSpPr/>
+          <p:nvPr/>
+        </p:nvGrpSpPr>
+        <p:grpSpPr>
+          <a:xfrm>
+            <a:off x="2123728" y="4047581"/>
+            <a:ext cx="441340" cy="2491331"/>
+            <a:chOff x="1754396" y="4581128"/>
+            <a:chExt cx="441340" cy="2491331"/>
+          </a:xfrm>
+        </p:grpSpPr>
+        <p:cxnSp>
+          <p:nvCxnSpPr>
+            <p:cNvPr id="11" name="Straight Arrow Connector 10">
+              <a:extLst>
+                <a:ext uri="{FF2B5EF4-FFF2-40B4-BE49-F238E27FC236}">
+                  <a16:creationId xmlns:a16="http://schemas.microsoft.com/office/drawing/2014/main" id="{8C617FDD-BABD-48E1-B658-F8F91FE83B5E}"/>
+                </a:ext>
+              </a:extLst>
+            </p:cNvPr>
+            <p:cNvCxnSpPr>
+              <a:cxnSpLocks/>
+            </p:cNvCxnSpPr>
+            <p:nvPr/>
+          </p:nvCxnSpPr>
+          <p:spPr>
+            <a:xfrm>
+              <a:off x="2195736" y="4581128"/>
+              <a:ext cx="0" cy="2491331"/>
+            </a:xfrm>
+            <a:prstGeom prst="straightConnector1">
+              <a:avLst/>
+            </a:prstGeom>
+            <a:ln>
+              <a:solidFill>
+                <a:schemeClr val="tx1"/>
+              </a:solidFill>
+              <a:tailEnd type="stealth" w="lg" len="lg"/>
+            </a:ln>
+          </p:spPr>
+          <p:style>
+            <a:lnRef idx="1">
+              <a:schemeClr val="accent1"/>
+            </a:lnRef>
+            <a:fillRef idx="0">
+              <a:schemeClr val="accent1"/>
+            </a:fillRef>
+            <a:effectRef idx="0">
+              <a:schemeClr val="accent1"/>
+            </a:effectRef>
+            <a:fontRef idx="minor">
+              <a:schemeClr val="tx1"/>
+            </a:fontRef>
+          </p:style>
+        </p:cxnSp>
+        <p:sp>
+          <p:nvSpPr>
+            <p:cNvPr id="12" name="TextBox 11">
+              <a:extLst>
+                <a:ext uri="{FF2B5EF4-FFF2-40B4-BE49-F238E27FC236}">
+                  <a16:creationId xmlns:a16="http://schemas.microsoft.com/office/drawing/2014/main" id="{ADF7D3EE-5ADA-46B3-AF3C-DCAD6BE2F36F}"/>
+                </a:ext>
+              </a:extLst>
+            </p:cNvPr>
+            <p:cNvSpPr txBox="1"/>
+            <p:nvPr/>
+          </p:nvSpPr>
+          <p:spPr>
+            <a:xfrm rot="16200000">
+              <a:off x="1631926" y="5525177"/>
+              <a:ext cx="614271" cy="369332"/>
+            </a:xfrm>
+            <a:prstGeom prst="rect">
+              <a:avLst/>
+            </a:prstGeom>
+            <a:noFill/>
+          </p:spPr>
+          <p:txBody>
+            <a:bodyPr wrap="none" rtlCol="0">
+              <a:spAutoFit/>
+            </a:bodyPr>
+            <a:lstStyle/>
+            <a:p>
+              <a:r>
+                <a:rPr lang="en-US" dirty="0"/>
+                <a:t>time</a:t>
+              </a:r>
+              <a:endParaRPr lang="en-BE" dirty="0"/>
+            </a:p>
+          </p:txBody>
+        </p:sp>
+      </p:grpSp>
+      <p:sp>
+        <p:nvSpPr>
+          <p:cNvPr id="14" name="TextBox 13">
+            <a:extLst>
+              <a:ext uri="{FF2B5EF4-FFF2-40B4-BE49-F238E27FC236}">
+                <a16:creationId xmlns:a16="http://schemas.microsoft.com/office/drawing/2014/main" id="{F965733E-5662-4057-AF4C-7EABDDD7EFAD}"/>
+              </a:ext>
+            </a:extLst>
+          </p:cNvPr>
+          <p:cNvSpPr txBox="1"/>
+          <p:nvPr/>
+        </p:nvSpPr>
+        <p:spPr>
+          <a:xfrm>
+            <a:off x="3129247" y="4133942"/>
+            <a:ext cx="316112" cy="276999"/>
+          </a:xfrm>
+          <a:prstGeom prst="rect">
+            <a:avLst/>
+          </a:prstGeom>
+          <a:solidFill>
+            <a:schemeClr val="accent1">
+              <a:lumMod val="60000"/>
+              <a:lumOff val="40000"/>
+            </a:schemeClr>
+          </a:solidFill>
+          <a:ln>
+            <a:solidFill>
+              <a:schemeClr val="tx1"/>
+            </a:solidFill>
+          </a:ln>
+        </p:spPr>
+        <p:txBody>
+          <a:bodyPr wrap="none" rtlCol="0">
+            <a:spAutoFit/>
+          </a:bodyPr>
+          <a:lstStyle/>
+          <a:p>
+            <a:r>
+              <a:rPr lang="en-US" sz="1200" dirty="0"/>
+              <a:t>d</a:t>
+            </a:r>
+            <a:r>
+              <a:rPr lang="en-US" sz="1200" baseline="-25000" dirty="0"/>
+              <a:t>1</a:t>
+            </a:r>
+            <a:endParaRPr lang="en-BE" sz="1200" baseline="-25000" dirty="0"/>
+          </a:p>
+        </p:txBody>
+      </p:sp>
+      <p:grpSp>
+        <p:nvGrpSpPr>
+          <p:cNvPr id="43" name="Group 42">
+            <a:extLst>
+              <a:ext uri="{FF2B5EF4-FFF2-40B4-BE49-F238E27FC236}">
+                <a16:creationId xmlns:a16="http://schemas.microsoft.com/office/drawing/2014/main" id="{88AA9449-4E22-4826-9051-8BAA0FDB2D6A}"/>
+              </a:ext>
+            </a:extLst>
+          </p:cNvPr>
+          <p:cNvGrpSpPr/>
+          <p:nvPr/>
+        </p:nvGrpSpPr>
+        <p:grpSpPr>
+          <a:xfrm>
+            <a:off x="3129247" y="4514719"/>
+            <a:ext cx="1240191" cy="282939"/>
+            <a:chOff x="3129247" y="4514719"/>
+            <a:chExt cx="1240191" cy="282939"/>
+          </a:xfrm>
+        </p:grpSpPr>
+        <p:sp>
+          <p:nvSpPr>
+            <p:cNvPr id="15" name="TextBox 14">
+              <a:extLst>
+                <a:ext uri="{FF2B5EF4-FFF2-40B4-BE49-F238E27FC236}">
+                  <a16:creationId xmlns:a16="http://schemas.microsoft.com/office/drawing/2014/main" id="{49BD3A4C-2701-4568-94C0-E71A69C8FFFE}"/>
+                </a:ext>
+              </a:extLst>
+            </p:cNvPr>
+            <p:cNvSpPr txBox="1"/>
+            <p:nvPr/>
+          </p:nvSpPr>
+          <p:spPr>
+            <a:xfrm>
+              <a:off x="4053326" y="4514719"/>
+              <a:ext cx="316112" cy="276999"/>
+            </a:xfrm>
+            <a:prstGeom prst="rect">
+              <a:avLst/>
+            </a:prstGeom>
+            <a:solidFill>
+              <a:schemeClr val="accent1">
+                <a:lumMod val="60000"/>
+                <a:lumOff val="40000"/>
+              </a:schemeClr>
+            </a:solidFill>
+            <a:ln>
+              <a:solidFill>
+                <a:schemeClr val="tx1"/>
+              </a:solidFill>
+            </a:ln>
+          </p:spPr>
+          <p:txBody>
+            <a:bodyPr wrap="none" rtlCol="0">
+              <a:spAutoFit/>
+            </a:bodyPr>
+            <a:lstStyle/>
+            <a:p>
+              <a:r>
+                <a:rPr lang="en-US" sz="1200" dirty="0"/>
+                <a:t>d</a:t>
+              </a:r>
+              <a:r>
+                <a:rPr lang="en-US" sz="1200" baseline="-25000" dirty="0"/>
+                <a:t>1</a:t>
+              </a:r>
+              <a:endParaRPr lang="en-BE" sz="1200" baseline="-25000" dirty="0"/>
+            </a:p>
+          </p:txBody>
+        </p:sp>
+        <p:sp>
+          <p:nvSpPr>
+            <p:cNvPr id="16" name="TextBox 15">
+              <a:extLst>
+                <a:ext uri="{FF2B5EF4-FFF2-40B4-BE49-F238E27FC236}">
+                  <a16:creationId xmlns:a16="http://schemas.microsoft.com/office/drawing/2014/main" id="{BFDEB0E6-F41D-4E8F-8534-02BD01E3E3E4}"/>
+                </a:ext>
+              </a:extLst>
+            </p:cNvPr>
+            <p:cNvSpPr txBox="1"/>
+            <p:nvPr/>
+          </p:nvSpPr>
+          <p:spPr>
+            <a:xfrm>
+              <a:off x="3129247" y="4520659"/>
+              <a:ext cx="316112" cy="276999"/>
+            </a:xfrm>
+            <a:prstGeom prst="rect">
+              <a:avLst/>
+            </a:prstGeom>
+            <a:solidFill>
+              <a:schemeClr val="accent2">
+                <a:lumMod val="75000"/>
+              </a:schemeClr>
+            </a:solidFill>
+            <a:ln>
+              <a:solidFill>
+                <a:schemeClr val="tx1"/>
+              </a:solidFill>
+            </a:ln>
+          </p:spPr>
+          <p:txBody>
+            <a:bodyPr wrap="none" rtlCol="0">
+              <a:spAutoFit/>
+            </a:bodyPr>
+            <a:lstStyle/>
+            <a:p>
+              <a:r>
+                <a:rPr lang="en-US" sz="1200" dirty="0"/>
+                <a:t>d</a:t>
+              </a:r>
+              <a:r>
+                <a:rPr lang="en-US" sz="1200" baseline="-25000" dirty="0"/>
+                <a:t>2</a:t>
+              </a:r>
+              <a:endParaRPr lang="en-BE" sz="1200" baseline="-25000" dirty="0"/>
+            </a:p>
+          </p:txBody>
+        </p:sp>
+      </p:grpSp>
+      <p:grpSp>
+        <p:nvGrpSpPr>
+          <p:cNvPr id="44" name="Group 43">
+            <a:extLst>
+              <a:ext uri="{FF2B5EF4-FFF2-40B4-BE49-F238E27FC236}">
+                <a16:creationId xmlns:a16="http://schemas.microsoft.com/office/drawing/2014/main" id="{CC96751C-B236-401C-AF56-0F1DEE2448C0}"/>
+              </a:ext>
+            </a:extLst>
+          </p:cNvPr>
+          <p:cNvGrpSpPr/>
+          <p:nvPr/>
+        </p:nvGrpSpPr>
+        <p:grpSpPr>
+          <a:xfrm>
+            <a:off x="3129247" y="4901726"/>
+            <a:ext cx="2188399" cy="281534"/>
+            <a:chOff x="3129247" y="4901726"/>
+            <a:chExt cx="2188399" cy="281534"/>
+          </a:xfrm>
+        </p:grpSpPr>
+        <p:sp>
+          <p:nvSpPr>
+            <p:cNvPr id="17" name="TextBox 16">
+              <a:extLst>
+                <a:ext uri="{FF2B5EF4-FFF2-40B4-BE49-F238E27FC236}">
+                  <a16:creationId xmlns:a16="http://schemas.microsoft.com/office/drawing/2014/main" id="{2157374A-783C-4D1B-B005-1B919F8DB506}"/>
+                </a:ext>
+              </a:extLst>
+            </p:cNvPr>
+            <p:cNvSpPr txBox="1"/>
+            <p:nvPr/>
+          </p:nvSpPr>
+          <p:spPr>
+            <a:xfrm>
+              <a:off x="5001534" y="4901726"/>
+              <a:ext cx="316112" cy="276999"/>
+            </a:xfrm>
+            <a:prstGeom prst="rect">
+              <a:avLst/>
+            </a:prstGeom>
+            <a:solidFill>
+              <a:schemeClr val="accent1">
+                <a:lumMod val="60000"/>
+                <a:lumOff val="40000"/>
+              </a:schemeClr>
+            </a:solidFill>
+            <a:ln>
+              <a:solidFill>
+                <a:schemeClr val="tx1"/>
+              </a:solidFill>
+            </a:ln>
+          </p:spPr>
+          <p:txBody>
+            <a:bodyPr wrap="none" rtlCol="0">
+              <a:spAutoFit/>
+            </a:bodyPr>
+            <a:lstStyle/>
+            <a:p>
+              <a:r>
+                <a:rPr lang="en-US" sz="1200" dirty="0"/>
+                <a:t>d</a:t>
+              </a:r>
+              <a:r>
+                <a:rPr lang="en-US" sz="1200" baseline="-25000" dirty="0"/>
+                <a:t>1</a:t>
+              </a:r>
+              <a:endParaRPr lang="en-BE" sz="1200" baseline="-25000" dirty="0"/>
+            </a:p>
+          </p:txBody>
+        </p:sp>
+        <p:sp>
+          <p:nvSpPr>
+            <p:cNvPr id="18" name="TextBox 17">
+              <a:extLst>
+                <a:ext uri="{FF2B5EF4-FFF2-40B4-BE49-F238E27FC236}">
+                  <a16:creationId xmlns:a16="http://schemas.microsoft.com/office/drawing/2014/main" id="{897F2E4B-9775-4D31-8D39-ABC02EB3CB04}"/>
+                </a:ext>
+              </a:extLst>
+            </p:cNvPr>
+            <p:cNvSpPr txBox="1"/>
+            <p:nvPr/>
+          </p:nvSpPr>
+          <p:spPr>
+            <a:xfrm>
+              <a:off x="4053326" y="4906261"/>
+              <a:ext cx="316112" cy="276999"/>
+            </a:xfrm>
+            <a:prstGeom prst="rect">
+              <a:avLst/>
+            </a:prstGeom>
+            <a:solidFill>
+              <a:schemeClr val="accent2">
+                <a:lumMod val="75000"/>
+              </a:schemeClr>
+            </a:solidFill>
+            <a:ln>
+              <a:solidFill>
+                <a:schemeClr val="tx1"/>
+              </a:solidFill>
+            </a:ln>
+          </p:spPr>
+          <p:txBody>
+            <a:bodyPr wrap="none" rtlCol="0">
+              <a:spAutoFit/>
+            </a:bodyPr>
+            <a:lstStyle/>
+            <a:p>
+              <a:r>
+                <a:rPr lang="en-US" sz="1200" dirty="0"/>
+                <a:t>d</a:t>
+              </a:r>
+              <a:r>
+                <a:rPr lang="en-US" sz="1200" baseline="-25000" dirty="0"/>
+                <a:t>2</a:t>
+              </a:r>
+              <a:endParaRPr lang="en-BE" sz="1200" baseline="-25000" dirty="0"/>
+            </a:p>
+          </p:txBody>
+        </p:sp>
+        <p:sp>
+          <p:nvSpPr>
+            <p:cNvPr id="19" name="TextBox 18">
+              <a:extLst>
+                <a:ext uri="{FF2B5EF4-FFF2-40B4-BE49-F238E27FC236}">
+                  <a16:creationId xmlns:a16="http://schemas.microsoft.com/office/drawing/2014/main" id="{EB1672D0-A7FC-4E16-83C1-4B738C40F3AC}"/>
+                </a:ext>
+              </a:extLst>
+            </p:cNvPr>
+            <p:cNvSpPr txBox="1"/>
+            <p:nvPr/>
+          </p:nvSpPr>
+          <p:spPr>
+            <a:xfrm>
+              <a:off x="3129247" y="4901726"/>
+              <a:ext cx="316112" cy="276999"/>
+            </a:xfrm>
+            <a:prstGeom prst="rect">
+              <a:avLst/>
+            </a:prstGeom>
+            <a:solidFill>
+              <a:schemeClr val="accent3">
+                <a:lumMod val="60000"/>
+                <a:lumOff val="40000"/>
+              </a:schemeClr>
+            </a:solidFill>
+            <a:ln>
+              <a:solidFill>
+                <a:schemeClr val="tx1"/>
+              </a:solidFill>
+            </a:ln>
+          </p:spPr>
+          <p:txBody>
+            <a:bodyPr wrap="none" rtlCol="0">
+              <a:spAutoFit/>
+            </a:bodyPr>
+            <a:lstStyle/>
+            <a:p>
+              <a:r>
+                <a:rPr lang="en-US" sz="1200" dirty="0"/>
+                <a:t>d</a:t>
+              </a:r>
+              <a:r>
+                <a:rPr lang="en-US" sz="1200" baseline="-25000" dirty="0"/>
+                <a:t>3</a:t>
+              </a:r>
+              <a:endParaRPr lang="en-BE" sz="1200" baseline="-25000" dirty="0"/>
+            </a:p>
+          </p:txBody>
+        </p:sp>
+      </p:grpSp>
+      <p:grpSp>
+        <p:nvGrpSpPr>
+          <p:cNvPr id="45" name="Group 44">
+            <a:extLst>
+              <a:ext uri="{FF2B5EF4-FFF2-40B4-BE49-F238E27FC236}">
+                <a16:creationId xmlns:a16="http://schemas.microsoft.com/office/drawing/2014/main" id="{FEC08A83-6D1E-41B7-9020-2FA3ABABEC89}"/>
+              </a:ext>
+            </a:extLst>
+          </p:cNvPr>
+          <p:cNvGrpSpPr/>
+          <p:nvPr/>
+        </p:nvGrpSpPr>
+        <p:grpSpPr>
+          <a:xfrm>
+            <a:off x="3129247" y="5272594"/>
+            <a:ext cx="3160138" cy="285526"/>
+            <a:chOff x="3129247" y="5272594"/>
+            <a:chExt cx="3160138" cy="285526"/>
+          </a:xfrm>
+        </p:grpSpPr>
+        <p:sp>
+          <p:nvSpPr>
+            <p:cNvPr id="20" name="TextBox 19">
+              <a:extLst>
+                <a:ext uri="{FF2B5EF4-FFF2-40B4-BE49-F238E27FC236}">
+                  <a16:creationId xmlns:a16="http://schemas.microsoft.com/office/drawing/2014/main" id="{64B8EB28-4FDB-4C86-98BE-6FA254A2E392}"/>
+                </a:ext>
+              </a:extLst>
+            </p:cNvPr>
+            <p:cNvSpPr txBox="1"/>
+            <p:nvPr/>
+          </p:nvSpPr>
+          <p:spPr>
+            <a:xfrm>
+              <a:off x="5973273" y="5272594"/>
+              <a:ext cx="316112" cy="276999"/>
+            </a:xfrm>
+            <a:prstGeom prst="rect">
+              <a:avLst/>
+            </a:prstGeom>
+            <a:solidFill>
+              <a:schemeClr val="accent1">
+                <a:lumMod val="60000"/>
+                <a:lumOff val="40000"/>
+              </a:schemeClr>
+            </a:solidFill>
+            <a:ln>
+              <a:solidFill>
+                <a:schemeClr val="tx1"/>
+              </a:solidFill>
+            </a:ln>
+          </p:spPr>
+          <p:txBody>
+            <a:bodyPr wrap="none" rtlCol="0">
+              <a:spAutoFit/>
+            </a:bodyPr>
+            <a:lstStyle/>
+            <a:p>
+              <a:r>
+                <a:rPr lang="en-US" sz="1200" dirty="0"/>
+                <a:t>d</a:t>
+              </a:r>
+              <a:r>
+                <a:rPr lang="en-US" sz="1200" baseline="-25000" dirty="0"/>
+                <a:t>1</a:t>
+              </a:r>
+              <a:endParaRPr lang="en-BE" sz="1200" baseline="-25000" dirty="0"/>
+            </a:p>
+          </p:txBody>
+        </p:sp>
+        <p:sp>
+          <p:nvSpPr>
+            <p:cNvPr id="21" name="TextBox 20">
+              <a:extLst>
+                <a:ext uri="{FF2B5EF4-FFF2-40B4-BE49-F238E27FC236}">
+                  <a16:creationId xmlns:a16="http://schemas.microsoft.com/office/drawing/2014/main" id="{2665037A-E6CC-4128-B0C1-D2C7675F3532}"/>
+                </a:ext>
+              </a:extLst>
+            </p:cNvPr>
+            <p:cNvSpPr txBox="1"/>
+            <p:nvPr/>
+          </p:nvSpPr>
+          <p:spPr>
+            <a:xfrm>
+              <a:off x="5001534" y="5277129"/>
+              <a:ext cx="316112" cy="276999"/>
+            </a:xfrm>
+            <a:prstGeom prst="rect">
+              <a:avLst/>
+            </a:prstGeom>
+            <a:solidFill>
+              <a:schemeClr val="accent2">
+                <a:lumMod val="75000"/>
+              </a:schemeClr>
+            </a:solidFill>
+            <a:ln>
+              <a:solidFill>
+                <a:schemeClr val="tx1"/>
+              </a:solidFill>
+            </a:ln>
+          </p:spPr>
+          <p:txBody>
+            <a:bodyPr wrap="none" rtlCol="0">
+              <a:spAutoFit/>
+            </a:bodyPr>
+            <a:lstStyle/>
+            <a:p>
+              <a:r>
+                <a:rPr lang="en-US" sz="1200" dirty="0"/>
+                <a:t>d</a:t>
+              </a:r>
+              <a:r>
+                <a:rPr lang="en-US" sz="1200" baseline="-25000" dirty="0"/>
+                <a:t>2</a:t>
+              </a:r>
+              <a:endParaRPr lang="en-BE" sz="1200" baseline="-25000" dirty="0"/>
+            </a:p>
+          </p:txBody>
+        </p:sp>
+        <p:sp>
+          <p:nvSpPr>
+            <p:cNvPr id="22" name="TextBox 21">
+              <a:extLst>
+                <a:ext uri="{FF2B5EF4-FFF2-40B4-BE49-F238E27FC236}">
+                  <a16:creationId xmlns:a16="http://schemas.microsoft.com/office/drawing/2014/main" id="{DF7A73A2-2632-4246-8EE2-6569866FF49C}"/>
+                </a:ext>
+              </a:extLst>
+            </p:cNvPr>
+            <p:cNvSpPr txBox="1"/>
+            <p:nvPr/>
+          </p:nvSpPr>
+          <p:spPr>
+            <a:xfrm>
+              <a:off x="4053326" y="5276347"/>
+              <a:ext cx="316112" cy="276999"/>
+            </a:xfrm>
+            <a:prstGeom prst="rect">
+              <a:avLst/>
+            </a:prstGeom>
+            <a:solidFill>
+              <a:schemeClr val="accent3">
+                <a:lumMod val="60000"/>
+                <a:lumOff val="40000"/>
+              </a:schemeClr>
+            </a:solidFill>
+            <a:ln>
+              <a:solidFill>
+                <a:schemeClr val="tx1"/>
+              </a:solidFill>
+            </a:ln>
+          </p:spPr>
+          <p:txBody>
+            <a:bodyPr wrap="none" rtlCol="0">
+              <a:spAutoFit/>
+            </a:bodyPr>
+            <a:lstStyle/>
+            <a:p>
+              <a:r>
+                <a:rPr lang="en-US" sz="1200" dirty="0"/>
+                <a:t>d</a:t>
+              </a:r>
+              <a:r>
+                <a:rPr lang="en-US" sz="1200" baseline="-25000" dirty="0"/>
+                <a:t>3</a:t>
+              </a:r>
+              <a:endParaRPr lang="en-BE" sz="1200" baseline="-25000" dirty="0"/>
+            </a:p>
+          </p:txBody>
+        </p:sp>
+        <p:sp>
+          <p:nvSpPr>
+            <p:cNvPr id="23" name="TextBox 22">
+              <a:extLst>
+                <a:ext uri="{FF2B5EF4-FFF2-40B4-BE49-F238E27FC236}">
+                  <a16:creationId xmlns:a16="http://schemas.microsoft.com/office/drawing/2014/main" id="{49E379D3-7E66-4F92-9C05-863810DFB2FB}"/>
+                </a:ext>
+              </a:extLst>
+            </p:cNvPr>
+            <p:cNvSpPr txBox="1"/>
+            <p:nvPr/>
+          </p:nvSpPr>
+          <p:spPr>
+            <a:xfrm>
+              <a:off x="3129247" y="5281121"/>
+              <a:ext cx="316112" cy="276999"/>
+            </a:xfrm>
+            <a:prstGeom prst="rect">
+              <a:avLst/>
+            </a:prstGeom>
+            <a:solidFill>
+              <a:schemeClr val="accent4">
+                <a:lumMod val="60000"/>
+                <a:lumOff val="40000"/>
+              </a:schemeClr>
+            </a:solidFill>
+            <a:ln>
+              <a:solidFill>
+                <a:schemeClr val="tx1"/>
+              </a:solidFill>
+            </a:ln>
+          </p:spPr>
+          <p:txBody>
+            <a:bodyPr wrap="none" rtlCol="0">
+              <a:spAutoFit/>
+            </a:bodyPr>
+            <a:lstStyle/>
+            <a:p>
+              <a:r>
+                <a:rPr lang="en-US" sz="1200" dirty="0"/>
+                <a:t>d</a:t>
+              </a:r>
+              <a:r>
+                <a:rPr lang="en-US" sz="1200" baseline="-25000" dirty="0"/>
+                <a:t>4</a:t>
+              </a:r>
+              <a:endParaRPr lang="en-BE" sz="1200" baseline="-25000" dirty="0"/>
+            </a:p>
+          </p:txBody>
+        </p:sp>
+      </p:grpSp>
+      <p:grpSp>
+        <p:nvGrpSpPr>
+          <p:cNvPr id="46" name="Group 45">
+            <a:extLst>
+              <a:ext uri="{FF2B5EF4-FFF2-40B4-BE49-F238E27FC236}">
+                <a16:creationId xmlns:a16="http://schemas.microsoft.com/office/drawing/2014/main" id="{D1F97B5E-FDEB-4151-99FE-FAD26BA66F66}"/>
+              </a:ext>
+            </a:extLst>
+          </p:cNvPr>
+          <p:cNvGrpSpPr/>
+          <p:nvPr/>
+        </p:nvGrpSpPr>
+        <p:grpSpPr>
+          <a:xfrm>
+            <a:off x="3129247" y="5651725"/>
+            <a:ext cx="3160138" cy="297555"/>
+            <a:chOff x="3129247" y="5651725"/>
+            <a:chExt cx="3160138" cy="297555"/>
+          </a:xfrm>
+        </p:grpSpPr>
+        <p:sp>
+          <p:nvSpPr>
+            <p:cNvPr id="25" name="TextBox 24">
+              <a:extLst>
+                <a:ext uri="{FF2B5EF4-FFF2-40B4-BE49-F238E27FC236}">
+                  <a16:creationId xmlns:a16="http://schemas.microsoft.com/office/drawing/2014/main" id="{36E2A9D2-F96B-4D8E-94CC-800C8D664E2C}"/>
+                </a:ext>
+              </a:extLst>
+            </p:cNvPr>
+            <p:cNvSpPr txBox="1"/>
+            <p:nvPr/>
+          </p:nvSpPr>
+          <p:spPr>
+            <a:xfrm>
+              <a:off x="5973273" y="5662598"/>
+              <a:ext cx="316112" cy="276999"/>
+            </a:xfrm>
+            <a:prstGeom prst="rect">
+              <a:avLst/>
+            </a:prstGeom>
+            <a:solidFill>
+              <a:schemeClr val="accent2">
+                <a:lumMod val="75000"/>
+              </a:schemeClr>
+            </a:solidFill>
+            <a:ln>
+              <a:solidFill>
+                <a:schemeClr val="tx1"/>
+              </a:solidFill>
+            </a:ln>
+          </p:spPr>
+          <p:txBody>
+            <a:bodyPr wrap="none" rtlCol="0">
+              <a:spAutoFit/>
+            </a:bodyPr>
+            <a:lstStyle/>
+            <a:p>
+              <a:r>
+                <a:rPr lang="en-US" sz="1200" dirty="0"/>
+                <a:t>d</a:t>
+              </a:r>
+              <a:r>
+                <a:rPr lang="en-US" sz="1200" baseline="-25000" dirty="0"/>
+                <a:t>2</a:t>
+              </a:r>
+              <a:endParaRPr lang="en-BE" sz="1200" baseline="-25000" dirty="0"/>
+            </a:p>
+          </p:txBody>
+        </p:sp>
+        <p:sp>
+          <p:nvSpPr>
+            <p:cNvPr id="26" name="TextBox 25">
+              <a:extLst>
+                <a:ext uri="{FF2B5EF4-FFF2-40B4-BE49-F238E27FC236}">
+                  <a16:creationId xmlns:a16="http://schemas.microsoft.com/office/drawing/2014/main" id="{444F56E0-FDEA-43B3-AD9A-57DDE589EA5E}"/>
+                </a:ext>
+              </a:extLst>
+            </p:cNvPr>
+            <p:cNvSpPr txBox="1"/>
+            <p:nvPr/>
+          </p:nvSpPr>
+          <p:spPr>
+            <a:xfrm>
+              <a:off x="5001534" y="5661816"/>
+              <a:ext cx="316112" cy="276999"/>
+            </a:xfrm>
+            <a:prstGeom prst="rect">
+              <a:avLst/>
+            </a:prstGeom>
+            <a:solidFill>
+              <a:schemeClr val="accent3">
+                <a:lumMod val="60000"/>
+                <a:lumOff val="40000"/>
+              </a:schemeClr>
+            </a:solidFill>
+            <a:ln>
+              <a:solidFill>
+                <a:schemeClr val="tx1"/>
+              </a:solidFill>
+            </a:ln>
+          </p:spPr>
+          <p:txBody>
+            <a:bodyPr wrap="none" rtlCol="0">
+              <a:spAutoFit/>
+            </a:bodyPr>
+            <a:lstStyle/>
+            <a:p>
+              <a:r>
+                <a:rPr lang="en-US" sz="1200" dirty="0"/>
+                <a:t>d</a:t>
+              </a:r>
+              <a:r>
+                <a:rPr lang="en-US" sz="1200" baseline="-25000" dirty="0"/>
+                <a:t>3</a:t>
+              </a:r>
+              <a:endParaRPr lang="en-BE" sz="1200" baseline="-25000" dirty="0"/>
+            </a:p>
+          </p:txBody>
+        </p:sp>
+        <p:sp>
+          <p:nvSpPr>
+            <p:cNvPr id="27" name="TextBox 26">
+              <a:extLst>
+                <a:ext uri="{FF2B5EF4-FFF2-40B4-BE49-F238E27FC236}">
+                  <a16:creationId xmlns:a16="http://schemas.microsoft.com/office/drawing/2014/main" id="{6ECD0BC9-A89D-4D72-B059-616AFCF4DBBD}"/>
+                </a:ext>
+              </a:extLst>
+            </p:cNvPr>
+            <p:cNvSpPr txBox="1"/>
+            <p:nvPr/>
+          </p:nvSpPr>
+          <p:spPr>
+            <a:xfrm>
+              <a:off x="4053326" y="5672281"/>
+              <a:ext cx="316112" cy="276999"/>
+            </a:xfrm>
+            <a:prstGeom prst="rect">
+              <a:avLst/>
+            </a:prstGeom>
+            <a:solidFill>
+              <a:schemeClr val="accent4">
+                <a:lumMod val="60000"/>
+                <a:lumOff val="40000"/>
+              </a:schemeClr>
+            </a:solidFill>
+            <a:ln>
+              <a:solidFill>
+                <a:schemeClr val="tx1"/>
+              </a:solidFill>
+            </a:ln>
+          </p:spPr>
+          <p:txBody>
+            <a:bodyPr wrap="none" rtlCol="0">
+              <a:spAutoFit/>
+            </a:bodyPr>
+            <a:lstStyle/>
+            <a:p>
+              <a:r>
+                <a:rPr lang="en-US" sz="1200" dirty="0"/>
+                <a:t>d</a:t>
+              </a:r>
+              <a:r>
+                <a:rPr lang="en-US" sz="1200" baseline="-25000" dirty="0"/>
+                <a:t>4</a:t>
+              </a:r>
+              <a:endParaRPr lang="en-BE" sz="1200" baseline="-25000" dirty="0"/>
+            </a:p>
+          </p:txBody>
+        </p:sp>
+        <p:sp>
+          <p:nvSpPr>
+            <p:cNvPr id="28" name="TextBox 27">
+              <a:extLst>
+                <a:ext uri="{FF2B5EF4-FFF2-40B4-BE49-F238E27FC236}">
+                  <a16:creationId xmlns:a16="http://schemas.microsoft.com/office/drawing/2014/main" id="{85E445C2-F13C-4865-9238-44ED8BB3B780}"/>
+                </a:ext>
+              </a:extLst>
+            </p:cNvPr>
+            <p:cNvSpPr txBox="1"/>
+            <p:nvPr/>
+          </p:nvSpPr>
+          <p:spPr>
+            <a:xfrm>
+              <a:off x="3129247" y="5651725"/>
+              <a:ext cx="316112" cy="276999"/>
+            </a:xfrm>
+            <a:prstGeom prst="rect">
+              <a:avLst/>
+            </a:prstGeom>
+            <a:solidFill>
+              <a:schemeClr val="accent6">
+                <a:lumMod val="60000"/>
+                <a:lumOff val="40000"/>
+              </a:schemeClr>
+            </a:solidFill>
+            <a:ln>
+              <a:solidFill>
+                <a:schemeClr val="tx1"/>
+              </a:solidFill>
+            </a:ln>
+          </p:spPr>
+          <p:txBody>
+            <a:bodyPr wrap="none" rtlCol="0">
+              <a:spAutoFit/>
+            </a:bodyPr>
+            <a:lstStyle/>
+            <a:p>
+              <a:r>
+                <a:rPr lang="en-US" sz="1200" dirty="0"/>
+                <a:t>d</a:t>
+              </a:r>
+              <a:r>
+                <a:rPr lang="en-US" sz="1200" baseline="-25000" dirty="0"/>
+                <a:t>5</a:t>
+              </a:r>
+              <a:endParaRPr lang="en-BE" sz="1200" baseline="-25000" dirty="0"/>
+            </a:p>
+          </p:txBody>
+        </p:sp>
+      </p:grpSp>
+      <p:grpSp>
+        <p:nvGrpSpPr>
+          <p:cNvPr id="47" name="Group 46">
+            <a:extLst>
+              <a:ext uri="{FF2B5EF4-FFF2-40B4-BE49-F238E27FC236}">
+                <a16:creationId xmlns:a16="http://schemas.microsoft.com/office/drawing/2014/main" id="{9FD4CC96-CAC2-46F0-A6E6-734C34DB1F5B}"/>
+              </a:ext>
+            </a:extLst>
+          </p:cNvPr>
+          <p:cNvGrpSpPr/>
+          <p:nvPr/>
+        </p:nvGrpSpPr>
+        <p:grpSpPr>
+          <a:xfrm>
+            <a:off x="3129247" y="6055538"/>
+            <a:ext cx="3136607" cy="300812"/>
+            <a:chOff x="3129247" y="6055538"/>
+            <a:chExt cx="3136607" cy="300812"/>
+          </a:xfrm>
+        </p:grpSpPr>
+        <p:sp>
+          <p:nvSpPr>
+            <p:cNvPr id="29" name="TextBox 28">
+              <a:extLst>
+                <a:ext uri="{FF2B5EF4-FFF2-40B4-BE49-F238E27FC236}">
+                  <a16:creationId xmlns:a16="http://schemas.microsoft.com/office/drawing/2014/main" id="{B1C662F6-EA78-400A-9CCB-A5DB606D9D69}"/>
+                </a:ext>
+              </a:extLst>
+            </p:cNvPr>
+            <p:cNvSpPr txBox="1"/>
+            <p:nvPr/>
+          </p:nvSpPr>
+          <p:spPr>
+            <a:xfrm>
+              <a:off x="5949742" y="6068886"/>
+              <a:ext cx="316112" cy="276999"/>
+            </a:xfrm>
+            <a:prstGeom prst="rect">
+              <a:avLst/>
+            </a:prstGeom>
+            <a:solidFill>
+              <a:schemeClr val="accent3">
+                <a:lumMod val="60000"/>
+                <a:lumOff val="40000"/>
+              </a:schemeClr>
+            </a:solidFill>
+            <a:ln>
+              <a:solidFill>
+                <a:schemeClr val="tx1"/>
+              </a:solidFill>
+            </a:ln>
+          </p:spPr>
+          <p:txBody>
+            <a:bodyPr wrap="none" rtlCol="0">
+              <a:spAutoFit/>
+            </a:bodyPr>
+            <a:lstStyle/>
+            <a:p>
+              <a:r>
+                <a:rPr lang="en-US" sz="1200" dirty="0"/>
+                <a:t>d</a:t>
+              </a:r>
+              <a:r>
+                <a:rPr lang="en-US" sz="1200" baseline="-25000" dirty="0"/>
+                <a:t>3</a:t>
+              </a:r>
+              <a:endParaRPr lang="en-BE" sz="1200" baseline="-25000" dirty="0"/>
+            </a:p>
+          </p:txBody>
+        </p:sp>
+        <p:sp>
+          <p:nvSpPr>
+            <p:cNvPr id="30" name="TextBox 29">
+              <a:extLst>
+                <a:ext uri="{FF2B5EF4-FFF2-40B4-BE49-F238E27FC236}">
+                  <a16:creationId xmlns:a16="http://schemas.microsoft.com/office/drawing/2014/main" id="{DB1F4B0B-92D5-4203-B8FC-8FB9A84ED8AA}"/>
+                </a:ext>
+              </a:extLst>
+            </p:cNvPr>
+            <p:cNvSpPr txBox="1"/>
+            <p:nvPr/>
+          </p:nvSpPr>
+          <p:spPr>
+            <a:xfrm>
+              <a:off x="5001534" y="6079351"/>
+              <a:ext cx="316112" cy="276999"/>
+            </a:xfrm>
+            <a:prstGeom prst="rect">
+              <a:avLst/>
+            </a:prstGeom>
+            <a:solidFill>
+              <a:schemeClr val="accent4">
+                <a:lumMod val="60000"/>
+                <a:lumOff val="40000"/>
+              </a:schemeClr>
+            </a:solidFill>
+            <a:ln>
+              <a:solidFill>
+                <a:schemeClr val="tx1"/>
+              </a:solidFill>
+            </a:ln>
+          </p:spPr>
+          <p:txBody>
+            <a:bodyPr wrap="none" rtlCol="0">
+              <a:spAutoFit/>
+            </a:bodyPr>
+            <a:lstStyle/>
+            <a:p>
+              <a:r>
+                <a:rPr lang="en-US" sz="1200" dirty="0"/>
+                <a:t>d</a:t>
+              </a:r>
+              <a:r>
+                <a:rPr lang="en-US" sz="1200" baseline="-25000" dirty="0"/>
+                <a:t>4</a:t>
+              </a:r>
+              <a:endParaRPr lang="en-BE" sz="1200" baseline="-25000" dirty="0"/>
+            </a:p>
+          </p:txBody>
+        </p:sp>
+        <p:sp>
+          <p:nvSpPr>
+            <p:cNvPr id="31" name="TextBox 30">
+              <a:extLst>
+                <a:ext uri="{FF2B5EF4-FFF2-40B4-BE49-F238E27FC236}">
+                  <a16:creationId xmlns:a16="http://schemas.microsoft.com/office/drawing/2014/main" id="{49F6EB0C-701C-49FB-8FFD-9B15B2DA6FF0}"/>
+                </a:ext>
+              </a:extLst>
+            </p:cNvPr>
+            <p:cNvSpPr txBox="1"/>
+            <p:nvPr/>
+          </p:nvSpPr>
+          <p:spPr>
+            <a:xfrm>
+              <a:off x="4077455" y="6058795"/>
+              <a:ext cx="316112" cy="276999"/>
+            </a:xfrm>
+            <a:prstGeom prst="rect">
+              <a:avLst/>
+            </a:prstGeom>
+            <a:solidFill>
+              <a:schemeClr val="accent6">
+                <a:lumMod val="60000"/>
+                <a:lumOff val="40000"/>
+              </a:schemeClr>
+            </a:solidFill>
+            <a:ln>
+              <a:solidFill>
+                <a:schemeClr val="tx1"/>
+              </a:solidFill>
+            </a:ln>
+          </p:spPr>
+          <p:txBody>
+            <a:bodyPr wrap="none" rtlCol="0">
+              <a:spAutoFit/>
+            </a:bodyPr>
+            <a:lstStyle/>
+            <a:p>
+              <a:r>
+                <a:rPr lang="en-US" sz="1200" dirty="0"/>
+                <a:t>d</a:t>
+              </a:r>
+              <a:r>
+                <a:rPr lang="en-US" sz="1200" baseline="-25000" dirty="0"/>
+                <a:t>5</a:t>
+              </a:r>
+              <a:endParaRPr lang="en-BE" sz="1200" baseline="-25000" dirty="0"/>
+            </a:p>
+          </p:txBody>
+        </p:sp>
+        <p:sp>
+          <p:nvSpPr>
+            <p:cNvPr id="32" name="TextBox 31">
+              <a:extLst>
+                <a:ext uri="{FF2B5EF4-FFF2-40B4-BE49-F238E27FC236}">
+                  <a16:creationId xmlns:a16="http://schemas.microsoft.com/office/drawing/2014/main" id="{02561F85-DDB1-4F26-8A77-E1C638EBA556}"/>
+                </a:ext>
+              </a:extLst>
+            </p:cNvPr>
+            <p:cNvSpPr txBox="1"/>
+            <p:nvPr/>
+          </p:nvSpPr>
+          <p:spPr>
+            <a:xfrm>
+              <a:off x="3129247" y="6055538"/>
+              <a:ext cx="316112" cy="276999"/>
+            </a:xfrm>
+            <a:prstGeom prst="rect">
+              <a:avLst/>
+            </a:prstGeom>
+            <a:solidFill>
+              <a:schemeClr val="bg2">
+                <a:lumMod val="50000"/>
+              </a:schemeClr>
+            </a:solidFill>
+            <a:ln>
+              <a:solidFill>
+                <a:schemeClr val="tx1"/>
+              </a:solidFill>
+            </a:ln>
+          </p:spPr>
+          <p:txBody>
+            <a:bodyPr wrap="none" rtlCol="0">
+              <a:spAutoFit/>
+            </a:bodyPr>
+            <a:lstStyle/>
+            <a:p>
+              <a:r>
+                <a:rPr lang="en-US" sz="1200" dirty="0"/>
+                <a:t>d</a:t>
+              </a:r>
+              <a:r>
+                <a:rPr lang="en-US" sz="1200" baseline="-25000" dirty="0"/>
+                <a:t>6</a:t>
+              </a:r>
+              <a:endParaRPr lang="en-BE" sz="1200" baseline="-25000" dirty="0"/>
+            </a:p>
+          </p:txBody>
+        </p:sp>
+      </p:grpSp>
+      <p:sp>
+        <p:nvSpPr>
+          <p:cNvPr id="33" name="TextBox 32">
+            <a:extLst>
+              <a:ext uri="{FF2B5EF4-FFF2-40B4-BE49-F238E27FC236}">
+                <a16:creationId xmlns:a16="http://schemas.microsoft.com/office/drawing/2014/main" id="{BB3B6EF2-8604-456F-9C3B-4384AB5BF324}"/>
+              </a:ext>
+            </a:extLst>
+          </p:cNvPr>
+          <p:cNvSpPr txBox="1"/>
+          <p:nvPr/>
+        </p:nvSpPr>
+        <p:spPr>
+          <a:xfrm>
+            <a:off x="7178364" y="3829941"/>
+            <a:ext cx="728084" cy="369332"/>
+          </a:xfrm>
+          <a:prstGeom prst="rect">
+            <a:avLst/>
+          </a:prstGeom>
+          <a:noFill/>
+        </p:spPr>
+        <p:txBody>
+          <a:bodyPr wrap="none" rtlCol="0">
+            <a:spAutoFit/>
+          </a:bodyPr>
+          <a:lstStyle/>
+          <a:p>
+            <a:r>
+              <a:rPr lang="en-US" dirty="0"/>
+              <a:t>done:</a:t>
+            </a:r>
+            <a:endParaRPr lang="en-BE" dirty="0"/>
+          </a:p>
+        </p:txBody>
+      </p:sp>
+      <p:sp>
+        <p:nvSpPr>
+          <p:cNvPr id="34" name="TextBox 33">
+            <a:extLst>
+              <a:ext uri="{FF2B5EF4-FFF2-40B4-BE49-F238E27FC236}">
+                <a16:creationId xmlns:a16="http://schemas.microsoft.com/office/drawing/2014/main" id="{F73A2B32-1B75-4BB4-B6FC-3C7CC6520CE3}"/>
+              </a:ext>
+            </a:extLst>
+          </p:cNvPr>
+          <p:cNvSpPr txBox="1"/>
+          <p:nvPr/>
+        </p:nvSpPr>
+        <p:spPr>
+          <a:xfrm>
+            <a:off x="7284574" y="4195365"/>
+            <a:ext cx="316112" cy="276999"/>
+          </a:xfrm>
+          <a:prstGeom prst="rect">
+            <a:avLst/>
+          </a:prstGeom>
+          <a:solidFill>
+            <a:schemeClr val="accent1">
+              <a:lumMod val="60000"/>
+              <a:lumOff val="40000"/>
+            </a:schemeClr>
+          </a:solidFill>
+          <a:ln>
+            <a:solidFill>
+              <a:schemeClr val="tx1"/>
+            </a:solidFill>
+          </a:ln>
+        </p:spPr>
+        <p:txBody>
+          <a:bodyPr wrap="none" rtlCol="0">
+            <a:spAutoFit/>
+          </a:bodyPr>
+          <a:lstStyle/>
+          <a:p>
+            <a:r>
+              <a:rPr lang="en-US" sz="1200" dirty="0"/>
+              <a:t>d</a:t>
+            </a:r>
+            <a:r>
+              <a:rPr lang="en-US" sz="1200" baseline="-25000" dirty="0"/>
+              <a:t>1</a:t>
+            </a:r>
+            <a:endParaRPr lang="en-BE" sz="1200" baseline="-25000" dirty="0"/>
+          </a:p>
+        </p:txBody>
+      </p:sp>
+      <p:sp>
+        <p:nvSpPr>
+          <p:cNvPr id="35" name="TextBox 34">
+            <a:extLst>
+              <a:ext uri="{FF2B5EF4-FFF2-40B4-BE49-F238E27FC236}">
+                <a16:creationId xmlns:a16="http://schemas.microsoft.com/office/drawing/2014/main" id="{C6F45353-1E9E-443A-925A-AFC5988079E7}"/>
+              </a:ext>
+            </a:extLst>
+          </p:cNvPr>
+          <p:cNvSpPr txBox="1"/>
+          <p:nvPr/>
+        </p:nvSpPr>
+        <p:spPr>
+          <a:xfrm>
+            <a:off x="7734378" y="4195365"/>
+            <a:ext cx="316112" cy="276999"/>
+          </a:xfrm>
+          <a:prstGeom prst="rect">
+            <a:avLst/>
+          </a:prstGeom>
+          <a:solidFill>
+            <a:schemeClr val="accent2">
+              <a:lumMod val="75000"/>
+            </a:schemeClr>
+          </a:solidFill>
+          <a:ln>
+            <a:solidFill>
+              <a:schemeClr val="tx1"/>
+            </a:solidFill>
+          </a:ln>
+        </p:spPr>
+        <p:txBody>
+          <a:bodyPr wrap="none" rtlCol="0">
+            <a:spAutoFit/>
+          </a:bodyPr>
+          <a:lstStyle/>
+          <a:p>
+            <a:r>
+              <a:rPr lang="en-US" sz="1200" dirty="0"/>
+              <a:t>d</a:t>
+            </a:r>
+            <a:r>
+              <a:rPr lang="en-US" sz="1200" baseline="-25000" dirty="0"/>
+              <a:t>2</a:t>
+            </a:r>
+            <a:endParaRPr lang="en-BE" sz="1200" baseline="-25000" dirty="0"/>
+          </a:p>
+        </p:txBody>
+      </p:sp>
+      <p:sp>
+        <p:nvSpPr>
+          <p:cNvPr id="36" name="TextBox 35">
+            <a:extLst>
+              <a:ext uri="{FF2B5EF4-FFF2-40B4-BE49-F238E27FC236}">
+                <a16:creationId xmlns:a16="http://schemas.microsoft.com/office/drawing/2014/main" id="{823A8313-296F-4A17-BE8F-F92E56542357}"/>
+              </a:ext>
+            </a:extLst>
+          </p:cNvPr>
+          <p:cNvSpPr txBox="1"/>
+          <p:nvPr/>
+        </p:nvSpPr>
+        <p:spPr>
+          <a:xfrm>
+            <a:off x="133175" y="3829941"/>
+            <a:ext cx="740267" cy="369332"/>
+          </a:xfrm>
+          <a:prstGeom prst="rect">
+            <a:avLst/>
+          </a:prstGeom>
+          <a:noFill/>
+        </p:spPr>
+        <p:txBody>
+          <a:bodyPr wrap="none" rtlCol="0">
+            <a:spAutoFit/>
+          </a:bodyPr>
+          <a:lstStyle/>
+          <a:p>
+            <a:r>
+              <a:rPr lang="en-US" dirty="0"/>
+              <a:t>to do:</a:t>
+            </a:r>
+            <a:endParaRPr lang="en-BE" dirty="0"/>
+          </a:p>
+        </p:txBody>
+      </p:sp>
+      <p:sp>
+        <p:nvSpPr>
+          <p:cNvPr id="37" name="TextBox 36">
+            <a:extLst>
+              <a:ext uri="{FF2B5EF4-FFF2-40B4-BE49-F238E27FC236}">
+                <a16:creationId xmlns:a16="http://schemas.microsoft.com/office/drawing/2014/main" id="{38EE9875-7F87-49BE-9DC2-B4227158918D}"/>
+              </a:ext>
+            </a:extLst>
+          </p:cNvPr>
+          <p:cNvSpPr txBox="1"/>
+          <p:nvPr/>
+        </p:nvSpPr>
+        <p:spPr>
+          <a:xfrm>
+            <a:off x="216109" y="4212895"/>
+            <a:ext cx="316112" cy="276999"/>
+          </a:xfrm>
+          <a:prstGeom prst="rect">
+            <a:avLst/>
+          </a:prstGeom>
+          <a:solidFill>
+            <a:schemeClr val="accent1">
+              <a:lumMod val="60000"/>
+              <a:lumOff val="40000"/>
+            </a:schemeClr>
+          </a:solidFill>
+          <a:ln>
+            <a:solidFill>
+              <a:schemeClr val="tx1"/>
+            </a:solidFill>
+          </a:ln>
+        </p:spPr>
+        <p:txBody>
+          <a:bodyPr wrap="none" rtlCol="0">
+            <a:spAutoFit/>
+          </a:bodyPr>
+          <a:lstStyle/>
+          <a:p>
+            <a:r>
+              <a:rPr lang="en-US" sz="1200" dirty="0"/>
+              <a:t>d</a:t>
+            </a:r>
+            <a:r>
+              <a:rPr lang="en-US" sz="1200" baseline="-25000" dirty="0"/>
+              <a:t>1</a:t>
+            </a:r>
+            <a:endParaRPr lang="en-BE" sz="1200" baseline="-25000" dirty="0"/>
+          </a:p>
+        </p:txBody>
+      </p:sp>
+      <p:sp>
+        <p:nvSpPr>
+          <p:cNvPr id="38" name="TextBox 37">
+            <a:extLst>
+              <a:ext uri="{FF2B5EF4-FFF2-40B4-BE49-F238E27FC236}">
+                <a16:creationId xmlns:a16="http://schemas.microsoft.com/office/drawing/2014/main" id="{48DC6529-D22B-46FD-9CB0-E1A61679A0A9}"/>
+              </a:ext>
+            </a:extLst>
+          </p:cNvPr>
+          <p:cNvSpPr txBox="1"/>
+          <p:nvPr/>
+        </p:nvSpPr>
+        <p:spPr>
+          <a:xfrm>
+            <a:off x="665913" y="4195366"/>
+            <a:ext cx="316112" cy="276999"/>
+          </a:xfrm>
+          <a:prstGeom prst="rect">
+            <a:avLst/>
+          </a:prstGeom>
+          <a:solidFill>
+            <a:schemeClr val="accent2">
+              <a:lumMod val="75000"/>
+            </a:schemeClr>
+          </a:solidFill>
+          <a:ln>
+            <a:solidFill>
+              <a:schemeClr val="tx1"/>
+            </a:solidFill>
+          </a:ln>
+        </p:spPr>
+        <p:txBody>
+          <a:bodyPr wrap="none" rtlCol="0">
+            <a:spAutoFit/>
+          </a:bodyPr>
+          <a:lstStyle/>
+          <a:p>
+            <a:r>
+              <a:rPr lang="en-US" sz="1200" dirty="0"/>
+              <a:t>d</a:t>
+            </a:r>
+            <a:r>
+              <a:rPr lang="en-US" sz="1200" baseline="-25000" dirty="0"/>
+              <a:t>2</a:t>
+            </a:r>
+            <a:endParaRPr lang="en-BE" sz="1200" baseline="-25000" dirty="0"/>
+          </a:p>
+        </p:txBody>
+      </p:sp>
+      <p:sp>
+        <p:nvSpPr>
+          <p:cNvPr id="39" name="TextBox 38">
+            <a:extLst>
+              <a:ext uri="{FF2B5EF4-FFF2-40B4-BE49-F238E27FC236}">
+                <a16:creationId xmlns:a16="http://schemas.microsoft.com/office/drawing/2014/main" id="{71DF5439-6E79-4A73-8409-9A781B6BAF49}"/>
+              </a:ext>
+            </a:extLst>
+          </p:cNvPr>
+          <p:cNvSpPr txBox="1"/>
+          <p:nvPr/>
+        </p:nvSpPr>
+        <p:spPr>
+          <a:xfrm>
+            <a:off x="1144629" y="4195365"/>
+            <a:ext cx="316112" cy="276999"/>
+          </a:xfrm>
+          <a:prstGeom prst="rect">
+            <a:avLst/>
+          </a:prstGeom>
+          <a:solidFill>
+            <a:schemeClr val="accent3">
+              <a:lumMod val="60000"/>
+              <a:lumOff val="40000"/>
+            </a:schemeClr>
+          </a:solidFill>
+          <a:ln>
+            <a:solidFill>
+              <a:schemeClr val="tx1"/>
+            </a:solidFill>
+          </a:ln>
+        </p:spPr>
+        <p:txBody>
+          <a:bodyPr wrap="none" rtlCol="0">
+            <a:spAutoFit/>
+          </a:bodyPr>
+          <a:lstStyle/>
+          <a:p>
+            <a:r>
+              <a:rPr lang="en-US" sz="1200" dirty="0"/>
+              <a:t>d</a:t>
+            </a:r>
+            <a:r>
+              <a:rPr lang="en-US" sz="1200" baseline="-25000" dirty="0"/>
+              <a:t>3</a:t>
+            </a:r>
+            <a:endParaRPr lang="en-BE" sz="1200" baseline="-25000" dirty="0"/>
+          </a:p>
+        </p:txBody>
+      </p:sp>
+      <p:sp>
+        <p:nvSpPr>
+          <p:cNvPr id="40" name="TextBox 39">
+            <a:extLst>
+              <a:ext uri="{FF2B5EF4-FFF2-40B4-BE49-F238E27FC236}">
+                <a16:creationId xmlns:a16="http://schemas.microsoft.com/office/drawing/2014/main" id="{9EEE7951-80CA-4A9F-ACCE-A1DB0E639603}"/>
+              </a:ext>
+            </a:extLst>
+          </p:cNvPr>
+          <p:cNvSpPr txBox="1"/>
+          <p:nvPr/>
+        </p:nvSpPr>
+        <p:spPr>
+          <a:xfrm>
+            <a:off x="216109" y="4669132"/>
+            <a:ext cx="316112" cy="276999"/>
+          </a:xfrm>
+          <a:prstGeom prst="rect">
+            <a:avLst/>
+          </a:prstGeom>
+          <a:solidFill>
+            <a:schemeClr val="accent4">
+              <a:lumMod val="60000"/>
+              <a:lumOff val="40000"/>
+            </a:schemeClr>
+          </a:solidFill>
+          <a:ln>
+            <a:solidFill>
+              <a:schemeClr val="tx1"/>
+            </a:solidFill>
+          </a:ln>
+        </p:spPr>
+        <p:txBody>
+          <a:bodyPr wrap="none" rtlCol="0">
+            <a:spAutoFit/>
+          </a:bodyPr>
+          <a:lstStyle/>
+          <a:p>
+            <a:r>
+              <a:rPr lang="en-US" sz="1200" dirty="0"/>
+              <a:t>d</a:t>
+            </a:r>
+            <a:r>
+              <a:rPr lang="en-US" sz="1200" baseline="-25000" dirty="0"/>
+              <a:t>4</a:t>
+            </a:r>
+            <a:endParaRPr lang="en-BE" sz="1200" baseline="-25000" dirty="0"/>
+          </a:p>
+        </p:txBody>
+      </p:sp>
+      <p:sp>
+        <p:nvSpPr>
+          <p:cNvPr id="41" name="TextBox 40">
+            <a:extLst>
+              <a:ext uri="{FF2B5EF4-FFF2-40B4-BE49-F238E27FC236}">
+                <a16:creationId xmlns:a16="http://schemas.microsoft.com/office/drawing/2014/main" id="{6E844686-73AD-457D-8F51-3A460B74E752}"/>
+              </a:ext>
+            </a:extLst>
+          </p:cNvPr>
+          <p:cNvSpPr txBox="1"/>
+          <p:nvPr/>
+        </p:nvSpPr>
+        <p:spPr>
+          <a:xfrm>
+            <a:off x="655488" y="4669132"/>
+            <a:ext cx="316112" cy="276999"/>
+          </a:xfrm>
+          <a:prstGeom prst="rect">
+            <a:avLst/>
+          </a:prstGeom>
+          <a:solidFill>
+            <a:schemeClr val="accent6">
+              <a:lumMod val="60000"/>
+              <a:lumOff val="40000"/>
+            </a:schemeClr>
+          </a:solidFill>
+          <a:ln>
+            <a:solidFill>
+              <a:schemeClr val="tx1"/>
+            </a:solidFill>
+          </a:ln>
+        </p:spPr>
+        <p:txBody>
+          <a:bodyPr wrap="none" rtlCol="0">
+            <a:spAutoFit/>
+          </a:bodyPr>
+          <a:lstStyle/>
+          <a:p>
+            <a:r>
+              <a:rPr lang="en-US" sz="1200" dirty="0"/>
+              <a:t>d</a:t>
+            </a:r>
+            <a:r>
+              <a:rPr lang="en-US" sz="1200" baseline="-25000" dirty="0"/>
+              <a:t>5</a:t>
+            </a:r>
+            <a:endParaRPr lang="en-BE" sz="1200" baseline="-25000" dirty="0"/>
+          </a:p>
+        </p:txBody>
+      </p:sp>
+      <p:sp>
+        <p:nvSpPr>
+          <p:cNvPr id="42" name="TextBox 41">
+            <a:extLst>
+              <a:ext uri="{FF2B5EF4-FFF2-40B4-BE49-F238E27FC236}">
+                <a16:creationId xmlns:a16="http://schemas.microsoft.com/office/drawing/2014/main" id="{6EAFB2FD-C17F-4960-B020-F1E4AF478D12}"/>
+              </a:ext>
+            </a:extLst>
+          </p:cNvPr>
+          <p:cNvSpPr txBox="1"/>
+          <p:nvPr/>
+        </p:nvSpPr>
+        <p:spPr>
+          <a:xfrm>
+            <a:off x="1159544" y="4669132"/>
+            <a:ext cx="316112" cy="276999"/>
+          </a:xfrm>
+          <a:prstGeom prst="rect">
+            <a:avLst/>
+          </a:prstGeom>
+          <a:solidFill>
+            <a:schemeClr val="bg2">
+              <a:lumMod val="50000"/>
+            </a:schemeClr>
+          </a:solidFill>
+          <a:ln>
+            <a:solidFill>
+              <a:schemeClr val="tx1"/>
+            </a:solidFill>
+          </a:ln>
+        </p:spPr>
+        <p:txBody>
+          <a:bodyPr wrap="none" rtlCol="0">
+            <a:spAutoFit/>
+          </a:bodyPr>
+          <a:lstStyle/>
+          <a:p>
+            <a:r>
+              <a:rPr lang="en-US" sz="1200" dirty="0"/>
+              <a:t>d</a:t>
+            </a:r>
+            <a:r>
+              <a:rPr lang="en-US" sz="1200" baseline="-25000" dirty="0"/>
+              <a:t>6</a:t>
+            </a:r>
+            <a:endParaRPr lang="en-BE" sz="1200" baseline="-25000" dirty="0"/>
           </a:p>
         </p:txBody>
       </p:sp>
     </p:spTree>
     <p:extLst>
       <p:ext uri="{BB962C8B-B14F-4D97-AF65-F5344CB8AC3E}">
-        <p14:creationId xmlns:p14="http://schemas.microsoft.com/office/powerpoint/2010/main" val="3424948925"/>
+        <p14:creationId xmlns:p14="http://schemas.microsoft.com/office/powerpoint/2010/main" val="1861440553"/>
       </p:ext>
     </p:extLst>
   </p:cSld>
   <p:clrMapOvr>
     <a:masterClrMapping/>
   </p:clrMapOvr>
+  <p:timing>
+    <p:tnLst>
+      <p:par>
+        <p:cTn id="1" dur="indefinite" restart="never" nodeType="tmRoot">
+          <p:childTnLst>
+            <p:seq concurrent="1" nextAc="seek">
+              <p:cTn id="2" dur="indefinite" nodeType="mainSeq">
+                <p:childTnLst>
+                  <p:par>
+                    <p:cTn id="3" fill="hold">
+                      <p:stCondLst>
+                        <p:cond delay="indefinite"/>
+                        <p:cond evt="onBegin" delay="0">
+                          <p:tn val="2"/>
+                        </p:cond>
+                      </p:stCondLst>
+                      <p:childTnLst>
+                        <p:par>
+                          <p:cTn id="4" fill="hold">
+                            <p:stCondLst>
+                              <p:cond delay="0"/>
+                            </p:stCondLst>
+                            <p:childTnLst>
+                              <p:par>
+                                <p:cTn id="5" presetID="1" presetClass="entr" presetSubtype="0" fill="hold" grpId="0" nodeType="withEffect">
+                                  <p:stCondLst>
+                                    <p:cond delay="0"/>
+                                  </p:stCondLst>
+                                  <p:childTnLst>
+                                    <p:set>
+                                      <p:cBhvr>
+                                        <p:cTn id="6" dur="1" fill="hold">
+                                          <p:stCondLst>
+                                            <p:cond delay="0"/>
+                                          </p:stCondLst>
+                                        </p:cTn>
+                                        <p:tgtEl>
+                                          <p:spTgt spid="3">
+                                            <p:txEl>
+                                              <p:pRg st="0" end="0"/>
+                                            </p:txEl>
+                                          </p:spTgt>
+                                        </p:tgtEl>
+                                        <p:attrNameLst>
+                                          <p:attrName>style.visibility</p:attrName>
+                                        </p:attrNameLst>
+                                      </p:cBhvr>
+                                      <p:to>
+                                        <p:strVal val="visible"/>
+                                      </p:to>
+                                    </p:set>
+                                  </p:childTnLst>
+                                </p:cTn>
+                              </p:par>
+                              <p:par>
+                                <p:cTn id="7" presetID="1" presetClass="entr" presetSubtype="0" fill="hold" grpId="0" nodeType="withEffect">
+                                  <p:stCondLst>
+                                    <p:cond delay="0"/>
+                                  </p:stCondLst>
+                                  <p:childTnLst>
+                                    <p:set>
+                                      <p:cBhvr>
+                                        <p:cTn id="8" dur="1" fill="hold">
+                                          <p:stCondLst>
+                                            <p:cond delay="0"/>
+                                          </p:stCondLst>
+                                        </p:cTn>
+                                        <p:tgtEl>
+                                          <p:spTgt spid="3">
+                                            <p:txEl>
+                                              <p:pRg st="1" end="1"/>
+                                            </p:txEl>
+                                          </p:spTgt>
+                                        </p:tgtEl>
+                                        <p:attrNameLst>
+                                          <p:attrName>style.visibility</p:attrName>
+                                        </p:attrNameLst>
+                                      </p:cBhvr>
+                                      <p:to>
+                                        <p:strVal val="visible"/>
+                                      </p:to>
+                                    </p:set>
+                                  </p:childTnLst>
+                                </p:cTn>
+                              </p:par>
+                            </p:childTnLst>
+                          </p:cTn>
+                        </p:par>
+                      </p:childTnLst>
+                    </p:cTn>
+                  </p:par>
+                  <p:par>
+                    <p:cTn id="9" fill="hold">
+                      <p:stCondLst>
+                        <p:cond delay="indefinite"/>
+                      </p:stCondLst>
+                      <p:childTnLst>
+                        <p:par>
+                          <p:cTn id="10" fill="hold">
+                            <p:stCondLst>
+                              <p:cond delay="0"/>
+                            </p:stCondLst>
+                            <p:childTnLst>
+                              <p:par>
+                                <p:cTn id="11" presetID="1" presetClass="entr" presetSubtype="0" fill="hold" grpId="0" nodeType="clickEffect">
+                                  <p:stCondLst>
+                                    <p:cond delay="0"/>
+                                  </p:stCondLst>
+                                  <p:childTnLst>
+                                    <p:set>
+                                      <p:cBhvr>
+                                        <p:cTn id="12" dur="1" fill="hold">
+                                          <p:stCondLst>
+                                            <p:cond delay="0"/>
+                                          </p:stCondLst>
+                                        </p:cTn>
+                                        <p:tgtEl>
+                                          <p:spTgt spid="3">
+                                            <p:txEl>
+                                              <p:pRg st="2" end="2"/>
+                                            </p:txEl>
+                                          </p:spTgt>
+                                        </p:tgtEl>
+                                        <p:attrNameLst>
+                                          <p:attrName>style.visibility</p:attrName>
+                                        </p:attrNameLst>
+                                      </p:cBhvr>
+                                      <p:to>
+                                        <p:strVal val="visible"/>
+                                      </p:to>
+                                    </p:set>
+                                  </p:childTnLst>
+                                </p:cTn>
+                              </p:par>
+                            </p:childTnLst>
+                          </p:cTn>
+                        </p:par>
+                      </p:childTnLst>
+                    </p:cTn>
+                  </p:par>
+                  <p:par>
+                    <p:cTn id="13" fill="hold">
+                      <p:stCondLst>
+                        <p:cond delay="indefinite"/>
+                      </p:stCondLst>
+                      <p:childTnLst>
+                        <p:par>
+                          <p:cTn id="14" fill="hold">
+                            <p:stCondLst>
+                              <p:cond delay="0"/>
+                            </p:stCondLst>
+                            <p:childTnLst>
+                              <p:par>
+                                <p:cTn id="15" presetID="1" presetClass="entr" presetSubtype="0" fill="hold" grpId="0" nodeType="clickEffect">
+                                  <p:stCondLst>
+                                    <p:cond delay="0"/>
+                                  </p:stCondLst>
+                                  <p:childTnLst>
+                                    <p:set>
+                                      <p:cBhvr>
+                                        <p:cTn id="16" dur="1" fill="hold">
+                                          <p:stCondLst>
+                                            <p:cond delay="0"/>
+                                          </p:stCondLst>
+                                        </p:cTn>
+                                        <p:tgtEl>
+                                          <p:spTgt spid="3">
+                                            <p:txEl>
+                                              <p:pRg st="3" end="3"/>
+                                            </p:txEl>
+                                          </p:spTgt>
+                                        </p:tgtEl>
+                                        <p:attrNameLst>
+                                          <p:attrName>style.visibility</p:attrName>
+                                        </p:attrNameLst>
+                                      </p:cBhvr>
+                                      <p:to>
+                                        <p:strVal val="visible"/>
+                                      </p:to>
+                                    </p:set>
+                                  </p:childTnLst>
+                                </p:cTn>
+                              </p:par>
+                            </p:childTnLst>
+                          </p:cTn>
+                        </p:par>
+                      </p:childTnLst>
+                    </p:cTn>
+                  </p:par>
+                  <p:par>
+                    <p:cTn id="17" fill="hold">
+                      <p:stCondLst>
+                        <p:cond delay="indefinite"/>
+                      </p:stCondLst>
+                      <p:childTnLst>
+                        <p:par>
+                          <p:cTn id="18" fill="hold">
+                            <p:stCondLst>
+                              <p:cond delay="0"/>
+                            </p:stCondLst>
+                            <p:childTnLst>
+                              <p:par>
+                                <p:cTn id="19" presetID="1" presetClass="exit" presetSubtype="0" fill="hold" grpId="0" nodeType="clickEffect">
+                                  <p:stCondLst>
+                                    <p:cond delay="0"/>
+                                  </p:stCondLst>
+                                  <p:childTnLst>
+                                    <p:set>
+                                      <p:cBhvr>
+                                        <p:cTn id="20" dur="1" fill="hold">
+                                          <p:stCondLst>
+                                            <p:cond delay="0"/>
+                                          </p:stCondLst>
+                                        </p:cTn>
+                                        <p:tgtEl>
+                                          <p:spTgt spid="37"/>
+                                        </p:tgtEl>
+                                        <p:attrNameLst>
+                                          <p:attrName>style.visibility</p:attrName>
+                                        </p:attrNameLst>
+                                      </p:cBhvr>
+                                      <p:to>
+                                        <p:strVal val="hidden"/>
+                                      </p:to>
+                                    </p:set>
+                                  </p:childTnLst>
+                                </p:cTn>
+                              </p:par>
+                              <p:par>
+                                <p:cTn id="21" presetID="1" presetClass="entr" presetSubtype="0" fill="hold" grpId="0" nodeType="withEffect">
+                                  <p:stCondLst>
+                                    <p:cond delay="0"/>
+                                  </p:stCondLst>
+                                  <p:childTnLst>
+                                    <p:set>
+                                      <p:cBhvr>
+                                        <p:cTn id="22" dur="1" fill="hold">
+                                          <p:stCondLst>
+                                            <p:cond delay="0"/>
+                                          </p:stCondLst>
+                                        </p:cTn>
+                                        <p:tgtEl>
+                                          <p:spTgt spid="14"/>
+                                        </p:tgtEl>
+                                        <p:attrNameLst>
+                                          <p:attrName>style.visibility</p:attrName>
+                                        </p:attrNameLst>
+                                      </p:cBhvr>
+                                      <p:to>
+                                        <p:strVal val="visible"/>
+                                      </p:to>
+                                    </p:set>
+                                  </p:childTnLst>
+                                </p:cTn>
+                              </p:par>
+                            </p:childTnLst>
+                          </p:cTn>
+                        </p:par>
+                      </p:childTnLst>
+                    </p:cTn>
+                  </p:par>
+                  <p:par>
+                    <p:cTn id="23" fill="hold">
+                      <p:stCondLst>
+                        <p:cond delay="indefinite"/>
+                      </p:stCondLst>
+                      <p:childTnLst>
+                        <p:par>
+                          <p:cTn id="24" fill="hold">
+                            <p:stCondLst>
+                              <p:cond delay="0"/>
+                            </p:stCondLst>
+                            <p:childTnLst>
+                              <p:par>
+                                <p:cTn id="25" presetID="1" presetClass="exit" presetSubtype="0" fill="hold" grpId="0" nodeType="clickEffect">
+                                  <p:stCondLst>
+                                    <p:cond delay="0"/>
+                                  </p:stCondLst>
+                                  <p:childTnLst>
+                                    <p:set>
+                                      <p:cBhvr>
+                                        <p:cTn id="26" dur="1" fill="hold">
+                                          <p:stCondLst>
+                                            <p:cond delay="0"/>
+                                          </p:stCondLst>
+                                        </p:cTn>
+                                        <p:tgtEl>
+                                          <p:spTgt spid="38"/>
+                                        </p:tgtEl>
+                                        <p:attrNameLst>
+                                          <p:attrName>style.visibility</p:attrName>
+                                        </p:attrNameLst>
+                                      </p:cBhvr>
+                                      <p:to>
+                                        <p:strVal val="hidden"/>
+                                      </p:to>
+                                    </p:set>
+                                  </p:childTnLst>
+                                </p:cTn>
+                              </p:par>
+                              <p:par>
+                                <p:cTn id="27" presetID="1" presetClass="entr" presetSubtype="0" fill="hold" nodeType="withEffect">
+                                  <p:stCondLst>
+                                    <p:cond delay="0"/>
+                                  </p:stCondLst>
+                                  <p:childTnLst>
+                                    <p:set>
+                                      <p:cBhvr>
+                                        <p:cTn id="28" dur="1" fill="hold">
+                                          <p:stCondLst>
+                                            <p:cond delay="0"/>
+                                          </p:stCondLst>
+                                        </p:cTn>
+                                        <p:tgtEl>
+                                          <p:spTgt spid="43"/>
+                                        </p:tgtEl>
+                                        <p:attrNameLst>
+                                          <p:attrName>style.visibility</p:attrName>
+                                        </p:attrNameLst>
+                                      </p:cBhvr>
+                                      <p:to>
+                                        <p:strVal val="visible"/>
+                                      </p:to>
+                                    </p:set>
+                                  </p:childTnLst>
+                                </p:cTn>
+                              </p:par>
+                            </p:childTnLst>
+                          </p:cTn>
+                        </p:par>
+                      </p:childTnLst>
+                    </p:cTn>
+                  </p:par>
+                  <p:par>
+                    <p:cTn id="29" fill="hold">
+                      <p:stCondLst>
+                        <p:cond delay="indefinite"/>
+                      </p:stCondLst>
+                      <p:childTnLst>
+                        <p:par>
+                          <p:cTn id="30" fill="hold">
+                            <p:stCondLst>
+                              <p:cond delay="0"/>
+                            </p:stCondLst>
+                            <p:childTnLst>
+                              <p:par>
+                                <p:cTn id="31" presetID="1" presetClass="exit" presetSubtype="0" fill="hold" grpId="0" nodeType="clickEffect">
+                                  <p:stCondLst>
+                                    <p:cond delay="0"/>
+                                  </p:stCondLst>
+                                  <p:childTnLst>
+                                    <p:set>
+                                      <p:cBhvr>
+                                        <p:cTn id="32" dur="1" fill="hold">
+                                          <p:stCondLst>
+                                            <p:cond delay="0"/>
+                                          </p:stCondLst>
+                                        </p:cTn>
+                                        <p:tgtEl>
+                                          <p:spTgt spid="39"/>
+                                        </p:tgtEl>
+                                        <p:attrNameLst>
+                                          <p:attrName>style.visibility</p:attrName>
+                                        </p:attrNameLst>
+                                      </p:cBhvr>
+                                      <p:to>
+                                        <p:strVal val="hidden"/>
+                                      </p:to>
+                                    </p:set>
+                                  </p:childTnLst>
+                                </p:cTn>
+                              </p:par>
+                              <p:par>
+                                <p:cTn id="33" presetID="1" presetClass="entr" presetSubtype="0" fill="hold" nodeType="withEffect">
+                                  <p:stCondLst>
+                                    <p:cond delay="0"/>
+                                  </p:stCondLst>
+                                  <p:childTnLst>
+                                    <p:set>
+                                      <p:cBhvr>
+                                        <p:cTn id="34" dur="1" fill="hold">
+                                          <p:stCondLst>
+                                            <p:cond delay="0"/>
+                                          </p:stCondLst>
+                                        </p:cTn>
+                                        <p:tgtEl>
+                                          <p:spTgt spid="44"/>
+                                        </p:tgtEl>
+                                        <p:attrNameLst>
+                                          <p:attrName>style.visibility</p:attrName>
+                                        </p:attrNameLst>
+                                      </p:cBhvr>
+                                      <p:to>
+                                        <p:strVal val="visible"/>
+                                      </p:to>
+                                    </p:set>
+                                  </p:childTnLst>
+                                </p:cTn>
+                              </p:par>
+                            </p:childTnLst>
+                          </p:cTn>
+                        </p:par>
+                      </p:childTnLst>
+                    </p:cTn>
+                  </p:par>
+                  <p:par>
+                    <p:cTn id="35" fill="hold">
+                      <p:stCondLst>
+                        <p:cond delay="indefinite"/>
+                      </p:stCondLst>
+                      <p:childTnLst>
+                        <p:par>
+                          <p:cTn id="36" fill="hold">
+                            <p:stCondLst>
+                              <p:cond delay="0"/>
+                            </p:stCondLst>
+                            <p:childTnLst>
+                              <p:par>
+                                <p:cTn id="37" presetID="1" presetClass="exit" presetSubtype="0" fill="hold" grpId="0" nodeType="clickEffect">
+                                  <p:stCondLst>
+                                    <p:cond delay="0"/>
+                                  </p:stCondLst>
+                                  <p:childTnLst>
+                                    <p:set>
+                                      <p:cBhvr>
+                                        <p:cTn id="38" dur="1" fill="hold">
+                                          <p:stCondLst>
+                                            <p:cond delay="0"/>
+                                          </p:stCondLst>
+                                        </p:cTn>
+                                        <p:tgtEl>
+                                          <p:spTgt spid="40"/>
+                                        </p:tgtEl>
+                                        <p:attrNameLst>
+                                          <p:attrName>style.visibility</p:attrName>
+                                        </p:attrNameLst>
+                                      </p:cBhvr>
+                                      <p:to>
+                                        <p:strVal val="hidden"/>
+                                      </p:to>
+                                    </p:set>
+                                  </p:childTnLst>
+                                </p:cTn>
+                              </p:par>
+                              <p:par>
+                                <p:cTn id="39" presetID="1" presetClass="entr" presetSubtype="0" fill="hold" nodeType="withEffect">
+                                  <p:stCondLst>
+                                    <p:cond delay="0"/>
+                                  </p:stCondLst>
+                                  <p:childTnLst>
+                                    <p:set>
+                                      <p:cBhvr>
+                                        <p:cTn id="40" dur="1" fill="hold">
+                                          <p:stCondLst>
+                                            <p:cond delay="0"/>
+                                          </p:stCondLst>
+                                        </p:cTn>
+                                        <p:tgtEl>
+                                          <p:spTgt spid="45"/>
+                                        </p:tgtEl>
+                                        <p:attrNameLst>
+                                          <p:attrName>style.visibility</p:attrName>
+                                        </p:attrNameLst>
+                                      </p:cBhvr>
+                                      <p:to>
+                                        <p:strVal val="visible"/>
+                                      </p:to>
+                                    </p:set>
+                                  </p:childTnLst>
+                                </p:cTn>
+                              </p:par>
+                            </p:childTnLst>
+                          </p:cTn>
+                        </p:par>
+                      </p:childTnLst>
+                    </p:cTn>
+                  </p:par>
+                  <p:par>
+                    <p:cTn id="41" fill="hold">
+                      <p:stCondLst>
+                        <p:cond delay="indefinite"/>
+                      </p:stCondLst>
+                      <p:childTnLst>
+                        <p:par>
+                          <p:cTn id="42" fill="hold">
+                            <p:stCondLst>
+                              <p:cond delay="0"/>
+                            </p:stCondLst>
+                            <p:childTnLst>
+                              <p:par>
+                                <p:cTn id="43" presetID="1" presetClass="exit" presetSubtype="0" fill="hold" grpId="0" nodeType="clickEffect">
+                                  <p:stCondLst>
+                                    <p:cond delay="0"/>
+                                  </p:stCondLst>
+                                  <p:childTnLst>
+                                    <p:set>
+                                      <p:cBhvr>
+                                        <p:cTn id="44" dur="1" fill="hold">
+                                          <p:stCondLst>
+                                            <p:cond delay="0"/>
+                                          </p:stCondLst>
+                                        </p:cTn>
+                                        <p:tgtEl>
+                                          <p:spTgt spid="41"/>
+                                        </p:tgtEl>
+                                        <p:attrNameLst>
+                                          <p:attrName>style.visibility</p:attrName>
+                                        </p:attrNameLst>
+                                      </p:cBhvr>
+                                      <p:to>
+                                        <p:strVal val="hidden"/>
+                                      </p:to>
+                                    </p:set>
+                                  </p:childTnLst>
+                                </p:cTn>
+                              </p:par>
+                              <p:par>
+                                <p:cTn id="45" presetID="1" presetClass="entr" presetSubtype="0" fill="hold" nodeType="withEffect">
+                                  <p:stCondLst>
+                                    <p:cond delay="0"/>
+                                  </p:stCondLst>
+                                  <p:childTnLst>
+                                    <p:set>
+                                      <p:cBhvr>
+                                        <p:cTn id="46" dur="1" fill="hold">
+                                          <p:stCondLst>
+                                            <p:cond delay="0"/>
+                                          </p:stCondLst>
+                                        </p:cTn>
+                                        <p:tgtEl>
+                                          <p:spTgt spid="46"/>
+                                        </p:tgtEl>
+                                        <p:attrNameLst>
+                                          <p:attrName>style.visibility</p:attrName>
+                                        </p:attrNameLst>
+                                      </p:cBhvr>
+                                      <p:to>
+                                        <p:strVal val="visible"/>
+                                      </p:to>
+                                    </p:set>
+                                  </p:childTnLst>
+                                </p:cTn>
+                              </p:par>
+                              <p:par>
+                                <p:cTn id="47" presetID="1" presetClass="entr" presetSubtype="0" fill="hold" grpId="0" nodeType="withEffect">
+                                  <p:stCondLst>
+                                    <p:cond delay="0"/>
+                                  </p:stCondLst>
+                                  <p:childTnLst>
+                                    <p:set>
+                                      <p:cBhvr>
+                                        <p:cTn id="48" dur="1" fill="hold">
+                                          <p:stCondLst>
+                                            <p:cond delay="0"/>
+                                          </p:stCondLst>
+                                        </p:cTn>
+                                        <p:tgtEl>
+                                          <p:spTgt spid="34"/>
+                                        </p:tgtEl>
+                                        <p:attrNameLst>
+                                          <p:attrName>style.visibility</p:attrName>
+                                        </p:attrNameLst>
+                                      </p:cBhvr>
+                                      <p:to>
+                                        <p:strVal val="visible"/>
+                                      </p:to>
+                                    </p:set>
+                                  </p:childTnLst>
+                                </p:cTn>
+                              </p:par>
+                            </p:childTnLst>
+                          </p:cTn>
+                        </p:par>
+                      </p:childTnLst>
+                    </p:cTn>
+                  </p:par>
+                  <p:par>
+                    <p:cTn id="49" fill="hold">
+                      <p:stCondLst>
+                        <p:cond delay="indefinite"/>
+                      </p:stCondLst>
+                      <p:childTnLst>
+                        <p:par>
+                          <p:cTn id="50" fill="hold">
+                            <p:stCondLst>
+                              <p:cond delay="0"/>
+                            </p:stCondLst>
+                            <p:childTnLst>
+                              <p:par>
+                                <p:cTn id="51" presetID="1" presetClass="exit" presetSubtype="0" fill="hold" grpId="0" nodeType="clickEffect">
+                                  <p:stCondLst>
+                                    <p:cond delay="0"/>
+                                  </p:stCondLst>
+                                  <p:childTnLst>
+                                    <p:set>
+                                      <p:cBhvr>
+                                        <p:cTn id="52" dur="1" fill="hold">
+                                          <p:stCondLst>
+                                            <p:cond delay="0"/>
+                                          </p:stCondLst>
+                                        </p:cTn>
+                                        <p:tgtEl>
+                                          <p:spTgt spid="42"/>
+                                        </p:tgtEl>
+                                        <p:attrNameLst>
+                                          <p:attrName>style.visibility</p:attrName>
+                                        </p:attrNameLst>
+                                      </p:cBhvr>
+                                      <p:to>
+                                        <p:strVal val="hidden"/>
+                                      </p:to>
+                                    </p:set>
+                                  </p:childTnLst>
+                                </p:cTn>
+                              </p:par>
+                              <p:par>
+                                <p:cTn id="53" presetID="1" presetClass="entr" presetSubtype="0" fill="hold" grpId="0" nodeType="withEffect">
+                                  <p:stCondLst>
+                                    <p:cond delay="0"/>
+                                  </p:stCondLst>
+                                  <p:childTnLst>
+                                    <p:set>
+                                      <p:cBhvr>
+                                        <p:cTn id="54" dur="1" fill="hold">
+                                          <p:stCondLst>
+                                            <p:cond delay="0"/>
+                                          </p:stCondLst>
+                                        </p:cTn>
+                                        <p:tgtEl>
+                                          <p:spTgt spid="35"/>
+                                        </p:tgtEl>
+                                        <p:attrNameLst>
+                                          <p:attrName>style.visibility</p:attrName>
+                                        </p:attrNameLst>
+                                      </p:cBhvr>
+                                      <p:to>
+                                        <p:strVal val="visible"/>
+                                      </p:to>
+                                    </p:set>
+                                  </p:childTnLst>
+                                </p:cTn>
+                              </p:par>
+                              <p:par>
+                                <p:cTn id="55" presetID="1" presetClass="entr" presetSubtype="0" fill="hold" nodeType="withEffect">
+                                  <p:stCondLst>
+                                    <p:cond delay="0"/>
+                                  </p:stCondLst>
+                                  <p:childTnLst>
+                                    <p:set>
+                                      <p:cBhvr>
+                                        <p:cTn id="56" dur="1" fill="hold">
+                                          <p:stCondLst>
+                                            <p:cond delay="0"/>
+                                          </p:stCondLst>
+                                        </p:cTn>
+                                        <p:tgtEl>
+                                          <p:spTgt spid="47"/>
+                                        </p:tgtEl>
+                                        <p:attrNameLst>
+                                          <p:attrName>style.visibility</p:attrName>
+                                        </p:attrNameLst>
+                                      </p:cBhvr>
+                                      <p:to>
+                                        <p:strVal val="visible"/>
+                                      </p:to>
+                                    </p:set>
+                                  </p:childTnLst>
+                                </p:cTn>
+                              </p:par>
+                            </p:childTnLst>
+                          </p:cTn>
+                        </p:par>
+                      </p:childTnLst>
+                    </p:cTn>
+                  </p:par>
+                </p:childTnLst>
+              </p:cTn>
+              <p:prevCondLst>
+                <p:cond evt="onPrev" delay="0">
+                  <p:tgtEl>
+                    <p:sldTgt/>
+                  </p:tgtEl>
+                </p:cond>
+              </p:prevCondLst>
+              <p:nextCondLst>
+                <p:cond evt="onNext" delay="0">
+                  <p:tgtEl>
+                    <p:sldTgt/>
+                  </p:tgtEl>
+                </p:cond>
+              </p:nextCondLst>
+            </p:seq>
+          </p:childTnLst>
+        </p:cTn>
+      </p:par>
+    </p:tnLst>
+    <p:bldLst>
+      <p:bldP spid="3" grpId="0" uiExpand="1" build="p" bldLvl="2"/>
+      <p:bldP spid="14" grpId="0" animBg="1"/>
+      <p:bldP spid="34" grpId="0" animBg="1"/>
+      <p:bldP spid="35" grpId="0" animBg="1"/>
+      <p:bldP spid="37" grpId="0" animBg="1"/>
+      <p:bldP spid="38" grpId="0" animBg="1"/>
+      <p:bldP spid="39" grpId="0" animBg="1"/>
+      <p:bldP spid="40" grpId="0" animBg="1"/>
+      <p:bldP spid="41" grpId="0" animBg="1"/>
+      <p:bldP spid="42" grpId="0" animBg="1"/>
+    </p:bldLst>
+  </p:timing>
 </p:sld>
 </file>
 
@@ -33953,7 +36440,7 @@
           <a:graphicData uri="http://schemas.openxmlformats.org/presentationml/2006/ole">
             <mc:AlternateContent xmlns:mc="http://schemas.openxmlformats.org/markup-compatibility/2006">
               <mc:Choice xmlns:v="urn:schemas-microsoft-com:vml" Requires="v">
-                <p:oleObj spid="_x0000_s3151" name="Equation" r:id="rId3" imgW="965160" imgH="228600" progId="Equation.3">
+                <p:oleObj spid="_x0000_s3153" name="Equation" r:id="rId3" imgW="965160" imgH="228600" progId="Equation.3">
                   <p:embed/>
                 </p:oleObj>
               </mc:Choice>
@@ -34374,6 +36861,414 @@
       </p:grpSpPr>
       <p:sp>
         <p:nvSpPr>
+          <p:cNvPr id="2" name="Title 1">
+            <a:extLst>
+              <a:ext uri="{FF2B5EF4-FFF2-40B4-BE49-F238E27FC236}">
+                <a16:creationId xmlns:a16="http://schemas.microsoft.com/office/drawing/2014/main" id="{3BF9757B-A4CE-48AA-8D03-57B99A34B650}"/>
+              </a:ext>
+            </a:extLst>
+          </p:cNvPr>
+          <p:cNvSpPr>
+            <a:spLocks noGrp="1"/>
+          </p:cNvSpPr>
+          <p:nvPr>
+            <p:ph type="title"/>
+          </p:nvPr>
+        </p:nvSpPr>
+        <p:spPr/>
+        <p:txBody>
+          <a:bodyPr/>
+          <a:lstStyle/>
+          <a:p>
+            <a:r>
+              <a:rPr lang="en-US" dirty="0"/>
+              <a:t>Branch prediction</a:t>
+            </a:r>
+            <a:endParaRPr lang="en-BE" dirty="0"/>
+          </a:p>
+        </p:txBody>
+      </p:sp>
+      <p:sp>
+        <p:nvSpPr>
+          <p:cNvPr id="3" name="Content Placeholder 2">
+            <a:extLst>
+              <a:ext uri="{FF2B5EF4-FFF2-40B4-BE49-F238E27FC236}">
+                <a16:creationId xmlns:a16="http://schemas.microsoft.com/office/drawing/2014/main" id="{409A3557-6B52-44E6-8041-C999C7451A00}"/>
+              </a:ext>
+            </a:extLst>
+          </p:cNvPr>
+          <p:cNvSpPr>
+            <a:spLocks noGrp="1"/>
+          </p:cNvSpPr>
+          <p:nvPr>
+            <p:ph idx="1"/>
+          </p:nvPr>
+        </p:nvSpPr>
+        <p:spPr>
+          <a:xfrm>
+            <a:off x="457200" y="3933056"/>
+            <a:ext cx="8229600" cy="2193107"/>
+          </a:xfrm>
+        </p:spPr>
+        <p:txBody>
+          <a:bodyPr/>
+          <a:lstStyle/>
+          <a:p>
+            <a:r>
+              <a:rPr lang="en-US" dirty="0"/>
+              <a:t>Compute is pipelined</a:t>
+            </a:r>
+          </a:p>
+          <a:p>
+            <a:r>
+              <a:rPr lang="en-US" dirty="0"/>
+              <a:t>Memory bound: speculative execution</a:t>
+            </a:r>
+            <a:endParaRPr lang="en-BE" dirty="0"/>
+          </a:p>
+        </p:txBody>
+      </p:sp>
+      <p:sp>
+        <p:nvSpPr>
+          <p:cNvPr id="4" name="Slide Number Placeholder 3">
+            <a:extLst>
+              <a:ext uri="{FF2B5EF4-FFF2-40B4-BE49-F238E27FC236}">
+                <a16:creationId xmlns:a16="http://schemas.microsoft.com/office/drawing/2014/main" id="{EA5C7F06-418C-42F7-8099-54D7A6009F5A}"/>
+              </a:ext>
+            </a:extLst>
+          </p:cNvPr>
+          <p:cNvSpPr>
+            <a:spLocks noGrp="1"/>
+          </p:cNvSpPr>
+          <p:nvPr>
+            <p:ph type="sldNum" sz="quarter" idx="12"/>
+          </p:nvPr>
+        </p:nvSpPr>
+        <p:spPr/>
+        <p:txBody>
+          <a:bodyPr/>
+          <a:lstStyle/>
+          <a:p>
+            <a:fld id="{6597116C-F94B-4B5B-973A-17F07FB5C418}" type="slidenum">
+              <a:rPr lang="nl-BE" smtClean="0"/>
+              <a:t>40</a:t>
+            </a:fld>
+            <a:endParaRPr lang="nl-BE"/>
+          </a:p>
+        </p:txBody>
+      </p:sp>
+      <p:sp>
+        <p:nvSpPr>
+          <p:cNvPr id="6" name="TextBox 5">
+            <a:extLst>
+              <a:ext uri="{FF2B5EF4-FFF2-40B4-BE49-F238E27FC236}">
+                <a16:creationId xmlns:a16="http://schemas.microsoft.com/office/drawing/2014/main" id="{F2EA4A1E-780C-4C83-A64B-EEEA87637139}"/>
+              </a:ext>
+            </a:extLst>
+          </p:cNvPr>
+          <p:cNvSpPr txBox="1"/>
+          <p:nvPr/>
+        </p:nvSpPr>
+        <p:spPr>
+          <a:xfrm>
+            <a:off x="1115616" y="1752017"/>
+            <a:ext cx="4596130" cy="1477328"/>
+          </a:xfrm>
+          <a:prstGeom prst="rect">
+            <a:avLst/>
+          </a:prstGeom>
+          <a:solidFill>
+            <a:schemeClr val="bg1">
+              <a:lumMod val="85000"/>
+            </a:schemeClr>
+          </a:solidFill>
+          <a:ln>
+            <a:solidFill>
+              <a:schemeClr val="tx1"/>
+            </a:solidFill>
+          </a:ln>
+        </p:spPr>
+        <p:txBody>
+          <a:bodyPr wrap="none" rtlCol="0">
+            <a:spAutoFit/>
+          </a:bodyPr>
+          <a:lstStyle/>
+          <a:p>
+            <a:r>
+              <a:rPr lang="en-US" dirty="0">
+                <a:latin typeface="Courier New" panose="02070309020205020404" pitchFamily="49" charset="0"/>
+                <a:cs typeface="Courier New" panose="02070309020205020404" pitchFamily="49" charset="0"/>
+              </a:rPr>
+              <a:t>for (</a:t>
+            </a:r>
+            <a:r>
+              <a:rPr lang="en-US" dirty="0" err="1">
+                <a:latin typeface="Courier New" panose="02070309020205020404" pitchFamily="49" charset="0"/>
+                <a:cs typeface="Courier New" panose="02070309020205020404" pitchFamily="49" charset="0"/>
+              </a:rPr>
+              <a:t>i</a:t>
+            </a:r>
+            <a:r>
+              <a:rPr lang="en-US" dirty="0">
+                <a:latin typeface="Courier New" panose="02070309020205020404" pitchFamily="49" charset="0"/>
+                <a:cs typeface="Courier New" panose="02070309020205020404" pitchFamily="49" charset="0"/>
+              </a:rPr>
+              <a:t> = 0; </a:t>
+            </a:r>
+            <a:r>
+              <a:rPr lang="en-US" dirty="0" err="1">
+                <a:latin typeface="Courier New" panose="02070309020205020404" pitchFamily="49" charset="0"/>
+                <a:cs typeface="Courier New" panose="02070309020205020404" pitchFamily="49" charset="0"/>
+              </a:rPr>
+              <a:t>i</a:t>
+            </a:r>
+            <a:r>
+              <a:rPr lang="en-US" dirty="0">
+                <a:latin typeface="Courier New" panose="02070309020205020404" pitchFamily="49" charset="0"/>
+                <a:cs typeface="Courier New" panose="02070309020205020404" pitchFamily="49" charset="0"/>
+              </a:rPr>
+              <a:t> &lt; n; </a:t>
+            </a:r>
+            <a:r>
+              <a:rPr lang="en-US" dirty="0" err="1">
+                <a:latin typeface="Courier New" panose="02070309020205020404" pitchFamily="49" charset="0"/>
+                <a:cs typeface="Courier New" panose="02070309020205020404" pitchFamily="49" charset="0"/>
+              </a:rPr>
+              <a:t>i</a:t>
+            </a:r>
+            <a:r>
+              <a:rPr lang="en-US" dirty="0">
+                <a:latin typeface="Courier New" panose="02070309020205020404" pitchFamily="49" charset="0"/>
+                <a:cs typeface="Courier New" panose="02070309020205020404" pitchFamily="49" charset="0"/>
+              </a:rPr>
+              <a:t>++)</a:t>
+            </a:r>
+          </a:p>
+          <a:p>
+            <a:r>
+              <a:rPr lang="en-US" dirty="0">
+                <a:latin typeface="Courier New" panose="02070309020205020404" pitchFamily="49" charset="0"/>
+                <a:cs typeface="Courier New" panose="02070309020205020404" pitchFamily="49" charset="0"/>
+              </a:rPr>
+              <a:t>    if (x[</a:t>
+            </a:r>
+            <a:r>
+              <a:rPr lang="en-US" dirty="0" err="1">
+                <a:latin typeface="Courier New" panose="02070309020205020404" pitchFamily="49" charset="0"/>
+                <a:cs typeface="Courier New" panose="02070309020205020404" pitchFamily="49" charset="0"/>
+              </a:rPr>
+              <a:t>i</a:t>
+            </a:r>
+            <a:r>
+              <a:rPr lang="en-US" dirty="0">
+                <a:latin typeface="Courier New" panose="02070309020205020404" pitchFamily="49" charset="0"/>
+                <a:cs typeface="Courier New" panose="02070309020205020404" pitchFamily="49" charset="0"/>
+              </a:rPr>
+              <a:t>] &lt; 0.5)</a:t>
+            </a:r>
+          </a:p>
+          <a:p>
+            <a:r>
+              <a:rPr lang="en-US" dirty="0">
+                <a:latin typeface="Courier New" panose="02070309020205020404" pitchFamily="49" charset="0"/>
+                <a:cs typeface="Courier New" panose="02070309020205020404" pitchFamily="49" charset="0"/>
+              </a:rPr>
+              <a:t>        x[</a:t>
+            </a:r>
+            <a:r>
+              <a:rPr lang="en-US" dirty="0" err="1">
+                <a:latin typeface="Courier New" panose="02070309020205020404" pitchFamily="49" charset="0"/>
+                <a:cs typeface="Courier New" panose="02070309020205020404" pitchFamily="49" charset="0"/>
+              </a:rPr>
+              <a:t>i</a:t>
+            </a:r>
+            <a:r>
+              <a:rPr lang="en-US" dirty="0">
+                <a:latin typeface="Courier New" panose="02070309020205020404" pitchFamily="49" charset="0"/>
+                <a:cs typeface="Courier New" panose="02070309020205020404" pitchFamily="49" charset="0"/>
+              </a:rPr>
+              <a:t>] = log(sqrt(x[</a:t>
+            </a:r>
+            <a:r>
+              <a:rPr lang="en-US" dirty="0" err="1">
+                <a:latin typeface="Courier New" panose="02070309020205020404" pitchFamily="49" charset="0"/>
+                <a:cs typeface="Courier New" panose="02070309020205020404" pitchFamily="49" charset="0"/>
+              </a:rPr>
+              <a:t>i</a:t>
+            </a:r>
+            <a:r>
+              <a:rPr lang="en-US" dirty="0">
+                <a:latin typeface="Courier New" panose="02070309020205020404" pitchFamily="49" charset="0"/>
+                <a:cs typeface="Courier New" panose="02070309020205020404" pitchFamily="49" charset="0"/>
+              </a:rPr>
+              <a:t>]));</a:t>
+            </a:r>
+          </a:p>
+          <a:p>
+            <a:r>
+              <a:rPr lang="en-US" dirty="0">
+                <a:latin typeface="Courier New" panose="02070309020205020404" pitchFamily="49" charset="0"/>
+                <a:cs typeface="Courier New" panose="02070309020205020404" pitchFamily="49" charset="0"/>
+              </a:rPr>
+              <a:t>    else</a:t>
+            </a:r>
+          </a:p>
+          <a:p>
+            <a:r>
+              <a:rPr lang="en-US" dirty="0">
+                <a:latin typeface="Courier New" panose="02070309020205020404" pitchFamily="49" charset="0"/>
+                <a:cs typeface="Courier New" panose="02070309020205020404" pitchFamily="49" charset="0"/>
+              </a:rPr>
+              <a:t>        x[</a:t>
+            </a:r>
+            <a:r>
+              <a:rPr lang="en-US" dirty="0" err="1">
+                <a:latin typeface="Courier New" panose="02070309020205020404" pitchFamily="49" charset="0"/>
+                <a:cs typeface="Courier New" panose="02070309020205020404" pitchFamily="49" charset="0"/>
+              </a:rPr>
+              <a:t>i</a:t>
+            </a:r>
+            <a:r>
+              <a:rPr lang="en-US" dirty="0">
+                <a:latin typeface="Courier New" panose="02070309020205020404" pitchFamily="49" charset="0"/>
+                <a:cs typeface="Courier New" panose="02070309020205020404" pitchFamily="49" charset="0"/>
+              </a:rPr>
+              <a:t>] = sqrt(-log(x[</a:t>
+            </a:r>
+            <a:r>
+              <a:rPr lang="en-US" dirty="0" err="1">
+                <a:latin typeface="Courier New" panose="02070309020205020404" pitchFamily="49" charset="0"/>
+                <a:cs typeface="Courier New" panose="02070309020205020404" pitchFamily="49" charset="0"/>
+              </a:rPr>
+              <a:t>i</a:t>
+            </a:r>
+            <a:r>
+              <a:rPr lang="en-US" dirty="0">
+                <a:latin typeface="Courier New" panose="02070309020205020404" pitchFamily="49" charset="0"/>
+                <a:cs typeface="Courier New" panose="02070309020205020404" pitchFamily="49" charset="0"/>
+              </a:rPr>
+              <a:t>]));</a:t>
+            </a:r>
+            <a:endParaRPr lang="nl-BE" dirty="0">
+              <a:latin typeface="Courier New" panose="02070309020205020404" pitchFamily="49" charset="0"/>
+              <a:cs typeface="Courier New" panose="02070309020205020404" pitchFamily="49" charset="0"/>
+            </a:endParaRPr>
+          </a:p>
+        </p:txBody>
+      </p:sp>
+    </p:spTree>
+    <p:extLst>
+      <p:ext uri="{BB962C8B-B14F-4D97-AF65-F5344CB8AC3E}">
+        <p14:creationId xmlns:p14="http://schemas.microsoft.com/office/powerpoint/2010/main" val="125771738"/>
+      </p:ext>
+    </p:extLst>
+  </p:cSld>
+  <p:clrMapOvr>
+    <a:masterClrMapping/>
+  </p:clrMapOvr>
+  <p:timing>
+    <p:tnLst>
+      <p:par>
+        <p:cTn id="1" dur="indefinite" restart="never" nodeType="tmRoot">
+          <p:childTnLst>
+            <p:seq concurrent="1" nextAc="seek">
+              <p:cTn id="2" dur="indefinite" nodeType="mainSeq">
+                <p:childTnLst>
+                  <p:par>
+                    <p:cTn id="3" fill="hold">
+                      <p:stCondLst>
+                        <p:cond delay="indefinite"/>
+                        <p:cond evt="onBegin" delay="0">
+                          <p:tn val="2"/>
+                        </p:cond>
+                      </p:stCondLst>
+                      <p:childTnLst>
+                        <p:par>
+                          <p:cTn id="4" fill="hold">
+                            <p:stCondLst>
+                              <p:cond delay="0"/>
+                            </p:stCondLst>
+                            <p:childTnLst>
+                              <p:par>
+                                <p:cTn id="5" presetID="1" presetClass="entr" presetSubtype="0" fill="hold" grpId="0" nodeType="withEffect">
+                                  <p:stCondLst>
+                                    <p:cond delay="0"/>
+                                  </p:stCondLst>
+                                  <p:childTnLst>
+                                    <p:set>
+                                      <p:cBhvr>
+                                        <p:cTn id="6" dur="1" fill="hold">
+                                          <p:stCondLst>
+                                            <p:cond delay="0"/>
+                                          </p:stCondLst>
+                                        </p:cTn>
+                                        <p:tgtEl>
+                                          <p:spTgt spid="6"/>
+                                        </p:tgtEl>
+                                        <p:attrNameLst>
+                                          <p:attrName>style.visibility</p:attrName>
+                                        </p:attrNameLst>
+                                      </p:cBhvr>
+                                      <p:to>
+                                        <p:strVal val="visible"/>
+                                      </p:to>
+                                    </p:set>
+                                  </p:childTnLst>
+                                </p:cTn>
+                              </p:par>
+                            </p:childTnLst>
+                          </p:cTn>
+                        </p:par>
+                      </p:childTnLst>
+                    </p:cTn>
+                  </p:par>
+                </p:childTnLst>
+              </p:cTn>
+              <p:prevCondLst>
+                <p:cond evt="onPrev" delay="0">
+                  <p:tgtEl>
+                    <p:sldTgt/>
+                  </p:tgtEl>
+                </p:cond>
+              </p:prevCondLst>
+              <p:nextCondLst>
+                <p:cond evt="onNext" delay="0">
+                  <p:tgtEl>
+                    <p:sldTgt/>
+                  </p:tgtEl>
+                </p:cond>
+              </p:nextCondLst>
+            </p:seq>
+          </p:childTnLst>
+        </p:cTn>
+      </p:par>
+    </p:tnLst>
+    <p:bldLst>
+      <p:bldP spid="6" grpId="0" animBg="1"/>
+    </p:bldLst>
+  </p:timing>
+</p:sld>
+</file>
+
+<file path=ppt/slides/slide41.xml><?xml version="1.0" encoding="utf-8"?>
+<p:sld xmlns:a="http://schemas.openxmlformats.org/drawingml/2006/main" xmlns:r="http://schemas.openxmlformats.org/officeDocument/2006/relationships" xmlns:p="http://schemas.openxmlformats.org/presentationml/2006/main">
+  <p:cSld>
+    <p:spTree>
+      <p:nvGrpSpPr>
+        <p:cNvPr id="1" name=""/>
+        <p:cNvGrpSpPr/>
+        <p:nvPr/>
+      </p:nvGrpSpPr>
+      <p:grpSpPr>
+        <a:xfrm>
+          <a:off x="0" y="0"/>
+          <a:ext cx="0" cy="0"/>
+          <a:chOff x="0" y="0"/>
+          <a:chExt cx="0" cy="0"/>
+        </a:xfrm>
+      </p:grpSpPr>
+      <p:sp>
+        <p:nvSpPr>
           <p:cNvPr id="2" name="Title 1"/>
           <p:cNvSpPr>
             <a:spLocks noGrp="1"/>
@@ -34389,8 +37284,27 @@
           <a:p>
             <a:r>
               <a:rPr lang="en-US" dirty="0"/>
-              <a:t>Cache lines, again</a:t>
-            </a:r>
+              <a:t>Multithreading: false sharing</a:t>
+            </a:r>
+          </a:p>
+        </p:txBody>
+      </p:sp>
+      <p:sp>
+        <p:nvSpPr>
+          <p:cNvPr id="3" name="Text Placeholder 2"/>
+          <p:cNvSpPr>
+            <a:spLocks noGrp="1"/>
+          </p:cNvSpPr>
+          <p:nvPr>
+            <p:ph type="body" idx="1"/>
+          </p:nvPr>
+        </p:nvSpPr>
+        <p:spPr/>
+        <p:txBody>
+          <a:bodyPr/>
+          <a:lstStyle/>
+          <a:p>
+            <a:endParaRPr lang="en-US"/>
           </a:p>
         </p:txBody>
       </p:sp>
@@ -34411,7 +37325,82 @@
           <a:p>
             <a:fld id="{6597116C-F94B-4B5B-973A-17F07FB5C418}" type="slidenum">
               <a:rPr lang="nl-BE" smtClean="0"/>
-              <a:t>40</a:t>
+              <a:t>41</a:t>
+            </a:fld>
+            <a:endParaRPr lang="nl-BE"/>
+          </a:p>
+        </p:txBody>
+      </p:sp>
+    </p:spTree>
+    <p:extLst>
+      <p:ext uri="{BB962C8B-B14F-4D97-AF65-F5344CB8AC3E}">
+        <p14:creationId xmlns:p14="http://schemas.microsoft.com/office/powerpoint/2010/main" val="3424948925"/>
+      </p:ext>
+    </p:extLst>
+  </p:cSld>
+  <p:clrMapOvr>
+    <a:masterClrMapping/>
+  </p:clrMapOvr>
+</p:sld>
+</file>
+
+<file path=ppt/slides/slide42.xml><?xml version="1.0" encoding="utf-8"?>
+<p:sld xmlns:a="http://schemas.openxmlformats.org/drawingml/2006/main" xmlns:r="http://schemas.openxmlformats.org/officeDocument/2006/relationships" xmlns:p="http://schemas.openxmlformats.org/presentationml/2006/main">
+  <p:cSld>
+    <p:spTree>
+      <p:nvGrpSpPr>
+        <p:cNvPr id="1" name=""/>
+        <p:cNvGrpSpPr/>
+        <p:nvPr/>
+      </p:nvGrpSpPr>
+      <p:grpSpPr>
+        <a:xfrm>
+          <a:off x="0" y="0"/>
+          <a:ext cx="0" cy="0"/>
+          <a:chOff x="0" y="0"/>
+          <a:chExt cx="0" cy="0"/>
+        </a:xfrm>
+      </p:grpSpPr>
+      <p:sp>
+        <p:nvSpPr>
+          <p:cNvPr id="2" name="Title 1"/>
+          <p:cNvSpPr>
+            <a:spLocks noGrp="1"/>
+          </p:cNvSpPr>
+          <p:nvPr>
+            <p:ph type="title"/>
+          </p:nvPr>
+        </p:nvSpPr>
+        <p:spPr/>
+        <p:txBody>
+          <a:bodyPr/>
+          <a:lstStyle/>
+          <a:p>
+            <a:r>
+              <a:rPr lang="en-US" dirty="0"/>
+              <a:t>Cache lines, again</a:t>
+            </a:r>
+          </a:p>
+        </p:txBody>
+      </p:sp>
+      <p:sp>
+        <p:nvSpPr>
+          <p:cNvPr id="4" name="Slide Number Placeholder 3"/>
+          <p:cNvSpPr>
+            <a:spLocks noGrp="1"/>
+          </p:cNvSpPr>
+          <p:nvPr>
+            <p:ph type="sldNum" sz="quarter" idx="12"/>
+          </p:nvPr>
+        </p:nvSpPr>
+        <p:spPr/>
+        <p:txBody>
+          <a:bodyPr/>
+          <a:lstStyle/>
+          <a:p>
+            <a:fld id="{6597116C-F94B-4B5B-973A-17F07FB5C418}" type="slidenum">
+              <a:rPr lang="nl-BE" smtClean="0"/>
+              <a:t>42</a:t>
             </a:fld>
             <a:endParaRPr lang="nl-BE"/>
           </a:p>
@@ -39198,7 +42187,7 @@
 </p:sld>
 </file>
 
-<file path=ppt/slides/slide41.xml><?xml version="1.0" encoding="utf-8"?>
+<file path=ppt/slides/slide43.xml><?xml version="1.0" encoding="utf-8"?>
 <p:sld xmlns:a="http://schemas.openxmlformats.org/drawingml/2006/main" xmlns:r="http://schemas.openxmlformats.org/officeDocument/2006/relationships" xmlns:p="http://schemas.openxmlformats.org/presentationml/2006/main">
   <p:cSld>
     <p:spTree>
@@ -39341,7 +42330,7 @@
           <a:p>
             <a:fld id="{6597116C-F94B-4B5B-973A-17F07FB5C418}" type="slidenum">
               <a:rPr lang="nl-BE" smtClean="0"/>
-              <a:t>41</a:t>
+              <a:t>43</a:t>
             </a:fld>
             <a:endParaRPr lang="nl-BE"/>
           </a:p>
@@ -39808,7 +42797,7 @@
 </p:sld>
 </file>
 
-<file path=ppt/slides/slide42.xml><?xml version="1.0" encoding="utf-8"?>
+<file path=ppt/slides/slide44.xml><?xml version="1.0" encoding="utf-8"?>
 <p:sld xmlns:a="http://schemas.openxmlformats.org/drawingml/2006/main" xmlns:r="http://schemas.openxmlformats.org/officeDocument/2006/relationships" xmlns:p="http://schemas.openxmlformats.org/presentationml/2006/main">
   <p:cSld>
     <p:spTree>
@@ -40147,7 +43136,7 @@
           <a:p>
             <a:fld id="{6597116C-F94B-4B5B-973A-17F07FB5C418}" type="slidenum">
               <a:rPr lang="nl-BE" smtClean="0"/>
-              <a:t>42</a:t>
+              <a:t>44</a:t>
             </a:fld>
             <a:endParaRPr lang="nl-BE"/>
           </a:p>
@@ -40589,242 +43578,6 @@
 </p:sld>
 </file>
 
-<file path=ppt/slides/slide43.xml><?xml version="1.0" encoding="utf-8"?>
-<p:sld xmlns:a="http://schemas.openxmlformats.org/drawingml/2006/main" xmlns:r="http://schemas.openxmlformats.org/officeDocument/2006/relationships" xmlns:p="http://schemas.openxmlformats.org/presentationml/2006/main">
-  <p:cSld>
-    <p:spTree>
-      <p:nvGrpSpPr>
-        <p:cNvPr id="1" name=""/>
-        <p:cNvGrpSpPr/>
-        <p:nvPr/>
-      </p:nvGrpSpPr>
-      <p:grpSpPr>
-        <a:xfrm>
-          <a:off x="0" y="0"/>
-          <a:ext cx="0" cy="0"/>
-          <a:chOff x="0" y="0"/>
-          <a:chExt cx="0" cy="0"/>
-        </a:xfrm>
-      </p:grpSpPr>
-      <p:sp>
-        <p:nvSpPr>
-          <p:cNvPr id="2" name="Title 1"/>
-          <p:cNvSpPr>
-            <a:spLocks noGrp="1"/>
-          </p:cNvSpPr>
-          <p:nvPr>
-            <p:ph type="title"/>
-          </p:nvPr>
-        </p:nvSpPr>
-        <p:spPr/>
-        <p:txBody>
-          <a:bodyPr/>
-          <a:lstStyle/>
-          <a:p>
-            <a:r>
-              <a:rPr lang="en-US" dirty="0"/>
-              <a:t>Profiling</a:t>
-            </a:r>
-          </a:p>
-        </p:txBody>
-      </p:sp>
-      <p:sp>
-        <p:nvSpPr>
-          <p:cNvPr id="3" name="Text Placeholder 2"/>
-          <p:cNvSpPr>
-            <a:spLocks noGrp="1"/>
-          </p:cNvSpPr>
-          <p:nvPr>
-            <p:ph type="body" idx="1"/>
-          </p:nvPr>
-        </p:nvSpPr>
-        <p:spPr/>
-        <p:txBody>
-          <a:bodyPr/>
-          <a:lstStyle/>
-          <a:p>
-            <a:endParaRPr lang="en-US"/>
-          </a:p>
-        </p:txBody>
-      </p:sp>
-      <p:sp>
-        <p:nvSpPr>
-          <p:cNvPr id="4" name="Slide Number Placeholder 3"/>
-          <p:cNvSpPr>
-            <a:spLocks noGrp="1"/>
-          </p:cNvSpPr>
-          <p:nvPr>
-            <p:ph type="sldNum" sz="quarter" idx="12"/>
-          </p:nvPr>
-        </p:nvSpPr>
-        <p:spPr/>
-        <p:txBody>
-          <a:bodyPr/>
-          <a:lstStyle/>
-          <a:p>
-            <a:fld id="{6597116C-F94B-4B5B-973A-17F07FB5C418}" type="slidenum">
-              <a:rPr lang="nl-BE" smtClean="0"/>
-              <a:t>43</a:t>
-            </a:fld>
-            <a:endParaRPr lang="nl-BE"/>
-          </a:p>
-        </p:txBody>
-      </p:sp>
-    </p:spTree>
-    <p:extLst>
-      <p:ext uri="{BB962C8B-B14F-4D97-AF65-F5344CB8AC3E}">
-        <p14:creationId xmlns:p14="http://schemas.microsoft.com/office/powerpoint/2010/main" val="68835048"/>
-      </p:ext>
-    </p:extLst>
-  </p:cSld>
-  <p:clrMapOvr>
-    <a:masterClrMapping/>
-  </p:clrMapOvr>
-</p:sld>
-</file>
-
-<file path=ppt/slides/slide44.xml><?xml version="1.0" encoding="utf-8"?>
-<p:sld xmlns:a="http://schemas.openxmlformats.org/drawingml/2006/main" xmlns:r="http://schemas.openxmlformats.org/officeDocument/2006/relationships" xmlns:p="http://schemas.openxmlformats.org/presentationml/2006/main">
-  <p:cSld>
-    <p:spTree>
-      <p:nvGrpSpPr>
-        <p:cNvPr id="1" name=""/>
-        <p:cNvGrpSpPr/>
-        <p:nvPr/>
-      </p:nvGrpSpPr>
-      <p:grpSpPr>
-        <a:xfrm>
-          <a:off x="0" y="0"/>
-          <a:ext cx="0" cy="0"/>
-          <a:chOff x="0" y="0"/>
-          <a:chExt cx="0" cy="0"/>
-        </a:xfrm>
-      </p:grpSpPr>
-      <p:sp>
-        <p:nvSpPr>
-          <p:cNvPr id="2" name="Title 1"/>
-          <p:cNvSpPr>
-            <a:spLocks noGrp="1"/>
-          </p:cNvSpPr>
-          <p:nvPr>
-            <p:ph type="title"/>
-          </p:nvPr>
-        </p:nvSpPr>
-        <p:spPr/>
-        <p:txBody>
-          <a:bodyPr/>
-          <a:lstStyle/>
-          <a:p>
-            <a:r>
-              <a:rPr lang="en-US" dirty="0" err="1"/>
-              <a:t>gprof</a:t>
-            </a:r>
-            <a:r>
-              <a:rPr lang="en-US" dirty="0"/>
-              <a:t> with GCC</a:t>
-            </a:r>
-          </a:p>
-        </p:txBody>
-      </p:sp>
-      <p:sp>
-        <p:nvSpPr>
-          <p:cNvPr id="3" name="Content Placeholder 2"/>
-          <p:cNvSpPr>
-            <a:spLocks noGrp="1"/>
-          </p:cNvSpPr>
-          <p:nvPr>
-            <p:ph idx="1"/>
-          </p:nvPr>
-        </p:nvSpPr>
-        <p:spPr/>
-        <p:txBody>
-          <a:bodyPr/>
-          <a:lstStyle/>
-          <a:p>
-            <a:r>
-              <a:rPr lang="en-US" dirty="0"/>
-              <a:t>Compile/link with </a:t>
-            </a:r>
-            <a:r>
-              <a:rPr lang="en-US" dirty="0">
-                <a:latin typeface="Courier New" panose="02070309020205020404" pitchFamily="49" charset="0"/>
-                <a:cs typeface="Courier New" panose="02070309020205020404" pitchFamily="49" charset="0"/>
-              </a:rPr>
-              <a:t>–g  -</a:t>
-            </a:r>
-            <a:r>
-              <a:rPr lang="en-US" dirty="0" err="1">
-                <a:latin typeface="Courier New" panose="02070309020205020404" pitchFamily="49" charset="0"/>
-                <a:cs typeface="Courier New" panose="02070309020205020404" pitchFamily="49" charset="0"/>
-              </a:rPr>
-              <a:t>pg</a:t>
-            </a:r>
-            <a:endParaRPr lang="en-US" dirty="0">
-              <a:latin typeface="Courier New" panose="02070309020205020404" pitchFamily="49" charset="0"/>
-              <a:cs typeface="Courier New" panose="02070309020205020404" pitchFamily="49" charset="0"/>
-            </a:endParaRPr>
-          </a:p>
-          <a:p>
-            <a:r>
-              <a:rPr lang="en-US" dirty="0"/>
-              <a:t>Run application with representative data/settings</a:t>
-            </a:r>
-          </a:p>
-          <a:p>
-            <a:r>
-              <a:rPr lang="en-US" dirty="0"/>
-              <a:t>View profile using </a:t>
-            </a:r>
-            <a:r>
-              <a:rPr lang="en-US" dirty="0" err="1">
-                <a:latin typeface="Courier New" panose="02070309020205020404" pitchFamily="49" charset="0"/>
-                <a:cs typeface="Courier New" panose="02070309020205020404" pitchFamily="49" charset="0"/>
-              </a:rPr>
-              <a:t>gprof</a:t>
-            </a:r>
-            <a:endParaRPr lang="en-US" dirty="0">
-              <a:latin typeface="Courier New" panose="02070309020205020404" pitchFamily="49" charset="0"/>
-              <a:cs typeface="Courier New" panose="02070309020205020404" pitchFamily="49" charset="0"/>
-            </a:endParaRPr>
-          </a:p>
-        </p:txBody>
-      </p:sp>
-      <p:sp>
-        <p:nvSpPr>
-          <p:cNvPr id="4" name="Slide Number Placeholder 3"/>
-          <p:cNvSpPr>
-            <a:spLocks noGrp="1"/>
-          </p:cNvSpPr>
-          <p:nvPr>
-            <p:ph type="sldNum" sz="quarter" idx="12"/>
-          </p:nvPr>
-        </p:nvSpPr>
-        <p:spPr/>
-        <p:txBody>
-          <a:bodyPr/>
-          <a:lstStyle/>
-          <a:p>
-            <a:fld id="{6597116C-F94B-4B5B-973A-17F07FB5C418}" type="slidenum">
-              <a:rPr lang="nl-BE" smtClean="0"/>
-              <a:t>44</a:t>
-            </a:fld>
-            <a:endParaRPr lang="nl-BE"/>
-          </a:p>
-        </p:txBody>
-      </p:sp>
-    </p:spTree>
-    <p:extLst>
-      <p:ext uri="{BB962C8B-B14F-4D97-AF65-F5344CB8AC3E}">
-        <p14:creationId xmlns:p14="http://schemas.microsoft.com/office/powerpoint/2010/main" val="845156750"/>
-      </p:ext>
-    </p:extLst>
-  </p:cSld>
-  <p:clrMapOvr>
-    <a:masterClrMapping/>
-  </p:clrMapOvr>
-</p:sld>
-</file>
-
 <file path=ppt/slides/slide45.xml><?xml version="1.0" encoding="utf-8"?>
 <p:sld xmlns:a="http://schemas.openxmlformats.org/drawingml/2006/main" xmlns:r="http://schemas.openxmlformats.org/officeDocument/2006/relationships" xmlns:p="http://schemas.openxmlformats.org/presentationml/2006/main">
   <p:cSld>
@@ -40859,7 +43612,7 @@
           <a:p>
             <a:r>
               <a:rPr lang="en-US" dirty="0"/>
-              <a:t>Feedback-guided optimization</a:t>
+              <a:t>Profiling</a:t>
             </a:r>
           </a:p>
         </p:txBody>
@@ -40909,7 +43662,7 @@
     </p:spTree>
     <p:extLst>
       <p:ext uri="{BB962C8B-B14F-4D97-AF65-F5344CB8AC3E}">
-        <p14:creationId xmlns:p14="http://schemas.microsoft.com/office/powerpoint/2010/main" val="3251639006"/>
+        <p14:creationId xmlns:p14="http://schemas.microsoft.com/office/powerpoint/2010/main" val="68835048"/>
       </p:ext>
     </p:extLst>
   </p:cSld>
@@ -40952,6 +43705,242 @@
           <a:lstStyle/>
           <a:p>
             <a:r>
+              <a:rPr lang="en-US" dirty="0" err="1"/>
+              <a:t>gprof</a:t>
+            </a:r>
+            <a:r>
+              <a:rPr lang="en-US" dirty="0"/>
+              <a:t> with GCC</a:t>
+            </a:r>
+          </a:p>
+        </p:txBody>
+      </p:sp>
+      <p:sp>
+        <p:nvSpPr>
+          <p:cNvPr id="3" name="Content Placeholder 2"/>
+          <p:cNvSpPr>
+            <a:spLocks noGrp="1"/>
+          </p:cNvSpPr>
+          <p:nvPr>
+            <p:ph idx="1"/>
+          </p:nvPr>
+        </p:nvSpPr>
+        <p:spPr/>
+        <p:txBody>
+          <a:bodyPr/>
+          <a:lstStyle/>
+          <a:p>
+            <a:r>
+              <a:rPr lang="en-US" dirty="0"/>
+              <a:t>Compile/link with </a:t>
+            </a:r>
+            <a:r>
+              <a:rPr lang="en-US" dirty="0">
+                <a:latin typeface="Courier New" panose="02070309020205020404" pitchFamily="49" charset="0"/>
+                <a:cs typeface="Courier New" panose="02070309020205020404" pitchFamily="49" charset="0"/>
+              </a:rPr>
+              <a:t>–g  -</a:t>
+            </a:r>
+            <a:r>
+              <a:rPr lang="en-US" dirty="0" err="1">
+                <a:latin typeface="Courier New" panose="02070309020205020404" pitchFamily="49" charset="0"/>
+                <a:cs typeface="Courier New" panose="02070309020205020404" pitchFamily="49" charset="0"/>
+              </a:rPr>
+              <a:t>pg</a:t>
+            </a:r>
+            <a:endParaRPr lang="en-US" dirty="0">
+              <a:latin typeface="Courier New" panose="02070309020205020404" pitchFamily="49" charset="0"/>
+              <a:cs typeface="Courier New" panose="02070309020205020404" pitchFamily="49" charset="0"/>
+            </a:endParaRPr>
+          </a:p>
+          <a:p>
+            <a:r>
+              <a:rPr lang="en-US" dirty="0"/>
+              <a:t>Run application with representative data/settings</a:t>
+            </a:r>
+          </a:p>
+          <a:p>
+            <a:r>
+              <a:rPr lang="en-US" dirty="0"/>
+              <a:t>View profile using </a:t>
+            </a:r>
+            <a:r>
+              <a:rPr lang="en-US" dirty="0" err="1">
+                <a:latin typeface="Courier New" panose="02070309020205020404" pitchFamily="49" charset="0"/>
+                <a:cs typeface="Courier New" panose="02070309020205020404" pitchFamily="49" charset="0"/>
+              </a:rPr>
+              <a:t>gprof</a:t>
+            </a:r>
+            <a:endParaRPr lang="en-US" dirty="0">
+              <a:latin typeface="Courier New" panose="02070309020205020404" pitchFamily="49" charset="0"/>
+              <a:cs typeface="Courier New" panose="02070309020205020404" pitchFamily="49" charset="0"/>
+            </a:endParaRPr>
+          </a:p>
+        </p:txBody>
+      </p:sp>
+      <p:sp>
+        <p:nvSpPr>
+          <p:cNvPr id="4" name="Slide Number Placeholder 3"/>
+          <p:cNvSpPr>
+            <a:spLocks noGrp="1"/>
+          </p:cNvSpPr>
+          <p:nvPr>
+            <p:ph type="sldNum" sz="quarter" idx="12"/>
+          </p:nvPr>
+        </p:nvSpPr>
+        <p:spPr/>
+        <p:txBody>
+          <a:bodyPr/>
+          <a:lstStyle/>
+          <a:p>
+            <a:fld id="{6597116C-F94B-4B5B-973A-17F07FB5C418}" type="slidenum">
+              <a:rPr lang="nl-BE" smtClean="0"/>
+              <a:t>46</a:t>
+            </a:fld>
+            <a:endParaRPr lang="nl-BE"/>
+          </a:p>
+        </p:txBody>
+      </p:sp>
+    </p:spTree>
+    <p:extLst>
+      <p:ext uri="{BB962C8B-B14F-4D97-AF65-F5344CB8AC3E}">
+        <p14:creationId xmlns:p14="http://schemas.microsoft.com/office/powerpoint/2010/main" val="845156750"/>
+      </p:ext>
+    </p:extLst>
+  </p:cSld>
+  <p:clrMapOvr>
+    <a:masterClrMapping/>
+  </p:clrMapOvr>
+</p:sld>
+</file>
+
+<file path=ppt/slides/slide47.xml><?xml version="1.0" encoding="utf-8"?>
+<p:sld xmlns:a="http://schemas.openxmlformats.org/drawingml/2006/main" xmlns:r="http://schemas.openxmlformats.org/officeDocument/2006/relationships" xmlns:p="http://schemas.openxmlformats.org/presentationml/2006/main">
+  <p:cSld>
+    <p:spTree>
+      <p:nvGrpSpPr>
+        <p:cNvPr id="1" name=""/>
+        <p:cNvGrpSpPr/>
+        <p:nvPr/>
+      </p:nvGrpSpPr>
+      <p:grpSpPr>
+        <a:xfrm>
+          <a:off x="0" y="0"/>
+          <a:ext cx="0" cy="0"/>
+          <a:chOff x="0" y="0"/>
+          <a:chExt cx="0" cy="0"/>
+        </a:xfrm>
+      </p:grpSpPr>
+      <p:sp>
+        <p:nvSpPr>
+          <p:cNvPr id="2" name="Title 1"/>
+          <p:cNvSpPr>
+            <a:spLocks noGrp="1"/>
+          </p:cNvSpPr>
+          <p:nvPr>
+            <p:ph type="title"/>
+          </p:nvPr>
+        </p:nvSpPr>
+        <p:spPr/>
+        <p:txBody>
+          <a:bodyPr/>
+          <a:lstStyle/>
+          <a:p>
+            <a:r>
+              <a:rPr lang="en-US" dirty="0"/>
+              <a:t>Feedback-guided optimization</a:t>
+            </a:r>
+          </a:p>
+        </p:txBody>
+      </p:sp>
+      <p:sp>
+        <p:nvSpPr>
+          <p:cNvPr id="3" name="Text Placeholder 2"/>
+          <p:cNvSpPr>
+            <a:spLocks noGrp="1"/>
+          </p:cNvSpPr>
+          <p:nvPr>
+            <p:ph type="body" idx="1"/>
+          </p:nvPr>
+        </p:nvSpPr>
+        <p:spPr/>
+        <p:txBody>
+          <a:bodyPr/>
+          <a:lstStyle/>
+          <a:p>
+            <a:endParaRPr lang="en-US"/>
+          </a:p>
+        </p:txBody>
+      </p:sp>
+      <p:sp>
+        <p:nvSpPr>
+          <p:cNvPr id="4" name="Slide Number Placeholder 3"/>
+          <p:cNvSpPr>
+            <a:spLocks noGrp="1"/>
+          </p:cNvSpPr>
+          <p:nvPr>
+            <p:ph type="sldNum" sz="quarter" idx="12"/>
+          </p:nvPr>
+        </p:nvSpPr>
+        <p:spPr/>
+        <p:txBody>
+          <a:bodyPr/>
+          <a:lstStyle/>
+          <a:p>
+            <a:fld id="{6597116C-F94B-4B5B-973A-17F07FB5C418}" type="slidenum">
+              <a:rPr lang="nl-BE" smtClean="0"/>
+              <a:t>47</a:t>
+            </a:fld>
+            <a:endParaRPr lang="nl-BE"/>
+          </a:p>
+        </p:txBody>
+      </p:sp>
+    </p:spTree>
+    <p:extLst>
+      <p:ext uri="{BB962C8B-B14F-4D97-AF65-F5344CB8AC3E}">
+        <p14:creationId xmlns:p14="http://schemas.microsoft.com/office/powerpoint/2010/main" val="3251639006"/>
+      </p:ext>
+    </p:extLst>
+  </p:cSld>
+  <p:clrMapOvr>
+    <a:masterClrMapping/>
+  </p:clrMapOvr>
+</p:sld>
+</file>
+
+<file path=ppt/slides/slide48.xml><?xml version="1.0" encoding="utf-8"?>
+<p:sld xmlns:a="http://schemas.openxmlformats.org/drawingml/2006/main" xmlns:r="http://schemas.openxmlformats.org/officeDocument/2006/relationships" xmlns:p="http://schemas.openxmlformats.org/presentationml/2006/main">
+  <p:cSld>
+    <p:spTree>
+      <p:nvGrpSpPr>
+        <p:cNvPr id="1" name=""/>
+        <p:cNvGrpSpPr/>
+        <p:nvPr/>
+      </p:nvGrpSpPr>
+      <p:grpSpPr>
+        <a:xfrm>
+          <a:off x="0" y="0"/>
+          <a:ext cx="0" cy="0"/>
+          <a:chOff x="0" y="0"/>
+          <a:chExt cx="0" cy="0"/>
+        </a:xfrm>
+      </p:grpSpPr>
+      <p:sp>
+        <p:nvSpPr>
+          <p:cNvPr id="2" name="Title 1"/>
+          <p:cNvSpPr>
+            <a:spLocks noGrp="1"/>
+          </p:cNvSpPr>
+          <p:nvPr>
+            <p:ph type="title"/>
+          </p:nvPr>
+        </p:nvSpPr>
+        <p:spPr/>
+        <p:txBody>
+          <a:bodyPr/>
+          <a:lstStyle/>
+          <a:p>
+            <a:r>
               <a:rPr lang="en-US" dirty="0"/>
               <a:t>Philosophy</a:t>
             </a:r>
@@ -41053,7 +44042,7 @@
           <a:p>
             <a:fld id="{6597116C-F94B-4B5B-973A-17F07FB5C418}" type="slidenum">
               <a:rPr lang="nl-BE" smtClean="0"/>
-              <a:t>46</a:t>
+              <a:t>48</a:t>
             </a:fld>
             <a:endParaRPr lang="nl-BE"/>
           </a:p>
@@ -41531,7 +44520,7 @@
 </p:sld>
 </file>
 
-<file path=ppt/slides/slide47.xml><?xml version="1.0" encoding="utf-8"?>
+<file path=ppt/slides/slide49.xml><?xml version="1.0" encoding="utf-8"?>
 <p:sld xmlns:a="http://schemas.openxmlformats.org/drawingml/2006/main" xmlns:r="http://schemas.openxmlformats.org/officeDocument/2006/relationships" xmlns:p="http://schemas.openxmlformats.org/presentationml/2006/main">
   <p:cSld>
     <p:spTree>
@@ -41624,7 +44613,7 @@
           <a:p>
             <a:fld id="{6597116C-F94B-4B5B-973A-17F07FB5C418}" type="slidenum">
               <a:rPr lang="nl-BE" smtClean="0"/>
-              <a:t>47</a:t>
+              <a:t>49</a:t>
             </a:fld>
             <a:endParaRPr lang="nl-BE"/>
           </a:p>
@@ -42024,850 +45013,6 @@
       <p:bldP spid="5" grpId="0" animBg="1"/>
       <p:bldP spid="6" grpId="0" animBg="1"/>
     </p:bldLst>
-  </p:timing>
-</p:sld>
-</file>
-
-<file path=ppt/slides/slide48.xml><?xml version="1.0" encoding="utf-8"?>
-<p:sld xmlns:a="http://schemas.openxmlformats.org/drawingml/2006/main" xmlns:r="http://schemas.openxmlformats.org/officeDocument/2006/relationships" xmlns:p="http://schemas.openxmlformats.org/presentationml/2006/main">
-  <p:cSld>
-    <p:spTree>
-      <p:nvGrpSpPr>
-        <p:cNvPr id="1" name=""/>
-        <p:cNvGrpSpPr/>
-        <p:nvPr/>
-      </p:nvGrpSpPr>
-      <p:grpSpPr>
-        <a:xfrm>
-          <a:off x="0" y="0"/>
-          <a:ext cx="0" cy="0"/>
-          <a:chOff x="0" y="0"/>
-          <a:chExt cx="0" cy="0"/>
-        </a:xfrm>
-      </p:grpSpPr>
-      <p:sp>
-        <p:nvSpPr>
-          <p:cNvPr id="2" name="Title 1"/>
-          <p:cNvSpPr>
-            <a:spLocks noGrp="1"/>
-          </p:cNvSpPr>
-          <p:nvPr>
-            <p:ph type="title"/>
-          </p:nvPr>
-        </p:nvSpPr>
-        <p:spPr/>
-        <p:txBody>
-          <a:bodyPr/>
-          <a:lstStyle/>
-          <a:p>
-            <a:r>
-              <a:rPr lang="en-US" dirty="0"/>
-              <a:t>Intel compilers</a:t>
-            </a:r>
-          </a:p>
-        </p:txBody>
-      </p:sp>
-      <p:sp>
-        <p:nvSpPr>
-          <p:cNvPr id="3" name="Content Placeholder 2"/>
-          <p:cNvSpPr>
-            <a:spLocks noGrp="1"/>
-          </p:cNvSpPr>
-          <p:nvPr>
-            <p:ph idx="1"/>
-          </p:nvPr>
-        </p:nvSpPr>
-        <p:spPr/>
-        <p:txBody>
-          <a:bodyPr/>
-          <a:lstStyle/>
-          <a:p>
-            <a:r>
-              <a:rPr lang="en-US" dirty="0"/>
-              <a:t>Build with instrumentation</a:t>
-            </a:r>
-          </a:p>
-          <a:p>
-            <a:endParaRPr lang="en-US" dirty="0"/>
-          </a:p>
-          <a:p>
-            <a:r>
-              <a:rPr lang="en-US" dirty="0"/>
-              <a:t>Run as usual</a:t>
-            </a:r>
-          </a:p>
-          <a:p>
-            <a:r>
-              <a:rPr lang="en-US" dirty="0"/>
-              <a:t>Build using profile</a:t>
-            </a:r>
-          </a:p>
-        </p:txBody>
-      </p:sp>
-      <p:sp>
-        <p:nvSpPr>
-          <p:cNvPr id="4" name="Slide Number Placeholder 3"/>
-          <p:cNvSpPr>
-            <a:spLocks noGrp="1"/>
-          </p:cNvSpPr>
-          <p:nvPr>
-            <p:ph type="sldNum" sz="quarter" idx="12"/>
-          </p:nvPr>
-        </p:nvSpPr>
-        <p:spPr/>
-        <p:txBody>
-          <a:bodyPr/>
-          <a:lstStyle/>
-          <a:p>
-            <a:fld id="{6597116C-F94B-4B5B-973A-17F07FB5C418}" type="slidenum">
-              <a:rPr lang="nl-BE" smtClean="0"/>
-              <a:t>48</a:t>
-            </a:fld>
-            <a:endParaRPr lang="nl-BE"/>
-          </a:p>
-        </p:txBody>
-      </p:sp>
-      <p:sp>
-        <p:nvSpPr>
-          <p:cNvPr id="5" name="TextBox 4"/>
-          <p:cNvSpPr txBox="1"/>
-          <p:nvPr/>
-        </p:nvSpPr>
-        <p:spPr>
-          <a:xfrm>
-            <a:off x="1187624" y="2276872"/>
-            <a:ext cx="7629012" cy="369332"/>
-          </a:xfrm>
-          <a:prstGeom prst="rect">
-            <a:avLst/>
-          </a:prstGeom>
-          <a:solidFill>
-            <a:schemeClr val="bg1">
-              <a:lumMod val="85000"/>
-            </a:schemeClr>
-          </a:solidFill>
-          <a:ln>
-            <a:solidFill>
-              <a:schemeClr val="tx1"/>
-            </a:solidFill>
-          </a:ln>
-        </p:spPr>
-        <p:txBody>
-          <a:bodyPr wrap="square" rtlCol="0">
-            <a:spAutoFit/>
-          </a:bodyPr>
-          <a:lstStyle/>
-          <a:p>
-            <a:r>
-              <a:rPr lang="en-US" dirty="0" err="1">
-                <a:latin typeface="Courier New" panose="02070309020205020404" pitchFamily="49" charset="0"/>
-                <a:cs typeface="Courier New" panose="02070309020205020404" pitchFamily="49" charset="0"/>
-              </a:rPr>
-              <a:t>icc</a:t>
-            </a:r>
-            <a:r>
-              <a:rPr lang="en-US" dirty="0">
-                <a:latin typeface="Courier New" panose="02070309020205020404" pitchFamily="49" charset="0"/>
-                <a:cs typeface="Courier New" panose="02070309020205020404" pitchFamily="49" charset="0"/>
-              </a:rPr>
-              <a:t>  -prof-gen  -prof-</a:t>
-            </a:r>
-            <a:r>
-              <a:rPr lang="en-US" dirty="0" err="1">
-                <a:latin typeface="Courier New" panose="02070309020205020404" pitchFamily="49" charset="0"/>
-                <a:cs typeface="Courier New" panose="02070309020205020404" pitchFamily="49" charset="0"/>
-              </a:rPr>
-              <a:t>dir</a:t>
-            </a:r>
-            <a:r>
-              <a:rPr lang="en-US" dirty="0">
-                <a:latin typeface="Courier New" panose="02070309020205020404" pitchFamily="49" charset="0"/>
-                <a:cs typeface="Courier New" panose="02070309020205020404" pitchFamily="49" charset="0"/>
-              </a:rPr>
-              <a:t>=./profs  -o appl.exe  …</a:t>
-            </a:r>
-            <a:endParaRPr lang="nl-BE" dirty="0">
-              <a:latin typeface="Courier New" panose="02070309020205020404" pitchFamily="49" charset="0"/>
-              <a:cs typeface="Courier New" panose="02070309020205020404" pitchFamily="49" charset="0"/>
-            </a:endParaRPr>
-          </a:p>
-        </p:txBody>
-      </p:sp>
-      <p:sp>
-        <p:nvSpPr>
-          <p:cNvPr id="6" name="TextBox 5"/>
-          <p:cNvSpPr txBox="1"/>
-          <p:nvPr/>
-        </p:nvSpPr>
-        <p:spPr>
-          <a:xfrm>
-            <a:off x="1187624" y="4139788"/>
-            <a:ext cx="7629012" cy="369332"/>
-          </a:xfrm>
-          <a:prstGeom prst="rect">
-            <a:avLst/>
-          </a:prstGeom>
-          <a:solidFill>
-            <a:schemeClr val="bg1">
-              <a:lumMod val="85000"/>
-            </a:schemeClr>
-          </a:solidFill>
-          <a:ln>
-            <a:solidFill>
-              <a:schemeClr val="tx1"/>
-            </a:solidFill>
-          </a:ln>
-        </p:spPr>
-        <p:txBody>
-          <a:bodyPr wrap="none" rtlCol="0">
-            <a:spAutoFit/>
-          </a:bodyPr>
-          <a:lstStyle/>
-          <a:p>
-            <a:r>
-              <a:rPr lang="en-US" dirty="0" err="1">
-                <a:latin typeface="Courier New" panose="02070309020205020404" pitchFamily="49" charset="0"/>
-                <a:cs typeface="Courier New" panose="02070309020205020404" pitchFamily="49" charset="0"/>
-              </a:rPr>
-              <a:t>icc</a:t>
-            </a:r>
-            <a:r>
-              <a:rPr lang="en-US" dirty="0">
-                <a:latin typeface="Courier New" panose="02070309020205020404" pitchFamily="49" charset="0"/>
-                <a:cs typeface="Courier New" panose="02070309020205020404" pitchFamily="49" charset="0"/>
-              </a:rPr>
-              <a:t>  -prof-use  prof-</a:t>
-            </a:r>
-            <a:r>
-              <a:rPr lang="en-US" dirty="0" err="1">
-                <a:latin typeface="Courier New" panose="02070309020205020404" pitchFamily="49" charset="0"/>
-                <a:cs typeface="Courier New" panose="02070309020205020404" pitchFamily="49" charset="0"/>
-              </a:rPr>
-              <a:t>dir</a:t>
-            </a:r>
-            <a:r>
-              <a:rPr lang="en-US" dirty="0">
-                <a:latin typeface="Courier New" panose="02070309020205020404" pitchFamily="49" charset="0"/>
-                <a:cs typeface="Courier New" panose="02070309020205020404" pitchFamily="49" charset="0"/>
-              </a:rPr>
-              <a:t>=./profs  -</a:t>
-            </a:r>
-            <a:r>
-              <a:rPr lang="en-US" dirty="0" err="1">
-                <a:latin typeface="Courier New" panose="02070309020205020404" pitchFamily="49" charset="0"/>
-                <a:cs typeface="Courier New" panose="02070309020205020404" pitchFamily="49" charset="0"/>
-              </a:rPr>
-              <a:t>ipo</a:t>
-            </a:r>
-            <a:r>
-              <a:rPr lang="en-US" dirty="0">
-                <a:latin typeface="Courier New" panose="02070309020205020404" pitchFamily="49" charset="0"/>
-                <a:cs typeface="Courier New" panose="02070309020205020404" pitchFamily="49" charset="0"/>
-              </a:rPr>
-              <a:t>  -o appl.exe  …</a:t>
-            </a:r>
-            <a:endParaRPr lang="nl-BE" dirty="0">
-              <a:latin typeface="Courier New" panose="02070309020205020404" pitchFamily="49" charset="0"/>
-              <a:cs typeface="Courier New" panose="02070309020205020404" pitchFamily="49" charset="0"/>
-            </a:endParaRPr>
-          </a:p>
-        </p:txBody>
-      </p:sp>
-    </p:spTree>
-    <p:extLst>
-      <p:ext uri="{BB962C8B-B14F-4D97-AF65-F5344CB8AC3E}">
-        <p14:creationId xmlns:p14="http://schemas.microsoft.com/office/powerpoint/2010/main" val="3097815600"/>
-      </p:ext>
-    </p:extLst>
-  </p:cSld>
-  <p:clrMapOvr>
-    <a:masterClrMapping/>
-  </p:clrMapOvr>
-  <p:timing>
-    <p:tnLst>
-      <p:par>
-        <p:cTn id="1" dur="indefinite" restart="never" nodeType="tmRoot">
-          <p:childTnLst>
-            <p:seq concurrent="1" nextAc="seek">
-              <p:cTn id="2" dur="indefinite" nodeType="mainSeq">
-                <p:childTnLst>
-                  <p:par>
-                    <p:cTn id="3" fill="hold">
-                      <p:stCondLst>
-                        <p:cond delay="indefinite"/>
-                        <p:cond evt="onBegin" delay="0">
-                          <p:tn val="2"/>
-                        </p:cond>
-                      </p:stCondLst>
-                      <p:childTnLst>
-                        <p:par>
-                          <p:cTn id="4" fill="hold">
-                            <p:stCondLst>
-                              <p:cond delay="0"/>
-                            </p:stCondLst>
-                            <p:childTnLst>
-                              <p:par>
-                                <p:cTn id="5" presetID="1" presetClass="entr" presetSubtype="0" fill="hold" grpId="0" nodeType="withEffect">
-                                  <p:stCondLst>
-                                    <p:cond delay="0"/>
-                                  </p:stCondLst>
-                                  <p:childTnLst>
-                                    <p:set>
-                                      <p:cBhvr>
-                                        <p:cTn id="6" dur="1" fill="hold">
-                                          <p:stCondLst>
-                                            <p:cond delay="0"/>
-                                          </p:stCondLst>
-                                        </p:cTn>
-                                        <p:tgtEl>
-                                          <p:spTgt spid="3">
-                                            <p:txEl>
-                                              <p:pRg st="0" end="0"/>
-                                            </p:txEl>
-                                          </p:spTgt>
-                                        </p:tgtEl>
-                                        <p:attrNameLst>
-                                          <p:attrName>style.visibility</p:attrName>
-                                        </p:attrNameLst>
-                                      </p:cBhvr>
-                                      <p:to>
-                                        <p:strVal val="visible"/>
-                                      </p:to>
-                                    </p:set>
-                                  </p:childTnLst>
-                                </p:cTn>
-                              </p:par>
-                              <p:par>
-                                <p:cTn id="7" presetID="1" presetClass="entr" presetSubtype="0" fill="hold" grpId="0" nodeType="withEffect">
-                                  <p:stCondLst>
-                                    <p:cond delay="0"/>
-                                  </p:stCondLst>
-                                  <p:childTnLst>
-                                    <p:set>
-                                      <p:cBhvr>
-                                        <p:cTn id="8" dur="1" fill="hold">
-                                          <p:stCondLst>
-                                            <p:cond delay="0"/>
-                                          </p:stCondLst>
-                                        </p:cTn>
-                                        <p:tgtEl>
-                                          <p:spTgt spid="5"/>
-                                        </p:tgtEl>
-                                        <p:attrNameLst>
-                                          <p:attrName>style.visibility</p:attrName>
-                                        </p:attrNameLst>
-                                      </p:cBhvr>
-                                      <p:to>
-                                        <p:strVal val="visible"/>
-                                      </p:to>
-                                    </p:set>
-                                  </p:childTnLst>
-                                </p:cTn>
-                              </p:par>
-                            </p:childTnLst>
-                          </p:cTn>
-                        </p:par>
-                      </p:childTnLst>
-                    </p:cTn>
-                  </p:par>
-                  <p:par>
-                    <p:cTn id="9" fill="hold">
-                      <p:stCondLst>
-                        <p:cond delay="indefinite"/>
-                      </p:stCondLst>
-                      <p:childTnLst>
-                        <p:par>
-                          <p:cTn id="10" fill="hold">
-                            <p:stCondLst>
-                              <p:cond delay="0"/>
-                            </p:stCondLst>
-                            <p:childTnLst>
-                              <p:par>
-                                <p:cTn id="11" presetID="1" presetClass="entr" presetSubtype="0" fill="hold" grpId="0" nodeType="clickEffect">
-                                  <p:stCondLst>
-                                    <p:cond delay="0"/>
-                                  </p:stCondLst>
-                                  <p:childTnLst>
-                                    <p:set>
-                                      <p:cBhvr>
-                                        <p:cTn id="12" dur="1" fill="hold">
-                                          <p:stCondLst>
-                                            <p:cond delay="0"/>
-                                          </p:stCondLst>
-                                        </p:cTn>
-                                        <p:tgtEl>
-                                          <p:spTgt spid="3">
-                                            <p:txEl>
-                                              <p:pRg st="2" end="2"/>
-                                            </p:txEl>
-                                          </p:spTgt>
-                                        </p:tgtEl>
-                                        <p:attrNameLst>
-                                          <p:attrName>style.visibility</p:attrName>
-                                        </p:attrNameLst>
-                                      </p:cBhvr>
-                                      <p:to>
-                                        <p:strVal val="visible"/>
-                                      </p:to>
-                                    </p:set>
-                                  </p:childTnLst>
-                                </p:cTn>
-                              </p:par>
-                            </p:childTnLst>
-                          </p:cTn>
-                        </p:par>
-                      </p:childTnLst>
-                    </p:cTn>
-                  </p:par>
-                  <p:par>
-                    <p:cTn id="13" fill="hold">
-                      <p:stCondLst>
-                        <p:cond delay="indefinite"/>
-                      </p:stCondLst>
-                      <p:childTnLst>
-                        <p:par>
-                          <p:cTn id="14" fill="hold">
-                            <p:stCondLst>
-                              <p:cond delay="0"/>
-                            </p:stCondLst>
-                            <p:childTnLst>
-                              <p:par>
-                                <p:cTn id="15" presetID="1" presetClass="entr" presetSubtype="0" fill="hold" grpId="0" nodeType="clickEffect">
-                                  <p:stCondLst>
-                                    <p:cond delay="0"/>
-                                  </p:stCondLst>
-                                  <p:childTnLst>
-                                    <p:set>
-                                      <p:cBhvr>
-                                        <p:cTn id="16" dur="1" fill="hold">
-                                          <p:stCondLst>
-                                            <p:cond delay="0"/>
-                                          </p:stCondLst>
-                                        </p:cTn>
-                                        <p:tgtEl>
-                                          <p:spTgt spid="3">
-                                            <p:txEl>
-                                              <p:pRg st="3" end="3"/>
-                                            </p:txEl>
-                                          </p:spTgt>
-                                        </p:tgtEl>
-                                        <p:attrNameLst>
-                                          <p:attrName>style.visibility</p:attrName>
-                                        </p:attrNameLst>
-                                      </p:cBhvr>
-                                      <p:to>
-                                        <p:strVal val="visible"/>
-                                      </p:to>
-                                    </p:set>
-                                  </p:childTnLst>
-                                </p:cTn>
-                              </p:par>
-                              <p:par>
-                                <p:cTn id="17" presetID="1" presetClass="entr" presetSubtype="0" fill="hold" grpId="0" nodeType="withEffect">
-                                  <p:stCondLst>
-                                    <p:cond delay="0"/>
-                                  </p:stCondLst>
-                                  <p:childTnLst>
-                                    <p:set>
-                                      <p:cBhvr>
-                                        <p:cTn id="18" dur="1" fill="hold">
-                                          <p:stCondLst>
-                                            <p:cond delay="0"/>
-                                          </p:stCondLst>
-                                        </p:cTn>
-                                        <p:tgtEl>
-                                          <p:spTgt spid="6"/>
-                                        </p:tgtEl>
-                                        <p:attrNameLst>
-                                          <p:attrName>style.visibility</p:attrName>
-                                        </p:attrNameLst>
-                                      </p:cBhvr>
-                                      <p:to>
-                                        <p:strVal val="visible"/>
-                                      </p:to>
-                                    </p:set>
-                                  </p:childTnLst>
-                                </p:cTn>
-                              </p:par>
-                            </p:childTnLst>
-                          </p:cTn>
-                        </p:par>
-                      </p:childTnLst>
-                    </p:cTn>
-                  </p:par>
-                </p:childTnLst>
-              </p:cTn>
-              <p:prevCondLst>
-                <p:cond evt="onPrev" delay="0">
-                  <p:tgtEl>
-                    <p:sldTgt/>
-                  </p:tgtEl>
-                </p:cond>
-              </p:prevCondLst>
-              <p:nextCondLst>
-                <p:cond evt="onNext" delay="0">
-                  <p:tgtEl>
-                    <p:sldTgt/>
-                  </p:tgtEl>
-                </p:cond>
-              </p:nextCondLst>
-            </p:seq>
-          </p:childTnLst>
-        </p:cTn>
-      </p:par>
-    </p:tnLst>
-    <p:bldLst>
-      <p:bldP spid="3" grpId="0" uiExpand="1" build="p"/>
-      <p:bldP spid="5" grpId="0" animBg="1"/>
-      <p:bldP spid="6" grpId="0" animBg="1"/>
-    </p:bldLst>
-  </p:timing>
-</p:sld>
-</file>
-
-<file path=ppt/slides/slide49.xml><?xml version="1.0" encoding="utf-8"?>
-<p:sld xmlns:a="http://schemas.openxmlformats.org/drawingml/2006/main" xmlns:r="http://schemas.openxmlformats.org/officeDocument/2006/relationships" xmlns:p="http://schemas.openxmlformats.org/presentationml/2006/main">
-  <p:cSld>
-    <p:spTree>
-      <p:nvGrpSpPr>
-        <p:cNvPr id="1" name=""/>
-        <p:cNvGrpSpPr/>
-        <p:nvPr/>
-      </p:nvGrpSpPr>
-      <p:grpSpPr>
-        <a:xfrm>
-          <a:off x="0" y="0"/>
-          <a:ext cx="0" cy="0"/>
-          <a:chOff x="0" y="0"/>
-          <a:chExt cx="0" cy="0"/>
-        </a:xfrm>
-      </p:grpSpPr>
-      <p:sp>
-        <p:nvSpPr>
-          <p:cNvPr id="2" name="Title 1"/>
-          <p:cNvSpPr>
-            <a:spLocks noGrp="1"/>
-          </p:cNvSpPr>
-          <p:nvPr>
-            <p:ph type="title"/>
-          </p:nvPr>
-        </p:nvSpPr>
-        <p:spPr/>
-        <p:txBody>
-          <a:bodyPr/>
-          <a:lstStyle/>
-          <a:p>
-            <a:r>
-              <a:rPr lang="en-US" dirty="0"/>
-              <a:t>Example</a:t>
-            </a:r>
-          </a:p>
-        </p:txBody>
-      </p:sp>
-      <p:sp>
-        <p:nvSpPr>
-          <p:cNvPr id="3" name="Content Placeholder 2"/>
-          <p:cNvSpPr>
-            <a:spLocks noGrp="1"/>
-          </p:cNvSpPr>
-          <p:nvPr>
-            <p:ph idx="1"/>
-          </p:nvPr>
-        </p:nvSpPr>
-        <p:spPr/>
-        <p:txBody>
-          <a:bodyPr/>
-          <a:lstStyle/>
-          <a:p>
-            <a:r>
-              <a:rPr lang="en-US" dirty="0"/>
-              <a:t>Code illustrating cache hierarchy</a:t>
-            </a:r>
-          </a:p>
-        </p:txBody>
-      </p:sp>
-      <p:sp>
-        <p:nvSpPr>
-          <p:cNvPr id="4" name="Slide Number Placeholder 3"/>
-          <p:cNvSpPr>
-            <a:spLocks noGrp="1"/>
-          </p:cNvSpPr>
-          <p:nvPr>
-            <p:ph type="sldNum" sz="quarter" idx="12"/>
-          </p:nvPr>
-        </p:nvSpPr>
-        <p:spPr/>
-        <p:txBody>
-          <a:bodyPr/>
-          <a:lstStyle/>
-          <a:p>
-            <a:fld id="{6597116C-F94B-4B5B-973A-17F07FB5C418}" type="slidenum">
-              <a:rPr lang="nl-BE" smtClean="0"/>
-              <a:t>49</a:t>
-            </a:fld>
-            <a:endParaRPr lang="nl-BE"/>
-          </a:p>
-        </p:txBody>
-      </p:sp>
-      <p:pic>
-        <p:nvPicPr>
-          <p:cNvPr id="5" name="Picture 4"/>
-          <p:cNvPicPr>
-            <a:picLocks noChangeAspect="1"/>
-          </p:cNvPicPr>
-          <p:nvPr/>
-        </p:nvPicPr>
-        <p:blipFill>
-          <a:blip r:embed="rId2"/>
-          <a:stretch>
-            <a:fillRect/>
-          </a:stretch>
-        </p:blipFill>
-        <p:spPr>
-          <a:xfrm>
-            <a:off x="683568" y="2415461"/>
-            <a:ext cx="5280248" cy="3960186"/>
-          </a:xfrm>
-          <a:prstGeom prst="rect">
-            <a:avLst/>
-          </a:prstGeom>
-        </p:spPr>
-      </p:pic>
-      <p:grpSp>
-        <p:nvGrpSpPr>
-          <p:cNvPr id="11" name="Group 10"/>
-          <p:cNvGrpSpPr/>
-          <p:nvPr/>
-        </p:nvGrpSpPr>
-        <p:grpSpPr>
-          <a:xfrm>
-            <a:off x="5364088" y="2780928"/>
-            <a:ext cx="3000906" cy="1440160"/>
-            <a:chOff x="5364088" y="2780928"/>
-            <a:chExt cx="3000906" cy="1440160"/>
-          </a:xfrm>
-        </p:grpSpPr>
-        <p:sp>
-          <p:nvSpPr>
-            <p:cNvPr id="6" name="Oval 5"/>
-            <p:cNvSpPr/>
-            <p:nvPr/>
-          </p:nvSpPr>
-          <p:spPr>
-            <a:xfrm>
-              <a:off x="5364088" y="2780928"/>
-              <a:ext cx="599728" cy="1440160"/>
-            </a:xfrm>
-            <a:prstGeom prst="ellipse">
-              <a:avLst/>
-            </a:prstGeom>
-            <a:solidFill>
-              <a:srgbClr val="00B050">
-                <a:alpha val="19000"/>
-              </a:srgbClr>
-            </a:solidFill>
-            <a:ln>
-              <a:solidFill>
-                <a:srgbClr val="00B050"/>
-              </a:solidFill>
-            </a:ln>
-          </p:spPr>
-          <p:style>
-            <a:lnRef idx="2">
-              <a:schemeClr val="accent1">
-                <a:shade val="50000"/>
-              </a:schemeClr>
-            </a:lnRef>
-            <a:fillRef idx="1">
-              <a:schemeClr val="accent1"/>
-            </a:fillRef>
-            <a:effectRef idx="0">
-              <a:schemeClr val="accent1"/>
-            </a:effectRef>
-            <a:fontRef idx="minor">
-              <a:schemeClr val="lt1"/>
-            </a:fontRef>
-          </p:style>
-          <p:txBody>
-            <a:bodyPr rtlCol="0" anchor="ctr"/>
-            <a:lstStyle/>
-            <a:p>
-              <a:pPr algn="ctr"/>
-              <a:endParaRPr lang="en-US"/>
-            </a:p>
-          </p:txBody>
-        </p:sp>
-        <p:cxnSp>
-          <p:nvCxnSpPr>
-            <p:cNvPr id="8" name="Straight Arrow Connector 7"/>
-            <p:cNvCxnSpPr>
-              <a:stCxn id="9" idx="1"/>
-            </p:cNvCxnSpPr>
-            <p:nvPr/>
-          </p:nvCxnSpPr>
-          <p:spPr>
-            <a:xfrm flipH="1">
-              <a:off x="5958644" y="3201197"/>
-              <a:ext cx="701588" cy="299811"/>
-            </a:xfrm>
-            <a:prstGeom prst="straightConnector1">
-              <a:avLst/>
-            </a:prstGeom>
-            <a:ln w="15875">
-              <a:solidFill>
-                <a:srgbClr val="00B050"/>
-              </a:solidFill>
-              <a:tailEnd type="stealth" w="lg" len="lg"/>
-            </a:ln>
-          </p:spPr>
-          <p:style>
-            <a:lnRef idx="1">
-              <a:schemeClr val="accent1"/>
-            </a:lnRef>
-            <a:fillRef idx="0">
-              <a:schemeClr val="accent1"/>
-            </a:fillRef>
-            <a:effectRef idx="0">
-              <a:schemeClr val="accent1"/>
-            </a:effectRef>
-            <a:fontRef idx="minor">
-              <a:schemeClr val="tx1"/>
-            </a:fontRef>
-          </p:style>
-        </p:cxnSp>
-        <p:sp>
-          <p:nvSpPr>
-            <p:cNvPr id="9" name="TextBox 8"/>
-            <p:cNvSpPr txBox="1"/>
-            <p:nvPr/>
-          </p:nvSpPr>
-          <p:spPr>
-            <a:xfrm>
-              <a:off x="6660232" y="2785698"/>
-              <a:ext cx="1704762" cy="830997"/>
-            </a:xfrm>
-            <a:prstGeom prst="rect">
-              <a:avLst/>
-            </a:prstGeom>
-            <a:noFill/>
-            <a:ln>
-              <a:solidFill>
-                <a:srgbClr val="00B050"/>
-              </a:solidFill>
-            </a:ln>
-          </p:spPr>
-          <p:txBody>
-            <a:bodyPr wrap="none" rtlCol="0">
-              <a:spAutoFit/>
-            </a:bodyPr>
-            <a:lstStyle/>
-            <a:p>
-              <a:r>
-                <a:rPr lang="en-US" sz="2400" dirty="0">
-                  <a:solidFill>
-                    <a:srgbClr val="00B050"/>
-                  </a:solidFill>
-                </a:rPr>
-                <a:t>improved</a:t>
-              </a:r>
-            </a:p>
-            <a:p>
-              <a:r>
-                <a:rPr lang="en-US" sz="2400" dirty="0">
-                  <a:solidFill>
-                    <a:srgbClr val="00B050"/>
-                  </a:solidFill>
-                </a:rPr>
-                <a:t>pre-fetching</a:t>
-              </a:r>
-            </a:p>
-          </p:txBody>
-        </p:sp>
-      </p:grpSp>
-    </p:spTree>
-    <p:extLst>
-      <p:ext uri="{BB962C8B-B14F-4D97-AF65-F5344CB8AC3E}">
-        <p14:creationId xmlns:p14="http://schemas.microsoft.com/office/powerpoint/2010/main" val="988180959"/>
-      </p:ext>
-    </p:extLst>
-  </p:cSld>
-  <p:clrMapOvr>
-    <a:masterClrMapping/>
-  </p:clrMapOvr>
-  <p:timing>
-    <p:tnLst>
-      <p:par>
-        <p:cTn id="1" dur="indefinite" restart="never" nodeType="tmRoot">
-          <p:childTnLst>
-            <p:seq concurrent="1" nextAc="seek">
-              <p:cTn id="2" dur="indefinite" nodeType="mainSeq">
-                <p:childTnLst>
-                  <p:par>
-                    <p:cTn id="3" fill="hold">
-                      <p:stCondLst>
-                        <p:cond delay="indefinite"/>
-                      </p:stCondLst>
-                      <p:childTnLst>
-                        <p:par>
-                          <p:cTn id="4" fill="hold">
-                            <p:stCondLst>
-                              <p:cond delay="0"/>
-                            </p:stCondLst>
-                            <p:childTnLst>
-                              <p:par>
-                                <p:cTn id="5" presetID="1" presetClass="entr" presetSubtype="0" fill="hold" nodeType="clickEffect">
-                                  <p:stCondLst>
-                                    <p:cond delay="0"/>
-                                  </p:stCondLst>
-                                  <p:childTnLst>
-                                    <p:set>
-                                      <p:cBhvr>
-                                        <p:cTn id="6" dur="1" fill="hold">
-                                          <p:stCondLst>
-                                            <p:cond delay="0"/>
-                                          </p:stCondLst>
-                                        </p:cTn>
-                                        <p:tgtEl>
-                                          <p:spTgt spid="11"/>
-                                        </p:tgtEl>
-                                        <p:attrNameLst>
-                                          <p:attrName>style.visibility</p:attrName>
-                                        </p:attrNameLst>
-                                      </p:cBhvr>
-                                      <p:to>
-                                        <p:strVal val="visible"/>
-                                      </p:to>
-                                    </p:set>
-                                  </p:childTnLst>
-                                </p:cTn>
-                              </p:par>
-                            </p:childTnLst>
-                          </p:cTn>
-                        </p:par>
-                      </p:childTnLst>
-                    </p:cTn>
-                  </p:par>
-                </p:childTnLst>
-              </p:cTn>
-              <p:prevCondLst>
-                <p:cond evt="onPrev" delay="0">
-                  <p:tgtEl>
-                    <p:sldTgt/>
-                  </p:tgtEl>
-                </p:cond>
-              </p:prevCondLst>
-              <p:nextCondLst>
-                <p:cond evt="onNext" delay="0">
-                  <p:tgtEl>
-                    <p:sldTgt/>
-                  </p:tgtEl>
-                </p:cond>
-              </p:nextCondLst>
-            </p:seq>
-          </p:childTnLst>
-        </p:cTn>
-      </p:par>
-    </p:tnLst>
   </p:timing>
 </p:sld>
 </file>
@@ -43835,20 +45980,19 @@
           <a:p>
             <a:r>
               <a:rPr lang="en-US" dirty="0"/>
-              <a:t>Conclusion</a:t>
-            </a:r>
-            <a:endParaRPr lang="nl-BE" dirty="0"/>
+              <a:t>Intel compilers</a:t>
+            </a:r>
           </a:p>
         </p:txBody>
       </p:sp>
       <p:sp>
         <p:nvSpPr>
-          <p:cNvPr id="3" name="Text Placeholder 2"/>
+          <p:cNvPr id="3" name="Content Placeholder 2"/>
           <p:cNvSpPr>
             <a:spLocks noGrp="1"/>
           </p:cNvSpPr>
           <p:nvPr>
-            <p:ph type="body" idx="1"/>
+            <p:ph idx="1"/>
           </p:nvPr>
         </p:nvSpPr>
         <p:spPr/>
@@ -43856,7 +46000,25 @@
           <a:bodyPr/>
           <a:lstStyle/>
           <a:p>
-            <a:endParaRPr lang="nl-BE"/>
+            <a:r>
+              <a:rPr lang="en-US" dirty="0"/>
+              <a:t>Build with instrumentation</a:t>
+            </a:r>
+          </a:p>
+          <a:p>
+            <a:endParaRPr lang="en-US" dirty="0"/>
+          </a:p>
+          <a:p>
+            <a:r>
+              <a:rPr lang="en-US" dirty="0"/>
+              <a:t>Run as usual</a:t>
+            </a:r>
+          </a:p>
+          <a:p>
+            <a:r>
+              <a:rPr lang="en-US" dirty="0"/>
+              <a:t>Build using profile</a:t>
+            </a:r>
           </a:p>
         </p:txBody>
       </p:sp>
@@ -43883,16 +46045,401 @@
           </a:p>
         </p:txBody>
       </p:sp>
+      <p:sp>
+        <p:nvSpPr>
+          <p:cNvPr id="5" name="TextBox 4"/>
+          <p:cNvSpPr txBox="1"/>
+          <p:nvPr/>
+        </p:nvSpPr>
+        <p:spPr>
+          <a:xfrm>
+            <a:off x="1187624" y="2276872"/>
+            <a:ext cx="7629012" cy="369332"/>
+          </a:xfrm>
+          <a:prstGeom prst="rect">
+            <a:avLst/>
+          </a:prstGeom>
+          <a:solidFill>
+            <a:schemeClr val="bg1">
+              <a:lumMod val="85000"/>
+            </a:schemeClr>
+          </a:solidFill>
+          <a:ln>
+            <a:solidFill>
+              <a:schemeClr val="tx1"/>
+            </a:solidFill>
+          </a:ln>
+        </p:spPr>
+        <p:txBody>
+          <a:bodyPr wrap="square" rtlCol="0">
+            <a:spAutoFit/>
+          </a:bodyPr>
+          <a:lstStyle/>
+          <a:p>
+            <a:r>
+              <a:rPr lang="en-US" dirty="0" err="1">
+                <a:latin typeface="Courier New" panose="02070309020205020404" pitchFamily="49" charset="0"/>
+                <a:cs typeface="Courier New" panose="02070309020205020404" pitchFamily="49" charset="0"/>
+              </a:rPr>
+              <a:t>icc</a:t>
+            </a:r>
+            <a:r>
+              <a:rPr lang="en-US" dirty="0">
+                <a:latin typeface="Courier New" panose="02070309020205020404" pitchFamily="49" charset="0"/>
+                <a:cs typeface="Courier New" panose="02070309020205020404" pitchFamily="49" charset="0"/>
+              </a:rPr>
+              <a:t>  -prof-gen  -prof-</a:t>
+            </a:r>
+            <a:r>
+              <a:rPr lang="en-US" dirty="0" err="1">
+                <a:latin typeface="Courier New" panose="02070309020205020404" pitchFamily="49" charset="0"/>
+                <a:cs typeface="Courier New" panose="02070309020205020404" pitchFamily="49" charset="0"/>
+              </a:rPr>
+              <a:t>dir</a:t>
+            </a:r>
+            <a:r>
+              <a:rPr lang="en-US" dirty="0">
+                <a:latin typeface="Courier New" panose="02070309020205020404" pitchFamily="49" charset="0"/>
+                <a:cs typeface="Courier New" panose="02070309020205020404" pitchFamily="49" charset="0"/>
+              </a:rPr>
+              <a:t>=./profs  -o appl.exe  …</a:t>
+            </a:r>
+            <a:endParaRPr lang="nl-BE" dirty="0">
+              <a:latin typeface="Courier New" panose="02070309020205020404" pitchFamily="49" charset="0"/>
+              <a:cs typeface="Courier New" panose="02070309020205020404" pitchFamily="49" charset="0"/>
+            </a:endParaRPr>
+          </a:p>
+        </p:txBody>
+      </p:sp>
+      <p:sp>
+        <p:nvSpPr>
+          <p:cNvPr id="6" name="TextBox 5"/>
+          <p:cNvSpPr txBox="1"/>
+          <p:nvPr/>
+        </p:nvSpPr>
+        <p:spPr>
+          <a:xfrm>
+            <a:off x="1187624" y="4139788"/>
+            <a:ext cx="7629012" cy="369332"/>
+          </a:xfrm>
+          <a:prstGeom prst="rect">
+            <a:avLst/>
+          </a:prstGeom>
+          <a:solidFill>
+            <a:schemeClr val="bg1">
+              <a:lumMod val="85000"/>
+            </a:schemeClr>
+          </a:solidFill>
+          <a:ln>
+            <a:solidFill>
+              <a:schemeClr val="tx1"/>
+            </a:solidFill>
+          </a:ln>
+        </p:spPr>
+        <p:txBody>
+          <a:bodyPr wrap="none" rtlCol="0">
+            <a:spAutoFit/>
+          </a:bodyPr>
+          <a:lstStyle/>
+          <a:p>
+            <a:r>
+              <a:rPr lang="en-US" dirty="0" err="1">
+                <a:latin typeface="Courier New" panose="02070309020205020404" pitchFamily="49" charset="0"/>
+                <a:cs typeface="Courier New" panose="02070309020205020404" pitchFamily="49" charset="0"/>
+              </a:rPr>
+              <a:t>icc</a:t>
+            </a:r>
+            <a:r>
+              <a:rPr lang="en-US" dirty="0">
+                <a:latin typeface="Courier New" panose="02070309020205020404" pitchFamily="49" charset="0"/>
+                <a:cs typeface="Courier New" panose="02070309020205020404" pitchFamily="49" charset="0"/>
+              </a:rPr>
+              <a:t>  -prof-use  prof-</a:t>
+            </a:r>
+            <a:r>
+              <a:rPr lang="en-US" dirty="0" err="1">
+                <a:latin typeface="Courier New" panose="02070309020205020404" pitchFamily="49" charset="0"/>
+                <a:cs typeface="Courier New" panose="02070309020205020404" pitchFamily="49" charset="0"/>
+              </a:rPr>
+              <a:t>dir</a:t>
+            </a:r>
+            <a:r>
+              <a:rPr lang="en-US" dirty="0">
+                <a:latin typeface="Courier New" panose="02070309020205020404" pitchFamily="49" charset="0"/>
+                <a:cs typeface="Courier New" panose="02070309020205020404" pitchFamily="49" charset="0"/>
+              </a:rPr>
+              <a:t>=./profs  -</a:t>
+            </a:r>
+            <a:r>
+              <a:rPr lang="en-US" dirty="0" err="1">
+                <a:latin typeface="Courier New" panose="02070309020205020404" pitchFamily="49" charset="0"/>
+                <a:cs typeface="Courier New" panose="02070309020205020404" pitchFamily="49" charset="0"/>
+              </a:rPr>
+              <a:t>ipo</a:t>
+            </a:r>
+            <a:r>
+              <a:rPr lang="en-US" dirty="0">
+                <a:latin typeface="Courier New" panose="02070309020205020404" pitchFamily="49" charset="0"/>
+                <a:cs typeface="Courier New" panose="02070309020205020404" pitchFamily="49" charset="0"/>
+              </a:rPr>
+              <a:t>  -o appl.exe  …</a:t>
+            </a:r>
+            <a:endParaRPr lang="nl-BE" dirty="0">
+              <a:latin typeface="Courier New" panose="02070309020205020404" pitchFamily="49" charset="0"/>
+              <a:cs typeface="Courier New" panose="02070309020205020404" pitchFamily="49" charset="0"/>
+            </a:endParaRPr>
+          </a:p>
+        </p:txBody>
+      </p:sp>
     </p:spTree>
     <p:extLst>
       <p:ext uri="{BB962C8B-B14F-4D97-AF65-F5344CB8AC3E}">
-        <p14:creationId xmlns:p14="http://schemas.microsoft.com/office/powerpoint/2010/main" val="1387657132"/>
+        <p14:creationId xmlns:p14="http://schemas.microsoft.com/office/powerpoint/2010/main" val="3097815600"/>
       </p:ext>
     </p:extLst>
   </p:cSld>
   <p:clrMapOvr>
     <a:masterClrMapping/>
   </p:clrMapOvr>
+  <p:timing>
+    <p:tnLst>
+      <p:par>
+        <p:cTn id="1" dur="indefinite" restart="never" nodeType="tmRoot">
+          <p:childTnLst>
+            <p:seq concurrent="1" nextAc="seek">
+              <p:cTn id="2" dur="indefinite" nodeType="mainSeq">
+                <p:childTnLst>
+                  <p:par>
+                    <p:cTn id="3" fill="hold">
+                      <p:stCondLst>
+                        <p:cond delay="indefinite"/>
+                        <p:cond evt="onBegin" delay="0">
+                          <p:tn val="2"/>
+                        </p:cond>
+                      </p:stCondLst>
+                      <p:childTnLst>
+                        <p:par>
+                          <p:cTn id="4" fill="hold">
+                            <p:stCondLst>
+                              <p:cond delay="0"/>
+                            </p:stCondLst>
+                            <p:childTnLst>
+                              <p:par>
+                                <p:cTn id="5" presetID="1" presetClass="entr" presetSubtype="0" fill="hold" grpId="0" nodeType="withEffect">
+                                  <p:stCondLst>
+                                    <p:cond delay="0"/>
+                                  </p:stCondLst>
+                                  <p:childTnLst>
+                                    <p:set>
+                                      <p:cBhvr>
+                                        <p:cTn id="6" dur="1" fill="hold">
+                                          <p:stCondLst>
+                                            <p:cond delay="0"/>
+                                          </p:stCondLst>
+                                        </p:cTn>
+                                        <p:tgtEl>
+                                          <p:spTgt spid="3">
+                                            <p:txEl>
+                                              <p:pRg st="0" end="0"/>
+                                            </p:txEl>
+                                          </p:spTgt>
+                                        </p:tgtEl>
+                                        <p:attrNameLst>
+                                          <p:attrName>style.visibility</p:attrName>
+                                        </p:attrNameLst>
+                                      </p:cBhvr>
+                                      <p:to>
+                                        <p:strVal val="visible"/>
+                                      </p:to>
+                                    </p:set>
+                                  </p:childTnLst>
+                                </p:cTn>
+                              </p:par>
+                              <p:par>
+                                <p:cTn id="7" presetID="1" presetClass="entr" presetSubtype="0" fill="hold" grpId="0" nodeType="withEffect">
+                                  <p:stCondLst>
+                                    <p:cond delay="0"/>
+                                  </p:stCondLst>
+                                  <p:childTnLst>
+                                    <p:set>
+                                      <p:cBhvr>
+                                        <p:cTn id="8" dur="1" fill="hold">
+                                          <p:stCondLst>
+                                            <p:cond delay="0"/>
+                                          </p:stCondLst>
+                                        </p:cTn>
+                                        <p:tgtEl>
+                                          <p:spTgt spid="5"/>
+                                        </p:tgtEl>
+                                        <p:attrNameLst>
+                                          <p:attrName>style.visibility</p:attrName>
+                                        </p:attrNameLst>
+                                      </p:cBhvr>
+                                      <p:to>
+                                        <p:strVal val="visible"/>
+                                      </p:to>
+                                    </p:set>
+                                  </p:childTnLst>
+                                </p:cTn>
+                              </p:par>
+                            </p:childTnLst>
+                          </p:cTn>
+                        </p:par>
+                      </p:childTnLst>
+                    </p:cTn>
+                  </p:par>
+                  <p:par>
+                    <p:cTn id="9" fill="hold">
+                      <p:stCondLst>
+                        <p:cond delay="indefinite"/>
+                      </p:stCondLst>
+                      <p:childTnLst>
+                        <p:par>
+                          <p:cTn id="10" fill="hold">
+                            <p:stCondLst>
+                              <p:cond delay="0"/>
+                            </p:stCondLst>
+                            <p:childTnLst>
+                              <p:par>
+                                <p:cTn id="11" presetID="1" presetClass="entr" presetSubtype="0" fill="hold" grpId="0" nodeType="clickEffect">
+                                  <p:stCondLst>
+                                    <p:cond delay="0"/>
+                                  </p:stCondLst>
+                                  <p:childTnLst>
+                                    <p:set>
+                                      <p:cBhvr>
+                                        <p:cTn id="12" dur="1" fill="hold">
+                                          <p:stCondLst>
+                                            <p:cond delay="0"/>
+                                          </p:stCondLst>
+                                        </p:cTn>
+                                        <p:tgtEl>
+                                          <p:spTgt spid="3">
+                                            <p:txEl>
+                                              <p:pRg st="2" end="2"/>
+                                            </p:txEl>
+                                          </p:spTgt>
+                                        </p:tgtEl>
+                                        <p:attrNameLst>
+                                          <p:attrName>style.visibility</p:attrName>
+                                        </p:attrNameLst>
+                                      </p:cBhvr>
+                                      <p:to>
+                                        <p:strVal val="visible"/>
+                                      </p:to>
+                                    </p:set>
+                                  </p:childTnLst>
+                                </p:cTn>
+                              </p:par>
+                            </p:childTnLst>
+                          </p:cTn>
+                        </p:par>
+                      </p:childTnLst>
+                    </p:cTn>
+                  </p:par>
+                  <p:par>
+                    <p:cTn id="13" fill="hold">
+                      <p:stCondLst>
+                        <p:cond delay="indefinite"/>
+                      </p:stCondLst>
+                      <p:childTnLst>
+                        <p:par>
+                          <p:cTn id="14" fill="hold">
+                            <p:stCondLst>
+                              <p:cond delay="0"/>
+                            </p:stCondLst>
+                            <p:childTnLst>
+                              <p:par>
+                                <p:cTn id="15" presetID="1" presetClass="entr" presetSubtype="0" fill="hold" grpId="0" nodeType="clickEffect">
+                                  <p:stCondLst>
+                                    <p:cond delay="0"/>
+                                  </p:stCondLst>
+                                  <p:childTnLst>
+                                    <p:set>
+                                      <p:cBhvr>
+                                        <p:cTn id="16" dur="1" fill="hold">
+                                          <p:stCondLst>
+                                            <p:cond delay="0"/>
+                                          </p:stCondLst>
+                                        </p:cTn>
+                                        <p:tgtEl>
+                                          <p:spTgt spid="3">
+                                            <p:txEl>
+                                              <p:pRg st="3" end="3"/>
+                                            </p:txEl>
+                                          </p:spTgt>
+                                        </p:tgtEl>
+                                        <p:attrNameLst>
+                                          <p:attrName>style.visibility</p:attrName>
+                                        </p:attrNameLst>
+                                      </p:cBhvr>
+                                      <p:to>
+                                        <p:strVal val="visible"/>
+                                      </p:to>
+                                    </p:set>
+                                  </p:childTnLst>
+                                </p:cTn>
+                              </p:par>
+                              <p:par>
+                                <p:cTn id="17" presetID="1" presetClass="entr" presetSubtype="0" fill="hold" grpId="0" nodeType="withEffect">
+                                  <p:stCondLst>
+                                    <p:cond delay="0"/>
+                                  </p:stCondLst>
+                                  <p:childTnLst>
+                                    <p:set>
+                                      <p:cBhvr>
+                                        <p:cTn id="18" dur="1" fill="hold">
+                                          <p:stCondLst>
+                                            <p:cond delay="0"/>
+                                          </p:stCondLst>
+                                        </p:cTn>
+                                        <p:tgtEl>
+                                          <p:spTgt spid="6"/>
+                                        </p:tgtEl>
+                                        <p:attrNameLst>
+                                          <p:attrName>style.visibility</p:attrName>
+                                        </p:attrNameLst>
+                                      </p:cBhvr>
+                                      <p:to>
+                                        <p:strVal val="visible"/>
+                                      </p:to>
+                                    </p:set>
+                                  </p:childTnLst>
+                                </p:cTn>
+                              </p:par>
+                            </p:childTnLst>
+                          </p:cTn>
+                        </p:par>
+                      </p:childTnLst>
+                    </p:cTn>
+                  </p:par>
+                </p:childTnLst>
+              </p:cTn>
+              <p:prevCondLst>
+                <p:cond evt="onPrev" delay="0">
+                  <p:tgtEl>
+                    <p:sldTgt/>
+                  </p:tgtEl>
+                </p:cond>
+              </p:prevCondLst>
+              <p:nextCondLst>
+                <p:cond evt="onNext" delay="0">
+                  <p:tgtEl>
+                    <p:sldTgt/>
+                  </p:tgtEl>
+                </p:cond>
+              </p:nextCondLst>
+            </p:seq>
+          </p:childTnLst>
+        </p:cTn>
+      </p:par>
+    </p:tnLst>
+    <p:bldLst>
+      <p:bldP spid="3" grpId="0" uiExpand="1" build="p"/>
+      <p:bldP spid="5" grpId="0" animBg="1"/>
+      <p:bldP spid="6" grpId="0" animBg="1"/>
+    </p:bldLst>
+  </p:timing>
 </p:sld>
 </file>
 
@@ -43915,7 +46462,7 @@
       </p:grpSpPr>
       <p:sp>
         <p:nvSpPr>
-          <p:cNvPr id="5" name="Title 4"/>
+          <p:cNvPr id="2" name="Title 1"/>
           <p:cNvSpPr>
             <a:spLocks noGrp="1"/>
           </p:cNvSpPr>
@@ -43930,15 +46477,14 @@
           <a:p>
             <a:r>
               <a:rPr lang="en-US" dirty="0"/>
-              <a:t>Useful references</a:t>
-            </a:r>
-            <a:endParaRPr lang="nl-BE" dirty="0"/>
+              <a:t>Example</a:t>
+            </a:r>
           </a:p>
         </p:txBody>
       </p:sp>
       <p:sp>
         <p:nvSpPr>
-          <p:cNvPr id="6" name="Content Placeholder 5"/>
+          <p:cNvPr id="3" name="Content Placeholder 2"/>
           <p:cNvSpPr>
             <a:spLocks noGrp="1"/>
           </p:cNvSpPr>
@@ -43948,108 +46494,13 @@
         </p:nvSpPr>
         <p:spPr/>
         <p:txBody>
-          <a:bodyPr>
-            <a:normAutofit fontScale="85000" lnSpcReduction="20000"/>
-          </a:bodyPr>
+          <a:bodyPr/>
           <a:lstStyle/>
           <a:p>
             <a:r>
-              <a:rPr lang="en-US" dirty="0">
-                <a:hlinkClick r:id="rId2"/>
-              </a:rPr>
-              <a:t>Gallery of processor cache effects</a:t>
-            </a:r>
-            <a:endParaRPr lang="en-US" dirty="0"/>
-          </a:p>
-          <a:p>
-            <a:r>
-              <a:rPr lang="en-US" dirty="0">
-                <a:hlinkClick r:id="rId3"/>
-              </a:rPr>
-              <a:t>Avoiding and Identifying False Sharing Among Threads</a:t>
-            </a:r>
-            <a:endParaRPr lang="en-US" dirty="0"/>
-          </a:p>
-          <a:p>
-            <a:r>
               <a:rPr lang="en-US" dirty="0"/>
-              <a:t>Vectorization</a:t>
-            </a:r>
-          </a:p>
-          <a:p>
-            <a:pPr lvl="1"/>
-            <a:r>
-              <a:rPr lang="en-US" dirty="0">
-                <a:hlinkClick r:id="rId4"/>
-              </a:rPr>
-              <a:t>A guide to vectorization with Intel C++ compilers</a:t>
-            </a:r>
-            <a:endParaRPr lang="en-US" dirty="0"/>
-          </a:p>
-          <a:p>
-            <a:pPr lvl="1"/>
-            <a:r>
-              <a:rPr lang="en-US" dirty="0">
-                <a:hlinkClick r:id="rId5"/>
-              </a:rPr>
-              <a:t>Auto-vectorization with </a:t>
-            </a:r>
-            <a:r>
-              <a:rPr lang="en-US" dirty="0" err="1">
-                <a:hlinkClick r:id="rId5"/>
-              </a:rPr>
-              <a:t>gcc</a:t>
-            </a:r>
-            <a:r>
-              <a:rPr lang="en-US" dirty="0">
-                <a:hlinkClick r:id="rId5"/>
-              </a:rPr>
-              <a:t> 4.7</a:t>
-            </a:r>
-            <a:endParaRPr lang="en-US" dirty="0"/>
-          </a:p>
-          <a:p>
-            <a:r>
-              <a:rPr lang="en-US" dirty="0"/>
-              <a:t>Introduction to High Performance Computing for Scientists and Engineers</a:t>
-            </a:r>
-            <a:br>
-              <a:rPr lang="nl-BE" dirty="0"/>
-            </a:br>
-            <a:r>
-              <a:rPr lang="nl-BE" dirty="0"/>
-              <a:t>Georg Hager &amp; Gerhard Wellein</a:t>
-            </a:r>
-            <a:br>
-              <a:rPr lang="nl-BE" dirty="0"/>
-            </a:br>
-            <a:r>
-              <a:rPr lang="nl-BE" dirty="0"/>
-              <a:t>Chapman &amp; Hall, 2010</a:t>
-            </a:r>
-            <a:endParaRPr lang="en-US" b="1" dirty="0"/>
-          </a:p>
-          <a:p>
-            <a:r>
-              <a:rPr lang="en-US" dirty="0">
-                <a:hlinkClick r:id="rId6"/>
-              </a:rPr>
-              <a:t>Why has CPU frequency ceased to grow?</a:t>
-            </a:r>
-            <a:endParaRPr lang="en-US" dirty="0"/>
-          </a:p>
-          <a:p>
-            <a:r>
-              <a:rPr lang="en-US" dirty="0">
-                <a:hlinkClick r:id="rId7"/>
-              </a:rPr>
-              <a:t>Compiler Explorer</a:t>
-            </a:r>
-            <a:r>
-              <a:rPr lang="en-US" dirty="0"/>
-              <a:t>: interactively shows assembler</a:t>
-            </a:r>
-            <a:endParaRPr lang="nl-BE" dirty="0"/>
+              <a:t>Code illustrating cache hierarchy</a:t>
+            </a:r>
           </a:p>
         </p:txBody>
       </p:sp>
@@ -44076,16 +46527,266 @@
           </a:p>
         </p:txBody>
       </p:sp>
+      <p:pic>
+        <p:nvPicPr>
+          <p:cNvPr id="5" name="Picture 4"/>
+          <p:cNvPicPr>
+            <a:picLocks noChangeAspect="1"/>
+          </p:cNvPicPr>
+          <p:nvPr/>
+        </p:nvPicPr>
+        <p:blipFill>
+          <a:blip r:embed="rId2"/>
+          <a:stretch>
+            <a:fillRect/>
+          </a:stretch>
+        </p:blipFill>
+        <p:spPr>
+          <a:xfrm>
+            <a:off x="683568" y="2415461"/>
+            <a:ext cx="5280248" cy="3960186"/>
+          </a:xfrm>
+          <a:prstGeom prst="rect">
+            <a:avLst/>
+          </a:prstGeom>
+        </p:spPr>
+      </p:pic>
+      <p:grpSp>
+        <p:nvGrpSpPr>
+          <p:cNvPr id="11" name="Group 10"/>
+          <p:cNvGrpSpPr/>
+          <p:nvPr/>
+        </p:nvGrpSpPr>
+        <p:grpSpPr>
+          <a:xfrm>
+            <a:off x="5364088" y="2780928"/>
+            <a:ext cx="3000906" cy="1440160"/>
+            <a:chOff x="5364088" y="2780928"/>
+            <a:chExt cx="3000906" cy="1440160"/>
+          </a:xfrm>
+        </p:grpSpPr>
+        <p:sp>
+          <p:nvSpPr>
+            <p:cNvPr id="6" name="Oval 5"/>
+            <p:cNvSpPr/>
+            <p:nvPr/>
+          </p:nvSpPr>
+          <p:spPr>
+            <a:xfrm>
+              <a:off x="5364088" y="2780928"/>
+              <a:ext cx="599728" cy="1440160"/>
+            </a:xfrm>
+            <a:prstGeom prst="ellipse">
+              <a:avLst/>
+            </a:prstGeom>
+            <a:solidFill>
+              <a:srgbClr val="00B050">
+                <a:alpha val="19000"/>
+              </a:srgbClr>
+            </a:solidFill>
+            <a:ln>
+              <a:solidFill>
+                <a:srgbClr val="00B050"/>
+              </a:solidFill>
+            </a:ln>
+          </p:spPr>
+          <p:style>
+            <a:lnRef idx="2">
+              <a:schemeClr val="accent1">
+                <a:shade val="50000"/>
+              </a:schemeClr>
+            </a:lnRef>
+            <a:fillRef idx="1">
+              <a:schemeClr val="accent1"/>
+            </a:fillRef>
+            <a:effectRef idx="0">
+              <a:schemeClr val="accent1"/>
+            </a:effectRef>
+            <a:fontRef idx="minor">
+              <a:schemeClr val="lt1"/>
+            </a:fontRef>
+          </p:style>
+          <p:txBody>
+            <a:bodyPr rtlCol="0" anchor="ctr"/>
+            <a:lstStyle/>
+            <a:p>
+              <a:pPr algn="ctr"/>
+              <a:endParaRPr lang="en-US"/>
+            </a:p>
+          </p:txBody>
+        </p:sp>
+        <p:cxnSp>
+          <p:nvCxnSpPr>
+            <p:cNvPr id="8" name="Straight Arrow Connector 7"/>
+            <p:cNvCxnSpPr>
+              <a:stCxn id="9" idx="1"/>
+            </p:cNvCxnSpPr>
+            <p:nvPr/>
+          </p:nvCxnSpPr>
+          <p:spPr>
+            <a:xfrm flipH="1">
+              <a:off x="5958644" y="3201197"/>
+              <a:ext cx="701588" cy="299811"/>
+            </a:xfrm>
+            <a:prstGeom prst="straightConnector1">
+              <a:avLst/>
+            </a:prstGeom>
+            <a:ln w="15875">
+              <a:solidFill>
+                <a:srgbClr val="00B050"/>
+              </a:solidFill>
+              <a:tailEnd type="stealth" w="lg" len="lg"/>
+            </a:ln>
+          </p:spPr>
+          <p:style>
+            <a:lnRef idx="1">
+              <a:schemeClr val="accent1"/>
+            </a:lnRef>
+            <a:fillRef idx="0">
+              <a:schemeClr val="accent1"/>
+            </a:fillRef>
+            <a:effectRef idx="0">
+              <a:schemeClr val="accent1"/>
+            </a:effectRef>
+            <a:fontRef idx="minor">
+              <a:schemeClr val="tx1"/>
+            </a:fontRef>
+          </p:style>
+        </p:cxnSp>
+        <p:sp>
+          <p:nvSpPr>
+            <p:cNvPr id="9" name="TextBox 8"/>
+            <p:cNvSpPr txBox="1"/>
+            <p:nvPr/>
+          </p:nvSpPr>
+          <p:spPr>
+            <a:xfrm>
+              <a:off x="6660232" y="2785698"/>
+              <a:ext cx="1704762" cy="830997"/>
+            </a:xfrm>
+            <a:prstGeom prst="rect">
+              <a:avLst/>
+            </a:prstGeom>
+            <a:noFill/>
+            <a:ln>
+              <a:solidFill>
+                <a:srgbClr val="00B050"/>
+              </a:solidFill>
+            </a:ln>
+          </p:spPr>
+          <p:txBody>
+            <a:bodyPr wrap="none" rtlCol="0">
+              <a:spAutoFit/>
+            </a:bodyPr>
+            <a:lstStyle/>
+            <a:p>
+              <a:r>
+                <a:rPr lang="en-US" sz="2400" dirty="0">
+                  <a:solidFill>
+                    <a:srgbClr val="00B050"/>
+                  </a:solidFill>
+                </a:rPr>
+                <a:t>improved</a:t>
+              </a:r>
+            </a:p>
+            <a:p>
+              <a:r>
+                <a:rPr lang="en-US" sz="2400" dirty="0">
+                  <a:solidFill>
+                    <a:srgbClr val="00B050"/>
+                  </a:solidFill>
+                </a:rPr>
+                <a:t>pre-fetching</a:t>
+              </a:r>
+            </a:p>
+          </p:txBody>
+        </p:sp>
+      </p:grpSp>
     </p:spTree>
     <p:extLst>
       <p:ext uri="{BB962C8B-B14F-4D97-AF65-F5344CB8AC3E}">
-        <p14:creationId xmlns:p14="http://schemas.microsoft.com/office/powerpoint/2010/main" val="2653023660"/>
+        <p14:creationId xmlns:p14="http://schemas.microsoft.com/office/powerpoint/2010/main" val="988180959"/>
       </p:ext>
     </p:extLst>
   </p:cSld>
   <p:clrMapOvr>
     <a:masterClrMapping/>
   </p:clrMapOvr>
+  <p:timing>
+    <p:tnLst>
+      <p:par>
+        <p:cTn id="1" dur="indefinite" restart="never" nodeType="tmRoot">
+          <p:childTnLst>
+            <p:seq concurrent="1" nextAc="seek">
+              <p:cTn id="2" dur="indefinite" nodeType="mainSeq">
+                <p:childTnLst>
+                  <p:par>
+                    <p:cTn id="3" fill="hold">
+                      <p:stCondLst>
+                        <p:cond delay="indefinite"/>
+                      </p:stCondLst>
+                      <p:childTnLst>
+                        <p:par>
+                          <p:cTn id="4" fill="hold">
+                            <p:stCondLst>
+                              <p:cond delay="0"/>
+                            </p:stCondLst>
+                            <p:childTnLst>
+                              <p:par>
+                                <p:cTn id="5" presetID="1" presetClass="entr" presetSubtype="0" fill="hold" nodeType="clickEffect">
+                                  <p:stCondLst>
+                                    <p:cond delay="0"/>
+                                  </p:stCondLst>
+                                  <p:childTnLst>
+                                    <p:set>
+                                      <p:cBhvr>
+                                        <p:cTn id="6" dur="1" fill="hold">
+                                          <p:stCondLst>
+                                            <p:cond delay="0"/>
+                                          </p:stCondLst>
+                                        </p:cTn>
+                                        <p:tgtEl>
+                                          <p:spTgt spid="11"/>
+                                        </p:tgtEl>
+                                        <p:attrNameLst>
+                                          <p:attrName>style.visibility</p:attrName>
+                                        </p:attrNameLst>
+                                      </p:cBhvr>
+                                      <p:to>
+                                        <p:strVal val="visible"/>
+                                      </p:to>
+                                    </p:set>
+                                  </p:childTnLst>
+                                </p:cTn>
+                              </p:par>
+                            </p:childTnLst>
+                          </p:cTn>
+                        </p:par>
+                      </p:childTnLst>
+                    </p:cTn>
+                  </p:par>
+                </p:childTnLst>
+              </p:cTn>
+              <p:prevCondLst>
+                <p:cond evt="onPrev" delay="0">
+                  <p:tgtEl>
+                    <p:sldTgt/>
+                  </p:tgtEl>
+                </p:cond>
+              </p:prevCondLst>
+              <p:nextCondLst>
+                <p:cond evt="onNext" delay="0">
+                  <p:tgtEl>
+                    <p:sldTgt/>
+                  </p:tgtEl>
+                </p:cond>
+              </p:nextCondLst>
+            </p:seq>
+          </p:childTnLst>
+        </p:cTn>
+      </p:par>
+    </p:tnLst>
+  </p:timing>
 </p:sld>
 </file>
 
@@ -44123,7 +46824,7 @@
           <a:p>
             <a:r>
               <a:rPr lang="en-US" dirty="0"/>
-              <a:t>Appendix</a:t>
+              <a:t>Conclusion</a:t>
             </a:r>
             <a:endParaRPr lang="nl-BE" dirty="0"/>
           </a:p>
@@ -44174,7 +46875,7 @@
     </p:spTree>
     <p:extLst>
       <p:ext uri="{BB962C8B-B14F-4D97-AF65-F5344CB8AC3E}">
-        <p14:creationId xmlns:p14="http://schemas.microsoft.com/office/powerpoint/2010/main" val="3118825235"/>
+        <p14:creationId xmlns:p14="http://schemas.microsoft.com/office/powerpoint/2010/main" val="1387657132"/>
       </p:ext>
     </p:extLst>
   </p:cSld>
@@ -44185,6 +46886,199 @@
 </file>
 
 <file path=ppt/slides/slide53.xml><?xml version="1.0" encoding="utf-8"?>
+<p:sld xmlns:a="http://schemas.openxmlformats.org/drawingml/2006/main" xmlns:r="http://schemas.openxmlformats.org/officeDocument/2006/relationships" xmlns:p="http://schemas.openxmlformats.org/presentationml/2006/main">
+  <p:cSld>
+    <p:spTree>
+      <p:nvGrpSpPr>
+        <p:cNvPr id="1" name=""/>
+        <p:cNvGrpSpPr/>
+        <p:nvPr/>
+      </p:nvGrpSpPr>
+      <p:grpSpPr>
+        <a:xfrm>
+          <a:off x="0" y="0"/>
+          <a:ext cx="0" cy="0"/>
+          <a:chOff x="0" y="0"/>
+          <a:chExt cx="0" cy="0"/>
+        </a:xfrm>
+      </p:grpSpPr>
+      <p:sp>
+        <p:nvSpPr>
+          <p:cNvPr id="5" name="Title 4"/>
+          <p:cNvSpPr>
+            <a:spLocks noGrp="1"/>
+          </p:cNvSpPr>
+          <p:nvPr>
+            <p:ph type="title"/>
+          </p:nvPr>
+        </p:nvSpPr>
+        <p:spPr/>
+        <p:txBody>
+          <a:bodyPr/>
+          <a:lstStyle/>
+          <a:p>
+            <a:r>
+              <a:rPr lang="en-US" dirty="0"/>
+              <a:t>Useful references</a:t>
+            </a:r>
+            <a:endParaRPr lang="nl-BE" dirty="0"/>
+          </a:p>
+        </p:txBody>
+      </p:sp>
+      <p:sp>
+        <p:nvSpPr>
+          <p:cNvPr id="6" name="Content Placeholder 5"/>
+          <p:cNvSpPr>
+            <a:spLocks noGrp="1"/>
+          </p:cNvSpPr>
+          <p:nvPr>
+            <p:ph idx="1"/>
+          </p:nvPr>
+        </p:nvSpPr>
+        <p:spPr/>
+        <p:txBody>
+          <a:bodyPr>
+            <a:normAutofit fontScale="85000" lnSpcReduction="20000"/>
+          </a:bodyPr>
+          <a:lstStyle/>
+          <a:p>
+            <a:r>
+              <a:rPr lang="en-US" dirty="0">
+                <a:hlinkClick r:id="rId2"/>
+              </a:rPr>
+              <a:t>Gallery of processor cache effects</a:t>
+            </a:r>
+            <a:endParaRPr lang="en-US" dirty="0"/>
+          </a:p>
+          <a:p>
+            <a:r>
+              <a:rPr lang="en-US" dirty="0">
+                <a:hlinkClick r:id="rId3"/>
+              </a:rPr>
+              <a:t>Avoiding and Identifying False Sharing Among Threads</a:t>
+            </a:r>
+            <a:endParaRPr lang="en-US" dirty="0"/>
+          </a:p>
+          <a:p>
+            <a:r>
+              <a:rPr lang="en-US" dirty="0"/>
+              <a:t>Vectorization</a:t>
+            </a:r>
+          </a:p>
+          <a:p>
+            <a:pPr lvl="1"/>
+            <a:r>
+              <a:rPr lang="en-US" dirty="0">
+                <a:hlinkClick r:id="rId4"/>
+              </a:rPr>
+              <a:t>A guide to vectorization with Intel C++ compilers</a:t>
+            </a:r>
+            <a:endParaRPr lang="en-US" dirty="0"/>
+          </a:p>
+          <a:p>
+            <a:pPr lvl="1"/>
+            <a:r>
+              <a:rPr lang="en-US" dirty="0">
+                <a:hlinkClick r:id="rId5"/>
+              </a:rPr>
+              <a:t>Auto-vectorization with </a:t>
+            </a:r>
+            <a:r>
+              <a:rPr lang="en-US" dirty="0" err="1">
+                <a:hlinkClick r:id="rId5"/>
+              </a:rPr>
+              <a:t>gcc</a:t>
+            </a:r>
+            <a:r>
+              <a:rPr lang="en-US" dirty="0">
+                <a:hlinkClick r:id="rId5"/>
+              </a:rPr>
+              <a:t> 4.7</a:t>
+            </a:r>
+            <a:endParaRPr lang="en-US" dirty="0"/>
+          </a:p>
+          <a:p>
+            <a:r>
+              <a:rPr lang="en-US" dirty="0"/>
+              <a:t>Introduction to High Performance Computing for Scientists and Engineers</a:t>
+            </a:r>
+            <a:br>
+              <a:rPr lang="nl-BE" dirty="0"/>
+            </a:br>
+            <a:r>
+              <a:rPr lang="nl-BE" dirty="0"/>
+              <a:t>Georg Hager &amp; Gerhard Wellein</a:t>
+            </a:r>
+            <a:br>
+              <a:rPr lang="nl-BE" dirty="0"/>
+            </a:br>
+            <a:r>
+              <a:rPr lang="nl-BE" dirty="0"/>
+              <a:t>Chapman &amp; Hall, 2010</a:t>
+            </a:r>
+            <a:endParaRPr lang="en-US" b="1" dirty="0"/>
+          </a:p>
+          <a:p>
+            <a:r>
+              <a:rPr lang="en-US" dirty="0">
+                <a:hlinkClick r:id="rId6"/>
+              </a:rPr>
+              <a:t>Why has CPU frequency ceased to grow?</a:t>
+            </a:r>
+            <a:endParaRPr lang="en-US" dirty="0"/>
+          </a:p>
+          <a:p>
+            <a:r>
+              <a:rPr lang="en-US" dirty="0">
+                <a:hlinkClick r:id="rId7"/>
+              </a:rPr>
+              <a:t>Compiler Explorer</a:t>
+            </a:r>
+            <a:r>
+              <a:rPr lang="en-US" dirty="0"/>
+              <a:t>: interactively shows assembler</a:t>
+            </a:r>
+            <a:endParaRPr lang="nl-BE" dirty="0"/>
+          </a:p>
+        </p:txBody>
+      </p:sp>
+      <p:sp>
+        <p:nvSpPr>
+          <p:cNvPr id="4" name="Slide Number Placeholder 3"/>
+          <p:cNvSpPr>
+            <a:spLocks noGrp="1"/>
+          </p:cNvSpPr>
+          <p:nvPr>
+            <p:ph type="sldNum" sz="quarter" idx="12"/>
+          </p:nvPr>
+        </p:nvSpPr>
+        <p:spPr/>
+        <p:txBody>
+          <a:bodyPr/>
+          <a:lstStyle/>
+          <a:p>
+            <a:fld id="{6597116C-F94B-4B5B-973A-17F07FB5C418}" type="slidenum">
+              <a:rPr lang="nl-BE" smtClean="0"/>
+              <a:t>53</a:t>
+            </a:fld>
+            <a:endParaRPr lang="nl-BE"/>
+          </a:p>
+        </p:txBody>
+      </p:sp>
+    </p:spTree>
+    <p:extLst>
+      <p:ext uri="{BB962C8B-B14F-4D97-AF65-F5344CB8AC3E}">
+        <p14:creationId xmlns:p14="http://schemas.microsoft.com/office/powerpoint/2010/main" val="2653023660"/>
+      </p:ext>
+    </p:extLst>
+  </p:cSld>
+  <p:clrMapOvr>
+    <a:masterClrMapping/>
+  </p:clrMapOvr>
+</p:sld>
+</file>
+
+<file path=ppt/slides/slide54.xml><?xml version="1.0" encoding="utf-8"?>
 <p:sld xmlns:a="http://schemas.openxmlformats.org/drawingml/2006/main" xmlns:r="http://schemas.openxmlformats.org/officeDocument/2006/relationships" xmlns:p="http://schemas.openxmlformats.org/presentationml/2006/main">
   <p:cSld>
     <p:spTree>
@@ -44218,6 +47112,101 @@
           <a:p>
             <a:r>
               <a:rPr lang="en-US" dirty="0"/>
+              <a:t>Appendix</a:t>
+            </a:r>
+            <a:endParaRPr lang="nl-BE" dirty="0"/>
+          </a:p>
+        </p:txBody>
+      </p:sp>
+      <p:sp>
+        <p:nvSpPr>
+          <p:cNvPr id="3" name="Text Placeholder 2"/>
+          <p:cNvSpPr>
+            <a:spLocks noGrp="1"/>
+          </p:cNvSpPr>
+          <p:nvPr>
+            <p:ph type="body" idx="1"/>
+          </p:nvPr>
+        </p:nvSpPr>
+        <p:spPr/>
+        <p:txBody>
+          <a:bodyPr/>
+          <a:lstStyle/>
+          <a:p>
+            <a:endParaRPr lang="nl-BE"/>
+          </a:p>
+        </p:txBody>
+      </p:sp>
+      <p:sp>
+        <p:nvSpPr>
+          <p:cNvPr id="4" name="Slide Number Placeholder 3"/>
+          <p:cNvSpPr>
+            <a:spLocks noGrp="1"/>
+          </p:cNvSpPr>
+          <p:nvPr>
+            <p:ph type="sldNum" sz="quarter" idx="12"/>
+          </p:nvPr>
+        </p:nvSpPr>
+        <p:spPr/>
+        <p:txBody>
+          <a:bodyPr/>
+          <a:lstStyle/>
+          <a:p>
+            <a:fld id="{6597116C-F94B-4B5B-973A-17F07FB5C418}" type="slidenum">
+              <a:rPr lang="nl-BE" smtClean="0"/>
+              <a:t>54</a:t>
+            </a:fld>
+            <a:endParaRPr lang="nl-BE"/>
+          </a:p>
+        </p:txBody>
+      </p:sp>
+    </p:spTree>
+    <p:extLst>
+      <p:ext uri="{BB962C8B-B14F-4D97-AF65-F5344CB8AC3E}">
+        <p14:creationId xmlns:p14="http://schemas.microsoft.com/office/powerpoint/2010/main" val="3118825235"/>
+      </p:ext>
+    </p:extLst>
+  </p:cSld>
+  <p:clrMapOvr>
+    <a:masterClrMapping/>
+  </p:clrMapOvr>
+</p:sld>
+</file>
+
+<file path=ppt/slides/slide55.xml><?xml version="1.0" encoding="utf-8"?>
+<p:sld xmlns:a="http://schemas.openxmlformats.org/drawingml/2006/main" xmlns:r="http://schemas.openxmlformats.org/officeDocument/2006/relationships" xmlns:p="http://schemas.openxmlformats.org/presentationml/2006/main">
+  <p:cSld>
+    <p:spTree>
+      <p:nvGrpSpPr>
+        <p:cNvPr id="1" name=""/>
+        <p:cNvGrpSpPr/>
+        <p:nvPr/>
+      </p:nvGrpSpPr>
+      <p:grpSpPr>
+        <a:xfrm>
+          <a:off x="0" y="0"/>
+          <a:ext cx="0" cy="0"/>
+          <a:chOff x="0" y="0"/>
+          <a:chExt cx="0" cy="0"/>
+        </a:xfrm>
+      </p:grpSpPr>
+      <p:sp>
+        <p:nvSpPr>
+          <p:cNvPr id="2" name="Title 1"/>
+          <p:cNvSpPr>
+            <a:spLocks noGrp="1"/>
+          </p:cNvSpPr>
+          <p:nvPr>
+            <p:ph type="title"/>
+          </p:nvPr>
+        </p:nvSpPr>
+        <p:spPr/>
+        <p:txBody>
+          <a:bodyPr/>
+          <a:lstStyle/>
+          <a:p>
+            <a:r>
+              <a:rPr lang="en-US" dirty="0"/>
               <a:t>Tools</a:t>
             </a:r>
           </a:p>
@@ -44368,7 +47357,7 @@
           <a:p>
             <a:fld id="{6597116C-F94B-4B5B-973A-17F07FB5C418}" type="slidenum">
               <a:rPr lang="nl-BE" smtClean="0"/>
-              <a:t>53</a:t>
+              <a:t>55</a:t>
             </a:fld>
             <a:endParaRPr lang="nl-BE"/>
           </a:p>
@@ -44937,7 +47926,7 @@
 </p:sld>
 </file>
 
-<file path=ppt/slides/slide54.xml><?xml version="1.0" encoding="utf-8"?>
+<file path=ppt/slides/slide56.xml><?xml version="1.0" encoding="utf-8"?>
 <p:sld xmlns:a="http://schemas.openxmlformats.org/drawingml/2006/main" xmlns:r="http://schemas.openxmlformats.org/officeDocument/2006/relationships" xmlns:p="http://schemas.openxmlformats.org/presentationml/2006/main">
   <p:cSld>
     <p:spTree>
@@ -46709,7 +49698,7 @@
           <a:p>
             <a:fld id="{6597116C-F94B-4B5B-973A-17F07FB5C418}" type="slidenum">
               <a:rPr lang="nl-BE" smtClean="0"/>
-              <a:t>54</a:t>
+              <a:t>56</a:t>
             </a:fld>
             <a:endParaRPr lang="nl-BE"/>
           </a:p>
@@ -46847,7 +49836,7 @@
 </p:sld>
 </file>
 
-<file path=ppt/slides/slide55.xml><?xml version="1.0" encoding="utf-8"?>
+<file path=ppt/slides/slide57.xml><?xml version="1.0" encoding="utf-8"?>
 <p:sld xmlns:a="http://schemas.openxmlformats.org/drawingml/2006/main" xmlns:r="http://schemas.openxmlformats.org/officeDocument/2006/relationships" xmlns:p="http://schemas.openxmlformats.org/presentationml/2006/main">
   <p:cSld>
     <p:spTree>
@@ -47067,7 +50056,7 @@
           <a:p>
             <a:fld id="{6597116C-F94B-4B5B-973A-17F07FB5C418}" type="slidenum">
               <a:rPr lang="nl-BE" smtClean="0"/>
-              <a:t>55</a:t>
+              <a:t>57</a:t>
             </a:fld>
             <a:endParaRPr lang="nl-BE"/>
           </a:p>

--- a/code_optimization.pptx
+++ b/code_optimization.pptx
@@ -1561,7 +1561,7 @@
           <a:p>
             <a:fld id="{2E6AAE95-D4FC-4D00-935A-EAE928727A56}" type="datetimeFigureOut">
               <a:rPr lang="en-US" smtClean="0"/>
-              <a:t>2020-01-29</a:t>
+              <a:t>2020-01-30</a:t>
             </a:fld>
             <a:endParaRPr lang="en-US"/>
           </a:p>
@@ -2093,7 +2093,7 @@
           <a:p>
             <a:fld id="{1CFF3F78-F57F-4409-A41B-5EC46D4F404B}" type="datetime1">
               <a:rPr lang="nl-BE" smtClean="0"/>
-              <a:t>29/01/2020</a:t>
+              <a:t>30/01/2020</a:t>
             </a:fld>
             <a:endParaRPr lang="nl-BE"/>
           </a:p>
@@ -2263,7 +2263,7 @@
           <a:p>
             <a:fld id="{7D029E61-52E3-412C-82EB-2F81B17C0AF1}" type="datetime1">
               <a:rPr lang="nl-BE" smtClean="0"/>
-              <a:t>29/01/2020</a:t>
+              <a:t>30/01/2020</a:t>
             </a:fld>
             <a:endParaRPr lang="nl-BE"/>
           </a:p>
@@ -2443,7 +2443,7 @@
           <a:p>
             <a:fld id="{A83F1CEF-A38E-4001-89C6-F3FC7784F299}" type="datetime1">
               <a:rPr lang="nl-BE" smtClean="0"/>
-              <a:t>29/01/2020</a:t>
+              <a:t>30/01/2020</a:t>
             </a:fld>
             <a:endParaRPr lang="nl-BE"/>
           </a:p>
@@ -2569,7 +2569,7 @@
           <a:p>
             <a:fld id="{1FDE84DB-AADA-4C3F-BF46-CA664A504479}" type="datetime1">
               <a:rPr lang="nl-BE" smtClean="0"/>
-              <a:t>29/01/2020</a:t>
+              <a:t>30/01/2020</a:t>
             </a:fld>
             <a:endParaRPr lang="nl-BE" dirty="0"/>
           </a:p>
@@ -2806,7 +2806,7 @@
           <a:p>
             <a:fld id="{8CD53A43-C15C-4F05-9AD7-DB9DE837084D}" type="datetime1">
               <a:rPr lang="nl-BE" smtClean="0"/>
-              <a:t>29/01/2020</a:t>
+              <a:t>30/01/2020</a:t>
             </a:fld>
             <a:endParaRPr lang="nl-BE"/>
           </a:p>
@@ -3052,7 +3052,7 @@
           <a:p>
             <a:fld id="{8994D238-D949-4AEF-9753-A8B6EFA964A0}" type="datetime1">
               <a:rPr lang="nl-BE" smtClean="0"/>
-              <a:t>29/01/2020</a:t>
+              <a:t>30/01/2020</a:t>
             </a:fld>
             <a:endParaRPr lang="nl-BE"/>
           </a:p>
@@ -3340,7 +3340,7 @@
           <a:p>
             <a:fld id="{4D234023-BF99-4AD0-835E-8125DA2B6664}" type="datetime1">
               <a:rPr lang="nl-BE" smtClean="0"/>
-              <a:t>29/01/2020</a:t>
+              <a:t>30/01/2020</a:t>
             </a:fld>
             <a:endParaRPr lang="nl-BE"/>
           </a:p>
@@ -3762,7 +3762,7 @@
           <a:p>
             <a:fld id="{DB075A73-5C1D-406E-9444-3C5C58580E8E}" type="datetime1">
               <a:rPr lang="nl-BE" smtClean="0"/>
-              <a:t>29/01/2020</a:t>
+              <a:t>30/01/2020</a:t>
             </a:fld>
             <a:endParaRPr lang="nl-BE"/>
           </a:p>
@@ -3880,7 +3880,7 @@
           <a:p>
             <a:fld id="{E111FB2D-2E17-4D8F-A64A-4EB0C3D12494}" type="datetime1">
               <a:rPr lang="nl-BE" smtClean="0"/>
-              <a:t>29/01/2020</a:t>
+              <a:t>30/01/2020</a:t>
             </a:fld>
             <a:endParaRPr lang="nl-BE"/>
           </a:p>
@@ -3975,7 +3975,7 @@
           <a:p>
             <a:fld id="{5BE27D71-2267-4E44-9F33-05B60E5C7D9D}" type="datetime1">
               <a:rPr lang="nl-BE" smtClean="0"/>
-              <a:t>29/01/2020</a:t>
+              <a:t>30/01/2020</a:t>
             </a:fld>
             <a:endParaRPr lang="nl-BE"/>
           </a:p>
@@ -4252,7 +4252,7 @@
           <a:p>
             <a:fld id="{182F587C-96C8-4813-A767-3084061A3229}" type="datetime1">
               <a:rPr lang="nl-BE" smtClean="0"/>
-              <a:t>29/01/2020</a:t>
+              <a:t>30/01/2020</a:t>
             </a:fld>
             <a:endParaRPr lang="nl-BE"/>
           </a:p>
@@ -4505,7 +4505,7 @@
           <a:p>
             <a:fld id="{8B021CF8-BBBB-4DFA-8713-49842AA07274}" type="datetime1">
               <a:rPr lang="nl-BE" smtClean="0"/>
-              <a:t>29/01/2020</a:t>
+              <a:t>30/01/2020</a:t>
             </a:fld>
             <a:endParaRPr lang="nl-BE"/>
           </a:p>
@@ -4718,7 +4718,7 @@
           <a:p>
             <a:fld id="{CDBFABB5-0AB3-4CB6-A705-6887DEB1F9F2}" type="datetime1">
               <a:rPr lang="nl-BE" smtClean="0"/>
-              <a:t>29/01/2020</a:t>
+              <a:t>30/01/2020</a:t>
             </a:fld>
             <a:endParaRPr lang="nl-BE"/>
           </a:p>
@@ -11143,7 +11143,7 @@
           <a:graphicData uri="http://schemas.openxmlformats.org/presentationml/2006/ole">
             <mc:AlternateContent xmlns:mc="http://schemas.openxmlformats.org/markup-compatibility/2006">
               <mc:Choice xmlns:v="urn:schemas-microsoft-com:vml" Requires="v">
-                <p:oleObj spid="_x0000_s1290" name="Equation" r:id="rId3" imgW="812520" imgH="393480" progId="Equation.3">
+                <p:oleObj spid="_x0000_s1294" name="Equation" r:id="rId3" imgW="812520" imgH="393480" progId="Equation.3">
                   <p:embed/>
                 </p:oleObj>
               </mc:Choice>
@@ -11200,7 +11200,7 @@
           <a:graphicData uri="http://schemas.openxmlformats.org/presentationml/2006/ole">
             <mc:AlternateContent xmlns:mc="http://schemas.openxmlformats.org/markup-compatibility/2006">
               <mc:Choice xmlns:v="urn:schemas-microsoft-com:vml" Requires="v">
-                <p:oleObj spid="_x0000_s1291" name="Equation" r:id="rId5" imgW="2489040" imgH="431640" progId="Equation.3">
+                <p:oleObj spid="_x0000_s1295" name="Equation" r:id="rId5" imgW="2489040" imgH="431640" progId="Equation.3">
                   <p:embed/>
                 </p:oleObj>
               </mc:Choice>
@@ -21549,7 +21549,7 @@
           <a:graphicData uri="http://schemas.openxmlformats.org/presentationml/2006/ole">
             <mc:AlternateContent xmlns:mc="http://schemas.openxmlformats.org/markup-compatibility/2006">
               <mc:Choice xmlns:v="urn:schemas-microsoft-com:vml" Requires="v">
-                <p:oleObj spid="_x0000_s2281" name="Equation" r:id="rId3" imgW="1091880" imgH="1041120" progId="Equation.3">
+                <p:oleObj spid="_x0000_s2285" name="Equation" r:id="rId3" imgW="1091880" imgH="1041120" progId="Equation.3">
                   <p:embed/>
                 </p:oleObj>
               </mc:Choice>
@@ -22904,7 +22904,7 @@
           <a:graphicData uri="http://schemas.openxmlformats.org/presentationml/2006/ole">
             <mc:AlternateContent xmlns:mc="http://schemas.openxmlformats.org/markup-compatibility/2006">
               <mc:Choice xmlns:v="urn:schemas-microsoft-com:vml" Requires="v">
-                <p:oleObj spid="_x0000_s2282" name="Equation" r:id="rId5" imgW="1091880" imgH="1041120" progId="Equation.3">
+                <p:oleObj spid="_x0000_s2286" name="Equation" r:id="rId5" imgW="1091880" imgH="1041120" progId="Equation.3">
                   <p:embed/>
                 </p:oleObj>
               </mc:Choice>
@@ -36440,7 +36440,7 @@
           <a:graphicData uri="http://schemas.openxmlformats.org/presentationml/2006/ole">
             <mc:AlternateContent xmlns:mc="http://schemas.openxmlformats.org/markup-compatibility/2006">
               <mc:Choice xmlns:v="urn:schemas-microsoft-com:vml" Requires="v">
-                <p:oleObj spid="_x0000_s3153" name="Equation" r:id="rId3" imgW="965160" imgH="228600" progId="Equation.3">
+                <p:oleObj spid="_x0000_s3155" name="Equation" r:id="rId3" imgW="965160" imgH="228600" progId="Equation.3">
                   <p:embed/>
                 </p:oleObj>
               </mc:Choice>
@@ -36882,7 +36882,7 @@
           <a:p>
             <a:r>
               <a:rPr lang="en-US" dirty="0"/>
-              <a:t>Branch prediction</a:t>
+              <a:t>Branches</a:t>
             </a:r>
             <a:endParaRPr lang="en-BE" dirty="0"/>
           </a:p>
@@ -36916,13 +36916,27 @@
           <a:p>
             <a:r>
               <a:rPr lang="en-US" dirty="0"/>
-              <a:t>Compute is pipelined</a:t>
+              <a:t>Calculations are pipelined</a:t>
             </a:r>
           </a:p>
           <a:p>
             <a:r>
               <a:rPr lang="en-US" dirty="0"/>
-              <a:t>Memory bound: speculative execution</a:t>
+              <a:t>On branch switch</a:t>
+            </a:r>
+          </a:p>
+          <a:p>
+            <a:pPr lvl="1"/>
+            <a:r>
+              <a:rPr lang="en-US" dirty="0"/>
+              <a:t>one pipeline terminates</a:t>
+            </a:r>
+          </a:p>
+          <a:p>
+            <a:pPr lvl="1"/>
+            <a:r>
+              <a:rPr lang="en-US" dirty="0"/>
+              <a:t>other pipeline starts</a:t>
             </a:r>
             <a:endParaRPr lang="en-BE" dirty="0"/>
           </a:p>
@@ -37153,6 +37167,47 @@
               <a:latin typeface="Courier New" panose="02070309020205020404" pitchFamily="49" charset="0"/>
               <a:cs typeface="Courier New" panose="02070309020205020404" pitchFamily="49" charset="0"/>
             </a:endParaRPr>
+          </a:p>
+        </p:txBody>
+      </p:sp>
+      <p:sp>
+        <p:nvSpPr>
+          <p:cNvPr id="5" name="TextBox 4">
+            <a:extLst>
+              <a:ext uri="{FF2B5EF4-FFF2-40B4-BE49-F238E27FC236}">
+                <a16:creationId xmlns:a16="http://schemas.microsoft.com/office/drawing/2014/main" id="{072AF9A2-5548-49B0-8E96-F8396B14491C}"/>
+              </a:ext>
+            </a:extLst>
+          </p:cNvPr>
+          <p:cNvSpPr txBox="1"/>
+          <p:nvPr/>
+        </p:nvSpPr>
+        <p:spPr>
+          <a:xfrm>
+            <a:off x="5868144" y="4797152"/>
+            <a:ext cx="2664296" cy="830997"/>
+          </a:xfrm>
+          <a:prstGeom prst="rect">
+            <a:avLst/>
+          </a:prstGeom>
+          <a:noFill/>
+          <a:ln>
+            <a:solidFill>
+              <a:schemeClr val="tx1"/>
+            </a:solidFill>
+          </a:ln>
+        </p:spPr>
+        <p:txBody>
+          <a:bodyPr wrap="square" rtlCol="0">
+            <a:spAutoFit/>
+          </a:bodyPr>
+          <a:lstStyle/>
+          <a:p>
+            <a:r>
+              <a:rPr lang="en-US" sz="2400" dirty="0"/>
+              <a:t>30 % performance difference</a:t>
+            </a:r>
+            <a:endParaRPr lang="en-BE" sz="2400" dirty="0"/>
           </a:p>
         </p:txBody>
       </p:sp>
@@ -37222,6 +37277,211 @@
                       </p:childTnLst>
                     </p:cTn>
                   </p:par>
+                  <p:par>
+                    <p:cTn id="7" fill="hold">
+                      <p:stCondLst>
+                        <p:cond delay="indefinite"/>
+                      </p:stCondLst>
+                      <p:childTnLst>
+                        <p:par>
+                          <p:cTn id="8" fill="hold">
+                            <p:stCondLst>
+                              <p:cond delay="0"/>
+                            </p:stCondLst>
+                            <p:childTnLst>
+                              <p:par>
+                                <p:cTn id="9" presetID="1" presetClass="entr" presetSubtype="0" fill="hold" grpId="0" nodeType="clickEffect">
+                                  <p:stCondLst>
+                                    <p:cond delay="0"/>
+                                  </p:stCondLst>
+                                  <p:childTnLst>
+                                    <p:set>
+                                      <p:cBhvr>
+                                        <p:cTn id="10" dur="1" fill="hold">
+                                          <p:stCondLst>
+                                            <p:cond delay="0"/>
+                                          </p:stCondLst>
+                                        </p:cTn>
+                                        <p:tgtEl>
+                                          <p:spTgt spid="3">
+                                            <p:txEl>
+                                              <p:pRg st="0" end="0"/>
+                                            </p:txEl>
+                                          </p:spTgt>
+                                        </p:tgtEl>
+                                        <p:attrNameLst>
+                                          <p:attrName>style.visibility</p:attrName>
+                                        </p:attrNameLst>
+                                      </p:cBhvr>
+                                      <p:to>
+                                        <p:strVal val="visible"/>
+                                      </p:to>
+                                    </p:set>
+                                  </p:childTnLst>
+                                </p:cTn>
+                              </p:par>
+                            </p:childTnLst>
+                          </p:cTn>
+                        </p:par>
+                      </p:childTnLst>
+                    </p:cTn>
+                  </p:par>
+                  <p:par>
+                    <p:cTn id="11" fill="hold">
+                      <p:stCondLst>
+                        <p:cond delay="indefinite"/>
+                      </p:stCondLst>
+                      <p:childTnLst>
+                        <p:par>
+                          <p:cTn id="12" fill="hold">
+                            <p:stCondLst>
+                              <p:cond delay="0"/>
+                            </p:stCondLst>
+                            <p:childTnLst>
+                              <p:par>
+                                <p:cTn id="13" presetID="1" presetClass="entr" presetSubtype="0" fill="hold" grpId="0" nodeType="clickEffect">
+                                  <p:stCondLst>
+                                    <p:cond delay="0"/>
+                                  </p:stCondLst>
+                                  <p:childTnLst>
+                                    <p:set>
+                                      <p:cBhvr>
+                                        <p:cTn id="14" dur="1" fill="hold">
+                                          <p:stCondLst>
+                                            <p:cond delay="0"/>
+                                          </p:stCondLst>
+                                        </p:cTn>
+                                        <p:tgtEl>
+                                          <p:spTgt spid="3">
+                                            <p:txEl>
+                                              <p:pRg st="1" end="1"/>
+                                            </p:txEl>
+                                          </p:spTgt>
+                                        </p:tgtEl>
+                                        <p:attrNameLst>
+                                          <p:attrName>style.visibility</p:attrName>
+                                        </p:attrNameLst>
+                                      </p:cBhvr>
+                                      <p:to>
+                                        <p:strVal val="visible"/>
+                                      </p:to>
+                                    </p:set>
+                                  </p:childTnLst>
+                                </p:cTn>
+                              </p:par>
+                              <p:par>
+                                <p:cTn id="15" presetID="1" presetClass="entr" presetSubtype="0" fill="hold" grpId="0" nodeType="withEffect">
+                                  <p:stCondLst>
+                                    <p:cond delay="0"/>
+                                  </p:stCondLst>
+                                  <p:childTnLst>
+                                    <p:set>
+                                      <p:cBhvr>
+                                        <p:cTn id="16" dur="1" fill="hold">
+                                          <p:stCondLst>
+                                            <p:cond delay="0"/>
+                                          </p:stCondLst>
+                                        </p:cTn>
+                                        <p:tgtEl>
+                                          <p:spTgt spid="3">
+                                            <p:txEl>
+                                              <p:pRg st="2" end="2"/>
+                                            </p:txEl>
+                                          </p:spTgt>
+                                        </p:tgtEl>
+                                        <p:attrNameLst>
+                                          <p:attrName>style.visibility</p:attrName>
+                                        </p:attrNameLst>
+                                      </p:cBhvr>
+                                      <p:to>
+                                        <p:strVal val="visible"/>
+                                      </p:to>
+                                    </p:set>
+                                  </p:childTnLst>
+                                </p:cTn>
+                              </p:par>
+                              <p:par>
+                                <p:cTn id="17" presetID="1" presetClass="entr" presetSubtype="0" fill="hold" grpId="0" nodeType="withEffect">
+                                  <p:stCondLst>
+                                    <p:cond delay="0"/>
+                                  </p:stCondLst>
+                                  <p:childTnLst>
+                                    <p:set>
+                                      <p:cBhvr>
+                                        <p:cTn id="18" dur="1" fill="hold">
+                                          <p:stCondLst>
+                                            <p:cond delay="0"/>
+                                          </p:stCondLst>
+                                        </p:cTn>
+                                        <p:tgtEl>
+                                          <p:spTgt spid="3">
+                                            <p:txEl>
+                                              <p:pRg st="3" end="3"/>
+                                            </p:txEl>
+                                          </p:spTgt>
+                                        </p:tgtEl>
+                                        <p:attrNameLst>
+                                          <p:attrName>style.visibility</p:attrName>
+                                        </p:attrNameLst>
+                                      </p:cBhvr>
+                                      <p:to>
+                                        <p:strVal val="visible"/>
+                                      </p:to>
+                                    </p:set>
+                                  </p:childTnLst>
+                                </p:cTn>
+                              </p:par>
+                            </p:childTnLst>
+                          </p:cTn>
+                        </p:par>
+                      </p:childTnLst>
+                    </p:cTn>
+                  </p:par>
+                  <p:par>
+                    <p:cTn id="19" fill="hold">
+                      <p:stCondLst>
+                        <p:cond delay="indefinite"/>
+                      </p:stCondLst>
+                      <p:childTnLst>
+                        <p:par>
+                          <p:cTn id="20" fill="hold">
+                            <p:stCondLst>
+                              <p:cond delay="0"/>
+                            </p:stCondLst>
+                            <p:childTnLst>
+                              <p:par>
+                                <p:cTn id="21" presetID="1" presetClass="entr" presetSubtype="0" fill="hold" grpId="0" nodeType="clickEffect">
+                                  <p:stCondLst>
+                                    <p:cond delay="0"/>
+                                  </p:stCondLst>
+                                  <p:childTnLst>
+                                    <p:set>
+                                      <p:cBhvr>
+                                        <p:cTn id="22" dur="1" fill="hold">
+                                          <p:stCondLst>
+                                            <p:cond delay="0"/>
+                                          </p:stCondLst>
+                                        </p:cTn>
+                                        <p:tgtEl>
+                                          <p:spTgt spid="5"/>
+                                        </p:tgtEl>
+                                        <p:attrNameLst>
+                                          <p:attrName>style.visibility</p:attrName>
+                                        </p:attrNameLst>
+                                      </p:cBhvr>
+                                      <p:to>
+                                        <p:strVal val="visible"/>
+                                      </p:to>
+                                    </p:set>
+                                  </p:childTnLst>
+                                </p:cTn>
+                              </p:par>
+                            </p:childTnLst>
+                          </p:cTn>
+                        </p:par>
+                      </p:childTnLst>
+                    </p:cTn>
+                  </p:par>
                 </p:childTnLst>
               </p:cTn>
               <p:prevCondLst>
@@ -37244,7 +37504,9 @@
       </p:par>
     </p:tnLst>
     <p:bldLst>
+      <p:bldP spid="3" grpId="0" build="p"/>
       <p:bldP spid="6" grpId="0" animBg="1"/>
+      <p:bldP spid="5" grpId="0" animBg="1"/>
     </p:bldLst>
   </p:timing>
 </p:sld>

--- a/code_optimization.pptx
+++ b/code_optimization.pptx
@@ -1561,7 +1561,7 @@
           <a:p>
             <a:fld id="{2E6AAE95-D4FC-4D00-935A-EAE928727A56}" type="datetimeFigureOut">
               <a:rPr lang="en-US" smtClean="0"/>
-              <a:t>2020-01-30</a:t>
+              <a:t>2021-01-26</a:t>
             </a:fld>
             <a:endParaRPr lang="en-US"/>
           </a:p>
@@ -2093,7 +2093,7 @@
           <a:p>
             <a:fld id="{1CFF3F78-F57F-4409-A41B-5EC46D4F404B}" type="datetime1">
               <a:rPr lang="nl-BE" smtClean="0"/>
-              <a:t>30/01/2020</a:t>
+              <a:t>26/01/2021</a:t>
             </a:fld>
             <a:endParaRPr lang="nl-BE"/>
           </a:p>
@@ -2263,7 +2263,7 @@
           <a:p>
             <a:fld id="{7D029E61-52E3-412C-82EB-2F81B17C0AF1}" type="datetime1">
               <a:rPr lang="nl-BE" smtClean="0"/>
-              <a:t>30/01/2020</a:t>
+              <a:t>26/01/2021</a:t>
             </a:fld>
             <a:endParaRPr lang="nl-BE"/>
           </a:p>
@@ -2443,7 +2443,7 @@
           <a:p>
             <a:fld id="{A83F1CEF-A38E-4001-89C6-F3FC7784F299}" type="datetime1">
               <a:rPr lang="nl-BE" smtClean="0"/>
-              <a:t>30/01/2020</a:t>
+              <a:t>26/01/2021</a:t>
             </a:fld>
             <a:endParaRPr lang="nl-BE"/>
           </a:p>
@@ -2569,7 +2569,7 @@
           <a:p>
             <a:fld id="{1FDE84DB-AADA-4C3F-BF46-CA664A504479}" type="datetime1">
               <a:rPr lang="nl-BE" smtClean="0"/>
-              <a:t>30/01/2020</a:t>
+              <a:t>26/01/2021</a:t>
             </a:fld>
             <a:endParaRPr lang="nl-BE" dirty="0"/>
           </a:p>
@@ -2806,7 +2806,7 @@
           <a:p>
             <a:fld id="{8CD53A43-C15C-4F05-9AD7-DB9DE837084D}" type="datetime1">
               <a:rPr lang="nl-BE" smtClean="0"/>
-              <a:t>30/01/2020</a:t>
+              <a:t>26/01/2021</a:t>
             </a:fld>
             <a:endParaRPr lang="nl-BE"/>
           </a:p>
@@ -3052,7 +3052,7 @@
           <a:p>
             <a:fld id="{8994D238-D949-4AEF-9753-A8B6EFA964A0}" type="datetime1">
               <a:rPr lang="nl-BE" smtClean="0"/>
-              <a:t>30/01/2020</a:t>
+              <a:t>26/01/2021</a:t>
             </a:fld>
             <a:endParaRPr lang="nl-BE"/>
           </a:p>
@@ -3340,7 +3340,7 @@
           <a:p>
             <a:fld id="{4D234023-BF99-4AD0-835E-8125DA2B6664}" type="datetime1">
               <a:rPr lang="nl-BE" smtClean="0"/>
-              <a:t>30/01/2020</a:t>
+              <a:t>26/01/2021</a:t>
             </a:fld>
             <a:endParaRPr lang="nl-BE"/>
           </a:p>
@@ -3762,7 +3762,7 @@
           <a:p>
             <a:fld id="{DB075A73-5C1D-406E-9444-3C5C58580E8E}" type="datetime1">
               <a:rPr lang="nl-BE" smtClean="0"/>
-              <a:t>30/01/2020</a:t>
+              <a:t>26/01/2021</a:t>
             </a:fld>
             <a:endParaRPr lang="nl-BE"/>
           </a:p>
@@ -3880,7 +3880,7 @@
           <a:p>
             <a:fld id="{E111FB2D-2E17-4D8F-A64A-4EB0C3D12494}" type="datetime1">
               <a:rPr lang="nl-BE" smtClean="0"/>
-              <a:t>30/01/2020</a:t>
+              <a:t>26/01/2021</a:t>
             </a:fld>
             <a:endParaRPr lang="nl-BE"/>
           </a:p>
@@ -3975,7 +3975,7 @@
           <a:p>
             <a:fld id="{5BE27D71-2267-4E44-9F33-05B60E5C7D9D}" type="datetime1">
               <a:rPr lang="nl-BE" smtClean="0"/>
-              <a:t>30/01/2020</a:t>
+              <a:t>26/01/2021</a:t>
             </a:fld>
             <a:endParaRPr lang="nl-BE"/>
           </a:p>
@@ -4252,7 +4252,7 @@
           <a:p>
             <a:fld id="{182F587C-96C8-4813-A767-3084061A3229}" type="datetime1">
               <a:rPr lang="nl-BE" smtClean="0"/>
-              <a:t>30/01/2020</a:t>
+              <a:t>26/01/2021</a:t>
             </a:fld>
             <a:endParaRPr lang="nl-BE"/>
           </a:p>
@@ -4505,7 +4505,7 @@
           <a:p>
             <a:fld id="{8B021CF8-BBBB-4DFA-8713-49842AA07274}" type="datetime1">
               <a:rPr lang="nl-BE" smtClean="0"/>
-              <a:t>30/01/2020</a:t>
+              <a:t>26/01/2021</a:t>
             </a:fld>
             <a:endParaRPr lang="nl-BE"/>
           </a:p>
@@ -4718,7 +4718,7 @@
           <a:p>
             <a:fld id="{CDBFABB5-0AB3-4CB6-A705-6887DEB1F9F2}" type="datetime1">
               <a:rPr lang="nl-BE" smtClean="0"/>
-              <a:t>30/01/2020</a:t>
+              <a:t>26/01/2021</a:t>
             </a:fld>
             <a:endParaRPr lang="nl-BE"/>
           </a:p>
@@ -11143,12 +11143,12 @@
           <a:graphicData uri="http://schemas.openxmlformats.org/presentationml/2006/ole">
             <mc:AlternateContent xmlns:mc="http://schemas.openxmlformats.org/markup-compatibility/2006">
               <mc:Choice xmlns:v="urn:schemas-microsoft-com:vml" Requires="v">
-                <p:oleObj spid="_x0000_s1294" name="Equation" r:id="rId3" imgW="812520" imgH="393480" progId="Equation.3">
+                <p:oleObj name="Equation" r:id="rId2" imgW="812520" imgH="393480" progId="Equation.3">
                   <p:embed/>
                 </p:oleObj>
               </mc:Choice>
               <mc:Fallback>
-                <p:oleObj name="Equation" r:id="rId3" imgW="812520" imgH="393480" progId="Equation.3">
+                <p:oleObj name="Equation" r:id="rId2" imgW="812520" imgH="393480" progId="Equation.3">
                   <p:embed/>
                   <p:pic>
                     <p:nvPicPr>
@@ -11157,7 +11157,7 @@
                       <p:nvPr/>
                     </p:nvPicPr>
                     <p:blipFill>
-                      <a:blip r:embed="rId4"/>
+                      <a:blip r:embed="rId3"/>
                       <a:stretch>
                         <a:fillRect/>
                       </a:stretch>
@@ -11200,12 +11200,12 @@
           <a:graphicData uri="http://schemas.openxmlformats.org/presentationml/2006/ole">
             <mc:AlternateContent xmlns:mc="http://schemas.openxmlformats.org/markup-compatibility/2006">
               <mc:Choice xmlns:v="urn:schemas-microsoft-com:vml" Requires="v">
-                <p:oleObj spid="_x0000_s1295" name="Equation" r:id="rId5" imgW="2489040" imgH="431640" progId="Equation.3">
+                <p:oleObj name="Equation" r:id="rId4" imgW="2489040" imgH="431640" progId="Equation.3">
                   <p:embed/>
                 </p:oleObj>
               </mc:Choice>
               <mc:Fallback>
-                <p:oleObj name="Equation" r:id="rId5" imgW="2489040" imgH="431640" progId="Equation.3">
+                <p:oleObj name="Equation" r:id="rId4" imgW="2489040" imgH="431640" progId="Equation.3">
                   <p:embed/>
                   <p:pic>
                     <p:nvPicPr>
@@ -11214,7 +11214,7 @@
                       <p:nvPr/>
                     </p:nvPicPr>
                     <p:blipFill>
-                      <a:blip r:embed="rId6"/>
+                      <a:blip r:embed="rId5"/>
                       <a:stretch>
                         <a:fillRect/>
                       </a:stretch>
@@ -17046,7 +17046,15 @@
             <a:pPr lvl="1"/>
             <a:r>
               <a:rPr lang="en-US" dirty="0"/>
-              <a:t>size: 256 kb</a:t>
+              <a:t>size: 256 kB, for </a:t>
+            </a:r>
+            <a:r>
+              <a:rPr lang="en-US" dirty="0" err="1"/>
+              <a:t>skylake</a:t>
+            </a:r>
+            <a:r>
+              <a:rPr lang="en-US" dirty="0"/>
+              <a:t> and later: 1 MB</a:t>
             </a:r>
           </a:p>
           <a:p>
@@ -17066,7 +17074,7 @@
             <a:pPr lvl="1"/>
             <a:r>
               <a:rPr lang="en-US" dirty="0"/>
-              <a:t>size: 32 kb data + 32 kb instruction</a:t>
+              <a:t>size: 32 kB data + 32 kB instruction</a:t>
             </a:r>
           </a:p>
           <a:p>
@@ -21549,12 +21557,12 @@
           <a:graphicData uri="http://schemas.openxmlformats.org/presentationml/2006/ole">
             <mc:AlternateContent xmlns:mc="http://schemas.openxmlformats.org/markup-compatibility/2006">
               <mc:Choice xmlns:v="urn:schemas-microsoft-com:vml" Requires="v">
-                <p:oleObj spid="_x0000_s2285" name="Equation" r:id="rId3" imgW="1091880" imgH="1041120" progId="Equation.3">
+                <p:oleObj name="Equation" r:id="rId2" imgW="1091880" imgH="1041120" progId="Equation.3">
                   <p:embed/>
                 </p:oleObj>
               </mc:Choice>
               <mc:Fallback>
-                <p:oleObj name="Equation" r:id="rId3" imgW="1091880" imgH="1041120" progId="Equation.3">
+                <p:oleObj name="Equation" r:id="rId2" imgW="1091880" imgH="1041120" progId="Equation.3">
                   <p:embed/>
                   <p:pic>
                     <p:nvPicPr>
@@ -21563,7 +21571,7 @@
                       <p:nvPr/>
                     </p:nvPicPr>
                     <p:blipFill>
-                      <a:blip r:embed="rId4"/>
+                      <a:blip r:embed="rId3"/>
                       <a:stretch>
                         <a:fillRect/>
                       </a:stretch>
@@ -22904,12 +22912,12 @@
           <a:graphicData uri="http://schemas.openxmlformats.org/presentationml/2006/ole">
             <mc:AlternateContent xmlns:mc="http://schemas.openxmlformats.org/markup-compatibility/2006">
               <mc:Choice xmlns:v="urn:schemas-microsoft-com:vml" Requires="v">
-                <p:oleObj spid="_x0000_s2286" name="Equation" r:id="rId5" imgW="1091880" imgH="1041120" progId="Equation.3">
+                <p:oleObj name="Equation" r:id="rId4" imgW="1091880" imgH="1041120" progId="Equation.3">
                   <p:embed/>
                 </p:oleObj>
               </mc:Choice>
               <mc:Fallback>
-                <p:oleObj name="Equation" r:id="rId5" imgW="1091880" imgH="1041120" progId="Equation.3">
+                <p:oleObj name="Equation" r:id="rId4" imgW="1091880" imgH="1041120" progId="Equation.3">
                   <p:embed/>
                   <p:pic>
                     <p:nvPicPr>
@@ -22918,7 +22926,7 @@
                       <p:nvPr/>
                     </p:nvPicPr>
                     <p:blipFill>
-                      <a:blip r:embed="rId4"/>
+                      <a:blip r:embed="rId3"/>
                       <a:stretch>
                         <a:fillRect/>
                       </a:stretch>
@@ -25782,7 +25790,7 @@
           <a:p>
             <a:r>
               <a:rPr lang="en-US" dirty="0"/>
-              <a:t>L2: 8-way associative, 256 kb</a:t>
+              <a:t>L2: 8-way associative, 256 kB</a:t>
             </a:r>
           </a:p>
           <a:p>
@@ -27581,8 +27589,8 @@
         </p:nvSpPr>
         <p:spPr>
           <a:xfrm>
-            <a:off x="107504" y="5229200"/>
-            <a:ext cx="9355574" cy="830997"/>
+            <a:off x="179512" y="5229200"/>
+            <a:ext cx="8733302" cy="830997"/>
           </a:xfrm>
           <a:prstGeom prst="rect">
             <a:avLst/>
@@ -27590,7 +27598,7 @@
           <a:noFill/>
         </p:spPr>
         <p:txBody>
-          <a:bodyPr wrap="none" rtlCol="0">
+          <a:bodyPr wrap="square" rtlCol="0">
             <a:spAutoFit/>
           </a:bodyPr>
           <a:lstStyle/>
@@ -27605,46 +27613,30 @@
             </a:r>
             <a:r>
               <a:rPr lang="en-US" sz="2400" dirty="0"/>
-              <a:t>/register  </a:t>
-            </a:r>
-            <a:r>
-              <a:rPr lang="en-US" sz="2400"/>
-              <a:t>× 2.4</a:t>
-            </a:r>
-            <a:r>
-              <a:rPr lang="en-US" sz="2400" baseline="30000"/>
+              <a:t>/register  × 2.4</a:t>
+            </a:r>
+            <a:r>
+              <a:rPr lang="en-US" sz="2400" baseline="30000" dirty="0"/>
               <a:t>.</a:t>
             </a:r>
             <a:r>
-              <a:rPr lang="en-US" sz="2400"/>
+              <a:rPr lang="en-US" sz="2400" dirty="0"/>
               <a:t>10</a:t>
             </a:r>
             <a:r>
-              <a:rPr lang="en-US" sz="2400" baseline="30000"/>
+              <a:rPr lang="en-US" sz="2400" baseline="30000" dirty="0"/>
               <a:t>9</a:t>
             </a:r>
             <a:r>
-              <a:rPr lang="en-US" sz="2400"/>
-              <a:t> </a:t>
-            </a:r>
-            <a:r>
               <a:rPr lang="en-US" sz="2400" dirty="0"/>
-              <a:t>additions × 14 cores × 2 sockets</a:t>
+              <a:t> ops. × 14 cores × 2 sockets</a:t>
             </a:r>
             <a:br>
               <a:rPr lang="en-US" sz="2400" dirty="0"/>
             </a:br>
             <a:r>
               <a:rPr lang="en-US" sz="2400" dirty="0"/>
-              <a:t>                                </a:t>
-            </a:r>
-            <a:r>
-              <a:rPr lang="en-US" sz="2400"/>
-              <a:t>= 269 </a:t>
-            </a:r>
-            <a:r>
-              <a:rPr lang="en-US" sz="2400" dirty="0"/>
-              <a:t>GFLOPS</a:t>
+              <a:t>                                = 269 GFLOPS</a:t>
             </a:r>
           </a:p>
         </p:txBody>
@@ -36440,12 +36432,12 @@
           <a:graphicData uri="http://schemas.openxmlformats.org/presentationml/2006/ole">
             <mc:AlternateContent xmlns:mc="http://schemas.openxmlformats.org/markup-compatibility/2006">
               <mc:Choice xmlns:v="urn:schemas-microsoft-com:vml" Requires="v">
-                <p:oleObj spid="_x0000_s3155" name="Equation" r:id="rId3" imgW="965160" imgH="228600" progId="Equation.3">
+                <p:oleObj name="Equation" r:id="rId2" imgW="965160" imgH="228600" progId="Equation.3">
                   <p:embed/>
                 </p:oleObj>
               </mc:Choice>
               <mc:Fallback>
-                <p:oleObj name="Equation" r:id="rId3" imgW="965160" imgH="228600" progId="Equation.3">
+                <p:oleObj name="Equation" r:id="rId2" imgW="965160" imgH="228600" progId="Equation.3">
                   <p:embed/>
                   <p:pic>
                     <p:nvPicPr>
@@ -36454,7 +36446,7 @@
                       <p:nvPr/>
                     </p:nvPicPr>
                     <p:blipFill>
-                      <a:blip r:embed="rId4"/>
+                      <a:blip r:embed="rId3"/>
                       <a:stretch>
                         <a:fillRect/>
                       </a:stretch>
@@ -47516,7 +47508,7 @@
             <a:pPr lvl="1"/>
             <a:r>
               <a:rPr lang="en-US" dirty="0" err="1"/>
-              <a:t>AllineaForge</a:t>
+              <a:t>ArmForge</a:t>
             </a:r>
             <a:r>
               <a:rPr lang="en-US" dirty="0"/>

--- a/code_optimization.pptx
+++ b/code_optimization.pptx
@@ -5,66 +5,67 @@
     <p:sldMasterId id="2147483648" r:id="rId1"/>
   </p:sldMasterIdLst>
   <p:notesMasterIdLst>
-    <p:notesMasterId r:id="rId59"/>
+    <p:notesMasterId r:id="rId60"/>
   </p:notesMasterIdLst>
   <p:sldIdLst>
     <p:sldId id="267" r:id="rId2"/>
     <p:sldId id="321" r:id="rId3"/>
-    <p:sldId id="293" r:id="rId4"/>
-    <p:sldId id="295" r:id="rId5"/>
-    <p:sldId id="311" r:id="rId6"/>
-    <p:sldId id="312" r:id="rId7"/>
-    <p:sldId id="268" r:id="rId8"/>
-    <p:sldId id="257" r:id="rId9"/>
-    <p:sldId id="258" r:id="rId10"/>
-    <p:sldId id="259" r:id="rId11"/>
-    <p:sldId id="260" r:id="rId12"/>
-    <p:sldId id="261" r:id="rId13"/>
-    <p:sldId id="262" r:id="rId14"/>
-    <p:sldId id="263" r:id="rId15"/>
-    <p:sldId id="264" r:id="rId16"/>
-    <p:sldId id="265" r:id="rId17"/>
-    <p:sldId id="266" r:id="rId18"/>
-    <p:sldId id="269" r:id="rId19"/>
-    <p:sldId id="270" r:id="rId20"/>
-    <p:sldId id="284" r:id="rId21"/>
-    <p:sldId id="272" r:id="rId22"/>
-    <p:sldId id="277" r:id="rId23"/>
-    <p:sldId id="273" r:id="rId24"/>
-    <p:sldId id="279" r:id="rId25"/>
-    <p:sldId id="280" r:id="rId26"/>
-    <p:sldId id="278" r:id="rId27"/>
-    <p:sldId id="288" r:id="rId28"/>
-    <p:sldId id="296" r:id="rId29"/>
-    <p:sldId id="285" r:id="rId30"/>
-    <p:sldId id="275" r:id="rId31"/>
-    <p:sldId id="291" r:id="rId32"/>
-    <p:sldId id="290" r:id="rId33"/>
-    <p:sldId id="289" r:id="rId34"/>
-    <p:sldId id="281" r:id="rId35"/>
-    <p:sldId id="304" r:id="rId36"/>
-    <p:sldId id="305" r:id="rId37"/>
-    <p:sldId id="298" r:id="rId38"/>
-    <p:sldId id="318" r:id="rId39"/>
-    <p:sldId id="323" r:id="rId40"/>
-    <p:sldId id="322" r:id="rId41"/>
-    <p:sldId id="299" r:id="rId42"/>
-    <p:sldId id="300" r:id="rId43"/>
-    <p:sldId id="301" r:id="rId44"/>
-    <p:sldId id="302" r:id="rId45"/>
-    <p:sldId id="320" r:id="rId46"/>
-    <p:sldId id="319" r:id="rId47"/>
-    <p:sldId id="306" r:id="rId48"/>
-    <p:sldId id="307" r:id="rId49"/>
-    <p:sldId id="308" r:id="rId50"/>
-    <p:sldId id="309" r:id="rId51"/>
-    <p:sldId id="310" r:id="rId52"/>
-    <p:sldId id="287" r:id="rId53"/>
-    <p:sldId id="292" r:id="rId54"/>
-    <p:sldId id="286" r:id="rId55"/>
-    <p:sldId id="297" r:id="rId56"/>
-    <p:sldId id="271" r:id="rId57"/>
-    <p:sldId id="283" r:id="rId58"/>
+    <p:sldId id="324" r:id="rId4"/>
+    <p:sldId id="293" r:id="rId5"/>
+    <p:sldId id="295" r:id="rId6"/>
+    <p:sldId id="311" r:id="rId7"/>
+    <p:sldId id="312" r:id="rId8"/>
+    <p:sldId id="268" r:id="rId9"/>
+    <p:sldId id="257" r:id="rId10"/>
+    <p:sldId id="258" r:id="rId11"/>
+    <p:sldId id="259" r:id="rId12"/>
+    <p:sldId id="260" r:id="rId13"/>
+    <p:sldId id="261" r:id="rId14"/>
+    <p:sldId id="262" r:id="rId15"/>
+    <p:sldId id="263" r:id="rId16"/>
+    <p:sldId id="264" r:id="rId17"/>
+    <p:sldId id="265" r:id="rId18"/>
+    <p:sldId id="266" r:id="rId19"/>
+    <p:sldId id="269" r:id="rId20"/>
+    <p:sldId id="270" r:id="rId21"/>
+    <p:sldId id="284" r:id="rId22"/>
+    <p:sldId id="272" r:id="rId23"/>
+    <p:sldId id="277" r:id="rId24"/>
+    <p:sldId id="273" r:id="rId25"/>
+    <p:sldId id="279" r:id="rId26"/>
+    <p:sldId id="280" r:id="rId27"/>
+    <p:sldId id="278" r:id="rId28"/>
+    <p:sldId id="288" r:id="rId29"/>
+    <p:sldId id="296" r:id="rId30"/>
+    <p:sldId id="285" r:id="rId31"/>
+    <p:sldId id="275" r:id="rId32"/>
+    <p:sldId id="291" r:id="rId33"/>
+    <p:sldId id="290" r:id="rId34"/>
+    <p:sldId id="289" r:id="rId35"/>
+    <p:sldId id="281" r:id="rId36"/>
+    <p:sldId id="304" r:id="rId37"/>
+    <p:sldId id="305" r:id="rId38"/>
+    <p:sldId id="298" r:id="rId39"/>
+    <p:sldId id="318" r:id="rId40"/>
+    <p:sldId id="323" r:id="rId41"/>
+    <p:sldId id="322" r:id="rId42"/>
+    <p:sldId id="299" r:id="rId43"/>
+    <p:sldId id="300" r:id="rId44"/>
+    <p:sldId id="301" r:id="rId45"/>
+    <p:sldId id="302" r:id="rId46"/>
+    <p:sldId id="320" r:id="rId47"/>
+    <p:sldId id="319" r:id="rId48"/>
+    <p:sldId id="306" r:id="rId49"/>
+    <p:sldId id="307" r:id="rId50"/>
+    <p:sldId id="308" r:id="rId51"/>
+    <p:sldId id="309" r:id="rId52"/>
+    <p:sldId id="310" r:id="rId53"/>
+    <p:sldId id="287" r:id="rId54"/>
+    <p:sldId id="292" r:id="rId55"/>
+    <p:sldId id="286" r:id="rId56"/>
+    <p:sldId id="297" r:id="rId57"/>
+    <p:sldId id="271" r:id="rId58"/>
+    <p:sldId id="283" r:id="rId59"/>
   </p:sldIdLst>
   <p:sldSz cx="9144000" cy="6858000" type="screen4x3"/>
   <p:notesSz cx="6858000" cy="9144000"/>
@@ -170,6 +171,7 @@
           <p14:sldIdLst>
             <p14:sldId id="267"/>
             <p14:sldId id="321"/>
+            <p14:sldId id="324"/>
           </p14:sldIdLst>
         </p14:section>
         <p14:section name="introduction" id="{50D0C955-0358-493A-B4D9-DD93B5042F1A}">
@@ -1561,7 +1563,7 @@
           <a:p>
             <a:fld id="{2E6AAE95-D4FC-4D00-935A-EAE928727A56}" type="datetimeFigureOut">
               <a:rPr lang="en-US" smtClean="0"/>
-              <a:t>2021-01-26</a:t>
+              <a:t>2022-01-26</a:t>
             </a:fld>
             <a:endParaRPr lang="en-US"/>
           </a:p>
@@ -1893,7 +1895,7 @@
           <a:p>
             <a:fld id="{8B979C76-3FF1-40F3-8C7E-1BB6B02B1C34}" type="slidenum">
               <a:rPr lang="en-US" smtClean="0"/>
-              <a:t>22</a:t>
+              <a:t>23</a:t>
             </a:fld>
             <a:endParaRPr lang="en-US"/>
           </a:p>
@@ -2093,7 +2095,7 @@
           <a:p>
             <a:fld id="{1CFF3F78-F57F-4409-A41B-5EC46D4F404B}" type="datetime1">
               <a:rPr lang="nl-BE" smtClean="0"/>
-              <a:t>26/01/2021</a:t>
+              <a:t>26/01/2022</a:t>
             </a:fld>
             <a:endParaRPr lang="nl-BE"/>
           </a:p>
@@ -2263,7 +2265,7 @@
           <a:p>
             <a:fld id="{7D029E61-52E3-412C-82EB-2F81B17C0AF1}" type="datetime1">
               <a:rPr lang="nl-BE" smtClean="0"/>
-              <a:t>26/01/2021</a:t>
+              <a:t>26/01/2022</a:t>
             </a:fld>
             <a:endParaRPr lang="nl-BE"/>
           </a:p>
@@ -2443,7 +2445,7 @@
           <a:p>
             <a:fld id="{A83F1CEF-A38E-4001-89C6-F3FC7784F299}" type="datetime1">
               <a:rPr lang="nl-BE" smtClean="0"/>
-              <a:t>26/01/2021</a:t>
+              <a:t>26/01/2022</a:t>
             </a:fld>
             <a:endParaRPr lang="nl-BE"/>
           </a:p>
@@ -2569,7 +2571,7 @@
           <a:p>
             <a:fld id="{1FDE84DB-AADA-4C3F-BF46-CA664A504479}" type="datetime1">
               <a:rPr lang="nl-BE" smtClean="0"/>
-              <a:t>26/01/2021</a:t>
+              <a:t>26/01/2022</a:t>
             </a:fld>
             <a:endParaRPr lang="nl-BE" dirty="0"/>
           </a:p>
@@ -2806,7 +2808,7 @@
           <a:p>
             <a:fld id="{8CD53A43-C15C-4F05-9AD7-DB9DE837084D}" type="datetime1">
               <a:rPr lang="nl-BE" smtClean="0"/>
-              <a:t>26/01/2021</a:t>
+              <a:t>26/01/2022</a:t>
             </a:fld>
             <a:endParaRPr lang="nl-BE"/>
           </a:p>
@@ -3052,7 +3054,7 @@
           <a:p>
             <a:fld id="{8994D238-D949-4AEF-9753-A8B6EFA964A0}" type="datetime1">
               <a:rPr lang="nl-BE" smtClean="0"/>
-              <a:t>26/01/2021</a:t>
+              <a:t>26/01/2022</a:t>
             </a:fld>
             <a:endParaRPr lang="nl-BE"/>
           </a:p>
@@ -3340,7 +3342,7 @@
           <a:p>
             <a:fld id="{4D234023-BF99-4AD0-835E-8125DA2B6664}" type="datetime1">
               <a:rPr lang="nl-BE" smtClean="0"/>
-              <a:t>26/01/2021</a:t>
+              <a:t>26/01/2022</a:t>
             </a:fld>
             <a:endParaRPr lang="nl-BE"/>
           </a:p>
@@ -3762,7 +3764,7 @@
           <a:p>
             <a:fld id="{DB075A73-5C1D-406E-9444-3C5C58580E8E}" type="datetime1">
               <a:rPr lang="nl-BE" smtClean="0"/>
-              <a:t>26/01/2021</a:t>
+              <a:t>26/01/2022</a:t>
             </a:fld>
             <a:endParaRPr lang="nl-BE"/>
           </a:p>
@@ -3880,7 +3882,7 @@
           <a:p>
             <a:fld id="{E111FB2D-2E17-4D8F-A64A-4EB0C3D12494}" type="datetime1">
               <a:rPr lang="nl-BE" smtClean="0"/>
-              <a:t>26/01/2021</a:t>
+              <a:t>26/01/2022</a:t>
             </a:fld>
             <a:endParaRPr lang="nl-BE"/>
           </a:p>
@@ -3975,7 +3977,7 @@
           <a:p>
             <a:fld id="{5BE27D71-2267-4E44-9F33-05B60E5C7D9D}" type="datetime1">
               <a:rPr lang="nl-BE" smtClean="0"/>
-              <a:t>26/01/2021</a:t>
+              <a:t>26/01/2022</a:t>
             </a:fld>
             <a:endParaRPr lang="nl-BE"/>
           </a:p>
@@ -4252,7 +4254,7 @@
           <a:p>
             <a:fld id="{182F587C-96C8-4813-A767-3084061A3229}" type="datetime1">
               <a:rPr lang="nl-BE" smtClean="0"/>
-              <a:t>26/01/2021</a:t>
+              <a:t>26/01/2022</a:t>
             </a:fld>
             <a:endParaRPr lang="nl-BE"/>
           </a:p>
@@ -4505,7 +4507,7 @@
           <a:p>
             <a:fld id="{8B021CF8-BBBB-4DFA-8713-49842AA07274}" type="datetime1">
               <a:rPr lang="nl-BE" smtClean="0"/>
-              <a:t>26/01/2021</a:t>
+              <a:t>26/01/2022</a:t>
             </a:fld>
             <a:endParaRPr lang="nl-BE"/>
           </a:p>
@@ -4718,7 +4720,7 @@
           <a:p>
             <a:fld id="{CDBFABB5-0AB3-4CB6-A705-6887DEB1F9F2}" type="datetime1">
               <a:rPr lang="nl-BE" smtClean="0"/>
-              <a:t>26/01/2021</a:t>
+              <a:t>26/01/2022</a:t>
             </a:fld>
             <a:endParaRPr lang="nl-BE"/>
           </a:p>
@@ -5254,6 +5256,570 @@
 </file>
 
 <file path=ppt/slides/slide10.xml><?xml version="1.0" encoding="utf-8"?>
+<p:sld xmlns:a="http://schemas.openxmlformats.org/drawingml/2006/main" xmlns:r="http://schemas.openxmlformats.org/officeDocument/2006/relationships" xmlns:p="http://schemas.openxmlformats.org/presentationml/2006/main">
+  <p:cSld>
+    <p:spTree>
+      <p:nvGrpSpPr>
+        <p:cNvPr id="1" name=""/>
+        <p:cNvGrpSpPr/>
+        <p:nvPr/>
+      </p:nvGrpSpPr>
+      <p:grpSpPr>
+        <a:xfrm>
+          <a:off x="0" y="0"/>
+          <a:ext cx="0" cy="0"/>
+          <a:chOff x="0" y="0"/>
+          <a:chExt cx="0" cy="0"/>
+        </a:xfrm>
+      </p:grpSpPr>
+      <p:sp>
+        <p:nvSpPr>
+          <p:cNvPr id="2" name="Title 1"/>
+          <p:cNvSpPr>
+            <a:spLocks noGrp="1"/>
+          </p:cNvSpPr>
+          <p:nvPr>
+            <p:ph type="title"/>
+          </p:nvPr>
+        </p:nvSpPr>
+        <p:spPr/>
+        <p:txBody>
+          <a:bodyPr/>
+          <a:lstStyle/>
+          <a:p>
+            <a:r>
+              <a:rPr lang="en-US" dirty="0"/>
+              <a:t>What you hope/expect for…</a:t>
+            </a:r>
+            <a:endParaRPr lang="nl-BE" dirty="0"/>
+          </a:p>
+        </p:txBody>
+      </p:sp>
+      <p:sp>
+        <p:nvSpPr>
+          <p:cNvPr id="3" name="Content Placeholder 2"/>
+          <p:cNvSpPr>
+            <a:spLocks noGrp="1"/>
+          </p:cNvSpPr>
+          <p:nvPr>
+            <p:ph idx="1"/>
+          </p:nvPr>
+        </p:nvSpPr>
+        <p:spPr/>
+        <p:txBody>
+          <a:bodyPr/>
+          <a:lstStyle/>
+          <a:p>
+            <a:r>
+              <a:rPr lang="en-US" dirty="0"/>
+              <a:t>strong scaling</a:t>
+            </a:r>
+          </a:p>
+          <a:p>
+            <a:endParaRPr lang="en-US" dirty="0"/>
+          </a:p>
+          <a:p>
+            <a:endParaRPr lang="en-US" dirty="0"/>
+          </a:p>
+          <a:p>
+            <a:endParaRPr lang="en-US" dirty="0"/>
+          </a:p>
+          <a:p>
+            <a:endParaRPr lang="en-US" dirty="0"/>
+          </a:p>
+          <a:p>
+            <a:r>
+              <a:rPr lang="en-US" dirty="0"/>
+              <a:t>weak scaling</a:t>
+            </a:r>
+            <a:endParaRPr lang="nl-BE" dirty="0"/>
+          </a:p>
+        </p:txBody>
+      </p:sp>
+      <p:grpSp>
+        <p:nvGrpSpPr>
+          <p:cNvPr id="7" name="Group 6"/>
+          <p:cNvGrpSpPr/>
+          <p:nvPr/>
+        </p:nvGrpSpPr>
+        <p:grpSpPr>
+          <a:xfrm>
+            <a:off x="1508667" y="2348880"/>
+            <a:ext cx="3999436" cy="1714796"/>
+            <a:chOff x="1527630" y="2348880"/>
+            <a:chExt cx="5792166" cy="3247256"/>
+          </a:xfrm>
+        </p:grpSpPr>
+        <p:graphicFrame>
+          <p:nvGraphicFramePr>
+            <p:cNvPr id="4" name="Chart 3"/>
+            <p:cNvGraphicFramePr>
+              <a:graphicFrameLocks/>
+            </p:cNvGraphicFramePr>
+            <p:nvPr>
+              <p:extLst>
+                <p:ext uri="{D42A27DB-BD31-4B8C-83A1-F6EECF244321}">
+                  <p14:modId xmlns:p14="http://schemas.microsoft.com/office/powerpoint/2010/main" val="298212643"/>
+                </p:ext>
+              </p:extLst>
+            </p:nvPr>
+          </p:nvGraphicFramePr>
+          <p:xfrm>
+            <a:off x="1907703" y="2348880"/>
+            <a:ext cx="5412093" cy="3247256"/>
+          </p:xfrm>
+          <a:graphic>
+            <a:graphicData uri="http://schemas.openxmlformats.org/drawingml/2006/chart">
+              <c:chart xmlns:c="http://schemas.openxmlformats.org/drawingml/2006/chart" xmlns:r="http://schemas.openxmlformats.org/officeDocument/2006/relationships" r:id="rId2"/>
+            </a:graphicData>
+          </a:graphic>
+        </p:graphicFrame>
+        <p:sp>
+          <p:nvSpPr>
+            <p:cNvPr id="5" name="TextBox 4"/>
+            <p:cNvSpPr txBox="1"/>
+            <p:nvPr/>
+          </p:nvSpPr>
+          <p:spPr>
+            <a:xfrm>
+              <a:off x="3995937" y="5212425"/>
+              <a:ext cx="1392048" cy="369332"/>
+            </a:xfrm>
+            <a:prstGeom prst="rect">
+              <a:avLst/>
+            </a:prstGeom>
+            <a:noFill/>
+          </p:spPr>
+          <p:txBody>
+            <a:bodyPr wrap="none" rtlCol="0">
+              <a:spAutoFit/>
+            </a:bodyPr>
+            <a:lstStyle/>
+            <a:p>
+              <a:r>
+                <a:rPr lang="en-US" dirty="0"/>
+                <a:t>nr. processes</a:t>
+              </a:r>
+              <a:endParaRPr lang="nl-BE" dirty="0"/>
+            </a:p>
+          </p:txBody>
+        </p:sp>
+        <p:sp>
+          <p:nvSpPr>
+            <p:cNvPr id="6" name="TextBox 5"/>
+            <p:cNvSpPr txBox="1"/>
+            <p:nvPr/>
+          </p:nvSpPr>
+          <p:spPr>
+            <a:xfrm rot="16200000">
+              <a:off x="921822" y="4373645"/>
+              <a:ext cx="1580947" cy="369332"/>
+            </a:xfrm>
+            <a:prstGeom prst="rect">
+              <a:avLst/>
+            </a:prstGeom>
+            <a:noFill/>
+          </p:spPr>
+          <p:txBody>
+            <a:bodyPr wrap="none" rtlCol="0">
+              <a:spAutoFit/>
+            </a:bodyPr>
+            <a:lstStyle/>
+            <a:p>
+              <a:r>
+                <a:rPr lang="en-US" dirty="0"/>
+                <a:t>execution time</a:t>
+              </a:r>
+              <a:endParaRPr lang="nl-BE" dirty="0"/>
+            </a:p>
+          </p:txBody>
+        </p:sp>
+      </p:grpSp>
+      <p:grpSp>
+        <p:nvGrpSpPr>
+          <p:cNvPr id="15" name="Group 14"/>
+          <p:cNvGrpSpPr/>
+          <p:nvPr/>
+        </p:nvGrpSpPr>
+        <p:grpSpPr>
+          <a:xfrm>
+            <a:off x="1619672" y="5517232"/>
+            <a:ext cx="3096344" cy="648072"/>
+            <a:chOff x="1979712" y="5589240"/>
+            <a:chExt cx="3096344" cy="648072"/>
+          </a:xfrm>
+        </p:grpSpPr>
+        <p:sp>
+          <p:nvSpPr>
+            <p:cNvPr id="9" name="TextBox 8"/>
+            <p:cNvSpPr txBox="1"/>
+            <p:nvPr/>
+          </p:nvSpPr>
+          <p:spPr>
+            <a:xfrm>
+              <a:off x="1979712" y="5733256"/>
+              <a:ext cx="1750864" cy="369332"/>
+            </a:xfrm>
+            <a:prstGeom prst="rect">
+              <a:avLst/>
+            </a:prstGeom>
+            <a:noFill/>
+          </p:spPr>
+          <p:txBody>
+            <a:bodyPr wrap="none" rtlCol="0">
+              <a:spAutoFit/>
+            </a:bodyPr>
+            <a:lstStyle/>
+            <a:p>
+              <a:r>
+                <a:rPr lang="en-US" dirty="0"/>
+                <a:t>execution time </a:t>
+              </a:r>
+              <a:r>
+                <a:rPr lang="en-US" dirty="0">
+                  <a:sym typeface="Symbol"/>
+                </a:rPr>
+                <a:t></a:t>
+              </a:r>
+              <a:endParaRPr lang="nl-BE" dirty="0"/>
+            </a:p>
+          </p:txBody>
+        </p:sp>
+        <p:sp>
+          <p:nvSpPr>
+            <p:cNvPr id="10" name="TextBox 9"/>
+            <p:cNvSpPr txBox="1"/>
+            <p:nvPr/>
+          </p:nvSpPr>
+          <p:spPr>
+            <a:xfrm>
+              <a:off x="3730243" y="5589240"/>
+              <a:ext cx="1230914" cy="369332"/>
+            </a:xfrm>
+            <a:prstGeom prst="rect">
+              <a:avLst/>
+            </a:prstGeom>
+            <a:noFill/>
+          </p:spPr>
+          <p:txBody>
+            <a:bodyPr wrap="none" rtlCol="0">
+              <a:spAutoFit/>
+            </a:bodyPr>
+            <a:lstStyle/>
+            <a:p>
+              <a:r>
+                <a:rPr lang="en-US" dirty="0"/>
+                <a:t>system size</a:t>
+              </a:r>
+              <a:endParaRPr lang="nl-BE" dirty="0"/>
+            </a:p>
+          </p:txBody>
+        </p:sp>
+        <p:sp>
+          <p:nvSpPr>
+            <p:cNvPr id="11" name="TextBox 10"/>
+            <p:cNvSpPr txBox="1"/>
+            <p:nvPr/>
+          </p:nvSpPr>
+          <p:spPr>
+            <a:xfrm>
+              <a:off x="3684008" y="5867980"/>
+              <a:ext cx="1392048" cy="369332"/>
+            </a:xfrm>
+            <a:prstGeom prst="rect">
+              <a:avLst/>
+            </a:prstGeom>
+            <a:noFill/>
+          </p:spPr>
+          <p:txBody>
+            <a:bodyPr wrap="none" rtlCol="0">
+              <a:spAutoFit/>
+            </a:bodyPr>
+            <a:lstStyle/>
+            <a:p>
+              <a:r>
+                <a:rPr lang="en-US" dirty="0"/>
+                <a:t>nr. processes</a:t>
+              </a:r>
+              <a:endParaRPr lang="nl-BE" dirty="0"/>
+            </a:p>
+          </p:txBody>
+        </p:sp>
+        <p:cxnSp>
+          <p:nvCxnSpPr>
+            <p:cNvPr id="13" name="Straight Connector 12"/>
+            <p:cNvCxnSpPr/>
+            <p:nvPr/>
+          </p:nvCxnSpPr>
+          <p:spPr>
+            <a:xfrm>
+              <a:off x="3707904" y="5948181"/>
+              <a:ext cx="1368152" cy="0"/>
+            </a:xfrm>
+            <a:prstGeom prst="line">
+              <a:avLst/>
+            </a:prstGeom>
+            <a:ln w="19050">
+              <a:solidFill>
+                <a:schemeClr val="tx1"/>
+              </a:solidFill>
+            </a:ln>
+          </p:spPr>
+          <p:style>
+            <a:lnRef idx="1">
+              <a:schemeClr val="accent1"/>
+            </a:lnRef>
+            <a:fillRef idx="0">
+              <a:schemeClr val="accent1"/>
+            </a:fillRef>
+            <a:effectRef idx="0">
+              <a:schemeClr val="accent1"/>
+            </a:effectRef>
+            <a:fontRef idx="minor">
+              <a:schemeClr val="tx1"/>
+            </a:fontRef>
+          </p:style>
+        </p:cxnSp>
+      </p:grpSp>
+      <p:sp>
+        <p:nvSpPr>
+          <p:cNvPr id="16" name="TextBox 15"/>
+          <p:cNvSpPr txBox="1"/>
+          <p:nvPr/>
+        </p:nvSpPr>
+        <p:spPr>
+          <a:xfrm>
+            <a:off x="6228184" y="4347101"/>
+            <a:ext cx="1905458" cy="954107"/>
+          </a:xfrm>
+          <a:prstGeom prst="rect">
+            <a:avLst/>
+          </a:prstGeom>
+          <a:noFill/>
+          <a:ln>
+            <a:solidFill>
+              <a:schemeClr val="tx1"/>
+            </a:solidFill>
+          </a:ln>
+        </p:spPr>
+        <p:txBody>
+          <a:bodyPr wrap="none" rtlCol="0">
+            <a:spAutoFit/>
+          </a:bodyPr>
+          <a:lstStyle/>
+          <a:p>
+            <a:r>
+              <a:rPr lang="en-US" sz="2800" dirty="0"/>
+              <a:t>Is this going</a:t>
+            </a:r>
+          </a:p>
+          <a:p>
+            <a:r>
+              <a:rPr lang="en-US" sz="2800" dirty="0"/>
+              <a:t>to happen?</a:t>
+            </a:r>
+            <a:endParaRPr lang="nl-BE" sz="2800" dirty="0"/>
+          </a:p>
+        </p:txBody>
+      </p:sp>
+      <p:sp>
+        <p:nvSpPr>
+          <p:cNvPr id="8" name="Slide Number Placeholder 7"/>
+          <p:cNvSpPr>
+            <a:spLocks noGrp="1"/>
+          </p:cNvSpPr>
+          <p:nvPr>
+            <p:ph type="sldNum" sz="quarter" idx="12"/>
+          </p:nvPr>
+        </p:nvSpPr>
+        <p:spPr/>
+        <p:txBody>
+          <a:bodyPr/>
+          <a:lstStyle/>
+          <a:p>
+            <a:fld id="{6597116C-F94B-4B5B-973A-17F07FB5C418}" type="slidenum">
+              <a:rPr lang="nl-BE" smtClean="0"/>
+              <a:t>10</a:t>
+            </a:fld>
+            <a:endParaRPr lang="nl-BE"/>
+          </a:p>
+        </p:txBody>
+      </p:sp>
+    </p:spTree>
+    <p:extLst>
+      <p:ext uri="{BB962C8B-B14F-4D97-AF65-F5344CB8AC3E}">
+        <p14:creationId xmlns:p14="http://schemas.microsoft.com/office/powerpoint/2010/main" val="518033624"/>
+      </p:ext>
+    </p:extLst>
+  </p:cSld>
+  <p:clrMapOvr>
+    <a:masterClrMapping/>
+  </p:clrMapOvr>
+  <p:timing>
+    <p:tnLst>
+      <p:par>
+        <p:cTn id="1" dur="indefinite" restart="never" nodeType="tmRoot">
+          <p:childTnLst>
+            <p:seq concurrent="1" nextAc="seek">
+              <p:cTn id="2" dur="indefinite" nodeType="mainSeq">
+                <p:childTnLst>
+                  <p:par>
+                    <p:cTn id="3" fill="hold">
+                      <p:stCondLst>
+                        <p:cond delay="indefinite"/>
+                        <p:cond evt="onBegin" delay="0">
+                          <p:tn val="2"/>
+                        </p:cond>
+                      </p:stCondLst>
+                      <p:childTnLst>
+                        <p:par>
+                          <p:cTn id="4" fill="hold">
+                            <p:stCondLst>
+                              <p:cond delay="0"/>
+                            </p:stCondLst>
+                            <p:childTnLst>
+                              <p:par>
+                                <p:cTn id="5" presetID="1" presetClass="entr" presetSubtype="0" fill="hold" grpId="0" nodeType="withEffect">
+                                  <p:stCondLst>
+                                    <p:cond delay="0"/>
+                                  </p:stCondLst>
+                                  <p:childTnLst>
+                                    <p:set>
+                                      <p:cBhvr>
+                                        <p:cTn id="6" dur="1" fill="hold">
+                                          <p:stCondLst>
+                                            <p:cond delay="0"/>
+                                          </p:stCondLst>
+                                        </p:cTn>
+                                        <p:tgtEl>
+                                          <p:spTgt spid="3">
+                                            <p:txEl>
+                                              <p:pRg st="0" end="0"/>
+                                            </p:txEl>
+                                          </p:spTgt>
+                                        </p:tgtEl>
+                                        <p:attrNameLst>
+                                          <p:attrName>style.visibility</p:attrName>
+                                        </p:attrNameLst>
+                                      </p:cBhvr>
+                                      <p:to>
+                                        <p:strVal val="visible"/>
+                                      </p:to>
+                                    </p:set>
+                                  </p:childTnLst>
+                                </p:cTn>
+                              </p:par>
+                            </p:childTnLst>
+                          </p:cTn>
+                        </p:par>
+                      </p:childTnLst>
+                    </p:cTn>
+                  </p:par>
+                  <p:par>
+                    <p:cTn id="7" fill="hold">
+                      <p:stCondLst>
+                        <p:cond delay="indefinite"/>
+                      </p:stCondLst>
+                      <p:childTnLst>
+                        <p:par>
+                          <p:cTn id="8" fill="hold">
+                            <p:stCondLst>
+                              <p:cond delay="0"/>
+                            </p:stCondLst>
+                            <p:childTnLst>
+                              <p:par>
+                                <p:cTn id="9" presetID="1" presetClass="entr" presetSubtype="0" fill="hold" grpId="0" nodeType="clickEffect">
+                                  <p:stCondLst>
+                                    <p:cond delay="0"/>
+                                  </p:stCondLst>
+                                  <p:childTnLst>
+                                    <p:set>
+                                      <p:cBhvr>
+                                        <p:cTn id="10" dur="1" fill="hold">
+                                          <p:stCondLst>
+                                            <p:cond delay="0"/>
+                                          </p:stCondLst>
+                                        </p:cTn>
+                                        <p:tgtEl>
+                                          <p:spTgt spid="3">
+                                            <p:txEl>
+                                              <p:pRg st="5" end="5"/>
+                                            </p:txEl>
+                                          </p:spTgt>
+                                        </p:tgtEl>
+                                        <p:attrNameLst>
+                                          <p:attrName>style.visibility</p:attrName>
+                                        </p:attrNameLst>
+                                      </p:cBhvr>
+                                      <p:to>
+                                        <p:strVal val="visible"/>
+                                      </p:to>
+                                    </p:set>
+                                  </p:childTnLst>
+                                </p:cTn>
+                              </p:par>
+                              <p:par>
+                                <p:cTn id="11" presetID="1" presetClass="entr" presetSubtype="0" fill="hold" nodeType="withEffect">
+                                  <p:stCondLst>
+                                    <p:cond delay="0"/>
+                                  </p:stCondLst>
+                                  <p:childTnLst>
+                                    <p:set>
+                                      <p:cBhvr>
+                                        <p:cTn id="12" dur="1" fill="hold">
+                                          <p:stCondLst>
+                                            <p:cond delay="0"/>
+                                          </p:stCondLst>
+                                        </p:cTn>
+                                        <p:tgtEl>
+                                          <p:spTgt spid="15"/>
+                                        </p:tgtEl>
+                                        <p:attrNameLst>
+                                          <p:attrName>style.visibility</p:attrName>
+                                        </p:attrNameLst>
+                                      </p:cBhvr>
+                                      <p:to>
+                                        <p:strVal val="visible"/>
+                                      </p:to>
+                                    </p:set>
+                                  </p:childTnLst>
+                                </p:cTn>
+                              </p:par>
+                            </p:childTnLst>
+                          </p:cTn>
+                        </p:par>
+                      </p:childTnLst>
+                    </p:cTn>
+                  </p:par>
+                </p:childTnLst>
+              </p:cTn>
+              <p:prevCondLst>
+                <p:cond evt="onPrev" delay="0">
+                  <p:tgtEl>
+                    <p:sldTgt/>
+                  </p:tgtEl>
+                </p:cond>
+              </p:prevCondLst>
+              <p:nextCondLst>
+                <p:cond evt="onNext" delay="0">
+                  <p:tgtEl>
+                    <p:sldTgt/>
+                  </p:tgtEl>
+                </p:cond>
+              </p:nextCondLst>
+            </p:seq>
+          </p:childTnLst>
+        </p:cTn>
+      </p:par>
+    </p:tnLst>
+    <p:bldLst>
+      <p:bldP spid="3" grpId="0" uiExpand="1" build="p"/>
+    </p:bldLst>
+  </p:timing>
+</p:sld>
+</file>
+
+<file path=ppt/slides/slide11.xml><?xml version="1.0" encoding="utf-8"?>
 <p:sld xmlns:a="http://schemas.openxmlformats.org/drawingml/2006/main" xmlns:r="http://schemas.openxmlformats.org/officeDocument/2006/relationships" xmlns:p="http://schemas.openxmlformats.org/presentationml/2006/main">
   <p:cSld>
     <p:spTree>
@@ -6041,7 +6607,7 @@
           <a:p>
             <a:fld id="{6597116C-F94B-4B5B-973A-17F07FB5C418}" type="slidenum">
               <a:rPr lang="nl-BE" smtClean="0"/>
-              <a:t>10</a:t>
+              <a:t>11</a:t>
             </a:fld>
             <a:endParaRPr lang="nl-BE"/>
           </a:p>
@@ -6312,7 +6878,7 @@
 </p:sld>
 </file>
 
-<file path=ppt/slides/slide11.xml><?xml version="1.0" encoding="utf-8"?>
+<file path=ppt/slides/slide12.xml><?xml version="1.0" encoding="utf-8"?>
 <p:sld xmlns:a="http://schemas.openxmlformats.org/drawingml/2006/main" xmlns:r="http://schemas.openxmlformats.org/officeDocument/2006/relationships" xmlns:p="http://schemas.openxmlformats.org/presentationml/2006/main">
   <p:cSld>
     <p:spTree>
@@ -7152,7 +7718,7 @@
           <a:p>
             <a:fld id="{6597116C-F94B-4B5B-973A-17F07FB5C418}" type="slidenum">
               <a:rPr lang="nl-BE" smtClean="0"/>
-              <a:t>11</a:t>
+              <a:t>12</a:t>
             </a:fld>
             <a:endParaRPr lang="nl-BE"/>
           </a:p>
@@ -7498,7 +8064,7 @@
 </p:sld>
 </file>
 
-<file path=ppt/slides/slide12.xml><?xml version="1.0" encoding="utf-8"?>
+<file path=ppt/slides/slide13.xml><?xml version="1.0" encoding="utf-8"?>
 <p:sld xmlns:a="http://schemas.openxmlformats.org/drawingml/2006/main" xmlns:r="http://schemas.openxmlformats.org/officeDocument/2006/relationships" xmlns:p="http://schemas.openxmlformats.org/presentationml/2006/main">
   <p:cSld>
     <p:spTree>
@@ -8047,7 +8613,7 @@
           <a:p>
             <a:fld id="{6597116C-F94B-4B5B-973A-17F07FB5C418}" type="slidenum">
               <a:rPr lang="nl-BE" smtClean="0"/>
-              <a:t>12</a:t>
+              <a:t>13</a:t>
             </a:fld>
             <a:endParaRPr lang="nl-BE"/>
           </a:p>
@@ -8144,7 +8710,7 @@
 </p:sld>
 </file>
 
-<file path=ppt/slides/slide13.xml><?xml version="1.0" encoding="utf-8"?>
+<file path=ppt/slides/slide14.xml><?xml version="1.0" encoding="utf-8"?>
 <p:sld xmlns:a="http://schemas.openxmlformats.org/drawingml/2006/main" xmlns:r="http://schemas.openxmlformats.org/officeDocument/2006/relationships" xmlns:p="http://schemas.openxmlformats.org/presentationml/2006/main">
   <p:cSld>
     <p:spTree>
@@ -8369,7 +8935,7 @@
           <a:p>
             <a:fld id="{6597116C-F94B-4B5B-973A-17F07FB5C418}" type="slidenum">
               <a:rPr lang="nl-BE" smtClean="0"/>
-              <a:t>13</a:t>
+              <a:t>14</a:t>
             </a:fld>
             <a:endParaRPr lang="nl-BE"/>
           </a:p>
@@ -8695,7 +9261,7 @@
 </p:sld>
 </file>
 
-<file path=ppt/slides/slide14.xml><?xml version="1.0" encoding="utf-8"?>
+<file path=ppt/slides/slide15.xml><?xml version="1.0" encoding="utf-8"?>
 <p:sld xmlns:a="http://schemas.openxmlformats.org/drawingml/2006/main" xmlns:r="http://schemas.openxmlformats.org/officeDocument/2006/relationships" xmlns:p="http://schemas.openxmlformats.org/presentationml/2006/main">
   <p:cSld>
     <p:spTree>
@@ -9268,7 +9834,7 @@
           <a:p>
             <a:fld id="{6597116C-F94B-4B5B-973A-17F07FB5C418}" type="slidenum">
               <a:rPr lang="nl-BE" smtClean="0"/>
-              <a:t>14</a:t>
+              <a:t>15</a:t>
             </a:fld>
             <a:endParaRPr lang="nl-BE"/>
           </a:p>
@@ -9545,7 +10111,7 @@
 </p:sld>
 </file>
 
-<file path=ppt/slides/slide15.xml><?xml version="1.0" encoding="utf-8"?>
+<file path=ppt/slides/slide16.xml><?xml version="1.0" encoding="utf-8"?>
 <p:sld xmlns:a="http://schemas.openxmlformats.org/drawingml/2006/main" xmlns:r="http://schemas.openxmlformats.org/officeDocument/2006/relationships" xmlns:p="http://schemas.openxmlformats.org/presentationml/2006/main">
   <p:cSld>
     <p:spTree>
@@ -10476,7 +11042,7 @@
           <a:p>
             <a:fld id="{6597116C-F94B-4B5B-973A-17F07FB5C418}" type="slidenum">
               <a:rPr lang="nl-BE" smtClean="0"/>
-              <a:t>15</a:t>
+              <a:t>16</a:t>
             </a:fld>
             <a:endParaRPr lang="nl-BE"/>
           </a:p>
@@ -10868,133 +11434,6 @@
 </p:sld>
 </file>
 
-<file path=ppt/slides/slide16.xml><?xml version="1.0" encoding="utf-8"?>
-<p:sld xmlns:a="http://schemas.openxmlformats.org/drawingml/2006/main" xmlns:r="http://schemas.openxmlformats.org/officeDocument/2006/relationships" xmlns:p="http://schemas.openxmlformats.org/presentationml/2006/main">
-  <p:cSld>
-    <p:spTree>
-      <p:nvGrpSpPr>
-        <p:cNvPr id="1" name=""/>
-        <p:cNvGrpSpPr/>
-        <p:nvPr/>
-      </p:nvGrpSpPr>
-      <p:grpSpPr>
-        <a:xfrm>
-          <a:off x="0" y="0"/>
-          <a:ext cx="0" cy="0"/>
-          <a:chOff x="0" y="0"/>
-          <a:chExt cx="0" cy="0"/>
-        </a:xfrm>
-      </p:grpSpPr>
-      <p:sp>
-        <p:nvSpPr>
-          <p:cNvPr id="2" name="Title 1"/>
-          <p:cNvSpPr>
-            <a:spLocks noGrp="1"/>
-          </p:cNvSpPr>
-          <p:nvPr>
-            <p:ph type="title"/>
-          </p:nvPr>
-        </p:nvSpPr>
-        <p:spPr/>
-        <p:txBody>
-          <a:bodyPr/>
-          <a:lstStyle/>
-          <a:p>
-            <a:r>
-              <a:rPr lang="en-US" dirty="0"/>
-              <a:t>We love Gustafson</a:t>
-            </a:r>
-            <a:endParaRPr lang="nl-BE" dirty="0"/>
-          </a:p>
-        </p:txBody>
-      </p:sp>
-      <p:sp>
-        <p:nvSpPr>
-          <p:cNvPr id="3" name="Content Placeholder 2"/>
-          <p:cNvSpPr>
-            <a:spLocks noGrp="1"/>
-          </p:cNvSpPr>
-          <p:nvPr>
-            <p:ph idx="1"/>
-          </p:nvPr>
-        </p:nvSpPr>
-        <p:spPr/>
-        <p:txBody>
-          <a:bodyPr/>
-          <a:lstStyle/>
-          <a:p>
-            <a:r>
-              <a:rPr lang="en-US" dirty="0"/>
-              <a:t>Scientist are interested in</a:t>
-            </a:r>
-          </a:p>
-          <a:p>
-            <a:pPr lvl="1"/>
-            <a:r>
-              <a:rPr lang="en-US" dirty="0"/>
-              <a:t>studying larger systems/bigger data sets</a:t>
-            </a:r>
-          </a:p>
-          <a:p>
-            <a:pPr lvl="1"/>
-            <a:r>
-              <a:rPr lang="en-US" dirty="0"/>
-              <a:t>increasing precision/resolution</a:t>
-            </a:r>
-          </a:p>
-          <a:p>
-            <a:pPr lvl="1"/>
-            <a:r>
-              <a:rPr lang="en-US" dirty="0"/>
-              <a:t>more complex phenomena</a:t>
-            </a:r>
-          </a:p>
-          <a:p>
-            <a:pPr lvl="1"/>
-            <a:r>
-              <a:rPr lang="en-US" dirty="0"/>
-              <a:t>…</a:t>
-            </a:r>
-            <a:endParaRPr lang="nl-BE" dirty="0"/>
-          </a:p>
-        </p:txBody>
-      </p:sp>
-      <p:sp>
-        <p:nvSpPr>
-          <p:cNvPr id="4" name="Slide Number Placeholder 3"/>
-          <p:cNvSpPr>
-            <a:spLocks noGrp="1"/>
-          </p:cNvSpPr>
-          <p:nvPr>
-            <p:ph type="sldNum" sz="quarter" idx="12"/>
-          </p:nvPr>
-        </p:nvSpPr>
-        <p:spPr/>
-        <p:txBody>
-          <a:bodyPr/>
-          <a:lstStyle/>
-          <a:p>
-            <a:fld id="{6597116C-F94B-4B5B-973A-17F07FB5C418}" type="slidenum">
-              <a:rPr lang="nl-BE" smtClean="0"/>
-              <a:t>16</a:t>
-            </a:fld>
-            <a:endParaRPr lang="nl-BE"/>
-          </a:p>
-        </p:txBody>
-      </p:sp>
-    </p:spTree>
-    <p:extLst>
-      <p:ext uri="{BB962C8B-B14F-4D97-AF65-F5344CB8AC3E}">
-        <p14:creationId xmlns:p14="http://schemas.microsoft.com/office/powerpoint/2010/main" val="3599898149"/>
-      </p:ext>
-    </p:extLst>
-  </p:cSld>
-  <p:clrMapOvr>
-    <a:masterClrMapping/>
-  </p:clrMapOvr>
-</p:sld>
-</file>
-
 <file path=ppt/slides/slide17.xml><?xml version="1.0" encoding="utf-8"?>
 <p:sld xmlns:a="http://schemas.openxmlformats.org/drawingml/2006/main" xmlns:r="http://schemas.openxmlformats.org/officeDocument/2006/relationships" xmlns:p="http://schemas.openxmlformats.org/presentationml/2006/main">
   <p:cSld>
@@ -11029,6 +11468,133 @@
           <a:p>
             <a:r>
               <a:rPr lang="en-US" dirty="0"/>
+              <a:t>We love Gustafson</a:t>
+            </a:r>
+            <a:endParaRPr lang="nl-BE" dirty="0"/>
+          </a:p>
+        </p:txBody>
+      </p:sp>
+      <p:sp>
+        <p:nvSpPr>
+          <p:cNvPr id="3" name="Content Placeholder 2"/>
+          <p:cNvSpPr>
+            <a:spLocks noGrp="1"/>
+          </p:cNvSpPr>
+          <p:nvPr>
+            <p:ph idx="1"/>
+          </p:nvPr>
+        </p:nvSpPr>
+        <p:spPr/>
+        <p:txBody>
+          <a:bodyPr/>
+          <a:lstStyle/>
+          <a:p>
+            <a:r>
+              <a:rPr lang="en-US" dirty="0"/>
+              <a:t>Scientist are interested in</a:t>
+            </a:r>
+          </a:p>
+          <a:p>
+            <a:pPr lvl="1"/>
+            <a:r>
+              <a:rPr lang="en-US" dirty="0"/>
+              <a:t>studying larger systems/bigger data sets</a:t>
+            </a:r>
+          </a:p>
+          <a:p>
+            <a:pPr lvl="1"/>
+            <a:r>
+              <a:rPr lang="en-US" dirty="0"/>
+              <a:t>increasing precision/resolution</a:t>
+            </a:r>
+          </a:p>
+          <a:p>
+            <a:pPr lvl="1"/>
+            <a:r>
+              <a:rPr lang="en-US" dirty="0"/>
+              <a:t>more complex phenomena</a:t>
+            </a:r>
+          </a:p>
+          <a:p>
+            <a:pPr lvl="1"/>
+            <a:r>
+              <a:rPr lang="en-US" dirty="0"/>
+              <a:t>…</a:t>
+            </a:r>
+            <a:endParaRPr lang="nl-BE" dirty="0"/>
+          </a:p>
+        </p:txBody>
+      </p:sp>
+      <p:sp>
+        <p:nvSpPr>
+          <p:cNvPr id="4" name="Slide Number Placeholder 3"/>
+          <p:cNvSpPr>
+            <a:spLocks noGrp="1"/>
+          </p:cNvSpPr>
+          <p:nvPr>
+            <p:ph type="sldNum" sz="quarter" idx="12"/>
+          </p:nvPr>
+        </p:nvSpPr>
+        <p:spPr/>
+        <p:txBody>
+          <a:bodyPr/>
+          <a:lstStyle/>
+          <a:p>
+            <a:fld id="{6597116C-F94B-4B5B-973A-17F07FB5C418}" type="slidenum">
+              <a:rPr lang="nl-BE" smtClean="0"/>
+              <a:t>17</a:t>
+            </a:fld>
+            <a:endParaRPr lang="nl-BE"/>
+          </a:p>
+        </p:txBody>
+      </p:sp>
+    </p:spTree>
+    <p:extLst>
+      <p:ext uri="{BB962C8B-B14F-4D97-AF65-F5344CB8AC3E}">
+        <p14:creationId xmlns:p14="http://schemas.microsoft.com/office/powerpoint/2010/main" val="3599898149"/>
+      </p:ext>
+    </p:extLst>
+  </p:cSld>
+  <p:clrMapOvr>
+    <a:masterClrMapping/>
+  </p:clrMapOvr>
+</p:sld>
+</file>
+
+<file path=ppt/slides/slide18.xml><?xml version="1.0" encoding="utf-8"?>
+<p:sld xmlns:a="http://schemas.openxmlformats.org/drawingml/2006/main" xmlns:r="http://schemas.openxmlformats.org/officeDocument/2006/relationships" xmlns:p="http://schemas.openxmlformats.org/presentationml/2006/main">
+  <p:cSld>
+    <p:spTree>
+      <p:nvGrpSpPr>
+        <p:cNvPr id="1" name=""/>
+        <p:cNvGrpSpPr/>
+        <p:nvPr/>
+      </p:nvGrpSpPr>
+      <p:grpSpPr>
+        <a:xfrm>
+          <a:off x="0" y="0"/>
+          <a:ext cx="0" cy="0"/>
+          <a:chOff x="0" y="0"/>
+          <a:chExt cx="0" cy="0"/>
+        </a:xfrm>
+      </p:grpSpPr>
+      <p:sp>
+        <p:nvSpPr>
+          <p:cNvPr id="2" name="Title 1"/>
+          <p:cNvSpPr>
+            <a:spLocks noGrp="1"/>
+          </p:cNvSpPr>
+          <p:nvPr>
+            <p:ph type="title"/>
+          </p:nvPr>
+        </p:nvSpPr>
+        <p:spPr/>
+        <p:txBody>
+          <a:bodyPr/>
+          <a:lstStyle/>
+          <a:p>
+            <a:r>
+              <a:rPr lang="en-US" dirty="0"/>
               <a:t>Throughput computing</a:t>
             </a:r>
           </a:p>
@@ -11143,12 +11709,12 @@
           <a:graphicData uri="http://schemas.openxmlformats.org/presentationml/2006/ole">
             <mc:AlternateContent xmlns:mc="http://schemas.openxmlformats.org/markup-compatibility/2006">
               <mc:Choice xmlns:v="urn:schemas-microsoft-com:vml" Requires="v">
-                <p:oleObj name="Equation" r:id="rId2" imgW="812520" imgH="393480" progId="Equation.3">
+                <p:oleObj spid="_x0000_s2050" name="Equation" r:id="rId3" imgW="812520" imgH="393480" progId="Equation.3">
                   <p:embed/>
                 </p:oleObj>
               </mc:Choice>
               <mc:Fallback>
-                <p:oleObj name="Equation" r:id="rId2" imgW="812520" imgH="393480" progId="Equation.3">
+                <p:oleObj name="Equation" r:id="rId3" imgW="812520" imgH="393480" progId="Equation.3">
                   <p:embed/>
                   <p:pic>
                     <p:nvPicPr>
@@ -11157,7 +11723,7 @@
                       <p:nvPr/>
                     </p:nvPicPr>
                     <p:blipFill>
-                      <a:blip r:embed="rId3"/>
+                      <a:blip r:embed="rId4"/>
                       <a:stretch>
                         <a:fillRect/>
                       </a:stretch>
@@ -11200,12 +11766,12 @@
           <a:graphicData uri="http://schemas.openxmlformats.org/presentationml/2006/ole">
             <mc:AlternateContent xmlns:mc="http://schemas.openxmlformats.org/markup-compatibility/2006">
               <mc:Choice xmlns:v="urn:schemas-microsoft-com:vml" Requires="v">
-                <p:oleObj name="Equation" r:id="rId4" imgW="2489040" imgH="431640" progId="Equation.3">
+                <p:oleObj spid="_x0000_s2051" name="Equation" r:id="rId5" imgW="2489040" imgH="431640" progId="Equation.3">
                   <p:embed/>
                 </p:oleObj>
               </mc:Choice>
               <mc:Fallback>
-                <p:oleObj name="Equation" r:id="rId4" imgW="2489040" imgH="431640" progId="Equation.3">
+                <p:oleObj name="Equation" r:id="rId5" imgW="2489040" imgH="431640" progId="Equation.3">
                   <p:embed/>
                   <p:pic>
                     <p:nvPicPr>
@@ -11214,7 +11780,7 @@
                       <p:nvPr/>
                     </p:nvPicPr>
                     <p:blipFill>
-                      <a:blip r:embed="rId5"/>
+                      <a:blip r:embed="rId6"/>
                       <a:stretch>
                         <a:fillRect/>
                       </a:stretch>
@@ -11286,7 +11852,7 @@
           <a:p>
             <a:fld id="{6597116C-F94B-4B5B-973A-17F07FB5C418}" type="slidenum">
               <a:rPr lang="nl-BE" smtClean="0"/>
-              <a:t>17</a:t>
+              <a:t>18</a:t>
             </a:fld>
             <a:endParaRPr lang="nl-BE"/>
           </a:p>
@@ -11722,7 +12288,7 @@
 </p:sld>
 </file>
 
-<file path=ppt/slides/slide18.xml><?xml version="1.0" encoding="utf-8"?>
+<file path=ppt/slides/slide19.xml><?xml version="1.0" encoding="utf-8"?>
 <p:sld xmlns:a="http://schemas.openxmlformats.org/drawingml/2006/main" xmlns:r="http://schemas.openxmlformats.org/officeDocument/2006/relationships" xmlns:p="http://schemas.openxmlformats.org/presentationml/2006/main">
   <p:cSld>
     <p:spTree>
@@ -11797,7 +12363,7 @@
           <a:p>
             <a:fld id="{6597116C-F94B-4B5B-973A-17F07FB5C418}" type="slidenum">
               <a:rPr lang="nl-BE" smtClean="0"/>
-              <a:t>18</a:t>
+              <a:t>19</a:t>
             </a:fld>
             <a:endParaRPr lang="nl-BE"/>
           </a:p>
@@ -11816,7 +12382,144 @@
 </p:sld>
 </file>
 
-<file path=ppt/slides/slide19.xml><?xml version="1.0" encoding="utf-8"?>
+<file path=ppt/slides/slide2.xml><?xml version="1.0" encoding="utf-8"?>
+<p:sld xmlns:a="http://schemas.openxmlformats.org/drawingml/2006/main" xmlns:r="http://schemas.openxmlformats.org/officeDocument/2006/relationships" xmlns:p="http://schemas.openxmlformats.org/presentationml/2006/main">
+  <p:cSld>
+    <p:spTree>
+      <p:nvGrpSpPr>
+        <p:cNvPr id="1" name=""/>
+        <p:cNvGrpSpPr/>
+        <p:nvPr/>
+      </p:nvGrpSpPr>
+      <p:grpSpPr>
+        <a:xfrm>
+          <a:off x="0" y="0"/>
+          <a:ext cx="0" cy="0"/>
+          <a:chOff x="0" y="0"/>
+          <a:chExt cx="0" cy="0"/>
+        </a:xfrm>
+      </p:grpSpPr>
+      <p:sp>
+        <p:nvSpPr>
+          <p:cNvPr id="2" name="Slide Number Placeholder 1">
+            <a:extLst>
+              <a:ext uri="{FF2B5EF4-FFF2-40B4-BE49-F238E27FC236}">
+                <a16:creationId xmlns:a16="http://schemas.microsoft.com/office/drawing/2014/main" id="{08B9DAF9-648D-430E-BB99-C61FC52987C0}"/>
+              </a:ext>
+            </a:extLst>
+          </p:cNvPr>
+          <p:cNvSpPr>
+            <a:spLocks noGrp="1"/>
+          </p:cNvSpPr>
+          <p:nvPr>
+            <p:ph type="sldNum" sz="quarter" idx="12"/>
+          </p:nvPr>
+        </p:nvSpPr>
+        <p:spPr/>
+        <p:txBody>
+          <a:bodyPr/>
+          <a:lstStyle/>
+          <a:p>
+            <a:fld id="{6597116C-F94B-4B5B-973A-17F07FB5C418}" type="slidenum">
+              <a:rPr lang="nl-BE" smtClean="0"/>
+              <a:t>2</a:t>
+            </a:fld>
+            <a:endParaRPr lang="nl-BE"/>
+          </a:p>
+        </p:txBody>
+      </p:sp>
+      <p:sp>
+        <p:nvSpPr>
+          <p:cNvPr id="3" name="TextBox 2">
+            <a:extLst>
+              <a:ext uri="{FF2B5EF4-FFF2-40B4-BE49-F238E27FC236}">
+                <a16:creationId xmlns:a16="http://schemas.microsoft.com/office/drawing/2014/main" id="{9CCF71B0-8AF2-410D-BFFA-89C1AC808427}"/>
+              </a:ext>
+            </a:extLst>
+          </p:cNvPr>
+          <p:cNvSpPr txBox="1"/>
+          <p:nvPr/>
+        </p:nvSpPr>
+        <p:spPr>
+          <a:xfrm>
+            <a:off x="2695525" y="5580529"/>
+            <a:ext cx="3845925" cy="584775"/>
+          </a:xfrm>
+          <a:prstGeom prst="rect">
+            <a:avLst/>
+          </a:prstGeom>
+          <a:noFill/>
+        </p:spPr>
+        <p:txBody>
+          <a:bodyPr wrap="none" rtlCol="0">
+            <a:spAutoFit/>
+          </a:bodyPr>
+          <a:lstStyle/>
+          <a:p>
+            <a:r>
+              <a:rPr lang="en-GB" sz="3200" dirty="0">
+                <a:hlinkClick r:id="rId2"/>
+              </a:rPr>
+              <a:t>http://bit.ly/2O0jCDS</a:t>
+            </a:r>
+            <a:r>
+              <a:rPr lang="en-GB" sz="3200" dirty="0"/>
+              <a:t> </a:t>
+            </a:r>
+            <a:endParaRPr lang="en-BE" sz="3200" dirty="0"/>
+          </a:p>
+        </p:txBody>
+      </p:sp>
+      <p:pic>
+        <p:nvPicPr>
+          <p:cNvPr id="5" name="Picture 4">
+            <a:extLst>
+              <a:ext uri="{FF2B5EF4-FFF2-40B4-BE49-F238E27FC236}">
+                <a16:creationId xmlns:a16="http://schemas.microsoft.com/office/drawing/2014/main" id="{6790A795-2563-402C-AE05-AFC5E887AC2E}"/>
+              </a:ext>
+            </a:extLst>
+          </p:cNvPr>
+          <p:cNvPicPr>
+            <a:picLocks noChangeAspect="1"/>
+          </p:cNvPicPr>
+          <p:nvPr/>
+        </p:nvPicPr>
+        <p:blipFill>
+          <a:blip r:embed="rId3">
+            <a:extLst>
+              <a:ext uri="{28A0092B-C50C-407E-A947-70E740481C1C}">
+                <a14:useLocalDpi xmlns:a14="http://schemas.microsoft.com/office/drawing/2010/main" val="0"/>
+              </a:ext>
+            </a:extLst>
+          </a:blip>
+          <a:stretch>
+            <a:fillRect/>
+          </a:stretch>
+        </p:blipFill>
+        <p:spPr>
+          <a:xfrm>
+            <a:off x="2087724" y="404664"/>
+            <a:ext cx="4968552" cy="4968552"/>
+          </a:xfrm>
+          <a:prstGeom prst="rect">
+            <a:avLst/>
+          </a:prstGeom>
+        </p:spPr>
+      </p:pic>
+    </p:spTree>
+    <p:extLst>
+      <p:ext uri="{BB962C8B-B14F-4D97-AF65-F5344CB8AC3E}">
+        <p14:creationId xmlns:p14="http://schemas.microsoft.com/office/powerpoint/2010/main" val="2788517727"/>
+      </p:ext>
+    </p:extLst>
+  </p:cSld>
+  <p:clrMapOvr>
+    <a:masterClrMapping/>
+  </p:clrMapOvr>
+</p:sld>
+</file>
+
+<file path=ppt/slides/slide20.xml><?xml version="1.0" encoding="utf-8"?>
 <p:sld xmlns:a="http://schemas.openxmlformats.org/drawingml/2006/main" xmlns:r="http://schemas.openxmlformats.org/officeDocument/2006/relationships" xmlns:p="http://schemas.openxmlformats.org/presentationml/2006/main">
   <p:cSld>
     <p:spTree>
@@ -16679,7 +17382,7 @@
             <a:fld id="{F35D8031-C8E5-48F8-A3B6-81643B27A3AF}" type="slidenum">
               <a:rPr lang="nl-BE" smtClean="0"/>
               <a:pPr/>
-              <a:t>19</a:t>
+              <a:t>20</a:t>
             </a:fld>
             <a:endParaRPr lang="nl-BE" dirty="0"/>
           </a:p>
@@ -16698,144 +17401,7 @@
 </p:sld>
 </file>
 
-<file path=ppt/slides/slide2.xml><?xml version="1.0" encoding="utf-8"?>
-<p:sld xmlns:a="http://schemas.openxmlformats.org/drawingml/2006/main" xmlns:r="http://schemas.openxmlformats.org/officeDocument/2006/relationships" xmlns:p="http://schemas.openxmlformats.org/presentationml/2006/main">
-  <p:cSld>
-    <p:spTree>
-      <p:nvGrpSpPr>
-        <p:cNvPr id="1" name=""/>
-        <p:cNvGrpSpPr/>
-        <p:nvPr/>
-      </p:nvGrpSpPr>
-      <p:grpSpPr>
-        <a:xfrm>
-          <a:off x="0" y="0"/>
-          <a:ext cx="0" cy="0"/>
-          <a:chOff x="0" y="0"/>
-          <a:chExt cx="0" cy="0"/>
-        </a:xfrm>
-      </p:grpSpPr>
-      <p:sp>
-        <p:nvSpPr>
-          <p:cNvPr id="2" name="Slide Number Placeholder 1">
-            <a:extLst>
-              <a:ext uri="{FF2B5EF4-FFF2-40B4-BE49-F238E27FC236}">
-                <a16:creationId xmlns:a16="http://schemas.microsoft.com/office/drawing/2014/main" id="{08B9DAF9-648D-430E-BB99-C61FC52987C0}"/>
-              </a:ext>
-            </a:extLst>
-          </p:cNvPr>
-          <p:cNvSpPr>
-            <a:spLocks noGrp="1"/>
-          </p:cNvSpPr>
-          <p:nvPr>
-            <p:ph type="sldNum" sz="quarter" idx="12"/>
-          </p:nvPr>
-        </p:nvSpPr>
-        <p:spPr/>
-        <p:txBody>
-          <a:bodyPr/>
-          <a:lstStyle/>
-          <a:p>
-            <a:fld id="{6597116C-F94B-4B5B-973A-17F07FB5C418}" type="slidenum">
-              <a:rPr lang="nl-BE" smtClean="0"/>
-              <a:t>2</a:t>
-            </a:fld>
-            <a:endParaRPr lang="nl-BE"/>
-          </a:p>
-        </p:txBody>
-      </p:sp>
-      <p:sp>
-        <p:nvSpPr>
-          <p:cNvPr id="3" name="TextBox 2">
-            <a:extLst>
-              <a:ext uri="{FF2B5EF4-FFF2-40B4-BE49-F238E27FC236}">
-                <a16:creationId xmlns:a16="http://schemas.microsoft.com/office/drawing/2014/main" id="{9CCF71B0-8AF2-410D-BFFA-89C1AC808427}"/>
-              </a:ext>
-            </a:extLst>
-          </p:cNvPr>
-          <p:cNvSpPr txBox="1"/>
-          <p:nvPr/>
-        </p:nvSpPr>
-        <p:spPr>
-          <a:xfrm>
-            <a:off x="2695525" y="5580529"/>
-            <a:ext cx="3845925" cy="584775"/>
-          </a:xfrm>
-          <a:prstGeom prst="rect">
-            <a:avLst/>
-          </a:prstGeom>
-          <a:noFill/>
-        </p:spPr>
-        <p:txBody>
-          <a:bodyPr wrap="none" rtlCol="0">
-            <a:spAutoFit/>
-          </a:bodyPr>
-          <a:lstStyle/>
-          <a:p>
-            <a:r>
-              <a:rPr lang="en-GB" sz="3200" dirty="0">
-                <a:hlinkClick r:id="rId2"/>
-              </a:rPr>
-              <a:t>http://bit.ly/2O0jCDS</a:t>
-            </a:r>
-            <a:r>
-              <a:rPr lang="en-GB" sz="3200" dirty="0"/>
-              <a:t> </a:t>
-            </a:r>
-            <a:endParaRPr lang="en-BE" sz="3200" dirty="0"/>
-          </a:p>
-        </p:txBody>
-      </p:sp>
-      <p:pic>
-        <p:nvPicPr>
-          <p:cNvPr id="5" name="Picture 4">
-            <a:extLst>
-              <a:ext uri="{FF2B5EF4-FFF2-40B4-BE49-F238E27FC236}">
-                <a16:creationId xmlns:a16="http://schemas.microsoft.com/office/drawing/2014/main" id="{6790A795-2563-402C-AE05-AFC5E887AC2E}"/>
-              </a:ext>
-            </a:extLst>
-          </p:cNvPr>
-          <p:cNvPicPr>
-            <a:picLocks noChangeAspect="1"/>
-          </p:cNvPicPr>
-          <p:nvPr/>
-        </p:nvPicPr>
-        <p:blipFill>
-          <a:blip r:embed="rId3">
-            <a:extLst>
-              <a:ext uri="{28A0092B-C50C-407E-A947-70E740481C1C}">
-                <a14:useLocalDpi xmlns:a14="http://schemas.microsoft.com/office/drawing/2010/main" val="0"/>
-              </a:ext>
-            </a:extLst>
-          </a:blip>
-          <a:stretch>
-            <a:fillRect/>
-          </a:stretch>
-        </p:blipFill>
-        <p:spPr>
-          <a:xfrm>
-            <a:off x="2087724" y="404664"/>
-            <a:ext cx="4968552" cy="4968552"/>
-          </a:xfrm>
-          <a:prstGeom prst="rect">
-            <a:avLst/>
-          </a:prstGeom>
-        </p:spPr>
-      </p:pic>
-    </p:spTree>
-    <p:extLst>
-      <p:ext uri="{BB962C8B-B14F-4D97-AF65-F5344CB8AC3E}">
-        <p14:creationId xmlns:p14="http://schemas.microsoft.com/office/powerpoint/2010/main" val="2788517727"/>
-      </p:ext>
-    </p:extLst>
-  </p:cSld>
-  <p:clrMapOvr>
-    <a:masterClrMapping/>
-  </p:clrMapOvr>
-</p:sld>
-</file>
-
-<file path=ppt/slides/slide20.xml><?xml version="1.0" encoding="utf-8"?>
+<file path=ppt/slides/slide21.xml><?xml version="1.0" encoding="utf-8"?>
 <p:sld xmlns:a="http://schemas.openxmlformats.org/drawingml/2006/main" xmlns:r="http://schemas.openxmlformats.org/officeDocument/2006/relationships" xmlns:p="http://schemas.openxmlformats.org/presentationml/2006/main">
   <p:cSld>
     <p:spTree>
@@ -16911,7 +17477,7 @@
           <a:p>
             <a:fld id="{6597116C-F94B-4B5B-973A-17F07FB5C418}" type="slidenum">
               <a:rPr lang="nl-BE" smtClean="0"/>
-              <a:t>20</a:t>
+              <a:t>21</a:t>
             </a:fld>
             <a:endParaRPr lang="nl-BE"/>
           </a:p>
@@ -16930,7 +17496,7 @@
 </p:sld>
 </file>
 
-<file path=ppt/slides/slide21.xml><?xml version="1.0" encoding="utf-8"?>
+<file path=ppt/slides/slide22.xml><?xml version="1.0" encoding="utf-8"?>
 <p:sld xmlns:a="http://schemas.openxmlformats.org/drawingml/2006/main" xmlns:r="http://schemas.openxmlformats.org/officeDocument/2006/relationships" xmlns:p="http://schemas.openxmlformats.org/presentationml/2006/main">
   <p:cSld>
     <p:spTree>
@@ -17258,7 +17824,7 @@
           <a:p>
             <a:fld id="{6597116C-F94B-4B5B-973A-17F07FB5C418}" type="slidenum">
               <a:rPr lang="nl-BE" smtClean="0"/>
-              <a:t>21</a:t>
+              <a:t>22</a:t>
             </a:fld>
             <a:endParaRPr lang="nl-BE"/>
           </a:p>
@@ -17943,7 +18509,7 @@
 </p:sld>
 </file>
 
-<file path=ppt/slides/slide22.xml><?xml version="1.0" encoding="utf-8"?>
+<file path=ppt/slides/slide23.xml><?xml version="1.0" encoding="utf-8"?>
 <p:sld xmlns:a="http://schemas.openxmlformats.org/drawingml/2006/main" xmlns:r="http://schemas.openxmlformats.org/officeDocument/2006/relationships" xmlns:p="http://schemas.openxmlformats.org/presentationml/2006/main">
   <p:cSld>
     <p:spTree>
@@ -18275,7 +18841,7 @@
           <a:p>
             <a:fld id="{6597116C-F94B-4B5B-973A-17F07FB5C418}" type="slidenum">
               <a:rPr lang="nl-BE" smtClean="0"/>
-              <a:t>22</a:t>
+              <a:t>23</a:t>
             </a:fld>
             <a:endParaRPr lang="nl-BE"/>
           </a:p>
@@ -18891,7 +19457,7 @@
 </p:sld>
 </file>
 
-<file path=ppt/slides/slide23.xml><?xml version="1.0" encoding="utf-8"?>
+<file path=ppt/slides/slide24.xml><?xml version="1.0" encoding="utf-8"?>
 <p:sld xmlns:a="http://schemas.openxmlformats.org/drawingml/2006/main" xmlns:r="http://schemas.openxmlformats.org/officeDocument/2006/relationships" xmlns:p="http://schemas.openxmlformats.org/presentationml/2006/main">
   <p:cSld>
     <p:spTree>
@@ -19929,7 +20495,7 @@
           <a:p>
             <a:fld id="{6597116C-F94B-4B5B-973A-17F07FB5C418}" type="slidenum">
               <a:rPr lang="nl-BE" smtClean="0"/>
-              <a:t>23</a:t>
+              <a:t>24</a:t>
             </a:fld>
             <a:endParaRPr lang="nl-BE"/>
           </a:p>
@@ -20471,7 +21037,7 @@
 </p:sld>
 </file>
 
-<file path=ppt/slides/slide24.xml><?xml version="1.0" encoding="utf-8"?>
+<file path=ppt/slides/slide25.xml><?xml version="1.0" encoding="utf-8"?>
 <p:sld xmlns:a="http://schemas.openxmlformats.org/drawingml/2006/main" xmlns:r="http://schemas.openxmlformats.org/officeDocument/2006/relationships" xmlns:p="http://schemas.openxmlformats.org/presentationml/2006/main">
   <p:cSld>
     <p:spTree>
@@ -20527,7 +21093,7 @@
           <a:p>
             <a:fld id="{6597116C-F94B-4B5B-973A-17F07FB5C418}" type="slidenum">
               <a:rPr lang="nl-BE" smtClean="0"/>
-              <a:t>24</a:t>
+              <a:t>25</a:t>
             </a:fld>
             <a:endParaRPr lang="nl-BE"/>
           </a:p>
@@ -21432,7 +21998,7 @@
 </p:sld>
 </file>
 
-<file path=ppt/slides/slide25.xml><?xml version="1.0" encoding="utf-8"?>
+<file path=ppt/slides/slide26.xml><?xml version="1.0" encoding="utf-8"?>
 <p:sld xmlns:a="http://schemas.openxmlformats.org/drawingml/2006/main" xmlns:r="http://schemas.openxmlformats.org/officeDocument/2006/relationships" xmlns:p="http://schemas.openxmlformats.org/presentationml/2006/main">
   <p:cSld>
     <p:spTree>
@@ -21529,7 +22095,7 @@
           <a:p>
             <a:fld id="{6597116C-F94B-4B5B-973A-17F07FB5C418}" type="slidenum">
               <a:rPr lang="nl-BE" smtClean="0"/>
-              <a:t>25</a:t>
+              <a:t>26</a:t>
             </a:fld>
             <a:endParaRPr lang="nl-BE"/>
           </a:p>
@@ -21557,12 +22123,12 @@
           <a:graphicData uri="http://schemas.openxmlformats.org/presentationml/2006/ole">
             <mc:AlternateContent xmlns:mc="http://schemas.openxmlformats.org/markup-compatibility/2006">
               <mc:Choice xmlns:v="urn:schemas-microsoft-com:vml" Requires="v">
-                <p:oleObj name="Equation" r:id="rId2" imgW="1091880" imgH="1041120" progId="Equation.3">
+                <p:oleObj spid="_x0000_s3074" name="Equation" r:id="rId3" imgW="1091880" imgH="1041120" progId="Equation.3">
                   <p:embed/>
                 </p:oleObj>
               </mc:Choice>
               <mc:Fallback>
-                <p:oleObj name="Equation" r:id="rId2" imgW="1091880" imgH="1041120" progId="Equation.3">
+                <p:oleObj name="Equation" r:id="rId3" imgW="1091880" imgH="1041120" progId="Equation.3">
                   <p:embed/>
                   <p:pic>
                     <p:nvPicPr>
@@ -21571,7 +22137,7 @@
                       <p:nvPr/>
                     </p:nvPicPr>
                     <p:blipFill>
-                      <a:blip r:embed="rId3"/>
+                      <a:blip r:embed="rId4"/>
                       <a:stretch>
                         <a:fillRect/>
                       </a:stretch>
@@ -22912,12 +23478,12 @@
           <a:graphicData uri="http://schemas.openxmlformats.org/presentationml/2006/ole">
             <mc:AlternateContent xmlns:mc="http://schemas.openxmlformats.org/markup-compatibility/2006">
               <mc:Choice xmlns:v="urn:schemas-microsoft-com:vml" Requires="v">
-                <p:oleObj name="Equation" r:id="rId4" imgW="1091880" imgH="1041120" progId="Equation.3">
+                <p:oleObj spid="_x0000_s3075" name="Equation" r:id="rId5" imgW="1091880" imgH="1041120" progId="Equation.3">
                   <p:embed/>
                 </p:oleObj>
               </mc:Choice>
               <mc:Fallback>
-                <p:oleObj name="Equation" r:id="rId4" imgW="1091880" imgH="1041120" progId="Equation.3">
+                <p:oleObj name="Equation" r:id="rId5" imgW="1091880" imgH="1041120" progId="Equation.3">
                   <p:embed/>
                   <p:pic>
                     <p:nvPicPr>
@@ -22926,7 +23492,7 @@
                       <p:nvPr/>
                     </p:nvPicPr>
                     <p:blipFill>
-                      <a:blip r:embed="rId3"/>
+                      <a:blip r:embed="rId4"/>
                       <a:stretch>
                         <a:fillRect/>
                       </a:stretch>
@@ -23680,7 +24246,7 @@
 </p:sld>
 </file>
 
-<file path=ppt/slides/slide26.xml><?xml version="1.0" encoding="utf-8"?>
+<file path=ppt/slides/slide27.xml><?xml version="1.0" encoding="utf-8"?>
 <p:sld xmlns:a="http://schemas.openxmlformats.org/drawingml/2006/main" xmlns:r="http://schemas.openxmlformats.org/officeDocument/2006/relationships" xmlns:p="http://schemas.openxmlformats.org/presentationml/2006/main">
   <p:cSld>
     <p:spTree>
@@ -23869,7 +24435,7 @@
           <a:p>
             <a:fld id="{6597116C-F94B-4B5B-973A-17F07FB5C418}" type="slidenum">
               <a:rPr lang="nl-BE" smtClean="0"/>
-              <a:t>26</a:t>
+              <a:t>27</a:t>
             </a:fld>
             <a:endParaRPr lang="nl-BE"/>
           </a:p>
@@ -25725,7 +26291,7 @@
 </p:sld>
 </file>
 
-<file path=ppt/slides/slide27.xml><?xml version="1.0" encoding="utf-8"?>
+<file path=ppt/slides/slide28.xml><?xml version="1.0" encoding="utf-8"?>
 <p:sld xmlns:a="http://schemas.openxmlformats.org/drawingml/2006/main" xmlns:r="http://schemas.openxmlformats.org/officeDocument/2006/relationships" xmlns:p="http://schemas.openxmlformats.org/presentationml/2006/main">
   <p:cSld>
     <p:spTree>
@@ -25861,7 +26427,7 @@
           <a:p>
             <a:fld id="{6597116C-F94B-4B5B-973A-17F07FB5C418}" type="slidenum">
               <a:rPr lang="nl-BE" smtClean="0"/>
-              <a:t>27</a:t>
+              <a:t>28</a:t>
             </a:fld>
             <a:endParaRPr lang="nl-BE"/>
           </a:p>
@@ -26391,7 +26957,7 @@
 </p:sld>
 </file>
 
-<file path=ppt/slides/slide28.xml><?xml version="1.0" encoding="utf-8"?>
+<file path=ppt/slides/slide29.xml><?xml version="1.0" encoding="utf-8"?>
 <p:sld xmlns:a="http://schemas.openxmlformats.org/drawingml/2006/main" xmlns:r="http://schemas.openxmlformats.org/officeDocument/2006/relationships" xmlns:p="http://schemas.openxmlformats.org/presentationml/2006/main">
   <p:cSld>
     <p:spTree>
@@ -26448,7 +27014,7 @@
           <a:p>
             <a:fld id="{6597116C-F94B-4B5B-973A-17F07FB5C418}" type="slidenum">
               <a:rPr lang="nl-BE" smtClean="0"/>
-              <a:t>28</a:t>
+              <a:t>29</a:t>
             </a:fld>
             <a:endParaRPr lang="nl-BE"/>
           </a:p>
@@ -27082,101 +27648,6 @@
 </p:sld>
 </file>
 
-<file path=ppt/slides/slide29.xml><?xml version="1.0" encoding="utf-8"?>
-<p:sld xmlns:a="http://schemas.openxmlformats.org/drawingml/2006/main" xmlns:r="http://schemas.openxmlformats.org/officeDocument/2006/relationships" xmlns:p="http://schemas.openxmlformats.org/presentationml/2006/main">
-  <p:cSld>
-    <p:spTree>
-      <p:nvGrpSpPr>
-        <p:cNvPr id="1" name=""/>
-        <p:cNvGrpSpPr/>
-        <p:nvPr/>
-      </p:nvGrpSpPr>
-      <p:grpSpPr>
-        <a:xfrm>
-          <a:off x="0" y="0"/>
-          <a:ext cx="0" cy="0"/>
-          <a:chOff x="0" y="0"/>
-          <a:chExt cx="0" cy="0"/>
-        </a:xfrm>
-      </p:grpSpPr>
-      <p:sp>
-        <p:nvSpPr>
-          <p:cNvPr id="2" name="Title 1"/>
-          <p:cNvSpPr>
-            <a:spLocks noGrp="1"/>
-          </p:cNvSpPr>
-          <p:nvPr>
-            <p:ph type="title"/>
-          </p:nvPr>
-        </p:nvSpPr>
-        <p:spPr/>
-        <p:txBody>
-          <a:bodyPr/>
-          <a:lstStyle/>
-          <a:p>
-            <a:r>
-              <a:rPr lang="en-US" dirty="0"/>
-              <a:t>CPU</a:t>
-            </a:r>
-            <a:endParaRPr lang="nl-BE" dirty="0"/>
-          </a:p>
-        </p:txBody>
-      </p:sp>
-      <p:sp>
-        <p:nvSpPr>
-          <p:cNvPr id="3" name="Text Placeholder 2"/>
-          <p:cNvSpPr>
-            <a:spLocks noGrp="1"/>
-          </p:cNvSpPr>
-          <p:nvPr>
-            <p:ph type="body" idx="1"/>
-          </p:nvPr>
-        </p:nvSpPr>
-        <p:spPr/>
-        <p:txBody>
-          <a:bodyPr/>
-          <a:lstStyle/>
-          <a:p>
-            <a:endParaRPr lang="nl-BE"/>
-          </a:p>
-        </p:txBody>
-      </p:sp>
-      <p:sp>
-        <p:nvSpPr>
-          <p:cNvPr id="4" name="Slide Number Placeholder 3"/>
-          <p:cNvSpPr>
-            <a:spLocks noGrp="1"/>
-          </p:cNvSpPr>
-          <p:nvPr>
-            <p:ph type="sldNum" sz="quarter" idx="12"/>
-          </p:nvPr>
-        </p:nvSpPr>
-        <p:spPr/>
-        <p:txBody>
-          <a:bodyPr/>
-          <a:lstStyle/>
-          <a:p>
-            <a:fld id="{6597116C-F94B-4B5B-973A-17F07FB5C418}" type="slidenum">
-              <a:rPr lang="nl-BE" smtClean="0"/>
-              <a:t>29</a:t>
-            </a:fld>
-            <a:endParaRPr lang="nl-BE"/>
-          </a:p>
-        </p:txBody>
-      </p:sp>
-    </p:spTree>
-    <p:extLst>
-      <p:ext uri="{BB962C8B-B14F-4D97-AF65-F5344CB8AC3E}">
-        <p14:creationId xmlns:p14="http://schemas.microsoft.com/office/powerpoint/2010/main" val="818805559"/>
-      </p:ext>
-    </p:extLst>
-  </p:cSld>
-  <p:clrMapOvr>
-    <a:masterClrMapping/>
-  </p:clrMapOvr>
-</p:sld>
-</file>
-
 <file path=ppt/slides/slide3.xml><?xml version="1.0" encoding="utf-8"?>
 <p:sld xmlns:a="http://schemas.openxmlformats.org/drawingml/2006/main" xmlns:r="http://schemas.openxmlformats.org/officeDocument/2006/relationships" xmlns:p="http://schemas.openxmlformats.org/presentationml/2006/main">
   <p:cSld>
@@ -27196,49 +27667,13 @@
       </p:grpSpPr>
       <p:sp>
         <p:nvSpPr>
-          <p:cNvPr id="2" name="Title 1"/>
-          <p:cNvSpPr>
-            <a:spLocks noGrp="1"/>
-          </p:cNvSpPr>
-          <p:nvPr>
-            <p:ph type="title"/>
-          </p:nvPr>
-        </p:nvSpPr>
-        <p:spPr/>
-        <p:txBody>
-          <a:bodyPr/>
-          <a:lstStyle/>
-          <a:p>
-            <a:r>
-              <a:rPr lang="en-US" dirty="0"/>
-              <a:t>Introduction</a:t>
-            </a:r>
-            <a:endParaRPr lang="nl-BE" dirty="0"/>
-          </a:p>
-        </p:txBody>
-      </p:sp>
-      <p:sp>
-        <p:nvSpPr>
-          <p:cNvPr id="3" name="Text Placeholder 2"/>
-          <p:cNvSpPr>
-            <a:spLocks noGrp="1"/>
-          </p:cNvSpPr>
-          <p:nvPr>
-            <p:ph type="body" idx="1"/>
-          </p:nvPr>
-        </p:nvSpPr>
-        <p:spPr/>
-        <p:txBody>
-          <a:bodyPr/>
-          <a:lstStyle/>
-          <a:p>
-            <a:endParaRPr lang="nl-BE" dirty="0"/>
-          </a:p>
-        </p:txBody>
-      </p:sp>
-      <p:sp>
-        <p:nvSpPr>
-          <p:cNvPr id="4" name="Slide Number Placeholder 3"/>
+          <p:cNvPr id="2" name="Slide Number Placeholder 1">
+            <a:extLst>
+              <a:ext uri="{FF2B5EF4-FFF2-40B4-BE49-F238E27FC236}">
+                <a16:creationId xmlns:a16="http://schemas.microsoft.com/office/drawing/2014/main" id="{64233F75-BBCB-41BD-9AFB-411A8C3178BD}"/>
+              </a:ext>
+            </a:extLst>
+          </p:cNvPr>
           <p:cNvSpPr>
             <a:spLocks noGrp="1"/>
           </p:cNvSpPr>
@@ -27259,10 +27694,46 @@
           </a:p>
         </p:txBody>
       </p:sp>
+      <p:pic>
+        <p:nvPicPr>
+          <p:cNvPr id="4" name="Picture 3" descr="Qr code&#10;&#10;Description automatically generated">
+            <a:extLst>
+              <a:ext uri="{FF2B5EF4-FFF2-40B4-BE49-F238E27FC236}">
+                <a16:creationId xmlns:a16="http://schemas.microsoft.com/office/drawing/2014/main" id="{E06E747F-3767-4F0C-82EA-1E7F7237584F}"/>
+              </a:ext>
+            </a:extLst>
+          </p:cNvPr>
+          <p:cNvPicPr>
+            <a:picLocks noChangeAspect="1"/>
+          </p:cNvPicPr>
+          <p:nvPr/>
+        </p:nvPicPr>
+        <p:blipFill>
+          <a:blip r:embed="rId2">
+            <a:extLst>
+              <a:ext uri="{28A0092B-C50C-407E-A947-70E740481C1C}">
+                <a14:useLocalDpi xmlns:a14="http://schemas.microsoft.com/office/drawing/2010/main" val="0"/>
+              </a:ext>
+            </a:extLst>
+          </a:blip>
+          <a:stretch>
+            <a:fillRect/>
+          </a:stretch>
+        </p:blipFill>
+        <p:spPr>
+          <a:xfrm>
+            <a:off x="0" y="0"/>
+            <a:ext cx="9144000" cy="6858000"/>
+          </a:xfrm>
+          <a:prstGeom prst="rect">
+            <a:avLst/>
+          </a:prstGeom>
+        </p:spPr>
+      </p:pic>
     </p:spTree>
     <p:extLst>
       <p:ext uri="{BB962C8B-B14F-4D97-AF65-F5344CB8AC3E}">
-        <p14:creationId xmlns:p14="http://schemas.microsoft.com/office/powerpoint/2010/main" val="1580163912"/>
+        <p14:creationId xmlns:p14="http://schemas.microsoft.com/office/powerpoint/2010/main" val="439685417"/>
       </p:ext>
     </p:extLst>
   </p:cSld>
@@ -27306,6 +27777,101 @@
           <a:p>
             <a:r>
               <a:rPr lang="en-US" dirty="0"/>
+              <a:t>CPU</a:t>
+            </a:r>
+            <a:endParaRPr lang="nl-BE" dirty="0"/>
+          </a:p>
+        </p:txBody>
+      </p:sp>
+      <p:sp>
+        <p:nvSpPr>
+          <p:cNvPr id="3" name="Text Placeholder 2"/>
+          <p:cNvSpPr>
+            <a:spLocks noGrp="1"/>
+          </p:cNvSpPr>
+          <p:nvPr>
+            <p:ph type="body" idx="1"/>
+          </p:nvPr>
+        </p:nvSpPr>
+        <p:spPr/>
+        <p:txBody>
+          <a:bodyPr/>
+          <a:lstStyle/>
+          <a:p>
+            <a:endParaRPr lang="nl-BE"/>
+          </a:p>
+        </p:txBody>
+      </p:sp>
+      <p:sp>
+        <p:nvSpPr>
+          <p:cNvPr id="4" name="Slide Number Placeholder 3"/>
+          <p:cNvSpPr>
+            <a:spLocks noGrp="1"/>
+          </p:cNvSpPr>
+          <p:nvPr>
+            <p:ph type="sldNum" sz="quarter" idx="12"/>
+          </p:nvPr>
+        </p:nvSpPr>
+        <p:spPr/>
+        <p:txBody>
+          <a:bodyPr/>
+          <a:lstStyle/>
+          <a:p>
+            <a:fld id="{6597116C-F94B-4B5B-973A-17F07FB5C418}" type="slidenum">
+              <a:rPr lang="nl-BE" smtClean="0"/>
+              <a:t>30</a:t>
+            </a:fld>
+            <a:endParaRPr lang="nl-BE"/>
+          </a:p>
+        </p:txBody>
+      </p:sp>
+    </p:spTree>
+    <p:extLst>
+      <p:ext uri="{BB962C8B-B14F-4D97-AF65-F5344CB8AC3E}">
+        <p14:creationId xmlns:p14="http://schemas.microsoft.com/office/powerpoint/2010/main" val="818805559"/>
+      </p:ext>
+    </p:extLst>
+  </p:cSld>
+  <p:clrMapOvr>
+    <a:masterClrMapping/>
+  </p:clrMapOvr>
+</p:sld>
+</file>
+
+<file path=ppt/slides/slide31.xml><?xml version="1.0" encoding="utf-8"?>
+<p:sld xmlns:a="http://schemas.openxmlformats.org/drawingml/2006/main" xmlns:r="http://schemas.openxmlformats.org/officeDocument/2006/relationships" xmlns:p="http://schemas.openxmlformats.org/presentationml/2006/main">
+  <p:cSld>
+    <p:spTree>
+      <p:nvGrpSpPr>
+        <p:cNvPr id="1" name=""/>
+        <p:cNvGrpSpPr/>
+        <p:nvPr/>
+      </p:nvGrpSpPr>
+      <p:grpSpPr>
+        <a:xfrm>
+          <a:off x="0" y="0"/>
+          <a:ext cx="0" cy="0"/>
+          <a:chOff x="0" y="0"/>
+          <a:chExt cx="0" cy="0"/>
+        </a:xfrm>
+      </p:grpSpPr>
+      <p:sp>
+        <p:nvSpPr>
+          <p:cNvPr id="2" name="Title 1"/>
+          <p:cNvSpPr>
+            <a:spLocks noGrp="1"/>
+          </p:cNvSpPr>
+          <p:nvPr>
+            <p:ph type="title"/>
+          </p:nvPr>
+        </p:nvSpPr>
+        <p:spPr/>
+        <p:txBody>
+          <a:bodyPr/>
+          <a:lstStyle/>
+          <a:p>
+            <a:r>
+              <a:rPr lang="en-US" dirty="0"/>
               <a:t>Vectorization</a:t>
             </a:r>
           </a:p>
@@ -27381,7 +27947,7 @@
           <a:p>
             <a:fld id="{6597116C-F94B-4B5B-973A-17F07FB5C418}" type="slidenum">
               <a:rPr lang="nl-BE" smtClean="0"/>
-              <a:t>30</a:t>
+              <a:t>31</a:t>
             </a:fld>
             <a:endParaRPr lang="nl-BE"/>
           </a:p>
@@ -28149,7 +28715,7 @@
 </p:sld>
 </file>
 
-<file path=ppt/slides/slide31.xml><?xml version="1.0" encoding="utf-8"?>
+<file path=ppt/slides/slide32.xml><?xml version="1.0" encoding="utf-8"?>
 <p:sld xmlns:a="http://schemas.openxmlformats.org/drawingml/2006/main" xmlns:r="http://schemas.openxmlformats.org/officeDocument/2006/relationships" xmlns:p="http://schemas.openxmlformats.org/presentationml/2006/main">
   <p:cSld>
     <p:spTree>
@@ -28253,7 +28819,7 @@
           <a:p>
             <a:fld id="{6597116C-F94B-4B5B-973A-17F07FB5C418}" type="slidenum">
               <a:rPr lang="nl-BE" smtClean="0"/>
-              <a:t>31</a:t>
+              <a:t>32</a:t>
             </a:fld>
             <a:endParaRPr lang="nl-BE"/>
           </a:p>
@@ -29083,7 +29649,7 @@
 </p:sld>
 </file>
 
-<file path=ppt/slides/slide32.xml><?xml version="1.0" encoding="utf-8"?>
+<file path=ppt/slides/slide33.xml><?xml version="1.0" encoding="utf-8"?>
 <p:sld xmlns:a="http://schemas.openxmlformats.org/drawingml/2006/main" xmlns:r="http://schemas.openxmlformats.org/officeDocument/2006/relationships" xmlns:p="http://schemas.openxmlformats.org/presentationml/2006/main">
   <p:cSld>
     <p:spTree>
@@ -29397,7 +29963,7 @@
           <a:p>
             <a:fld id="{6597116C-F94B-4B5B-973A-17F07FB5C418}" type="slidenum">
               <a:rPr lang="nl-BE" smtClean="0"/>
-              <a:t>32</a:t>
+              <a:t>33</a:t>
             </a:fld>
             <a:endParaRPr lang="nl-BE"/>
           </a:p>
@@ -29878,7 +30444,7 @@
 </p:sld>
 </file>
 
-<file path=ppt/slides/slide33.xml><?xml version="1.0" encoding="utf-8"?>
+<file path=ppt/slides/slide34.xml><?xml version="1.0" encoding="utf-8"?>
 <p:sld xmlns:a="http://schemas.openxmlformats.org/drawingml/2006/main" xmlns:r="http://schemas.openxmlformats.org/officeDocument/2006/relationships" xmlns:p="http://schemas.openxmlformats.org/presentationml/2006/main">
   <p:cSld>
     <p:spTree>
@@ -30231,7 +30797,7 @@
           <a:p>
             <a:fld id="{6597116C-F94B-4B5B-973A-17F07FB5C418}" type="slidenum">
               <a:rPr lang="nl-BE" smtClean="0"/>
-              <a:t>33</a:t>
+              <a:t>34</a:t>
             </a:fld>
             <a:endParaRPr lang="nl-BE"/>
           </a:p>
@@ -30415,7 +30981,7 @@
 </p:sld>
 </file>
 
-<file path=ppt/slides/slide34.xml><?xml version="1.0" encoding="utf-8"?>
+<file path=ppt/slides/slide35.xml><?xml version="1.0" encoding="utf-8"?>
 <p:sld xmlns:a="http://schemas.openxmlformats.org/drawingml/2006/main" xmlns:r="http://schemas.openxmlformats.org/officeDocument/2006/relationships" xmlns:p="http://schemas.openxmlformats.org/presentationml/2006/main">
   <p:cSld>
     <p:spTree>
@@ -30533,7 +31099,7 @@
           <a:p>
             <a:fld id="{6597116C-F94B-4B5B-973A-17F07FB5C418}" type="slidenum">
               <a:rPr lang="nl-BE" smtClean="0"/>
-              <a:t>34</a:t>
+              <a:t>35</a:t>
             </a:fld>
             <a:endParaRPr lang="nl-BE"/>
           </a:p>
@@ -30918,7 +31484,7 @@
 </p:sld>
 </file>
 
-<file path=ppt/slides/slide35.xml><?xml version="1.0" encoding="utf-8"?>
+<file path=ppt/slides/slide36.xml><?xml version="1.0" encoding="utf-8"?>
 <p:sld xmlns:a="http://schemas.openxmlformats.org/drawingml/2006/main" xmlns:r="http://schemas.openxmlformats.org/officeDocument/2006/relationships" xmlns:p="http://schemas.openxmlformats.org/presentationml/2006/main">
   <p:cSld>
     <p:spTree>
@@ -31029,7 +31595,7 @@
           <a:p>
             <a:fld id="{6597116C-F94B-4B5B-973A-17F07FB5C418}" type="slidenum">
               <a:rPr lang="nl-BE" smtClean="0"/>
-              <a:t>35</a:t>
+              <a:t>36</a:t>
             </a:fld>
             <a:endParaRPr lang="nl-BE"/>
           </a:p>
@@ -31577,7 +32143,7 @@
 </p:sld>
 </file>
 
-<file path=ppt/slides/slide36.xml><?xml version="1.0" encoding="utf-8"?>
+<file path=ppt/slides/slide37.xml><?xml version="1.0" encoding="utf-8"?>
 <p:sld xmlns:a="http://schemas.openxmlformats.org/drawingml/2006/main" xmlns:r="http://schemas.openxmlformats.org/officeDocument/2006/relationships" xmlns:p="http://schemas.openxmlformats.org/presentationml/2006/main">
   <p:cSld>
     <p:spTree>
@@ -31692,7 +32258,7 @@
           <a:p>
             <a:fld id="{6597116C-F94B-4B5B-973A-17F07FB5C418}" type="slidenum">
               <a:rPr lang="nl-BE" smtClean="0"/>
-              <a:t>36</a:t>
+              <a:t>37</a:t>
             </a:fld>
             <a:endParaRPr lang="nl-BE"/>
           </a:p>
@@ -32290,7 +32856,7 @@
 </p:sld>
 </file>
 
-<file path=ppt/slides/slide37.xml><?xml version="1.0" encoding="utf-8"?>
+<file path=ppt/slides/slide38.xml><?xml version="1.0" encoding="utf-8"?>
 <p:sld xmlns:a="http://schemas.openxmlformats.org/drawingml/2006/main" xmlns:r="http://schemas.openxmlformats.org/officeDocument/2006/relationships" xmlns:p="http://schemas.openxmlformats.org/presentationml/2006/main">
   <p:cSld>
     <p:spTree>
@@ -32459,7 +33025,7 @@
           <a:p>
             <a:fld id="{6597116C-F94B-4B5B-973A-17F07FB5C418}" type="slidenum">
               <a:rPr lang="nl-BE" smtClean="0"/>
-              <a:t>37</a:t>
+              <a:t>38</a:t>
             </a:fld>
             <a:endParaRPr lang="nl-BE"/>
           </a:p>
@@ -32822,7 +33388,7 @@
 </p:sld>
 </file>
 
-<file path=ppt/slides/slide38.xml><?xml version="1.0" encoding="utf-8"?>
+<file path=ppt/slides/slide39.xml><?xml version="1.0" encoding="utf-8"?>
 <p:sld xmlns:a="http://schemas.openxmlformats.org/drawingml/2006/main" xmlns:r="http://schemas.openxmlformats.org/officeDocument/2006/relationships" xmlns:p="http://schemas.openxmlformats.org/presentationml/2006/main">
   <p:cSld>
     <p:spTree>
@@ -33171,7 +33737,7 @@
           <a:p>
             <a:fld id="{6597116C-F94B-4B5B-973A-17F07FB5C418}" type="slidenum">
               <a:rPr lang="nl-BE" smtClean="0"/>
-              <a:t>38</a:t>
+              <a:t>39</a:t>
             </a:fld>
             <a:endParaRPr lang="nl-BE"/>
           </a:p>
@@ -33671,7 +34237,102 @@
 </p:sld>
 </file>
 
-<file path=ppt/slides/slide39.xml><?xml version="1.0" encoding="utf-8"?>
+<file path=ppt/slides/slide4.xml><?xml version="1.0" encoding="utf-8"?>
+<p:sld xmlns:a="http://schemas.openxmlformats.org/drawingml/2006/main" xmlns:r="http://schemas.openxmlformats.org/officeDocument/2006/relationships" xmlns:p="http://schemas.openxmlformats.org/presentationml/2006/main">
+  <p:cSld>
+    <p:spTree>
+      <p:nvGrpSpPr>
+        <p:cNvPr id="1" name=""/>
+        <p:cNvGrpSpPr/>
+        <p:nvPr/>
+      </p:nvGrpSpPr>
+      <p:grpSpPr>
+        <a:xfrm>
+          <a:off x="0" y="0"/>
+          <a:ext cx="0" cy="0"/>
+          <a:chOff x="0" y="0"/>
+          <a:chExt cx="0" cy="0"/>
+        </a:xfrm>
+      </p:grpSpPr>
+      <p:sp>
+        <p:nvSpPr>
+          <p:cNvPr id="2" name="Title 1"/>
+          <p:cNvSpPr>
+            <a:spLocks noGrp="1"/>
+          </p:cNvSpPr>
+          <p:nvPr>
+            <p:ph type="title"/>
+          </p:nvPr>
+        </p:nvSpPr>
+        <p:spPr/>
+        <p:txBody>
+          <a:bodyPr/>
+          <a:lstStyle/>
+          <a:p>
+            <a:r>
+              <a:rPr lang="en-US" dirty="0"/>
+              <a:t>Introduction</a:t>
+            </a:r>
+            <a:endParaRPr lang="nl-BE" dirty="0"/>
+          </a:p>
+        </p:txBody>
+      </p:sp>
+      <p:sp>
+        <p:nvSpPr>
+          <p:cNvPr id="3" name="Text Placeholder 2"/>
+          <p:cNvSpPr>
+            <a:spLocks noGrp="1"/>
+          </p:cNvSpPr>
+          <p:nvPr>
+            <p:ph type="body" idx="1"/>
+          </p:nvPr>
+        </p:nvSpPr>
+        <p:spPr/>
+        <p:txBody>
+          <a:bodyPr/>
+          <a:lstStyle/>
+          <a:p>
+            <a:endParaRPr lang="nl-BE" dirty="0"/>
+          </a:p>
+        </p:txBody>
+      </p:sp>
+      <p:sp>
+        <p:nvSpPr>
+          <p:cNvPr id="4" name="Slide Number Placeholder 3"/>
+          <p:cNvSpPr>
+            <a:spLocks noGrp="1"/>
+          </p:cNvSpPr>
+          <p:nvPr>
+            <p:ph type="sldNum" sz="quarter" idx="12"/>
+          </p:nvPr>
+        </p:nvSpPr>
+        <p:spPr/>
+        <p:txBody>
+          <a:bodyPr/>
+          <a:lstStyle/>
+          <a:p>
+            <a:fld id="{6597116C-F94B-4B5B-973A-17F07FB5C418}" type="slidenum">
+              <a:rPr lang="nl-BE" smtClean="0"/>
+              <a:t>4</a:t>
+            </a:fld>
+            <a:endParaRPr lang="nl-BE"/>
+          </a:p>
+        </p:txBody>
+      </p:sp>
+    </p:spTree>
+    <p:extLst>
+      <p:ext uri="{BB962C8B-B14F-4D97-AF65-F5344CB8AC3E}">
+        <p14:creationId xmlns:p14="http://schemas.microsoft.com/office/powerpoint/2010/main" val="1580163912"/>
+      </p:ext>
+    </p:extLst>
+  </p:cSld>
+  <p:clrMapOvr>
+    <a:masterClrMapping/>
+  </p:clrMapOvr>
+</p:sld>
+</file>
+
+<file path=ppt/slides/slide40.xml><?xml version="1.0" encoding="utf-8"?>
 <p:sld xmlns:a="http://schemas.openxmlformats.org/drawingml/2006/main" xmlns:r="http://schemas.openxmlformats.org/officeDocument/2006/relationships" xmlns:p="http://schemas.openxmlformats.org/presentationml/2006/main">
   <p:cSld>
     <p:spTree>
@@ -33790,7 +34451,7 @@
           <a:p>
             <a:fld id="{6597116C-F94B-4B5B-973A-17F07FB5C418}" type="slidenum">
               <a:rPr lang="nl-BE" smtClean="0"/>
-              <a:t>39</a:t>
+              <a:t>40</a:t>
             </a:fld>
             <a:endParaRPr lang="nl-BE" dirty="0"/>
           </a:p>
@@ -36248,593 +36909,7 @@
 </p:sld>
 </file>
 
-<file path=ppt/slides/slide4.xml><?xml version="1.0" encoding="utf-8"?>
-<p:sld xmlns:a="http://schemas.openxmlformats.org/drawingml/2006/main" xmlns:r="http://schemas.openxmlformats.org/officeDocument/2006/relationships" xmlns:p="http://schemas.openxmlformats.org/presentationml/2006/main">
-  <p:cSld>
-    <p:spTree>
-      <p:nvGrpSpPr>
-        <p:cNvPr id="1" name=""/>
-        <p:cNvGrpSpPr/>
-        <p:nvPr/>
-      </p:nvGrpSpPr>
-      <p:grpSpPr>
-        <a:xfrm>
-          <a:off x="0" y="0"/>
-          <a:ext cx="0" cy="0"/>
-          <a:chOff x="0" y="0"/>
-          <a:chExt cx="0" cy="0"/>
-        </a:xfrm>
-      </p:grpSpPr>
-      <p:sp>
-        <p:nvSpPr>
-          <p:cNvPr id="2" name="Title 1"/>
-          <p:cNvSpPr>
-            <a:spLocks noGrp="1"/>
-          </p:cNvSpPr>
-          <p:nvPr>
-            <p:ph type="title"/>
-          </p:nvPr>
-        </p:nvSpPr>
-        <p:spPr/>
-        <p:txBody>
-          <a:bodyPr/>
-          <a:lstStyle/>
-          <a:p>
-            <a:r>
-              <a:rPr lang="en-US" dirty="0"/>
-              <a:t>Moore's law</a:t>
-            </a:r>
-            <a:endParaRPr lang="nl-BE" dirty="0"/>
-          </a:p>
-        </p:txBody>
-      </p:sp>
-      <p:sp>
-        <p:nvSpPr>
-          <p:cNvPr id="3" name="Content Placeholder 2"/>
-          <p:cNvSpPr>
-            <a:spLocks noGrp="1"/>
-          </p:cNvSpPr>
-          <p:nvPr>
-            <p:ph idx="1"/>
-          </p:nvPr>
-        </p:nvSpPr>
-        <p:spPr/>
-        <p:txBody>
-          <a:bodyPr/>
-          <a:lstStyle/>
-          <a:p>
-            <a:r>
-              <a:rPr lang="en-US" dirty="0"/>
-              <a:t>In the good, old days…</a:t>
-            </a:r>
-          </a:p>
-          <a:p>
-            <a:pPr lvl="1"/>
-            <a:r>
-              <a:rPr lang="en-US" dirty="0"/>
-              <a:t>CPU clock frequency increased:</a:t>
-            </a:r>
-            <a:br>
-              <a:rPr lang="en-US" dirty="0"/>
-            </a:br>
-            <a:r>
-              <a:rPr lang="en-US" dirty="0"/>
-              <a:t>performance was free lunch</a:t>
-            </a:r>
-          </a:p>
-          <a:p>
-            <a:r>
-              <a:rPr lang="en-US" dirty="0"/>
-              <a:t>Problems</a:t>
-            </a:r>
-          </a:p>
-          <a:p>
-            <a:pPr lvl="1"/>
-            <a:r>
-              <a:rPr lang="en-US" dirty="0"/>
-              <a:t>Heat dissipation</a:t>
-            </a:r>
-          </a:p>
-          <a:p>
-            <a:pPr lvl="1"/>
-            <a:r>
-              <a:rPr lang="en-US" dirty="0"/>
-              <a:t>Power efficiency</a:t>
-            </a:r>
-          </a:p>
-          <a:p>
-            <a:r>
-              <a:rPr lang="en-US" dirty="0"/>
-              <a:t>However…</a:t>
-            </a:r>
-            <a:endParaRPr lang="nl-BE" dirty="0"/>
-          </a:p>
-        </p:txBody>
-      </p:sp>
-      <p:sp>
-        <p:nvSpPr>
-          <p:cNvPr id="4" name="Slide Number Placeholder 3"/>
-          <p:cNvSpPr>
-            <a:spLocks noGrp="1"/>
-          </p:cNvSpPr>
-          <p:nvPr>
-            <p:ph type="sldNum" sz="quarter" idx="12"/>
-          </p:nvPr>
-        </p:nvSpPr>
-        <p:spPr/>
-        <p:txBody>
-          <a:bodyPr/>
-          <a:lstStyle/>
-          <a:p>
-            <a:fld id="{6597116C-F94B-4B5B-973A-17F07FB5C418}" type="slidenum">
-              <a:rPr lang="nl-BE" smtClean="0"/>
-              <a:t>4</a:t>
-            </a:fld>
-            <a:endParaRPr lang="nl-BE"/>
-          </a:p>
-        </p:txBody>
-      </p:sp>
-      <p:sp>
-        <p:nvSpPr>
-          <p:cNvPr id="5" name="TextBox 4"/>
-          <p:cNvSpPr txBox="1"/>
-          <p:nvPr/>
-        </p:nvSpPr>
-        <p:spPr>
-          <a:xfrm>
-            <a:off x="683568" y="5499229"/>
-            <a:ext cx="7704856" cy="954107"/>
-          </a:xfrm>
-          <a:prstGeom prst="rect">
-            <a:avLst/>
-          </a:prstGeom>
-          <a:noFill/>
-          <a:ln>
-            <a:solidFill>
-              <a:schemeClr val="tx1"/>
-            </a:solidFill>
-          </a:ln>
-        </p:spPr>
-        <p:txBody>
-          <a:bodyPr wrap="square" rtlCol="0">
-            <a:spAutoFit/>
-          </a:bodyPr>
-          <a:lstStyle/>
-          <a:p>
-            <a:pPr algn="ctr"/>
-            <a:r>
-              <a:rPr lang="en-US" sz="2800" dirty="0"/>
-              <a:t>"The number of transistors in a dense integrated circuit doubles approximately every two years".</a:t>
-            </a:r>
-            <a:endParaRPr lang="nl-BE" sz="2800" dirty="0"/>
-          </a:p>
-        </p:txBody>
-      </p:sp>
-      <p:graphicFrame>
-        <p:nvGraphicFramePr>
-          <p:cNvPr id="6" name="Object 5"/>
-          <p:cNvGraphicFramePr>
-            <a:graphicFrameLocks noChangeAspect="1"/>
-          </p:cNvGraphicFramePr>
-          <p:nvPr>
-            <p:extLst>
-              <p:ext uri="{D42A27DB-BD31-4B8C-83A1-F6EECF244321}">
-                <p14:modId xmlns:p14="http://schemas.microsoft.com/office/powerpoint/2010/main" val="2892907508"/>
-              </p:ext>
-            </p:extLst>
-          </p:nvPr>
-        </p:nvGraphicFramePr>
-        <p:xfrm>
-          <a:off x="4716016" y="4005064"/>
-          <a:ext cx="2609850" cy="619125"/>
-        </p:xfrm>
-        <a:graphic>
-          <a:graphicData uri="http://schemas.openxmlformats.org/presentationml/2006/ole">
-            <mc:AlternateContent xmlns:mc="http://schemas.openxmlformats.org/markup-compatibility/2006">
-              <mc:Choice xmlns:v="urn:schemas-microsoft-com:vml" Requires="v">
-                <p:oleObj name="Equation" r:id="rId2" imgW="965160" imgH="228600" progId="Equation.3">
-                  <p:embed/>
-                </p:oleObj>
-              </mc:Choice>
-              <mc:Fallback>
-                <p:oleObj name="Equation" r:id="rId2" imgW="965160" imgH="228600" progId="Equation.3">
-                  <p:embed/>
-                  <p:pic>
-                    <p:nvPicPr>
-                      <p:cNvPr id="0" name=""/>
-                      <p:cNvPicPr/>
-                      <p:nvPr/>
-                    </p:nvPicPr>
-                    <p:blipFill>
-                      <a:blip r:embed="rId3"/>
-                      <a:stretch>
-                        <a:fillRect/>
-                      </a:stretch>
-                    </p:blipFill>
-                    <p:spPr>
-                      <a:xfrm>
-                        <a:off x="4716016" y="4005064"/>
-                        <a:ext cx="2609850" cy="619125"/>
-                      </a:xfrm>
-                      <a:prstGeom prst="rect">
-                        <a:avLst/>
-                      </a:prstGeom>
-                      <a:ln>
-                        <a:solidFill>
-                          <a:schemeClr val="tx1"/>
-                        </a:solidFill>
-                      </a:ln>
-                    </p:spPr>
-                  </p:pic>
-                </p:oleObj>
-              </mc:Fallback>
-            </mc:AlternateContent>
-          </a:graphicData>
-        </a:graphic>
-      </p:graphicFrame>
-    </p:spTree>
-    <p:extLst>
-      <p:ext uri="{BB962C8B-B14F-4D97-AF65-F5344CB8AC3E}">
-        <p14:creationId xmlns:p14="http://schemas.microsoft.com/office/powerpoint/2010/main" val="3338152140"/>
-      </p:ext>
-    </p:extLst>
-  </p:cSld>
-  <p:clrMapOvr>
-    <a:masterClrMapping/>
-  </p:clrMapOvr>
-  <p:timing>
-    <p:tnLst>
-      <p:par>
-        <p:cTn id="1" dur="indefinite" restart="never" nodeType="tmRoot">
-          <p:childTnLst>
-            <p:seq concurrent="1" nextAc="seek">
-              <p:cTn id="2" dur="indefinite" nodeType="mainSeq">
-                <p:childTnLst>
-                  <p:par>
-                    <p:cTn id="3" fill="hold">
-                      <p:stCondLst>
-                        <p:cond delay="indefinite"/>
-                        <p:cond evt="onBegin" delay="0">
-                          <p:tn val="2"/>
-                        </p:cond>
-                      </p:stCondLst>
-                      <p:childTnLst>
-                        <p:par>
-                          <p:cTn id="4" fill="hold">
-                            <p:stCondLst>
-                              <p:cond delay="0"/>
-                            </p:stCondLst>
-                            <p:childTnLst>
-                              <p:par>
-                                <p:cTn id="5" presetID="1" presetClass="entr" presetSubtype="0" fill="hold" grpId="0" nodeType="withEffect">
-                                  <p:stCondLst>
-                                    <p:cond delay="0"/>
-                                  </p:stCondLst>
-                                  <p:childTnLst>
-                                    <p:set>
-                                      <p:cBhvr>
-                                        <p:cTn id="6" dur="1" fill="hold">
-                                          <p:stCondLst>
-                                            <p:cond delay="0"/>
-                                          </p:stCondLst>
-                                        </p:cTn>
-                                        <p:tgtEl>
-                                          <p:spTgt spid="3">
-                                            <p:txEl>
-                                              <p:pRg st="0" end="0"/>
-                                            </p:txEl>
-                                          </p:spTgt>
-                                        </p:tgtEl>
-                                        <p:attrNameLst>
-                                          <p:attrName>style.visibility</p:attrName>
-                                        </p:attrNameLst>
-                                      </p:cBhvr>
-                                      <p:to>
-                                        <p:strVal val="visible"/>
-                                      </p:to>
-                                    </p:set>
-                                  </p:childTnLst>
-                                </p:cTn>
-                              </p:par>
-                              <p:par>
-                                <p:cTn id="7" presetID="1" presetClass="entr" presetSubtype="0" fill="hold" grpId="0" nodeType="withEffect">
-                                  <p:stCondLst>
-                                    <p:cond delay="0"/>
-                                  </p:stCondLst>
-                                  <p:childTnLst>
-                                    <p:set>
-                                      <p:cBhvr>
-                                        <p:cTn id="8" dur="1" fill="hold">
-                                          <p:stCondLst>
-                                            <p:cond delay="0"/>
-                                          </p:stCondLst>
-                                        </p:cTn>
-                                        <p:tgtEl>
-                                          <p:spTgt spid="3">
-                                            <p:txEl>
-                                              <p:pRg st="1" end="1"/>
-                                            </p:txEl>
-                                          </p:spTgt>
-                                        </p:tgtEl>
-                                        <p:attrNameLst>
-                                          <p:attrName>style.visibility</p:attrName>
-                                        </p:attrNameLst>
-                                      </p:cBhvr>
-                                      <p:to>
-                                        <p:strVal val="visible"/>
-                                      </p:to>
-                                    </p:set>
-                                  </p:childTnLst>
-                                </p:cTn>
-                              </p:par>
-                            </p:childTnLst>
-                          </p:cTn>
-                        </p:par>
-                      </p:childTnLst>
-                    </p:cTn>
-                  </p:par>
-                  <p:par>
-                    <p:cTn id="9" fill="hold">
-                      <p:stCondLst>
-                        <p:cond delay="indefinite"/>
-                      </p:stCondLst>
-                      <p:childTnLst>
-                        <p:par>
-                          <p:cTn id="10" fill="hold">
-                            <p:stCondLst>
-                              <p:cond delay="0"/>
-                            </p:stCondLst>
-                            <p:childTnLst>
-                              <p:par>
-                                <p:cTn id="11" presetID="1" presetClass="entr" presetSubtype="0" fill="hold" grpId="0" nodeType="clickEffect">
-                                  <p:stCondLst>
-                                    <p:cond delay="0"/>
-                                  </p:stCondLst>
-                                  <p:childTnLst>
-                                    <p:set>
-                                      <p:cBhvr>
-                                        <p:cTn id="12" dur="1" fill="hold">
-                                          <p:stCondLst>
-                                            <p:cond delay="0"/>
-                                          </p:stCondLst>
-                                        </p:cTn>
-                                        <p:tgtEl>
-                                          <p:spTgt spid="3">
-                                            <p:txEl>
-                                              <p:pRg st="2" end="2"/>
-                                            </p:txEl>
-                                          </p:spTgt>
-                                        </p:tgtEl>
-                                        <p:attrNameLst>
-                                          <p:attrName>style.visibility</p:attrName>
-                                        </p:attrNameLst>
-                                      </p:cBhvr>
-                                      <p:to>
-                                        <p:strVal val="visible"/>
-                                      </p:to>
-                                    </p:set>
-                                  </p:childTnLst>
-                                </p:cTn>
-                              </p:par>
-                              <p:par>
-                                <p:cTn id="13" presetID="1" presetClass="entr" presetSubtype="0" fill="hold" grpId="0" nodeType="withEffect">
-                                  <p:stCondLst>
-                                    <p:cond delay="0"/>
-                                  </p:stCondLst>
-                                  <p:childTnLst>
-                                    <p:set>
-                                      <p:cBhvr>
-                                        <p:cTn id="14" dur="1" fill="hold">
-                                          <p:stCondLst>
-                                            <p:cond delay="0"/>
-                                          </p:stCondLst>
-                                        </p:cTn>
-                                        <p:tgtEl>
-                                          <p:spTgt spid="3">
-                                            <p:txEl>
-                                              <p:pRg st="3" end="3"/>
-                                            </p:txEl>
-                                          </p:spTgt>
-                                        </p:tgtEl>
-                                        <p:attrNameLst>
-                                          <p:attrName>style.visibility</p:attrName>
-                                        </p:attrNameLst>
-                                      </p:cBhvr>
-                                      <p:to>
-                                        <p:strVal val="visible"/>
-                                      </p:to>
-                                    </p:set>
-                                  </p:childTnLst>
-                                </p:cTn>
-                              </p:par>
-                              <p:par>
-                                <p:cTn id="15" presetID="1" presetClass="entr" presetSubtype="0" fill="hold" grpId="0" nodeType="withEffect">
-                                  <p:stCondLst>
-                                    <p:cond delay="0"/>
-                                  </p:stCondLst>
-                                  <p:childTnLst>
-                                    <p:set>
-                                      <p:cBhvr>
-                                        <p:cTn id="16" dur="1" fill="hold">
-                                          <p:stCondLst>
-                                            <p:cond delay="0"/>
-                                          </p:stCondLst>
-                                        </p:cTn>
-                                        <p:tgtEl>
-                                          <p:spTgt spid="3">
-                                            <p:txEl>
-                                              <p:pRg st="4" end="4"/>
-                                            </p:txEl>
-                                          </p:spTgt>
-                                        </p:tgtEl>
-                                        <p:attrNameLst>
-                                          <p:attrName>style.visibility</p:attrName>
-                                        </p:attrNameLst>
-                                      </p:cBhvr>
-                                      <p:to>
-                                        <p:strVal val="visible"/>
-                                      </p:to>
-                                    </p:set>
-                                  </p:childTnLst>
-                                </p:cTn>
-                              </p:par>
-                            </p:childTnLst>
-                          </p:cTn>
-                        </p:par>
-                      </p:childTnLst>
-                    </p:cTn>
-                  </p:par>
-                  <p:par>
-                    <p:cTn id="17" fill="hold">
-                      <p:stCondLst>
-                        <p:cond delay="indefinite"/>
-                      </p:stCondLst>
-                      <p:childTnLst>
-                        <p:par>
-                          <p:cTn id="18" fill="hold">
-                            <p:stCondLst>
-                              <p:cond delay="0"/>
-                            </p:stCondLst>
-                            <p:childTnLst>
-                              <p:par>
-                                <p:cTn id="19" presetID="1" presetClass="entr" presetSubtype="0" fill="hold" nodeType="clickEffect">
-                                  <p:stCondLst>
-                                    <p:cond delay="0"/>
-                                  </p:stCondLst>
-                                  <p:childTnLst>
-                                    <p:set>
-                                      <p:cBhvr>
-                                        <p:cTn id="20" dur="1" fill="hold">
-                                          <p:stCondLst>
-                                            <p:cond delay="0"/>
-                                          </p:stCondLst>
-                                        </p:cTn>
-                                        <p:tgtEl>
-                                          <p:spTgt spid="6"/>
-                                        </p:tgtEl>
-                                        <p:attrNameLst>
-                                          <p:attrName>style.visibility</p:attrName>
-                                        </p:attrNameLst>
-                                      </p:cBhvr>
-                                      <p:to>
-                                        <p:strVal val="visible"/>
-                                      </p:to>
-                                    </p:set>
-                                  </p:childTnLst>
-                                </p:cTn>
-                              </p:par>
-                            </p:childTnLst>
-                          </p:cTn>
-                        </p:par>
-                      </p:childTnLst>
-                    </p:cTn>
-                  </p:par>
-                  <p:par>
-                    <p:cTn id="21" fill="hold">
-                      <p:stCondLst>
-                        <p:cond delay="indefinite"/>
-                      </p:stCondLst>
-                      <p:childTnLst>
-                        <p:par>
-                          <p:cTn id="22" fill="hold">
-                            <p:stCondLst>
-                              <p:cond delay="0"/>
-                            </p:stCondLst>
-                            <p:childTnLst>
-                              <p:par>
-                                <p:cTn id="23" presetID="1" presetClass="entr" presetSubtype="0" fill="hold" grpId="0" nodeType="clickEffect">
-                                  <p:stCondLst>
-                                    <p:cond delay="0"/>
-                                  </p:stCondLst>
-                                  <p:childTnLst>
-                                    <p:set>
-                                      <p:cBhvr>
-                                        <p:cTn id="24" dur="1" fill="hold">
-                                          <p:stCondLst>
-                                            <p:cond delay="0"/>
-                                          </p:stCondLst>
-                                        </p:cTn>
-                                        <p:tgtEl>
-                                          <p:spTgt spid="3">
-                                            <p:txEl>
-                                              <p:pRg st="5" end="5"/>
-                                            </p:txEl>
-                                          </p:spTgt>
-                                        </p:tgtEl>
-                                        <p:attrNameLst>
-                                          <p:attrName>style.visibility</p:attrName>
-                                        </p:attrNameLst>
-                                      </p:cBhvr>
-                                      <p:to>
-                                        <p:strVal val="visible"/>
-                                      </p:to>
-                                    </p:set>
-                                  </p:childTnLst>
-                                </p:cTn>
-                              </p:par>
-                              <p:par>
-                                <p:cTn id="25" presetID="1" presetClass="entr" presetSubtype="0" fill="hold" grpId="0" nodeType="withEffect">
-                                  <p:stCondLst>
-                                    <p:cond delay="0"/>
-                                  </p:stCondLst>
-                                  <p:childTnLst>
-                                    <p:set>
-                                      <p:cBhvr>
-                                        <p:cTn id="26" dur="1" fill="hold">
-                                          <p:stCondLst>
-                                            <p:cond delay="0"/>
-                                          </p:stCondLst>
-                                        </p:cTn>
-                                        <p:tgtEl>
-                                          <p:spTgt spid="5"/>
-                                        </p:tgtEl>
-                                        <p:attrNameLst>
-                                          <p:attrName>style.visibility</p:attrName>
-                                        </p:attrNameLst>
-                                      </p:cBhvr>
-                                      <p:to>
-                                        <p:strVal val="visible"/>
-                                      </p:to>
-                                    </p:set>
-                                  </p:childTnLst>
-                                </p:cTn>
-                              </p:par>
-                            </p:childTnLst>
-                          </p:cTn>
-                        </p:par>
-                      </p:childTnLst>
-                    </p:cTn>
-                  </p:par>
-                </p:childTnLst>
-              </p:cTn>
-              <p:prevCondLst>
-                <p:cond evt="onPrev" delay="0">
-                  <p:tgtEl>
-                    <p:sldTgt/>
-                  </p:tgtEl>
-                </p:cond>
-              </p:prevCondLst>
-              <p:nextCondLst>
-                <p:cond evt="onNext" delay="0">
-                  <p:tgtEl>
-                    <p:sldTgt/>
-                  </p:tgtEl>
-                </p:cond>
-              </p:nextCondLst>
-            </p:seq>
-          </p:childTnLst>
-        </p:cTn>
-      </p:par>
-    </p:tnLst>
-    <p:bldLst>
-      <p:bldP spid="3" grpId="0" uiExpand="1" build="p"/>
-      <p:bldP spid="5" grpId="0" animBg="1"/>
-    </p:bldLst>
-  </p:timing>
-</p:sld>
-</file>
-
-<file path=ppt/slides/slide40.xml><?xml version="1.0" encoding="utf-8"?>
+<file path=ppt/slides/slide41.xml><?xml version="1.0" encoding="utf-8"?>
 <p:sld xmlns:a="http://schemas.openxmlformats.org/drawingml/2006/main" xmlns:r="http://schemas.openxmlformats.org/officeDocument/2006/relationships" xmlns:p="http://schemas.openxmlformats.org/presentationml/2006/main">
   <p:cSld>
     <p:spTree>
@@ -36957,7 +37032,7 @@
           <a:p>
             <a:fld id="{6597116C-F94B-4B5B-973A-17F07FB5C418}" type="slidenum">
               <a:rPr lang="nl-BE" smtClean="0"/>
-              <a:t>40</a:t>
+              <a:t>41</a:t>
             </a:fld>
             <a:endParaRPr lang="nl-BE"/>
           </a:p>
@@ -37504,100 +37579,6 @@
 </p:sld>
 </file>
 
-<file path=ppt/slides/slide41.xml><?xml version="1.0" encoding="utf-8"?>
-<p:sld xmlns:a="http://schemas.openxmlformats.org/drawingml/2006/main" xmlns:r="http://schemas.openxmlformats.org/officeDocument/2006/relationships" xmlns:p="http://schemas.openxmlformats.org/presentationml/2006/main">
-  <p:cSld>
-    <p:spTree>
-      <p:nvGrpSpPr>
-        <p:cNvPr id="1" name=""/>
-        <p:cNvGrpSpPr/>
-        <p:nvPr/>
-      </p:nvGrpSpPr>
-      <p:grpSpPr>
-        <a:xfrm>
-          <a:off x="0" y="0"/>
-          <a:ext cx="0" cy="0"/>
-          <a:chOff x="0" y="0"/>
-          <a:chExt cx="0" cy="0"/>
-        </a:xfrm>
-      </p:grpSpPr>
-      <p:sp>
-        <p:nvSpPr>
-          <p:cNvPr id="2" name="Title 1"/>
-          <p:cNvSpPr>
-            <a:spLocks noGrp="1"/>
-          </p:cNvSpPr>
-          <p:nvPr>
-            <p:ph type="title"/>
-          </p:nvPr>
-        </p:nvSpPr>
-        <p:spPr/>
-        <p:txBody>
-          <a:bodyPr/>
-          <a:lstStyle/>
-          <a:p>
-            <a:r>
-              <a:rPr lang="en-US" dirty="0"/>
-              <a:t>Multithreading: false sharing</a:t>
-            </a:r>
-          </a:p>
-        </p:txBody>
-      </p:sp>
-      <p:sp>
-        <p:nvSpPr>
-          <p:cNvPr id="3" name="Text Placeholder 2"/>
-          <p:cNvSpPr>
-            <a:spLocks noGrp="1"/>
-          </p:cNvSpPr>
-          <p:nvPr>
-            <p:ph type="body" idx="1"/>
-          </p:nvPr>
-        </p:nvSpPr>
-        <p:spPr/>
-        <p:txBody>
-          <a:bodyPr/>
-          <a:lstStyle/>
-          <a:p>
-            <a:endParaRPr lang="en-US"/>
-          </a:p>
-        </p:txBody>
-      </p:sp>
-      <p:sp>
-        <p:nvSpPr>
-          <p:cNvPr id="4" name="Slide Number Placeholder 3"/>
-          <p:cNvSpPr>
-            <a:spLocks noGrp="1"/>
-          </p:cNvSpPr>
-          <p:nvPr>
-            <p:ph type="sldNum" sz="quarter" idx="12"/>
-          </p:nvPr>
-        </p:nvSpPr>
-        <p:spPr/>
-        <p:txBody>
-          <a:bodyPr/>
-          <a:lstStyle/>
-          <a:p>
-            <a:fld id="{6597116C-F94B-4B5B-973A-17F07FB5C418}" type="slidenum">
-              <a:rPr lang="nl-BE" smtClean="0"/>
-              <a:t>41</a:t>
-            </a:fld>
-            <a:endParaRPr lang="nl-BE"/>
-          </a:p>
-        </p:txBody>
-      </p:sp>
-    </p:spTree>
-    <p:extLst>
-      <p:ext uri="{BB962C8B-B14F-4D97-AF65-F5344CB8AC3E}">
-        <p14:creationId xmlns:p14="http://schemas.microsoft.com/office/powerpoint/2010/main" val="3424948925"/>
-      </p:ext>
-    </p:extLst>
-  </p:cSld>
-  <p:clrMapOvr>
-    <a:masterClrMapping/>
-  </p:clrMapOvr>
-</p:sld>
-</file>
-
 <file path=ppt/slides/slide42.xml><?xml version="1.0" encoding="utf-8"?>
 <p:sld xmlns:a="http://schemas.openxmlformats.org/drawingml/2006/main" xmlns:r="http://schemas.openxmlformats.org/officeDocument/2006/relationships" xmlns:p="http://schemas.openxmlformats.org/presentationml/2006/main">
   <p:cSld>
@@ -37632,8 +37613,27 @@
           <a:p>
             <a:r>
               <a:rPr lang="en-US" dirty="0"/>
-              <a:t>Cache lines, again</a:t>
-            </a:r>
+              <a:t>Multithreading: false sharing</a:t>
+            </a:r>
+          </a:p>
+        </p:txBody>
+      </p:sp>
+      <p:sp>
+        <p:nvSpPr>
+          <p:cNvPr id="3" name="Text Placeholder 2"/>
+          <p:cNvSpPr>
+            <a:spLocks noGrp="1"/>
+          </p:cNvSpPr>
+          <p:nvPr>
+            <p:ph type="body" idx="1"/>
+          </p:nvPr>
+        </p:nvSpPr>
+        <p:spPr/>
+        <p:txBody>
+          <a:bodyPr/>
+          <a:lstStyle/>
+          <a:p>
+            <a:endParaRPr lang="en-US"/>
           </a:p>
         </p:txBody>
       </p:sp>
@@ -37655,6 +37655,81 @@
             <a:fld id="{6597116C-F94B-4B5B-973A-17F07FB5C418}" type="slidenum">
               <a:rPr lang="nl-BE" smtClean="0"/>
               <a:t>42</a:t>
+            </a:fld>
+            <a:endParaRPr lang="nl-BE"/>
+          </a:p>
+        </p:txBody>
+      </p:sp>
+    </p:spTree>
+    <p:extLst>
+      <p:ext uri="{BB962C8B-B14F-4D97-AF65-F5344CB8AC3E}">
+        <p14:creationId xmlns:p14="http://schemas.microsoft.com/office/powerpoint/2010/main" val="3424948925"/>
+      </p:ext>
+    </p:extLst>
+  </p:cSld>
+  <p:clrMapOvr>
+    <a:masterClrMapping/>
+  </p:clrMapOvr>
+</p:sld>
+</file>
+
+<file path=ppt/slides/slide43.xml><?xml version="1.0" encoding="utf-8"?>
+<p:sld xmlns:a="http://schemas.openxmlformats.org/drawingml/2006/main" xmlns:r="http://schemas.openxmlformats.org/officeDocument/2006/relationships" xmlns:p="http://schemas.openxmlformats.org/presentationml/2006/main">
+  <p:cSld>
+    <p:spTree>
+      <p:nvGrpSpPr>
+        <p:cNvPr id="1" name=""/>
+        <p:cNvGrpSpPr/>
+        <p:nvPr/>
+      </p:nvGrpSpPr>
+      <p:grpSpPr>
+        <a:xfrm>
+          <a:off x="0" y="0"/>
+          <a:ext cx="0" cy="0"/>
+          <a:chOff x="0" y="0"/>
+          <a:chExt cx="0" cy="0"/>
+        </a:xfrm>
+      </p:grpSpPr>
+      <p:sp>
+        <p:nvSpPr>
+          <p:cNvPr id="2" name="Title 1"/>
+          <p:cNvSpPr>
+            <a:spLocks noGrp="1"/>
+          </p:cNvSpPr>
+          <p:nvPr>
+            <p:ph type="title"/>
+          </p:nvPr>
+        </p:nvSpPr>
+        <p:spPr/>
+        <p:txBody>
+          <a:bodyPr/>
+          <a:lstStyle/>
+          <a:p>
+            <a:r>
+              <a:rPr lang="en-US" dirty="0"/>
+              <a:t>Cache lines, again</a:t>
+            </a:r>
+          </a:p>
+        </p:txBody>
+      </p:sp>
+      <p:sp>
+        <p:nvSpPr>
+          <p:cNvPr id="4" name="Slide Number Placeholder 3"/>
+          <p:cNvSpPr>
+            <a:spLocks noGrp="1"/>
+          </p:cNvSpPr>
+          <p:nvPr>
+            <p:ph type="sldNum" sz="quarter" idx="12"/>
+          </p:nvPr>
+        </p:nvSpPr>
+        <p:spPr/>
+        <p:txBody>
+          <a:bodyPr/>
+          <a:lstStyle/>
+          <a:p>
+            <a:fld id="{6597116C-F94B-4B5B-973A-17F07FB5C418}" type="slidenum">
+              <a:rPr lang="nl-BE" smtClean="0"/>
+              <a:t>43</a:t>
             </a:fld>
             <a:endParaRPr lang="nl-BE"/>
           </a:p>
@@ -42441,7 +42516,7 @@
 </p:sld>
 </file>
 
-<file path=ppt/slides/slide43.xml><?xml version="1.0" encoding="utf-8"?>
+<file path=ppt/slides/slide44.xml><?xml version="1.0" encoding="utf-8"?>
 <p:sld xmlns:a="http://schemas.openxmlformats.org/drawingml/2006/main" xmlns:r="http://schemas.openxmlformats.org/officeDocument/2006/relationships" xmlns:p="http://schemas.openxmlformats.org/presentationml/2006/main">
   <p:cSld>
     <p:spTree>
@@ -42584,7 +42659,7 @@
           <a:p>
             <a:fld id="{6597116C-F94B-4B5B-973A-17F07FB5C418}" type="slidenum">
               <a:rPr lang="nl-BE" smtClean="0"/>
-              <a:t>43</a:t>
+              <a:t>44</a:t>
             </a:fld>
             <a:endParaRPr lang="nl-BE"/>
           </a:p>
@@ -43051,7 +43126,7 @@
 </p:sld>
 </file>
 
-<file path=ppt/slides/slide44.xml><?xml version="1.0" encoding="utf-8"?>
+<file path=ppt/slides/slide45.xml><?xml version="1.0" encoding="utf-8"?>
 <p:sld xmlns:a="http://schemas.openxmlformats.org/drawingml/2006/main" xmlns:r="http://schemas.openxmlformats.org/officeDocument/2006/relationships" xmlns:p="http://schemas.openxmlformats.org/presentationml/2006/main">
   <p:cSld>
     <p:spTree>
@@ -43390,7 +43465,7 @@
           <a:p>
             <a:fld id="{6597116C-F94B-4B5B-973A-17F07FB5C418}" type="slidenum">
               <a:rPr lang="nl-BE" smtClean="0"/>
-              <a:t>44</a:t>
+              <a:t>45</a:t>
             </a:fld>
             <a:endParaRPr lang="nl-BE"/>
           </a:p>
@@ -43832,100 +43907,6 @@
 </p:sld>
 </file>
 
-<file path=ppt/slides/slide45.xml><?xml version="1.0" encoding="utf-8"?>
-<p:sld xmlns:a="http://schemas.openxmlformats.org/drawingml/2006/main" xmlns:r="http://schemas.openxmlformats.org/officeDocument/2006/relationships" xmlns:p="http://schemas.openxmlformats.org/presentationml/2006/main">
-  <p:cSld>
-    <p:spTree>
-      <p:nvGrpSpPr>
-        <p:cNvPr id="1" name=""/>
-        <p:cNvGrpSpPr/>
-        <p:nvPr/>
-      </p:nvGrpSpPr>
-      <p:grpSpPr>
-        <a:xfrm>
-          <a:off x="0" y="0"/>
-          <a:ext cx="0" cy="0"/>
-          <a:chOff x="0" y="0"/>
-          <a:chExt cx="0" cy="0"/>
-        </a:xfrm>
-      </p:grpSpPr>
-      <p:sp>
-        <p:nvSpPr>
-          <p:cNvPr id="2" name="Title 1"/>
-          <p:cNvSpPr>
-            <a:spLocks noGrp="1"/>
-          </p:cNvSpPr>
-          <p:nvPr>
-            <p:ph type="title"/>
-          </p:nvPr>
-        </p:nvSpPr>
-        <p:spPr/>
-        <p:txBody>
-          <a:bodyPr/>
-          <a:lstStyle/>
-          <a:p>
-            <a:r>
-              <a:rPr lang="en-US" dirty="0"/>
-              <a:t>Profiling</a:t>
-            </a:r>
-          </a:p>
-        </p:txBody>
-      </p:sp>
-      <p:sp>
-        <p:nvSpPr>
-          <p:cNvPr id="3" name="Text Placeholder 2"/>
-          <p:cNvSpPr>
-            <a:spLocks noGrp="1"/>
-          </p:cNvSpPr>
-          <p:nvPr>
-            <p:ph type="body" idx="1"/>
-          </p:nvPr>
-        </p:nvSpPr>
-        <p:spPr/>
-        <p:txBody>
-          <a:bodyPr/>
-          <a:lstStyle/>
-          <a:p>
-            <a:endParaRPr lang="en-US"/>
-          </a:p>
-        </p:txBody>
-      </p:sp>
-      <p:sp>
-        <p:nvSpPr>
-          <p:cNvPr id="4" name="Slide Number Placeholder 3"/>
-          <p:cNvSpPr>
-            <a:spLocks noGrp="1"/>
-          </p:cNvSpPr>
-          <p:nvPr>
-            <p:ph type="sldNum" sz="quarter" idx="12"/>
-          </p:nvPr>
-        </p:nvSpPr>
-        <p:spPr/>
-        <p:txBody>
-          <a:bodyPr/>
-          <a:lstStyle/>
-          <a:p>
-            <a:fld id="{6597116C-F94B-4B5B-973A-17F07FB5C418}" type="slidenum">
-              <a:rPr lang="nl-BE" smtClean="0"/>
-              <a:t>45</a:t>
-            </a:fld>
-            <a:endParaRPr lang="nl-BE"/>
-          </a:p>
-        </p:txBody>
-      </p:sp>
-    </p:spTree>
-    <p:extLst>
-      <p:ext uri="{BB962C8B-B14F-4D97-AF65-F5344CB8AC3E}">
-        <p14:creationId xmlns:p14="http://schemas.microsoft.com/office/powerpoint/2010/main" val="68835048"/>
-      </p:ext>
-    </p:extLst>
-  </p:cSld>
-  <p:clrMapOvr>
-    <a:masterClrMapping/>
-  </p:clrMapOvr>
-</p:sld>
-</file>
-
 <file path=ppt/slides/slide46.xml><?xml version="1.0" encoding="utf-8"?>
 <p:sld xmlns:a="http://schemas.openxmlformats.org/drawingml/2006/main" xmlns:r="http://schemas.openxmlformats.org/officeDocument/2006/relationships" xmlns:p="http://schemas.openxmlformats.org/presentationml/2006/main">
   <p:cSld>
@@ -43959,24 +43940,20 @@
           <a:lstStyle/>
           <a:p>
             <a:r>
-              <a:rPr lang="en-US" dirty="0" err="1"/>
-              <a:t>gprof</a:t>
-            </a:r>
-            <a:r>
               <a:rPr lang="en-US" dirty="0"/>
-              <a:t> with GCC</a:t>
+              <a:t>Profiling</a:t>
             </a:r>
           </a:p>
         </p:txBody>
       </p:sp>
       <p:sp>
         <p:nvSpPr>
-          <p:cNvPr id="3" name="Content Placeholder 2"/>
+          <p:cNvPr id="3" name="Text Placeholder 2"/>
           <p:cNvSpPr>
             <a:spLocks noGrp="1"/>
           </p:cNvSpPr>
           <p:nvPr>
-            <p:ph idx="1"/>
+            <p:ph type="body" idx="1"/>
           </p:nvPr>
         </p:nvSpPr>
         <p:spPr/>
@@ -43984,51 +43961,7 @@
           <a:bodyPr/>
           <a:lstStyle/>
           <a:p>
-            <a:r>
-              <a:rPr lang="en-US" dirty="0"/>
-              <a:t>Compile/link with </a:t>
-            </a:r>
-            <a:r>
-              <a:rPr lang="en-US" dirty="0">
-                <a:latin typeface="Courier New" panose="02070309020205020404" pitchFamily="49" charset="0"/>
-                <a:cs typeface="Courier New" panose="02070309020205020404" pitchFamily="49" charset="0"/>
-              </a:rPr>
-              <a:t>–g  -</a:t>
-            </a:r>
-            <a:r>
-              <a:rPr lang="en-US" dirty="0" err="1">
-                <a:latin typeface="Courier New" panose="02070309020205020404" pitchFamily="49" charset="0"/>
-                <a:cs typeface="Courier New" panose="02070309020205020404" pitchFamily="49" charset="0"/>
-              </a:rPr>
-              <a:t>pg</a:t>
-            </a:r>
-            <a:endParaRPr lang="en-US" dirty="0">
-              <a:latin typeface="Courier New" panose="02070309020205020404" pitchFamily="49" charset="0"/>
-              <a:cs typeface="Courier New" panose="02070309020205020404" pitchFamily="49" charset="0"/>
-            </a:endParaRPr>
-          </a:p>
-          <a:p>
-            <a:r>
-              <a:rPr lang="en-US" dirty="0"/>
-              <a:t>Run application with representative data/settings</a:t>
-            </a:r>
-          </a:p>
-          <a:p>
-            <a:r>
-              <a:rPr lang="en-US" dirty="0"/>
-              <a:t>View profile using </a:t>
-            </a:r>
-            <a:r>
-              <a:rPr lang="en-US" dirty="0" err="1">
-                <a:latin typeface="Courier New" panose="02070309020205020404" pitchFamily="49" charset="0"/>
-                <a:cs typeface="Courier New" panose="02070309020205020404" pitchFamily="49" charset="0"/>
-              </a:rPr>
-              <a:t>gprof</a:t>
-            </a:r>
-            <a:endParaRPr lang="en-US" dirty="0">
-              <a:latin typeface="Courier New" panose="02070309020205020404" pitchFamily="49" charset="0"/>
-              <a:cs typeface="Courier New" panose="02070309020205020404" pitchFamily="49" charset="0"/>
-            </a:endParaRPr>
+            <a:endParaRPr lang="en-US"/>
           </a:p>
         </p:txBody>
       </p:sp>
@@ -44058,7 +43991,7 @@
     </p:spTree>
     <p:extLst>
       <p:ext uri="{BB962C8B-B14F-4D97-AF65-F5344CB8AC3E}">
-        <p14:creationId xmlns:p14="http://schemas.microsoft.com/office/powerpoint/2010/main" val="845156750"/>
+        <p14:creationId xmlns:p14="http://schemas.microsoft.com/office/powerpoint/2010/main" val="68835048"/>
       </p:ext>
     </p:extLst>
   </p:cSld>
@@ -44101,20 +44034,24 @@
           <a:lstStyle/>
           <a:p>
             <a:r>
+              <a:rPr lang="en-US" dirty="0" err="1"/>
+              <a:t>gprof</a:t>
+            </a:r>
+            <a:r>
               <a:rPr lang="en-US" dirty="0"/>
-              <a:t>Feedback-guided optimization</a:t>
+              <a:t> with GCC</a:t>
             </a:r>
           </a:p>
         </p:txBody>
       </p:sp>
       <p:sp>
         <p:nvSpPr>
-          <p:cNvPr id="3" name="Text Placeholder 2"/>
+          <p:cNvPr id="3" name="Content Placeholder 2"/>
           <p:cNvSpPr>
             <a:spLocks noGrp="1"/>
           </p:cNvSpPr>
           <p:nvPr>
-            <p:ph type="body" idx="1"/>
+            <p:ph idx="1"/>
           </p:nvPr>
         </p:nvSpPr>
         <p:spPr/>
@@ -44122,7 +44059,51 @@
           <a:bodyPr/>
           <a:lstStyle/>
           <a:p>
-            <a:endParaRPr lang="en-US"/>
+            <a:r>
+              <a:rPr lang="en-US" dirty="0"/>
+              <a:t>Compile/link with </a:t>
+            </a:r>
+            <a:r>
+              <a:rPr lang="en-US" dirty="0">
+                <a:latin typeface="Courier New" panose="02070309020205020404" pitchFamily="49" charset="0"/>
+                <a:cs typeface="Courier New" panose="02070309020205020404" pitchFamily="49" charset="0"/>
+              </a:rPr>
+              <a:t>–g  -</a:t>
+            </a:r>
+            <a:r>
+              <a:rPr lang="en-US" dirty="0" err="1">
+                <a:latin typeface="Courier New" panose="02070309020205020404" pitchFamily="49" charset="0"/>
+                <a:cs typeface="Courier New" panose="02070309020205020404" pitchFamily="49" charset="0"/>
+              </a:rPr>
+              <a:t>pg</a:t>
+            </a:r>
+            <a:endParaRPr lang="en-US" dirty="0">
+              <a:latin typeface="Courier New" panose="02070309020205020404" pitchFamily="49" charset="0"/>
+              <a:cs typeface="Courier New" panose="02070309020205020404" pitchFamily="49" charset="0"/>
+            </a:endParaRPr>
+          </a:p>
+          <a:p>
+            <a:r>
+              <a:rPr lang="en-US" dirty="0"/>
+              <a:t>Run application with representative data/settings</a:t>
+            </a:r>
+          </a:p>
+          <a:p>
+            <a:r>
+              <a:rPr lang="en-US" dirty="0"/>
+              <a:t>View profile using </a:t>
+            </a:r>
+            <a:r>
+              <a:rPr lang="en-US" dirty="0" err="1">
+                <a:latin typeface="Courier New" panose="02070309020205020404" pitchFamily="49" charset="0"/>
+                <a:cs typeface="Courier New" panose="02070309020205020404" pitchFamily="49" charset="0"/>
+              </a:rPr>
+              <a:t>gprof</a:t>
+            </a:r>
+            <a:endParaRPr lang="en-US" dirty="0">
+              <a:latin typeface="Courier New" panose="02070309020205020404" pitchFamily="49" charset="0"/>
+              <a:cs typeface="Courier New" panose="02070309020205020404" pitchFamily="49" charset="0"/>
+            </a:endParaRPr>
           </a:p>
         </p:txBody>
       </p:sp>
@@ -44152,7 +44133,7 @@
     </p:spTree>
     <p:extLst>
       <p:ext uri="{BB962C8B-B14F-4D97-AF65-F5344CB8AC3E}">
-        <p14:creationId xmlns:p14="http://schemas.microsoft.com/office/powerpoint/2010/main" val="3251639006"/>
+        <p14:creationId xmlns:p14="http://schemas.microsoft.com/office/powerpoint/2010/main" val="845156750"/>
       </p:ext>
     </p:extLst>
   </p:cSld>
@@ -44196,6 +44177,100 @@
           <a:p>
             <a:r>
               <a:rPr lang="en-US" dirty="0"/>
+              <a:t>Feedback-guided optimization</a:t>
+            </a:r>
+          </a:p>
+        </p:txBody>
+      </p:sp>
+      <p:sp>
+        <p:nvSpPr>
+          <p:cNvPr id="3" name="Text Placeholder 2"/>
+          <p:cNvSpPr>
+            <a:spLocks noGrp="1"/>
+          </p:cNvSpPr>
+          <p:nvPr>
+            <p:ph type="body" idx="1"/>
+          </p:nvPr>
+        </p:nvSpPr>
+        <p:spPr/>
+        <p:txBody>
+          <a:bodyPr/>
+          <a:lstStyle/>
+          <a:p>
+            <a:endParaRPr lang="en-US"/>
+          </a:p>
+        </p:txBody>
+      </p:sp>
+      <p:sp>
+        <p:nvSpPr>
+          <p:cNvPr id="4" name="Slide Number Placeholder 3"/>
+          <p:cNvSpPr>
+            <a:spLocks noGrp="1"/>
+          </p:cNvSpPr>
+          <p:nvPr>
+            <p:ph type="sldNum" sz="quarter" idx="12"/>
+          </p:nvPr>
+        </p:nvSpPr>
+        <p:spPr/>
+        <p:txBody>
+          <a:bodyPr/>
+          <a:lstStyle/>
+          <a:p>
+            <a:fld id="{6597116C-F94B-4B5B-973A-17F07FB5C418}" type="slidenum">
+              <a:rPr lang="nl-BE" smtClean="0"/>
+              <a:t>48</a:t>
+            </a:fld>
+            <a:endParaRPr lang="nl-BE"/>
+          </a:p>
+        </p:txBody>
+      </p:sp>
+    </p:spTree>
+    <p:extLst>
+      <p:ext uri="{BB962C8B-B14F-4D97-AF65-F5344CB8AC3E}">
+        <p14:creationId xmlns:p14="http://schemas.microsoft.com/office/powerpoint/2010/main" val="3251639006"/>
+      </p:ext>
+    </p:extLst>
+  </p:cSld>
+  <p:clrMapOvr>
+    <a:masterClrMapping/>
+  </p:clrMapOvr>
+</p:sld>
+</file>
+
+<file path=ppt/slides/slide49.xml><?xml version="1.0" encoding="utf-8"?>
+<p:sld xmlns:a="http://schemas.openxmlformats.org/drawingml/2006/main" xmlns:r="http://schemas.openxmlformats.org/officeDocument/2006/relationships" xmlns:p="http://schemas.openxmlformats.org/presentationml/2006/main">
+  <p:cSld>
+    <p:spTree>
+      <p:nvGrpSpPr>
+        <p:cNvPr id="1" name=""/>
+        <p:cNvGrpSpPr/>
+        <p:nvPr/>
+      </p:nvGrpSpPr>
+      <p:grpSpPr>
+        <a:xfrm>
+          <a:off x="0" y="0"/>
+          <a:ext cx="0" cy="0"/>
+          <a:chOff x="0" y="0"/>
+          <a:chExt cx="0" cy="0"/>
+        </a:xfrm>
+      </p:grpSpPr>
+      <p:sp>
+        <p:nvSpPr>
+          <p:cNvPr id="2" name="Title 1"/>
+          <p:cNvSpPr>
+            <a:spLocks noGrp="1"/>
+          </p:cNvSpPr>
+          <p:nvPr>
+            <p:ph type="title"/>
+          </p:nvPr>
+        </p:nvSpPr>
+        <p:spPr/>
+        <p:txBody>
+          <a:bodyPr/>
+          <a:lstStyle/>
+          <a:p>
+            <a:r>
+              <a:rPr lang="en-US" dirty="0"/>
               <a:t>Philosophy</a:t>
             </a:r>
           </a:p>
@@ -44296,7 +44371,7 @@
           <a:p>
             <a:fld id="{6597116C-F94B-4B5B-973A-17F07FB5C418}" type="slidenum">
               <a:rPr lang="nl-BE" smtClean="0"/>
-              <a:t>48</a:t>
+              <a:t>49</a:t>
             </a:fld>
             <a:endParaRPr lang="nl-BE"/>
           </a:p>
@@ -44774,503 +44849,6 @@
 </p:sld>
 </file>
 
-<file path=ppt/slides/slide49.xml><?xml version="1.0" encoding="utf-8"?>
-<p:sld xmlns:a="http://schemas.openxmlformats.org/drawingml/2006/main" xmlns:r="http://schemas.openxmlformats.org/officeDocument/2006/relationships" xmlns:p="http://schemas.openxmlformats.org/presentationml/2006/main">
-  <p:cSld>
-    <p:spTree>
-      <p:nvGrpSpPr>
-        <p:cNvPr id="1" name=""/>
-        <p:cNvGrpSpPr/>
-        <p:nvPr/>
-      </p:nvGrpSpPr>
-      <p:grpSpPr>
-        <a:xfrm>
-          <a:off x="0" y="0"/>
-          <a:ext cx="0" cy="0"/>
-          <a:chOff x="0" y="0"/>
-          <a:chExt cx="0" cy="0"/>
-        </a:xfrm>
-      </p:grpSpPr>
-      <p:sp>
-        <p:nvSpPr>
-          <p:cNvPr id="2" name="Title 1"/>
-          <p:cNvSpPr>
-            <a:spLocks noGrp="1"/>
-          </p:cNvSpPr>
-          <p:nvPr>
-            <p:ph type="title"/>
-          </p:nvPr>
-        </p:nvSpPr>
-        <p:spPr/>
-        <p:txBody>
-          <a:bodyPr/>
-          <a:lstStyle/>
-          <a:p>
-            <a:r>
-              <a:rPr lang="en-US" dirty="0"/>
-              <a:t>GCC compilers</a:t>
-            </a:r>
-          </a:p>
-        </p:txBody>
-      </p:sp>
-      <p:sp>
-        <p:nvSpPr>
-          <p:cNvPr id="3" name="Content Placeholder 2"/>
-          <p:cNvSpPr>
-            <a:spLocks noGrp="1"/>
-          </p:cNvSpPr>
-          <p:nvPr>
-            <p:ph idx="1"/>
-          </p:nvPr>
-        </p:nvSpPr>
-        <p:spPr/>
-        <p:txBody>
-          <a:bodyPr/>
-          <a:lstStyle/>
-          <a:p>
-            <a:r>
-              <a:rPr lang="en-US" dirty="0"/>
-              <a:t>Build with instrumentation</a:t>
-            </a:r>
-          </a:p>
-          <a:p>
-            <a:endParaRPr lang="en-US" dirty="0"/>
-          </a:p>
-          <a:p>
-            <a:r>
-              <a:rPr lang="en-US" dirty="0"/>
-              <a:t>Run as usual</a:t>
-            </a:r>
-          </a:p>
-          <a:p>
-            <a:r>
-              <a:rPr lang="en-US" dirty="0"/>
-              <a:t>Build using profile</a:t>
-            </a:r>
-          </a:p>
-        </p:txBody>
-      </p:sp>
-      <p:sp>
-        <p:nvSpPr>
-          <p:cNvPr id="4" name="Slide Number Placeholder 3"/>
-          <p:cNvSpPr>
-            <a:spLocks noGrp="1"/>
-          </p:cNvSpPr>
-          <p:nvPr>
-            <p:ph type="sldNum" sz="quarter" idx="12"/>
-          </p:nvPr>
-        </p:nvSpPr>
-        <p:spPr/>
-        <p:txBody>
-          <a:bodyPr/>
-          <a:lstStyle/>
-          <a:p>
-            <a:fld id="{6597116C-F94B-4B5B-973A-17F07FB5C418}" type="slidenum">
-              <a:rPr lang="nl-BE" smtClean="0"/>
-              <a:t>49</a:t>
-            </a:fld>
-            <a:endParaRPr lang="nl-BE"/>
-          </a:p>
-        </p:txBody>
-      </p:sp>
-      <p:sp>
-        <p:nvSpPr>
-          <p:cNvPr id="5" name="TextBox 4"/>
-          <p:cNvSpPr txBox="1"/>
-          <p:nvPr/>
-        </p:nvSpPr>
-        <p:spPr>
-          <a:xfrm>
-            <a:off x="1187624" y="2276872"/>
-            <a:ext cx="6801862" cy="369332"/>
-          </a:xfrm>
-          <a:prstGeom prst="rect">
-            <a:avLst/>
-          </a:prstGeom>
-          <a:solidFill>
-            <a:schemeClr val="bg1">
-              <a:lumMod val="85000"/>
-            </a:schemeClr>
-          </a:solidFill>
-          <a:ln>
-            <a:solidFill>
-              <a:schemeClr val="tx1"/>
-            </a:solidFill>
-          </a:ln>
-        </p:spPr>
-        <p:txBody>
-          <a:bodyPr wrap="square" rtlCol="0">
-            <a:spAutoFit/>
-          </a:bodyPr>
-          <a:lstStyle/>
-          <a:p>
-            <a:r>
-              <a:rPr lang="en-US" dirty="0" err="1">
-                <a:latin typeface="Courier New" panose="02070309020205020404" pitchFamily="49" charset="0"/>
-                <a:cs typeface="Courier New" panose="02070309020205020404" pitchFamily="49" charset="0"/>
-              </a:rPr>
-              <a:t>gcc</a:t>
-            </a:r>
-            <a:r>
-              <a:rPr lang="en-US" dirty="0">
-                <a:latin typeface="Courier New" panose="02070309020205020404" pitchFamily="49" charset="0"/>
-                <a:cs typeface="Courier New" panose="02070309020205020404" pitchFamily="49" charset="0"/>
-              </a:rPr>
-              <a:t>  -</a:t>
-            </a:r>
-            <a:r>
-              <a:rPr lang="en-US" dirty="0" err="1">
-                <a:latin typeface="Courier New" panose="02070309020205020404" pitchFamily="49" charset="0"/>
-                <a:cs typeface="Courier New" panose="02070309020205020404" pitchFamily="49" charset="0"/>
-              </a:rPr>
-              <a:t>fprofile</a:t>
-            </a:r>
-            <a:r>
-              <a:rPr lang="en-US" dirty="0">
-                <a:latin typeface="Courier New" panose="02070309020205020404" pitchFamily="49" charset="0"/>
-                <a:cs typeface="Courier New" panose="02070309020205020404" pitchFamily="49" charset="0"/>
-              </a:rPr>
-              <a:t>-generate  -o appl.exe  …</a:t>
-            </a:r>
-            <a:endParaRPr lang="nl-BE" dirty="0">
-              <a:latin typeface="Courier New" panose="02070309020205020404" pitchFamily="49" charset="0"/>
-              <a:cs typeface="Courier New" panose="02070309020205020404" pitchFamily="49" charset="0"/>
-            </a:endParaRPr>
-          </a:p>
-        </p:txBody>
-      </p:sp>
-      <p:sp>
-        <p:nvSpPr>
-          <p:cNvPr id="6" name="TextBox 5"/>
-          <p:cNvSpPr txBox="1"/>
-          <p:nvPr/>
-        </p:nvSpPr>
-        <p:spPr>
-          <a:xfrm>
-            <a:off x="1187624" y="4139788"/>
-            <a:ext cx="6801862" cy="369332"/>
-          </a:xfrm>
-          <a:prstGeom prst="rect">
-            <a:avLst/>
-          </a:prstGeom>
-          <a:solidFill>
-            <a:schemeClr val="bg1">
-              <a:lumMod val="85000"/>
-            </a:schemeClr>
-          </a:solidFill>
-          <a:ln>
-            <a:solidFill>
-              <a:schemeClr val="tx1"/>
-            </a:solidFill>
-          </a:ln>
-        </p:spPr>
-        <p:txBody>
-          <a:bodyPr wrap="none" rtlCol="0">
-            <a:spAutoFit/>
-          </a:bodyPr>
-          <a:lstStyle/>
-          <a:p>
-            <a:r>
-              <a:rPr lang="en-US" dirty="0" err="1">
-                <a:latin typeface="Courier New" panose="02070309020205020404" pitchFamily="49" charset="0"/>
-                <a:cs typeface="Courier New" panose="02070309020205020404" pitchFamily="49" charset="0"/>
-              </a:rPr>
-              <a:t>gcc</a:t>
-            </a:r>
-            <a:r>
-              <a:rPr lang="en-US" dirty="0">
-                <a:latin typeface="Courier New" panose="02070309020205020404" pitchFamily="49" charset="0"/>
-                <a:cs typeface="Courier New" panose="02070309020205020404" pitchFamily="49" charset="0"/>
-              </a:rPr>
-              <a:t>  -</a:t>
-            </a:r>
-            <a:r>
-              <a:rPr lang="en-US" dirty="0" err="1">
-                <a:latin typeface="Courier New" panose="02070309020205020404" pitchFamily="49" charset="0"/>
-                <a:cs typeface="Courier New" panose="02070309020205020404" pitchFamily="49" charset="0"/>
-              </a:rPr>
-              <a:t>fprofile</a:t>
-            </a:r>
-            <a:r>
-              <a:rPr lang="en-US" dirty="0">
-                <a:latin typeface="Courier New" panose="02070309020205020404" pitchFamily="49" charset="0"/>
-                <a:cs typeface="Courier New" panose="02070309020205020404" pitchFamily="49" charset="0"/>
-              </a:rPr>
-              <a:t>-use=</a:t>
-            </a:r>
-            <a:r>
-              <a:rPr lang="en-US" dirty="0" err="1">
-                <a:latin typeface="Courier New" panose="02070309020205020404" pitchFamily="49" charset="0"/>
-                <a:cs typeface="Courier New" panose="02070309020205020404" pitchFamily="49" charset="0"/>
-              </a:rPr>
-              <a:t>appl.exe.gcda</a:t>
-            </a:r>
-            <a:r>
-              <a:rPr lang="en-US" dirty="0">
-                <a:latin typeface="Courier New" panose="02070309020205020404" pitchFamily="49" charset="0"/>
-                <a:cs typeface="Courier New" panose="02070309020205020404" pitchFamily="49" charset="0"/>
-              </a:rPr>
-              <a:t>  -o appl.exe  …</a:t>
-            </a:r>
-            <a:endParaRPr lang="nl-BE" dirty="0">
-              <a:latin typeface="Courier New" panose="02070309020205020404" pitchFamily="49" charset="0"/>
-              <a:cs typeface="Courier New" panose="02070309020205020404" pitchFamily="49" charset="0"/>
-            </a:endParaRPr>
-          </a:p>
-        </p:txBody>
-      </p:sp>
-    </p:spTree>
-    <p:extLst>
-      <p:ext uri="{BB962C8B-B14F-4D97-AF65-F5344CB8AC3E}">
-        <p14:creationId xmlns:p14="http://schemas.microsoft.com/office/powerpoint/2010/main" val="2433576050"/>
-      </p:ext>
-    </p:extLst>
-  </p:cSld>
-  <p:clrMapOvr>
-    <a:masterClrMapping/>
-  </p:clrMapOvr>
-  <p:timing>
-    <p:tnLst>
-      <p:par>
-        <p:cTn id="1" dur="indefinite" restart="never" nodeType="tmRoot">
-          <p:childTnLst>
-            <p:seq concurrent="1" nextAc="seek">
-              <p:cTn id="2" dur="indefinite" nodeType="mainSeq">
-                <p:childTnLst>
-                  <p:par>
-                    <p:cTn id="3" fill="hold">
-                      <p:stCondLst>
-                        <p:cond delay="indefinite"/>
-                        <p:cond evt="onBegin" delay="0">
-                          <p:tn val="2"/>
-                        </p:cond>
-                      </p:stCondLst>
-                      <p:childTnLst>
-                        <p:par>
-                          <p:cTn id="4" fill="hold">
-                            <p:stCondLst>
-                              <p:cond delay="0"/>
-                            </p:stCondLst>
-                            <p:childTnLst>
-                              <p:par>
-                                <p:cTn id="5" presetID="1" presetClass="entr" presetSubtype="0" fill="hold" grpId="0" nodeType="withEffect">
-                                  <p:stCondLst>
-                                    <p:cond delay="0"/>
-                                  </p:stCondLst>
-                                  <p:childTnLst>
-                                    <p:set>
-                                      <p:cBhvr>
-                                        <p:cTn id="6" dur="1" fill="hold">
-                                          <p:stCondLst>
-                                            <p:cond delay="0"/>
-                                          </p:stCondLst>
-                                        </p:cTn>
-                                        <p:tgtEl>
-                                          <p:spTgt spid="3">
-                                            <p:txEl>
-                                              <p:pRg st="0" end="0"/>
-                                            </p:txEl>
-                                          </p:spTgt>
-                                        </p:tgtEl>
-                                        <p:attrNameLst>
-                                          <p:attrName>style.visibility</p:attrName>
-                                        </p:attrNameLst>
-                                      </p:cBhvr>
-                                      <p:to>
-                                        <p:strVal val="visible"/>
-                                      </p:to>
-                                    </p:set>
-                                  </p:childTnLst>
-                                </p:cTn>
-                              </p:par>
-                              <p:par>
-                                <p:cTn id="7" presetID="1" presetClass="entr" presetSubtype="0" fill="hold" grpId="0" nodeType="withEffect">
-                                  <p:stCondLst>
-                                    <p:cond delay="0"/>
-                                  </p:stCondLst>
-                                  <p:childTnLst>
-                                    <p:set>
-                                      <p:cBhvr>
-                                        <p:cTn id="8" dur="1" fill="hold">
-                                          <p:stCondLst>
-                                            <p:cond delay="0"/>
-                                          </p:stCondLst>
-                                        </p:cTn>
-                                        <p:tgtEl>
-                                          <p:spTgt spid="5"/>
-                                        </p:tgtEl>
-                                        <p:attrNameLst>
-                                          <p:attrName>style.visibility</p:attrName>
-                                        </p:attrNameLst>
-                                      </p:cBhvr>
-                                      <p:to>
-                                        <p:strVal val="visible"/>
-                                      </p:to>
-                                    </p:set>
-                                  </p:childTnLst>
-                                </p:cTn>
-                              </p:par>
-                            </p:childTnLst>
-                          </p:cTn>
-                        </p:par>
-                      </p:childTnLst>
-                    </p:cTn>
-                  </p:par>
-                  <p:par>
-                    <p:cTn id="9" fill="hold">
-                      <p:stCondLst>
-                        <p:cond delay="indefinite"/>
-                      </p:stCondLst>
-                      <p:childTnLst>
-                        <p:par>
-                          <p:cTn id="10" fill="hold">
-                            <p:stCondLst>
-                              <p:cond delay="0"/>
-                            </p:stCondLst>
-                            <p:childTnLst>
-                              <p:par>
-                                <p:cTn id="11" presetID="1" presetClass="entr" presetSubtype="0" fill="hold" grpId="0" nodeType="clickEffect">
-                                  <p:stCondLst>
-                                    <p:cond delay="0"/>
-                                  </p:stCondLst>
-                                  <p:childTnLst>
-                                    <p:set>
-                                      <p:cBhvr>
-                                        <p:cTn id="12" dur="1" fill="hold">
-                                          <p:stCondLst>
-                                            <p:cond delay="0"/>
-                                          </p:stCondLst>
-                                        </p:cTn>
-                                        <p:tgtEl>
-                                          <p:spTgt spid="3">
-                                            <p:txEl>
-                                              <p:pRg st="2" end="2"/>
-                                            </p:txEl>
-                                          </p:spTgt>
-                                        </p:tgtEl>
-                                        <p:attrNameLst>
-                                          <p:attrName>style.visibility</p:attrName>
-                                        </p:attrNameLst>
-                                      </p:cBhvr>
-                                      <p:to>
-                                        <p:strVal val="visible"/>
-                                      </p:to>
-                                    </p:set>
-                                  </p:childTnLst>
-                                </p:cTn>
-                              </p:par>
-                            </p:childTnLst>
-                          </p:cTn>
-                        </p:par>
-                      </p:childTnLst>
-                    </p:cTn>
-                  </p:par>
-                  <p:par>
-                    <p:cTn id="13" fill="hold">
-                      <p:stCondLst>
-                        <p:cond delay="indefinite"/>
-                      </p:stCondLst>
-                      <p:childTnLst>
-                        <p:par>
-                          <p:cTn id="14" fill="hold">
-                            <p:stCondLst>
-                              <p:cond delay="0"/>
-                            </p:stCondLst>
-                            <p:childTnLst>
-                              <p:par>
-                                <p:cTn id="15" presetID="1" presetClass="entr" presetSubtype="0" fill="hold" grpId="0" nodeType="clickEffect">
-                                  <p:stCondLst>
-                                    <p:cond delay="0"/>
-                                  </p:stCondLst>
-                                  <p:childTnLst>
-                                    <p:set>
-                                      <p:cBhvr>
-                                        <p:cTn id="16" dur="1" fill="hold">
-                                          <p:stCondLst>
-                                            <p:cond delay="0"/>
-                                          </p:stCondLst>
-                                        </p:cTn>
-                                        <p:tgtEl>
-                                          <p:spTgt spid="3">
-                                            <p:txEl>
-                                              <p:pRg st="3" end="3"/>
-                                            </p:txEl>
-                                          </p:spTgt>
-                                        </p:tgtEl>
-                                        <p:attrNameLst>
-                                          <p:attrName>style.visibility</p:attrName>
-                                        </p:attrNameLst>
-                                      </p:cBhvr>
-                                      <p:to>
-                                        <p:strVal val="visible"/>
-                                      </p:to>
-                                    </p:set>
-                                  </p:childTnLst>
-                                </p:cTn>
-                              </p:par>
-                              <p:par>
-                                <p:cTn id="17" presetID="1" presetClass="entr" presetSubtype="0" fill="hold" grpId="0" nodeType="withEffect">
-                                  <p:stCondLst>
-                                    <p:cond delay="0"/>
-                                  </p:stCondLst>
-                                  <p:childTnLst>
-                                    <p:set>
-                                      <p:cBhvr>
-                                        <p:cTn id="18" dur="1" fill="hold">
-                                          <p:stCondLst>
-                                            <p:cond delay="0"/>
-                                          </p:stCondLst>
-                                        </p:cTn>
-                                        <p:tgtEl>
-                                          <p:spTgt spid="6"/>
-                                        </p:tgtEl>
-                                        <p:attrNameLst>
-                                          <p:attrName>style.visibility</p:attrName>
-                                        </p:attrNameLst>
-                                      </p:cBhvr>
-                                      <p:to>
-                                        <p:strVal val="visible"/>
-                                      </p:to>
-                                    </p:set>
-                                  </p:childTnLst>
-                                </p:cTn>
-                              </p:par>
-                            </p:childTnLst>
-                          </p:cTn>
-                        </p:par>
-                      </p:childTnLst>
-                    </p:cTn>
-                  </p:par>
-                </p:childTnLst>
-              </p:cTn>
-              <p:prevCondLst>
-                <p:cond evt="onPrev" delay="0">
-                  <p:tgtEl>
-                    <p:sldTgt/>
-                  </p:tgtEl>
-                </p:cond>
-              </p:prevCondLst>
-              <p:nextCondLst>
-                <p:cond evt="onNext" delay="0">
-                  <p:tgtEl>
-                    <p:sldTgt/>
-                  </p:tgtEl>
-                </p:cond>
-              </p:nextCondLst>
-            </p:seq>
-          </p:childTnLst>
-        </p:cTn>
-      </p:par>
-    </p:tnLst>
-    <p:bldLst>
-      <p:bldP spid="3" grpId="0" uiExpand="1" build="p"/>
-      <p:bldP spid="5" grpId="0" animBg="1"/>
-      <p:bldP spid="6" grpId="0" animBg="1"/>
-    </p:bldLst>
-  </p:timing>
-</p:sld>
-</file>
-
 <file path=ppt/slides/slide5.xml><?xml version="1.0" encoding="utf-8"?>
 <p:sld xmlns:a="http://schemas.openxmlformats.org/drawingml/2006/main" xmlns:r="http://schemas.openxmlformats.org/officeDocument/2006/relationships" xmlns:p="http://schemas.openxmlformats.org/presentationml/2006/main">
   <p:cSld>
@@ -45305,8 +44883,9 @@
           <a:p>
             <a:r>
               <a:rPr lang="en-US" dirty="0"/>
-              <a:t>Levels of parallelism</a:t>
-            </a:r>
+              <a:t>Moore's law</a:t>
+            </a:r>
+            <a:endParaRPr lang="nl-BE" dirty="0"/>
           </a:p>
         </p:txBody>
       </p:sp>
@@ -45322,140 +44901,54 @@
         </p:nvSpPr>
         <p:spPr/>
         <p:txBody>
-          <a:bodyPr>
-            <a:normAutofit fontScale="70000" lnSpcReduction="20000"/>
-          </a:bodyPr>
+          <a:bodyPr/>
           <a:lstStyle/>
           <a:p>
             <a:r>
               <a:rPr lang="en-US" dirty="0"/>
-              <a:t>Vectorization</a:t>
+              <a:t>In the good, old days…</a:t>
             </a:r>
           </a:p>
           <a:p>
             <a:pPr lvl="1"/>
             <a:r>
               <a:rPr lang="en-US" dirty="0"/>
-              <a:t>libraries (e.g., MKL)</a:t>
+              <a:t>CPU clock frequency increased:</a:t>
+            </a:r>
+            <a:br>
+              <a:rPr lang="en-US" dirty="0"/>
+            </a:br>
+            <a:r>
+              <a:rPr lang="en-US" dirty="0"/>
+              <a:t>performance was free lunch</a:t>
+            </a:r>
+          </a:p>
+          <a:p>
+            <a:r>
+              <a:rPr lang="en-US" dirty="0"/>
+              <a:t>Problems</a:t>
             </a:r>
           </a:p>
           <a:p>
             <a:pPr lvl="1"/>
             <a:r>
               <a:rPr lang="en-US" dirty="0"/>
-              <a:t>compiler flags</a:t>
+              <a:t>Heat dissipation</a:t>
             </a:r>
           </a:p>
           <a:p>
             <a:pPr lvl="1"/>
             <a:r>
               <a:rPr lang="en-US" dirty="0"/>
-              <a:t>directives: programmer can/should help</a:t>
+              <a:t>Power efficiency</a:t>
             </a:r>
           </a:p>
           <a:p>
             <a:r>
               <a:rPr lang="en-US" dirty="0"/>
-              <a:t>Multiple cores</a:t>
-            </a:r>
-          </a:p>
-          <a:p>
-            <a:pPr lvl="1"/>
-            <a:r>
-              <a:rPr lang="en-US" dirty="0" err="1"/>
-              <a:t>OpenMP</a:t>
-            </a:r>
-            <a:r>
-              <a:rPr lang="en-US" dirty="0"/>
-              <a:t>/</a:t>
-            </a:r>
-            <a:r>
-              <a:rPr lang="en-US" dirty="0" err="1"/>
-              <a:t>pthreads</a:t>
-            </a:r>
-            <a:endParaRPr lang="en-US" dirty="0"/>
-          </a:p>
-          <a:p>
-            <a:pPr lvl="2"/>
-            <a:r>
-              <a:rPr lang="en-US" dirty="0"/>
-              <a:t>libraries (e.g., MKL)</a:t>
-            </a:r>
-          </a:p>
-          <a:p>
-            <a:pPr lvl="2"/>
-            <a:r>
-              <a:rPr lang="en-US" dirty="0"/>
-              <a:t>programmer</a:t>
-            </a:r>
-          </a:p>
-          <a:p>
-            <a:r>
-              <a:rPr lang="en-US" dirty="0"/>
-              <a:t>Multiple nodes, i.e., distributed computing</a:t>
-            </a:r>
-          </a:p>
-          <a:p>
-            <a:pPr lvl="1"/>
-            <a:r>
-              <a:rPr lang="en-US" dirty="0"/>
-              <a:t>MPI/CAF/UPC/Chapel</a:t>
-            </a:r>
-          </a:p>
-          <a:p>
-            <a:pPr lvl="2"/>
-            <a:r>
-              <a:rPr lang="en-US" dirty="0"/>
-              <a:t>programmer</a:t>
-            </a:r>
-          </a:p>
-          <a:p>
-            <a:r>
-              <a:rPr lang="en-US" dirty="0"/>
-              <a:t>GPGPU</a:t>
-            </a:r>
-          </a:p>
-          <a:p>
-            <a:pPr lvl="1"/>
-            <a:r>
-              <a:rPr lang="en-US" dirty="0"/>
-              <a:t>CUDA/</a:t>
-            </a:r>
-            <a:r>
-              <a:rPr lang="en-US" dirty="0" err="1"/>
-              <a:t>OpenACC</a:t>
-            </a:r>
-            <a:r>
-              <a:rPr lang="en-US" dirty="0"/>
-              <a:t>/</a:t>
-            </a:r>
-            <a:r>
-              <a:rPr lang="en-US" dirty="0" err="1"/>
-              <a:t>OpenCL</a:t>
-            </a:r>
-            <a:endParaRPr lang="en-US" dirty="0"/>
-          </a:p>
-          <a:p>
-            <a:pPr lvl="2"/>
-            <a:r>
-              <a:rPr lang="en-US" dirty="0"/>
-              <a:t>libraries (e.g., </a:t>
-            </a:r>
-            <a:r>
-              <a:rPr lang="en-US" dirty="0" err="1"/>
-              <a:t>TensorFlow</a:t>
-            </a:r>
-            <a:r>
-              <a:rPr lang="en-US" dirty="0"/>
-              <a:t>)</a:t>
-            </a:r>
-          </a:p>
-          <a:p>
-            <a:pPr lvl="2"/>
-            <a:r>
-              <a:rPr lang="en-US" dirty="0"/>
-              <a:t>programmer</a:t>
-            </a:r>
+              <a:t>However…</a:t>
+            </a:r>
+            <a:endParaRPr lang="nl-BE" dirty="0"/>
           </a:p>
         </p:txBody>
       </p:sp>
@@ -45482,97 +44975,108 @@
           </a:p>
         </p:txBody>
       </p:sp>
-      <p:grpSp>
-        <p:nvGrpSpPr>
-          <p:cNvPr id="7" name="Group 6"/>
-          <p:cNvGrpSpPr/>
+      <p:sp>
+        <p:nvSpPr>
+          <p:cNvPr id="5" name="TextBox 4"/>
+          <p:cNvSpPr txBox="1"/>
           <p:nvPr/>
-        </p:nvGrpSpPr>
-        <p:grpSpPr>
+        </p:nvSpPr>
+        <p:spPr>
           <a:xfrm>
-            <a:off x="6300192" y="2924944"/>
-            <a:ext cx="1546199" cy="3096344"/>
-            <a:chOff x="6553200" y="3284984"/>
-            <a:chExt cx="1546199" cy="3096344"/>
+            <a:off x="683568" y="5499229"/>
+            <a:ext cx="7704856" cy="954107"/>
           </a:xfrm>
-        </p:grpSpPr>
-        <p:sp>
-          <p:nvSpPr>
-            <p:cNvPr id="5" name="Right Brace 4"/>
-            <p:cNvSpPr/>
-            <p:nvPr/>
-          </p:nvSpPr>
-          <p:spPr>
-            <a:xfrm>
-              <a:off x="6553200" y="3284984"/>
-              <a:ext cx="216024" cy="3096344"/>
-            </a:xfrm>
-            <a:prstGeom prst="rightBrace">
-              <a:avLst/>
-            </a:prstGeom>
-            <a:ln>
-              <a:solidFill>
-                <a:schemeClr val="tx1"/>
-              </a:solidFill>
-            </a:ln>
-          </p:spPr>
-          <p:style>
-            <a:lnRef idx="1">
-              <a:schemeClr val="accent1"/>
-            </a:lnRef>
-            <a:fillRef idx="0">
-              <a:schemeClr val="accent1"/>
-            </a:fillRef>
-            <a:effectRef idx="0">
-              <a:schemeClr val="accent1"/>
-            </a:effectRef>
-            <a:fontRef idx="minor">
+          <a:prstGeom prst="rect">
+            <a:avLst/>
+          </a:prstGeom>
+          <a:noFill/>
+          <a:ln>
+            <a:solidFill>
               <a:schemeClr val="tx1"/>
-            </a:fontRef>
-          </p:style>
-          <p:txBody>
-            <a:bodyPr rtlCol="0" anchor="ctr"/>
-            <a:lstStyle/>
-            <a:p>
-              <a:pPr algn="ctr"/>
-              <a:endParaRPr lang="en-US"/>
-            </a:p>
-          </p:txBody>
-        </p:sp>
-        <p:sp>
-          <p:nvSpPr>
-            <p:cNvPr id="6" name="TextBox 5"/>
-            <p:cNvSpPr txBox="1"/>
-            <p:nvPr/>
-          </p:nvSpPr>
-          <p:spPr>
-            <a:xfrm>
-              <a:off x="6985248" y="4571546"/>
-              <a:ext cx="1114151" cy="523220"/>
-            </a:xfrm>
-            <a:prstGeom prst="rect">
-              <a:avLst/>
-            </a:prstGeom>
-            <a:noFill/>
-          </p:spPr>
-          <p:txBody>
-            <a:bodyPr wrap="none" rtlCol="0">
-              <a:spAutoFit/>
-            </a:bodyPr>
-            <a:lstStyle/>
-            <a:p>
-              <a:r>
-                <a:rPr lang="en-US" sz="2800" dirty="0"/>
-                <a:t>hybrid</a:t>
-              </a:r>
-            </a:p>
-          </p:txBody>
-        </p:sp>
-      </p:grpSp>
+            </a:solidFill>
+          </a:ln>
+        </p:spPr>
+        <p:txBody>
+          <a:bodyPr wrap="square" rtlCol="0">
+            <a:spAutoFit/>
+          </a:bodyPr>
+          <a:lstStyle/>
+          <a:p>
+            <a:pPr algn="ctr"/>
+            <a:r>
+              <a:rPr lang="en-US" sz="2800" dirty="0"/>
+              <a:t>"The number of transistors in a dense integrated circuit doubles approximately every two years".</a:t>
+            </a:r>
+            <a:endParaRPr lang="nl-BE" sz="2800" dirty="0"/>
+          </a:p>
+        </p:txBody>
+      </p:sp>
+      <p:graphicFrame>
+        <p:nvGraphicFramePr>
+          <p:cNvPr id="6" name="Object 5"/>
+          <p:cNvGraphicFramePr>
+            <a:graphicFrameLocks noChangeAspect="1"/>
+          </p:cNvGraphicFramePr>
+          <p:nvPr>
+            <p:extLst>
+              <p:ext uri="{D42A27DB-BD31-4B8C-83A1-F6EECF244321}">
+                <p14:modId xmlns:p14="http://schemas.microsoft.com/office/powerpoint/2010/main" val="2892907508"/>
+              </p:ext>
+            </p:extLst>
+          </p:nvPr>
+        </p:nvGraphicFramePr>
+        <p:xfrm>
+          <a:off x="4716016" y="4005064"/>
+          <a:ext cx="2609850" cy="619125"/>
+        </p:xfrm>
+        <a:graphic>
+          <a:graphicData uri="http://schemas.openxmlformats.org/presentationml/2006/ole">
+            <mc:AlternateContent xmlns:mc="http://schemas.openxmlformats.org/markup-compatibility/2006">
+              <mc:Choice xmlns:v="urn:schemas-microsoft-com:vml" Requires="v">
+                <p:oleObj spid="_x0000_s1026" name="Equation" r:id="rId3" imgW="965160" imgH="228600" progId="Equation.3">
+                  <p:embed/>
+                </p:oleObj>
+              </mc:Choice>
+              <mc:Fallback>
+                <p:oleObj name="Equation" r:id="rId3" imgW="965160" imgH="228600" progId="Equation.3">
+                  <p:embed/>
+                  <p:pic>
+                    <p:nvPicPr>
+                      <p:cNvPr id="0" name=""/>
+                      <p:cNvPicPr/>
+                      <p:nvPr/>
+                    </p:nvPicPr>
+                    <p:blipFill>
+                      <a:blip r:embed="rId4"/>
+                      <a:stretch>
+                        <a:fillRect/>
+                      </a:stretch>
+                    </p:blipFill>
+                    <p:spPr>
+                      <a:xfrm>
+                        <a:off x="4716016" y="4005064"/>
+                        <a:ext cx="2609850" cy="619125"/>
+                      </a:xfrm>
+                      <a:prstGeom prst="rect">
+                        <a:avLst/>
+                      </a:prstGeom>
+                      <a:ln>
+                        <a:solidFill>
+                          <a:schemeClr val="tx1"/>
+                        </a:solidFill>
+                      </a:ln>
+                    </p:spPr>
+                  </p:pic>
+                </p:oleObj>
+              </mc:Fallback>
+            </mc:AlternateContent>
+          </a:graphicData>
+        </a:graphic>
+      </p:graphicFrame>
     </p:spTree>
     <p:extLst>
       <p:ext uri="{BB962C8B-B14F-4D97-AF65-F5344CB8AC3E}">
-        <p14:creationId xmlns:p14="http://schemas.microsoft.com/office/powerpoint/2010/main" val="1592559374"/>
+        <p14:creationId xmlns:p14="http://schemas.microsoft.com/office/powerpoint/2010/main" val="3338152140"/>
       </p:ext>
     </p:extLst>
   </p:cSld>
@@ -45664,15 +45168,33 @@
                                   </p:childTnLst>
                                 </p:cTn>
                               </p:par>
+                            </p:childTnLst>
+                          </p:cTn>
+                        </p:par>
+                      </p:childTnLst>
+                    </p:cTn>
+                  </p:par>
+                  <p:par>
+                    <p:cTn id="9" fill="hold">
+                      <p:stCondLst>
+                        <p:cond delay="indefinite"/>
+                      </p:stCondLst>
+                      <p:childTnLst>
+                        <p:par>
+                          <p:cTn id="10" fill="hold">
+                            <p:stCondLst>
+                              <p:cond delay="0"/>
+                            </p:stCondLst>
+                            <p:childTnLst>
                               <p:par>
-                                <p:cTn id="9" presetID="1" presetClass="entr" presetSubtype="0" fill="hold" grpId="0" nodeType="withEffect">
+                                <p:cTn id="11" presetID="1" presetClass="entr" presetSubtype="0" fill="hold" grpId="0" nodeType="clickEffect">
                                   <p:stCondLst>
                                     <p:cond delay="0"/>
                                   </p:stCondLst>
                                   <p:childTnLst>
                                     <p:set>
                                       <p:cBhvr>
-                                        <p:cTn id="10" dur="1" fill="hold">
+                                        <p:cTn id="12" dur="1" fill="hold">
                                           <p:stCondLst>
                                             <p:cond delay="0"/>
                                           </p:stCondLst>
@@ -45696,14 +45218,14 @@
                                 </p:cTn>
                               </p:par>
                               <p:par>
-                                <p:cTn id="11" presetID="1" presetClass="entr" presetSubtype="0" fill="hold" grpId="0" nodeType="withEffect">
+                                <p:cTn id="13" presetID="1" presetClass="entr" presetSubtype="0" fill="hold" grpId="0" nodeType="withEffect">
                                   <p:stCondLst>
                                     <p:cond delay="0"/>
                                   </p:stCondLst>
                                   <p:childTnLst>
                                     <p:set>
                                       <p:cBhvr>
-                                        <p:cTn id="12" dur="1" fill="hold">
+                                        <p:cTn id="14" dur="1" fill="hold">
                                           <p:stCondLst>
                                             <p:cond delay="0"/>
                                           </p:stCondLst>
@@ -45726,26 +45248,8 @@
                                   </p:childTnLst>
                                 </p:cTn>
                               </p:par>
-                            </p:childTnLst>
-                          </p:cTn>
-                        </p:par>
-                      </p:childTnLst>
-                    </p:cTn>
-                  </p:par>
-                  <p:par>
-                    <p:cTn id="13" fill="hold">
-                      <p:stCondLst>
-                        <p:cond delay="indefinite"/>
-                      </p:stCondLst>
-                      <p:childTnLst>
-                        <p:par>
-                          <p:cTn id="14" fill="hold">
-                            <p:stCondLst>
-                              <p:cond delay="0"/>
-                            </p:stCondLst>
-                            <p:childTnLst>
                               <p:par>
-                                <p:cTn id="15" presetID="1" presetClass="entr" presetSubtype="0" fill="hold" grpId="0" nodeType="clickEffect">
+                                <p:cTn id="15" presetID="1" presetClass="entr" presetSubtype="0" fill="hold" grpId="0" nodeType="withEffect">
                                   <p:stCondLst>
                                     <p:cond delay="0"/>
                                   </p:stCondLst>
@@ -45775,15 +45279,78 @@
                                   </p:childTnLst>
                                 </p:cTn>
                               </p:par>
+                            </p:childTnLst>
+                          </p:cTn>
+                        </p:par>
+                      </p:childTnLst>
+                    </p:cTn>
+                  </p:par>
+                  <p:par>
+                    <p:cTn id="17" fill="hold">
+                      <p:stCondLst>
+                        <p:cond delay="indefinite"/>
+                      </p:stCondLst>
+                      <p:childTnLst>
+                        <p:par>
+                          <p:cTn id="18" fill="hold">
+                            <p:stCondLst>
+                              <p:cond delay="0"/>
+                            </p:stCondLst>
+                            <p:childTnLst>
                               <p:par>
-                                <p:cTn id="17" presetID="1" presetClass="entr" presetSubtype="0" fill="hold" grpId="0" nodeType="withEffect">
+                                <p:cTn id="19" presetID="1" presetClass="entr" presetSubtype="0" fill="hold" nodeType="clickEffect">
                                   <p:stCondLst>
                                     <p:cond delay="0"/>
                                   </p:stCondLst>
                                   <p:childTnLst>
                                     <p:set>
                                       <p:cBhvr>
-                                        <p:cTn id="18" dur="1" fill="hold">
+                                        <p:cTn id="20" dur="1" fill="hold">
+                                          <p:stCondLst>
+                                            <p:cond delay="0"/>
+                                          </p:stCondLst>
+                                        </p:cTn>
+                                        <p:tgtEl>
+                                          <p:spTgt spid="6"/>
+                                        </p:tgtEl>
+                                        <p:attrNameLst>
+                                          <p:attrName>style.visibility</p:attrName>
+                                        </p:attrNameLst>
+                                      </p:cBhvr>
+                                      <p:to>
+                                        <p:strVal val="visible"/>
+                                      </p:to>
+                                    </p:set>
+                                  </p:childTnLst>
+                                </p:cTn>
+                              </p:par>
+                            </p:childTnLst>
+                          </p:cTn>
+                        </p:par>
+                      </p:childTnLst>
+                    </p:cTn>
+                  </p:par>
+                  <p:par>
+                    <p:cTn id="21" fill="hold">
+                      <p:stCondLst>
+                        <p:cond delay="indefinite"/>
+                      </p:stCondLst>
+                      <p:childTnLst>
+                        <p:par>
+                          <p:cTn id="22" fill="hold">
+                            <p:stCondLst>
+                              <p:cond delay="0"/>
+                            </p:stCondLst>
+                            <p:childTnLst>
+                              <p:par>
+                                <p:cTn id="23" presetID="1" presetClass="entr" presetSubtype="0" fill="hold" grpId="0" nodeType="clickEffect">
+                                  <p:stCondLst>
+                                    <p:cond delay="0"/>
+                                  </p:stCondLst>
+                                  <p:childTnLst>
+                                    <p:set>
+                                      <p:cBhvr>
+                                        <p:cTn id="24" dur="1" fill="hold">
                                           <p:stCondLst>
                                             <p:cond delay="0"/>
                                           </p:stCondLst>
@@ -45807,87 +45374,7 @@
                                 </p:cTn>
                               </p:par>
                               <p:par>
-                                <p:cTn id="19" presetID="1" presetClass="entr" presetSubtype="0" fill="hold" grpId="0" nodeType="withEffect">
-                                  <p:stCondLst>
-                                    <p:cond delay="0"/>
-                                  </p:stCondLst>
-                                  <p:childTnLst>
-                                    <p:set>
-                                      <p:cBhvr>
-                                        <p:cTn id="20" dur="1" fill="hold">
-                                          <p:stCondLst>
-                                            <p:cond delay="0"/>
-                                          </p:stCondLst>
-                                        </p:cTn>
-                                        <p:tgtEl>
-                                          <p:spTgt spid="3">
-                                            <p:txEl>
-                                              <p:pRg st="6" end="6"/>
-                                            </p:txEl>
-                                          </p:spTgt>
-                                        </p:tgtEl>
-                                        <p:attrNameLst>
-                                          <p:attrName>style.visibility</p:attrName>
-                                        </p:attrNameLst>
-                                      </p:cBhvr>
-                                      <p:to>
-                                        <p:strVal val="visible"/>
-                                      </p:to>
-                                    </p:set>
-                                  </p:childTnLst>
-                                </p:cTn>
-                              </p:par>
-                              <p:par>
-                                <p:cTn id="21" presetID="1" presetClass="entr" presetSubtype="0" fill="hold" grpId="0" nodeType="withEffect">
-                                  <p:stCondLst>
-                                    <p:cond delay="0"/>
-                                  </p:stCondLst>
-                                  <p:childTnLst>
-                                    <p:set>
-                                      <p:cBhvr>
-                                        <p:cTn id="22" dur="1" fill="hold">
-                                          <p:stCondLst>
-                                            <p:cond delay="0"/>
-                                          </p:stCondLst>
-                                        </p:cTn>
-                                        <p:tgtEl>
-                                          <p:spTgt spid="3">
-                                            <p:txEl>
-                                              <p:pRg st="7" end="7"/>
-                                            </p:txEl>
-                                          </p:spTgt>
-                                        </p:tgtEl>
-                                        <p:attrNameLst>
-                                          <p:attrName>style.visibility</p:attrName>
-                                        </p:attrNameLst>
-                                      </p:cBhvr>
-                                      <p:to>
-                                        <p:strVal val="visible"/>
-                                      </p:to>
-                                    </p:set>
-                                  </p:childTnLst>
-                                </p:cTn>
-                              </p:par>
-                            </p:childTnLst>
-                          </p:cTn>
-                        </p:par>
-                      </p:childTnLst>
-                    </p:cTn>
-                  </p:par>
-                  <p:par>
-                    <p:cTn id="23" fill="hold">
-                      <p:stCondLst>
-                        <p:cond delay="indefinite"/>
-                      </p:stCondLst>
-                      <p:childTnLst>
-                        <p:par>
-                          <p:cTn id="24" fill="hold">
-                            <p:stCondLst>
-                              <p:cond delay="0"/>
-                            </p:stCondLst>
-                            <p:childTnLst>
-                              <p:par>
-                                <p:cTn id="25" presetID="1" presetClass="entr" presetSubtype="0" fill="hold" grpId="0" nodeType="clickEffect">
+                                <p:cTn id="25" presetID="1" presetClass="entr" presetSubtype="0" fill="hold" grpId="0" nodeType="withEffect">
                                   <p:stCondLst>
                                     <p:cond delay="0"/>
                                   </p:stCondLst>
@@ -45900,260 +45387,7 @@
                                           </p:stCondLst>
                                         </p:cTn>
                                         <p:tgtEl>
-                                          <p:spTgt spid="3">
-                                            <p:txEl>
-                                              <p:pRg st="8" end="8"/>
-                                            </p:txEl>
-                                          </p:spTgt>
-                                        </p:tgtEl>
-                                        <p:attrNameLst>
-                                          <p:attrName>style.visibility</p:attrName>
-                                        </p:attrNameLst>
-                                      </p:cBhvr>
-                                      <p:to>
-                                        <p:strVal val="visible"/>
-                                      </p:to>
-                                    </p:set>
-                                  </p:childTnLst>
-                                </p:cTn>
-                              </p:par>
-                              <p:par>
-                                <p:cTn id="27" presetID="1" presetClass="entr" presetSubtype="0" fill="hold" grpId="0" nodeType="withEffect">
-                                  <p:stCondLst>
-                                    <p:cond delay="0"/>
-                                  </p:stCondLst>
-                                  <p:childTnLst>
-                                    <p:set>
-                                      <p:cBhvr>
-                                        <p:cTn id="28" dur="1" fill="hold">
-                                          <p:stCondLst>
-                                            <p:cond delay="0"/>
-                                          </p:stCondLst>
-                                        </p:cTn>
-                                        <p:tgtEl>
-                                          <p:spTgt spid="3">
-                                            <p:txEl>
-                                              <p:pRg st="9" end="9"/>
-                                            </p:txEl>
-                                          </p:spTgt>
-                                        </p:tgtEl>
-                                        <p:attrNameLst>
-                                          <p:attrName>style.visibility</p:attrName>
-                                        </p:attrNameLst>
-                                      </p:cBhvr>
-                                      <p:to>
-                                        <p:strVal val="visible"/>
-                                      </p:to>
-                                    </p:set>
-                                  </p:childTnLst>
-                                </p:cTn>
-                              </p:par>
-                              <p:par>
-                                <p:cTn id="29" presetID="1" presetClass="entr" presetSubtype="0" fill="hold" grpId="0" nodeType="withEffect">
-                                  <p:stCondLst>
-                                    <p:cond delay="0"/>
-                                  </p:stCondLst>
-                                  <p:childTnLst>
-                                    <p:set>
-                                      <p:cBhvr>
-                                        <p:cTn id="30" dur="1" fill="hold">
-                                          <p:stCondLst>
-                                            <p:cond delay="0"/>
-                                          </p:stCondLst>
-                                        </p:cTn>
-                                        <p:tgtEl>
-                                          <p:spTgt spid="3">
-                                            <p:txEl>
-                                              <p:pRg st="10" end="10"/>
-                                            </p:txEl>
-                                          </p:spTgt>
-                                        </p:tgtEl>
-                                        <p:attrNameLst>
-                                          <p:attrName>style.visibility</p:attrName>
-                                        </p:attrNameLst>
-                                      </p:cBhvr>
-                                      <p:to>
-                                        <p:strVal val="visible"/>
-                                      </p:to>
-                                    </p:set>
-                                  </p:childTnLst>
-                                </p:cTn>
-                              </p:par>
-                            </p:childTnLst>
-                          </p:cTn>
-                        </p:par>
-                      </p:childTnLst>
-                    </p:cTn>
-                  </p:par>
-                  <p:par>
-                    <p:cTn id="31" fill="hold">
-                      <p:stCondLst>
-                        <p:cond delay="indefinite"/>
-                      </p:stCondLst>
-                      <p:childTnLst>
-                        <p:par>
-                          <p:cTn id="32" fill="hold">
-                            <p:stCondLst>
-                              <p:cond delay="0"/>
-                            </p:stCondLst>
-                            <p:childTnLst>
-                              <p:par>
-                                <p:cTn id="33" presetID="1" presetClass="entr" presetSubtype="0" fill="hold" grpId="0" nodeType="clickEffect">
-                                  <p:stCondLst>
-                                    <p:cond delay="0"/>
-                                  </p:stCondLst>
-                                  <p:childTnLst>
-                                    <p:set>
-                                      <p:cBhvr>
-                                        <p:cTn id="34" dur="1" fill="hold">
-                                          <p:stCondLst>
-                                            <p:cond delay="0"/>
-                                          </p:stCondLst>
-                                        </p:cTn>
-                                        <p:tgtEl>
-                                          <p:spTgt spid="3">
-                                            <p:txEl>
-                                              <p:pRg st="11" end="11"/>
-                                            </p:txEl>
-                                          </p:spTgt>
-                                        </p:tgtEl>
-                                        <p:attrNameLst>
-                                          <p:attrName>style.visibility</p:attrName>
-                                        </p:attrNameLst>
-                                      </p:cBhvr>
-                                      <p:to>
-                                        <p:strVal val="visible"/>
-                                      </p:to>
-                                    </p:set>
-                                  </p:childTnLst>
-                                </p:cTn>
-                              </p:par>
-                              <p:par>
-                                <p:cTn id="35" presetID="1" presetClass="entr" presetSubtype="0" fill="hold" grpId="0" nodeType="withEffect">
-                                  <p:stCondLst>
-                                    <p:cond delay="0"/>
-                                  </p:stCondLst>
-                                  <p:childTnLst>
-                                    <p:set>
-                                      <p:cBhvr>
-                                        <p:cTn id="36" dur="1" fill="hold">
-                                          <p:stCondLst>
-                                            <p:cond delay="0"/>
-                                          </p:stCondLst>
-                                        </p:cTn>
-                                        <p:tgtEl>
-                                          <p:spTgt spid="3">
-                                            <p:txEl>
-                                              <p:pRg st="12" end="12"/>
-                                            </p:txEl>
-                                          </p:spTgt>
-                                        </p:tgtEl>
-                                        <p:attrNameLst>
-                                          <p:attrName>style.visibility</p:attrName>
-                                        </p:attrNameLst>
-                                      </p:cBhvr>
-                                      <p:to>
-                                        <p:strVal val="visible"/>
-                                      </p:to>
-                                    </p:set>
-                                  </p:childTnLst>
-                                </p:cTn>
-                              </p:par>
-                              <p:par>
-                                <p:cTn id="37" presetID="1" presetClass="entr" presetSubtype="0" fill="hold" grpId="0" nodeType="withEffect">
-                                  <p:stCondLst>
-                                    <p:cond delay="0"/>
-                                  </p:stCondLst>
-                                  <p:childTnLst>
-                                    <p:set>
-                                      <p:cBhvr>
-                                        <p:cTn id="38" dur="1" fill="hold">
-                                          <p:stCondLst>
-                                            <p:cond delay="0"/>
-                                          </p:stCondLst>
-                                        </p:cTn>
-                                        <p:tgtEl>
-                                          <p:spTgt spid="3">
-                                            <p:txEl>
-                                              <p:pRg st="13" end="13"/>
-                                            </p:txEl>
-                                          </p:spTgt>
-                                        </p:tgtEl>
-                                        <p:attrNameLst>
-                                          <p:attrName>style.visibility</p:attrName>
-                                        </p:attrNameLst>
-                                      </p:cBhvr>
-                                      <p:to>
-                                        <p:strVal val="visible"/>
-                                      </p:to>
-                                    </p:set>
-                                  </p:childTnLst>
-                                </p:cTn>
-                              </p:par>
-                              <p:par>
-                                <p:cTn id="39" presetID="1" presetClass="entr" presetSubtype="0" fill="hold" grpId="0" nodeType="withEffect">
-                                  <p:stCondLst>
-                                    <p:cond delay="0"/>
-                                  </p:stCondLst>
-                                  <p:childTnLst>
-                                    <p:set>
-                                      <p:cBhvr>
-                                        <p:cTn id="40" dur="1" fill="hold">
-                                          <p:stCondLst>
-                                            <p:cond delay="0"/>
-                                          </p:stCondLst>
-                                        </p:cTn>
-                                        <p:tgtEl>
-                                          <p:spTgt spid="3">
-                                            <p:txEl>
-                                              <p:pRg st="14" end="14"/>
-                                            </p:txEl>
-                                          </p:spTgt>
-                                        </p:tgtEl>
-                                        <p:attrNameLst>
-                                          <p:attrName>style.visibility</p:attrName>
-                                        </p:attrNameLst>
-                                      </p:cBhvr>
-                                      <p:to>
-                                        <p:strVal val="visible"/>
-                                      </p:to>
-                                    </p:set>
-                                  </p:childTnLst>
-                                </p:cTn>
-                              </p:par>
-                            </p:childTnLst>
-                          </p:cTn>
-                        </p:par>
-                      </p:childTnLst>
-                    </p:cTn>
-                  </p:par>
-                  <p:par>
-                    <p:cTn id="41" fill="hold">
-                      <p:stCondLst>
-                        <p:cond delay="indefinite"/>
-                      </p:stCondLst>
-                      <p:childTnLst>
-                        <p:par>
-                          <p:cTn id="42" fill="hold">
-                            <p:stCondLst>
-                              <p:cond delay="0"/>
-                            </p:stCondLst>
-                            <p:childTnLst>
-                              <p:par>
-                                <p:cTn id="43" presetID="1" presetClass="entr" presetSubtype="0" fill="hold" nodeType="clickEffect">
-                                  <p:stCondLst>
-                                    <p:cond delay="0"/>
-                                  </p:stCondLst>
-                                  <p:childTnLst>
-                                    <p:set>
-                                      <p:cBhvr>
-                                        <p:cTn id="44" dur="1" fill="hold">
-                                          <p:stCondLst>
-                                            <p:cond delay="0"/>
-                                          </p:stCondLst>
-                                        </p:cTn>
-                                        <p:tgtEl>
-                                          <p:spTgt spid="7"/>
+                                          <p:spTgt spid="5"/>
                                         </p:tgtEl>
                                         <p:attrNameLst>
                                           <p:attrName>style.visibility</p:attrName>
@@ -46195,6 +45429,7 @@
     </p:tnLst>
     <p:bldLst>
       <p:bldP spid="3" grpId="0" uiExpand="1" build="p"/>
+      <p:bldP spid="5" grpId="0" animBg="1"/>
     </p:bldLst>
   </p:timing>
 </p:sld>
@@ -46234,7 +45469,7 @@
           <a:p>
             <a:r>
               <a:rPr lang="en-US" dirty="0"/>
-              <a:t>Intel compilers</a:t>
+              <a:t>GCC compilers</a:t>
             </a:r>
           </a:p>
         </p:txBody>
@@ -46308,7 +45543,7 @@
         <p:spPr>
           <a:xfrm>
             <a:off x="1187624" y="2276872"/>
-            <a:ext cx="7629012" cy="369332"/>
+            <a:ext cx="6801862" cy="369332"/>
           </a:xfrm>
           <a:prstGeom prst="rect">
             <a:avLst/>
@@ -46335,28 +45570,28 @@
                 <a:latin typeface="Courier New" panose="02070309020205020404" pitchFamily="49" charset="0"/>
                 <a:cs typeface="Courier New" panose="02070309020205020404" pitchFamily="49" charset="0"/>
               </a:rPr>
-              <a:t>icc</a:t>
+              <a:t>gcc</a:t>
             </a:r>
             <a:r>
               <a:rPr lang="en-US" dirty="0">
                 <a:latin typeface="Courier New" panose="02070309020205020404" pitchFamily="49" charset="0"/>
                 <a:cs typeface="Courier New" panose="02070309020205020404" pitchFamily="49" charset="0"/>
               </a:rPr>
-              <a:t>  -prof-gen  -prof-</a:t>
+              <a:t>  -</a:t>
             </a:r>
             <a:r>
               <a:rPr lang="en-US" dirty="0" err="1">
                 <a:latin typeface="Courier New" panose="02070309020205020404" pitchFamily="49" charset="0"/>
                 <a:cs typeface="Courier New" panose="02070309020205020404" pitchFamily="49" charset="0"/>
               </a:rPr>
-              <a:t>dir</a:t>
+              <a:t>fprofile</a:t>
             </a:r>
             <a:r>
               <a:rPr lang="en-US" dirty="0">
                 <a:latin typeface="Courier New" panose="02070309020205020404" pitchFamily="49" charset="0"/>
                 <a:cs typeface="Courier New" panose="02070309020205020404" pitchFamily="49" charset="0"/>
               </a:rPr>
-              <a:t>=./profs  -o appl.exe  …</a:t>
+              <a:t>-generate  -o appl.exe  …</a:t>
             </a:r>
             <a:endParaRPr lang="nl-BE" dirty="0">
               <a:latin typeface="Courier New" panose="02070309020205020404" pitchFamily="49" charset="0"/>
@@ -46374,7 +45609,7 @@
         <p:spPr>
           <a:xfrm>
             <a:off x="1187624" y="4139788"/>
-            <a:ext cx="7629012" cy="369332"/>
+            <a:ext cx="6801862" cy="369332"/>
           </a:xfrm>
           <a:prstGeom prst="rect">
             <a:avLst/>
@@ -46401,35 +45636,35 @@
                 <a:latin typeface="Courier New" panose="02070309020205020404" pitchFamily="49" charset="0"/>
                 <a:cs typeface="Courier New" panose="02070309020205020404" pitchFamily="49" charset="0"/>
               </a:rPr>
-              <a:t>icc</a:t>
+              <a:t>gcc</a:t>
             </a:r>
             <a:r>
               <a:rPr lang="en-US" dirty="0">
                 <a:latin typeface="Courier New" panose="02070309020205020404" pitchFamily="49" charset="0"/>
                 <a:cs typeface="Courier New" panose="02070309020205020404" pitchFamily="49" charset="0"/>
               </a:rPr>
-              <a:t>  -prof-use  prof-</a:t>
+              <a:t>  -</a:t>
             </a:r>
             <a:r>
               <a:rPr lang="en-US" dirty="0" err="1">
                 <a:latin typeface="Courier New" panose="02070309020205020404" pitchFamily="49" charset="0"/>
                 <a:cs typeface="Courier New" panose="02070309020205020404" pitchFamily="49" charset="0"/>
               </a:rPr>
-              <a:t>dir</a:t>
+              <a:t>fprofile</a:t>
             </a:r>
             <a:r>
               <a:rPr lang="en-US" dirty="0">
                 <a:latin typeface="Courier New" panose="02070309020205020404" pitchFamily="49" charset="0"/>
                 <a:cs typeface="Courier New" panose="02070309020205020404" pitchFamily="49" charset="0"/>
               </a:rPr>
-              <a:t>=./profs  -</a:t>
+              <a:t>-use=</a:t>
             </a:r>
             <a:r>
               <a:rPr lang="en-US" dirty="0" err="1">
                 <a:latin typeface="Courier New" panose="02070309020205020404" pitchFamily="49" charset="0"/>
                 <a:cs typeface="Courier New" panose="02070309020205020404" pitchFamily="49" charset="0"/>
               </a:rPr>
-              <a:t>ipo</a:t>
+              <a:t>appl.exe.gcda</a:t>
             </a:r>
             <a:r>
               <a:rPr lang="en-US" dirty="0">
@@ -46448,7 +45683,7 @@
     </p:spTree>
     <p:extLst>
       <p:ext uri="{BB962C8B-B14F-4D97-AF65-F5344CB8AC3E}">
-        <p14:creationId xmlns:p14="http://schemas.microsoft.com/office/powerpoint/2010/main" val="3097815600"/>
+        <p14:creationId xmlns:p14="http://schemas.microsoft.com/office/powerpoint/2010/main" val="2433576050"/>
       </p:ext>
     </p:extLst>
   </p:cSld>
@@ -46731,7 +45966,7 @@
           <a:p>
             <a:r>
               <a:rPr lang="en-US" dirty="0"/>
-              <a:t>Example</a:t>
+              <a:t>Intel compilers</a:t>
             </a:r>
           </a:p>
         </p:txBody>
@@ -46753,7 +45988,22 @@
           <a:p>
             <a:r>
               <a:rPr lang="en-US" dirty="0"/>
-              <a:t>Code illustrating cache hierarchy</a:t>
+              <a:t>Build with instrumentation</a:t>
+            </a:r>
+          </a:p>
+          <a:p>
+            <a:endParaRPr lang="en-US" dirty="0"/>
+          </a:p>
+          <a:p>
+            <a:r>
+              <a:rPr lang="en-US" dirty="0"/>
+              <a:t>Run as usual</a:t>
+            </a:r>
+          </a:p>
+          <a:p>
+            <a:r>
+              <a:rPr lang="en-US" dirty="0"/>
+              <a:t>Build using profile</a:t>
             </a:r>
           </a:p>
         </p:txBody>
@@ -46776,6 +46026,488 @@
             <a:fld id="{6597116C-F94B-4B5B-973A-17F07FB5C418}" type="slidenum">
               <a:rPr lang="nl-BE" smtClean="0"/>
               <a:t>51</a:t>
+            </a:fld>
+            <a:endParaRPr lang="nl-BE"/>
+          </a:p>
+        </p:txBody>
+      </p:sp>
+      <p:sp>
+        <p:nvSpPr>
+          <p:cNvPr id="5" name="TextBox 4"/>
+          <p:cNvSpPr txBox="1"/>
+          <p:nvPr/>
+        </p:nvSpPr>
+        <p:spPr>
+          <a:xfrm>
+            <a:off x="1187624" y="2276872"/>
+            <a:ext cx="7629012" cy="369332"/>
+          </a:xfrm>
+          <a:prstGeom prst="rect">
+            <a:avLst/>
+          </a:prstGeom>
+          <a:solidFill>
+            <a:schemeClr val="bg1">
+              <a:lumMod val="85000"/>
+            </a:schemeClr>
+          </a:solidFill>
+          <a:ln>
+            <a:solidFill>
+              <a:schemeClr val="tx1"/>
+            </a:solidFill>
+          </a:ln>
+        </p:spPr>
+        <p:txBody>
+          <a:bodyPr wrap="square" rtlCol="0">
+            <a:spAutoFit/>
+          </a:bodyPr>
+          <a:lstStyle/>
+          <a:p>
+            <a:r>
+              <a:rPr lang="en-US" dirty="0" err="1">
+                <a:latin typeface="Courier New" panose="02070309020205020404" pitchFamily="49" charset="0"/>
+                <a:cs typeface="Courier New" panose="02070309020205020404" pitchFamily="49" charset="0"/>
+              </a:rPr>
+              <a:t>icc</a:t>
+            </a:r>
+            <a:r>
+              <a:rPr lang="en-US" dirty="0">
+                <a:latin typeface="Courier New" panose="02070309020205020404" pitchFamily="49" charset="0"/>
+                <a:cs typeface="Courier New" panose="02070309020205020404" pitchFamily="49" charset="0"/>
+              </a:rPr>
+              <a:t>  -prof-gen  -prof-</a:t>
+            </a:r>
+            <a:r>
+              <a:rPr lang="en-US" dirty="0" err="1">
+                <a:latin typeface="Courier New" panose="02070309020205020404" pitchFamily="49" charset="0"/>
+                <a:cs typeface="Courier New" panose="02070309020205020404" pitchFamily="49" charset="0"/>
+              </a:rPr>
+              <a:t>dir</a:t>
+            </a:r>
+            <a:r>
+              <a:rPr lang="en-US" dirty="0">
+                <a:latin typeface="Courier New" panose="02070309020205020404" pitchFamily="49" charset="0"/>
+                <a:cs typeface="Courier New" panose="02070309020205020404" pitchFamily="49" charset="0"/>
+              </a:rPr>
+              <a:t>=./profs  -o appl.exe  …</a:t>
+            </a:r>
+            <a:endParaRPr lang="nl-BE" dirty="0">
+              <a:latin typeface="Courier New" panose="02070309020205020404" pitchFamily="49" charset="0"/>
+              <a:cs typeface="Courier New" panose="02070309020205020404" pitchFamily="49" charset="0"/>
+            </a:endParaRPr>
+          </a:p>
+        </p:txBody>
+      </p:sp>
+      <p:sp>
+        <p:nvSpPr>
+          <p:cNvPr id="6" name="TextBox 5"/>
+          <p:cNvSpPr txBox="1"/>
+          <p:nvPr/>
+        </p:nvSpPr>
+        <p:spPr>
+          <a:xfrm>
+            <a:off x="1187624" y="4139788"/>
+            <a:ext cx="7629012" cy="369332"/>
+          </a:xfrm>
+          <a:prstGeom prst="rect">
+            <a:avLst/>
+          </a:prstGeom>
+          <a:solidFill>
+            <a:schemeClr val="bg1">
+              <a:lumMod val="85000"/>
+            </a:schemeClr>
+          </a:solidFill>
+          <a:ln>
+            <a:solidFill>
+              <a:schemeClr val="tx1"/>
+            </a:solidFill>
+          </a:ln>
+        </p:spPr>
+        <p:txBody>
+          <a:bodyPr wrap="none" rtlCol="0">
+            <a:spAutoFit/>
+          </a:bodyPr>
+          <a:lstStyle/>
+          <a:p>
+            <a:r>
+              <a:rPr lang="en-US" dirty="0" err="1">
+                <a:latin typeface="Courier New" panose="02070309020205020404" pitchFamily="49" charset="0"/>
+                <a:cs typeface="Courier New" panose="02070309020205020404" pitchFamily="49" charset="0"/>
+              </a:rPr>
+              <a:t>icc</a:t>
+            </a:r>
+            <a:r>
+              <a:rPr lang="en-US" dirty="0">
+                <a:latin typeface="Courier New" panose="02070309020205020404" pitchFamily="49" charset="0"/>
+                <a:cs typeface="Courier New" panose="02070309020205020404" pitchFamily="49" charset="0"/>
+              </a:rPr>
+              <a:t>  -prof-use  prof-</a:t>
+            </a:r>
+            <a:r>
+              <a:rPr lang="en-US" dirty="0" err="1">
+                <a:latin typeface="Courier New" panose="02070309020205020404" pitchFamily="49" charset="0"/>
+                <a:cs typeface="Courier New" panose="02070309020205020404" pitchFamily="49" charset="0"/>
+              </a:rPr>
+              <a:t>dir</a:t>
+            </a:r>
+            <a:r>
+              <a:rPr lang="en-US" dirty="0">
+                <a:latin typeface="Courier New" panose="02070309020205020404" pitchFamily="49" charset="0"/>
+                <a:cs typeface="Courier New" panose="02070309020205020404" pitchFamily="49" charset="0"/>
+              </a:rPr>
+              <a:t>=./profs  -</a:t>
+            </a:r>
+            <a:r>
+              <a:rPr lang="en-US" dirty="0" err="1">
+                <a:latin typeface="Courier New" panose="02070309020205020404" pitchFamily="49" charset="0"/>
+                <a:cs typeface="Courier New" panose="02070309020205020404" pitchFamily="49" charset="0"/>
+              </a:rPr>
+              <a:t>ipo</a:t>
+            </a:r>
+            <a:r>
+              <a:rPr lang="en-US" dirty="0">
+                <a:latin typeface="Courier New" panose="02070309020205020404" pitchFamily="49" charset="0"/>
+                <a:cs typeface="Courier New" panose="02070309020205020404" pitchFamily="49" charset="0"/>
+              </a:rPr>
+              <a:t>  -o appl.exe  …</a:t>
+            </a:r>
+            <a:endParaRPr lang="nl-BE" dirty="0">
+              <a:latin typeface="Courier New" panose="02070309020205020404" pitchFamily="49" charset="0"/>
+              <a:cs typeface="Courier New" panose="02070309020205020404" pitchFamily="49" charset="0"/>
+            </a:endParaRPr>
+          </a:p>
+        </p:txBody>
+      </p:sp>
+    </p:spTree>
+    <p:extLst>
+      <p:ext uri="{BB962C8B-B14F-4D97-AF65-F5344CB8AC3E}">
+        <p14:creationId xmlns:p14="http://schemas.microsoft.com/office/powerpoint/2010/main" val="3097815600"/>
+      </p:ext>
+    </p:extLst>
+  </p:cSld>
+  <p:clrMapOvr>
+    <a:masterClrMapping/>
+  </p:clrMapOvr>
+  <p:timing>
+    <p:tnLst>
+      <p:par>
+        <p:cTn id="1" dur="indefinite" restart="never" nodeType="tmRoot">
+          <p:childTnLst>
+            <p:seq concurrent="1" nextAc="seek">
+              <p:cTn id="2" dur="indefinite" nodeType="mainSeq">
+                <p:childTnLst>
+                  <p:par>
+                    <p:cTn id="3" fill="hold">
+                      <p:stCondLst>
+                        <p:cond delay="indefinite"/>
+                        <p:cond evt="onBegin" delay="0">
+                          <p:tn val="2"/>
+                        </p:cond>
+                      </p:stCondLst>
+                      <p:childTnLst>
+                        <p:par>
+                          <p:cTn id="4" fill="hold">
+                            <p:stCondLst>
+                              <p:cond delay="0"/>
+                            </p:stCondLst>
+                            <p:childTnLst>
+                              <p:par>
+                                <p:cTn id="5" presetID="1" presetClass="entr" presetSubtype="0" fill="hold" grpId="0" nodeType="withEffect">
+                                  <p:stCondLst>
+                                    <p:cond delay="0"/>
+                                  </p:stCondLst>
+                                  <p:childTnLst>
+                                    <p:set>
+                                      <p:cBhvr>
+                                        <p:cTn id="6" dur="1" fill="hold">
+                                          <p:stCondLst>
+                                            <p:cond delay="0"/>
+                                          </p:stCondLst>
+                                        </p:cTn>
+                                        <p:tgtEl>
+                                          <p:spTgt spid="3">
+                                            <p:txEl>
+                                              <p:pRg st="0" end="0"/>
+                                            </p:txEl>
+                                          </p:spTgt>
+                                        </p:tgtEl>
+                                        <p:attrNameLst>
+                                          <p:attrName>style.visibility</p:attrName>
+                                        </p:attrNameLst>
+                                      </p:cBhvr>
+                                      <p:to>
+                                        <p:strVal val="visible"/>
+                                      </p:to>
+                                    </p:set>
+                                  </p:childTnLst>
+                                </p:cTn>
+                              </p:par>
+                              <p:par>
+                                <p:cTn id="7" presetID="1" presetClass="entr" presetSubtype="0" fill="hold" grpId="0" nodeType="withEffect">
+                                  <p:stCondLst>
+                                    <p:cond delay="0"/>
+                                  </p:stCondLst>
+                                  <p:childTnLst>
+                                    <p:set>
+                                      <p:cBhvr>
+                                        <p:cTn id="8" dur="1" fill="hold">
+                                          <p:stCondLst>
+                                            <p:cond delay="0"/>
+                                          </p:stCondLst>
+                                        </p:cTn>
+                                        <p:tgtEl>
+                                          <p:spTgt spid="5"/>
+                                        </p:tgtEl>
+                                        <p:attrNameLst>
+                                          <p:attrName>style.visibility</p:attrName>
+                                        </p:attrNameLst>
+                                      </p:cBhvr>
+                                      <p:to>
+                                        <p:strVal val="visible"/>
+                                      </p:to>
+                                    </p:set>
+                                  </p:childTnLst>
+                                </p:cTn>
+                              </p:par>
+                            </p:childTnLst>
+                          </p:cTn>
+                        </p:par>
+                      </p:childTnLst>
+                    </p:cTn>
+                  </p:par>
+                  <p:par>
+                    <p:cTn id="9" fill="hold">
+                      <p:stCondLst>
+                        <p:cond delay="indefinite"/>
+                      </p:stCondLst>
+                      <p:childTnLst>
+                        <p:par>
+                          <p:cTn id="10" fill="hold">
+                            <p:stCondLst>
+                              <p:cond delay="0"/>
+                            </p:stCondLst>
+                            <p:childTnLst>
+                              <p:par>
+                                <p:cTn id="11" presetID="1" presetClass="entr" presetSubtype="0" fill="hold" grpId="0" nodeType="clickEffect">
+                                  <p:stCondLst>
+                                    <p:cond delay="0"/>
+                                  </p:stCondLst>
+                                  <p:childTnLst>
+                                    <p:set>
+                                      <p:cBhvr>
+                                        <p:cTn id="12" dur="1" fill="hold">
+                                          <p:stCondLst>
+                                            <p:cond delay="0"/>
+                                          </p:stCondLst>
+                                        </p:cTn>
+                                        <p:tgtEl>
+                                          <p:spTgt spid="3">
+                                            <p:txEl>
+                                              <p:pRg st="2" end="2"/>
+                                            </p:txEl>
+                                          </p:spTgt>
+                                        </p:tgtEl>
+                                        <p:attrNameLst>
+                                          <p:attrName>style.visibility</p:attrName>
+                                        </p:attrNameLst>
+                                      </p:cBhvr>
+                                      <p:to>
+                                        <p:strVal val="visible"/>
+                                      </p:to>
+                                    </p:set>
+                                  </p:childTnLst>
+                                </p:cTn>
+                              </p:par>
+                            </p:childTnLst>
+                          </p:cTn>
+                        </p:par>
+                      </p:childTnLst>
+                    </p:cTn>
+                  </p:par>
+                  <p:par>
+                    <p:cTn id="13" fill="hold">
+                      <p:stCondLst>
+                        <p:cond delay="indefinite"/>
+                      </p:stCondLst>
+                      <p:childTnLst>
+                        <p:par>
+                          <p:cTn id="14" fill="hold">
+                            <p:stCondLst>
+                              <p:cond delay="0"/>
+                            </p:stCondLst>
+                            <p:childTnLst>
+                              <p:par>
+                                <p:cTn id="15" presetID="1" presetClass="entr" presetSubtype="0" fill="hold" grpId="0" nodeType="clickEffect">
+                                  <p:stCondLst>
+                                    <p:cond delay="0"/>
+                                  </p:stCondLst>
+                                  <p:childTnLst>
+                                    <p:set>
+                                      <p:cBhvr>
+                                        <p:cTn id="16" dur="1" fill="hold">
+                                          <p:stCondLst>
+                                            <p:cond delay="0"/>
+                                          </p:stCondLst>
+                                        </p:cTn>
+                                        <p:tgtEl>
+                                          <p:spTgt spid="3">
+                                            <p:txEl>
+                                              <p:pRg st="3" end="3"/>
+                                            </p:txEl>
+                                          </p:spTgt>
+                                        </p:tgtEl>
+                                        <p:attrNameLst>
+                                          <p:attrName>style.visibility</p:attrName>
+                                        </p:attrNameLst>
+                                      </p:cBhvr>
+                                      <p:to>
+                                        <p:strVal val="visible"/>
+                                      </p:to>
+                                    </p:set>
+                                  </p:childTnLst>
+                                </p:cTn>
+                              </p:par>
+                              <p:par>
+                                <p:cTn id="17" presetID="1" presetClass="entr" presetSubtype="0" fill="hold" grpId="0" nodeType="withEffect">
+                                  <p:stCondLst>
+                                    <p:cond delay="0"/>
+                                  </p:stCondLst>
+                                  <p:childTnLst>
+                                    <p:set>
+                                      <p:cBhvr>
+                                        <p:cTn id="18" dur="1" fill="hold">
+                                          <p:stCondLst>
+                                            <p:cond delay="0"/>
+                                          </p:stCondLst>
+                                        </p:cTn>
+                                        <p:tgtEl>
+                                          <p:spTgt spid="6"/>
+                                        </p:tgtEl>
+                                        <p:attrNameLst>
+                                          <p:attrName>style.visibility</p:attrName>
+                                        </p:attrNameLst>
+                                      </p:cBhvr>
+                                      <p:to>
+                                        <p:strVal val="visible"/>
+                                      </p:to>
+                                    </p:set>
+                                  </p:childTnLst>
+                                </p:cTn>
+                              </p:par>
+                            </p:childTnLst>
+                          </p:cTn>
+                        </p:par>
+                      </p:childTnLst>
+                    </p:cTn>
+                  </p:par>
+                </p:childTnLst>
+              </p:cTn>
+              <p:prevCondLst>
+                <p:cond evt="onPrev" delay="0">
+                  <p:tgtEl>
+                    <p:sldTgt/>
+                  </p:tgtEl>
+                </p:cond>
+              </p:prevCondLst>
+              <p:nextCondLst>
+                <p:cond evt="onNext" delay="0">
+                  <p:tgtEl>
+                    <p:sldTgt/>
+                  </p:tgtEl>
+                </p:cond>
+              </p:nextCondLst>
+            </p:seq>
+          </p:childTnLst>
+        </p:cTn>
+      </p:par>
+    </p:tnLst>
+    <p:bldLst>
+      <p:bldP spid="3" grpId="0" uiExpand="1" build="p"/>
+      <p:bldP spid="5" grpId="0" animBg="1"/>
+      <p:bldP spid="6" grpId="0" animBg="1"/>
+    </p:bldLst>
+  </p:timing>
+</p:sld>
+</file>
+
+<file path=ppt/slides/slide52.xml><?xml version="1.0" encoding="utf-8"?>
+<p:sld xmlns:a="http://schemas.openxmlformats.org/drawingml/2006/main" xmlns:r="http://schemas.openxmlformats.org/officeDocument/2006/relationships" xmlns:p="http://schemas.openxmlformats.org/presentationml/2006/main">
+  <p:cSld>
+    <p:spTree>
+      <p:nvGrpSpPr>
+        <p:cNvPr id="1" name=""/>
+        <p:cNvGrpSpPr/>
+        <p:nvPr/>
+      </p:nvGrpSpPr>
+      <p:grpSpPr>
+        <a:xfrm>
+          <a:off x="0" y="0"/>
+          <a:ext cx="0" cy="0"/>
+          <a:chOff x="0" y="0"/>
+          <a:chExt cx="0" cy="0"/>
+        </a:xfrm>
+      </p:grpSpPr>
+      <p:sp>
+        <p:nvSpPr>
+          <p:cNvPr id="2" name="Title 1"/>
+          <p:cNvSpPr>
+            <a:spLocks noGrp="1"/>
+          </p:cNvSpPr>
+          <p:nvPr>
+            <p:ph type="title"/>
+          </p:nvPr>
+        </p:nvSpPr>
+        <p:spPr/>
+        <p:txBody>
+          <a:bodyPr/>
+          <a:lstStyle/>
+          <a:p>
+            <a:r>
+              <a:rPr lang="en-US" dirty="0"/>
+              <a:t>Example</a:t>
+            </a:r>
+          </a:p>
+        </p:txBody>
+      </p:sp>
+      <p:sp>
+        <p:nvSpPr>
+          <p:cNvPr id="3" name="Content Placeholder 2"/>
+          <p:cNvSpPr>
+            <a:spLocks noGrp="1"/>
+          </p:cNvSpPr>
+          <p:nvPr>
+            <p:ph idx="1"/>
+          </p:nvPr>
+        </p:nvSpPr>
+        <p:spPr/>
+        <p:txBody>
+          <a:bodyPr/>
+          <a:lstStyle/>
+          <a:p>
+            <a:r>
+              <a:rPr lang="en-US" dirty="0"/>
+              <a:t>Code illustrating cache hierarchy</a:t>
+            </a:r>
+          </a:p>
+        </p:txBody>
+      </p:sp>
+      <p:sp>
+        <p:nvSpPr>
+          <p:cNvPr id="4" name="Slide Number Placeholder 3"/>
+          <p:cNvSpPr>
+            <a:spLocks noGrp="1"/>
+          </p:cNvSpPr>
+          <p:nvPr>
+            <p:ph type="sldNum" sz="quarter" idx="12"/>
+          </p:nvPr>
+        </p:nvSpPr>
+        <p:spPr/>
+        <p:txBody>
+          <a:bodyPr/>
+          <a:lstStyle/>
+          <a:p>
+            <a:fld id="{6597116C-F94B-4B5B-973A-17F07FB5C418}" type="slidenum">
+              <a:rPr lang="nl-BE" smtClean="0"/>
+              <a:t>52</a:t>
             </a:fld>
             <a:endParaRPr lang="nl-BE"/>
           </a:p>
@@ -47044,7 +46776,7 @@
 </p:sld>
 </file>
 
-<file path=ppt/slides/slide52.xml><?xml version="1.0" encoding="utf-8"?>
+<file path=ppt/slides/slide53.xml><?xml version="1.0" encoding="utf-8"?>
 <p:sld xmlns:a="http://schemas.openxmlformats.org/drawingml/2006/main" xmlns:r="http://schemas.openxmlformats.org/officeDocument/2006/relationships" xmlns:p="http://schemas.openxmlformats.org/presentationml/2006/main">
   <p:cSld>
     <p:spTree>
@@ -47120,7 +46852,7 @@
           <a:p>
             <a:fld id="{6597116C-F94B-4B5B-973A-17F07FB5C418}" type="slidenum">
               <a:rPr lang="nl-BE" smtClean="0"/>
-              <a:t>52</a:t>
+              <a:t>53</a:t>
             </a:fld>
             <a:endParaRPr lang="nl-BE"/>
           </a:p>
@@ -47139,7 +46871,7 @@
 </p:sld>
 </file>
 
-<file path=ppt/slides/slide53.xml><?xml version="1.0" encoding="utf-8"?>
+<file path=ppt/slides/slide54.xml><?xml version="1.0" encoding="utf-8"?>
 <p:sld xmlns:a="http://schemas.openxmlformats.org/drawingml/2006/main" xmlns:r="http://schemas.openxmlformats.org/officeDocument/2006/relationships" xmlns:p="http://schemas.openxmlformats.org/presentationml/2006/main">
   <p:cSld>
     <p:spTree>
@@ -47313,7 +47045,7 @@
           <a:p>
             <a:fld id="{6597116C-F94B-4B5B-973A-17F07FB5C418}" type="slidenum">
               <a:rPr lang="nl-BE" smtClean="0"/>
-              <a:t>53</a:t>
+              <a:t>54</a:t>
             </a:fld>
             <a:endParaRPr lang="nl-BE"/>
           </a:p>
@@ -47323,101 +47055,6 @@
     <p:extLst>
       <p:ext uri="{BB962C8B-B14F-4D97-AF65-F5344CB8AC3E}">
         <p14:creationId xmlns:p14="http://schemas.microsoft.com/office/powerpoint/2010/main" val="2653023660"/>
-      </p:ext>
-    </p:extLst>
-  </p:cSld>
-  <p:clrMapOvr>
-    <a:masterClrMapping/>
-  </p:clrMapOvr>
-</p:sld>
-</file>
-
-<file path=ppt/slides/slide54.xml><?xml version="1.0" encoding="utf-8"?>
-<p:sld xmlns:a="http://schemas.openxmlformats.org/drawingml/2006/main" xmlns:r="http://schemas.openxmlformats.org/officeDocument/2006/relationships" xmlns:p="http://schemas.openxmlformats.org/presentationml/2006/main">
-  <p:cSld>
-    <p:spTree>
-      <p:nvGrpSpPr>
-        <p:cNvPr id="1" name=""/>
-        <p:cNvGrpSpPr/>
-        <p:nvPr/>
-      </p:nvGrpSpPr>
-      <p:grpSpPr>
-        <a:xfrm>
-          <a:off x="0" y="0"/>
-          <a:ext cx="0" cy="0"/>
-          <a:chOff x="0" y="0"/>
-          <a:chExt cx="0" cy="0"/>
-        </a:xfrm>
-      </p:grpSpPr>
-      <p:sp>
-        <p:nvSpPr>
-          <p:cNvPr id="2" name="Title 1"/>
-          <p:cNvSpPr>
-            <a:spLocks noGrp="1"/>
-          </p:cNvSpPr>
-          <p:nvPr>
-            <p:ph type="title"/>
-          </p:nvPr>
-        </p:nvSpPr>
-        <p:spPr/>
-        <p:txBody>
-          <a:bodyPr/>
-          <a:lstStyle/>
-          <a:p>
-            <a:r>
-              <a:rPr lang="en-US" dirty="0"/>
-              <a:t>Appendix</a:t>
-            </a:r>
-            <a:endParaRPr lang="nl-BE" dirty="0"/>
-          </a:p>
-        </p:txBody>
-      </p:sp>
-      <p:sp>
-        <p:nvSpPr>
-          <p:cNvPr id="3" name="Text Placeholder 2"/>
-          <p:cNvSpPr>
-            <a:spLocks noGrp="1"/>
-          </p:cNvSpPr>
-          <p:nvPr>
-            <p:ph type="body" idx="1"/>
-          </p:nvPr>
-        </p:nvSpPr>
-        <p:spPr/>
-        <p:txBody>
-          <a:bodyPr/>
-          <a:lstStyle/>
-          <a:p>
-            <a:endParaRPr lang="nl-BE"/>
-          </a:p>
-        </p:txBody>
-      </p:sp>
-      <p:sp>
-        <p:nvSpPr>
-          <p:cNvPr id="4" name="Slide Number Placeholder 3"/>
-          <p:cNvSpPr>
-            <a:spLocks noGrp="1"/>
-          </p:cNvSpPr>
-          <p:nvPr>
-            <p:ph type="sldNum" sz="quarter" idx="12"/>
-          </p:nvPr>
-        </p:nvSpPr>
-        <p:spPr/>
-        <p:txBody>
-          <a:bodyPr/>
-          <a:lstStyle/>
-          <a:p>
-            <a:fld id="{6597116C-F94B-4B5B-973A-17F07FB5C418}" type="slidenum">
-              <a:rPr lang="nl-BE" smtClean="0"/>
-              <a:t>54</a:t>
-            </a:fld>
-            <a:endParaRPr lang="nl-BE"/>
-          </a:p>
-        </p:txBody>
-      </p:sp>
-    </p:spTree>
-    <p:extLst>
-      <p:ext uri="{BB962C8B-B14F-4D97-AF65-F5344CB8AC3E}">
-        <p14:creationId xmlns:p14="http://schemas.microsoft.com/office/powerpoint/2010/main" val="3118825235"/>
       </p:ext>
     </p:extLst>
   </p:cSld>
@@ -47461,6 +47098,101 @@
           <a:p>
             <a:r>
               <a:rPr lang="en-US" dirty="0"/>
+              <a:t>Appendix</a:t>
+            </a:r>
+            <a:endParaRPr lang="nl-BE" dirty="0"/>
+          </a:p>
+        </p:txBody>
+      </p:sp>
+      <p:sp>
+        <p:nvSpPr>
+          <p:cNvPr id="3" name="Text Placeholder 2"/>
+          <p:cNvSpPr>
+            <a:spLocks noGrp="1"/>
+          </p:cNvSpPr>
+          <p:nvPr>
+            <p:ph type="body" idx="1"/>
+          </p:nvPr>
+        </p:nvSpPr>
+        <p:spPr/>
+        <p:txBody>
+          <a:bodyPr/>
+          <a:lstStyle/>
+          <a:p>
+            <a:endParaRPr lang="nl-BE"/>
+          </a:p>
+        </p:txBody>
+      </p:sp>
+      <p:sp>
+        <p:nvSpPr>
+          <p:cNvPr id="4" name="Slide Number Placeholder 3"/>
+          <p:cNvSpPr>
+            <a:spLocks noGrp="1"/>
+          </p:cNvSpPr>
+          <p:nvPr>
+            <p:ph type="sldNum" sz="quarter" idx="12"/>
+          </p:nvPr>
+        </p:nvSpPr>
+        <p:spPr/>
+        <p:txBody>
+          <a:bodyPr/>
+          <a:lstStyle/>
+          <a:p>
+            <a:fld id="{6597116C-F94B-4B5B-973A-17F07FB5C418}" type="slidenum">
+              <a:rPr lang="nl-BE" smtClean="0"/>
+              <a:t>55</a:t>
+            </a:fld>
+            <a:endParaRPr lang="nl-BE"/>
+          </a:p>
+        </p:txBody>
+      </p:sp>
+    </p:spTree>
+    <p:extLst>
+      <p:ext uri="{BB962C8B-B14F-4D97-AF65-F5344CB8AC3E}">
+        <p14:creationId xmlns:p14="http://schemas.microsoft.com/office/powerpoint/2010/main" val="3118825235"/>
+      </p:ext>
+    </p:extLst>
+  </p:cSld>
+  <p:clrMapOvr>
+    <a:masterClrMapping/>
+  </p:clrMapOvr>
+</p:sld>
+</file>
+
+<file path=ppt/slides/slide56.xml><?xml version="1.0" encoding="utf-8"?>
+<p:sld xmlns:a="http://schemas.openxmlformats.org/drawingml/2006/main" xmlns:r="http://schemas.openxmlformats.org/officeDocument/2006/relationships" xmlns:p="http://schemas.openxmlformats.org/presentationml/2006/main">
+  <p:cSld>
+    <p:spTree>
+      <p:nvGrpSpPr>
+        <p:cNvPr id="1" name=""/>
+        <p:cNvGrpSpPr/>
+        <p:nvPr/>
+      </p:nvGrpSpPr>
+      <p:grpSpPr>
+        <a:xfrm>
+          <a:off x="0" y="0"/>
+          <a:ext cx="0" cy="0"/>
+          <a:chOff x="0" y="0"/>
+          <a:chExt cx="0" cy="0"/>
+        </a:xfrm>
+      </p:grpSpPr>
+      <p:sp>
+        <p:nvSpPr>
+          <p:cNvPr id="2" name="Title 1"/>
+          <p:cNvSpPr>
+            <a:spLocks noGrp="1"/>
+          </p:cNvSpPr>
+          <p:nvPr>
+            <p:ph type="title"/>
+          </p:nvPr>
+        </p:nvSpPr>
+        <p:spPr/>
+        <p:txBody>
+          <a:bodyPr/>
+          <a:lstStyle/>
+          <a:p>
+            <a:r>
+              <a:rPr lang="en-US" dirty="0"/>
               <a:t>Tools</a:t>
             </a:r>
           </a:p>
@@ -47611,7 +47343,7 @@
           <a:p>
             <a:fld id="{6597116C-F94B-4B5B-973A-17F07FB5C418}" type="slidenum">
               <a:rPr lang="nl-BE" smtClean="0"/>
-              <a:t>55</a:t>
+              <a:t>56</a:t>
             </a:fld>
             <a:endParaRPr lang="nl-BE"/>
           </a:p>
@@ -48180,7 +47912,7 @@
 </p:sld>
 </file>
 
-<file path=ppt/slides/slide56.xml><?xml version="1.0" encoding="utf-8"?>
+<file path=ppt/slides/slide57.xml><?xml version="1.0" encoding="utf-8"?>
 <p:sld xmlns:a="http://schemas.openxmlformats.org/drawingml/2006/main" xmlns:r="http://schemas.openxmlformats.org/officeDocument/2006/relationships" xmlns:p="http://schemas.openxmlformats.org/presentationml/2006/main">
   <p:cSld>
     <p:spTree>
@@ -49952,7 +49684,7 @@
           <a:p>
             <a:fld id="{6597116C-F94B-4B5B-973A-17F07FB5C418}" type="slidenum">
               <a:rPr lang="nl-BE" smtClean="0"/>
-              <a:t>56</a:t>
+              <a:t>57</a:t>
             </a:fld>
             <a:endParaRPr lang="nl-BE"/>
           </a:p>
@@ -50090,7 +49822,7 @@
 </p:sld>
 </file>
 
-<file path=ppt/slides/slide57.xml><?xml version="1.0" encoding="utf-8"?>
+<file path=ppt/slides/slide58.xml><?xml version="1.0" encoding="utf-8"?>
 <p:sld xmlns:a="http://schemas.openxmlformats.org/drawingml/2006/main" xmlns:r="http://schemas.openxmlformats.org/officeDocument/2006/relationships" xmlns:p="http://schemas.openxmlformats.org/presentationml/2006/main">
   <p:cSld>
     <p:spTree>
@@ -50310,7 +50042,7 @@
           <a:p>
             <a:fld id="{6597116C-F94B-4B5B-973A-17F07FB5C418}" type="slidenum">
               <a:rPr lang="nl-BE" smtClean="0"/>
-              <a:t>57</a:t>
+              <a:t>58</a:t>
             </a:fld>
             <a:endParaRPr lang="nl-BE"/>
           </a:p>
@@ -50404,7 +50136,7 @@
           <a:p>
             <a:r>
               <a:rPr lang="en-US" dirty="0"/>
-              <a:t>Anatomy</a:t>
+              <a:t>Levels of parallelism</a:t>
             </a:r>
           </a:p>
         </p:txBody>
@@ -50422,82 +50154,138 @@
         <p:spPr/>
         <p:txBody>
           <a:bodyPr>
-            <a:normAutofit fontScale="92500" lnSpcReduction="20000"/>
+            <a:normAutofit fontScale="70000" lnSpcReduction="20000"/>
           </a:bodyPr>
           <a:lstStyle/>
           <a:p>
             <a:r>
               <a:rPr lang="en-US" dirty="0"/>
-              <a:t>Applications</a:t>
+              <a:t>Vectorization</a:t>
             </a:r>
           </a:p>
           <a:p>
             <a:pPr lvl="1"/>
             <a:r>
               <a:rPr lang="en-US" dirty="0"/>
-              <a:t>Have one or more processes</a:t>
+              <a:t>libraries (e.g., MKL)</a:t>
             </a:r>
           </a:p>
           <a:p>
             <a:pPr lvl="1"/>
             <a:r>
               <a:rPr lang="en-US" dirty="0"/>
-              <a:t>Run on one or more compute nodes</a:t>
-            </a:r>
-          </a:p>
-          <a:p>
+              <a:t>compiler flags</a:t>
+            </a:r>
+          </a:p>
+          <a:p>
+            <a:pPr lvl="1"/>
             <a:r>
               <a:rPr lang="en-US" dirty="0"/>
-              <a:t>Processes</a:t>
+              <a:t>directives: programmer can/should help</a:t>
+            </a:r>
+          </a:p>
+          <a:p>
+            <a:r>
+              <a:rPr lang="en-US" dirty="0"/>
+              <a:t>Multiple cores</a:t>
             </a:r>
           </a:p>
           <a:p>
             <a:pPr lvl="1"/>
-            <a:r>
-              <a:rPr lang="en-US" dirty="0"/>
-              <a:t>Communicate through message passing (e.g., MPI)</a:t>
-            </a:r>
-          </a:p>
-          <a:p>
-            <a:pPr lvl="1"/>
-            <a:r>
-              <a:rPr lang="en-US" dirty="0"/>
-              <a:t>Have one or more threads</a:t>
-            </a:r>
-          </a:p>
-          <a:p>
-            <a:pPr lvl="1"/>
-            <a:r>
-              <a:rPr lang="en-US" dirty="0"/>
-              <a:t>Run on single compute node, one or more cores</a:t>
-            </a:r>
-          </a:p>
-          <a:p>
-            <a:r>
-              <a:rPr lang="en-US" dirty="0"/>
-              <a:t>Threads</a:t>
-            </a:r>
-          </a:p>
-          <a:p>
-            <a:pPr lvl="1"/>
-            <a:r>
-              <a:rPr lang="en-US" dirty="0"/>
-              <a:t>Communicate through shared memory (e.g., </a:t>
-            </a:r>
             <a:r>
               <a:rPr lang="en-US" dirty="0" err="1"/>
               <a:t>OpenMP</a:t>
             </a:r>
             <a:r>
               <a:rPr lang="en-US" dirty="0"/>
+              <a:t>/</a:t>
+            </a:r>
+            <a:r>
+              <a:rPr lang="en-US" dirty="0" err="1"/>
+              <a:t>pthreads</a:t>
+            </a:r>
+            <a:endParaRPr lang="en-US" dirty="0"/>
+          </a:p>
+          <a:p>
+            <a:pPr lvl="2"/>
+            <a:r>
+              <a:rPr lang="en-US" dirty="0"/>
+              <a:t>libraries (e.g., MKL)</a:t>
+            </a:r>
+          </a:p>
+          <a:p>
+            <a:pPr lvl="2"/>
+            <a:r>
+              <a:rPr lang="en-US" dirty="0"/>
+              <a:t>programmer</a:t>
+            </a:r>
+          </a:p>
+          <a:p>
+            <a:r>
+              <a:rPr lang="en-US" dirty="0"/>
+              <a:t>Multiple nodes, i.e., distributed computing</a:t>
+            </a:r>
+          </a:p>
+          <a:p>
+            <a:pPr lvl="1"/>
+            <a:r>
+              <a:rPr lang="en-US" dirty="0"/>
+              <a:t>MPI/CAF/UPC/Chapel</a:t>
+            </a:r>
+          </a:p>
+          <a:p>
+            <a:pPr lvl="2"/>
+            <a:r>
+              <a:rPr lang="en-US" dirty="0"/>
+              <a:t>programmer</a:t>
+            </a:r>
+          </a:p>
+          <a:p>
+            <a:r>
+              <a:rPr lang="en-US" dirty="0"/>
+              <a:t>GPGPU</a:t>
+            </a:r>
+          </a:p>
+          <a:p>
+            <a:pPr lvl="1"/>
+            <a:r>
+              <a:rPr lang="en-US" dirty="0"/>
+              <a:t>CUDA/</a:t>
+            </a:r>
+            <a:r>
+              <a:rPr lang="en-US" dirty="0" err="1"/>
+              <a:t>OpenACC</a:t>
+            </a:r>
+            <a:r>
+              <a:rPr lang="en-US" dirty="0"/>
+              <a:t>/</a:t>
+            </a:r>
+            <a:r>
+              <a:rPr lang="en-US" dirty="0" err="1"/>
+              <a:t>OpenCL</a:t>
+            </a:r>
+            <a:endParaRPr lang="en-US" dirty="0"/>
+          </a:p>
+          <a:p>
+            <a:pPr lvl="2"/>
+            <a:r>
+              <a:rPr lang="en-US" dirty="0"/>
+              <a:t>libraries (e.g., </a:t>
+            </a:r>
+            <a:r>
+              <a:rPr lang="en-US" dirty="0" err="1"/>
+              <a:t>TensorFlow</a:t>
+            </a:r>
+            <a:r>
+              <a:rPr lang="en-US" dirty="0"/>
               <a:t>)</a:t>
             </a:r>
           </a:p>
           <a:p>
-            <a:pPr lvl="1"/>
+            <a:pPr lvl="2"/>
             <a:r>
               <a:rPr lang="en-US" dirty="0"/>
-              <a:t>Run on single core</a:t>
+              <a:t>programmer</a:t>
             </a:r>
           </a:p>
         </p:txBody>
@@ -50525,16 +50313,721 @@
           </a:p>
         </p:txBody>
       </p:sp>
+      <p:grpSp>
+        <p:nvGrpSpPr>
+          <p:cNvPr id="7" name="Group 6"/>
+          <p:cNvGrpSpPr/>
+          <p:nvPr/>
+        </p:nvGrpSpPr>
+        <p:grpSpPr>
+          <a:xfrm>
+            <a:off x="6300192" y="2924944"/>
+            <a:ext cx="1546199" cy="3096344"/>
+            <a:chOff x="6553200" y="3284984"/>
+            <a:chExt cx="1546199" cy="3096344"/>
+          </a:xfrm>
+        </p:grpSpPr>
+        <p:sp>
+          <p:nvSpPr>
+            <p:cNvPr id="5" name="Right Brace 4"/>
+            <p:cNvSpPr/>
+            <p:nvPr/>
+          </p:nvSpPr>
+          <p:spPr>
+            <a:xfrm>
+              <a:off x="6553200" y="3284984"/>
+              <a:ext cx="216024" cy="3096344"/>
+            </a:xfrm>
+            <a:prstGeom prst="rightBrace">
+              <a:avLst/>
+            </a:prstGeom>
+            <a:ln>
+              <a:solidFill>
+                <a:schemeClr val="tx1"/>
+              </a:solidFill>
+            </a:ln>
+          </p:spPr>
+          <p:style>
+            <a:lnRef idx="1">
+              <a:schemeClr val="accent1"/>
+            </a:lnRef>
+            <a:fillRef idx="0">
+              <a:schemeClr val="accent1"/>
+            </a:fillRef>
+            <a:effectRef idx="0">
+              <a:schemeClr val="accent1"/>
+            </a:effectRef>
+            <a:fontRef idx="minor">
+              <a:schemeClr val="tx1"/>
+            </a:fontRef>
+          </p:style>
+          <p:txBody>
+            <a:bodyPr rtlCol="0" anchor="ctr"/>
+            <a:lstStyle/>
+            <a:p>
+              <a:pPr algn="ctr"/>
+              <a:endParaRPr lang="en-US"/>
+            </a:p>
+          </p:txBody>
+        </p:sp>
+        <p:sp>
+          <p:nvSpPr>
+            <p:cNvPr id="6" name="TextBox 5"/>
+            <p:cNvSpPr txBox="1"/>
+            <p:nvPr/>
+          </p:nvSpPr>
+          <p:spPr>
+            <a:xfrm>
+              <a:off x="6985248" y="4571546"/>
+              <a:ext cx="1114151" cy="523220"/>
+            </a:xfrm>
+            <a:prstGeom prst="rect">
+              <a:avLst/>
+            </a:prstGeom>
+            <a:noFill/>
+          </p:spPr>
+          <p:txBody>
+            <a:bodyPr wrap="none" rtlCol="0">
+              <a:spAutoFit/>
+            </a:bodyPr>
+            <a:lstStyle/>
+            <a:p>
+              <a:r>
+                <a:rPr lang="en-US" sz="2800" dirty="0"/>
+                <a:t>hybrid</a:t>
+              </a:r>
+            </a:p>
+          </p:txBody>
+        </p:sp>
+      </p:grpSp>
     </p:spTree>
     <p:extLst>
       <p:ext uri="{BB962C8B-B14F-4D97-AF65-F5344CB8AC3E}">
-        <p14:creationId xmlns:p14="http://schemas.microsoft.com/office/powerpoint/2010/main" val="2025456779"/>
+        <p14:creationId xmlns:p14="http://schemas.microsoft.com/office/powerpoint/2010/main" val="1592559374"/>
       </p:ext>
     </p:extLst>
   </p:cSld>
   <p:clrMapOvr>
     <a:masterClrMapping/>
   </p:clrMapOvr>
+  <p:timing>
+    <p:tnLst>
+      <p:par>
+        <p:cTn id="1" dur="indefinite" restart="never" nodeType="tmRoot">
+          <p:childTnLst>
+            <p:seq concurrent="1" nextAc="seek">
+              <p:cTn id="2" dur="indefinite" nodeType="mainSeq">
+                <p:childTnLst>
+                  <p:par>
+                    <p:cTn id="3" fill="hold">
+                      <p:stCondLst>
+                        <p:cond delay="indefinite"/>
+                        <p:cond evt="onBegin" delay="0">
+                          <p:tn val="2"/>
+                        </p:cond>
+                      </p:stCondLst>
+                      <p:childTnLst>
+                        <p:par>
+                          <p:cTn id="4" fill="hold">
+                            <p:stCondLst>
+                              <p:cond delay="0"/>
+                            </p:stCondLst>
+                            <p:childTnLst>
+                              <p:par>
+                                <p:cTn id="5" presetID="1" presetClass="entr" presetSubtype="0" fill="hold" grpId="0" nodeType="withEffect">
+                                  <p:stCondLst>
+                                    <p:cond delay="0"/>
+                                  </p:stCondLst>
+                                  <p:childTnLst>
+                                    <p:set>
+                                      <p:cBhvr>
+                                        <p:cTn id="6" dur="1" fill="hold">
+                                          <p:stCondLst>
+                                            <p:cond delay="0"/>
+                                          </p:stCondLst>
+                                        </p:cTn>
+                                        <p:tgtEl>
+                                          <p:spTgt spid="3">
+                                            <p:txEl>
+                                              <p:pRg st="0" end="0"/>
+                                            </p:txEl>
+                                          </p:spTgt>
+                                        </p:tgtEl>
+                                        <p:attrNameLst>
+                                          <p:attrName>style.visibility</p:attrName>
+                                        </p:attrNameLst>
+                                      </p:cBhvr>
+                                      <p:to>
+                                        <p:strVal val="visible"/>
+                                      </p:to>
+                                    </p:set>
+                                  </p:childTnLst>
+                                </p:cTn>
+                              </p:par>
+                              <p:par>
+                                <p:cTn id="7" presetID="1" presetClass="entr" presetSubtype="0" fill="hold" grpId="0" nodeType="withEffect">
+                                  <p:stCondLst>
+                                    <p:cond delay="0"/>
+                                  </p:stCondLst>
+                                  <p:childTnLst>
+                                    <p:set>
+                                      <p:cBhvr>
+                                        <p:cTn id="8" dur="1" fill="hold">
+                                          <p:stCondLst>
+                                            <p:cond delay="0"/>
+                                          </p:stCondLst>
+                                        </p:cTn>
+                                        <p:tgtEl>
+                                          <p:spTgt spid="3">
+                                            <p:txEl>
+                                              <p:pRg st="1" end="1"/>
+                                            </p:txEl>
+                                          </p:spTgt>
+                                        </p:tgtEl>
+                                        <p:attrNameLst>
+                                          <p:attrName>style.visibility</p:attrName>
+                                        </p:attrNameLst>
+                                      </p:cBhvr>
+                                      <p:to>
+                                        <p:strVal val="visible"/>
+                                      </p:to>
+                                    </p:set>
+                                  </p:childTnLst>
+                                </p:cTn>
+                              </p:par>
+                              <p:par>
+                                <p:cTn id="9" presetID="1" presetClass="entr" presetSubtype="0" fill="hold" grpId="0" nodeType="withEffect">
+                                  <p:stCondLst>
+                                    <p:cond delay="0"/>
+                                  </p:stCondLst>
+                                  <p:childTnLst>
+                                    <p:set>
+                                      <p:cBhvr>
+                                        <p:cTn id="10" dur="1" fill="hold">
+                                          <p:stCondLst>
+                                            <p:cond delay="0"/>
+                                          </p:stCondLst>
+                                        </p:cTn>
+                                        <p:tgtEl>
+                                          <p:spTgt spid="3">
+                                            <p:txEl>
+                                              <p:pRg st="2" end="2"/>
+                                            </p:txEl>
+                                          </p:spTgt>
+                                        </p:tgtEl>
+                                        <p:attrNameLst>
+                                          <p:attrName>style.visibility</p:attrName>
+                                        </p:attrNameLst>
+                                      </p:cBhvr>
+                                      <p:to>
+                                        <p:strVal val="visible"/>
+                                      </p:to>
+                                    </p:set>
+                                  </p:childTnLst>
+                                </p:cTn>
+                              </p:par>
+                              <p:par>
+                                <p:cTn id="11" presetID="1" presetClass="entr" presetSubtype="0" fill="hold" grpId="0" nodeType="withEffect">
+                                  <p:stCondLst>
+                                    <p:cond delay="0"/>
+                                  </p:stCondLst>
+                                  <p:childTnLst>
+                                    <p:set>
+                                      <p:cBhvr>
+                                        <p:cTn id="12" dur="1" fill="hold">
+                                          <p:stCondLst>
+                                            <p:cond delay="0"/>
+                                          </p:stCondLst>
+                                        </p:cTn>
+                                        <p:tgtEl>
+                                          <p:spTgt spid="3">
+                                            <p:txEl>
+                                              <p:pRg st="3" end="3"/>
+                                            </p:txEl>
+                                          </p:spTgt>
+                                        </p:tgtEl>
+                                        <p:attrNameLst>
+                                          <p:attrName>style.visibility</p:attrName>
+                                        </p:attrNameLst>
+                                      </p:cBhvr>
+                                      <p:to>
+                                        <p:strVal val="visible"/>
+                                      </p:to>
+                                    </p:set>
+                                  </p:childTnLst>
+                                </p:cTn>
+                              </p:par>
+                            </p:childTnLst>
+                          </p:cTn>
+                        </p:par>
+                      </p:childTnLst>
+                    </p:cTn>
+                  </p:par>
+                  <p:par>
+                    <p:cTn id="13" fill="hold">
+                      <p:stCondLst>
+                        <p:cond delay="indefinite"/>
+                      </p:stCondLst>
+                      <p:childTnLst>
+                        <p:par>
+                          <p:cTn id="14" fill="hold">
+                            <p:stCondLst>
+                              <p:cond delay="0"/>
+                            </p:stCondLst>
+                            <p:childTnLst>
+                              <p:par>
+                                <p:cTn id="15" presetID="1" presetClass="entr" presetSubtype="0" fill="hold" grpId="0" nodeType="clickEffect">
+                                  <p:stCondLst>
+                                    <p:cond delay="0"/>
+                                  </p:stCondLst>
+                                  <p:childTnLst>
+                                    <p:set>
+                                      <p:cBhvr>
+                                        <p:cTn id="16" dur="1" fill="hold">
+                                          <p:stCondLst>
+                                            <p:cond delay="0"/>
+                                          </p:stCondLst>
+                                        </p:cTn>
+                                        <p:tgtEl>
+                                          <p:spTgt spid="3">
+                                            <p:txEl>
+                                              <p:pRg st="4" end="4"/>
+                                            </p:txEl>
+                                          </p:spTgt>
+                                        </p:tgtEl>
+                                        <p:attrNameLst>
+                                          <p:attrName>style.visibility</p:attrName>
+                                        </p:attrNameLst>
+                                      </p:cBhvr>
+                                      <p:to>
+                                        <p:strVal val="visible"/>
+                                      </p:to>
+                                    </p:set>
+                                  </p:childTnLst>
+                                </p:cTn>
+                              </p:par>
+                              <p:par>
+                                <p:cTn id="17" presetID="1" presetClass="entr" presetSubtype="0" fill="hold" grpId="0" nodeType="withEffect">
+                                  <p:stCondLst>
+                                    <p:cond delay="0"/>
+                                  </p:stCondLst>
+                                  <p:childTnLst>
+                                    <p:set>
+                                      <p:cBhvr>
+                                        <p:cTn id="18" dur="1" fill="hold">
+                                          <p:stCondLst>
+                                            <p:cond delay="0"/>
+                                          </p:stCondLst>
+                                        </p:cTn>
+                                        <p:tgtEl>
+                                          <p:spTgt spid="3">
+                                            <p:txEl>
+                                              <p:pRg st="5" end="5"/>
+                                            </p:txEl>
+                                          </p:spTgt>
+                                        </p:tgtEl>
+                                        <p:attrNameLst>
+                                          <p:attrName>style.visibility</p:attrName>
+                                        </p:attrNameLst>
+                                      </p:cBhvr>
+                                      <p:to>
+                                        <p:strVal val="visible"/>
+                                      </p:to>
+                                    </p:set>
+                                  </p:childTnLst>
+                                </p:cTn>
+                              </p:par>
+                              <p:par>
+                                <p:cTn id="19" presetID="1" presetClass="entr" presetSubtype="0" fill="hold" grpId="0" nodeType="withEffect">
+                                  <p:stCondLst>
+                                    <p:cond delay="0"/>
+                                  </p:stCondLst>
+                                  <p:childTnLst>
+                                    <p:set>
+                                      <p:cBhvr>
+                                        <p:cTn id="20" dur="1" fill="hold">
+                                          <p:stCondLst>
+                                            <p:cond delay="0"/>
+                                          </p:stCondLst>
+                                        </p:cTn>
+                                        <p:tgtEl>
+                                          <p:spTgt spid="3">
+                                            <p:txEl>
+                                              <p:pRg st="6" end="6"/>
+                                            </p:txEl>
+                                          </p:spTgt>
+                                        </p:tgtEl>
+                                        <p:attrNameLst>
+                                          <p:attrName>style.visibility</p:attrName>
+                                        </p:attrNameLst>
+                                      </p:cBhvr>
+                                      <p:to>
+                                        <p:strVal val="visible"/>
+                                      </p:to>
+                                    </p:set>
+                                  </p:childTnLst>
+                                </p:cTn>
+                              </p:par>
+                              <p:par>
+                                <p:cTn id="21" presetID="1" presetClass="entr" presetSubtype="0" fill="hold" grpId="0" nodeType="withEffect">
+                                  <p:stCondLst>
+                                    <p:cond delay="0"/>
+                                  </p:stCondLst>
+                                  <p:childTnLst>
+                                    <p:set>
+                                      <p:cBhvr>
+                                        <p:cTn id="22" dur="1" fill="hold">
+                                          <p:stCondLst>
+                                            <p:cond delay="0"/>
+                                          </p:stCondLst>
+                                        </p:cTn>
+                                        <p:tgtEl>
+                                          <p:spTgt spid="3">
+                                            <p:txEl>
+                                              <p:pRg st="7" end="7"/>
+                                            </p:txEl>
+                                          </p:spTgt>
+                                        </p:tgtEl>
+                                        <p:attrNameLst>
+                                          <p:attrName>style.visibility</p:attrName>
+                                        </p:attrNameLst>
+                                      </p:cBhvr>
+                                      <p:to>
+                                        <p:strVal val="visible"/>
+                                      </p:to>
+                                    </p:set>
+                                  </p:childTnLst>
+                                </p:cTn>
+                              </p:par>
+                            </p:childTnLst>
+                          </p:cTn>
+                        </p:par>
+                      </p:childTnLst>
+                    </p:cTn>
+                  </p:par>
+                  <p:par>
+                    <p:cTn id="23" fill="hold">
+                      <p:stCondLst>
+                        <p:cond delay="indefinite"/>
+                      </p:stCondLst>
+                      <p:childTnLst>
+                        <p:par>
+                          <p:cTn id="24" fill="hold">
+                            <p:stCondLst>
+                              <p:cond delay="0"/>
+                            </p:stCondLst>
+                            <p:childTnLst>
+                              <p:par>
+                                <p:cTn id="25" presetID="1" presetClass="entr" presetSubtype="0" fill="hold" grpId="0" nodeType="clickEffect">
+                                  <p:stCondLst>
+                                    <p:cond delay="0"/>
+                                  </p:stCondLst>
+                                  <p:childTnLst>
+                                    <p:set>
+                                      <p:cBhvr>
+                                        <p:cTn id="26" dur="1" fill="hold">
+                                          <p:stCondLst>
+                                            <p:cond delay="0"/>
+                                          </p:stCondLst>
+                                        </p:cTn>
+                                        <p:tgtEl>
+                                          <p:spTgt spid="3">
+                                            <p:txEl>
+                                              <p:pRg st="8" end="8"/>
+                                            </p:txEl>
+                                          </p:spTgt>
+                                        </p:tgtEl>
+                                        <p:attrNameLst>
+                                          <p:attrName>style.visibility</p:attrName>
+                                        </p:attrNameLst>
+                                      </p:cBhvr>
+                                      <p:to>
+                                        <p:strVal val="visible"/>
+                                      </p:to>
+                                    </p:set>
+                                  </p:childTnLst>
+                                </p:cTn>
+                              </p:par>
+                              <p:par>
+                                <p:cTn id="27" presetID="1" presetClass="entr" presetSubtype="0" fill="hold" grpId="0" nodeType="withEffect">
+                                  <p:stCondLst>
+                                    <p:cond delay="0"/>
+                                  </p:stCondLst>
+                                  <p:childTnLst>
+                                    <p:set>
+                                      <p:cBhvr>
+                                        <p:cTn id="28" dur="1" fill="hold">
+                                          <p:stCondLst>
+                                            <p:cond delay="0"/>
+                                          </p:stCondLst>
+                                        </p:cTn>
+                                        <p:tgtEl>
+                                          <p:spTgt spid="3">
+                                            <p:txEl>
+                                              <p:pRg st="9" end="9"/>
+                                            </p:txEl>
+                                          </p:spTgt>
+                                        </p:tgtEl>
+                                        <p:attrNameLst>
+                                          <p:attrName>style.visibility</p:attrName>
+                                        </p:attrNameLst>
+                                      </p:cBhvr>
+                                      <p:to>
+                                        <p:strVal val="visible"/>
+                                      </p:to>
+                                    </p:set>
+                                  </p:childTnLst>
+                                </p:cTn>
+                              </p:par>
+                              <p:par>
+                                <p:cTn id="29" presetID="1" presetClass="entr" presetSubtype="0" fill="hold" grpId="0" nodeType="withEffect">
+                                  <p:stCondLst>
+                                    <p:cond delay="0"/>
+                                  </p:stCondLst>
+                                  <p:childTnLst>
+                                    <p:set>
+                                      <p:cBhvr>
+                                        <p:cTn id="30" dur="1" fill="hold">
+                                          <p:stCondLst>
+                                            <p:cond delay="0"/>
+                                          </p:stCondLst>
+                                        </p:cTn>
+                                        <p:tgtEl>
+                                          <p:spTgt spid="3">
+                                            <p:txEl>
+                                              <p:pRg st="10" end="10"/>
+                                            </p:txEl>
+                                          </p:spTgt>
+                                        </p:tgtEl>
+                                        <p:attrNameLst>
+                                          <p:attrName>style.visibility</p:attrName>
+                                        </p:attrNameLst>
+                                      </p:cBhvr>
+                                      <p:to>
+                                        <p:strVal val="visible"/>
+                                      </p:to>
+                                    </p:set>
+                                  </p:childTnLst>
+                                </p:cTn>
+                              </p:par>
+                            </p:childTnLst>
+                          </p:cTn>
+                        </p:par>
+                      </p:childTnLst>
+                    </p:cTn>
+                  </p:par>
+                  <p:par>
+                    <p:cTn id="31" fill="hold">
+                      <p:stCondLst>
+                        <p:cond delay="indefinite"/>
+                      </p:stCondLst>
+                      <p:childTnLst>
+                        <p:par>
+                          <p:cTn id="32" fill="hold">
+                            <p:stCondLst>
+                              <p:cond delay="0"/>
+                            </p:stCondLst>
+                            <p:childTnLst>
+                              <p:par>
+                                <p:cTn id="33" presetID="1" presetClass="entr" presetSubtype="0" fill="hold" grpId="0" nodeType="clickEffect">
+                                  <p:stCondLst>
+                                    <p:cond delay="0"/>
+                                  </p:stCondLst>
+                                  <p:childTnLst>
+                                    <p:set>
+                                      <p:cBhvr>
+                                        <p:cTn id="34" dur="1" fill="hold">
+                                          <p:stCondLst>
+                                            <p:cond delay="0"/>
+                                          </p:stCondLst>
+                                        </p:cTn>
+                                        <p:tgtEl>
+                                          <p:spTgt spid="3">
+                                            <p:txEl>
+                                              <p:pRg st="11" end="11"/>
+                                            </p:txEl>
+                                          </p:spTgt>
+                                        </p:tgtEl>
+                                        <p:attrNameLst>
+                                          <p:attrName>style.visibility</p:attrName>
+                                        </p:attrNameLst>
+                                      </p:cBhvr>
+                                      <p:to>
+                                        <p:strVal val="visible"/>
+                                      </p:to>
+                                    </p:set>
+                                  </p:childTnLst>
+                                </p:cTn>
+                              </p:par>
+                              <p:par>
+                                <p:cTn id="35" presetID="1" presetClass="entr" presetSubtype="0" fill="hold" grpId="0" nodeType="withEffect">
+                                  <p:stCondLst>
+                                    <p:cond delay="0"/>
+                                  </p:stCondLst>
+                                  <p:childTnLst>
+                                    <p:set>
+                                      <p:cBhvr>
+                                        <p:cTn id="36" dur="1" fill="hold">
+                                          <p:stCondLst>
+                                            <p:cond delay="0"/>
+                                          </p:stCondLst>
+                                        </p:cTn>
+                                        <p:tgtEl>
+                                          <p:spTgt spid="3">
+                                            <p:txEl>
+                                              <p:pRg st="12" end="12"/>
+                                            </p:txEl>
+                                          </p:spTgt>
+                                        </p:tgtEl>
+                                        <p:attrNameLst>
+                                          <p:attrName>style.visibility</p:attrName>
+                                        </p:attrNameLst>
+                                      </p:cBhvr>
+                                      <p:to>
+                                        <p:strVal val="visible"/>
+                                      </p:to>
+                                    </p:set>
+                                  </p:childTnLst>
+                                </p:cTn>
+                              </p:par>
+                              <p:par>
+                                <p:cTn id="37" presetID="1" presetClass="entr" presetSubtype="0" fill="hold" grpId="0" nodeType="withEffect">
+                                  <p:stCondLst>
+                                    <p:cond delay="0"/>
+                                  </p:stCondLst>
+                                  <p:childTnLst>
+                                    <p:set>
+                                      <p:cBhvr>
+                                        <p:cTn id="38" dur="1" fill="hold">
+                                          <p:stCondLst>
+                                            <p:cond delay="0"/>
+                                          </p:stCondLst>
+                                        </p:cTn>
+                                        <p:tgtEl>
+                                          <p:spTgt spid="3">
+                                            <p:txEl>
+                                              <p:pRg st="13" end="13"/>
+                                            </p:txEl>
+                                          </p:spTgt>
+                                        </p:tgtEl>
+                                        <p:attrNameLst>
+                                          <p:attrName>style.visibility</p:attrName>
+                                        </p:attrNameLst>
+                                      </p:cBhvr>
+                                      <p:to>
+                                        <p:strVal val="visible"/>
+                                      </p:to>
+                                    </p:set>
+                                  </p:childTnLst>
+                                </p:cTn>
+                              </p:par>
+                              <p:par>
+                                <p:cTn id="39" presetID="1" presetClass="entr" presetSubtype="0" fill="hold" grpId="0" nodeType="withEffect">
+                                  <p:stCondLst>
+                                    <p:cond delay="0"/>
+                                  </p:stCondLst>
+                                  <p:childTnLst>
+                                    <p:set>
+                                      <p:cBhvr>
+                                        <p:cTn id="40" dur="1" fill="hold">
+                                          <p:stCondLst>
+                                            <p:cond delay="0"/>
+                                          </p:stCondLst>
+                                        </p:cTn>
+                                        <p:tgtEl>
+                                          <p:spTgt spid="3">
+                                            <p:txEl>
+                                              <p:pRg st="14" end="14"/>
+                                            </p:txEl>
+                                          </p:spTgt>
+                                        </p:tgtEl>
+                                        <p:attrNameLst>
+                                          <p:attrName>style.visibility</p:attrName>
+                                        </p:attrNameLst>
+                                      </p:cBhvr>
+                                      <p:to>
+                                        <p:strVal val="visible"/>
+                                      </p:to>
+                                    </p:set>
+                                  </p:childTnLst>
+                                </p:cTn>
+                              </p:par>
+                            </p:childTnLst>
+                          </p:cTn>
+                        </p:par>
+                      </p:childTnLst>
+                    </p:cTn>
+                  </p:par>
+                  <p:par>
+                    <p:cTn id="41" fill="hold">
+                      <p:stCondLst>
+                        <p:cond delay="indefinite"/>
+                      </p:stCondLst>
+                      <p:childTnLst>
+                        <p:par>
+                          <p:cTn id="42" fill="hold">
+                            <p:stCondLst>
+                              <p:cond delay="0"/>
+                            </p:stCondLst>
+                            <p:childTnLst>
+                              <p:par>
+                                <p:cTn id="43" presetID="1" presetClass="entr" presetSubtype="0" fill="hold" nodeType="clickEffect">
+                                  <p:stCondLst>
+                                    <p:cond delay="0"/>
+                                  </p:stCondLst>
+                                  <p:childTnLst>
+                                    <p:set>
+                                      <p:cBhvr>
+                                        <p:cTn id="44" dur="1" fill="hold">
+                                          <p:stCondLst>
+                                            <p:cond delay="0"/>
+                                          </p:stCondLst>
+                                        </p:cTn>
+                                        <p:tgtEl>
+                                          <p:spTgt spid="7"/>
+                                        </p:tgtEl>
+                                        <p:attrNameLst>
+                                          <p:attrName>style.visibility</p:attrName>
+                                        </p:attrNameLst>
+                                      </p:cBhvr>
+                                      <p:to>
+                                        <p:strVal val="visible"/>
+                                      </p:to>
+                                    </p:set>
+                                  </p:childTnLst>
+                                </p:cTn>
+                              </p:par>
+                            </p:childTnLst>
+                          </p:cTn>
+                        </p:par>
+                      </p:childTnLst>
+                    </p:cTn>
+                  </p:par>
+                </p:childTnLst>
+              </p:cTn>
+              <p:prevCondLst>
+                <p:cond evt="onPrev" delay="0">
+                  <p:tgtEl>
+                    <p:sldTgt/>
+                  </p:tgtEl>
+                </p:cond>
+              </p:prevCondLst>
+              <p:nextCondLst>
+                <p:cond evt="onNext" delay="0">
+                  <p:tgtEl>
+                    <p:sldTgt/>
+                  </p:tgtEl>
+                </p:cond>
+              </p:nextCondLst>
+            </p:seq>
+          </p:childTnLst>
+        </p:cTn>
+      </p:par>
+    </p:tnLst>
+    <p:bldLst>
+      <p:bldP spid="3" grpId="0" uiExpand="1" build="p"/>
+    </p:bldLst>
+  </p:timing>
 </p:sld>
 </file>
 
@@ -50572,27 +51065,101 @@
           <a:p>
             <a:r>
               <a:rPr lang="en-US" dirty="0"/>
-              <a:t>Parallel scaling</a:t>
+              <a:t>Anatomy</a:t>
             </a:r>
           </a:p>
         </p:txBody>
       </p:sp>
       <p:sp>
         <p:nvSpPr>
-          <p:cNvPr id="3" name="Text Placeholder 2"/>
+          <p:cNvPr id="3" name="Content Placeholder 2"/>
           <p:cNvSpPr>
             <a:spLocks noGrp="1"/>
           </p:cNvSpPr>
           <p:nvPr>
-            <p:ph type="body" idx="1"/>
+            <p:ph idx="1"/>
           </p:nvPr>
         </p:nvSpPr>
         <p:spPr/>
         <p:txBody>
-          <a:bodyPr/>
+          <a:bodyPr>
+            <a:normAutofit fontScale="92500" lnSpcReduction="20000"/>
+          </a:bodyPr>
           <a:lstStyle/>
           <a:p>
-            <a:endParaRPr lang="en-US"/>
+            <a:r>
+              <a:rPr lang="en-US" dirty="0"/>
+              <a:t>Applications</a:t>
+            </a:r>
+          </a:p>
+          <a:p>
+            <a:pPr lvl="1"/>
+            <a:r>
+              <a:rPr lang="en-US" dirty="0"/>
+              <a:t>Have one or more processes</a:t>
+            </a:r>
+          </a:p>
+          <a:p>
+            <a:pPr lvl="1"/>
+            <a:r>
+              <a:rPr lang="en-US" dirty="0"/>
+              <a:t>Run on one or more compute nodes</a:t>
+            </a:r>
+          </a:p>
+          <a:p>
+            <a:r>
+              <a:rPr lang="en-US" dirty="0"/>
+              <a:t>Processes</a:t>
+            </a:r>
+          </a:p>
+          <a:p>
+            <a:pPr lvl="1"/>
+            <a:r>
+              <a:rPr lang="en-US" dirty="0"/>
+              <a:t>Communicate through message passing (e.g., MPI)</a:t>
+            </a:r>
+          </a:p>
+          <a:p>
+            <a:pPr lvl="1"/>
+            <a:r>
+              <a:rPr lang="en-US" dirty="0"/>
+              <a:t>Have one or more threads</a:t>
+            </a:r>
+          </a:p>
+          <a:p>
+            <a:pPr lvl="1"/>
+            <a:r>
+              <a:rPr lang="en-US" dirty="0"/>
+              <a:t>Run on single compute node, one or more cores</a:t>
+            </a:r>
+          </a:p>
+          <a:p>
+            <a:r>
+              <a:rPr lang="en-US" dirty="0"/>
+              <a:t>Threads</a:t>
+            </a:r>
+          </a:p>
+          <a:p>
+            <a:pPr lvl="1"/>
+            <a:r>
+              <a:rPr lang="en-US" dirty="0"/>
+              <a:t>Communicate through shared memory (e.g., </a:t>
+            </a:r>
+            <a:r>
+              <a:rPr lang="en-US" dirty="0" err="1"/>
+              <a:t>OpenMP</a:t>
+            </a:r>
+            <a:r>
+              <a:rPr lang="en-US" dirty="0"/>
+              <a:t>)</a:t>
+            </a:r>
+          </a:p>
+          <a:p>
+            <a:pPr lvl="1"/>
+            <a:r>
+              <a:rPr lang="en-US" dirty="0"/>
+              <a:t>Run on single core</a:t>
+            </a:r>
           </a:p>
         </p:txBody>
       </p:sp>
@@ -50622,7 +51189,7 @@
     </p:spTree>
     <p:extLst>
       <p:ext uri="{BB962C8B-B14F-4D97-AF65-F5344CB8AC3E}">
-        <p14:creationId xmlns:p14="http://schemas.microsoft.com/office/powerpoint/2010/main" val="703705777"/>
+        <p14:creationId xmlns:p14="http://schemas.microsoft.com/office/powerpoint/2010/main" val="2025456779"/>
       </p:ext>
     </p:extLst>
   </p:cSld>
@@ -50666,6 +51233,100 @@
           <a:p>
             <a:r>
               <a:rPr lang="en-US" dirty="0"/>
+              <a:t>Parallel scaling</a:t>
+            </a:r>
+          </a:p>
+        </p:txBody>
+      </p:sp>
+      <p:sp>
+        <p:nvSpPr>
+          <p:cNvPr id="3" name="Text Placeholder 2"/>
+          <p:cNvSpPr>
+            <a:spLocks noGrp="1"/>
+          </p:cNvSpPr>
+          <p:nvPr>
+            <p:ph type="body" idx="1"/>
+          </p:nvPr>
+        </p:nvSpPr>
+        <p:spPr/>
+        <p:txBody>
+          <a:bodyPr/>
+          <a:lstStyle/>
+          <a:p>
+            <a:endParaRPr lang="en-US"/>
+          </a:p>
+        </p:txBody>
+      </p:sp>
+      <p:sp>
+        <p:nvSpPr>
+          <p:cNvPr id="4" name="Slide Number Placeholder 3"/>
+          <p:cNvSpPr>
+            <a:spLocks noGrp="1"/>
+          </p:cNvSpPr>
+          <p:nvPr>
+            <p:ph type="sldNum" sz="quarter" idx="12"/>
+          </p:nvPr>
+        </p:nvSpPr>
+        <p:spPr/>
+        <p:txBody>
+          <a:bodyPr/>
+          <a:lstStyle/>
+          <a:p>
+            <a:fld id="{6597116C-F94B-4B5B-973A-17F07FB5C418}" type="slidenum">
+              <a:rPr lang="nl-BE" smtClean="0"/>
+              <a:t>8</a:t>
+            </a:fld>
+            <a:endParaRPr lang="nl-BE"/>
+          </a:p>
+        </p:txBody>
+      </p:sp>
+    </p:spTree>
+    <p:extLst>
+      <p:ext uri="{BB962C8B-B14F-4D97-AF65-F5344CB8AC3E}">
+        <p14:creationId xmlns:p14="http://schemas.microsoft.com/office/powerpoint/2010/main" val="703705777"/>
+      </p:ext>
+    </p:extLst>
+  </p:cSld>
+  <p:clrMapOvr>
+    <a:masterClrMapping/>
+  </p:clrMapOvr>
+</p:sld>
+</file>
+
+<file path=ppt/slides/slide9.xml><?xml version="1.0" encoding="utf-8"?>
+<p:sld xmlns:a="http://schemas.openxmlformats.org/drawingml/2006/main" xmlns:r="http://schemas.openxmlformats.org/officeDocument/2006/relationships" xmlns:p="http://schemas.openxmlformats.org/presentationml/2006/main">
+  <p:cSld>
+    <p:spTree>
+      <p:nvGrpSpPr>
+        <p:cNvPr id="1" name=""/>
+        <p:cNvGrpSpPr/>
+        <p:nvPr/>
+      </p:nvGrpSpPr>
+      <p:grpSpPr>
+        <a:xfrm>
+          <a:off x="0" y="0"/>
+          <a:ext cx="0" cy="0"/>
+          <a:chOff x="0" y="0"/>
+          <a:chExt cx="0" cy="0"/>
+        </a:xfrm>
+      </p:grpSpPr>
+      <p:sp>
+        <p:nvSpPr>
+          <p:cNvPr id="2" name="Title 1"/>
+          <p:cNvSpPr>
+            <a:spLocks noGrp="1"/>
+          </p:cNvSpPr>
+          <p:nvPr>
+            <p:ph type="title"/>
+          </p:nvPr>
+        </p:nvSpPr>
+        <p:spPr/>
+        <p:txBody>
+          <a:bodyPr/>
+          <a:lstStyle/>
+          <a:p>
+            <a:r>
+              <a:rPr lang="en-US" dirty="0"/>
               <a:t>Dimensions for scaling</a:t>
             </a:r>
             <a:endParaRPr lang="nl-BE" dirty="0"/>
@@ -50804,7 +51465,7 @@
           <a:p>
             <a:fld id="{6597116C-F94B-4B5B-973A-17F07FB5C418}" type="slidenum">
               <a:rPr lang="nl-BE" smtClean="0"/>
-              <a:t>8</a:t>
+              <a:t>9</a:t>
             </a:fld>
             <a:endParaRPr lang="nl-BE"/>
           </a:p>
@@ -51011,570 +51672,6 @@
     <p:bldLst>
       <p:bldP spid="3" grpId="0" uiExpand="1" build="p"/>
       <p:bldP spid="4" grpId="0" animBg="1"/>
-    </p:bldLst>
-  </p:timing>
-</p:sld>
-</file>
-
-<file path=ppt/slides/slide9.xml><?xml version="1.0" encoding="utf-8"?>
-<p:sld xmlns:a="http://schemas.openxmlformats.org/drawingml/2006/main" xmlns:r="http://schemas.openxmlformats.org/officeDocument/2006/relationships" xmlns:p="http://schemas.openxmlformats.org/presentationml/2006/main">
-  <p:cSld>
-    <p:spTree>
-      <p:nvGrpSpPr>
-        <p:cNvPr id="1" name=""/>
-        <p:cNvGrpSpPr/>
-        <p:nvPr/>
-      </p:nvGrpSpPr>
-      <p:grpSpPr>
-        <a:xfrm>
-          <a:off x="0" y="0"/>
-          <a:ext cx="0" cy="0"/>
-          <a:chOff x="0" y="0"/>
-          <a:chExt cx="0" cy="0"/>
-        </a:xfrm>
-      </p:grpSpPr>
-      <p:sp>
-        <p:nvSpPr>
-          <p:cNvPr id="2" name="Title 1"/>
-          <p:cNvSpPr>
-            <a:spLocks noGrp="1"/>
-          </p:cNvSpPr>
-          <p:nvPr>
-            <p:ph type="title"/>
-          </p:nvPr>
-        </p:nvSpPr>
-        <p:spPr/>
-        <p:txBody>
-          <a:bodyPr/>
-          <a:lstStyle/>
-          <a:p>
-            <a:r>
-              <a:rPr lang="en-US" dirty="0"/>
-              <a:t>What you hope/expect for…</a:t>
-            </a:r>
-            <a:endParaRPr lang="nl-BE" dirty="0"/>
-          </a:p>
-        </p:txBody>
-      </p:sp>
-      <p:sp>
-        <p:nvSpPr>
-          <p:cNvPr id="3" name="Content Placeholder 2"/>
-          <p:cNvSpPr>
-            <a:spLocks noGrp="1"/>
-          </p:cNvSpPr>
-          <p:nvPr>
-            <p:ph idx="1"/>
-          </p:nvPr>
-        </p:nvSpPr>
-        <p:spPr/>
-        <p:txBody>
-          <a:bodyPr/>
-          <a:lstStyle/>
-          <a:p>
-            <a:r>
-              <a:rPr lang="en-US" dirty="0"/>
-              <a:t>strong scaling</a:t>
-            </a:r>
-          </a:p>
-          <a:p>
-            <a:endParaRPr lang="en-US" dirty="0"/>
-          </a:p>
-          <a:p>
-            <a:endParaRPr lang="en-US" dirty="0"/>
-          </a:p>
-          <a:p>
-            <a:endParaRPr lang="en-US" dirty="0"/>
-          </a:p>
-          <a:p>
-            <a:endParaRPr lang="en-US" dirty="0"/>
-          </a:p>
-          <a:p>
-            <a:r>
-              <a:rPr lang="en-US" dirty="0"/>
-              <a:t>weak scaling</a:t>
-            </a:r>
-            <a:endParaRPr lang="nl-BE" dirty="0"/>
-          </a:p>
-        </p:txBody>
-      </p:sp>
-      <p:grpSp>
-        <p:nvGrpSpPr>
-          <p:cNvPr id="7" name="Group 6"/>
-          <p:cNvGrpSpPr/>
-          <p:nvPr/>
-        </p:nvGrpSpPr>
-        <p:grpSpPr>
-          <a:xfrm>
-            <a:off x="1508667" y="2348880"/>
-            <a:ext cx="3999436" cy="1714796"/>
-            <a:chOff x="1527630" y="2348880"/>
-            <a:chExt cx="5792166" cy="3247256"/>
-          </a:xfrm>
-        </p:grpSpPr>
-        <p:graphicFrame>
-          <p:nvGraphicFramePr>
-            <p:cNvPr id="4" name="Chart 3"/>
-            <p:cNvGraphicFramePr>
-              <a:graphicFrameLocks/>
-            </p:cNvGraphicFramePr>
-            <p:nvPr>
-              <p:extLst>
-                <p:ext uri="{D42A27DB-BD31-4B8C-83A1-F6EECF244321}">
-                  <p14:modId xmlns:p14="http://schemas.microsoft.com/office/powerpoint/2010/main" val="298212643"/>
-                </p:ext>
-              </p:extLst>
-            </p:nvPr>
-          </p:nvGraphicFramePr>
-          <p:xfrm>
-            <a:off x="1907703" y="2348880"/>
-            <a:ext cx="5412093" cy="3247256"/>
-          </p:xfrm>
-          <a:graphic>
-            <a:graphicData uri="http://schemas.openxmlformats.org/drawingml/2006/chart">
-              <c:chart xmlns:c="http://schemas.openxmlformats.org/drawingml/2006/chart" xmlns:r="http://schemas.openxmlformats.org/officeDocument/2006/relationships" r:id="rId2"/>
-            </a:graphicData>
-          </a:graphic>
-        </p:graphicFrame>
-        <p:sp>
-          <p:nvSpPr>
-            <p:cNvPr id="5" name="TextBox 4"/>
-            <p:cNvSpPr txBox="1"/>
-            <p:nvPr/>
-          </p:nvSpPr>
-          <p:spPr>
-            <a:xfrm>
-              <a:off x="3995937" y="5212425"/>
-              <a:ext cx="1392048" cy="369332"/>
-            </a:xfrm>
-            <a:prstGeom prst="rect">
-              <a:avLst/>
-            </a:prstGeom>
-            <a:noFill/>
-          </p:spPr>
-          <p:txBody>
-            <a:bodyPr wrap="none" rtlCol="0">
-              <a:spAutoFit/>
-            </a:bodyPr>
-            <a:lstStyle/>
-            <a:p>
-              <a:r>
-                <a:rPr lang="en-US" dirty="0"/>
-                <a:t>nr. processes</a:t>
-              </a:r>
-              <a:endParaRPr lang="nl-BE" dirty="0"/>
-            </a:p>
-          </p:txBody>
-        </p:sp>
-        <p:sp>
-          <p:nvSpPr>
-            <p:cNvPr id="6" name="TextBox 5"/>
-            <p:cNvSpPr txBox="1"/>
-            <p:nvPr/>
-          </p:nvSpPr>
-          <p:spPr>
-            <a:xfrm rot="16200000">
-              <a:off x="921822" y="4373645"/>
-              <a:ext cx="1580947" cy="369332"/>
-            </a:xfrm>
-            <a:prstGeom prst="rect">
-              <a:avLst/>
-            </a:prstGeom>
-            <a:noFill/>
-          </p:spPr>
-          <p:txBody>
-            <a:bodyPr wrap="none" rtlCol="0">
-              <a:spAutoFit/>
-            </a:bodyPr>
-            <a:lstStyle/>
-            <a:p>
-              <a:r>
-                <a:rPr lang="en-US" dirty="0"/>
-                <a:t>execution time</a:t>
-              </a:r>
-              <a:endParaRPr lang="nl-BE" dirty="0"/>
-            </a:p>
-          </p:txBody>
-        </p:sp>
-      </p:grpSp>
-      <p:grpSp>
-        <p:nvGrpSpPr>
-          <p:cNvPr id="15" name="Group 14"/>
-          <p:cNvGrpSpPr/>
-          <p:nvPr/>
-        </p:nvGrpSpPr>
-        <p:grpSpPr>
-          <a:xfrm>
-            <a:off x="1619672" y="5517232"/>
-            <a:ext cx="3096344" cy="648072"/>
-            <a:chOff x="1979712" y="5589240"/>
-            <a:chExt cx="3096344" cy="648072"/>
-          </a:xfrm>
-        </p:grpSpPr>
-        <p:sp>
-          <p:nvSpPr>
-            <p:cNvPr id="9" name="TextBox 8"/>
-            <p:cNvSpPr txBox="1"/>
-            <p:nvPr/>
-          </p:nvSpPr>
-          <p:spPr>
-            <a:xfrm>
-              <a:off x="1979712" y="5733256"/>
-              <a:ext cx="1750864" cy="369332"/>
-            </a:xfrm>
-            <a:prstGeom prst="rect">
-              <a:avLst/>
-            </a:prstGeom>
-            <a:noFill/>
-          </p:spPr>
-          <p:txBody>
-            <a:bodyPr wrap="none" rtlCol="0">
-              <a:spAutoFit/>
-            </a:bodyPr>
-            <a:lstStyle/>
-            <a:p>
-              <a:r>
-                <a:rPr lang="en-US" dirty="0"/>
-                <a:t>execution time </a:t>
-              </a:r>
-              <a:r>
-                <a:rPr lang="en-US" dirty="0">
-                  <a:sym typeface="Symbol"/>
-                </a:rPr>
-                <a:t></a:t>
-              </a:r>
-              <a:endParaRPr lang="nl-BE" dirty="0"/>
-            </a:p>
-          </p:txBody>
-        </p:sp>
-        <p:sp>
-          <p:nvSpPr>
-            <p:cNvPr id="10" name="TextBox 9"/>
-            <p:cNvSpPr txBox="1"/>
-            <p:nvPr/>
-          </p:nvSpPr>
-          <p:spPr>
-            <a:xfrm>
-              <a:off x="3730243" y="5589240"/>
-              <a:ext cx="1230914" cy="369332"/>
-            </a:xfrm>
-            <a:prstGeom prst="rect">
-              <a:avLst/>
-            </a:prstGeom>
-            <a:noFill/>
-          </p:spPr>
-          <p:txBody>
-            <a:bodyPr wrap="none" rtlCol="0">
-              <a:spAutoFit/>
-            </a:bodyPr>
-            <a:lstStyle/>
-            <a:p>
-              <a:r>
-                <a:rPr lang="en-US" dirty="0"/>
-                <a:t>system size</a:t>
-              </a:r>
-              <a:endParaRPr lang="nl-BE" dirty="0"/>
-            </a:p>
-          </p:txBody>
-        </p:sp>
-        <p:sp>
-          <p:nvSpPr>
-            <p:cNvPr id="11" name="TextBox 10"/>
-            <p:cNvSpPr txBox="1"/>
-            <p:nvPr/>
-          </p:nvSpPr>
-          <p:spPr>
-            <a:xfrm>
-              <a:off x="3684008" y="5867980"/>
-              <a:ext cx="1392048" cy="369332"/>
-            </a:xfrm>
-            <a:prstGeom prst="rect">
-              <a:avLst/>
-            </a:prstGeom>
-            <a:noFill/>
-          </p:spPr>
-          <p:txBody>
-            <a:bodyPr wrap="none" rtlCol="0">
-              <a:spAutoFit/>
-            </a:bodyPr>
-            <a:lstStyle/>
-            <a:p>
-              <a:r>
-                <a:rPr lang="en-US" dirty="0"/>
-                <a:t>nr. processes</a:t>
-              </a:r>
-              <a:endParaRPr lang="nl-BE" dirty="0"/>
-            </a:p>
-          </p:txBody>
-        </p:sp>
-        <p:cxnSp>
-          <p:nvCxnSpPr>
-            <p:cNvPr id="13" name="Straight Connector 12"/>
-            <p:cNvCxnSpPr/>
-            <p:nvPr/>
-          </p:nvCxnSpPr>
-          <p:spPr>
-            <a:xfrm>
-              <a:off x="3707904" y="5948181"/>
-              <a:ext cx="1368152" cy="0"/>
-            </a:xfrm>
-            <a:prstGeom prst="line">
-              <a:avLst/>
-            </a:prstGeom>
-            <a:ln w="19050">
-              <a:solidFill>
-                <a:schemeClr val="tx1"/>
-              </a:solidFill>
-            </a:ln>
-          </p:spPr>
-          <p:style>
-            <a:lnRef idx="1">
-              <a:schemeClr val="accent1"/>
-            </a:lnRef>
-            <a:fillRef idx="0">
-              <a:schemeClr val="accent1"/>
-            </a:fillRef>
-            <a:effectRef idx="0">
-              <a:schemeClr val="accent1"/>
-            </a:effectRef>
-            <a:fontRef idx="minor">
-              <a:schemeClr val="tx1"/>
-            </a:fontRef>
-          </p:style>
-        </p:cxnSp>
-      </p:grpSp>
-      <p:sp>
-        <p:nvSpPr>
-          <p:cNvPr id="16" name="TextBox 15"/>
-          <p:cNvSpPr txBox="1"/>
-          <p:nvPr/>
-        </p:nvSpPr>
-        <p:spPr>
-          <a:xfrm>
-            <a:off x="6228184" y="4347101"/>
-            <a:ext cx="1905458" cy="954107"/>
-          </a:xfrm>
-          <a:prstGeom prst="rect">
-            <a:avLst/>
-          </a:prstGeom>
-          <a:noFill/>
-          <a:ln>
-            <a:solidFill>
-              <a:schemeClr val="tx1"/>
-            </a:solidFill>
-          </a:ln>
-        </p:spPr>
-        <p:txBody>
-          <a:bodyPr wrap="none" rtlCol="0">
-            <a:spAutoFit/>
-          </a:bodyPr>
-          <a:lstStyle/>
-          <a:p>
-            <a:r>
-              <a:rPr lang="en-US" sz="2800" dirty="0"/>
-              <a:t>Is this going</a:t>
-            </a:r>
-          </a:p>
-          <a:p>
-            <a:r>
-              <a:rPr lang="en-US" sz="2800" dirty="0"/>
-              <a:t>to happen?</a:t>
-            </a:r>
-            <a:endParaRPr lang="nl-BE" sz="2800" dirty="0"/>
-          </a:p>
-        </p:txBody>
-      </p:sp>
-      <p:sp>
-        <p:nvSpPr>
-          <p:cNvPr id="8" name="Slide Number Placeholder 7"/>
-          <p:cNvSpPr>
-            <a:spLocks noGrp="1"/>
-          </p:cNvSpPr>
-          <p:nvPr>
-            <p:ph type="sldNum" sz="quarter" idx="12"/>
-          </p:nvPr>
-        </p:nvSpPr>
-        <p:spPr/>
-        <p:txBody>
-          <a:bodyPr/>
-          <a:lstStyle/>
-          <a:p>
-            <a:fld id="{6597116C-F94B-4B5B-973A-17F07FB5C418}" type="slidenum">
-              <a:rPr lang="nl-BE" smtClean="0"/>
-              <a:t>9</a:t>
-            </a:fld>
-            <a:endParaRPr lang="nl-BE"/>
-          </a:p>
-        </p:txBody>
-      </p:sp>
-    </p:spTree>
-    <p:extLst>
-      <p:ext uri="{BB962C8B-B14F-4D97-AF65-F5344CB8AC3E}">
-        <p14:creationId xmlns:p14="http://schemas.microsoft.com/office/powerpoint/2010/main" val="518033624"/>
-      </p:ext>
-    </p:extLst>
-  </p:cSld>
-  <p:clrMapOvr>
-    <a:masterClrMapping/>
-  </p:clrMapOvr>
-  <p:timing>
-    <p:tnLst>
-      <p:par>
-        <p:cTn id="1" dur="indefinite" restart="never" nodeType="tmRoot">
-          <p:childTnLst>
-            <p:seq concurrent="1" nextAc="seek">
-              <p:cTn id="2" dur="indefinite" nodeType="mainSeq">
-                <p:childTnLst>
-                  <p:par>
-                    <p:cTn id="3" fill="hold">
-                      <p:stCondLst>
-                        <p:cond delay="indefinite"/>
-                        <p:cond evt="onBegin" delay="0">
-                          <p:tn val="2"/>
-                        </p:cond>
-                      </p:stCondLst>
-                      <p:childTnLst>
-                        <p:par>
-                          <p:cTn id="4" fill="hold">
-                            <p:stCondLst>
-                              <p:cond delay="0"/>
-                            </p:stCondLst>
-                            <p:childTnLst>
-                              <p:par>
-                                <p:cTn id="5" presetID="1" presetClass="entr" presetSubtype="0" fill="hold" grpId="0" nodeType="withEffect">
-                                  <p:stCondLst>
-                                    <p:cond delay="0"/>
-                                  </p:stCondLst>
-                                  <p:childTnLst>
-                                    <p:set>
-                                      <p:cBhvr>
-                                        <p:cTn id="6" dur="1" fill="hold">
-                                          <p:stCondLst>
-                                            <p:cond delay="0"/>
-                                          </p:stCondLst>
-                                        </p:cTn>
-                                        <p:tgtEl>
-                                          <p:spTgt spid="3">
-                                            <p:txEl>
-                                              <p:pRg st="0" end="0"/>
-                                            </p:txEl>
-                                          </p:spTgt>
-                                        </p:tgtEl>
-                                        <p:attrNameLst>
-                                          <p:attrName>style.visibility</p:attrName>
-                                        </p:attrNameLst>
-                                      </p:cBhvr>
-                                      <p:to>
-                                        <p:strVal val="visible"/>
-                                      </p:to>
-                                    </p:set>
-                                  </p:childTnLst>
-                                </p:cTn>
-                              </p:par>
-                            </p:childTnLst>
-                          </p:cTn>
-                        </p:par>
-                      </p:childTnLst>
-                    </p:cTn>
-                  </p:par>
-                  <p:par>
-                    <p:cTn id="7" fill="hold">
-                      <p:stCondLst>
-                        <p:cond delay="indefinite"/>
-                      </p:stCondLst>
-                      <p:childTnLst>
-                        <p:par>
-                          <p:cTn id="8" fill="hold">
-                            <p:stCondLst>
-                              <p:cond delay="0"/>
-                            </p:stCondLst>
-                            <p:childTnLst>
-                              <p:par>
-                                <p:cTn id="9" presetID="1" presetClass="entr" presetSubtype="0" fill="hold" grpId="0" nodeType="clickEffect">
-                                  <p:stCondLst>
-                                    <p:cond delay="0"/>
-                                  </p:stCondLst>
-                                  <p:childTnLst>
-                                    <p:set>
-                                      <p:cBhvr>
-                                        <p:cTn id="10" dur="1" fill="hold">
-                                          <p:stCondLst>
-                                            <p:cond delay="0"/>
-                                          </p:stCondLst>
-                                        </p:cTn>
-                                        <p:tgtEl>
-                                          <p:spTgt spid="3">
-                                            <p:txEl>
-                                              <p:pRg st="5" end="5"/>
-                                            </p:txEl>
-                                          </p:spTgt>
-                                        </p:tgtEl>
-                                        <p:attrNameLst>
-                                          <p:attrName>style.visibility</p:attrName>
-                                        </p:attrNameLst>
-                                      </p:cBhvr>
-                                      <p:to>
-                                        <p:strVal val="visible"/>
-                                      </p:to>
-                                    </p:set>
-                                  </p:childTnLst>
-                                </p:cTn>
-                              </p:par>
-                              <p:par>
-                                <p:cTn id="11" presetID="1" presetClass="entr" presetSubtype="0" fill="hold" nodeType="withEffect">
-                                  <p:stCondLst>
-                                    <p:cond delay="0"/>
-                                  </p:stCondLst>
-                                  <p:childTnLst>
-                                    <p:set>
-                                      <p:cBhvr>
-                                        <p:cTn id="12" dur="1" fill="hold">
-                                          <p:stCondLst>
-                                            <p:cond delay="0"/>
-                                          </p:stCondLst>
-                                        </p:cTn>
-                                        <p:tgtEl>
-                                          <p:spTgt spid="15"/>
-                                        </p:tgtEl>
-                                        <p:attrNameLst>
-                                          <p:attrName>style.visibility</p:attrName>
-                                        </p:attrNameLst>
-                                      </p:cBhvr>
-                                      <p:to>
-                                        <p:strVal val="visible"/>
-                                      </p:to>
-                                    </p:set>
-                                  </p:childTnLst>
-                                </p:cTn>
-                              </p:par>
-                            </p:childTnLst>
-                          </p:cTn>
-                        </p:par>
-                      </p:childTnLst>
-                    </p:cTn>
-                  </p:par>
-                </p:childTnLst>
-              </p:cTn>
-              <p:prevCondLst>
-                <p:cond evt="onPrev" delay="0">
-                  <p:tgtEl>
-                    <p:sldTgt/>
-                  </p:tgtEl>
-                </p:cond>
-              </p:prevCondLst>
-              <p:nextCondLst>
-                <p:cond evt="onNext" delay="0">
-                  <p:tgtEl>
-                    <p:sldTgt/>
-                  </p:tgtEl>
-                </p:cond>
-              </p:nextCondLst>
-            </p:seq>
-          </p:childTnLst>
-        </p:cTn>
-      </p:par>
-    </p:tnLst>
-    <p:bldLst>
-      <p:bldP spid="3" grpId="0" uiExpand="1" build="p"/>
     </p:bldLst>
   </p:timing>
 </p:sld>

--- a/code_optimization.pptx
+++ b/code_optimization.pptx
@@ -5,7 +5,7 @@
     <p:sldMasterId id="2147483648" r:id="rId1"/>
   </p:sldMasterIdLst>
   <p:notesMasterIdLst>
-    <p:notesMasterId r:id="rId60"/>
+    <p:notesMasterId r:id="rId62"/>
   </p:notesMasterIdLst>
   <p:sldIdLst>
     <p:sldId id="267" r:id="rId2"/>
@@ -28,44 +28,46 @@
     <p:sldId id="266" r:id="rId19"/>
     <p:sldId id="269" r:id="rId20"/>
     <p:sldId id="270" r:id="rId21"/>
-    <p:sldId id="284" r:id="rId22"/>
-    <p:sldId id="272" r:id="rId23"/>
-    <p:sldId id="277" r:id="rId24"/>
-    <p:sldId id="273" r:id="rId25"/>
-    <p:sldId id="279" r:id="rId26"/>
-    <p:sldId id="280" r:id="rId27"/>
-    <p:sldId id="278" r:id="rId28"/>
-    <p:sldId id="288" r:id="rId29"/>
-    <p:sldId id="296" r:id="rId30"/>
-    <p:sldId id="285" r:id="rId31"/>
-    <p:sldId id="275" r:id="rId32"/>
-    <p:sldId id="291" r:id="rId33"/>
-    <p:sldId id="290" r:id="rId34"/>
-    <p:sldId id="289" r:id="rId35"/>
-    <p:sldId id="281" r:id="rId36"/>
-    <p:sldId id="304" r:id="rId37"/>
-    <p:sldId id="305" r:id="rId38"/>
-    <p:sldId id="298" r:id="rId39"/>
-    <p:sldId id="318" r:id="rId40"/>
-    <p:sldId id="323" r:id="rId41"/>
-    <p:sldId id="322" r:id="rId42"/>
-    <p:sldId id="299" r:id="rId43"/>
-    <p:sldId id="300" r:id="rId44"/>
-    <p:sldId id="301" r:id="rId45"/>
-    <p:sldId id="302" r:id="rId46"/>
-    <p:sldId id="320" r:id="rId47"/>
-    <p:sldId id="319" r:id="rId48"/>
-    <p:sldId id="306" r:id="rId49"/>
-    <p:sldId id="307" r:id="rId50"/>
-    <p:sldId id="308" r:id="rId51"/>
-    <p:sldId id="309" r:id="rId52"/>
-    <p:sldId id="310" r:id="rId53"/>
-    <p:sldId id="287" r:id="rId54"/>
-    <p:sldId id="292" r:id="rId55"/>
-    <p:sldId id="286" r:id="rId56"/>
-    <p:sldId id="297" r:id="rId57"/>
-    <p:sldId id="271" r:id="rId58"/>
-    <p:sldId id="283" r:id="rId59"/>
+    <p:sldId id="325" r:id="rId22"/>
+    <p:sldId id="284" r:id="rId23"/>
+    <p:sldId id="272" r:id="rId24"/>
+    <p:sldId id="277" r:id="rId25"/>
+    <p:sldId id="273" r:id="rId26"/>
+    <p:sldId id="279" r:id="rId27"/>
+    <p:sldId id="280" r:id="rId28"/>
+    <p:sldId id="278" r:id="rId29"/>
+    <p:sldId id="288" r:id="rId30"/>
+    <p:sldId id="296" r:id="rId31"/>
+    <p:sldId id="285" r:id="rId32"/>
+    <p:sldId id="275" r:id="rId33"/>
+    <p:sldId id="291" r:id="rId34"/>
+    <p:sldId id="290" r:id="rId35"/>
+    <p:sldId id="289" r:id="rId36"/>
+    <p:sldId id="281" r:id="rId37"/>
+    <p:sldId id="304" r:id="rId38"/>
+    <p:sldId id="305" r:id="rId39"/>
+    <p:sldId id="298" r:id="rId40"/>
+    <p:sldId id="318" r:id="rId41"/>
+    <p:sldId id="323" r:id="rId42"/>
+    <p:sldId id="322" r:id="rId43"/>
+    <p:sldId id="299" r:id="rId44"/>
+    <p:sldId id="300" r:id="rId45"/>
+    <p:sldId id="301" r:id="rId46"/>
+    <p:sldId id="302" r:id="rId47"/>
+    <p:sldId id="320" r:id="rId48"/>
+    <p:sldId id="319" r:id="rId49"/>
+    <p:sldId id="306" r:id="rId50"/>
+    <p:sldId id="307" r:id="rId51"/>
+    <p:sldId id="308" r:id="rId52"/>
+    <p:sldId id="309" r:id="rId53"/>
+    <p:sldId id="310" r:id="rId54"/>
+    <p:sldId id="287" r:id="rId55"/>
+    <p:sldId id="292" r:id="rId56"/>
+    <p:sldId id="326" r:id="rId57"/>
+    <p:sldId id="286" r:id="rId58"/>
+    <p:sldId id="297" r:id="rId59"/>
+    <p:sldId id="271" r:id="rId60"/>
+    <p:sldId id="283" r:id="rId61"/>
   </p:sldIdLst>
   <p:sldSz cx="9144000" cy="6858000" type="screen4x3"/>
   <p:notesSz cx="6858000" cy="9144000"/>
@@ -201,6 +203,7 @@
           <p14:sldIdLst>
             <p14:sldId id="269"/>
             <p14:sldId id="270"/>
+            <p14:sldId id="325"/>
           </p14:sldIdLst>
         </p14:section>
         <p14:section name="memory" id="{19A09E80-6618-4C6A-8813-F467F229A827}">
@@ -259,6 +262,7 @@
           <p14:sldIdLst>
             <p14:sldId id="287"/>
             <p14:sldId id="292"/>
+            <p14:sldId id="326"/>
             <p14:sldId id="286"/>
             <p14:sldId id="297"/>
             <p14:sldId id="271"/>
@@ -1895,7 +1899,7 @@
           <a:p>
             <a:fld id="{8B979C76-3FF1-40F3-8C7E-1BB6B02B1C34}" type="slidenum">
               <a:rPr lang="en-US" smtClean="0"/>
-              <a:t>23</a:t>
+              <a:t>24</a:t>
             </a:fld>
             <a:endParaRPr lang="en-US"/>
           </a:p>
@@ -11709,7 +11713,7 @@
           <a:graphicData uri="http://schemas.openxmlformats.org/presentationml/2006/ole">
             <mc:AlternateContent xmlns:mc="http://schemas.openxmlformats.org/markup-compatibility/2006">
               <mc:Choice xmlns:v="urn:schemas-microsoft-com:vml" Requires="v">
-                <p:oleObj spid="_x0000_s2050" name="Equation" r:id="rId3" imgW="812520" imgH="393480" progId="Equation.3">
+                <p:oleObj spid="_x0000_s2052" name="Equation" r:id="rId3" imgW="812520" imgH="393480" progId="Equation.3">
                   <p:embed/>
                 </p:oleObj>
               </mc:Choice>
@@ -11766,7 +11770,7 @@
           <a:graphicData uri="http://schemas.openxmlformats.org/presentationml/2006/ole">
             <mc:AlternateContent xmlns:mc="http://schemas.openxmlformats.org/markup-compatibility/2006">
               <mc:Choice xmlns:v="urn:schemas-microsoft-com:vml" Requires="v">
-                <p:oleObj spid="_x0000_s2051" name="Equation" r:id="rId5" imgW="2489040" imgH="431640" progId="Equation.3">
+                <p:oleObj spid="_x0000_s2053" name="Equation" r:id="rId5" imgW="2489040" imgH="431640" progId="Equation.3">
                   <p:embed/>
                 </p:oleObj>
               </mc:Choice>
@@ -13099,7 +13103,7 @@
             <a:pPr algn="ctr"/>
             <a:r>
               <a:rPr lang="en-US" dirty="0"/>
-              <a:t>QPI</a:t>
+              <a:t>UPI</a:t>
             </a:r>
           </a:p>
         </p:txBody>
@@ -13148,7 +13152,7 @@
             <a:pPr algn="ctr"/>
             <a:r>
               <a:rPr lang="en-US" dirty="0"/>
-              <a:t>QPI</a:t>
+              <a:t>UPI</a:t>
             </a:r>
           </a:p>
         </p:txBody>
@@ -17420,7 +17424,13 @@
       </p:grpSpPr>
       <p:sp>
         <p:nvSpPr>
-          <p:cNvPr id="2" name="Title 1"/>
+          <p:cNvPr id="5" name="Title 4">
+            <a:extLst>
+              <a:ext uri="{FF2B5EF4-FFF2-40B4-BE49-F238E27FC236}">
+                <a16:creationId xmlns:a16="http://schemas.microsoft.com/office/drawing/2014/main" id="{F87E8F4B-539D-4885-8F40-BD733631E49B}"/>
+              </a:ext>
+            </a:extLst>
+          </p:cNvPr>
           <p:cNvSpPr>
             <a:spLocks noGrp="1"/>
           </p:cNvSpPr>
@@ -17435,34 +17445,20 @@
           <a:p>
             <a:r>
               <a:rPr lang="en-US" dirty="0"/>
-              <a:t>Memory</a:t>
-            </a:r>
-            <a:endParaRPr lang="nl-BE" dirty="0"/>
+              <a:t>Intel mesh architecture</a:t>
+            </a:r>
           </a:p>
         </p:txBody>
       </p:sp>
       <p:sp>
         <p:nvSpPr>
-          <p:cNvPr id="3" name="Text Placeholder 2"/>
-          <p:cNvSpPr>
-            <a:spLocks noGrp="1"/>
-          </p:cNvSpPr>
-          <p:nvPr>
-            <p:ph type="body" idx="1"/>
-          </p:nvPr>
-        </p:nvSpPr>
-        <p:spPr/>
-        <p:txBody>
-          <a:bodyPr/>
-          <a:lstStyle/>
-          <a:p>
-            <a:endParaRPr lang="nl-BE"/>
-          </a:p>
-        </p:txBody>
-      </p:sp>
-      <p:sp>
-        <p:nvSpPr>
-          <p:cNvPr id="4" name="Slide Number Placeholder 3"/>
+          <p:cNvPr id="3" name="Slide Number Placeholder 2">
+            <a:extLst>
+              <a:ext uri="{FF2B5EF4-FFF2-40B4-BE49-F238E27FC236}">
+                <a16:creationId xmlns:a16="http://schemas.microsoft.com/office/drawing/2014/main" id="{5011BED5-6037-4CBD-B1E5-9D011C85364F}"/>
+              </a:ext>
+            </a:extLst>
+          </p:cNvPr>
           <p:cNvSpPr>
             <a:spLocks noGrp="1"/>
           </p:cNvSpPr>
@@ -17475,18 +17471,66 @@
           <a:bodyPr/>
           <a:lstStyle/>
           <a:p>
-            <a:fld id="{6597116C-F94B-4B5B-973A-17F07FB5C418}" type="slidenum">
+            <a:fld id="{F35D8031-C8E5-48F8-A3B6-81643B27A3AF}" type="slidenum">
               <a:rPr lang="nl-BE" smtClean="0"/>
+              <a:pPr/>
               <a:t>21</a:t>
             </a:fld>
-            <a:endParaRPr lang="nl-BE"/>
+            <a:endParaRPr lang="nl-BE" dirty="0"/>
           </a:p>
         </p:txBody>
       </p:sp>
+      <p:pic>
+        <p:nvPicPr>
+          <p:cNvPr id="4100" name="Picture 4" descr="Intel Xeon processor Scalable family mesh architecture">
+            <a:extLst>
+              <a:ext uri="{FF2B5EF4-FFF2-40B4-BE49-F238E27FC236}">
+                <a16:creationId xmlns:a16="http://schemas.microsoft.com/office/drawing/2014/main" id="{C6F8D768-230B-43D1-A3E9-966AC55A98B8}"/>
+              </a:ext>
+            </a:extLst>
+          </p:cNvPr>
+          <p:cNvPicPr>
+            <a:picLocks noChangeAspect="1" noChangeArrowheads="1"/>
+          </p:cNvPicPr>
+          <p:nvPr/>
+        </p:nvPicPr>
+        <p:blipFill>
+          <a:blip r:embed="rId2">
+            <a:extLst>
+              <a:ext uri="{28A0092B-C50C-407E-A947-70E740481C1C}">
+                <a14:useLocalDpi xmlns:a14="http://schemas.microsoft.com/office/drawing/2010/main" val="0"/>
+              </a:ext>
+            </a:extLst>
+          </a:blip>
+          <a:srcRect/>
+          <a:stretch>
+            <a:fillRect/>
+          </a:stretch>
+        </p:blipFill>
+        <p:spPr bwMode="auto">
+          <a:xfrm>
+            <a:off x="899592" y="1445400"/>
+            <a:ext cx="7143750" cy="5334000"/>
+          </a:xfrm>
+          <a:prstGeom prst="rect">
+            <a:avLst/>
+          </a:prstGeom>
+          <a:noFill/>
+          <a:extLst>
+            <a:ext uri="{909E8E84-426E-40DD-AFC4-6F175D3DCCD1}">
+              <a14:hiddenFill xmlns:a14="http://schemas.microsoft.com/office/drawing/2010/main">
+                <a:solidFill>
+                  <a:srgbClr val="FFFFFF"/>
+                </a:solidFill>
+              </a14:hiddenFill>
+            </a:ext>
+          </a:extLst>
+        </p:spPr>
+      </p:pic>
     </p:spTree>
     <p:extLst>
       <p:ext uri="{BB962C8B-B14F-4D97-AF65-F5344CB8AC3E}">
-        <p14:creationId xmlns:p14="http://schemas.microsoft.com/office/powerpoint/2010/main" val="519922008"/>
+        <p14:creationId xmlns:p14="http://schemas.microsoft.com/office/powerpoint/2010/main" val="268717258"/>
       </p:ext>
     </p:extLst>
   </p:cSld>
@@ -17530,6 +17574,101 @@
           <a:p>
             <a:r>
               <a:rPr lang="en-US" dirty="0"/>
+              <a:t>Memory</a:t>
+            </a:r>
+            <a:endParaRPr lang="nl-BE" dirty="0"/>
+          </a:p>
+        </p:txBody>
+      </p:sp>
+      <p:sp>
+        <p:nvSpPr>
+          <p:cNvPr id="3" name="Text Placeholder 2"/>
+          <p:cNvSpPr>
+            <a:spLocks noGrp="1"/>
+          </p:cNvSpPr>
+          <p:nvPr>
+            <p:ph type="body" idx="1"/>
+          </p:nvPr>
+        </p:nvSpPr>
+        <p:spPr/>
+        <p:txBody>
+          <a:bodyPr/>
+          <a:lstStyle/>
+          <a:p>
+            <a:endParaRPr lang="nl-BE"/>
+          </a:p>
+        </p:txBody>
+      </p:sp>
+      <p:sp>
+        <p:nvSpPr>
+          <p:cNvPr id="4" name="Slide Number Placeholder 3"/>
+          <p:cNvSpPr>
+            <a:spLocks noGrp="1"/>
+          </p:cNvSpPr>
+          <p:nvPr>
+            <p:ph type="sldNum" sz="quarter" idx="12"/>
+          </p:nvPr>
+        </p:nvSpPr>
+        <p:spPr/>
+        <p:txBody>
+          <a:bodyPr/>
+          <a:lstStyle/>
+          <a:p>
+            <a:fld id="{6597116C-F94B-4B5B-973A-17F07FB5C418}" type="slidenum">
+              <a:rPr lang="nl-BE" smtClean="0"/>
+              <a:t>22</a:t>
+            </a:fld>
+            <a:endParaRPr lang="nl-BE"/>
+          </a:p>
+        </p:txBody>
+      </p:sp>
+    </p:spTree>
+    <p:extLst>
+      <p:ext uri="{BB962C8B-B14F-4D97-AF65-F5344CB8AC3E}">
+        <p14:creationId xmlns:p14="http://schemas.microsoft.com/office/powerpoint/2010/main" val="519922008"/>
+      </p:ext>
+    </p:extLst>
+  </p:cSld>
+  <p:clrMapOvr>
+    <a:masterClrMapping/>
+  </p:clrMapOvr>
+</p:sld>
+</file>
+
+<file path=ppt/slides/slide23.xml><?xml version="1.0" encoding="utf-8"?>
+<p:sld xmlns:a="http://schemas.openxmlformats.org/drawingml/2006/main" xmlns:r="http://schemas.openxmlformats.org/officeDocument/2006/relationships" xmlns:p="http://schemas.openxmlformats.org/presentationml/2006/main">
+  <p:cSld>
+    <p:spTree>
+      <p:nvGrpSpPr>
+        <p:cNvPr id="1" name=""/>
+        <p:cNvGrpSpPr/>
+        <p:nvPr/>
+      </p:nvGrpSpPr>
+      <p:grpSpPr>
+        <a:xfrm>
+          <a:off x="0" y="0"/>
+          <a:ext cx="0" cy="0"/>
+          <a:chOff x="0" y="0"/>
+          <a:chExt cx="0" cy="0"/>
+        </a:xfrm>
+      </p:grpSpPr>
+      <p:sp>
+        <p:nvSpPr>
+          <p:cNvPr id="2" name="Title 1"/>
+          <p:cNvSpPr>
+            <a:spLocks noGrp="1"/>
+          </p:cNvSpPr>
+          <p:nvPr>
+            <p:ph type="title"/>
+          </p:nvPr>
+        </p:nvSpPr>
+        <p:spPr/>
+        <p:txBody>
+          <a:bodyPr/>
+          <a:lstStyle/>
+          <a:p>
+            <a:r>
+              <a:rPr lang="en-US" dirty="0"/>
               <a:t>Memory hierarchy</a:t>
             </a:r>
           </a:p>
@@ -17599,7 +17738,7 @@
             <a:pPr lvl="1"/>
             <a:r>
               <a:rPr lang="en-US" dirty="0"/>
-              <a:t>latency: 50 cycles</a:t>
+              <a:t>latency: 44 cycles</a:t>
             </a:r>
           </a:p>
           <a:p>
@@ -17612,7 +17751,7 @@
             <a:pPr lvl="1"/>
             <a:r>
               <a:rPr lang="en-US" dirty="0"/>
-              <a:t>size: 256 kB, for </a:t>
+              <a:t>size for </a:t>
             </a:r>
             <a:r>
               <a:rPr lang="en-US" dirty="0" err="1"/>
@@ -17627,7 +17766,7 @@
             <a:pPr lvl="1"/>
             <a:r>
               <a:rPr lang="en-US" dirty="0"/>
-              <a:t>latency: 20 cycles</a:t>
+              <a:t>latency: 12 cycles</a:t>
             </a:r>
           </a:p>
           <a:p>
@@ -17647,7 +17786,7 @@
             <a:pPr lvl="1"/>
             <a:r>
               <a:rPr lang="en-US" dirty="0"/>
-              <a:t>latency: 5 cycles</a:t>
+              <a:t>latency: 4 cycles</a:t>
             </a:r>
           </a:p>
         </p:txBody>
@@ -17715,7 +17854,7 @@
           <a:p>
             <a:r>
               <a:rPr lang="en-US" sz="2800" dirty="0"/>
-              <a:t>QPI incurs 10 % loss</a:t>
+              <a:t>UPI incurs 10 % loss</a:t>
             </a:r>
           </a:p>
         </p:txBody>
@@ -17729,9 +17868,9 @@
         <p:grpSpPr>
           <a:xfrm>
             <a:off x="3203848" y="3284984"/>
-            <a:ext cx="2961261" cy="504056"/>
+            <a:ext cx="5860748" cy="504056"/>
             <a:chOff x="3203848" y="3284984"/>
-            <a:chExt cx="2961261" cy="504056"/>
+            <a:chExt cx="5860748" cy="504056"/>
           </a:xfrm>
         </p:grpSpPr>
         <p:sp>
@@ -17742,8 +17881,8 @@
           </p:nvSpPr>
           <p:spPr>
             <a:xfrm>
-              <a:off x="3428805" y="3326918"/>
-              <a:ext cx="2736304" cy="369332"/>
+              <a:off x="3493418" y="3284984"/>
+              <a:ext cx="5571178" cy="369332"/>
             </a:xfrm>
             <a:prstGeom prst="rect">
               <a:avLst/>
@@ -17758,7 +17897,15 @@
             <a:p>
               <a:r>
                 <a:rPr lang="en-US" dirty="0"/>
-                <a:t>on average: 3 MB/core</a:t>
+                <a:t>for </a:t>
+              </a:r>
+              <a:r>
+                <a:rPr lang="en-US" dirty="0" err="1"/>
+                <a:t>skylake</a:t>
+              </a:r>
+              <a:r>
+                <a:rPr lang="en-US" dirty="0"/>
+                <a:t> and later 1.375 MB/core</a:t>
               </a:r>
             </a:p>
           </p:txBody>
@@ -17824,7 +17971,7 @@
           <a:p>
             <a:fld id="{6597116C-F94B-4B5B-973A-17F07FB5C418}" type="slidenum">
               <a:rPr lang="nl-BE" smtClean="0"/>
-              <a:t>22</a:t>
+              <a:t>23</a:t>
             </a:fld>
             <a:endParaRPr lang="nl-BE"/>
           </a:p>
@@ -18509,7 +18656,7 @@
 </p:sld>
 </file>
 
-<file path=ppt/slides/slide23.xml><?xml version="1.0" encoding="utf-8"?>
+<file path=ppt/slides/slide24.xml><?xml version="1.0" encoding="utf-8"?>
 <p:sld xmlns:a="http://schemas.openxmlformats.org/drawingml/2006/main" xmlns:r="http://schemas.openxmlformats.org/officeDocument/2006/relationships" xmlns:p="http://schemas.openxmlformats.org/presentationml/2006/main">
   <p:cSld>
     <p:spTree>
@@ -18841,7 +18988,7 @@
           <a:p>
             <a:fld id="{6597116C-F94B-4B5B-973A-17F07FB5C418}" type="slidenum">
               <a:rPr lang="nl-BE" smtClean="0"/>
-              <a:t>23</a:t>
+              <a:t>24</a:t>
             </a:fld>
             <a:endParaRPr lang="nl-BE"/>
           </a:p>
@@ -19457,7 +19604,7 @@
 </p:sld>
 </file>
 
-<file path=ppt/slides/slide24.xml><?xml version="1.0" encoding="utf-8"?>
+<file path=ppt/slides/slide25.xml><?xml version="1.0" encoding="utf-8"?>
 <p:sld xmlns:a="http://schemas.openxmlformats.org/drawingml/2006/main" xmlns:r="http://schemas.openxmlformats.org/officeDocument/2006/relationships" xmlns:p="http://schemas.openxmlformats.org/presentationml/2006/main">
   <p:cSld>
     <p:spTree>
@@ -20495,7 +20642,7 @@
           <a:p>
             <a:fld id="{6597116C-F94B-4B5B-973A-17F07FB5C418}" type="slidenum">
               <a:rPr lang="nl-BE" smtClean="0"/>
-              <a:t>24</a:t>
+              <a:t>25</a:t>
             </a:fld>
             <a:endParaRPr lang="nl-BE"/>
           </a:p>
@@ -21037,7 +21184,7 @@
 </p:sld>
 </file>
 
-<file path=ppt/slides/slide25.xml><?xml version="1.0" encoding="utf-8"?>
+<file path=ppt/slides/slide26.xml><?xml version="1.0" encoding="utf-8"?>
 <p:sld xmlns:a="http://schemas.openxmlformats.org/drawingml/2006/main" xmlns:r="http://schemas.openxmlformats.org/officeDocument/2006/relationships" xmlns:p="http://schemas.openxmlformats.org/presentationml/2006/main">
   <p:cSld>
     <p:spTree>
@@ -21093,7 +21240,7 @@
           <a:p>
             <a:fld id="{6597116C-F94B-4B5B-973A-17F07FB5C418}" type="slidenum">
               <a:rPr lang="nl-BE" smtClean="0"/>
-              <a:t>25</a:t>
+              <a:t>26</a:t>
             </a:fld>
             <a:endParaRPr lang="nl-BE"/>
           </a:p>
@@ -21998,7 +22145,7 @@
 </p:sld>
 </file>
 
-<file path=ppt/slides/slide26.xml><?xml version="1.0" encoding="utf-8"?>
+<file path=ppt/slides/slide27.xml><?xml version="1.0" encoding="utf-8"?>
 <p:sld xmlns:a="http://schemas.openxmlformats.org/drawingml/2006/main" xmlns:r="http://schemas.openxmlformats.org/officeDocument/2006/relationships" xmlns:p="http://schemas.openxmlformats.org/presentationml/2006/main">
   <p:cSld>
     <p:spTree>
@@ -22095,7 +22242,7 @@
           <a:p>
             <a:fld id="{6597116C-F94B-4B5B-973A-17F07FB5C418}" type="slidenum">
               <a:rPr lang="nl-BE" smtClean="0"/>
-              <a:t>26</a:t>
+              <a:t>27</a:t>
             </a:fld>
             <a:endParaRPr lang="nl-BE"/>
           </a:p>
@@ -22123,7 +22270,7 @@
           <a:graphicData uri="http://schemas.openxmlformats.org/presentationml/2006/ole">
             <mc:AlternateContent xmlns:mc="http://schemas.openxmlformats.org/markup-compatibility/2006">
               <mc:Choice xmlns:v="urn:schemas-microsoft-com:vml" Requires="v">
-                <p:oleObj spid="_x0000_s3074" name="Equation" r:id="rId3" imgW="1091880" imgH="1041120" progId="Equation.3">
+                <p:oleObj spid="_x0000_s3076" name="Equation" r:id="rId3" imgW="1091880" imgH="1041120" progId="Equation.3">
                   <p:embed/>
                 </p:oleObj>
               </mc:Choice>
@@ -23478,7 +23625,7 @@
           <a:graphicData uri="http://schemas.openxmlformats.org/presentationml/2006/ole">
             <mc:AlternateContent xmlns:mc="http://schemas.openxmlformats.org/markup-compatibility/2006">
               <mc:Choice xmlns:v="urn:schemas-microsoft-com:vml" Requires="v">
-                <p:oleObj spid="_x0000_s3075" name="Equation" r:id="rId5" imgW="1091880" imgH="1041120" progId="Equation.3">
+                <p:oleObj spid="_x0000_s3077" name="Equation" r:id="rId5" imgW="1091880" imgH="1041120" progId="Equation.3">
                   <p:embed/>
                 </p:oleObj>
               </mc:Choice>
@@ -24246,7 +24393,7 @@
 </p:sld>
 </file>
 
-<file path=ppt/slides/slide27.xml><?xml version="1.0" encoding="utf-8"?>
+<file path=ppt/slides/slide28.xml><?xml version="1.0" encoding="utf-8"?>
 <p:sld xmlns:a="http://schemas.openxmlformats.org/drawingml/2006/main" xmlns:r="http://schemas.openxmlformats.org/officeDocument/2006/relationships" xmlns:p="http://schemas.openxmlformats.org/presentationml/2006/main">
   <p:cSld>
     <p:spTree>
@@ -24435,7 +24582,7 @@
           <a:p>
             <a:fld id="{6597116C-F94B-4B5B-973A-17F07FB5C418}" type="slidenum">
               <a:rPr lang="nl-BE" smtClean="0"/>
-              <a:t>27</a:t>
+              <a:t>28</a:t>
             </a:fld>
             <a:endParaRPr lang="nl-BE"/>
           </a:p>
@@ -26291,7 +26438,7 @@
 </p:sld>
 </file>
 
-<file path=ppt/slides/slide28.xml><?xml version="1.0" encoding="utf-8"?>
+<file path=ppt/slides/slide29.xml><?xml version="1.0" encoding="utf-8"?>
 <p:sld xmlns:a="http://schemas.openxmlformats.org/drawingml/2006/main" xmlns:r="http://schemas.openxmlformats.org/officeDocument/2006/relationships" xmlns:p="http://schemas.openxmlformats.org/presentationml/2006/main">
   <p:cSld>
     <p:spTree>
@@ -26397,7 +26544,7 @@
           <a:p>
             <a:r>
               <a:rPr lang="en-US" dirty="0"/>
-              <a:t>L1/L2: 8-way associative</a:t>
+              <a:t>L1: 8-way associative, L2: 16-way association</a:t>
             </a:r>
             <a:br>
               <a:rPr lang="en-US" dirty="0"/>
@@ -26427,7 +26574,7 @@
           <a:p>
             <a:fld id="{6597116C-F94B-4B5B-973A-17F07FB5C418}" type="slidenum">
               <a:rPr lang="nl-BE" smtClean="0"/>
-              <a:t>28</a:t>
+              <a:t>29</a:t>
             </a:fld>
             <a:endParaRPr lang="nl-BE"/>
           </a:p>
@@ -26957,7 +27104,102 @@
 </p:sld>
 </file>
 
-<file path=ppt/slides/slide29.xml><?xml version="1.0" encoding="utf-8"?>
+<file path=ppt/slides/slide3.xml><?xml version="1.0" encoding="utf-8"?>
+<p:sld xmlns:a="http://schemas.openxmlformats.org/drawingml/2006/main" xmlns:r="http://schemas.openxmlformats.org/officeDocument/2006/relationships" xmlns:p="http://schemas.openxmlformats.org/presentationml/2006/main">
+  <p:cSld>
+    <p:spTree>
+      <p:nvGrpSpPr>
+        <p:cNvPr id="1" name=""/>
+        <p:cNvGrpSpPr/>
+        <p:nvPr/>
+      </p:nvGrpSpPr>
+      <p:grpSpPr>
+        <a:xfrm>
+          <a:off x="0" y="0"/>
+          <a:ext cx="0" cy="0"/>
+          <a:chOff x="0" y="0"/>
+          <a:chExt cx="0" cy="0"/>
+        </a:xfrm>
+      </p:grpSpPr>
+      <p:sp>
+        <p:nvSpPr>
+          <p:cNvPr id="2" name="Slide Number Placeholder 1">
+            <a:extLst>
+              <a:ext uri="{FF2B5EF4-FFF2-40B4-BE49-F238E27FC236}">
+                <a16:creationId xmlns:a16="http://schemas.microsoft.com/office/drawing/2014/main" id="{64233F75-BBCB-41BD-9AFB-411A8C3178BD}"/>
+              </a:ext>
+            </a:extLst>
+          </p:cNvPr>
+          <p:cNvSpPr>
+            <a:spLocks noGrp="1"/>
+          </p:cNvSpPr>
+          <p:nvPr>
+            <p:ph type="sldNum" sz="quarter" idx="12"/>
+          </p:nvPr>
+        </p:nvSpPr>
+        <p:spPr/>
+        <p:txBody>
+          <a:bodyPr/>
+          <a:lstStyle/>
+          <a:p>
+            <a:fld id="{6597116C-F94B-4B5B-973A-17F07FB5C418}" type="slidenum">
+              <a:rPr lang="nl-BE" smtClean="0"/>
+              <a:t>3</a:t>
+            </a:fld>
+            <a:endParaRPr lang="nl-BE"/>
+          </a:p>
+        </p:txBody>
+      </p:sp>
+      <p:pic>
+        <p:nvPicPr>
+          <p:cNvPr id="4" name="Picture 3" descr="Qr code&#10;&#10;Description automatically generated">
+            <a:extLst>
+              <a:ext uri="{FF2B5EF4-FFF2-40B4-BE49-F238E27FC236}">
+                <a16:creationId xmlns:a16="http://schemas.microsoft.com/office/drawing/2014/main" id="{E06E747F-3767-4F0C-82EA-1E7F7237584F}"/>
+              </a:ext>
+            </a:extLst>
+          </p:cNvPr>
+          <p:cNvPicPr>
+            <a:picLocks noChangeAspect="1"/>
+          </p:cNvPicPr>
+          <p:nvPr/>
+        </p:nvPicPr>
+        <p:blipFill>
+          <a:blip r:embed="rId2">
+            <a:extLst>
+              <a:ext uri="{28A0092B-C50C-407E-A947-70E740481C1C}">
+                <a14:useLocalDpi xmlns:a14="http://schemas.microsoft.com/office/drawing/2010/main" val="0"/>
+              </a:ext>
+            </a:extLst>
+          </a:blip>
+          <a:stretch>
+            <a:fillRect/>
+          </a:stretch>
+        </p:blipFill>
+        <p:spPr>
+          <a:xfrm>
+            <a:off x="0" y="0"/>
+            <a:ext cx="9144000" cy="6858000"/>
+          </a:xfrm>
+          <a:prstGeom prst="rect">
+            <a:avLst/>
+          </a:prstGeom>
+        </p:spPr>
+      </p:pic>
+    </p:spTree>
+    <p:extLst>
+      <p:ext uri="{BB962C8B-B14F-4D97-AF65-F5344CB8AC3E}">
+        <p14:creationId xmlns:p14="http://schemas.microsoft.com/office/powerpoint/2010/main" val="439685417"/>
+      </p:ext>
+    </p:extLst>
+  </p:cSld>
+  <p:clrMapOvr>
+    <a:masterClrMapping/>
+  </p:clrMapOvr>
+</p:sld>
+</file>
+
+<file path=ppt/slides/slide30.xml><?xml version="1.0" encoding="utf-8"?>
 <p:sld xmlns:a="http://schemas.openxmlformats.org/drawingml/2006/main" xmlns:r="http://schemas.openxmlformats.org/officeDocument/2006/relationships" xmlns:p="http://schemas.openxmlformats.org/presentationml/2006/main">
   <p:cSld>
     <p:spTree>
@@ -27014,7 +27256,7 @@
           <a:p>
             <a:fld id="{6597116C-F94B-4B5B-973A-17F07FB5C418}" type="slidenum">
               <a:rPr lang="nl-BE" smtClean="0"/>
-              <a:t>29</a:t>
+              <a:t>30</a:t>
             </a:fld>
             <a:endParaRPr lang="nl-BE"/>
           </a:p>
@@ -27648,196 +27890,6 @@
 </p:sld>
 </file>
 
-<file path=ppt/slides/slide3.xml><?xml version="1.0" encoding="utf-8"?>
-<p:sld xmlns:a="http://schemas.openxmlformats.org/drawingml/2006/main" xmlns:r="http://schemas.openxmlformats.org/officeDocument/2006/relationships" xmlns:p="http://schemas.openxmlformats.org/presentationml/2006/main">
-  <p:cSld>
-    <p:spTree>
-      <p:nvGrpSpPr>
-        <p:cNvPr id="1" name=""/>
-        <p:cNvGrpSpPr/>
-        <p:nvPr/>
-      </p:nvGrpSpPr>
-      <p:grpSpPr>
-        <a:xfrm>
-          <a:off x="0" y="0"/>
-          <a:ext cx="0" cy="0"/>
-          <a:chOff x="0" y="0"/>
-          <a:chExt cx="0" cy="0"/>
-        </a:xfrm>
-      </p:grpSpPr>
-      <p:sp>
-        <p:nvSpPr>
-          <p:cNvPr id="2" name="Slide Number Placeholder 1">
-            <a:extLst>
-              <a:ext uri="{FF2B5EF4-FFF2-40B4-BE49-F238E27FC236}">
-                <a16:creationId xmlns:a16="http://schemas.microsoft.com/office/drawing/2014/main" id="{64233F75-BBCB-41BD-9AFB-411A8C3178BD}"/>
-              </a:ext>
-            </a:extLst>
-          </p:cNvPr>
-          <p:cNvSpPr>
-            <a:spLocks noGrp="1"/>
-          </p:cNvSpPr>
-          <p:nvPr>
-            <p:ph type="sldNum" sz="quarter" idx="12"/>
-          </p:nvPr>
-        </p:nvSpPr>
-        <p:spPr/>
-        <p:txBody>
-          <a:bodyPr/>
-          <a:lstStyle/>
-          <a:p>
-            <a:fld id="{6597116C-F94B-4B5B-973A-17F07FB5C418}" type="slidenum">
-              <a:rPr lang="nl-BE" smtClean="0"/>
-              <a:t>3</a:t>
-            </a:fld>
-            <a:endParaRPr lang="nl-BE"/>
-          </a:p>
-        </p:txBody>
-      </p:sp>
-      <p:pic>
-        <p:nvPicPr>
-          <p:cNvPr id="4" name="Picture 3" descr="Qr code&#10;&#10;Description automatically generated">
-            <a:extLst>
-              <a:ext uri="{FF2B5EF4-FFF2-40B4-BE49-F238E27FC236}">
-                <a16:creationId xmlns:a16="http://schemas.microsoft.com/office/drawing/2014/main" id="{E06E747F-3767-4F0C-82EA-1E7F7237584F}"/>
-              </a:ext>
-            </a:extLst>
-          </p:cNvPr>
-          <p:cNvPicPr>
-            <a:picLocks noChangeAspect="1"/>
-          </p:cNvPicPr>
-          <p:nvPr/>
-        </p:nvPicPr>
-        <p:blipFill>
-          <a:blip r:embed="rId2">
-            <a:extLst>
-              <a:ext uri="{28A0092B-C50C-407E-A947-70E740481C1C}">
-                <a14:useLocalDpi xmlns:a14="http://schemas.microsoft.com/office/drawing/2010/main" val="0"/>
-              </a:ext>
-            </a:extLst>
-          </a:blip>
-          <a:stretch>
-            <a:fillRect/>
-          </a:stretch>
-        </p:blipFill>
-        <p:spPr>
-          <a:xfrm>
-            <a:off x="0" y="0"/>
-            <a:ext cx="9144000" cy="6858000"/>
-          </a:xfrm>
-          <a:prstGeom prst="rect">
-            <a:avLst/>
-          </a:prstGeom>
-        </p:spPr>
-      </p:pic>
-    </p:spTree>
-    <p:extLst>
-      <p:ext uri="{BB962C8B-B14F-4D97-AF65-F5344CB8AC3E}">
-        <p14:creationId xmlns:p14="http://schemas.microsoft.com/office/powerpoint/2010/main" val="439685417"/>
-      </p:ext>
-    </p:extLst>
-  </p:cSld>
-  <p:clrMapOvr>
-    <a:masterClrMapping/>
-  </p:clrMapOvr>
-</p:sld>
-</file>
-
-<file path=ppt/slides/slide30.xml><?xml version="1.0" encoding="utf-8"?>
-<p:sld xmlns:a="http://schemas.openxmlformats.org/drawingml/2006/main" xmlns:r="http://schemas.openxmlformats.org/officeDocument/2006/relationships" xmlns:p="http://schemas.openxmlformats.org/presentationml/2006/main">
-  <p:cSld>
-    <p:spTree>
-      <p:nvGrpSpPr>
-        <p:cNvPr id="1" name=""/>
-        <p:cNvGrpSpPr/>
-        <p:nvPr/>
-      </p:nvGrpSpPr>
-      <p:grpSpPr>
-        <a:xfrm>
-          <a:off x="0" y="0"/>
-          <a:ext cx="0" cy="0"/>
-          <a:chOff x="0" y="0"/>
-          <a:chExt cx="0" cy="0"/>
-        </a:xfrm>
-      </p:grpSpPr>
-      <p:sp>
-        <p:nvSpPr>
-          <p:cNvPr id="2" name="Title 1"/>
-          <p:cNvSpPr>
-            <a:spLocks noGrp="1"/>
-          </p:cNvSpPr>
-          <p:nvPr>
-            <p:ph type="title"/>
-          </p:nvPr>
-        </p:nvSpPr>
-        <p:spPr/>
-        <p:txBody>
-          <a:bodyPr/>
-          <a:lstStyle/>
-          <a:p>
-            <a:r>
-              <a:rPr lang="en-US" dirty="0"/>
-              <a:t>CPU</a:t>
-            </a:r>
-            <a:endParaRPr lang="nl-BE" dirty="0"/>
-          </a:p>
-        </p:txBody>
-      </p:sp>
-      <p:sp>
-        <p:nvSpPr>
-          <p:cNvPr id="3" name="Text Placeholder 2"/>
-          <p:cNvSpPr>
-            <a:spLocks noGrp="1"/>
-          </p:cNvSpPr>
-          <p:nvPr>
-            <p:ph type="body" idx="1"/>
-          </p:nvPr>
-        </p:nvSpPr>
-        <p:spPr/>
-        <p:txBody>
-          <a:bodyPr/>
-          <a:lstStyle/>
-          <a:p>
-            <a:endParaRPr lang="nl-BE"/>
-          </a:p>
-        </p:txBody>
-      </p:sp>
-      <p:sp>
-        <p:nvSpPr>
-          <p:cNvPr id="4" name="Slide Number Placeholder 3"/>
-          <p:cNvSpPr>
-            <a:spLocks noGrp="1"/>
-          </p:cNvSpPr>
-          <p:nvPr>
-            <p:ph type="sldNum" sz="quarter" idx="12"/>
-          </p:nvPr>
-        </p:nvSpPr>
-        <p:spPr/>
-        <p:txBody>
-          <a:bodyPr/>
-          <a:lstStyle/>
-          <a:p>
-            <a:fld id="{6597116C-F94B-4B5B-973A-17F07FB5C418}" type="slidenum">
-              <a:rPr lang="nl-BE" smtClean="0"/>
-              <a:t>30</a:t>
-            </a:fld>
-            <a:endParaRPr lang="nl-BE"/>
-          </a:p>
-        </p:txBody>
-      </p:sp>
-    </p:spTree>
-    <p:extLst>
-      <p:ext uri="{BB962C8B-B14F-4D97-AF65-F5344CB8AC3E}">
-        <p14:creationId xmlns:p14="http://schemas.microsoft.com/office/powerpoint/2010/main" val="818805559"/>
-      </p:ext>
-    </p:extLst>
-  </p:cSld>
-  <p:clrMapOvr>
-    <a:masterClrMapping/>
-  </p:clrMapOvr>
-</p:sld>
-</file>
-
 <file path=ppt/slides/slide31.xml><?xml version="1.0" encoding="utf-8"?>
 <p:sld xmlns:a="http://schemas.openxmlformats.org/drawingml/2006/main" xmlns:r="http://schemas.openxmlformats.org/officeDocument/2006/relationships" xmlns:p="http://schemas.openxmlformats.org/presentationml/2006/main">
   <p:cSld>
@@ -27872,6 +27924,101 @@
           <a:p>
             <a:r>
               <a:rPr lang="en-US" dirty="0"/>
+              <a:t>CPU</a:t>
+            </a:r>
+            <a:endParaRPr lang="nl-BE" dirty="0"/>
+          </a:p>
+        </p:txBody>
+      </p:sp>
+      <p:sp>
+        <p:nvSpPr>
+          <p:cNvPr id="3" name="Text Placeholder 2"/>
+          <p:cNvSpPr>
+            <a:spLocks noGrp="1"/>
+          </p:cNvSpPr>
+          <p:nvPr>
+            <p:ph type="body" idx="1"/>
+          </p:nvPr>
+        </p:nvSpPr>
+        <p:spPr/>
+        <p:txBody>
+          <a:bodyPr/>
+          <a:lstStyle/>
+          <a:p>
+            <a:endParaRPr lang="nl-BE"/>
+          </a:p>
+        </p:txBody>
+      </p:sp>
+      <p:sp>
+        <p:nvSpPr>
+          <p:cNvPr id="4" name="Slide Number Placeholder 3"/>
+          <p:cNvSpPr>
+            <a:spLocks noGrp="1"/>
+          </p:cNvSpPr>
+          <p:nvPr>
+            <p:ph type="sldNum" sz="quarter" idx="12"/>
+          </p:nvPr>
+        </p:nvSpPr>
+        <p:spPr/>
+        <p:txBody>
+          <a:bodyPr/>
+          <a:lstStyle/>
+          <a:p>
+            <a:fld id="{6597116C-F94B-4B5B-973A-17F07FB5C418}" type="slidenum">
+              <a:rPr lang="nl-BE" smtClean="0"/>
+              <a:t>31</a:t>
+            </a:fld>
+            <a:endParaRPr lang="nl-BE"/>
+          </a:p>
+        </p:txBody>
+      </p:sp>
+    </p:spTree>
+    <p:extLst>
+      <p:ext uri="{BB962C8B-B14F-4D97-AF65-F5344CB8AC3E}">
+        <p14:creationId xmlns:p14="http://schemas.microsoft.com/office/powerpoint/2010/main" val="818805559"/>
+      </p:ext>
+    </p:extLst>
+  </p:cSld>
+  <p:clrMapOvr>
+    <a:masterClrMapping/>
+  </p:clrMapOvr>
+</p:sld>
+</file>
+
+<file path=ppt/slides/slide32.xml><?xml version="1.0" encoding="utf-8"?>
+<p:sld xmlns:a="http://schemas.openxmlformats.org/drawingml/2006/main" xmlns:r="http://schemas.openxmlformats.org/officeDocument/2006/relationships" xmlns:p="http://schemas.openxmlformats.org/presentationml/2006/main">
+  <p:cSld>
+    <p:spTree>
+      <p:nvGrpSpPr>
+        <p:cNvPr id="1" name=""/>
+        <p:cNvGrpSpPr/>
+        <p:nvPr/>
+      </p:nvGrpSpPr>
+      <p:grpSpPr>
+        <a:xfrm>
+          <a:off x="0" y="0"/>
+          <a:ext cx="0" cy="0"/>
+          <a:chOff x="0" y="0"/>
+          <a:chExt cx="0" cy="0"/>
+        </a:xfrm>
+      </p:grpSpPr>
+      <p:sp>
+        <p:nvSpPr>
+          <p:cNvPr id="2" name="Title 1"/>
+          <p:cNvSpPr>
+            <a:spLocks noGrp="1"/>
+          </p:cNvSpPr>
+          <p:nvPr>
+            <p:ph type="title"/>
+          </p:nvPr>
+        </p:nvSpPr>
+        <p:spPr/>
+        <p:txBody>
+          <a:bodyPr/>
+          <a:lstStyle/>
+          <a:p>
+            <a:r>
+              <a:rPr lang="en-US" dirty="0"/>
               <a:t>Vectorization</a:t>
             </a:r>
           </a:p>
@@ -27947,7 +28094,7 @@
           <a:p>
             <a:fld id="{6597116C-F94B-4B5B-973A-17F07FB5C418}" type="slidenum">
               <a:rPr lang="nl-BE" smtClean="0"/>
-              <a:t>31</a:t>
+              <a:t>32</a:t>
             </a:fld>
             <a:endParaRPr lang="nl-BE"/>
           </a:p>
@@ -28715,7 +28862,7 @@
 </p:sld>
 </file>
 
-<file path=ppt/slides/slide32.xml><?xml version="1.0" encoding="utf-8"?>
+<file path=ppt/slides/slide33.xml><?xml version="1.0" encoding="utf-8"?>
 <p:sld xmlns:a="http://schemas.openxmlformats.org/drawingml/2006/main" xmlns:r="http://schemas.openxmlformats.org/officeDocument/2006/relationships" xmlns:p="http://schemas.openxmlformats.org/presentationml/2006/main">
   <p:cSld>
     <p:spTree>
@@ -28819,7 +28966,7 @@
           <a:p>
             <a:fld id="{6597116C-F94B-4B5B-973A-17F07FB5C418}" type="slidenum">
               <a:rPr lang="nl-BE" smtClean="0"/>
-              <a:t>32</a:t>
+              <a:t>33</a:t>
             </a:fld>
             <a:endParaRPr lang="nl-BE"/>
           </a:p>
@@ -29649,7 +29796,7 @@
 </p:sld>
 </file>
 
-<file path=ppt/slides/slide33.xml><?xml version="1.0" encoding="utf-8"?>
+<file path=ppt/slides/slide34.xml><?xml version="1.0" encoding="utf-8"?>
 <p:sld xmlns:a="http://schemas.openxmlformats.org/drawingml/2006/main" xmlns:r="http://schemas.openxmlformats.org/officeDocument/2006/relationships" xmlns:p="http://schemas.openxmlformats.org/presentationml/2006/main">
   <p:cSld>
     <p:spTree>
@@ -29963,7 +30110,7 @@
           <a:p>
             <a:fld id="{6597116C-F94B-4B5B-973A-17F07FB5C418}" type="slidenum">
               <a:rPr lang="nl-BE" smtClean="0"/>
-              <a:t>33</a:t>
+              <a:t>34</a:t>
             </a:fld>
             <a:endParaRPr lang="nl-BE"/>
           </a:p>
@@ -30444,7 +30591,7 @@
 </p:sld>
 </file>
 
-<file path=ppt/slides/slide34.xml><?xml version="1.0" encoding="utf-8"?>
+<file path=ppt/slides/slide35.xml><?xml version="1.0" encoding="utf-8"?>
 <p:sld xmlns:a="http://schemas.openxmlformats.org/drawingml/2006/main" xmlns:r="http://schemas.openxmlformats.org/officeDocument/2006/relationships" xmlns:p="http://schemas.openxmlformats.org/presentationml/2006/main">
   <p:cSld>
     <p:spTree>
@@ -30797,7 +30944,7 @@
           <a:p>
             <a:fld id="{6597116C-F94B-4B5B-973A-17F07FB5C418}" type="slidenum">
               <a:rPr lang="nl-BE" smtClean="0"/>
-              <a:t>34</a:t>
+              <a:t>35</a:t>
             </a:fld>
             <a:endParaRPr lang="nl-BE"/>
           </a:p>
@@ -30981,7 +31128,7 @@
 </p:sld>
 </file>
 
-<file path=ppt/slides/slide35.xml><?xml version="1.0" encoding="utf-8"?>
+<file path=ppt/slides/slide36.xml><?xml version="1.0" encoding="utf-8"?>
 <p:sld xmlns:a="http://schemas.openxmlformats.org/drawingml/2006/main" xmlns:r="http://schemas.openxmlformats.org/officeDocument/2006/relationships" xmlns:p="http://schemas.openxmlformats.org/presentationml/2006/main">
   <p:cSld>
     <p:spTree>
@@ -31099,7 +31246,7 @@
           <a:p>
             <a:fld id="{6597116C-F94B-4B5B-973A-17F07FB5C418}" type="slidenum">
               <a:rPr lang="nl-BE" smtClean="0"/>
-              <a:t>35</a:t>
+              <a:t>36</a:t>
             </a:fld>
             <a:endParaRPr lang="nl-BE"/>
           </a:p>
@@ -31484,7 +31631,7 @@
 </p:sld>
 </file>
 
-<file path=ppt/slides/slide36.xml><?xml version="1.0" encoding="utf-8"?>
+<file path=ppt/slides/slide37.xml><?xml version="1.0" encoding="utf-8"?>
 <p:sld xmlns:a="http://schemas.openxmlformats.org/drawingml/2006/main" xmlns:r="http://schemas.openxmlformats.org/officeDocument/2006/relationships" xmlns:p="http://schemas.openxmlformats.org/presentationml/2006/main">
   <p:cSld>
     <p:spTree>
@@ -31595,7 +31742,7 @@
           <a:p>
             <a:fld id="{6597116C-F94B-4B5B-973A-17F07FB5C418}" type="slidenum">
               <a:rPr lang="nl-BE" smtClean="0"/>
-              <a:t>36</a:t>
+              <a:t>37</a:t>
             </a:fld>
             <a:endParaRPr lang="nl-BE"/>
           </a:p>
@@ -32143,7 +32290,7 @@
 </p:sld>
 </file>
 
-<file path=ppt/slides/slide37.xml><?xml version="1.0" encoding="utf-8"?>
+<file path=ppt/slides/slide38.xml><?xml version="1.0" encoding="utf-8"?>
 <p:sld xmlns:a="http://schemas.openxmlformats.org/drawingml/2006/main" xmlns:r="http://schemas.openxmlformats.org/officeDocument/2006/relationships" xmlns:p="http://schemas.openxmlformats.org/presentationml/2006/main">
   <p:cSld>
     <p:spTree>
@@ -32258,7 +32405,7 @@
           <a:p>
             <a:fld id="{6597116C-F94B-4B5B-973A-17F07FB5C418}" type="slidenum">
               <a:rPr lang="nl-BE" smtClean="0"/>
-              <a:t>37</a:t>
+              <a:t>38</a:t>
             </a:fld>
             <a:endParaRPr lang="nl-BE"/>
           </a:p>
@@ -32856,7 +33003,7 @@
 </p:sld>
 </file>
 
-<file path=ppt/slides/slide38.xml><?xml version="1.0" encoding="utf-8"?>
+<file path=ppt/slides/slide39.xml><?xml version="1.0" encoding="utf-8"?>
 <p:sld xmlns:a="http://schemas.openxmlformats.org/drawingml/2006/main" xmlns:r="http://schemas.openxmlformats.org/officeDocument/2006/relationships" xmlns:p="http://schemas.openxmlformats.org/presentationml/2006/main">
   <p:cSld>
     <p:spTree>
@@ -33025,7 +33172,7 @@
           <a:p>
             <a:fld id="{6597116C-F94B-4B5B-973A-17F07FB5C418}" type="slidenum">
               <a:rPr lang="nl-BE" smtClean="0"/>
-              <a:t>38</a:t>
+              <a:t>39</a:t>
             </a:fld>
             <a:endParaRPr lang="nl-BE"/>
           </a:p>
@@ -33388,7 +33535,7 @@
 </p:sld>
 </file>
 
-<file path=ppt/slides/slide39.xml><?xml version="1.0" encoding="utf-8"?>
+<file path=ppt/slides/slide4.xml><?xml version="1.0" encoding="utf-8"?>
 <p:sld xmlns:a="http://schemas.openxmlformats.org/drawingml/2006/main" xmlns:r="http://schemas.openxmlformats.org/officeDocument/2006/relationships" xmlns:p="http://schemas.openxmlformats.org/presentationml/2006/main">
   <p:cSld>
     <p:spTree>
@@ -33422,6 +33569,101 @@
           <a:p>
             <a:r>
               <a:rPr lang="en-US" dirty="0"/>
+              <a:t>Introduction</a:t>
+            </a:r>
+            <a:endParaRPr lang="nl-BE" dirty="0"/>
+          </a:p>
+        </p:txBody>
+      </p:sp>
+      <p:sp>
+        <p:nvSpPr>
+          <p:cNvPr id="3" name="Text Placeholder 2"/>
+          <p:cNvSpPr>
+            <a:spLocks noGrp="1"/>
+          </p:cNvSpPr>
+          <p:nvPr>
+            <p:ph type="body" idx="1"/>
+          </p:nvPr>
+        </p:nvSpPr>
+        <p:spPr/>
+        <p:txBody>
+          <a:bodyPr/>
+          <a:lstStyle/>
+          <a:p>
+            <a:endParaRPr lang="nl-BE" dirty="0"/>
+          </a:p>
+        </p:txBody>
+      </p:sp>
+      <p:sp>
+        <p:nvSpPr>
+          <p:cNvPr id="4" name="Slide Number Placeholder 3"/>
+          <p:cNvSpPr>
+            <a:spLocks noGrp="1"/>
+          </p:cNvSpPr>
+          <p:nvPr>
+            <p:ph type="sldNum" sz="quarter" idx="12"/>
+          </p:nvPr>
+        </p:nvSpPr>
+        <p:spPr/>
+        <p:txBody>
+          <a:bodyPr/>
+          <a:lstStyle/>
+          <a:p>
+            <a:fld id="{6597116C-F94B-4B5B-973A-17F07FB5C418}" type="slidenum">
+              <a:rPr lang="nl-BE" smtClean="0"/>
+              <a:t>4</a:t>
+            </a:fld>
+            <a:endParaRPr lang="nl-BE"/>
+          </a:p>
+        </p:txBody>
+      </p:sp>
+    </p:spTree>
+    <p:extLst>
+      <p:ext uri="{BB962C8B-B14F-4D97-AF65-F5344CB8AC3E}">
+        <p14:creationId xmlns:p14="http://schemas.microsoft.com/office/powerpoint/2010/main" val="1580163912"/>
+      </p:ext>
+    </p:extLst>
+  </p:cSld>
+  <p:clrMapOvr>
+    <a:masterClrMapping/>
+  </p:clrMapOvr>
+</p:sld>
+</file>
+
+<file path=ppt/slides/slide40.xml><?xml version="1.0" encoding="utf-8"?>
+<p:sld xmlns:a="http://schemas.openxmlformats.org/drawingml/2006/main" xmlns:r="http://schemas.openxmlformats.org/officeDocument/2006/relationships" xmlns:p="http://schemas.openxmlformats.org/presentationml/2006/main">
+  <p:cSld>
+    <p:spTree>
+      <p:nvGrpSpPr>
+        <p:cNvPr id="1" name=""/>
+        <p:cNvGrpSpPr/>
+        <p:nvPr/>
+      </p:nvGrpSpPr>
+      <p:grpSpPr>
+        <a:xfrm>
+          <a:off x="0" y="0"/>
+          <a:ext cx="0" cy="0"/>
+          <a:chOff x="0" y="0"/>
+          <a:chExt cx="0" cy="0"/>
+        </a:xfrm>
+      </p:grpSpPr>
+      <p:sp>
+        <p:nvSpPr>
+          <p:cNvPr id="2" name="Title 1"/>
+          <p:cNvSpPr>
+            <a:spLocks noGrp="1"/>
+          </p:cNvSpPr>
+          <p:nvPr>
+            <p:ph type="title"/>
+          </p:nvPr>
+        </p:nvSpPr>
+        <p:spPr/>
+        <p:txBody>
+          <a:bodyPr/>
+          <a:lstStyle/>
+          <a:p>
+            <a:r>
+              <a:rPr lang="en-US" dirty="0"/>
               <a:t>Math &amp; GCC</a:t>
             </a:r>
           </a:p>
@@ -33737,7 +33979,7 @@
           <a:p>
             <a:fld id="{6597116C-F94B-4B5B-973A-17F07FB5C418}" type="slidenum">
               <a:rPr lang="nl-BE" smtClean="0"/>
-              <a:t>39</a:t>
+              <a:t>40</a:t>
             </a:fld>
             <a:endParaRPr lang="nl-BE"/>
           </a:p>
@@ -34237,102 +34479,7 @@
 </p:sld>
 </file>
 
-<file path=ppt/slides/slide4.xml><?xml version="1.0" encoding="utf-8"?>
-<p:sld xmlns:a="http://schemas.openxmlformats.org/drawingml/2006/main" xmlns:r="http://schemas.openxmlformats.org/officeDocument/2006/relationships" xmlns:p="http://schemas.openxmlformats.org/presentationml/2006/main">
-  <p:cSld>
-    <p:spTree>
-      <p:nvGrpSpPr>
-        <p:cNvPr id="1" name=""/>
-        <p:cNvGrpSpPr/>
-        <p:nvPr/>
-      </p:nvGrpSpPr>
-      <p:grpSpPr>
-        <a:xfrm>
-          <a:off x="0" y="0"/>
-          <a:ext cx="0" cy="0"/>
-          <a:chOff x="0" y="0"/>
-          <a:chExt cx="0" cy="0"/>
-        </a:xfrm>
-      </p:grpSpPr>
-      <p:sp>
-        <p:nvSpPr>
-          <p:cNvPr id="2" name="Title 1"/>
-          <p:cNvSpPr>
-            <a:spLocks noGrp="1"/>
-          </p:cNvSpPr>
-          <p:nvPr>
-            <p:ph type="title"/>
-          </p:nvPr>
-        </p:nvSpPr>
-        <p:spPr/>
-        <p:txBody>
-          <a:bodyPr/>
-          <a:lstStyle/>
-          <a:p>
-            <a:r>
-              <a:rPr lang="en-US" dirty="0"/>
-              <a:t>Introduction</a:t>
-            </a:r>
-            <a:endParaRPr lang="nl-BE" dirty="0"/>
-          </a:p>
-        </p:txBody>
-      </p:sp>
-      <p:sp>
-        <p:nvSpPr>
-          <p:cNvPr id="3" name="Text Placeholder 2"/>
-          <p:cNvSpPr>
-            <a:spLocks noGrp="1"/>
-          </p:cNvSpPr>
-          <p:nvPr>
-            <p:ph type="body" idx="1"/>
-          </p:nvPr>
-        </p:nvSpPr>
-        <p:spPr/>
-        <p:txBody>
-          <a:bodyPr/>
-          <a:lstStyle/>
-          <a:p>
-            <a:endParaRPr lang="nl-BE" dirty="0"/>
-          </a:p>
-        </p:txBody>
-      </p:sp>
-      <p:sp>
-        <p:nvSpPr>
-          <p:cNvPr id="4" name="Slide Number Placeholder 3"/>
-          <p:cNvSpPr>
-            <a:spLocks noGrp="1"/>
-          </p:cNvSpPr>
-          <p:nvPr>
-            <p:ph type="sldNum" sz="quarter" idx="12"/>
-          </p:nvPr>
-        </p:nvSpPr>
-        <p:spPr/>
-        <p:txBody>
-          <a:bodyPr/>
-          <a:lstStyle/>
-          <a:p>
-            <a:fld id="{6597116C-F94B-4B5B-973A-17F07FB5C418}" type="slidenum">
-              <a:rPr lang="nl-BE" smtClean="0"/>
-              <a:t>4</a:t>
-            </a:fld>
-            <a:endParaRPr lang="nl-BE"/>
-          </a:p>
-        </p:txBody>
-      </p:sp>
-    </p:spTree>
-    <p:extLst>
-      <p:ext uri="{BB962C8B-B14F-4D97-AF65-F5344CB8AC3E}">
-        <p14:creationId xmlns:p14="http://schemas.microsoft.com/office/powerpoint/2010/main" val="1580163912"/>
-      </p:ext>
-    </p:extLst>
-  </p:cSld>
-  <p:clrMapOvr>
-    <a:masterClrMapping/>
-  </p:clrMapOvr>
-</p:sld>
-</file>
-
-<file path=ppt/slides/slide40.xml><?xml version="1.0" encoding="utf-8"?>
+<file path=ppt/slides/slide41.xml><?xml version="1.0" encoding="utf-8"?>
 <p:sld xmlns:a="http://schemas.openxmlformats.org/drawingml/2006/main" xmlns:r="http://schemas.openxmlformats.org/officeDocument/2006/relationships" xmlns:p="http://schemas.openxmlformats.org/presentationml/2006/main">
   <p:cSld>
     <p:spTree>
@@ -34451,7 +34598,7 @@
           <a:p>
             <a:fld id="{6597116C-F94B-4B5B-973A-17F07FB5C418}" type="slidenum">
               <a:rPr lang="nl-BE" smtClean="0"/>
-              <a:t>40</a:t>
+              <a:t>41</a:t>
             </a:fld>
             <a:endParaRPr lang="nl-BE" dirty="0"/>
           </a:p>
@@ -36909,7 +37056,7 @@
 </p:sld>
 </file>
 
-<file path=ppt/slides/slide41.xml><?xml version="1.0" encoding="utf-8"?>
+<file path=ppt/slides/slide42.xml><?xml version="1.0" encoding="utf-8"?>
 <p:sld xmlns:a="http://schemas.openxmlformats.org/drawingml/2006/main" xmlns:r="http://schemas.openxmlformats.org/officeDocument/2006/relationships" xmlns:p="http://schemas.openxmlformats.org/presentationml/2006/main">
   <p:cSld>
     <p:spTree>
@@ -37003,7 +37150,7 @@
             <a:pPr lvl="1"/>
             <a:r>
               <a:rPr lang="en-US" dirty="0"/>
-              <a:t>other pipeline starts</a:t>
+              <a:t>another pipeline starts</a:t>
             </a:r>
             <a:endParaRPr lang="en-BE" dirty="0"/>
           </a:p>
@@ -37032,7 +37179,7 @@
           <a:p>
             <a:fld id="{6597116C-F94B-4B5B-973A-17F07FB5C418}" type="slidenum">
               <a:rPr lang="nl-BE" smtClean="0"/>
-              <a:t>41</a:t>
+              <a:t>42</a:t>
             </a:fld>
             <a:endParaRPr lang="nl-BE"/>
           </a:p>
@@ -37579,100 +37726,6 @@
 </p:sld>
 </file>
 
-<file path=ppt/slides/slide42.xml><?xml version="1.0" encoding="utf-8"?>
-<p:sld xmlns:a="http://schemas.openxmlformats.org/drawingml/2006/main" xmlns:r="http://schemas.openxmlformats.org/officeDocument/2006/relationships" xmlns:p="http://schemas.openxmlformats.org/presentationml/2006/main">
-  <p:cSld>
-    <p:spTree>
-      <p:nvGrpSpPr>
-        <p:cNvPr id="1" name=""/>
-        <p:cNvGrpSpPr/>
-        <p:nvPr/>
-      </p:nvGrpSpPr>
-      <p:grpSpPr>
-        <a:xfrm>
-          <a:off x="0" y="0"/>
-          <a:ext cx="0" cy="0"/>
-          <a:chOff x="0" y="0"/>
-          <a:chExt cx="0" cy="0"/>
-        </a:xfrm>
-      </p:grpSpPr>
-      <p:sp>
-        <p:nvSpPr>
-          <p:cNvPr id="2" name="Title 1"/>
-          <p:cNvSpPr>
-            <a:spLocks noGrp="1"/>
-          </p:cNvSpPr>
-          <p:nvPr>
-            <p:ph type="title"/>
-          </p:nvPr>
-        </p:nvSpPr>
-        <p:spPr/>
-        <p:txBody>
-          <a:bodyPr/>
-          <a:lstStyle/>
-          <a:p>
-            <a:r>
-              <a:rPr lang="en-US" dirty="0"/>
-              <a:t>Multithreading: false sharing</a:t>
-            </a:r>
-          </a:p>
-        </p:txBody>
-      </p:sp>
-      <p:sp>
-        <p:nvSpPr>
-          <p:cNvPr id="3" name="Text Placeholder 2"/>
-          <p:cNvSpPr>
-            <a:spLocks noGrp="1"/>
-          </p:cNvSpPr>
-          <p:nvPr>
-            <p:ph type="body" idx="1"/>
-          </p:nvPr>
-        </p:nvSpPr>
-        <p:spPr/>
-        <p:txBody>
-          <a:bodyPr/>
-          <a:lstStyle/>
-          <a:p>
-            <a:endParaRPr lang="en-US"/>
-          </a:p>
-        </p:txBody>
-      </p:sp>
-      <p:sp>
-        <p:nvSpPr>
-          <p:cNvPr id="4" name="Slide Number Placeholder 3"/>
-          <p:cNvSpPr>
-            <a:spLocks noGrp="1"/>
-          </p:cNvSpPr>
-          <p:nvPr>
-            <p:ph type="sldNum" sz="quarter" idx="12"/>
-          </p:nvPr>
-        </p:nvSpPr>
-        <p:spPr/>
-        <p:txBody>
-          <a:bodyPr/>
-          <a:lstStyle/>
-          <a:p>
-            <a:fld id="{6597116C-F94B-4B5B-973A-17F07FB5C418}" type="slidenum">
-              <a:rPr lang="nl-BE" smtClean="0"/>
-              <a:t>42</a:t>
-            </a:fld>
-            <a:endParaRPr lang="nl-BE"/>
-          </a:p>
-        </p:txBody>
-      </p:sp>
-    </p:spTree>
-    <p:extLst>
-      <p:ext uri="{BB962C8B-B14F-4D97-AF65-F5344CB8AC3E}">
-        <p14:creationId xmlns:p14="http://schemas.microsoft.com/office/powerpoint/2010/main" val="3424948925"/>
-      </p:ext>
-    </p:extLst>
-  </p:cSld>
-  <p:clrMapOvr>
-    <a:masterClrMapping/>
-  </p:clrMapOvr>
-</p:sld>
-</file>
-
 <file path=ppt/slides/slide43.xml><?xml version="1.0" encoding="utf-8"?>
 <p:sld xmlns:a="http://schemas.openxmlformats.org/drawingml/2006/main" xmlns:r="http://schemas.openxmlformats.org/officeDocument/2006/relationships" xmlns:p="http://schemas.openxmlformats.org/presentationml/2006/main">
   <p:cSld>
@@ -37707,8 +37760,27 @@
           <a:p>
             <a:r>
               <a:rPr lang="en-US" dirty="0"/>
-              <a:t>Cache lines, again</a:t>
-            </a:r>
+              <a:t>Multithreading: false sharing</a:t>
+            </a:r>
+          </a:p>
+        </p:txBody>
+      </p:sp>
+      <p:sp>
+        <p:nvSpPr>
+          <p:cNvPr id="3" name="Text Placeholder 2"/>
+          <p:cNvSpPr>
+            <a:spLocks noGrp="1"/>
+          </p:cNvSpPr>
+          <p:nvPr>
+            <p:ph type="body" idx="1"/>
+          </p:nvPr>
+        </p:nvSpPr>
+        <p:spPr/>
+        <p:txBody>
+          <a:bodyPr/>
+          <a:lstStyle/>
+          <a:p>
+            <a:endParaRPr lang="en-US"/>
           </a:p>
         </p:txBody>
       </p:sp>
@@ -37730,6 +37802,81 @@
             <a:fld id="{6597116C-F94B-4B5B-973A-17F07FB5C418}" type="slidenum">
               <a:rPr lang="nl-BE" smtClean="0"/>
               <a:t>43</a:t>
+            </a:fld>
+            <a:endParaRPr lang="nl-BE"/>
+          </a:p>
+        </p:txBody>
+      </p:sp>
+    </p:spTree>
+    <p:extLst>
+      <p:ext uri="{BB962C8B-B14F-4D97-AF65-F5344CB8AC3E}">
+        <p14:creationId xmlns:p14="http://schemas.microsoft.com/office/powerpoint/2010/main" val="3424948925"/>
+      </p:ext>
+    </p:extLst>
+  </p:cSld>
+  <p:clrMapOvr>
+    <a:masterClrMapping/>
+  </p:clrMapOvr>
+</p:sld>
+</file>
+
+<file path=ppt/slides/slide44.xml><?xml version="1.0" encoding="utf-8"?>
+<p:sld xmlns:a="http://schemas.openxmlformats.org/drawingml/2006/main" xmlns:r="http://schemas.openxmlformats.org/officeDocument/2006/relationships" xmlns:p="http://schemas.openxmlformats.org/presentationml/2006/main">
+  <p:cSld>
+    <p:spTree>
+      <p:nvGrpSpPr>
+        <p:cNvPr id="1" name=""/>
+        <p:cNvGrpSpPr/>
+        <p:nvPr/>
+      </p:nvGrpSpPr>
+      <p:grpSpPr>
+        <a:xfrm>
+          <a:off x="0" y="0"/>
+          <a:ext cx="0" cy="0"/>
+          <a:chOff x="0" y="0"/>
+          <a:chExt cx="0" cy="0"/>
+        </a:xfrm>
+      </p:grpSpPr>
+      <p:sp>
+        <p:nvSpPr>
+          <p:cNvPr id="2" name="Title 1"/>
+          <p:cNvSpPr>
+            <a:spLocks noGrp="1"/>
+          </p:cNvSpPr>
+          <p:nvPr>
+            <p:ph type="title"/>
+          </p:nvPr>
+        </p:nvSpPr>
+        <p:spPr/>
+        <p:txBody>
+          <a:bodyPr/>
+          <a:lstStyle/>
+          <a:p>
+            <a:r>
+              <a:rPr lang="en-US" dirty="0"/>
+              <a:t>Cache lines, again</a:t>
+            </a:r>
+          </a:p>
+        </p:txBody>
+      </p:sp>
+      <p:sp>
+        <p:nvSpPr>
+          <p:cNvPr id="4" name="Slide Number Placeholder 3"/>
+          <p:cNvSpPr>
+            <a:spLocks noGrp="1"/>
+          </p:cNvSpPr>
+          <p:nvPr>
+            <p:ph type="sldNum" sz="quarter" idx="12"/>
+          </p:nvPr>
+        </p:nvSpPr>
+        <p:spPr/>
+        <p:txBody>
+          <a:bodyPr/>
+          <a:lstStyle/>
+          <a:p>
+            <a:fld id="{6597116C-F94B-4B5B-973A-17F07FB5C418}" type="slidenum">
+              <a:rPr lang="nl-BE" smtClean="0"/>
+              <a:t>44</a:t>
             </a:fld>
             <a:endParaRPr lang="nl-BE"/>
           </a:p>
@@ -42516,7 +42663,7 @@
 </p:sld>
 </file>
 
-<file path=ppt/slides/slide44.xml><?xml version="1.0" encoding="utf-8"?>
+<file path=ppt/slides/slide45.xml><?xml version="1.0" encoding="utf-8"?>
 <p:sld xmlns:a="http://schemas.openxmlformats.org/drawingml/2006/main" xmlns:r="http://schemas.openxmlformats.org/officeDocument/2006/relationships" xmlns:p="http://schemas.openxmlformats.org/presentationml/2006/main">
   <p:cSld>
     <p:spTree>
@@ -42659,7 +42806,7 @@
           <a:p>
             <a:fld id="{6597116C-F94B-4B5B-973A-17F07FB5C418}" type="slidenum">
               <a:rPr lang="nl-BE" smtClean="0"/>
-              <a:t>44</a:t>
+              <a:t>45</a:t>
             </a:fld>
             <a:endParaRPr lang="nl-BE"/>
           </a:p>
@@ -42701,7 +42848,7 @@
             <a:pPr algn="ctr"/>
             <a:r>
               <a:rPr lang="en-US" sz="2400" dirty="0"/>
-              <a:t>so avoid false sharing!</a:t>
+              <a:t>so, avoid false sharing!</a:t>
             </a:r>
           </a:p>
         </p:txBody>
@@ -43126,7 +43273,7 @@
 </p:sld>
 </file>
 
-<file path=ppt/slides/slide45.xml><?xml version="1.0" encoding="utf-8"?>
+<file path=ppt/slides/slide46.xml><?xml version="1.0" encoding="utf-8"?>
 <p:sld xmlns:a="http://schemas.openxmlformats.org/drawingml/2006/main" xmlns:r="http://schemas.openxmlformats.org/officeDocument/2006/relationships" xmlns:p="http://schemas.openxmlformats.org/presentationml/2006/main">
   <p:cSld>
     <p:spTree>
@@ -43465,7 +43612,7 @@
           <a:p>
             <a:fld id="{6597116C-F94B-4B5B-973A-17F07FB5C418}" type="slidenum">
               <a:rPr lang="nl-BE" smtClean="0"/>
-              <a:t>45</a:t>
+              <a:t>46</a:t>
             </a:fld>
             <a:endParaRPr lang="nl-BE"/>
           </a:p>
@@ -43907,100 +44054,6 @@
 </p:sld>
 </file>
 
-<file path=ppt/slides/slide46.xml><?xml version="1.0" encoding="utf-8"?>
-<p:sld xmlns:a="http://schemas.openxmlformats.org/drawingml/2006/main" xmlns:r="http://schemas.openxmlformats.org/officeDocument/2006/relationships" xmlns:p="http://schemas.openxmlformats.org/presentationml/2006/main">
-  <p:cSld>
-    <p:spTree>
-      <p:nvGrpSpPr>
-        <p:cNvPr id="1" name=""/>
-        <p:cNvGrpSpPr/>
-        <p:nvPr/>
-      </p:nvGrpSpPr>
-      <p:grpSpPr>
-        <a:xfrm>
-          <a:off x="0" y="0"/>
-          <a:ext cx="0" cy="0"/>
-          <a:chOff x="0" y="0"/>
-          <a:chExt cx="0" cy="0"/>
-        </a:xfrm>
-      </p:grpSpPr>
-      <p:sp>
-        <p:nvSpPr>
-          <p:cNvPr id="2" name="Title 1"/>
-          <p:cNvSpPr>
-            <a:spLocks noGrp="1"/>
-          </p:cNvSpPr>
-          <p:nvPr>
-            <p:ph type="title"/>
-          </p:nvPr>
-        </p:nvSpPr>
-        <p:spPr/>
-        <p:txBody>
-          <a:bodyPr/>
-          <a:lstStyle/>
-          <a:p>
-            <a:r>
-              <a:rPr lang="en-US" dirty="0"/>
-              <a:t>Profiling</a:t>
-            </a:r>
-          </a:p>
-        </p:txBody>
-      </p:sp>
-      <p:sp>
-        <p:nvSpPr>
-          <p:cNvPr id="3" name="Text Placeholder 2"/>
-          <p:cNvSpPr>
-            <a:spLocks noGrp="1"/>
-          </p:cNvSpPr>
-          <p:nvPr>
-            <p:ph type="body" idx="1"/>
-          </p:nvPr>
-        </p:nvSpPr>
-        <p:spPr/>
-        <p:txBody>
-          <a:bodyPr/>
-          <a:lstStyle/>
-          <a:p>
-            <a:endParaRPr lang="en-US"/>
-          </a:p>
-        </p:txBody>
-      </p:sp>
-      <p:sp>
-        <p:nvSpPr>
-          <p:cNvPr id="4" name="Slide Number Placeholder 3"/>
-          <p:cNvSpPr>
-            <a:spLocks noGrp="1"/>
-          </p:cNvSpPr>
-          <p:nvPr>
-            <p:ph type="sldNum" sz="quarter" idx="12"/>
-          </p:nvPr>
-        </p:nvSpPr>
-        <p:spPr/>
-        <p:txBody>
-          <a:bodyPr/>
-          <a:lstStyle/>
-          <a:p>
-            <a:fld id="{6597116C-F94B-4B5B-973A-17F07FB5C418}" type="slidenum">
-              <a:rPr lang="nl-BE" smtClean="0"/>
-              <a:t>46</a:t>
-            </a:fld>
-            <a:endParaRPr lang="nl-BE"/>
-          </a:p>
-        </p:txBody>
-      </p:sp>
-    </p:spTree>
-    <p:extLst>
-      <p:ext uri="{BB962C8B-B14F-4D97-AF65-F5344CB8AC3E}">
-        <p14:creationId xmlns:p14="http://schemas.microsoft.com/office/powerpoint/2010/main" val="68835048"/>
-      </p:ext>
-    </p:extLst>
-  </p:cSld>
-  <p:clrMapOvr>
-    <a:masterClrMapping/>
-  </p:clrMapOvr>
-</p:sld>
-</file>
-
 <file path=ppt/slides/slide47.xml><?xml version="1.0" encoding="utf-8"?>
 <p:sld xmlns:a="http://schemas.openxmlformats.org/drawingml/2006/main" xmlns:r="http://schemas.openxmlformats.org/officeDocument/2006/relationships" xmlns:p="http://schemas.openxmlformats.org/presentationml/2006/main">
   <p:cSld>
@@ -44034,24 +44087,20 @@
           <a:lstStyle/>
           <a:p>
             <a:r>
-              <a:rPr lang="en-US" dirty="0" err="1"/>
-              <a:t>gprof</a:t>
-            </a:r>
-            <a:r>
               <a:rPr lang="en-US" dirty="0"/>
-              <a:t> with GCC</a:t>
+              <a:t>Profiling</a:t>
             </a:r>
           </a:p>
         </p:txBody>
       </p:sp>
       <p:sp>
         <p:nvSpPr>
-          <p:cNvPr id="3" name="Content Placeholder 2"/>
+          <p:cNvPr id="3" name="Text Placeholder 2"/>
           <p:cNvSpPr>
             <a:spLocks noGrp="1"/>
           </p:cNvSpPr>
           <p:nvPr>
-            <p:ph idx="1"/>
+            <p:ph type="body" idx="1"/>
           </p:nvPr>
         </p:nvSpPr>
         <p:spPr/>
@@ -44059,51 +44108,7 @@
           <a:bodyPr/>
           <a:lstStyle/>
           <a:p>
-            <a:r>
-              <a:rPr lang="en-US" dirty="0"/>
-              <a:t>Compile/link with </a:t>
-            </a:r>
-            <a:r>
-              <a:rPr lang="en-US" dirty="0">
-                <a:latin typeface="Courier New" panose="02070309020205020404" pitchFamily="49" charset="0"/>
-                <a:cs typeface="Courier New" panose="02070309020205020404" pitchFamily="49" charset="0"/>
-              </a:rPr>
-              <a:t>–g  -</a:t>
-            </a:r>
-            <a:r>
-              <a:rPr lang="en-US" dirty="0" err="1">
-                <a:latin typeface="Courier New" panose="02070309020205020404" pitchFamily="49" charset="0"/>
-                <a:cs typeface="Courier New" panose="02070309020205020404" pitchFamily="49" charset="0"/>
-              </a:rPr>
-              <a:t>pg</a:t>
-            </a:r>
-            <a:endParaRPr lang="en-US" dirty="0">
-              <a:latin typeface="Courier New" panose="02070309020205020404" pitchFamily="49" charset="0"/>
-              <a:cs typeface="Courier New" panose="02070309020205020404" pitchFamily="49" charset="0"/>
-            </a:endParaRPr>
-          </a:p>
-          <a:p>
-            <a:r>
-              <a:rPr lang="en-US" dirty="0"/>
-              <a:t>Run application with representative data/settings</a:t>
-            </a:r>
-          </a:p>
-          <a:p>
-            <a:r>
-              <a:rPr lang="en-US" dirty="0"/>
-              <a:t>View profile using </a:t>
-            </a:r>
-            <a:r>
-              <a:rPr lang="en-US" dirty="0" err="1">
-                <a:latin typeface="Courier New" panose="02070309020205020404" pitchFamily="49" charset="0"/>
-                <a:cs typeface="Courier New" panose="02070309020205020404" pitchFamily="49" charset="0"/>
-              </a:rPr>
-              <a:t>gprof</a:t>
-            </a:r>
-            <a:endParaRPr lang="en-US" dirty="0">
-              <a:latin typeface="Courier New" panose="02070309020205020404" pitchFamily="49" charset="0"/>
-              <a:cs typeface="Courier New" panose="02070309020205020404" pitchFamily="49" charset="0"/>
-            </a:endParaRPr>
+            <a:endParaRPr lang="en-US"/>
           </a:p>
         </p:txBody>
       </p:sp>
@@ -44133,7 +44138,7 @@
     </p:spTree>
     <p:extLst>
       <p:ext uri="{BB962C8B-B14F-4D97-AF65-F5344CB8AC3E}">
-        <p14:creationId xmlns:p14="http://schemas.microsoft.com/office/powerpoint/2010/main" val="845156750"/>
+        <p14:creationId xmlns:p14="http://schemas.microsoft.com/office/powerpoint/2010/main" val="68835048"/>
       </p:ext>
     </p:extLst>
   </p:cSld>
@@ -44176,20 +44181,24 @@
           <a:lstStyle/>
           <a:p>
             <a:r>
+              <a:rPr lang="en-US" dirty="0" err="1"/>
+              <a:t>gprof</a:t>
+            </a:r>
+            <a:r>
               <a:rPr lang="en-US" dirty="0"/>
-              <a:t>Feedback-guided optimization</a:t>
+              <a:t> with GCC</a:t>
             </a:r>
           </a:p>
         </p:txBody>
       </p:sp>
       <p:sp>
         <p:nvSpPr>
-          <p:cNvPr id="3" name="Text Placeholder 2"/>
+          <p:cNvPr id="3" name="Content Placeholder 2"/>
           <p:cNvSpPr>
             <a:spLocks noGrp="1"/>
           </p:cNvSpPr>
           <p:nvPr>
-            <p:ph type="body" idx="1"/>
+            <p:ph idx="1"/>
           </p:nvPr>
         </p:nvSpPr>
         <p:spPr/>
@@ -44197,7 +44206,51 @@
           <a:bodyPr/>
           <a:lstStyle/>
           <a:p>
-            <a:endParaRPr lang="en-US"/>
+            <a:r>
+              <a:rPr lang="en-US" dirty="0"/>
+              <a:t>Compile/link with </a:t>
+            </a:r>
+            <a:r>
+              <a:rPr lang="en-US" dirty="0">
+                <a:latin typeface="Courier New" panose="02070309020205020404" pitchFamily="49" charset="0"/>
+                <a:cs typeface="Courier New" panose="02070309020205020404" pitchFamily="49" charset="0"/>
+              </a:rPr>
+              <a:t>–g  -</a:t>
+            </a:r>
+            <a:r>
+              <a:rPr lang="en-US" dirty="0" err="1">
+                <a:latin typeface="Courier New" panose="02070309020205020404" pitchFamily="49" charset="0"/>
+                <a:cs typeface="Courier New" panose="02070309020205020404" pitchFamily="49" charset="0"/>
+              </a:rPr>
+              <a:t>pg</a:t>
+            </a:r>
+            <a:endParaRPr lang="en-US" dirty="0">
+              <a:latin typeface="Courier New" panose="02070309020205020404" pitchFamily="49" charset="0"/>
+              <a:cs typeface="Courier New" panose="02070309020205020404" pitchFamily="49" charset="0"/>
+            </a:endParaRPr>
+          </a:p>
+          <a:p>
+            <a:r>
+              <a:rPr lang="en-US" dirty="0"/>
+              <a:t>Run application with representative data/settings</a:t>
+            </a:r>
+          </a:p>
+          <a:p>
+            <a:r>
+              <a:rPr lang="en-US" dirty="0"/>
+              <a:t>View profile using </a:t>
+            </a:r>
+            <a:r>
+              <a:rPr lang="en-US" dirty="0" err="1">
+                <a:latin typeface="Courier New" panose="02070309020205020404" pitchFamily="49" charset="0"/>
+                <a:cs typeface="Courier New" panose="02070309020205020404" pitchFamily="49" charset="0"/>
+              </a:rPr>
+              <a:t>gprof</a:t>
+            </a:r>
+            <a:endParaRPr lang="en-US" dirty="0">
+              <a:latin typeface="Courier New" panose="02070309020205020404" pitchFamily="49" charset="0"/>
+              <a:cs typeface="Courier New" panose="02070309020205020404" pitchFamily="49" charset="0"/>
+            </a:endParaRPr>
           </a:p>
         </p:txBody>
       </p:sp>
@@ -44227,7 +44280,7 @@
     </p:spTree>
     <p:extLst>
       <p:ext uri="{BB962C8B-B14F-4D97-AF65-F5344CB8AC3E}">
-        <p14:creationId xmlns:p14="http://schemas.microsoft.com/office/powerpoint/2010/main" val="3251639006"/>
+        <p14:creationId xmlns:p14="http://schemas.microsoft.com/office/powerpoint/2010/main" val="845156750"/>
       </p:ext>
     </p:extLst>
   </p:cSld>
@@ -44271,6 +44324,686 @@
           <a:p>
             <a:r>
               <a:rPr lang="en-US" dirty="0"/>
+              <a:t>Feedback-guided optimization</a:t>
+            </a:r>
+          </a:p>
+        </p:txBody>
+      </p:sp>
+      <p:sp>
+        <p:nvSpPr>
+          <p:cNvPr id="3" name="Text Placeholder 2"/>
+          <p:cNvSpPr>
+            <a:spLocks noGrp="1"/>
+          </p:cNvSpPr>
+          <p:nvPr>
+            <p:ph type="body" idx="1"/>
+          </p:nvPr>
+        </p:nvSpPr>
+        <p:spPr/>
+        <p:txBody>
+          <a:bodyPr/>
+          <a:lstStyle/>
+          <a:p>
+            <a:endParaRPr lang="en-US"/>
+          </a:p>
+        </p:txBody>
+      </p:sp>
+      <p:sp>
+        <p:nvSpPr>
+          <p:cNvPr id="4" name="Slide Number Placeholder 3"/>
+          <p:cNvSpPr>
+            <a:spLocks noGrp="1"/>
+          </p:cNvSpPr>
+          <p:nvPr>
+            <p:ph type="sldNum" sz="quarter" idx="12"/>
+          </p:nvPr>
+        </p:nvSpPr>
+        <p:spPr/>
+        <p:txBody>
+          <a:bodyPr/>
+          <a:lstStyle/>
+          <a:p>
+            <a:fld id="{6597116C-F94B-4B5B-973A-17F07FB5C418}" type="slidenum">
+              <a:rPr lang="nl-BE" smtClean="0"/>
+              <a:t>49</a:t>
+            </a:fld>
+            <a:endParaRPr lang="nl-BE"/>
+          </a:p>
+        </p:txBody>
+      </p:sp>
+    </p:spTree>
+    <p:extLst>
+      <p:ext uri="{BB962C8B-B14F-4D97-AF65-F5344CB8AC3E}">
+        <p14:creationId xmlns:p14="http://schemas.microsoft.com/office/powerpoint/2010/main" val="3251639006"/>
+      </p:ext>
+    </p:extLst>
+  </p:cSld>
+  <p:clrMapOvr>
+    <a:masterClrMapping/>
+  </p:clrMapOvr>
+</p:sld>
+</file>
+
+<file path=ppt/slides/slide5.xml><?xml version="1.0" encoding="utf-8"?>
+<p:sld xmlns:a="http://schemas.openxmlformats.org/drawingml/2006/main" xmlns:r="http://schemas.openxmlformats.org/officeDocument/2006/relationships" xmlns:p="http://schemas.openxmlformats.org/presentationml/2006/main">
+  <p:cSld>
+    <p:spTree>
+      <p:nvGrpSpPr>
+        <p:cNvPr id="1" name=""/>
+        <p:cNvGrpSpPr/>
+        <p:nvPr/>
+      </p:nvGrpSpPr>
+      <p:grpSpPr>
+        <a:xfrm>
+          <a:off x="0" y="0"/>
+          <a:ext cx="0" cy="0"/>
+          <a:chOff x="0" y="0"/>
+          <a:chExt cx="0" cy="0"/>
+        </a:xfrm>
+      </p:grpSpPr>
+      <p:sp>
+        <p:nvSpPr>
+          <p:cNvPr id="2" name="Title 1"/>
+          <p:cNvSpPr>
+            <a:spLocks noGrp="1"/>
+          </p:cNvSpPr>
+          <p:nvPr>
+            <p:ph type="title"/>
+          </p:nvPr>
+        </p:nvSpPr>
+        <p:spPr/>
+        <p:txBody>
+          <a:bodyPr/>
+          <a:lstStyle/>
+          <a:p>
+            <a:r>
+              <a:rPr lang="en-US" dirty="0"/>
+              <a:t>Moore's law</a:t>
+            </a:r>
+            <a:endParaRPr lang="nl-BE" dirty="0"/>
+          </a:p>
+        </p:txBody>
+      </p:sp>
+      <p:sp>
+        <p:nvSpPr>
+          <p:cNvPr id="3" name="Content Placeholder 2"/>
+          <p:cNvSpPr>
+            <a:spLocks noGrp="1"/>
+          </p:cNvSpPr>
+          <p:nvPr>
+            <p:ph idx="1"/>
+          </p:nvPr>
+        </p:nvSpPr>
+        <p:spPr/>
+        <p:txBody>
+          <a:bodyPr/>
+          <a:lstStyle/>
+          <a:p>
+            <a:r>
+              <a:rPr lang="en-US" dirty="0"/>
+              <a:t>In the good, old days…</a:t>
+            </a:r>
+          </a:p>
+          <a:p>
+            <a:pPr lvl="1"/>
+            <a:r>
+              <a:rPr lang="en-US" dirty="0"/>
+              <a:t>CPU clock frequency increased:</a:t>
+            </a:r>
+            <a:br>
+              <a:rPr lang="en-US" dirty="0"/>
+            </a:br>
+            <a:r>
+              <a:rPr lang="en-US" dirty="0"/>
+              <a:t>performance was free lunch</a:t>
+            </a:r>
+          </a:p>
+          <a:p>
+            <a:r>
+              <a:rPr lang="en-US" dirty="0"/>
+              <a:t>Problems</a:t>
+            </a:r>
+          </a:p>
+          <a:p>
+            <a:pPr lvl="1"/>
+            <a:r>
+              <a:rPr lang="en-US" dirty="0"/>
+              <a:t>Heat dissipation</a:t>
+            </a:r>
+          </a:p>
+          <a:p>
+            <a:pPr lvl="1"/>
+            <a:r>
+              <a:rPr lang="en-US" dirty="0"/>
+              <a:t>Power efficiency</a:t>
+            </a:r>
+          </a:p>
+          <a:p>
+            <a:r>
+              <a:rPr lang="en-US" dirty="0"/>
+              <a:t>However…</a:t>
+            </a:r>
+            <a:endParaRPr lang="nl-BE" dirty="0"/>
+          </a:p>
+        </p:txBody>
+      </p:sp>
+      <p:sp>
+        <p:nvSpPr>
+          <p:cNvPr id="4" name="Slide Number Placeholder 3"/>
+          <p:cNvSpPr>
+            <a:spLocks noGrp="1"/>
+          </p:cNvSpPr>
+          <p:nvPr>
+            <p:ph type="sldNum" sz="quarter" idx="12"/>
+          </p:nvPr>
+        </p:nvSpPr>
+        <p:spPr/>
+        <p:txBody>
+          <a:bodyPr/>
+          <a:lstStyle/>
+          <a:p>
+            <a:fld id="{6597116C-F94B-4B5B-973A-17F07FB5C418}" type="slidenum">
+              <a:rPr lang="nl-BE" smtClean="0"/>
+              <a:t>5</a:t>
+            </a:fld>
+            <a:endParaRPr lang="nl-BE"/>
+          </a:p>
+        </p:txBody>
+      </p:sp>
+      <p:sp>
+        <p:nvSpPr>
+          <p:cNvPr id="5" name="TextBox 4"/>
+          <p:cNvSpPr txBox="1"/>
+          <p:nvPr/>
+        </p:nvSpPr>
+        <p:spPr>
+          <a:xfrm>
+            <a:off x="683568" y="5499229"/>
+            <a:ext cx="7704856" cy="954107"/>
+          </a:xfrm>
+          <a:prstGeom prst="rect">
+            <a:avLst/>
+          </a:prstGeom>
+          <a:noFill/>
+          <a:ln>
+            <a:solidFill>
+              <a:schemeClr val="tx1"/>
+            </a:solidFill>
+          </a:ln>
+        </p:spPr>
+        <p:txBody>
+          <a:bodyPr wrap="square" rtlCol="0">
+            <a:spAutoFit/>
+          </a:bodyPr>
+          <a:lstStyle/>
+          <a:p>
+            <a:pPr algn="ctr"/>
+            <a:r>
+              <a:rPr lang="en-US" sz="2800" dirty="0"/>
+              <a:t>"The number of transistors in a dense integrated circuit doubles approximately every two years".</a:t>
+            </a:r>
+            <a:endParaRPr lang="nl-BE" sz="2800" dirty="0"/>
+          </a:p>
+        </p:txBody>
+      </p:sp>
+      <p:graphicFrame>
+        <p:nvGraphicFramePr>
+          <p:cNvPr id="6" name="Object 5"/>
+          <p:cNvGraphicFramePr>
+            <a:graphicFrameLocks noChangeAspect="1"/>
+          </p:cNvGraphicFramePr>
+          <p:nvPr>
+            <p:extLst>
+              <p:ext uri="{D42A27DB-BD31-4B8C-83A1-F6EECF244321}">
+                <p14:modId xmlns:p14="http://schemas.microsoft.com/office/powerpoint/2010/main" val="2892907508"/>
+              </p:ext>
+            </p:extLst>
+          </p:nvPr>
+        </p:nvGraphicFramePr>
+        <p:xfrm>
+          <a:off x="4716016" y="4005064"/>
+          <a:ext cx="2609850" cy="619125"/>
+        </p:xfrm>
+        <a:graphic>
+          <a:graphicData uri="http://schemas.openxmlformats.org/presentationml/2006/ole">
+            <mc:AlternateContent xmlns:mc="http://schemas.openxmlformats.org/markup-compatibility/2006">
+              <mc:Choice xmlns:v="urn:schemas-microsoft-com:vml" Requires="v">
+                <p:oleObj spid="_x0000_s1027" name="Equation" r:id="rId3" imgW="965160" imgH="228600" progId="Equation.3">
+                  <p:embed/>
+                </p:oleObj>
+              </mc:Choice>
+              <mc:Fallback>
+                <p:oleObj name="Equation" r:id="rId3" imgW="965160" imgH="228600" progId="Equation.3">
+                  <p:embed/>
+                  <p:pic>
+                    <p:nvPicPr>
+                      <p:cNvPr id="0" name=""/>
+                      <p:cNvPicPr/>
+                      <p:nvPr/>
+                    </p:nvPicPr>
+                    <p:blipFill>
+                      <a:blip r:embed="rId4"/>
+                      <a:stretch>
+                        <a:fillRect/>
+                      </a:stretch>
+                    </p:blipFill>
+                    <p:spPr>
+                      <a:xfrm>
+                        <a:off x="4716016" y="4005064"/>
+                        <a:ext cx="2609850" cy="619125"/>
+                      </a:xfrm>
+                      <a:prstGeom prst="rect">
+                        <a:avLst/>
+                      </a:prstGeom>
+                      <a:ln>
+                        <a:solidFill>
+                          <a:schemeClr val="tx1"/>
+                        </a:solidFill>
+                      </a:ln>
+                    </p:spPr>
+                  </p:pic>
+                </p:oleObj>
+              </mc:Fallback>
+            </mc:AlternateContent>
+          </a:graphicData>
+        </a:graphic>
+      </p:graphicFrame>
+    </p:spTree>
+    <p:extLst>
+      <p:ext uri="{BB962C8B-B14F-4D97-AF65-F5344CB8AC3E}">
+        <p14:creationId xmlns:p14="http://schemas.microsoft.com/office/powerpoint/2010/main" val="3338152140"/>
+      </p:ext>
+    </p:extLst>
+  </p:cSld>
+  <p:clrMapOvr>
+    <a:masterClrMapping/>
+  </p:clrMapOvr>
+  <p:timing>
+    <p:tnLst>
+      <p:par>
+        <p:cTn id="1" dur="indefinite" restart="never" nodeType="tmRoot">
+          <p:childTnLst>
+            <p:seq concurrent="1" nextAc="seek">
+              <p:cTn id="2" dur="indefinite" nodeType="mainSeq">
+                <p:childTnLst>
+                  <p:par>
+                    <p:cTn id="3" fill="hold">
+                      <p:stCondLst>
+                        <p:cond delay="indefinite"/>
+                        <p:cond evt="onBegin" delay="0">
+                          <p:tn val="2"/>
+                        </p:cond>
+                      </p:stCondLst>
+                      <p:childTnLst>
+                        <p:par>
+                          <p:cTn id="4" fill="hold">
+                            <p:stCondLst>
+                              <p:cond delay="0"/>
+                            </p:stCondLst>
+                            <p:childTnLst>
+                              <p:par>
+                                <p:cTn id="5" presetID="1" presetClass="entr" presetSubtype="0" fill="hold" grpId="0" nodeType="withEffect">
+                                  <p:stCondLst>
+                                    <p:cond delay="0"/>
+                                  </p:stCondLst>
+                                  <p:childTnLst>
+                                    <p:set>
+                                      <p:cBhvr>
+                                        <p:cTn id="6" dur="1" fill="hold">
+                                          <p:stCondLst>
+                                            <p:cond delay="0"/>
+                                          </p:stCondLst>
+                                        </p:cTn>
+                                        <p:tgtEl>
+                                          <p:spTgt spid="3">
+                                            <p:txEl>
+                                              <p:pRg st="0" end="0"/>
+                                            </p:txEl>
+                                          </p:spTgt>
+                                        </p:tgtEl>
+                                        <p:attrNameLst>
+                                          <p:attrName>style.visibility</p:attrName>
+                                        </p:attrNameLst>
+                                      </p:cBhvr>
+                                      <p:to>
+                                        <p:strVal val="visible"/>
+                                      </p:to>
+                                    </p:set>
+                                  </p:childTnLst>
+                                </p:cTn>
+                              </p:par>
+                              <p:par>
+                                <p:cTn id="7" presetID="1" presetClass="entr" presetSubtype="0" fill="hold" grpId="0" nodeType="withEffect">
+                                  <p:stCondLst>
+                                    <p:cond delay="0"/>
+                                  </p:stCondLst>
+                                  <p:childTnLst>
+                                    <p:set>
+                                      <p:cBhvr>
+                                        <p:cTn id="8" dur="1" fill="hold">
+                                          <p:stCondLst>
+                                            <p:cond delay="0"/>
+                                          </p:stCondLst>
+                                        </p:cTn>
+                                        <p:tgtEl>
+                                          <p:spTgt spid="3">
+                                            <p:txEl>
+                                              <p:pRg st="1" end="1"/>
+                                            </p:txEl>
+                                          </p:spTgt>
+                                        </p:tgtEl>
+                                        <p:attrNameLst>
+                                          <p:attrName>style.visibility</p:attrName>
+                                        </p:attrNameLst>
+                                      </p:cBhvr>
+                                      <p:to>
+                                        <p:strVal val="visible"/>
+                                      </p:to>
+                                    </p:set>
+                                  </p:childTnLst>
+                                </p:cTn>
+                              </p:par>
+                            </p:childTnLst>
+                          </p:cTn>
+                        </p:par>
+                      </p:childTnLst>
+                    </p:cTn>
+                  </p:par>
+                  <p:par>
+                    <p:cTn id="9" fill="hold">
+                      <p:stCondLst>
+                        <p:cond delay="indefinite"/>
+                      </p:stCondLst>
+                      <p:childTnLst>
+                        <p:par>
+                          <p:cTn id="10" fill="hold">
+                            <p:stCondLst>
+                              <p:cond delay="0"/>
+                            </p:stCondLst>
+                            <p:childTnLst>
+                              <p:par>
+                                <p:cTn id="11" presetID="1" presetClass="entr" presetSubtype="0" fill="hold" grpId="0" nodeType="clickEffect">
+                                  <p:stCondLst>
+                                    <p:cond delay="0"/>
+                                  </p:stCondLst>
+                                  <p:childTnLst>
+                                    <p:set>
+                                      <p:cBhvr>
+                                        <p:cTn id="12" dur="1" fill="hold">
+                                          <p:stCondLst>
+                                            <p:cond delay="0"/>
+                                          </p:stCondLst>
+                                        </p:cTn>
+                                        <p:tgtEl>
+                                          <p:spTgt spid="3">
+                                            <p:txEl>
+                                              <p:pRg st="2" end="2"/>
+                                            </p:txEl>
+                                          </p:spTgt>
+                                        </p:tgtEl>
+                                        <p:attrNameLst>
+                                          <p:attrName>style.visibility</p:attrName>
+                                        </p:attrNameLst>
+                                      </p:cBhvr>
+                                      <p:to>
+                                        <p:strVal val="visible"/>
+                                      </p:to>
+                                    </p:set>
+                                  </p:childTnLst>
+                                </p:cTn>
+                              </p:par>
+                              <p:par>
+                                <p:cTn id="13" presetID="1" presetClass="entr" presetSubtype="0" fill="hold" grpId="0" nodeType="withEffect">
+                                  <p:stCondLst>
+                                    <p:cond delay="0"/>
+                                  </p:stCondLst>
+                                  <p:childTnLst>
+                                    <p:set>
+                                      <p:cBhvr>
+                                        <p:cTn id="14" dur="1" fill="hold">
+                                          <p:stCondLst>
+                                            <p:cond delay="0"/>
+                                          </p:stCondLst>
+                                        </p:cTn>
+                                        <p:tgtEl>
+                                          <p:spTgt spid="3">
+                                            <p:txEl>
+                                              <p:pRg st="3" end="3"/>
+                                            </p:txEl>
+                                          </p:spTgt>
+                                        </p:tgtEl>
+                                        <p:attrNameLst>
+                                          <p:attrName>style.visibility</p:attrName>
+                                        </p:attrNameLst>
+                                      </p:cBhvr>
+                                      <p:to>
+                                        <p:strVal val="visible"/>
+                                      </p:to>
+                                    </p:set>
+                                  </p:childTnLst>
+                                </p:cTn>
+                              </p:par>
+                              <p:par>
+                                <p:cTn id="15" presetID="1" presetClass="entr" presetSubtype="0" fill="hold" grpId="0" nodeType="withEffect">
+                                  <p:stCondLst>
+                                    <p:cond delay="0"/>
+                                  </p:stCondLst>
+                                  <p:childTnLst>
+                                    <p:set>
+                                      <p:cBhvr>
+                                        <p:cTn id="16" dur="1" fill="hold">
+                                          <p:stCondLst>
+                                            <p:cond delay="0"/>
+                                          </p:stCondLst>
+                                        </p:cTn>
+                                        <p:tgtEl>
+                                          <p:spTgt spid="3">
+                                            <p:txEl>
+                                              <p:pRg st="4" end="4"/>
+                                            </p:txEl>
+                                          </p:spTgt>
+                                        </p:tgtEl>
+                                        <p:attrNameLst>
+                                          <p:attrName>style.visibility</p:attrName>
+                                        </p:attrNameLst>
+                                      </p:cBhvr>
+                                      <p:to>
+                                        <p:strVal val="visible"/>
+                                      </p:to>
+                                    </p:set>
+                                  </p:childTnLst>
+                                </p:cTn>
+                              </p:par>
+                            </p:childTnLst>
+                          </p:cTn>
+                        </p:par>
+                      </p:childTnLst>
+                    </p:cTn>
+                  </p:par>
+                  <p:par>
+                    <p:cTn id="17" fill="hold">
+                      <p:stCondLst>
+                        <p:cond delay="indefinite"/>
+                      </p:stCondLst>
+                      <p:childTnLst>
+                        <p:par>
+                          <p:cTn id="18" fill="hold">
+                            <p:stCondLst>
+                              <p:cond delay="0"/>
+                            </p:stCondLst>
+                            <p:childTnLst>
+                              <p:par>
+                                <p:cTn id="19" presetID="1" presetClass="entr" presetSubtype="0" fill="hold" nodeType="clickEffect">
+                                  <p:stCondLst>
+                                    <p:cond delay="0"/>
+                                  </p:stCondLst>
+                                  <p:childTnLst>
+                                    <p:set>
+                                      <p:cBhvr>
+                                        <p:cTn id="20" dur="1" fill="hold">
+                                          <p:stCondLst>
+                                            <p:cond delay="0"/>
+                                          </p:stCondLst>
+                                        </p:cTn>
+                                        <p:tgtEl>
+                                          <p:spTgt spid="6"/>
+                                        </p:tgtEl>
+                                        <p:attrNameLst>
+                                          <p:attrName>style.visibility</p:attrName>
+                                        </p:attrNameLst>
+                                      </p:cBhvr>
+                                      <p:to>
+                                        <p:strVal val="visible"/>
+                                      </p:to>
+                                    </p:set>
+                                  </p:childTnLst>
+                                </p:cTn>
+                              </p:par>
+                            </p:childTnLst>
+                          </p:cTn>
+                        </p:par>
+                      </p:childTnLst>
+                    </p:cTn>
+                  </p:par>
+                  <p:par>
+                    <p:cTn id="21" fill="hold">
+                      <p:stCondLst>
+                        <p:cond delay="indefinite"/>
+                      </p:stCondLst>
+                      <p:childTnLst>
+                        <p:par>
+                          <p:cTn id="22" fill="hold">
+                            <p:stCondLst>
+                              <p:cond delay="0"/>
+                            </p:stCondLst>
+                            <p:childTnLst>
+                              <p:par>
+                                <p:cTn id="23" presetID="1" presetClass="entr" presetSubtype="0" fill="hold" grpId="0" nodeType="clickEffect">
+                                  <p:stCondLst>
+                                    <p:cond delay="0"/>
+                                  </p:stCondLst>
+                                  <p:childTnLst>
+                                    <p:set>
+                                      <p:cBhvr>
+                                        <p:cTn id="24" dur="1" fill="hold">
+                                          <p:stCondLst>
+                                            <p:cond delay="0"/>
+                                          </p:stCondLst>
+                                        </p:cTn>
+                                        <p:tgtEl>
+                                          <p:spTgt spid="3">
+                                            <p:txEl>
+                                              <p:pRg st="5" end="5"/>
+                                            </p:txEl>
+                                          </p:spTgt>
+                                        </p:tgtEl>
+                                        <p:attrNameLst>
+                                          <p:attrName>style.visibility</p:attrName>
+                                        </p:attrNameLst>
+                                      </p:cBhvr>
+                                      <p:to>
+                                        <p:strVal val="visible"/>
+                                      </p:to>
+                                    </p:set>
+                                  </p:childTnLst>
+                                </p:cTn>
+                              </p:par>
+                              <p:par>
+                                <p:cTn id="25" presetID="1" presetClass="entr" presetSubtype="0" fill="hold" grpId="0" nodeType="withEffect">
+                                  <p:stCondLst>
+                                    <p:cond delay="0"/>
+                                  </p:stCondLst>
+                                  <p:childTnLst>
+                                    <p:set>
+                                      <p:cBhvr>
+                                        <p:cTn id="26" dur="1" fill="hold">
+                                          <p:stCondLst>
+                                            <p:cond delay="0"/>
+                                          </p:stCondLst>
+                                        </p:cTn>
+                                        <p:tgtEl>
+                                          <p:spTgt spid="5"/>
+                                        </p:tgtEl>
+                                        <p:attrNameLst>
+                                          <p:attrName>style.visibility</p:attrName>
+                                        </p:attrNameLst>
+                                      </p:cBhvr>
+                                      <p:to>
+                                        <p:strVal val="visible"/>
+                                      </p:to>
+                                    </p:set>
+                                  </p:childTnLst>
+                                </p:cTn>
+                              </p:par>
+                            </p:childTnLst>
+                          </p:cTn>
+                        </p:par>
+                      </p:childTnLst>
+                    </p:cTn>
+                  </p:par>
+                </p:childTnLst>
+              </p:cTn>
+              <p:prevCondLst>
+                <p:cond evt="onPrev" delay="0">
+                  <p:tgtEl>
+                    <p:sldTgt/>
+                  </p:tgtEl>
+                </p:cond>
+              </p:prevCondLst>
+              <p:nextCondLst>
+                <p:cond evt="onNext" delay="0">
+                  <p:tgtEl>
+                    <p:sldTgt/>
+                  </p:tgtEl>
+                </p:cond>
+              </p:nextCondLst>
+            </p:seq>
+          </p:childTnLst>
+        </p:cTn>
+      </p:par>
+    </p:tnLst>
+    <p:bldLst>
+      <p:bldP spid="3" grpId="0" uiExpand="1" build="p"/>
+      <p:bldP spid="5" grpId="0" animBg="1"/>
+    </p:bldLst>
+  </p:timing>
+</p:sld>
+</file>
+
+<file path=ppt/slides/slide50.xml><?xml version="1.0" encoding="utf-8"?>
+<p:sld xmlns:a="http://schemas.openxmlformats.org/drawingml/2006/main" xmlns:r="http://schemas.openxmlformats.org/officeDocument/2006/relationships" xmlns:p="http://schemas.openxmlformats.org/presentationml/2006/main">
+  <p:cSld>
+    <p:spTree>
+      <p:nvGrpSpPr>
+        <p:cNvPr id="1" name=""/>
+        <p:cNvGrpSpPr/>
+        <p:nvPr/>
+      </p:nvGrpSpPr>
+      <p:grpSpPr>
+        <a:xfrm>
+          <a:off x="0" y="0"/>
+          <a:ext cx="0" cy="0"/>
+          <a:chOff x="0" y="0"/>
+          <a:chExt cx="0" cy="0"/>
+        </a:xfrm>
+      </p:grpSpPr>
+      <p:sp>
+        <p:nvSpPr>
+          <p:cNvPr id="2" name="Title 1"/>
+          <p:cNvSpPr>
+            <a:spLocks noGrp="1"/>
+          </p:cNvSpPr>
+          <p:nvPr>
+            <p:ph type="title"/>
+          </p:nvPr>
+        </p:nvSpPr>
+        <p:spPr/>
+        <p:txBody>
+          <a:bodyPr/>
+          <a:lstStyle/>
+          <a:p>
+            <a:r>
+              <a:rPr lang="en-US" dirty="0"/>
               <a:t>Philosophy</a:t>
             </a:r>
           </a:p>
@@ -44371,7 +45104,7 @@
           <a:p>
             <a:fld id="{6597116C-F94B-4B5B-973A-17F07FB5C418}" type="slidenum">
               <a:rPr lang="nl-BE" smtClean="0"/>
-              <a:t>49</a:t>
+              <a:t>50</a:t>
             </a:fld>
             <a:endParaRPr lang="nl-BE"/>
           </a:p>
@@ -44849,7 +45582,7 @@
 </p:sld>
 </file>
 
-<file path=ppt/slides/slide5.xml><?xml version="1.0" encoding="utf-8"?>
+<file path=ppt/slides/slide51.xml><?xml version="1.0" encoding="utf-8"?>
 <p:sld xmlns:a="http://schemas.openxmlformats.org/drawingml/2006/main" xmlns:r="http://schemas.openxmlformats.org/officeDocument/2006/relationships" xmlns:p="http://schemas.openxmlformats.org/presentationml/2006/main">
   <p:cSld>
     <p:spTree>
@@ -44883,9 +45616,8 @@
           <a:p>
             <a:r>
               <a:rPr lang="en-US" dirty="0"/>
-              <a:t>Moore's law</a:t>
-            </a:r>
-            <a:endParaRPr lang="nl-BE" dirty="0"/>
+              <a:t>GCC compilers</a:t>
+            </a:r>
           </a:p>
         </p:txBody>
       </p:sp>
@@ -44906,49 +45638,23 @@
           <a:p>
             <a:r>
               <a:rPr lang="en-US" dirty="0"/>
-              <a:t>In the good, old days…</a:t>
-            </a:r>
-          </a:p>
-          <a:p>
-            <a:pPr lvl="1"/>
+              <a:t>Build with instrumentation</a:t>
+            </a:r>
+          </a:p>
+          <a:p>
+            <a:endParaRPr lang="en-US" dirty="0"/>
+          </a:p>
+          <a:p>
             <a:r>
               <a:rPr lang="en-US" dirty="0"/>
-              <a:t>CPU clock frequency increased:</a:t>
-            </a:r>
-            <a:br>
+              <a:t>Run as usual</a:t>
+            </a:r>
+          </a:p>
+          <a:p>
+            <a:r>
               <a:rPr lang="en-US" dirty="0"/>
-            </a:br>
-            <a:r>
-              <a:rPr lang="en-US" dirty="0"/>
-              <a:t>performance was free lunch</a:t>
-            </a:r>
-          </a:p>
-          <a:p>
-            <a:r>
-              <a:rPr lang="en-US" dirty="0"/>
-              <a:t>Problems</a:t>
-            </a:r>
-          </a:p>
-          <a:p>
-            <a:pPr lvl="1"/>
-            <a:r>
-              <a:rPr lang="en-US" dirty="0"/>
-              <a:t>Heat dissipation</a:t>
-            </a:r>
-          </a:p>
-          <a:p>
-            <a:pPr lvl="1"/>
-            <a:r>
-              <a:rPr lang="en-US" dirty="0"/>
-              <a:t>Power efficiency</a:t>
-            </a:r>
-          </a:p>
-          <a:p>
-            <a:r>
-              <a:rPr lang="en-US" dirty="0"/>
-              <a:t>However…</a:t>
-            </a:r>
-            <a:endParaRPr lang="nl-BE" dirty="0"/>
+              <a:t>Build using profile</a:t>
+            </a:r>
           </a:p>
         </p:txBody>
       </p:sp>
@@ -44969,566 +45675,7 @@
           <a:p>
             <a:fld id="{6597116C-F94B-4B5B-973A-17F07FB5C418}" type="slidenum">
               <a:rPr lang="nl-BE" smtClean="0"/>
-              <a:t>5</a:t>
-            </a:fld>
-            <a:endParaRPr lang="nl-BE"/>
-          </a:p>
-        </p:txBody>
-      </p:sp>
-      <p:sp>
-        <p:nvSpPr>
-          <p:cNvPr id="5" name="TextBox 4"/>
-          <p:cNvSpPr txBox="1"/>
-          <p:nvPr/>
-        </p:nvSpPr>
-        <p:spPr>
-          <a:xfrm>
-            <a:off x="683568" y="5499229"/>
-            <a:ext cx="7704856" cy="954107"/>
-          </a:xfrm>
-          <a:prstGeom prst="rect">
-            <a:avLst/>
-          </a:prstGeom>
-          <a:noFill/>
-          <a:ln>
-            <a:solidFill>
-              <a:schemeClr val="tx1"/>
-            </a:solidFill>
-          </a:ln>
-        </p:spPr>
-        <p:txBody>
-          <a:bodyPr wrap="square" rtlCol="0">
-            <a:spAutoFit/>
-          </a:bodyPr>
-          <a:lstStyle/>
-          <a:p>
-            <a:pPr algn="ctr"/>
-            <a:r>
-              <a:rPr lang="en-US" sz="2800" dirty="0"/>
-              <a:t>"The number of transistors in a dense integrated circuit doubles approximately every two years".</a:t>
-            </a:r>
-            <a:endParaRPr lang="nl-BE" sz="2800" dirty="0"/>
-          </a:p>
-        </p:txBody>
-      </p:sp>
-      <p:graphicFrame>
-        <p:nvGraphicFramePr>
-          <p:cNvPr id="6" name="Object 5"/>
-          <p:cNvGraphicFramePr>
-            <a:graphicFrameLocks noChangeAspect="1"/>
-          </p:cNvGraphicFramePr>
-          <p:nvPr>
-            <p:extLst>
-              <p:ext uri="{D42A27DB-BD31-4B8C-83A1-F6EECF244321}">
-                <p14:modId xmlns:p14="http://schemas.microsoft.com/office/powerpoint/2010/main" val="2892907508"/>
-              </p:ext>
-            </p:extLst>
-          </p:nvPr>
-        </p:nvGraphicFramePr>
-        <p:xfrm>
-          <a:off x="4716016" y="4005064"/>
-          <a:ext cx="2609850" cy="619125"/>
-        </p:xfrm>
-        <a:graphic>
-          <a:graphicData uri="http://schemas.openxmlformats.org/presentationml/2006/ole">
-            <mc:AlternateContent xmlns:mc="http://schemas.openxmlformats.org/markup-compatibility/2006">
-              <mc:Choice xmlns:v="urn:schemas-microsoft-com:vml" Requires="v">
-                <p:oleObj spid="_x0000_s1026" name="Equation" r:id="rId3" imgW="965160" imgH="228600" progId="Equation.3">
-                  <p:embed/>
-                </p:oleObj>
-              </mc:Choice>
-              <mc:Fallback>
-                <p:oleObj name="Equation" r:id="rId3" imgW="965160" imgH="228600" progId="Equation.3">
-                  <p:embed/>
-                  <p:pic>
-                    <p:nvPicPr>
-                      <p:cNvPr id="0" name=""/>
-                      <p:cNvPicPr/>
-                      <p:nvPr/>
-                    </p:nvPicPr>
-                    <p:blipFill>
-                      <a:blip r:embed="rId4"/>
-                      <a:stretch>
-                        <a:fillRect/>
-                      </a:stretch>
-                    </p:blipFill>
-                    <p:spPr>
-                      <a:xfrm>
-                        <a:off x="4716016" y="4005064"/>
-                        <a:ext cx="2609850" cy="619125"/>
-                      </a:xfrm>
-                      <a:prstGeom prst="rect">
-                        <a:avLst/>
-                      </a:prstGeom>
-                      <a:ln>
-                        <a:solidFill>
-                          <a:schemeClr val="tx1"/>
-                        </a:solidFill>
-                      </a:ln>
-                    </p:spPr>
-                  </p:pic>
-                </p:oleObj>
-              </mc:Fallback>
-            </mc:AlternateContent>
-          </a:graphicData>
-        </a:graphic>
-      </p:graphicFrame>
-    </p:spTree>
-    <p:extLst>
-      <p:ext uri="{BB962C8B-B14F-4D97-AF65-F5344CB8AC3E}">
-        <p14:creationId xmlns:p14="http://schemas.microsoft.com/office/powerpoint/2010/main" val="3338152140"/>
-      </p:ext>
-    </p:extLst>
-  </p:cSld>
-  <p:clrMapOvr>
-    <a:masterClrMapping/>
-  </p:clrMapOvr>
-  <p:timing>
-    <p:tnLst>
-      <p:par>
-        <p:cTn id="1" dur="indefinite" restart="never" nodeType="tmRoot">
-          <p:childTnLst>
-            <p:seq concurrent="1" nextAc="seek">
-              <p:cTn id="2" dur="indefinite" nodeType="mainSeq">
-                <p:childTnLst>
-                  <p:par>
-                    <p:cTn id="3" fill="hold">
-                      <p:stCondLst>
-                        <p:cond delay="indefinite"/>
-                        <p:cond evt="onBegin" delay="0">
-                          <p:tn val="2"/>
-                        </p:cond>
-                      </p:stCondLst>
-                      <p:childTnLst>
-                        <p:par>
-                          <p:cTn id="4" fill="hold">
-                            <p:stCondLst>
-                              <p:cond delay="0"/>
-                            </p:stCondLst>
-                            <p:childTnLst>
-                              <p:par>
-                                <p:cTn id="5" presetID="1" presetClass="entr" presetSubtype="0" fill="hold" grpId="0" nodeType="withEffect">
-                                  <p:stCondLst>
-                                    <p:cond delay="0"/>
-                                  </p:stCondLst>
-                                  <p:childTnLst>
-                                    <p:set>
-                                      <p:cBhvr>
-                                        <p:cTn id="6" dur="1" fill="hold">
-                                          <p:stCondLst>
-                                            <p:cond delay="0"/>
-                                          </p:stCondLst>
-                                        </p:cTn>
-                                        <p:tgtEl>
-                                          <p:spTgt spid="3">
-                                            <p:txEl>
-                                              <p:pRg st="0" end="0"/>
-                                            </p:txEl>
-                                          </p:spTgt>
-                                        </p:tgtEl>
-                                        <p:attrNameLst>
-                                          <p:attrName>style.visibility</p:attrName>
-                                        </p:attrNameLst>
-                                      </p:cBhvr>
-                                      <p:to>
-                                        <p:strVal val="visible"/>
-                                      </p:to>
-                                    </p:set>
-                                  </p:childTnLst>
-                                </p:cTn>
-                              </p:par>
-                              <p:par>
-                                <p:cTn id="7" presetID="1" presetClass="entr" presetSubtype="0" fill="hold" grpId="0" nodeType="withEffect">
-                                  <p:stCondLst>
-                                    <p:cond delay="0"/>
-                                  </p:stCondLst>
-                                  <p:childTnLst>
-                                    <p:set>
-                                      <p:cBhvr>
-                                        <p:cTn id="8" dur="1" fill="hold">
-                                          <p:stCondLst>
-                                            <p:cond delay="0"/>
-                                          </p:stCondLst>
-                                        </p:cTn>
-                                        <p:tgtEl>
-                                          <p:spTgt spid="3">
-                                            <p:txEl>
-                                              <p:pRg st="1" end="1"/>
-                                            </p:txEl>
-                                          </p:spTgt>
-                                        </p:tgtEl>
-                                        <p:attrNameLst>
-                                          <p:attrName>style.visibility</p:attrName>
-                                        </p:attrNameLst>
-                                      </p:cBhvr>
-                                      <p:to>
-                                        <p:strVal val="visible"/>
-                                      </p:to>
-                                    </p:set>
-                                  </p:childTnLst>
-                                </p:cTn>
-                              </p:par>
-                            </p:childTnLst>
-                          </p:cTn>
-                        </p:par>
-                      </p:childTnLst>
-                    </p:cTn>
-                  </p:par>
-                  <p:par>
-                    <p:cTn id="9" fill="hold">
-                      <p:stCondLst>
-                        <p:cond delay="indefinite"/>
-                      </p:stCondLst>
-                      <p:childTnLst>
-                        <p:par>
-                          <p:cTn id="10" fill="hold">
-                            <p:stCondLst>
-                              <p:cond delay="0"/>
-                            </p:stCondLst>
-                            <p:childTnLst>
-                              <p:par>
-                                <p:cTn id="11" presetID="1" presetClass="entr" presetSubtype="0" fill="hold" grpId="0" nodeType="clickEffect">
-                                  <p:stCondLst>
-                                    <p:cond delay="0"/>
-                                  </p:stCondLst>
-                                  <p:childTnLst>
-                                    <p:set>
-                                      <p:cBhvr>
-                                        <p:cTn id="12" dur="1" fill="hold">
-                                          <p:stCondLst>
-                                            <p:cond delay="0"/>
-                                          </p:stCondLst>
-                                        </p:cTn>
-                                        <p:tgtEl>
-                                          <p:spTgt spid="3">
-                                            <p:txEl>
-                                              <p:pRg st="2" end="2"/>
-                                            </p:txEl>
-                                          </p:spTgt>
-                                        </p:tgtEl>
-                                        <p:attrNameLst>
-                                          <p:attrName>style.visibility</p:attrName>
-                                        </p:attrNameLst>
-                                      </p:cBhvr>
-                                      <p:to>
-                                        <p:strVal val="visible"/>
-                                      </p:to>
-                                    </p:set>
-                                  </p:childTnLst>
-                                </p:cTn>
-                              </p:par>
-                              <p:par>
-                                <p:cTn id="13" presetID="1" presetClass="entr" presetSubtype="0" fill="hold" grpId="0" nodeType="withEffect">
-                                  <p:stCondLst>
-                                    <p:cond delay="0"/>
-                                  </p:stCondLst>
-                                  <p:childTnLst>
-                                    <p:set>
-                                      <p:cBhvr>
-                                        <p:cTn id="14" dur="1" fill="hold">
-                                          <p:stCondLst>
-                                            <p:cond delay="0"/>
-                                          </p:stCondLst>
-                                        </p:cTn>
-                                        <p:tgtEl>
-                                          <p:spTgt spid="3">
-                                            <p:txEl>
-                                              <p:pRg st="3" end="3"/>
-                                            </p:txEl>
-                                          </p:spTgt>
-                                        </p:tgtEl>
-                                        <p:attrNameLst>
-                                          <p:attrName>style.visibility</p:attrName>
-                                        </p:attrNameLst>
-                                      </p:cBhvr>
-                                      <p:to>
-                                        <p:strVal val="visible"/>
-                                      </p:to>
-                                    </p:set>
-                                  </p:childTnLst>
-                                </p:cTn>
-                              </p:par>
-                              <p:par>
-                                <p:cTn id="15" presetID="1" presetClass="entr" presetSubtype="0" fill="hold" grpId="0" nodeType="withEffect">
-                                  <p:stCondLst>
-                                    <p:cond delay="0"/>
-                                  </p:stCondLst>
-                                  <p:childTnLst>
-                                    <p:set>
-                                      <p:cBhvr>
-                                        <p:cTn id="16" dur="1" fill="hold">
-                                          <p:stCondLst>
-                                            <p:cond delay="0"/>
-                                          </p:stCondLst>
-                                        </p:cTn>
-                                        <p:tgtEl>
-                                          <p:spTgt spid="3">
-                                            <p:txEl>
-                                              <p:pRg st="4" end="4"/>
-                                            </p:txEl>
-                                          </p:spTgt>
-                                        </p:tgtEl>
-                                        <p:attrNameLst>
-                                          <p:attrName>style.visibility</p:attrName>
-                                        </p:attrNameLst>
-                                      </p:cBhvr>
-                                      <p:to>
-                                        <p:strVal val="visible"/>
-                                      </p:to>
-                                    </p:set>
-                                  </p:childTnLst>
-                                </p:cTn>
-                              </p:par>
-                            </p:childTnLst>
-                          </p:cTn>
-                        </p:par>
-                      </p:childTnLst>
-                    </p:cTn>
-                  </p:par>
-                  <p:par>
-                    <p:cTn id="17" fill="hold">
-                      <p:stCondLst>
-                        <p:cond delay="indefinite"/>
-                      </p:stCondLst>
-                      <p:childTnLst>
-                        <p:par>
-                          <p:cTn id="18" fill="hold">
-                            <p:stCondLst>
-                              <p:cond delay="0"/>
-                            </p:stCondLst>
-                            <p:childTnLst>
-                              <p:par>
-                                <p:cTn id="19" presetID="1" presetClass="entr" presetSubtype="0" fill="hold" nodeType="clickEffect">
-                                  <p:stCondLst>
-                                    <p:cond delay="0"/>
-                                  </p:stCondLst>
-                                  <p:childTnLst>
-                                    <p:set>
-                                      <p:cBhvr>
-                                        <p:cTn id="20" dur="1" fill="hold">
-                                          <p:stCondLst>
-                                            <p:cond delay="0"/>
-                                          </p:stCondLst>
-                                        </p:cTn>
-                                        <p:tgtEl>
-                                          <p:spTgt spid="6"/>
-                                        </p:tgtEl>
-                                        <p:attrNameLst>
-                                          <p:attrName>style.visibility</p:attrName>
-                                        </p:attrNameLst>
-                                      </p:cBhvr>
-                                      <p:to>
-                                        <p:strVal val="visible"/>
-                                      </p:to>
-                                    </p:set>
-                                  </p:childTnLst>
-                                </p:cTn>
-                              </p:par>
-                            </p:childTnLst>
-                          </p:cTn>
-                        </p:par>
-                      </p:childTnLst>
-                    </p:cTn>
-                  </p:par>
-                  <p:par>
-                    <p:cTn id="21" fill="hold">
-                      <p:stCondLst>
-                        <p:cond delay="indefinite"/>
-                      </p:stCondLst>
-                      <p:childTnLst>
-                        <p:par>
-                          <p:cTn id="22" fill="hold">
-                            <p:stCondLst>
-                              <p:cond delay="0"/>
-                            </p:stCondLst>
-                            <p:childTnLst>
-                              <p:par>
-                                <p:cTn id="23" presetID="1" presetClass="entr" presetSubtype="0" fill="hold" grpId="0" nodeType="clickEffect">
-                                  <p:stCondLst>
-                                    <p:cond delay="0"/>
-                                  </p:stCondLst>
-                                  <p:childTnLst>
-                                    <p:set>
-                                      <p:cBhvr>
-                                        <p:cTn id="24" dur="1" fill="hold">
-                                          <p:stCondLst>
-                                            <p:cond delay="0"/>
-                                          </p:stCondLst>
-                                        </p:cTn>
-                                        <p:tgtEl>
-                                          <p:spTgt spid="3">
-                                            <p:txEl>
-                                              <p:pRg st="5" end="5"/>
-                                            </p:txEl>
-                                          </p:spTgt>
-                                        </p:tgtEl>
-                                        <p:attrNameLst>
-                                          <p:attrName>style.visibility</p:attrName>
-                                        </p:attrNameLst>
-                                      </p:cBhvr>
-                                      <p:to>
-                                        <p:strVal val="visible"/>
-                                      </p:to>
-                                    </p:set>
-                                  </p:childTnLst>
-                                </p:cTn>
-                              </p:par>
-                              <p:par>
-                                <p:cTn id="25" presetID="1" presetClass="entr" presetSubtype="0" fill="hold" grpId="0" nodeType="withEffect">
-                                  <p:stCondLst>
-                                    <p:cond delay="0"/>
-                                  </p:stCondLst>
-                                  <p:childTnLst>
-                                    <p:set>
-                                      <p:cBhvr>
-                                        <p:cTn id="26" dur="1" fill="hold">
-                                          <p:stCondLst>
-                                            <p:cond delay="0"/>
-                                          </p:stCondLst>
-                                        </p:cTn>
-                                        <p:tgtEl>
-                                          <p:spTgt spid="5"/>
-                                        </p:tgtEl>
-                                        <p:attrNameLst>
-                                          <p:attrName>style.visibility</p:attrName>
-                                        </p:attrNameLst>
-                                      </p:cBhvr>
-                                      <p:to>
-                                        <p:strVal val="visible"/>
-                                      </p:to>
-                                    </p:set>
-                                  </p:childTnLst>
-                                </p:cTn>
-                              </p:par>
-                            </p:childTnLst>
-                          </p:cTn>
-                        </p:par>
-                      </p:childTnLst>
-                    </p:cTn>
-                  </p:par>
-                </p:childTnLst>
-              </p:cTn>
-              <p:prevCondLst>
-                <p:cond evt="onPrev" delay="0">
-                  <p:tgtEl>
-                    <p:sldTgt/>
-                  </p:tgtEl>
-                </p:cond>
-              </p:prevCondLst>
-              <p:nextCondLst>
-                <p:cond evt="onNext" delay="0">
-                  <p:tgtEl>
-                    <p:sldTgt/>
-                  </p:tgtEl>
-                </p:cond>
-              </p:nextCondLst>
-            </p:seq>
-          </p:childTnLst>
-        </p:cTn>
-      </p:par>
-    </p:tnLst>
-    <p:bldLst>
-      <p:bldP spid="3" grpId="0" uiExpand="1" build="p"/>
-      <p:bldP spid="5" grpId="0" animBg="1"/>
-    </p:bldLst>
-  </p:timing>
-</p:sld>
-</file>
-
-<file path=ppt/slides/slide50.xml><?xml version="1.0" encoding="utf-8"?>
-<p:sld xmlns:a="http://schemas.openxmlformats.org/drawingml/2006/main" xmlns:r="http://schemas.openxmlformats.org/officeDocument/2006/relationships" xmlns:p="http://schemas.openxmlformats.org/presentationml/2006/main">
-  <p:cSld>
-    <p:spTree>
-      <p:nvGrpSpPr>
-        <p:cNvPr id="1" name=""/>
-        <p:cNvGrpSpPr/>
-        <p:nvPr/>
-      </p:nvGrpSpPr>
-      <p:grpSpPr>
-        <a:xfrm>
-          <a:off x="0" y="0"/>
-          <a:ext cx="0" cy="0"/>
-          <a:chOff x="0" y="0"/>
-          <a:chExt cx="0" cy="0"/>
-        </a:xfrm>
-      </p:grpSpPr>
-      <p:sp>
-        <p:nvSpPr>
-          <p:cNvPr id="2" name="Title 1"/>
-          <p:cNvSpPr>
-            <a:spLocks noGrp="1"/>
-          </p:cNvSpPr>
-          <p:nvPr>
-            <p:ph type="title"/>
-          </p:nvPr>
-        </p:nvSpPr>
-        <p:spPr/>
-        <p:txBody>
-          <a:bodyPr/>
-          <a:lstStyle/>
-          <a:p>
-            <a:r>
-              <a:rPr lang="en-US" dirty="0"/>
-              <a:t>GCC compilers</a:t>
-            </a:r>
-          </a:p>
-        </p:txBody>
-      </p:sp>
-      <p:sp>
-        <p:nvSpPr>
-          <p:cNvPr id="3" name="Content Placeholder 2"/>
-          <p:cNvSpPr>
-            <a:spLocks noGrp="1"/>
-          </p:cNvSpPr>
-          <p:nvPr>
-            <p:ph idx="1"/>
-          </p:nvPr>
-        </p:nvSpPr>
-        <p:spPr/>
-        <p:txBody>
-          <a:bodyPr/>
-          <a:lstStyle/>
-          <a:p>
-            <a:r>
-              <a:rPr lang="en-US" dirty="0"/>
-              <a:t>Build with instrumentation</a:t>
-            </a:r>
-          </a:p>
-          <a:p>
-            <a:endParaRPr lang="en-US" dirty="0"/>
-          </a:p>
-          <a:p>
-            <a:r>
-              <a:rPr lang="en-US" dirty="0"/>
-              <a:t>Run as usual</a:t>
-            </a:r>
-          </a:p>
-          <a:p>
-            <a:r>
-              <a:rPr lang="en-US" dirty="0"/>
-              <a:t>Build using profile</a:t>
-            </a:r>
-          </a:p>
-        </p:txBody>
-      </p:sp>
-      <p:sp>
-        <p:nvSpPr>
-          <p:cNvPr id="4" name="Slide Number Placeholder 3"/>
-          <p:cNvSpPr>
-            <a:spLocks noGrp="1"/>
-          </p:cNvSpPr>
-          <p:nvPr>
-            <p:ph type="sldNum" sz="quarter" idx="12"/>
-          </p:nvPr>
-        </p:nvSpPr>
-        <p:spPr/>
-        <p:txBody>
-          <a:bodyPr/>
-          <a:lstStyle/>
-          <a:p>
-            <a:fld id="{6597116C-F94B-4B5B-973A-17F07FB5C418}" type="slidenum">
-              <a:rPr lang="nl-BE" smtClean="0"/>
-              <a:t>50</a:t>
+              <a:t>51</a:t>
             </a:fld>
             <a:endParaRPr lang="nl-BE"/>
           </a:p>
@@ -45684,503 +45831,6 @@
     <p:extLst>
       <p:ext uri="{BB962C8B-B14F-4D97-AF65-F5344CB8AC3E}">
         <p14:creationId xmlns:p14="http://schemas.microsoft.com/office/powerpoint/2010/main" val="2433576050"/>
-      </p:ext>
-    </p:extLst>
-  </p:cSld>
-  <p:clrMapOvr>
-    <a:masterClrMapping/>
-  </p:clrMapOvr>
-  <p:timing>
-    <p:tnLst>
-      <p:par>
-        <p:cTn id="1" dur="indefinite" restart="never" nodeType="tmRoot">
-          <p:childTnLst>
-            <p:seq concurrent="1" nextAc="seek">
-              <p:cTn id="2" dur="indefinite" nodeType="mainSeq">
-                <p:childTnLst>
-                  <p:par>
-                    <p:cTn id="3" fill="hold">
-                      <p:stCondLst>
-                        <p:cond delay="indefinite"/>
-                        <p:cond evt="onBegin" delay="0">
-                          <p:tn val="2"/>
-                        </p:cond>
-                      </p:stCondLst>
-                      <p:childTnLst>
-                        <p:par>
-                          <p:cTn id="4" fill="hold">
-                            <p:stCondLst>
-                              <p:cond delay="0"/>
-                            </p:stCondLst>
-                            <p:childTnLst>
-                              <p:par>
-                                <p:cTn id="5" presetID="1" presetClass="entr" presetSubtype="0" fill="hold" grpId="0" nodeType="withEffect">
-                                  <p:stCondLst>
-                                    <p:cond delay="0"/>
-                                  </p:stCondLst>
-                                  <p:childTnLst>
-                                    <p:set>
-                                      <p:cBhvr>
-                                        <p:cTn id="6" dur="1" fill="hold">
-                                          <p:stCondLst>
-                                            <p:cond delay="0"/>
-                                          </p:stCondLst>
-                                        </p:cTn>
-                                        <p:tgtEl>
-                                          <p:spTgt spid="3">
-                                            <p:txEl>
-                                              <p:pRg st="0" end="0"/>
-                                            </p:txEl>
-                                          </p:spTgt>
-                                        </p:tgtEl>
-                                        <p:attrNameLst>
-                                          <p:attrName>style.visibility</p:attrName>
-                                        </p:attrNameLst>
-                                      </p:cBhvr>
-                                      <p:to>
-                                        <p:strVal val="visible"/>
-                                      </p:to>
-                                    </p:set>
-                                  </p:childTnLst>
-                                </p:cTn>
-                              </p:par>
-                              <p:par>
-                                <p:cTn id="7" presetID="1" presetClass="entr" presetSubtype="0" fill="hold" grpId="0" nodeType="withEffect">
-                                  <p:stCondLst>
-                                    <p:cond delay="0"/>
-                                  </p:stCondLst>
-                                  <p:childTnLst>
-                                    <p:set>
-                                      <p:cBhvr>
-                                        <p:cTn id="8" dur="1" fill="hold">
-                                          <p:stCondLst>
-                                            <p:cond delay="0"/>
-                                          </p:stCondLst>
-                                        </p:cTn>
-                                        <p:tgtEl>
-                                          <p:spTgt spid="5"/>
-                                        </p:tgtEl>
-                                        <p:attrNameLst>
-                                          <p:attrName>style.visibility</p:attrName>
-                                        </p:attrNameLst>
-                                      </p:cBhvr>
-                                      <p:to>
-                                        <p:strVal val="visible"/>
-                                      </p:to>
-                                    </p:set>
-                                  </p:childTnLst>
-                                </p:cTn>
-                              </p:par>
-                            </p:childTnLst>
-                          </p:cTn>
-                        </p:par>
-                      </p:childTnLst>
-                    </p:cTn>
-                  </p:par>
-                  <p:par>
-                    <p:cTn id="9" fill="hold">
-                      <p:stCondLst>
-                        <p:cond delay="indefinite"/>
-                      </p:stCondLst>
-                      <p:childTnLst>
-                        <p:par>
-                          <p:cTn id="10" fill="hold">
-                            <p:stCondLst>
-                              <p:cond delay="0"/>
-                            </p:stCondLst>
-                            <p:childTnLst>
-                              <p:par>
-                                <p:cTn id="11" presetID="1" presetClass="entr" presetSubtype="0" fill="hold" grpId="0" nodeType="clickEffect">
-                                  <p:stCondLst>
-                                    <p:cond delay="0"/>
-                                  </p:stCondLst>
-                                  <p:childTnLst>
-                                    <p:set>
-                                      <p:cBhvr>
-                                        <p:cTn id="12" dur="1" fill="hold">
-                                          <p:stCondLst>
-                                            <p:cond delay="0"/>
-                                          </p:stCondLst>
-                                        </p:cTn>
-                                        <p:tgtEl>
-                                          <p:spTgt spid="3">
-                                            <p:txEl>
-                                              <p:pRg st="2" end="2"/>
-                                            </p:txEl>
-                                          </p:spTgt>
-                                        </p:tgtEl>
-                                        <p:attrNameLst>
-                                          <p:attrName>style.visibility</p:attrName>
-                                        </p:attrNameLst>
-                                      </p:cBhvr>
-                                      <p:to>
-                                        <p:strVal val="visible"/>
-                                      </p:to>
-                                    </p:set>
-                                  </p:childTnLst>
-                                </p:cTn>
-                              </p:par>
-                            </p:childTnLst>
-                          </p:cTn>
-                        </p:par>
-                      </p:childTnLst>
-                    </p:cTn>
-                  </p:par>
-                  <p:par>
-                    <p:cTn id="13" fill="hold">
-                      <p:stCondLst>
-                        <p:cond delay="indefinite"/>
-                      </p:stCondLst>
-                      <p:childTnLst>
-                        <p:par>
-                          <p:cTn id="14" fill="hold">
-                            <p:stCondLst>
-                              <p:cond delay="0"/>
-                            </p:stCondLst>
-                            <p:childTnLst>
-                              <p:par>
-                                <p:cTn id="15" presetID="1" presetClass="entr" presetSubtype="0" fill="hold" grpId="0" nodeType="clickEffect">
-                                  <p:stCondLst>
-                                    <p:cond delay="0"/>
-                                  </p:stCondLst>
-                                  <p:childTnLst>
-                                    <p:set>
-                                      <p:cBhvr>
-                                        <p:cTn id="16" dur="1" fill="hold">
-                                          <p:stCondLst>
-                                            <p:cond delay="0"/>
-                                          </p:stCondLst>
-                                        </p:cTn>
-                                        <p:tgtEl>
-                                          <p:spTgt spid="3">
-                                            <p:txEl>
-                                              <p:pRg st="3" end="3"/>
-                                            </p:txEl>
-                                          </p:spTgt>
-                                        </p:tgtEl>
-                                        <p:attrNameLst>
-                                          <p:attrName>style.visibility</p:attrName>
-                                        </p:attrNameLst>
-                                      </p:cBhvr>
-                                      <p:to>
-                                        <p:strVal val="visible"/>
-                                      </p:to>
-                                    </p:set>
-                                  </p:childTnLst>
-                                </p:cTn>
-                              </p:par>
-                              <p:par>
-                                <p:cTn id="17" presetID="1" presetClass="entr" presetSubtype="0" fill="hold" grpId="0" nodeType="withEffect">
-                                  <p:stCondLst>
-                                    <p:cond delay="0"/>
-                                  </p:stCondLst>
-                                  <p:childTnLst>
-                                    <p:set>
-                                      <p:cBhvr>
-                                        <p:cTn id="18" dur="1" fill="hold">
-                                          <p:stCondLst>
-                                            <p:cond delay="0"/>
-                                          </p:stCondLst>
-                                        </p:cTn>
-                                        <p:tgtEl>
-                                          <p:spTgt spid="6"/>
-                                        </p:tgtEl>
-                                        <p:attrNameLst>
-                                          <p:attrName>style.visibility</p:attrName>
-                                        </p:attrNameLst>
-                                      </p:cBhvr>
-                                      <p:to>
-                                        <p:strVal val="visible"/>
-                                      </p:to>
-                                    </p:set>
-                                  </p:childTnLst>
-                                </p:cTn>
-                              </p:par>
-                            </p:childTnLst>
-                          </p:cTn>
-                        </p:par>
-                      </p:childTnLst>
-                    </p:cTn>
-                  </p:par>
-                </p:childTnLst>
-              </p:cTn>
-              <p:prevCondLst>
-                <p:cond evt="onPrev" delay="0">
-                  <p:tgtEl>
-                    <p:sldTgt/>
-                  </p:tgtEl>
-                </p:cond>
-              </p:prevCondLst>
-              <p:nextCondLst>
-                <p:cond evt="onNext" delay="0">
-                  <p:tgtEl>
-                    <p:sldTgt/>
-                  </p:tgtEl>
-                </p:cond>
-              </p:nextCondLst>
-            </p:seq>
-          </p:childTnLst>
-        </p:cTn>
-      </p:par>
-    </p:tnLst>
-    <p:bldLst>
-      <p:bldP spid="3" grpId="0" uiExpand="1" build="p"/>
-      <p:bldP spid="5" grpId="0" animBg="1"/>
-      <p:bldP spid="6" grpId="0" animBg="1"/>
-    </p:bldLst>
-  </p:timing>
-</p:sld>
-</file>
-
-<file path=ppt/slides/slide51.xml><?xml version="1.0" encoding="utf-8"?>
-<p:sld xmlns:a="http://schemas.openxmlformats.org/drawingml/2006/main" xmlns:r="http://schemas.openxmlformats.org/officeDocument/2006/relationships" xmlns:p="http://schemas.openxmlformats.org/presentationml/2006/main">
-  <p:cSld>
-    <p:spTree>
-      <p:nvGrpSpPr>
-        <p:cNvPr id="1" name=""/>
-        <p:cNvGrpSpPr/>
-        <p:nvPr/>
-      </p:nvGrpSpPr>
-      <p:grpSpPr>
-        <a:xfrm>
-          <a:off x="0" y="0"/>
-          <a:ext cx="0" cy="0"/>
-          <a:chOff x="0" y="0"/>
-          <a:chExt cx="0" cy="0"/>
-        </a:xfrm>
-      </p:grpSpPr>
-      <p:sp>
-        <p:nvSpPr>
-          <p:cNvPr id="2" name="Title 1"/>
-          <p:cNvSpPr>
-            <a:spLocks noGrp="1"/>
-          </p:cNvSpPr>
-          <p:nvPr>
-            <p:ph type="title"/>
-          </p:nvPr>
-        </p:nvSpPr>
-        <p:spPr/>
-        <p:txBody>
-          <a:bodyPr/>
-          <a:lstStyle/>
-          <a:p>
-            <a:r>
-              <a:rPr lang="en-US" dirty="0"/>
-              <a:t>Intel compilers</a:t>
-            </a:r>
-          </a:p>
-        </p:txBody>
-      </p:sp>
-      <p:sp>
-        <p:nvSpPr>
-          <p:cNvPr id="3" name="Content Placeholder 2"/>
-          <p:cNvSpPr>
-            <a:spLocks noGrp="1"/>
-          </p:cNvSpPr>
-          <p:nvPr>
-            <p:ph idx="1"/>
-          </p:nvPr>
-        </p:nvSpPr>
-        <p:spPr/>
-        <p:txBody>
-          <a:bodyPr/>
-          <a:lstStyle/>
-          <a:p>
-            <a:r>
-              <a:rPr lang="en-US" dirty="0"/>
-              <a:t>Build with instrumentation</a:t>
-            </a:r>
-          </a:p>
-          <a:p>
-            <a:endParaRPr lang="en-US" dirty="0"/>
-          </a:p>
-          <a:p>
-            <a:r>
-              <a:rPr lang="en-US" dirty="0"/>
-              <a:t>Run as usual</a:t>
-            </a:r>
-          </a:p>
-          <a:p>
-            <a:r>
-              <a:rPr lang="en-US" dirty="0"/>
-              <a:t>Build using profile</a:t>
-            </a:r>
-          </a:p>
-        </p:txBody>
-      </p:sp>
-      <p:sp>
-        <p:nvSpPr>
-          <p:cNvPr id="4" name="Slide Number Placeholder 3"/>
-          <p:cNvSpPr>
-            <a:spLocks noGrp="1"/>
-          </p:cNvSpPr>
-          <p:nvPr>
-            <p:ph type="sldNum" sz="quarter" idx="12"/>
-          </p:nvPr>
-        </p:nvSpPr>
-        <p:spPr/>
-        <p:txBody>
-          <a:bodyPr/>
-          <a:lstStyle/>
-          <a:p>
-            <a:fld id="{6597116C-F94B-4B5B-973A-17F07FB5C418}" type="slidenum">
-              <a:rPr lang="nl-BE" smtClean="0"/>
-              <a:t>51</a:t>
-            </a:fld>
-            <a:endParaRPr lang="nl-BE"/>
-          </a:p>
-        </p:txBody>
-      </p:sp>
-      <p:sp>
-        <p:nvSpPr>
-          <p:cNvPr id="5" name="TextBox 4"/>
-          <p:cNvSpPr txBox="1"/>
-          <p:nvPr/>
-        </p:nvSpPr>
-        <p:spPr>
-          <a:xfrm>
-            <a:off x="1187624" y="2276872"/>
-            <a:ext cx="7629012" cy="369332"/>
-          </a:xfrm>
-          <a:prstGeom prst="rect">
-            <a:avLst/>
-          </a:prstGeom>
-          <a:solidFill>
-            <a:schemeClr val="bg1">
-              <a:lumMod val="85000"/>
-            </a:schemeClr>
-          </a:solidFill>
-          <a:ln>
-            <a:solidFill>
-              <a:schemeClr val="tx1"/>
-            </a:solidFill>
-          </a:ln>
-        </p:spPr>
-        <p:txBody>
-          <a:bodyPr wrap="square" rtlCol="0">
-            <a:spAutoFit/>
-          </a:bodyPr>
-          <a:lstStyle/>
-          <a:p>
-            <a:r>
-              <a:rPr lang="en-US" dirty="0" err="1">
-                <a:latin typeface="Courier New" panose="02070309020205020404" pitchFamily="49" charset="0"/>
-                <a:cs typeface="Courier New" panose="02070309020205020404" pitchFamily="49" charset="0"/>
-              </a:rPr>
-              <a:t>icc</a:t>
-            </a:r>
-            <a:r>
-              <a:rPr lang="en-US" dirty="0">
-                <a:latin typeface="Courier New" panose="02070309020205020404" pitchFamily="49" charset="0"/>
-                <a:cs typeface="Courier New" panose="02070309020205020404" pitchFamily="49" charset="0"/>
-              </a:rPr>
-              <a:t>  -prof-gen  -prof-</a:t>
-            </a:r>
-            <a:r>
-              <a:rPr lang="en-US" dirty="0" err="1">
-                <a:latin typeface="Courier New" panose="02070309020205020404" pitchFamily="49" charset="0"/>
-                <a:cs typeface="Courier New" panose="02070309020205020404" pitchFamily="49" charset="0"/>
-              </a:rPr>
-              <a:t>dir</a:t>
-            </a:r>
-            <a:r>
-              <a:rPr lang="en-US" dirty="0">
-                <a:latin typeface="Courier New" panose="02070309020205020404" pitchFamily="49" charset="0"/>
-                <a:cs typeface="Courier New" panose="02070309020205020404" pitchFamily="49" charset="0"/>
-              </a:rPr>
-              <a:t>=./profs  -o appl.exe  …</a:t>
-            </a:r>
-            <a:endParaRPr lang="nl-BE" dirty="0">
-              <a:latin typeface="Courier New" panose="02070309020205020404" pitchFamily="49" charset="0"/>
-              <a:cs typeface="Courier New" panose="02070309020205020404" pitchFamily="49" charset="0"/>
-            </a:endParaRPr>
-          </a:p>
-        </p:txBody>
-      </p:sp>
-      <p:sp>
-        <p:nvSpPr>
-          <p:cNvPr id="6" name="TextBox 5"/>
-          <p:cNvSpPr txBox="1"/>
-          <p:nvPr/>
-        </p:nvSpPr>
-        <p:spPr>
-          <a:xfrm>
-            <a:off x="1187624" y="4139788"/>
-            <a:ext cx="7629012" cy="369332"/>
-          </a:xfrm>
-          <a:prstGeom prst="rect">
-            <a:avLst/>
-          </a:prstGeom>
-          <a:solidFill>
-            <a:schemeClr val="bg1">
-              <a:lumMod val="85000"/>
-            </a:schemeClr>
-          </a:solidFill>
-          <a:ln>
-            <a:solidFill>
-              <a:schemeClr val="tx1"/>
-            </a:solidFill>
-          </a:ln>
-        </p:spPr>
-        <p:txBody>
-          <a:bodyPr wrap="none" rtlCol="0">
-            <a:spAutoFit/>
-          </a:bodyPr>
-          <a:lstStyle/>
-          <a:p>
-            <a:r>
-              <a:rPr lang="en-US" dirty="0" err="1">
-                <a:latin typeface="Courier New" panose="02070309020205020404" pitchFamily="49" charset="0"/>
-                <a:cs typeface="Courier New" panose="02070309020205020404" pitchFamily="49" charset="0"/>
-              </a:rPr>
-              <a:t>icc</a:t>
-            </a:r>
-            <a:r>
-              <a:rPr lang="en-US" dirty="0">
-                <a:latin typeface="Courier New" panose="02070309020205020404" pitchFamily="49" charset="0"/>
-                <a:cs typeface="Courier New" panose="02070309020205020404" pitchFamily="49" charset="0"/>
-              </a:rPr>
-              <a:t>  -prof-use  prof-</a:t>
-            </a:r>
-            <a:r>
-              <a:rPr lang="en-US" dirty="0" err="1">
-                <a:latin typeface="Courier New" panose="02070309020205020404" pitchFamily="49" charset="0"/>
-                <a:cs typeface="Courier New" panose="02070309020205020404" pitchFamily="49" charset="0"/>
-              </a:rPr>
-              <a:t>dir</a:t>
-            </a:r>
-            <a:r>
-              <a:rPr lang="en-US" dirty="0">
-                <a:latin typeface="Courier New" panose="02070309020205020404" pitchFamily="49" charset="0"/>
-                <a:cs typeface="Courier New" panose="02070309020205020404" pitchFamily="49" charset="0"/>
-              </a:rPr>
-              <a:t>=./profs  -</a:t>
-            </a:r>
-            <a:r>
-              <a:rPr lang="en-US" dirty="0" err="1">
-                <a:latin typeface="Courier New" panose="02070309020205020404" pitchFamily="49" charset="0"/>
-                <a:cs typeface="Courier New" panose="02070309020205020404" pitchFamily="49" charset="0"/>
-              </a:rPr>
-              <a:t>ipo</a:t>
-            </a:r>
-            <a:r>
-              <a:rPr lang="en-US" dirty="0">
-                <a:latin typeface="Courier New" panose="02070309020205020404" pitchFamily="49" charset="0"/>
-                <a:cs typeface="Courier New" panose="02070309020205020404" pitchFamily="49" charset="0"/>
-              </a:rPr>
-              <a:t>  -o appl.exe  …</a:t>
-            </a:r>
-            <a:endParaRPr lang="nl-BE" dirty="0">
-              <a:latin typeface="Courier New" panose="02070309020205020404" pitchFamily="49" charset="0"/>
-              <a:cs typeface="Courier New" panose="02070309020205020404" pitchFamily="49" charset="0"/>
-            </a:endParaRPr>
-          </a:p>
-        </p:txBody>
-      </p:sp>
-    </p:spTree>
-    <p:extLst>
-      <p:ext uri="{BB962C8B-B14F-4D97-AF65-F5344CB8AC3E}">
-        <p14:creationId xmlns:p14="http://schemas.microsoft.com/office/powerpoint/2010/main" val="3097815600"/>
       </p:ext>
     </p:extLst>
   </p:cSld>
@@ -46463,7 +46113,7 @@
           <a:p>
             <a:r>
               <a:rPr lang="en-US" dirty="0"/>
-              <a:t>Example</a:t>
+              <a:t>Intel compilers</a:t>
             </a:r>
           </a:p>
         </p:txBody>
@@ -46485,7 +46135,22 @@
           <a:p>
             <a:r>
               <a:rPr lang="en-US" dirty="0"/>
-              <a:t>Code illustrating cache hierarchy</a:t>
+              <a:t>Build with instrumentation</a:t>
+            </a:r>
+          </a:p>
+          <a:p>
+            <a:endParaRPr lang="en-US" dirty="0"/>
+          </a:p>
+          <a:p>
+            <a:r>
+              <a:rPr lang="en-US" dirty="0"/>
+              <a:t>Run as usual</a:t>
+            </a:r>
+          </a:p>
+          <a:p>
+            <a:r>
+              <a:rPr lang="en-US" dirty="0"/>
+              <a:t>Build using profile</a:t>
             </a:r>
           </a:p>
         </p:txBody>
@@ -46508,6 +46173,488 @@
             <a:fld id="{6597116C-F94B-4B5B-973A-17F07FB5C418}" type="slidenum">
               <a:rPr lang="nl-BE" smtClean="0"/>
               <a:t>52</a:t>
+            </a:fld>
+            <a:endParaRPr lang="nl-BE"/>
+          </a:p>
+        </p:txBody>
+      </p:sp>
+      <p:sp>
+        <p:nvSpPr>
+          <p:cNvPr id="5" name="TextBox 4"/>
+          <p:cNvSpPr txBox="1"/>
+          <p:nvPr/>
+        </p:nvSpPr>
+        <p:spPr>
+          <a:xfrm>
+            <a:off x="1187624" y="2276872"/>
+            <a:ext cx="7629012" cy="369332"/>
+          </a:xfrm>
+          <a:prstGeom prst="rect">
+            <a:avLst/>
+          </a:prstGeom>
+          <a:solidFill>
+            <a:schemeClr val="bg1">
+              <a:lumMod val="85000"/>
+            </a:schemeClr>
+          </a:solidFill>
+          <a:ln>
+            <a:solidFill>
+              <a:schemeClr val="tx1"/>
+            </a:solidFill>
+          </a:ln>
+        </p:spPr>
+        <p:txBody>
+          <a:bodyPr wrap="square" rtlCol="0">
+            <a:spAutoFit/>
+          </a:bodyPr>
+          <a:lstStyle/>
+          <a:p>
+            <a:r>
+              <a:rPr lang="en-US" dirty="0" err="1">
+                <a:latin typeface="Courier New" panose="02070309020205020404" pitchFamily="49" charset="0"/>
+                <a:cs typeface="Courier New" panose="02070309020205020404" pitchFamily="49" charset="0"/>
+              </a:rPr>
+              <a:t>icc</a:t>
+            </a:r>
+            <a:r>
+              <a:rPr lang="en-US" dirty="0">
+                <a:latin typeface="Courier New" panose="02070309020205020404" pitchFamily="49" charset="0"/>
+                <a:cs typeface="Courier New" panose="02070309020205020404" pitchFamily="49" charset="0"/>
+              </a:rPr>
+              <a:t>  -prof-gen  -prof-</a:t>
+            </a:r>
+            <a:r>
+              <a:rPr lang="en-US" dirty="0" err="1">
+                <a:latin typeface="Courier New" panose="02070309020205020404" pitchFamily="49" charset="0"/>
+                <a:cs typeface="Courier New" panose="02070309020205020404" pitchFamily="49" charset="0"/>
+              </a:rPr>
+              <a:t>dir</a:t>
+            </a:r>
+            <a:r>
+              <a:rPr lang="en-US" dirty="0">
+                <a:latin typeface="Courier New" panose="02070309020205020404" pitchFamily="49" charset="0"/>
+                <a:cs typeface="Courier New" panose="02070309020205020404" pitchFamily="49" charset="0"/>
+              </a:rPr>
+              <a:t>=./profs  -o appl.exe  …</a:t>
+            </a:r>
+            <a:endParaRPr lang="nl-BE" dirty="0">
+              <a:latin typeface="Courier New" panose="02070309020205020404" pitchFamily="49" charset="0"/>
+              <a:cs typeface="Courier New" panose="02070309020205020404" pitchFamily="49" charset="0"/>
+            </a:endParaRPr>
+          </a:p>
+        </p:txBody>
+      </p:sp>
+      <p:sp>
+        <p:nvSpPr>
+          <p:cNvPr id="6" name="TextBox 5"/>
+          <p:cNvSpPr txBox="1"/>
+          <p:nvPr/>
+        </p:nvSpPr>
+        <p:spPr>
+          <a:xfrm>
+            <a:off x="1187624" y="4139788"/>
+            <a:ext cx="7629012" cy="369332"/>
+          </a:xfrm>
+          <a:prstGeom prst="rect">
+            <a:avLst/>
+          </a:prstGeom>
+          <a:solidFill>
+            <a:schemeClr val="bg1">
+              <a:lumMod val="85000"/>
+            </a:schemeClr>
+          </a:solidFill>
+          <a:ln>
+            <a:solidFill>
+              <a:schemeClr val="tx1"/>
+            </a:solidFill>
+          </a:ln>
+        </p:spPr>
+        <p:txBody>
+          <a:bodyPr wrap="none" rtlCol="0">
+            <a:spAutoFit/>
+          </a:bodyPr>
+          <a:lstStyle/>
+          <a:p>
+            <a:r>
+              <a:rPr lang="en-US" dirty="0" err="1">
+                <a:latin typeface="Courier New" panose="02070309020205020404" pitchFamily="49" charset="0"/>
+                <a:cs typeface="Courier New" panose="02070309020205020404" pitchFamily="49" charset="0"/>
+              </a:rPr>
+              <a:t>icc</a:t>
+            </a:r>
+            <a:r>
+              <a:rPr lang="en-US" dirty="0">
+                <a:latin typeface="Courier New" panose="02070309020205020404" pitchFamily="49" charset="0"/>
+                <a:cs typeface="Courier New" panose="02070309020205020404" pitchFamily="49" charset="0"/>
+              </a:rPr>
+              <a:t>  -prof-use  prof-</a:t>
+            </a:r>
+            <a:r>
+              <a:rPr lang="en-US" dirty="0" err="1">
+                <a:latin typeface="Courier New" panose="02070309020205020404" pitchFamily="49" charset="0"/>
+                <a:cs typeface="Courier New" panose="02070309020205020404" pitchFamily="49" charset="0"/>
+              </a:rPr>
+              <a:t>dir</a:t>
+            </a:r>
+            <a:r>
+              <a:rPr lang="en-US" dirty="0">
+                <a:latin typeface="Courier New" panose="02070309020205020404" pitchFamily="49" charset="0"/>
+                <a:cs typeface="Courier New" panose="02070309020205020404" pitchFamily="49" charset="0"/>
+              </a:rPr>
+              <a:t>=./profs  -</a:t>
+            </a:r>
+            <a:r>
+              <a:rPr lang="en-US" dirty="0" err="1">
+                <a:latin typeface="Courier New" panose="02070309020205020404" pitchFamily="49" charset="0"/>
+                <a:cs typeface="Courier New" panose="02070309020205020404" pitchFamily="49" charset="0"/>
+              </a:rPr>
+              <a:t>ipo</a:t>
+            </a:r>
+            <a:r>
+              <a:rPr lang="en-US" dirty="0">
+                <a:latin typeface="Courier New" panose="02070309020205020404" pitchFamily="49" charset="0"/>
+                <a:cs typeface="Courier New" panose="02070309020205020404" pitchFamily="49" charset="0"/>
+              </a:rPr>
+              <a:t>  -o appl.exe  …</a:t>
+            </a:r>
+            <a:endParaRPr lang="nl-BE" dirty="0">
+              <a:latin typeface="Courier New" panose="02070309020205020404" pitchFamily="49" charset="0"/>
+              <a:cs typeface="Courier New" panose="02070309020205020404" pitchFamily="49" charset="0"/>
+            </a:endParaRPr>
+          </a:p>
+        </p:txBody>
+      </p:sp>
+    </p:spTree>
+    <p:extLst>
+      <p:ext uri="{BB962C8B-B14F-4D97-AF65-F5344CB8AC3E}">
+        <p14:creationId xmlns:p14="http://schemas.microsoft.com/office/powerpoint/2010/main" val="3097815600"/>
+      </p:ext>
+    </p:extLst>
+  </p:cSld>
+  <p:clrMapOvr>
+    <a:masterClrMapping/>
+  </p:clrMapOvr>
+  <p:timing>
+    <p:tnLst>
+      <p:par>
+        <p:cTn id="1" dur="indefinite" restart="never" nodeType="tmRoot">
+          <p:childTnLst>
+            <p:seq concurrent="1" nextAc="seek">
+              <p:cTn id="2" dur="indefinite" nodeType="mainSeq">
+                <p:childTnLst>
+                  <p:par>
+                    <p:cTn id="3" fill="hold">
+                      <p:stCondLst>
+                        <p:cond delay="indefinite"/>
+                        <p:cond evt="onBegin" delay="0">
+                          <p:tn val="2"/>
+                        </p:cond>
+                      </p:stCondLst>
+                      <p:childTnLst>
+                        <p:par>
+                          <p:cTn id="4" fill="hold">
+                            <p:stCondLst>
+                              <p:cond delay="0"/>
+                            </p:stCondLst>
+                            <p:childTnLst>
+                              <p:par>
+                                <p:cTn id="5" presetID="1" presetClass="entr" presetSubtype="0" fill="hold" grpId="0" nodeType="withEffect">
+                                  <p:stCondLst>
+                                    <p:cond delay="0"/>
+                                  </p:stCondLst>
+                                  <p:childTnLst>
+                                    <p:set>
+                                      <p:cBhvr>
+                                        <p:cTn id="6" dur="1" fill="hold">
+                                          <p:stCondLst>
+                                            <p:cond delay="0"/>
+                                          </p:stCondLst>
+                                        </p:cTn>
+                                        <p:tgtEl>
+                                          <p:spTgt spid="3">
+                                            <p:txEl>
+                                              <p:pRg st="0" end="0"/>
+                                            </p:txEl>
+                                          </p:spTgt>
+                                        </p:tgtEl>
+                                        <p:attrNameLst>
+                                          <p:attrName>style.visibility</p:attrName>
+                                        </p:attrNameLst>
+                                      </p:cBhvr>
+                                      <p:to>
+                                        <p:strVal val="visible"/>
+                                      </p:to>
+                                    </p:set>
+                                  </p:childTnLst>
+                                </p:cTn>
+                              </p:par>
+                              <p:par>
+                                <p:cTn id="7" presetID="1" presetClass="entr" presetSubtype="0" fill="hold" grpId="0" nodeType="withEffect">
+                                  <p:stCondLst>
+                                    <p:cond delay="0"/>
+                                  </p:stCondLst>
+                                  <p:childTnLst>
+                                    <p:set>
+                                      <p:cBhvr>
+                                        <p:cTn id="8" dur="1" fill="hold">
+                                          <p:stCondLst>
+                                            <p:cond delay="0"/>
+                                          </p:stCondLst>
+                                        </p:cTn>
+                                        <p:tgtEl>
+                                          <p:spTgt spid="5"/>
+                                        </p:tgtEl>
+                                        <p:attrNameLst>
+                                          <p:attrName>style.visibility</p:attrName>
+                                        </p:attrNameLst>
+                                      </p:cBhvr>
+                                      <p:to>
+                                        <p:strVal val="visible"/>
+                                      </p:to>
+                                    </p:set>
+                                  </p:childTnLst>
+                                </p:cTn>
+                              </p:par>
+                            </p:childTnLst>
+                          </p:cTn>
+                        </p:par>
+                      </p:childTnLst>
+                    </p:cTn>
+                  </p:par>
+                  <p:par>
+                    <p:cTn id="9" fill="hold">
+                      <p:stCondLst>
+                        <p:cond delay="indefinite"/>
+                      </p:stCondLst>
+                      <p:childTnLst>
+                        <p:par>
+                          <p:cTn id="10" fill="hold">
+                            <p:stCondLst>
+                              <p:cond delay="0"/>
+                            </p:stCondLst>
+                            <p:childTnLst>
+                              <p:par>
+                                <p:cTn id="11" presetID="1" presetClass="entr" presetSubtype="0" fill="hold" grpId="0" nodeType="clickEffect">
+                                  <p:stCondLst>
+                                    <p:cond delay="0"/>
+                                  </p:stCondLst>
+                                  <p:childTnLst>
+                                    <p:set>
+                                      <p:cBhvr>
+                                        <p:cTn id="12" dur="1" fill="hold">
+                                          <p:stCondLst>
+                                            <p:cond delay="0"/>
+                                          </p:stCondLst>
+                                        </p:cTn>
+                                        <p:tgtEl>
+                                          <p:spTgt spid="3">
+                                            <p:txEl>
+                                              <p:pRg st="2" end="2"/>
+                                            </p:txEl>
+                                          </p:spTgt>
+                                        </p:tgtEl>
+                                        <p:attrNameLst>
+                                          <p:attrName>style.visibility</p:attrName>
+                                        </p:attrNameLst>
+                                      </p:cBhvr>
+                                      <p:to>
+                                        <p:strVal val="visible"/>
+                                      </p:to>
+                                    </p:set>
+                                  </p:childTnLst>
+                                </p:cTn>
+                              </p:par>
+                            </p:childTnLst>
+                          </p:cTn>
+                        </p:par>
+                      </p:childTnLst>
+                    </p:cTn>
+                  </p:par>
+                  <p:par>
+                    <p:cTn id="13" fill="hold">
+                      <p:stCondLst>
+                        <p:cond delay="indefinite"/>
+                      </p:stCondLst>
+                      <p:childTnLst>
+                        <p:par>
+                          <p:cTn id="14" fill="hold">
+                            <p:stCondLst>
+                              <p:cond delay="0"/>
+                            </p:stCondLst>
+                            <p:childTnLst>
+                              <p:par>
+                                <p:cTn id="15" presetID="1" presetClass="entr" presetSubtype="0" fill="hold" grpId="0" nodeType="clickEffect">
+                                  <p:stCondLst>
+                                    <p:cond delay="0"/>
+                                  </p:stCondLst>
+                                  <p:childTnLst>
+                                    <p:set>
+                                      <p:cBhvr>
+                                        <p:cTn id="16" dur="1" fill="hold">
+                                          <p:stCondLst>
+                                            <p:cond delay="0"/>
+                                          </p:stCondLst>
+                                        </p:cTn>
+                                        <p:tgtEl>
+                                          <p:spTgt spid="3">
+                                            <p:txEl>
+                                              <p:pRg st="3" end="3"/>
+                                            </p:txEl>
+                                          </p:spTgt>
+                                        </p:tgtEl>
+                                        <p:attrNameLst>
+                                          <p:attrName>style.visibility</p:attrName>
+                                        </p:attrNameLst>
+                                      </p:cBhvr>
+                                      <p:to>
+                                        <p:strVal val="visible"/>
+                                      </p:to>
+                                    </p:set>
+                                  </p:childTnLst>
+                                </p:cTn>
+                              </p:par>
+                              <p:par>
+                                <p:cTn id="17" presetID="1" presetClass="entr" presetSubtype="0" fill="hold" grpId="0" nodeType="withEffect">
+                                  <p:stCondLst>
+                                    <p:cond delay="0"/>
+                                  </p:stCondLst>
+                                  <p:childTnLst>
+                                    <p:set>
+                                      <p:cBhvr>
+                                        <p:cTn id="18" dur="1" fill="hold">
+                                          <p:stCondLst>
+                                            <p:cond delay="0"/>
+                                          </p:stCondLst>
+                                        </p:cTn>
+                                        <p:tgtEl>
+                                          <p:spTgt spid="6"/>
+                                        </p:tgtEl>
+                                        <p:attrNameLst>
+                                          <p:attrName>style.visibility</p:attrName>
+                                        </p:attrNameLst>
+                                      </p:cBhvr>
+                                      <p:to>
+                                        <p:strVal val="visible"/>
+                                      </p:to>
+                                    </p:set>
+                                  </p:childTnLst>
+                                </p:cTn>
+                              </p:par>
+                            </p:childTnLst>
+                          </p:cTn>
+                        </p:par>
+                      </p:childTnLst>
+                    </p:cTn>
+                  </p:par>
+                </p:childTnLst>
+              </p:cTn>
+              <p:prevCondLst>
+                <p:cond evt="onPrev" delay="0">
+                  <p:tgtEl>
+                    <p:sldTgt/>
+                  </p:tgtEl>
+                </p:cond>
+              </p:prevCondLst>
+              <p:nextCondLst>
+                <p:cond evt="onNext" delay="0">
+                  <p:tgtEl>
+                    <p:sldTgt/>
+                  </p:tgtEl>
+                </p:cond>
+              </p:nextCondLst>
+            </p:seq>
+          </p:childTnLst>
+        </p:cTn>
+      </p:par>
+    </p:tnLst>
+    <p:bldLst>
+      <p:bldP spid="3" grpId="0" uiExpand="1" build="p"/>
+      <p:bldP spid="5" grpId="0" animBg="1"/>
+      <p:bldP spid="6" grpId="0" animBg="1"/>
+    </p:bldLst>
+  </p:timing>
+</p:sld>
+</file>
+
+<file path=ppt/slides/slide53.xml><?xml version="1.0" encoding="utf-8"?>
+<p:sld xmlns:a="http://schemas.openxmlformats.org/drawingml/2006/main" xmlns:r="http://schemas.openxmlformats.org/officeDocument/2006/relationships" xmlns:p="http://schemas.openxmlformats.org/presentationml/2006/main">
+  <p:cSld>
+    <p:spTree>
+      <p:nvGrpSpPr>
+        <p:cNvPr id="1" name=""/>
+        <p:cNvGrpSpPr/>
+        <p:nvPr/>
+      </p:nvGrpSpPr>
+      <p:grpSpPr>
+        <a:xfrm>
+          <a:off x="0" y="0"/>
+          <a:ext cx="0" cy="0"/>
+          <a:chOff x="0" y="0"/>
+          <a:chExt cx="0" cy="0"/>
+        </a:xfrm>
+      </p:grpSpPr>
+      <p:sp>
+        <p:nvSpPr>
+          <p:cNvPr id="2" name="Title 1"/>
+          <p:cNvSpPr>
+            <a:spLocks noGrp="1"/>
+          </p:cNvSpPr>
+          <p:nvPr>
+            <p:ph type="title"/>
+          </p:nvPr>
+        </p:nvSpPr>
+        <p:spPr/>
+        <p:txBody>
+          <a:bodyPr/>
+          <a:lstStyle/>
+          <a:p>
+            <a:r>
+              <a:rPr lang="en-US" dirty="0"/>
+              <a:t>Example</a:t>
+            </a:r>
+          </a:p>
+        </p:txBody>
+      </p:sp>
+      <p:sp>
+        <p:nvSpPr>
+          <p:cNvPr id="3" name="Content Placeholder 2"/>
+          <p:cNvSpPr>
+            <a:spLocks noGrp="1"/>
+          </p:cNvSpPr>
+          <p:nvPr>
+            <p:ph idx="1"/>
+          </p:nvPr>
+        </p:nvSpPr>
+        <p:spPr/>
+        <p:txBody>
+          <a:bodyPr/>
+          <a:lstStyle/>
+          <a:p>
+            <a:r>
+              <a:rPr lang="en-US" dirty="0"/>
+              <a:t>Code illustrating cache hierarchy</a:t>
+            </a:r>
+          </a:p>
+        </p:txBody>
+      </p:sp>
+      <p:sp>
+        <p:nvSpPr>
+          <p:cNvPr id="4" name="Slide Number Placeholder 3"/>
+          <p:cNvSpPr>
+            <a:spLocks noGrp="1"/>
+          </p:cNvSpPr>
+          <p:nvPr>
+            <p:ph type="sldNum" sz="quarter" idx="12"/>
+          </p:nvPr>
+        </p:nvSpPr>
+        <p:spPr/>
+        <p:txBody>
+          <a:bodyPr/>
+          <a:lstStyle/>
+          <a:p>
+            <a:fld id="{6597116C-F94B-4B5B-973A-17F07FB5C418}" type="slidenum">
+              <a:rPr lang="nl-BE" smtClean="0"/>
+              <a:t>53</a:t>
             </a:fld>
             <a:endParaRPr lang="nl-BE"/>
           </a:p>
@@ -46776,7 +46923,7 @@
 </p:sld>
 </file>
 
-<file path=ppt/slides/slide53.xml><?xml version="1.0" encoding="utf-8"?>
+<file path=ppt/slides/slide54.xml><?xml version="1.0" encoding="utf-8"?>
 <p:sld xmlns:a="http://schemas.openxmlformats.org/drawingml/2006/main" xmlns:r="http://schemas.openxmlformats.org/officeDocument/2006/relationships" xmlns:p="http://schemas.openxmlformats.org/presentationml/2006/main">
   <p:cSld>
     <p:spTree>
@@ -46852,7 +46999,7 @@
           <a:p>
             <a:fld id="{6597116C-F94B-4B5B-973A-17F07FB5C418}" type="slidenum">
               <a:rPr lang="nl-BE" smtClean="0"/>
-              <a:t>53</a:t>
+              <a:t>54</a:t>
             </a:fld>
             <a:endParaRPr lang="nl-BE"/>
           </a:p>
@@ -46871,7 +47018,7 @@
 </p:sld>
 </file>
 
-<file path=ppt/slides/slide54.xml><?xml version="1.0" encoding="utf-8"?>
+<file path=ppt/slides/slide55.xml><?xml version="1.0" encoding="utf-8"?>
 <p:sld xmlns:a="http://schemas.openxmlformats.org/drawingml/2006/main" xmlns:r="http://schemas.openxmlformats.org/officeDocument/2006/relationships" xmlns:p="http://schemas.openxmlformats.org/presentationml/2006/main">
   <p:cSld>
     <p:spTree>
@@ -47045,7 +47192,7 @@
           <a:p>
             <a:fld id="{6597116C-F94B-4B5B-973A-17F07FB5C418}" type="slidenum">
               <a:rPr lang="nl-BE" smtClean="0"/>
-              <a:t>54</a:t>
+              <a:t>55</a:t>
             </a:fld>
             <a:endParaRPr lang="nl-BE"/>
           </a:p>
@@ -47064,7 +47211,136 @@
 </p:sld>
 </file>
 
-<file path=ppt/slides/slide55.xml><?xml version="1.0" encoding="utf-8"?>
+<file path=ppt/slides/slide56.xml><?xml version="1.0" encoding="utf-8"?>
+<p:sld xmlns:a="http://schemas.openxmlformats.org/drawingml/2006/main" xmlns:r="http://schemas.openxmlformats.org/officeDocument/2006/relationships" xmlns:p="http://schemas.openxmlformats.org/presentationml/2006/main">
+  <p:cSld>
+    <p:spTree>
+      <p:nvGrpSpPr>
+        <p:cNvPr id="1" name=""/>
+        <p:cNvGrpSpPr/>
+        <p:nvPr/>
+      </p:nvGrpSpPr>
+      <p:grpSpPr>
+        <a:xfrm>
+          <a:off x="0" y="0"/>
+          <a:ext cx="0" cy="0"/>
+          <a:chOff x="0" y="0"/>
+          <a:chExt cx="0" cy="0"/>
+        </a:xfrm>
+      </p:grpSpPr>
+      <p:sp>
+        <p:nvSpPr>
+          <p:cNvPr id="2" name="Title 1">
+            <a:extLst>
+              <a:ext uri="{FF2B5EF4-FFF2-40B4-BE49-F238E27FC236}">
+                <a16:creationId xmlns:a16="http://schemas.microsoft.com/office/drawing/2014/main" id="{2E6C5C92-5DE2-456B-8BC5-D3AE5C21A13C}"/>
+              </a:ext>
+            </a:extLst>
+          </p:cNvPr>
+          <p:cNvSpPr>
+            <a:spLocks noGrp="1"/>
+          </p:cNvSpPr>
+          <p:nvPr>
+            <p:ph type="title"/>
+          </p:nvPr>
+        </p:nvSpPr>
+        <p:spPr/>
+        <p:txBody>
+          <a:bodyPr/>
+          <a:lstStyle/>
+          <a:p>
+            <a:r>
+              <a:rPr lang="en-US" dirty="0"/>
+              <a:t>More references</a:t>
+            </a:r>
+          </a:p>
+        </p:txBody>
+      </p:sp>
+      <p:sp>
+        <p:nvSpPr>
+          <p:cNvPr id="3" name="Content Placeholder 2">
+            <a:extLst>
+              <a:ext uri="{FF2B5EF4-FFF2-40B4-BE49-F238E27FC236}">
+                <a16:creationId xmlns:a16="http://schemas.microsoft.com/office/drawing/2014/main" id="{53EDC3A9-A9ED-4E95-AC94-E26D152CB89A}"/>
+              </a:ext>
+            </a:extLst>
+          </p:cNvPr>
+          <p:cNvSpPr>
+            <a:spLocks noGrp="1"/>
+          </p:cNvSpPr>
+          <p:nvPr>
+            <p:ph idx="1"/>
+          </p:nvPr>
+        </p:nvSpPr>
+        <p:spPr/>
+        <p:txBody>
+          <a:bodyPr/>
+          <a:lstStyle/>
+          <a:p>
+            <a:r>
+              <a:rPr lang="en-US" dirty="0"/>
+              <a:t>Performance characteristics of transports and busses</a:t>
+            </a:r>
+            <a:br>
+              <a:rPr lang="en-US" dirty="0"/>
+            </a:br>
+            <a:r>
+              <a:rPr lang="en-US" sz="1200" dirty="0">
+                <a:hlinkClick r:id="rId2"/>
+              </a:rPr>
+              <a:t>https://www.microway.com/knowledge-center-articles/performance-characteristics-of-common-transports-buses/</a:t>
+            </a:r>
+            <a:r>
+              <a:rPr lang="en-US" sz="1200" dirty="0"/>
+              <a:t> </a:t>
+            </a:r>
+            <a:endParaRPr lang="en-US" dirty="0"/>
+          </a:p>
+        </p:txBody>
+      </p:sp>
+      <p:sp>
+        <p:nvSpPr>
+          <p:cNvPr id="4" name="Slide Number Placeholder 3">
+            <a:extLst>
+              <a:ext uri="{FF2B5EF4-FFF2-40B4-BE49-F238E27FC236}">
+                <a16:creationId xmlns:a16="http://schemas.microsoft.com/office/drawing/2014/main" id="{8C3213F3-A067-47B0-888D-0F7F48CD3473}"/>
+              </a:ext>
+            </a:extLst>
+          </p:cNvPr>
+          <p:cNvSpPr>
+            <a:spLocks noGrp="1"/>
+          </p:cNvSpPr>
+          <p:nvPr>
+            <p:ph type="sldNum" sz="quarter" idx="12"/>
+          </p:nvPr>
+        </p:nvSpPr>
+        <p:spPr/>
+        <p:txBody>
+          <a:bodyPr/>
+          <a:lstStyle/>
+          <a:p>
+            <a:fld id="{6597116C-F94B-4B5B-973A-17F07FB5C418}" type="slidenum">
+              <a:rPr lang="nl-BE" smtClean="0"/>
+              <a:t>56</a:t>
+            </a:fld>
+            <a:endParaRPr lang="nl-BE"/>
+          </a:p>
+        </p:txBody>
+      </p:sp>
+    </p:spTree>
+    <p:extLst>
+      <p:ext uri="{BB962C8B-B14F-4D97-AF65-F5344CB8AC3E}">
+        <p14:creationId xmlns:p14="http://schemas.microsoft.com/office/powerpoint/2010/main" val="473260095"/>
+      </p:ext>
+    </p:extLst>
+  </p:cSld>
+  <p:clrMapOvr>
+    <a:masterClrMapping/>
+  </p:clrMapOvr>
+</p:sld>
+</file>
+
+<file path=ppt/slides/slide57.xml><?xml version="1.0" encoding="utf-8"?>
 <p:sld xmlns:a="http://schemas.openxmlformats.org/drawingml/2006/main" xmlns:r="http://schemas.openxmlformats.org/officeDocument/2006/relationships" xmlns:p="http://schemas.openxmlformats.org/presentationml/2006/main">
   <p:cSld>
     <p:spTree>
@@ -47140,7 +47416,7 @@
           <a:p>
             <a:fld id="{6597116C-F94B-4B5B-973A-17F07FB5C418}" type="slidenum">
               <a:rPr lang="nl-BE" smtClean="0"/>
-              <a:t>55</a:t>
+              <a:t>57</a:t>
             </a:fld>
             <a:endParaRPr lang="nl-BE"/>
           </a:p>
@@ -47159,7 +47435,7 @@
 </p:sld>
 </file>
 
-<file path=ppt/slides/slide56.xml><?xml version="1.0" encoding="utf-8"?>
+<file path=ppt/slides/slide58.xml><?xml version="1.0" encoding="utf-8"?>
 <p:sld xmlns:a="http://schemas.openxmlformats.org/drawingml/2006/main" xmlns:r="http://schemas.openxmlformats.org/officeDocument/2006/relationships" xmlns:p="http://schemas.openxmlformats.org/presentationml/2006/main">
   <p:cSld>
     <p:spTree>
@@ -47343,7 +47619,7 @@
           <a:p>
             <a:fld id="{6597116C-F94B-4B5B-973A-17F07FB5C418}" type="slidenum">
               <a:rPr lang="nl-BE" smtClean="0"/>
-              <a:t>56</a:t>
+              <a:t>58</a:t>
             </a:fld>
             <a:endParaRPr lang="nl-BE"/>
           </a:p>
@@ -47912,7 +48188,7 @@
 </p:sld>
 </file>
 
-<file path=ppt/slides/slide57.xml><?xml version="1.0" encoding="utf-8"?>
+<file path=ppt/slides/slide59.xml><?xml version="1.0" encoding="utf-8"?>
 <p:sld xmlns:a="http://schemas.openxmlformats.org/drawingml/2006/main" xmlns:r="http://schemas.openxmlformats.org/officeDocument/2006/relationships" xmlns:p="http://schemas.openxmlformats.org/presentationml/2006/main">
   <p:cSld>
     <p:spTree>
@@ -49684,7 +49960,7 @@
           <a:p>
             <a:fld id="{6597116C-F94B-4B5B-973A-17F07FB5C418}" type="slidenum">
               <a:rPr lang="nl-BE" smtClean="0"/>
-              <a:t>57</a:t>
+              <a:t>59</a:t>
             </a:fld>
             <a:endParaRPr lang="nl-BE"/>
           </a:p>
@@ -49813,286 +50089,6 @@
     <p:extLst>
       <p:ext uri="{BB962C8B-B14F-4D97-AF65-F5344CB8AC3E}">
         <p14:creationId xmlns:p14="http://schemas.microsoft.com/office/powerpoint/2010/main" val="1618542681"/>
-      </p:ext>
-    </p:extLst>
-  </p:cSld>
-  <p:clrMapOvr>
-    <a:masterClrMapping/>
-  </p:clrMapOvr>
-</p:sld>
-</file>
-
-<file path=ppt/slides/slide58.xml><?xml version="1.0" encoding="utf-8"?>
-<p:sld xmlns:a="http://schemas.openxmlformats.org/drawingml/2006/main" xmlns:r="http://schemas.openxmlformats.org/officeDocument/2006/relationships" xmlns:p="http://schemas.openxmlformats.org/presentationml/2006/main">
-  <p:cSld>
-    <p:spTree>
-      <p:nvGrpSpPr>
-        <p:cNvPr id="1" name=""/>
-        <p:cNvGrpSpPr/>
-        <p:nvPr/>
-      </p:nvGrpSpPr>
-      <p:grpSpPr>
-        <a:xfrm>
-          <a:off x="0" y="0"/>
-          <a:ext cx="0" cy="0"/>
-          <a:chOff x="0" y="0"/>
-          <a:chExt cx="0" cy="0"/>
-        </a:xfrm>
-      </p:grpSpPr>
-      <p:sp>
-        <p:nvSpPr>
-          <p:cNvPr id="2" name="Title 1"/>
-          <p:cNvSpPr>
-            <a:spLocks noGrp="1"/>
-          </p:cNvSpPr>
-          <p:nvPr>
-            <p:ph type="title"/>
-          </p:nvPr>
-        </p:nvSpPr>
-        <p:spPr/>
-        <p:txBody>
-          <a:bodyPr/>
-          <a:lstStyle/>
-          <a:p>
-            <a:r>
-              <a:rPr lang="en-US" dirty="0"/>
-              <a:t>Bandwidth</a:t>
-            </a:r>
-            <a:endParaRPr lang="nl-BE" dirty="0"/>
-          </a:p>
-        </p:txBody>
-      </p:sp>
-      <p:sp>
-        <p:nvSpPr>
-          <p:cNvPr id="4" name="Content Placeholder 3"/>
-          <p:cNvSpPr>
-            <a:spLocks noGrp="1"/>
-          </p:cNvSpPr>
-          <p:nvPr>
-            <p:ph idx="1"/>
-          </p:nvPr>
-        </p:nvSpPr>
-        <p:spPr/>
-        <p:txBody>
-          <a:bodyPr>
-            <a:normAutofit fontScale="55000" lnSpcReduction="20000"/>
-          </a:bodyPr>
-          <a:lstStyle/>
-          <a:p>
-            <a:r>
-              <a:rPr lang="en-US" dirty="0"/>
-              <a:t>RAM</a:t>
-            </a:r>
-          </a:p>
-          <a:p>
-            <a:pPr lvl="1"/>
-            <a:r>
-              <a:rPr lang="en-US" dirty="0" err="1"/>
-              <a:t>ivybridge</a:t>
-            </a:r>
-            <a:r>
-              <a:rPr lang="en-US" dirty="0"/>
-              <a:t> (dual socket, 10 core): 93 GB/s</a:t>
-            </a:r>
-          </a:p>
-          <a:p>
-            <a:pPr lvl="1"/>
-            <a:r>
-              <a:rPr lang="en-US" dirty="0" err="1"/>
-              <a:t>haswell</a:t>
-            </a:r>
-            <a:r>
-              <a:rPr lang="en-US" dirty="0"/>
-              <a:t> (dual socket, 12 core): 110 GB/s</a:t>
-            </a:r>
-          </a:p>
-          <a:p>
-            <a:pPr lvl="1"/>
-            <a:r>
-              <a:rPr lang="en-US" dirty="0" err="1"/>
-              <a:t>broadwell</a:t>
-            </a:r>
-            <a:r>
-              <a:rPr lang="en-US" dirty="0"/>
-              <a:t> (dual socket, 14 core): 125 GB/s</a:t>
-            </a:r>
-          </a:p>
-          <a:p>
-            <a:pPr lvl="1"/>
-            <a:r>
-              <a:rPr lang="en-US" dirty="0" err="1"/>
-              <a:t>skylake</a:t>
-            </a:r>
-            <a:r>
-              <a:rPr lang="en-US" dirty="0"/>
-              <a:t> (dual socket, 18 core): 256 GB/s</a:t>
-            </a:r>
-          </a:p>
-          <a:p>
-            <a:r>
-              <a:rPr lang="en-US" dirty="0"/>
-              <a:t>QPI</a:t>
-            </a:r>
-          </a:p>
-          <a:p>
-            <a:pPr lvl="1"/>
-            <a:r>
-              <a:rPr lang="en-US" dirty="0" err="1"/>
-              <a:t>ivybridge</a:t>
-            </a:r>
-            <a:r>
-              <a:rPr lang="en-US" dirty="0"/>
-              <a:t>: 25 GB/s</a:t>
-            </a:r>
-          </a:p>
-          <a:p>
-            <a:pPr lvl="1"/>
-            <a:r>
-              <a:rPr lang="en-US" dirty="0" err="1"/>
-              <a:t>haswell</a:t>
-            </a:r>
-            <a:r>
-              <a:rPr lang="en-US" dirty="0"/>
-              <a:t>: 30 GB/s</a:t>
-            </a:r>
-            <a:endParaRPr lang="nl-BE" dirty="0"/>
-          </a:p>
-          <a:p>
-            <a:pPr lvl="1"/>
-            <a:r>
-              <a:rPr lang="nl-BE" dirty="0"/>
-              <a:t>broadwell: 30 GB/s</a:t>
-            </a:r>
-          </a:p>
-          <a:p>
-            <a:pPr lvl="1"/>
-            <a:r>
-              <a:rPr lang="nl-BE" dirty="0"/>
-              <a:t>skylake: 80 GB/s</a:t>
-            </a:r>
-            <a:endParaRPr lang="en-US" dirty="0"/>
-          </a:p>
-          <a:p>
-            <a:r>
-              <a:rPr lang="en-US" dirty="0"/>
-              <a:t>GPGPU RAM (GDDR5@750MHz, K40c): 288.0 GB/s</a:t>
-            </a:r>
-          </a:p>
-          <a:p>
-            <a:r>
-              <a:rPr lang="en-US" dirty="0"/>
-              <a:t>SATA revision 3: 0.6 GB/s</a:t>
-            </a:r>
-          </a:p>
-          <a:p>
-            <a:r>
-              <a:rPr lang="en-US" dirty="0"/>
-              <a:t>SATA revision 3.2: 2.0 GB/s</a:t>
-            </a:r>
-          </a:p>
-          <a:p>
-            <a:r>
-              <a:rPr lang="en-US" dirty="0"/>
-              <a:t>SAS 3: 1.2 GB/s</a:t>
-            </a:r>
-          </a:p>
-          <a:p>
-            <a:r>
-              <a:rPr lang="en-US" dirty="0"/>
-              <a:t>PCI Express 3.0 (16x): 15.75 GB/s</a:t>
-            </a:r>
-          </a:p>
-          <a:p>
-            <a:r>
-              <a:rPr lang="en-US" dirty="0" err="1"/>
-              <a:t>Infiniband</a:t>
-            </a:r>
-            <a:r>
-              <a:rPr lang="en-US" dirty="0"/>
-              <a:t> QDR 4x: 4.0 GB/s</a:t>
-            </a:r>
-          </a:p>
-          <a:p>
-            <a:r>
-              <a:rPr lang="en-US" dirty="0" err="1"/>
-              <a:t>Infiniband</a:t>
-            </a:r>
-            <a:r>
-              <a:rPr lang="en-US" dirty="0"/>
-              <a:t> EDR 4x: 12.5 GB/s</a:t>
-            </a:r>
-            <a:endParaRPr lang="nl-BE" dirty="0"/>
-          </a:p>
-        </p:txBody>
-      </p:sp>
-      <p:sp>
-        <p:nvSpPr>
-          <p:cNvPr id="3" name="Slide Number Placeholder 2"/>
-          <p:cNvSpPr>
-            <a:spLocks noGrp="1"/>
-          </p:cNvSpPr>
-          <p:nvPr>
-            <p:ph type="sldNum" sz="quarter" idx="12"/>
-          </p:nvPr>
-        </p:nvSpPr>
-        <p:spPr/>
-        <p:txBody>
-          <a:bodyPr/>
-          <a:lstStyle/>
-          <a:p>
-            <a:fld id="{6597116C-F94B-4B5B-973A-17F07FB5C418}" type="slidenum">
-              <a:rPr lang="nl-BE" smtClean="0"/>
-              <a:t>58</a:t>
-            </a:fld>
-            <a:endParaRPr lang="nl-BE"/>
-          </a:p>
-        </p:txBody>
-      </p:sp>
-      <p:sp>
-        <p:nvSpPr>
-          <p:cNvPr id="5" name="TextBox 4"/>
-          <p:cNvSpPr txBox="1"/>
-          <p:nvPr/>
-        </p:nvSpPr>
-        <p:spPr>
-          <a:xfrm>
-            <a:off x="5076056" y="4653136"/>
-            <a:ext cx="3443443" cy="830997"/>
-          </a:xfrm>
-          <a:prstGeom prst="rect">
-            <a:avLst/>
-          </a:prstGeom>
-          <a:noFill/>
-          <a:ln>
-            <a:solidFill>
-              <a:schemeClr val="tx1"/>
-            </a:solidFill>
-          </a:ln>
-        </p:spPr>
-        <p:txBody>
-          <a:bodyPr wrap="none" rtlCol="0">
-            <a:spAutoFit/>
-          </a:bodyPr>
-          <a:lstStyle/>
-          <a:p>
-            <a:r>
-              <a:rPr lang="en-US" sz="2400" dirty="0"/>
-              <a:t>Note: bandwidth depends</a:t>
-            </a:r>
-          </a:p>
-          <a:p>
-            <a:r>
-              <a:rPr lang="en-US" sz="2400" dirty="0"/>
-              <a:t>           on message size!</a:t>
-            </a:r>
-            <a:endParaRPr lang="nl-BE" sz="2400" dirty="0"/>
-          </a:p>
-        </p:txBody>
-      </p:sp>
-    </p:spTree>
-    <p:extLst>
-      <p:ext uri="{BB962C8B-B14F-4D97-AF65-F5344CB8AC3E}">
-        <p14:creationId xmlns:p14="http://schemas.microsoft.com/office/powerpoint/2010/main" val="3254066855"/>
       </p:ext>
     </p:extLst>
   </p:cSld>
@@ -51028,6 +51024,286 @@
       <p:bldP spid="3" grpId="0" uiExpand="1" build="p"/>
     </p:bldLst>
   </p:timing>
+</p:sld>
+</file>
+
+<file path=ppt/slides/slide60.xml><?xml version="1.0" encoding="utf-8"?>
+<p:sld xmlns:a="http://schemas.openxmlformats.org/drawingml/2006/main" xmlns:r="http://schemas.openxmlformats.org/officeDocument/2006/relationships" xmlns:p="http://schemas.openxmlformats.org/presentationml/2006/main">
+  <p:cSld>
+    <p:spTree>
+      <p:nvGrpSpPr>
+        <p:cNvPr id="1" name=""/>
+        <p:cNvGrpSpPr/>
+        <p:nvPr/>
+      </p:nvGrpSpPr>
+      <p:grpSpPr>
+        <a:xfrm>
+          <a:off x="0" y="0"/>
+          <a:ext cx="0" cy="0"/>
+          <a:chOff x="0" y="0"/>
+          <a:chExt cx="0" cy="0"/>
+        </a:xfrm>
+      </p:grpSpPr>
+      <p:sp>
+        <p:nvSpPr>
+          <p:cNvPr id="2" name="Title 1"/>
+          <p:cNvSpPr>
+            <a:spLocks noGrp="1"/>
+          </p:cNvSpPr>
+          <p:nvPr>
+            <p:ph type="title"/>
+          </p:nvPr>
+        </p:nvSpPr>
+        <p:spPr/>
+        <p:txBody>
+          <a:bodyPr/>
+          <a:lstStyle/>
+          <a:p>
+            <a:r>
+              <a:rPr lang="en-US" dirty="0"/>
+              <a:t>Bandwidth</a:t>
+            </a:r>
+            <a:endParaRPr lang="nl-BE" dirty="0"/>
+          </a:p>
+        </p:txBody>
+      </p:sp>
+      <p:sp>
+        <p:nvSpPr>
+          <p:cNvPr id="4" name="Content Placeholder 3"/>
+          <p:cNvSpPr>
+            <a:spLocks noGrp="1"/>
+          </p:cNvSpPr>
+          <p:nvPr>
+            <p:ph idx="1"/>
+          </p:nvPr>
+        </p:nvSpPr>
+        <p:spPr/>
+        <p:txBody>
+          <a:bodyPr>
+            <a:normAutofit fontScale="55000" lnSpcReduction="20000"/>
+          </a:bodyPr>
+          <a:lstStyle/>
+          <a:p>
+            <a:r>
+              <a:rPr lang="en-US" dirty="0"/>
+              <a:t>RAM</a:t>
+            </a:r>
+          </a:p>
+          <a:p>
+            <a:pPr lvl="1"/>
+            <a:r>
+              <a:rPr lang="en-US" dirty="0" err="1"/>
+              <a:t>ivybridge</a:t>
+            </a:r>
+            <a:r>
+              <a:rPr lang="en-US" dirty="0"/>
+              <a:t> (dual socket, 10 core): 93 GB/s</a:t>
+            </a:r>
+          </a:p>
+          <a:p>
+            <a:pPr lvl="1"/>
+            <a:r>
+              <a:rPr lang="en-US" dirty="0" err="1"/>
+              <a:t>haswell</a:t>
+            </a:r>
+            <a:r>
+              <a:rPr lang="en-US" dirty="0"/>
+              <a:t> (dual socket, 12 core): 110 GB/s</a:t>
+            </a:r>
+          </a:p>
+          <a:p>
+            <a:pPr lvl="1"/>
+            <a:r>
+              <a:rPr lang="en-US" dirty="0" err="1"/>
+              <a:t>broadwell</a:t>
+            </a:r>
+            <a:r>
+              <a:rPr lang="en-US" dirty="0"/>
+              <a:t> (dual socket, 14 core): 125 GB/s</a:t>
+            </a:r>
+          </a:p>
+          <a:p>
+            <a:pPr lvl="1"/>
+            <a:r>
+              <a:rPr lang="en-US" dirty="0" err="1"/>
+              <a:t>skylake</a:t>
+            </a:r>
+            <a:r>
+              <a:rPr lang="en-US" dirty="0"/>
+              <a:t> (dual socket, 18 core): 256 GB/s</a:t>
+            </a:r>
+          </a:p>
+          <a:p>
+            <a:r>
+              <a:rPr lang="en-US" dirty="0"/>
+              <a:t>QPI</a:t>
+            </a:r>
+          </a:p>
+          <a:p>
+            <a:pPr lvl="1"/>
+            <a:r>
+              <a:rPr lang="en-US" dirty="0" err="1"/>
+              <a:t>ivybridge</a:t>
+            </a:r>
+            <a:r>
+              <a:rPr lang="en-US" dirty="0"/>
+              <a:t>: 25 GB/s</a:t>
+            </a:r>
+          </a:p>
+          <a:p>
+            <a:pPr lvl="1"/>
+            <a:r>
+              <a:rPr lang="en-US" dirty="0" err="1"/>
+              <a:t>haswell</a:t>
+            </a:r>
+            <a:r>
+              <a:rPr lang="en-US" dirty="0"/>
+              <a:t>: 30 GB/s</a:t>
+            </a:r>
+            <a:endParaRPr lang="nl-BE" dirty="0"/>
+          </a:p>
+          <a:p>
+            <a:pPr lvl="1"/>
+            <a:r>
+              <a:rPr lang="nl-BE" dirty="0"/>
+              <a:t>broadwell: 30 GB/s</a:t>
+            </a:r>
+          </a:p>
+          <a:p>
+            <a:pPr lvl="1"/>
+            <a:r>
+              <a:rPr lang="nl-BE" dirty="0"/>
+              <a:t>skylake: 80 GB/s</a:t>
+            </a:r>
+            <a:endParaRPr lang="en-US" dirty="0"/>
+          </a:p>
+          <a:p>
+            <a:r>
+              <a:rPr lang="en-US" dirty="0"/>
+              <a:t>GPGPU RAM (GDDR5@750MHz, K40c): 288.0 GB/s</a:t>
+            </a:r>
+          </a:p>
+          <a:p>
+            <a:r>
+              <a:rPr lang="en-US" dirty="0"/>
+              <a:t>SATA revision 3: 0.6 GB/s</a:t>
+            </a:r>
+          </a:p>
+          <a:p>
+            <a:r>
+              <a:rPr lang="en-US" dirty="0"/>
+              <a:t>SATA revision 3.2: 2.0 GB/s</a:t>
+            </a:r>
+          </a:p>
+          <a:p>
+            <a:r>
+              <a:rPr lang="en-US" dirty="0"/>
+              <a:t>SAS 3: 1.2 GB/s</a:t>
+            </a:r>
+          </a:p>
+          <a:p>
+            <a:r>
+              <a:rPr lang="en-US" dirty="0"/>
+              <a:t>PCI Express 3.0 (16x): 15.75 GB/s</a:t>
+            </a:r>
+          </a:p>
+          <a:p>
+            <a:r>
+              <a:rPr lang="en-US" dirty="0" err="1"/>
+              <a:t>Infiniband</a:t>
+            </a:r>
+            <a:r>
+              <a:rPr lang="en-US" dirty="0"/>
+              <a:t> QDR 4x: 4.0 GB/s</a:t>
+            </a:r>
+          </a:p>
+          <a:p>
+            <a:r>
+              <a:rPr lang="en-US" dirty="0" err="1"/>
+              <a:t>Infiniband</a:t>
+            </a:r>
+            <a:r>
+              <a:rPr lang="en-US" dirty="0"/>
+              <a:t> EDR 4x: 12.5 GB/s</a:t>
+            </a:r>
+            <a:endParaRPr lang="nl-BE" dirty="0"/>
+          </a:p>
+        </p:txBody>
+      </p:sp>
+      <p:sp>
+        <p:nvSpPr>
+          <p:cNvPr id="3" name="Slide Number Placeholder 2"/>
+          <p:cNvSpPr>
+            <a:spLocks noGrp="1"/>
+          </p:cNvSpPr>
+          <p:nvPr>
+            <p:ph type="sldNum" sz="quarter" idx="12"/>
+          </p:nvPr>
+        </p:nvSpPr>
+        <p:spPr/>
+        <p:txBody>
+          <a:bodyPr/>
+          <a:lstStyle/>
+          <a:p>
+            <a:fld id="{6597116C-F94B-4B5B-973A-17F07FB5C418}" type="slidenum">
+              <a:rPr lang="nl-BE" smtClean="0"/>
+              <a:t>60</a:t>
+            </a:fld>
+            <a:endParaRPr lang="nl-BE"/>
+          </a:p>
+        </p:txBody>
+      </p:sp>
+      <p:sp>
+        <p:nvSpPr>
+          <p:cNvPr id="5" name="TextBox 4"/>
+          <p:cNvSpPr txBox="1"/>
+          <p:nvPr/>
+        </p:nvSpPr>
+        <p:spPr>
+          <a:xfrm>
+            <a:off x="5076056" y="4653136"/>
+            <a:ext cx="3443443" cy="830997"/>
+          </a:xfrm>
+          <a:prstGeom prst="rect">
+            <a:avLst/>
+          </a:prstGeom>
+          <a:noFill/>
+          <a:ln>
+            <a:solidFill>
+              <a:schemeClr val="tx1"/>
+            </a:solidFill>
+          </a:ln>
+        </p:spPr>
+        <p:txBody>
+          <a:bodyPr wrap="none" rtlCol="0">
+            <a:spAutoFit/>
+          </a:bodyPr>
+          <a:lstStyle/>
+          <a:p>
+            <a:r>
+              <a:rPr lang="en-US" sz="2400" dirty="0"/>
+              <a:t>Note: bandwidth depends</a:t>
+            </a:r>
+          </a:p>
+          <a:p>
+            <a:r>
+              <a:rPr lang="en-US" sz="2400" dirty="0"/>
+              <a:t>           on message size!</a:t>
+            </a:r>
+            <a:endParaRPr lang="nl-BE" sz="2400" dirty="0"/>
+          </a:p>
+        </p:txBody>
+      </p:sp>
+    </p:spTree>
+    <p:extLst>
+      <p:ext uri="{BB962C8B-B14F-4D97-AF65-F5344CB8AC3E}">
+        <p14:creationId xmlns:p14="http://schemas.microsoft.com/office/powerpoint/2010/main" val="3254066855"/>
+      </p:ext>
+    </p:extLst>
+  </p:cSld>
+  <p:clrMapOvr>
+    <a:masterClrMapping/>
+  </p:clrMapOvr>
 </p:sld>
 </file>
 

--- a/code_optimization.pptx
+++ b/code_optimization.pptx
@@ -1567,7 +1567,7 @@
           <a:p>
             <a:fld id="{2E6AAE95-D4FC-4D00-935A-EAE928727A56}" type="datetimeFigureOut">
               <a:rPr lang="en-US" smtClean="0"/>
-              <a:t>2022-01-26</a:t>
+              <a:t>2022-01-27</a:t>
             </a:fld>
             <a:endParaRPr lang="en-US"/>
           </a:p>
@@ -2099,7 +2099,7 @@
           <a:p>
             <a:fld id="{1CFF3F78-F57F-4409-A41B-5EC46D4F404B}" type="datetime1">
               <a:rPr lang="nl-BE" smtClean="0"/>
-              <a:t>26/01/2022</a:t>
+              <a:t>27/01/2022</a:t>
             </a:fld>
             <a:endParaRPr lang="nl-BE"/>
           </a:p>
@@ -2269,7 +2269,7 @@
           <a:p>
             <a:fld id="{7D029E61-52E3-412C-82EB-2F81B17C0AF1}" type="datetime1">
               <a:rPr lang="nl-BE" smtClean="0"/>
-              <a:t>26/01/2022</a:t>
+              <a:t>27/01/2022</a:t>
             </a:fld>
             <a:endParaRPr lang="nl-BE"/>
           </a:p>
@@ -2449,7 +2449,7 @@
           <a:p>
             <a:fld id="{A83F1CEF-A38E-4001-89C6-F3FC7784F299}" type="datetime1">
               <a:rPr lang="nl-BE" smtClean="0"/>
-              <a:t>26/01/2022</a:t>
+              <a:t>27/01/2022</a:t>
             </a:fld>
             <a:endParaRPr lang="nl-BE"/>
           </a:p>
@@ -2575,7 +2575,7 @@
           <a:p>
             <a:fld id="{1FDE84DB-AADA-4C3F-BF46-CA664A504479}" type="datetime1">
               <a:rPr lang="nl-BE" smtClean="0"/>
-              <a:t>26/01/2022</a:t>
+              <a:t>27/01/2022</a:t>
             </a:fld>
             <a:endParaRPr lang="nl-BE" dirty="0"/>
           </a:p>
@@ -2812,7 +2812,7 @@
           <a:p>
             <a:fld id="{8CD53A43-C15C-4F05-9AD7-DB9DE837084D}" type="datetime1">
               <a:rPr lang="nl-BE" smtClean="0"/>
-              <a:t>26/01/2022</a:t>
+              <a:t>27/01/2022</a:t>
             </a:fld>
             <a:endParaRPr lang="nl-BE"/>
           </a:p>
@@ -3058,7 +3058,7 @@
           <a:p>
             <a:fld id="{8994D238-D949-4AEF-9753-A8B6EFA964A0}" type="datetime1">
               <a:rPr lang="nl-BE" smtClean="0"/>
-              <a:t>26/01/2022</a:t>
+              <a:t>27/01/2022</a:t>
             </a:fld>
             <a:endParaRPr lang="nl-BE"/>
           </a:p>
@@ -3346,7 +3346,7 @@
           <a:p>
             <a:fld id="{4D234023-BF99-4AD0-835E-8125DA2B6664}" type="datetime1">
               <a:rPr lang="nl-BE" smtClean="0"/>
-              <a:t>26/01/2022</a:t>
+              <a:t>27/01/2022</a:t>
             </a:fld>
             <a:endParaRPr lang="nl-BE"/>
           </a:p>
@@ -3768,7 +3768,7 @@
           <a:p>
             <a:fld id="{DB075A73-5C1D-406E-9444-3C5C58580E8E}" type="datetime1">
               <a:rPr lang="nl-BE" smtClean="0"/>
-              <a:t>26/01/2022</a:t>
+              <a:t>27/01/2022</a:t>
             </a:fld>
             <a:endParaRPr lang="nl-BE"/>
           </a:p>
@@ -3886,7 +3886,7 @@
           <a:p>
             <a:fld id="{E111FB2D-2E17-4D8F-A64A-4EB0C3D12494}" type="datetime1">
               <a:rPr lang="nl-BE" smtClean="0"/>
-              <a:t>26/01/2022</a:t>
+              <a:t>27/01/2022</a:t>
             </a:fld>
             <a:endParaRPr lang="nl-BE"/>
           </a:p>
@@ -3981,7 +3981,7 @@
           <a:p>
             <a:fld id="{5BE27D71-2267-4E44-9F33-05B60E5C7D9D}" type="datetime1">
               <a:rPr lang="nl-BE" smtClean="0"/>
-              <a:t>26/01/2022</a:t>
+              <a:t>27/01/2022</a:t>
             </a:fld>
             <a:endParaRPr lang="nl-BE"/>
           </a:p>
@@ -4258,7 +4258,7 @@
           <a:p>
             <a:fld id="{182F587C-96C8-4813-A767-3084061A3229}" type="datetime1">
               <a:rPr lang="nl-BE" smtClean="0"/>
-              <a:t>26/01/2022</a:t>
+              <a:t>27/01/2022</a:t>
             </a:fld>
             <a:endParaRPr lang="nl-BE"/>
           </a:p>
@@ -4511,7 +4511,7 @@
           <a:p>
             <a:fld id="{8B021CF8-BBBB-4DFA-8713-49842AA07274}" type="datetime1">
               <a:rPr lang="nl-BE" smtClean="0"/>
-              <a:t>26/01/2022</a:t>
+              <a:t>27/01/2022</a:t>
             </a:fld>
             <a:endParaRPr lang="nl-BE"/>
           </a:p>
@@ -4724,7 +4724,7 @@
           <a:p>
             <a:fld id="{CDBFABB5-0AB3-4CB6-A705-6887DEB1F9F2}" type="datetime1">
               <a:rPr lang="nl-BE" smtClean="0"/>
-              <a:t>26/01/2022</a:t>
+              <a:t>27/01/2022</a:t>
             </a:fld>
             <a:endParaRPr lang="nl-BE"/>
           </a:p>
@@ -11713,7 +11713,7 @@
           <a:graphicData uri="http://schemas.openxmlformats.org/presentationml/2006/ole">
             <mc:AlternateContent xmlns:mc="http://schemas.openxmlformats.org/markup-compatibility/2006">
               <mc:Choice xmlns:v="urn:schemas-microsoft-com:vml" Requires="v">
-                <p:oleObj spid="_x0000_s2052" name="Equation" r:id="rId3" imgW="812520" imgH="393480" progId="Equation.3">
+                <p:oleObj spid="_x0000_s2056" name="Equation" r:id="rId3" imgW="812520" imgH="393480" progId="Equation.3">
                   <p:embed/>
                 </p:oleObj>
               </mc:Choice>
@@ -11770,7 +11770,7 @@
           <a:graphicData uri="http://schemas.openxmlformats.org/presentationml/2006/ole">
             <mc:AlternateContent xmlns:mc="http://schemas.openxmlformats.org/markup-compatibility/2006">
               <mc:Choice xmlns:v="urn:schemas-microsoft-com:vml" Requires="v">
-                <p:oleObj spid="_x0000_s2053" name="Equation" r:id="rId5" imgW="2489040" imgH="431640" progId="Equation.3">
+                <p:oleObj spid="_x0000_s2057" name="Equation" r:id="rId5" imgW="2489040" imgH="431640" progId="Equation.3">
                   <p:embed/>
                 </p:oleObj>
               </mc:Choice>
@@ -22270,7 +22270,7 @@
           <a:graphicData uri="http://schemas.openxmlformats.org/presentationml/2006/ole">
             <mc:AlternateContent xmlns:mc="http://schemas.openxmlformats.org/markup-compatibility/2006">
               <mc:Choice xmlns:v="urn:schemas-microsoft-com:vml" Requires="v">
-                <p:oleObj spid="_x0000_s3076" name="Equation" r:id="rId3" imgW="1091880" imgH="1041120" progId="Equation.3">
+                <p:oleObj spid="_x0000_s3080" name="Equation" r:id="rId3" imgW="1091880" imgH="1041120" progId="Equation.3">
                   <p:embed/>
                 </p:oleObj>
               </mc:Choice>
@@ -23625,7 +23625,7 @@
           <a:graphicData uri="http://schemas.openxmlformats.org/presentationml/2006/ole">
             <mc:AlternateContent xmlns:mc="http://schemas.openxmlformats.org/markup-compatibility/2006">
               <mc:Choice xmlns:v="urn:schemas-microsoft-com:vml" Requires="v">
-                <p:oleObj spid="_x0000_s3077" name="Equation" r:id="rId5" imgW="1091880" imgH="1041120" progId="Equation.3">
+                <p:oleObj spid="_x0000_s3081" name="Equation" r:id="rId5" imgW="1091880" imgH="1041120" progId="Equation.3">
                   <p:embed/>
                 </p:oleObj>
               </mc:Choice>
@@ -31485,11 +31485,7 @@
                                           </p:stCondLst>
                                         </p:cTn>
                                         <p:tgtEl>
-                                          <p:spTgt spid="3">
-                                            <p:txEl>
-                                              <p:pRg st="4" end="4"/>
-                                            </p:txEl>
-                                          </p:spTgt>
+                                          <p:spTgt spid="6"/>
                                         </p:tgtEl>
                                         <p:attrNameLst>
                                           <p:attrName>style.visibility</p:attrName>
@@ -31536,7 +31532,7 @@
                                         <p:tgtEl>
                                           <p:spTgt spid="3">
                                             <p:txEl>
-                                              <p:pRg st="5" end="5"/>
+                                              <p:pRg st="4" end="4"/>
                                             </p:txEl>
                                           </p:spTgt>
                                         </p:tgtEl>
@@ -31578,6 +31574,55 @@
                                     <p:set>
                                       <p:cBhvr>
                                         <p:cTn id="22" dur="1" fill="hold">
+                                          <p:stCondLst>
+                                            <p:cond delay="0"/>
+                                          </p:stCondLst>
+                                        </p:cTn>
+                                        <p:tgtEl>
+                                          <p:spTgt spid="3">
+                                            <p:txEl>
+                                              <p:pRg st="5" end="5"/>
+                                            </p:txEl>
+                                          </p:spTgt>
+                                        </p:tgtEl>
+                                        <p:attrNameLst>
+                                          <p:attrName>style.visibility</p:attrName>
+                                        </p:attrNameLst>
+                                      </p:cBhvr>
+                                      <p:to>
+                                        <p:strVal val="visible"/>
+                                      </p:to>
+                                    </p:set>
+                                  </p:childTnLst>
+                                </p:cTn>
+                              </p:par>
+                            </p:childTnLst>
+                          </p:cTn>
+                        </p:par>
+                      </p:childTnLst>
+                    </p:cTn>
+                  </p:par>
+                  <p:par>
+                    <p:cTn id="23" fill="hold">
+                      <p:stCondLst>
+                        <p:cond delay="indefinite"/>
+                      </p:stCondLst>
+                      <p:childTnLst>
+                        <p:par>
+                          <p:cTn id="24" fill="hold">
+                            <p:stCondLst>
+                              <p:cond delay="0"/>
+                            </p:stCondLst>
+                            <p:childTnLst>
+                              <p:par>
+                                <p:cTn id="25" presetID="1" presetClass="entr" presetSubtype="0" fill="hold" grpId="0" nodeType="clickEffect">
+                                  <p:stCondLst>
+                                    <p:cond delay="0"/>
+                                  </p:stCondLst>
+                                  <p:childTnLst>
+                                    <p:set>
+                                      <p:cBhvr>
+                                        <p:cTn id="26" dur="1" fill="hold">
                                           <p:stCondLst>
                                             <p:cond delay="0"/>
                                           </p:stCondLst>
@@ -31625,6 +31670,7 @@
     </p:tnLst>
     <p:bldLst>
       <p:bldP spid="3" grpId="0" uiExpand="1" build="p" bldLvl="2"/>
+      <p:bldP spid="6" grpId="0" animBg="1"/>
       <p:bldP spid="7" grpId="0" animBg="1"/>
     </p:bldLst>
   </p:timing>
@@ -44568,7 +44614,7 @@
           <a:graphicData uri="http://schemas.openxmlformats.org/presentationml/2006/ole">
             <mc:AlternateContent xmlns:mc="http://schemas.openxmlformats.org/markup-compatibility/2006">
               <mc:Choice xmlns:v="urn:schemas-microsoft-com:vml" Requires="v">
-                <p:oleObj spid="_x0000_s1027" name="Equation" r:id="rId3" imgW="965160" imgH="228600" progId="Equation.3">
+                <p:oleObj spid="_x0000_s1029" name="Equation" r:id="rId3" imgW="965160" imgH="228600" progId="Equation.3">
                   <p:embed/>
                 </p:oleObj>
               </mc:Choice>

--- a/code_optimization.pptx
+++ b/code_optimization.pptx
@@ -1567,7 +1567,7 @@
           <a:p>
             <a:fld id="{2E6AAE95-D4FC-4D00-935A-EAE928727A56}" type="datetimeFigureOut">
               <a:rPr lang="en-US" smtClean="0"/>
-              <a:t>2022-01-27</a:t>
+              <a:t>2023-01-13</a:t>
             </a:fld>
             <a:endParaRPr lang="en-US"/>
           </a:p>
@@ -2099,7 +2099,7 @@
           <a:p>
             <a:fld id="{1CFF3F78-F57F-4409-A41B-5EC46D4F404B}" type="datetime1">
               <a:rPr lang="nl-BE" smtClean="0"/>
-              <a:t>27/01/2022</a:t>
+              <a:t>13/01/2023</a:t>
             </a:fld>
             <a:endParaRPr lang="nl-BE"/>
           </a:p>
@@ -2269,7 +2269,7 @@
           <a:p>
             <a:fld id="{7D029E61-52E3-412C-82EB-2F81B17C0AF1}" type="datetime1">
               <a:rPr lang="nl-BE" smtClean="0"/>
-              <a:t>27/01/2022</a:t>
+              <a:t>13/01/2023</a:t>
             </a:fld>
             <a:endParaRPr lang="nl-BE"/>
           </a:p>
@@ -2449,7 +2449,7 @@
           <a:p>
             <a:fld id="{A83F1CEF-A38E-4001-89C6-F3FC7784F299}" type="datetime1">
               <a:rPr lang="nl-BE" smtClean="0"/>
-              <a:t>27/01/2022</a:t>
+              <a:t>13/01/2023</a:t>
             </a:fld>
             <a:endParaRPr lang="nl-BE"/>
           </a:p>
@@ -2575,7 +2575,7 @@
           <a:p>
             <a:fld id="{1FDE84DB-AADA-4C3F-BF46-CA664A504479}" type="datetime1">
               <a:rPr lang="nl-BE" smtClean="0"/>
-              <a:t>27/01/2022</a:t>
+              <a:t>13/01/2023</a:t>
             </a:fld>
             <a:endParaRPr lang="nl-BE" dirty="0"/>
           </a:p>
@@ -2812,7 +2812,7 @@
           <a:p>
             <a:fld id="{8CD53A43-C15C-4F05-9AD7-DB9DE837084D}" type="datetime1">
               <a:rPr lang="nl-BE" smtClean="0"/>
-              <a:t>27/01/2022</a:t>
+              <a:t>13/01/2023</a:t>
             </a:fld>
             <a:endParaRPr lang="nl-BE"/>
           </a:p>
@@ -3058,7 +3058,7 @@
           <a:p>
             <a:fld id="{8994D238-D949-4AEF-9753-A8B6EFA964A0}" type="datetime1">
               <a:rPr lang="nl-BE" smtClean="0"/>
-              <a:t>27/01/2022</a:t>
+              <a:t>13/01/2023</a:t>
             </a:fld>
             <a:endParaRPr lang="nl-BE"/>
           </a:p>
@@ -3346,7 +3346,7 @@
           <a:p>
             <a:fld id="{4D234023-BF99-4AD0-835E-8125DA2B6664}" type="datetime1">
               <a:rPr lang="nl-BE" smtClean="0"/>
-              <a:t>27/01/2022</a:t>
+              <a:t>13/01/2023</a:t>
             </a:fld>
             <a:endParaRPr lang="nl-BE"/>
           </a:p>
@@ -3768,7 +3768,7 @@
           <a:p>
             <a:fld id="{DB075A73-5C1D-406E-9444-3C5C58580E8E}" type="datetime1">
               <a:rPr lang="nl-BE" smtClean="0"/>
-              <a:t>27/01/2022</a:t>
+              <a:t>13/01/2023</a:t>
             </a:fld>
             <a:endParaRPr lang="nl-BE"/>
           </a:p>
@@ -3886,7 +3886,7 @@
           <a:p>
             <a:fld id="{E111FB2D-2E17-4D8F-A64A-4EB0C3D12494}" type="datetime1">
               <a:rPr lang="nl-BE" smtClean="0"/>
-              <a:t>27/01/2022</a:t>
+              <a:t>13/01/2023</a:t>
             </a:fld>
             <a:endParaRPr lang="nl-BE"/>
           </a:p>
@@ -3981,7 +3981,7 @@
           <a:p>
             <a:fld id="{5BE27D71-2267-4E44-9F33-05B60E5C7D9D}" type="datetime1">
               <a:rPr lang="nl-BE" smtClean="0"/>
-              <a:t>27/01/2022</a:t>
+              <a:t>13/01/2023</a:t>
             </a:fld>
             <a:endParaRPr lang="nl-BE"/>
           </a:p>
@@ -4258,7 +4258,7 @@
           <a:p>
             <a:fld id="{182F587C-96C8-4813-A767-3084061A3229}" type="datetime1">
               <a:rPr lang="nl-BE" smtClean="0"/>
-              <a:t>27/01/2022</a:t>
+              <a:t>13/01/2023</a:t>
             </a:fld>
             <a:endParaRPr lang="nl-BE"/>
           </a:p>
@@ -4511,7 +4511,7 @@
           <a:p>
             <a:fld id="{8B021CF8-BBBB-4DFA-8713-49842AA07274}" type="datetime1">
               <a:rPr lang="nl-BE" smtClean="0"/>
-              <a:t>27/01/2022</a:t>
+              <a:t>13/01/2023</a:t>
             </a:fld>
             <a:endParaRPr lang="nl-BE"/>
           </a:p>
@@ -4724,7 +4724,7 @@
           <a:p>
             <a:fld id="{CDBFABB5-0AB3-4CB6-A705-6887DEB1F9F2}" type="datetime1">
               <a:rPr lang="nl-BE" smtClean="0"/>
-              <a:t>27/01/2022</a:t>
+              <a:t>13/01/2023</a:t>
             </a:fld>
             <a:endParaRPr lang="nl-BE"/>
           </a:p>
@@ -5246,6 +5246,87 @@
           </a:p>
         </p:txBody>
       </p:sp>
+      <p:pic>
+        <p:nvPicPr>
+          <p:cNvPr id="5" name="Picture 4">
+            <a:extLst>
+              <a:ext uri="{FF2B5EF4-FFF2-40B4-BE49-F238E27FC236}">
+                <a16:creationId xmlns:a16="http://schemas.microsoft.com/office/drawing/2014/main" id="{BEFDE171-9261-A020-5482-4FFBB4340426}"/>
+              </a:ext>
+            </a:extLst>
+          </p:cNvPr>
+          <p:cNvPicPr>
+            <a:picLocks noChangeAspect="1"/>
+          </p:cNvPicPr>
+          <p:nvPr/>
+        </p:nvPicPr>
+        <p:blipFill>
+          <a:blip r:embed="rId4">
+            <a:extLst>
+              <a:ext uri="{28A0092B-C50C-407E-A947-70E740481C1C}">
+                <a14:useLocalDpi xmlns:a14="http://schemas.microsoft.com/office/drawing/2010/main" val="0"/>
+              </a:ext>
+            </a:extLst>
+          </a:blip>
+          <a:stretch>
+            <a:fillRect/>
+          </a:stretch>
+        </p:blipFill>
+        <p:spPr>
+          <a:xfrm>
+            <a:off x="688120" y="1033463"/>
+            <a:ext cx="2085975" cy="352425"/>
+          </a:xfrm>
+          <a:prstGeom prst="rect">
+            <a:avLst/>
+          </a:prstGeom>
+        </p:spPr>
+      </p:pic>
+      <p:pic>
+        <p:nvPicPr>
+          <p:cNvPr id="7" name="Picture 4">
+            <a:extLst>
+              <a:ext uri="{FF2B5EF4-FFF2-40B4-BE49-F238E27FC236}">
+                <a16:creationId xmlns:a16="http://schemas.microsoft.com/office/drawing/2014/main" id="{FC737E69-BEBE-DB24-C46E-26CE50DED9A6}"/>
+              </a:ext>
+            </a:extLst>
+          </p:cNvPr>
+          <p:cNvPicPr>
+            <a:picLocks noChangeAspect="1" noChangeArrowheads="1"/>
+          </p:cNvPicPr>
+          <p:nvPr/>
+        </p:nvPicPr>
+        <p:blipFill rotWithShape="1">
+          <a:blip r:embed="rId5" cstate="print">
+            <a:extLst>
+              <a:ext uri="{28A0092B-C50C-407E-A947-70E740481C1C}">
+                <a14:useLocalDpi xmlns:a14="http://schemas.microsoft.com/office/drawing/2010/main" val="0"/>
+              </a:ext>
+            </a:extLst>
+          </a:blip>
+          <a:srcRect b="16829"/>
+          <a:stretch/>
+        </p:blipFill>
+        <p:spPr bwMode="auto">
+          <a:xfrm>
+            <a:off x="7005153" y="322114"/>
+            <a:ext cx="1534493" cy="1422699"/>
+          </a:xfrm>
+          <a:prstGeom prst="rect">
+            <a:avLst/>
+          </a:prstGeom>
+          <a:noFill/>
+          <a:extLst>
+            <a:ext uri="{909E8E84-426E-40DD-AFC4-6F175D3DCCD1}">
+              <a14:hiddenFill xmlns:a14="http://schemas.microsoft.com/office/drawing/2010/main">
+                <a:solidFill>
+                  <a:srgbClr val="FFFFFF"/>
+                </a:solidFill>
+              </a14:hiddenFill>
+            </a:ext>
+          </a:extLst>
+        </p:spPr>
+      </p:pic>
     </p:spTree>
     <p:extLst>
       <p:ext uri="{BB962C8B-B14F-4D97-AF65-F5344CB8AC3E}">
@@ -11713,12 +11794,12 @@
           <a:graphicData uri="http://schemas.openxmlformats.org/presentationml/2006/ole">
             <mc:AlternateContent xmlns:mc="http://schemas.openxmlformats.org/markup-compatibility/2006">
               <mc:Choice xmlns:v="urn:schemas-microsoft-com:vml" Requires="v">
-                <p:oleObj spid="_x0000_s2056" name="Equation" r:id="rId3" imgW="812520" imgH="393480" progId="Equation.3">
+                <p:oleObj name="Equation" r:id="rId2" imgW="812520" imgH="393480" progId="Equation.3">
                   <p:embed/>
                 </p:oleObj>
               </mc:Choice>
               <mc:Fallback>
-                <p:oleObj name="Equation" r:id="rId3" imgW="812520" imgH="393480" progId="Equation.3">
+                <p:oleObj name="Equation" r:id="rId2" imgW="812520" imgH="393480" progId="Equation.3">
                   <p:embed/>
                   <p:pic>
                     <p:nvPicPr>
@@ -11727,7 +11808,7 @@
                       <p:nvPr/>
                     </p:nvPicPr>
                     <p:blipFill>
-                      <a:blip r:embed="rId4"/>
+                      <a:blip r:embed="rId3"/>
                       <a:stretch>
                         <a:fillRect/>
                       </a:stretch>
@@ -11770,12 +11851,12 @@
           <a:graphicData uri="http://schemas.openxmlformats.org/presentationml/2006/ole">
             <mc:AlternateContent xmlns:mc="http://schemas.openxmlformats.org/markup-compatibility/2006">
               <mc:Choice xmlns:v="urn:schemas-microsoft-com:vml" Requires="v">
-                <p:oleObj spid="_x0000_s2057" name="Equation" r:id="rId5" imgW="2489040" imgH="431640" progId="Equation.3">
+                <p:oleObj name="Equation" r:id="rId4" imgW="2489040" imgH="431640" progId="Equation.3">
                   <p:embed/>
                 </p:oleObj>
               </mc:Choice>
               <mc:Fallback>
-                <p:oleObj name="Equation" r:id="rId5" imgW="2489040" imgH="431640" progId="Equation.3">
+                <p:oleObj name="Equation" r:id="rId4" imgW="2489040" imgH="431640" progId="Equation.3">
                   <p:embed/>
                   <p:pic>
                     <p:nvPicPr>
@@ -11784,7 +11865,7 @@
                       <p:nvPr/>
                     </p:nvPicPr>
                     <p:blipFill>
-                      <a:blip r:embed="rId6"/>
+                      <a:blip r:embed="rId5"/>
                       <a:stretch>
                         <a:fillRect/>
                       </a:stretch>
@@ -22270,12 +22351,12 @@
           <a:graphicData uri="http://schemas.openxmlformats.org/presentationml/2006/ole">
             <mc:AlternateContent xmlns:mc="http://schemas.openxmlformats.org/markup-compatibility/2006">
               <mc:Choice xmlns:v="urn:schemas-microsoft-com:vml" Requires="v">
-                <p:oleObj spid="_x0000_s3080" name="Equation" r:id="rId3" imgW="1091880" imgH="1041120" progId="Equation.3">
+                <p:oleObj name="Equation" r:id="rId2" imgW="1091880" imgH="1041120" progId="Equation.3">
                   <p:embed/>
                 </p:oleObj>
               </mc:Choice>
               <mc:Fallback>
-                <p:oleObj name="Equation" r:id="rId3" imgW="1091880" imgH="1041120" progId="Equation.3">
+                <p:oleObj name="Equation" r:id="rId2" imgW="1091880" imgH="1041120" progId="Equation.3">
                   <p:embed/>
                   <p:pic>
                     <p:nvPicPr>
@@ -22284,7 +22365,7 @@
                       <p:nvPr/>
                     </p:nvPicPr>
                     <p:blipFill>
-                      <a:blip r:embed="rId4"/>
+                      <a:blip r:embed="rId3"/>
                       <a:stretch>
                         <a:fillRect/>
                       </a:stretch>
@@ -23625,12 +23706,12 @@
           <a:graphicData uri="http://schemas.openxmlformats.org/presentationml/2006/ole">
             <mc:AlternateContent xmlns:mc="http://schemas.openxmlformats.org/markup-compatibility/2006">
               <mc:Choice xmlns:v="urn:schemas-microsoft-com:vml" Requires="v">
-                <p:oleObj spid="_x0000_s3081" name="Equation" r:id="rId5" imgW="1091880" imgH="1041120" progId="Equation.3">
+                <p:oleObj name="Equation" r:id="rId4" imgW="1091880" imgH="1041120" progId="Equation.3">
                   <p:embed/>
                 </p:oleObj>
               </mc:Choice>
               <mc:Fallback>
-                <p:oleObj name="Equation" r:id="rId5" imgW="1091880" imgH="1041120" progId="Equation.3">
+                <p:oleObj name="Equation" r:id="rId4" imgW="1091880" imgH="1041120" progId="Equation.3">
                   <p:embed/>
                   <p:pic>
                     <p:nvPicPr>
@@ -23639,7 +23720,7 @@
                       <p:nvPr/>
                     </p:nvPicPr>
                     <p:blipFill>
-                      <a:blip r:embed="rId4"/>
+                      <a:blip r:embed="rId3"/>
                       <a:stretch>
                         <a:fillRect/>
                       </a:stretch>
@@ -44614,12 +44695,12 @@
           <a:graphicData uri="http://schemas.openxmlformats.org/presentationml/2006/ole">
             <mc:AlternateContent xmlns:mc="http://schemas.openxmlformats.org/markup-compatibility/2006">
               <mc:Choice xmlns:v="urn:schemas-microsoft-com:vml" Requires="v">
-                <p:oleObj spid="_x0000_s1029" name="Equation" r:id="rId3" imgW="965160" imgH="228600" progId="Equation.3">
+                <p:oleObj name="Equation" r:id="rId2" imgW="965160" imgH="228600" progId="Equation.3">
                   <p:embed/>
                 </p:oleObj>
               </mc:Choice>
               <mc:Fallback>
-                <p:oleObj name="Equation" r:id="rId3" imgW="965160" imgH="228600" progId="Equation.3">
+                <p:oleObj name="Equation" r:id="rId2" imgW="965160" imgH="228600" progId="Equation.3">
                   <p:embed/>
                   <p:pic>
                     <p:nvPicPr>
@@ -44628,7 +44709,7 @@
                       <p:nvPr/>
                     </p:nvPicPr>
                     <p:blipFill>
-                      <a:blip r:embed="rId4"/>
+                      <a:blip r:embed="rId3"/>
                       <a:stretch>
                         <a:fillRect/>
                       </a:stretch>
@@ -46233,7 +46314,7 @@
         <p:spPr>
           <a:xfrm>
             <a:off x="1187624" y="2276872"/>
-            <a:ext cx="7629012" cy="369332"/>
+            <a:ext cx="7766870" cy="369332"/>
           </a:xfrm>
           <a:prstGeom prst="rect">
             <a:avLst/>
@@ -46299,7 +46380,7 @@
         <p:spPr>
           <a:xfrm>
             <a:off x="1187624" y="4139788"/>
-            <a:ext cx="7629012" cy="369332"/>
+            <a:ext cx="7766870" cy="369332"/>
           </a:xfrm>
           <a:prstGeom prst="rect">
             <a:avLst/>
@@ -46333,7 +46414,7 @@
                 <a:latin typeface="Courier New" panose="02070309020205020404" pitchFamily="49" charset="0"/>
                 <a:cs typeface="Courier New" panose="02070309020205020404" pitchFamily="49" charset="0"/>
               </a:rPr>
-              <a:t>  -prof-use  prof-</a:t>
+              <a:t>  -prof-use  -prof-</a:t>
             </a:r>
             <a:r>
               <a:rPr lang="en-US" dirty="0" err="1">

--- a/code_optimization.pptx
+++ b/code_optimization.pptx
@@ -1567,7 +1567,7 @@
           <a:p>
             <a:fld id="{2E6AAE95-D4FC-4D00-935A-EAE928727A56}" type="datetimeFigureOut">
               <a:rPr lang="en-US" smtClean="0"/>
-              <a:t>2023-01-13</a:t>
+              <a:t>2025-01-15</a:t>
             </a:fld>
             <a:endParaRPr lang="en-US"/>
           </a:p>
@@ -2099,7 +2099,7 @@
           <a:p>
             <a:fld id="{1CFF3F78-F57F-4409-A41B-5EC46D4F404B}" type="datetime1">
               <a:rPr lang="nl-BE" smtClean="0"/>
-              <a:t>13/01/2023</a:t>
+              <a:t>15/01/2025</a:t>
             </a:fld>
             <a:endParaRPr lang="nl-BE"/>
           </a:p>
@@ -2269,7 +2269,7 @@
           <a:p>
             <a:fld id="{7D029E61-52E3-412C-82EB-2F81B17C0AF1}" type="datetime1">
               <a:rPr lang="nl-BE" smtClean="0"/>
-              <a:t>13/01/2023</a:t>
+              <a:t>15/01/2025</a:t>
             </a:fld>
             <a:endParaRPr lang="nl-BE"/>
           </a:p>
@@ -2449,7 +2449,7 @@
           <a:p>
             <a:fld id="{A83F1CEF-A38E-4001-89C6-F3FC7784F299}" type="datetime1">
               <a:rPr lang="nl-BE" smtClean="0"/>
-              <a:t>13/01/2023</a:t>
+              <a:t>15/01/2025</a:t>
             </a:fld>
             <a:endParaRPr lang="nl-BE"/>
           </a:p>
@@ -2575,7 +2575,7 @@
           <a:p>
             <a:fld id="{1FDE84DB-AADA-4C3F-BF46-CA664A504479}" type="datetime1">
               <a:rPr lang="nl-BE" smtClean="0"/>
-              <a:t>13/01/2023</a:t>
+              <a:t>15/01/2025</a:t>
             </a:fld>
             <a:endParaRPr lang="nl-BE" dirty="0"/>
           </a:p>
@@ -2812,7 +2812,7 @@
           <a:p>
             <a:fld id="{8CD53A43-C15C-4F05-9AD7-DB9DE837084D}" type="datetime1">
               <a:rPr lang="nl-BE" smtClean="0"/>
-              <a:t>13/01/2023</a:t>
+              <a:t>15/01/2025</a:t>
             </a:fld>
             <a:endParaRPr lang="nl-BE"/>
           </a:p>
@@ -3058,7 +3058,7 @@
           <a:p>
             <a:fld id="{8994D238-D949-4AEF-9753-A8B6EFA964A0}" type="datetime1">
               <a:rPr lang="nl-BE" smtClean="0"/>
-              <a:t>13/01/2023</a:t>
+              <a:t>15/01/2025</a:t>
             </a:fld>
             <a:endParaRPr lang="nl-BE"/>
           </a:p>
@@ -3346,7 +3346,7 @@
           <a:p>
             <a:fld id="{4D234023-BF99-4AD0-835E-8125DA2B6664}" type="datetime1">
               <a:rPr lang="nl-BE" smtClean="0"/>
-              <a:t>13/01/2023</a:t>
+              <a:t>15/01/2025</a:t>
             </a:fld>
             <a:endParaRPr lang="nl-BE"/>
           </a:p>
@@ -3768,7 +3768,7 @@
           <a:p>
             <a:fld id="{DB075A73-5C1D-406E-9444-3C5C58580E8E}" type="datetime1">
               <a:rPr lang="nl-BE" smtClean="0"/>
-              <a:t>13/01/2023</a:t>
+              <a:t>15/01/2025</a:t>
             </a:fld>
             <a:endParaRPr lang="nl-BE"/>
           </a:p>
@@ -3886,7 +3886,7 @@
           <a:p>
             <a:fld id="{E111FB2D-2E17-4D8F-A64A-4EB0C3D12494}" type="datetime1">
               <a:rPr lang="nl-BE" smtClean="0"/>
-              <a:t>13/01/2023</a:t>
+              <a:t>15/01/2025</a:t>
             </a:fld>
             <a:endParaRPr lang="nl-BE"/>
           </a:p>
@@ -3981,7 +3981,7 @@
           <a:p>
             <a:fld id="{5BE27D71-2267-4E44-9F33-05B60E5C7D9D}" type="datetime1">
               <a:rPr lang="nl-BE" smtClean="0"/>
-              <a:t>13/01/2023</a:t>
+              <a:t>15/01/2025</a:t>
             </a:fld>
             <a:endParaRPr lang="nl-BE"/>
           </a:p>
@@ -4258,7 +4258,7 @@
           <a:p>
             <a:fld id="{182F587C-96C8-4813-A767-3084061A3229}" type="datetime1">
               <a:rPr lang="nl-BE" smtClean="0"/>
-              <a:t>13/01/2023</a:t>
+              <a:t>15/01/2025</a:t>
             </a:fld>
             <a:endParaRPr lang="nl-BE"/>
           </a:p>
@@ -4511,7 +4511,7 @@
           <a:p>
             <a:fld id="{8B021CF8-BBBB-4DFA-8713-49842AA07274}" type="datetime1">
               <a:rPr lang="nl-BE" smtClean="0"/>
-              <a:t>13/01/2023</a:t>
+              <a:t>15/01/2025</a:t>
             </a:fld>
             <a:endParaRPr lang="nl-BE"/>
           </a:p>
@@ -4724,7 +4724,7 @@
           <a:p>
             <a:fld id="{CDBFABB5-0AB3-4CB6-A705-6887DEB1F9F2}" type="datetime1">
               <a:rPr lang="nl-BE" smtClean="0"/>
-              <a:t>13/01/2023</a:t>
+              <a:t>15/01/2025</a:t>
             </a:fld>
             <a:endParaRPr lang="nl-BE"/>
           </a:p>
@@ -23706,12 +23706,12 @@
           <a:graphicData uri="http://schemas.openxmlformats.org/presentationml/2006/ole">
             <mc:AlternateContent xmlns:mc="http://schemas.openxmlformats.org/markup-compatibility/2006">
               <mc:Choice xmlns:v="urn:schemas-microsoft-com:vml" Requires="v">
-                <p:oleObj name="Equation" r:id="rId4" imgW="1091880" imgH="1041120" progId="Equation.3">
+                <p:oleObj name="Equation" r:id="rId2" imgW="1091880" imgH="1041120" progId="Equation.3">
                   <p:embed/>
                 </p:oleObj>
               </mc:Choice>
               <mc:Fallback>
-                <p:oleObj name="Equation" r:id="rId4" imgW="1091880" imgH="1041120" progId="Equation.3">
+                <p:oleObj name="Equation" r:id="rId2" imgW="1091880" imgH="1041120" progId="Equation.3">
                   <p:embed/>
                   <p:pic>
                     <p:nvPicPr>
@@ -47643,7 +47643,7 @@
             <a:pPr lvl="1"/>
             <a:r>
               <a:rPr lang="en-US" dirty="0" err="1"/>
-              <a:t>ArmForge</a:t>
+              <a:t>Linaro</a:t>
             </a:r>
             <a:r>
               <a:rPr lang="en-US" dirty="0"/>

--- a/code_optimization.pptx
+++ b/code_optimization.pptx
@@ -17473,6 +17473,42 @@
           </a:p>
         </p:txBody>
       </p:sp>
+      <p:sp>
+        <p:nvSpPr>
+          <p:cNvPr id="18" name="TextBox 17">
+            <a:extLst>
+              <a:ext uri="{FF2B5EF4-FFF2-40B4-BE49-F238E27FC236}">
+                <a16:creationId xmlns:a16="http://schemas.microsoft.com/office/drawing/2014/main" id="{FB123B30-C153-E276-F448-F8D1A1EBA986}"/>
+              </a:ext>
+            </a:extLst>
+          </p:cNvPr>
+          <p:cNvSpPr txBox="1"/>
+          <p:nvPr/>
+        </p:nvSpPr>
+        <p:spPr>
+          <a:xfrm>
+            <a:off x="4211960" y="6093296"/>
+            <a:ext cx="3599960" cy="369332"/>
+          </a:xfrm>
+          <a:prstGeom prst="rect">
+            <a:avLst/>
+          </a:prstGeom>
+          <a:noFill/>
+        </p:spPr>
+        <p:txBody>
+          <a:bodyPr wrap="none" rtlCol="0">
+            <a:spAutoFit/>
+          </a:bodyPr>
+          <a:lstStyle/>
+          <a:p>
+            <a:r>
+              <a:rPr lang="en-US" dirty="0"/>
+              <a:t>UPI = Ultra Path Interconnect (Intel)</a:t>
+            </a:r>
+            <a:endParaRPr lang="LID4096" dirty="0"/>
+          </a:p>
+        </p:txBody>
+      </p:sp>
     </p:spTree>
     <p:extLst>
       <p:ext uri="{BB962C8B-B14F-4D97-AF65-F5344CB8AC3E}">

--- a/code_optimization.pptx
+++ b/code_optimization.pptx
@@ -32619,7 +32619,7 @@
                 <a:latin typeface="Courier New" panose="02070309020205020404" pitchFamily="49" charset="0"/>
                 <a:cs typeface="Courier New" panose="02070309020205020404" pitchFamily="49" charset="0"/>
               </a:rPr>
-              <a:t>    return 3.1425927*radius*radius;</a:t>
+              <a:t>    return 3.1415927*radius*radius;</a:t>
             </a:r>
           </a:p>
           <a:p>
@@ -32828,7 +32828,7 @@
                 <a:latin typeface="Courier New" panose="02070309020205020404" pitchFamily="49" charset="0"/>
                 <a:cs typeface="Courier New" panose="02070309020205020404" pitchFamily="49" charset="0"/>
               </a:rPr>
-              <a:t>    return 3.1425927f*radius*radius;</a:t>
+              <a:t>    return 3.1415927f*radius*radius;</a:t>
             </a:r>
           </a:p>
           <a:p>
